--- a/system_architecture.pptx
+++ b/system_architecture.pptx
@@ -11,8 +11,9 @@
     <p:handoutMasterId r:id="rId6"/>
   </p:handoutMasterIdLst>
   <p:sldIdLst>
-    <p:sldId id="256" r:id="rId3"/>
-    <p:sldId id="257" r:id="rId4"/>
+    <p:sldId id="256" r:id="rId2"/>
+    <p:sldId id="257" r:id="rId3"/>
+    <p:sldId id="258" r:id="rId4"/>
   </p:sldIdLst>
   <p:sldSz cx="12192000" cy="6858000"/>
   <p:notesSz cx="6858000" cy="9144000"/>
@@ -111,6 +112,11 @@
       </a:defRPr>
     </a:lvl9pPr>
   </p:defaultTextStyle>
+  <p:extLst>
+    <p:ext uri="{EFAFB233-063F-42B5-8137-9DF3F51BA10A}">
+      <p15:sldGuideLst xmlns:p15="http://schemas.microsoft.com/office/powerpoint/2012/main"/>
+    </p:ext>
+  </p:extLst>
 </p:presentation>
 </file>
 
@@ -196,6 +202,7 @@
           <a:p>
             <a:fld id="{0F9B84EA-7D68-4D60-9CB1-D50884785D1C}" type="datetimeFigureOut">
               <a:rPr lang="zh-CN" altLang="en-US" smtClean="0"/>
+              <a:t>2018/3/10</a:t>
             </a:fld>
             <a:endParaRPr lang="zh-CN" altLang="en-US"/>
           </a:p>
@@ -261,6 +268,7 @@
           <a:p>
             <a:fld id="{8D4E0FC9-F1F8-4FAE-9988-3BA365CFD46F}" type="slidenum">
               <a:rPr lang="zh-CN" altLang="en-US" smtClean="0"/>
+              <a:t>‹#›</a:t>
             </a:fld>
             <a:endParaRPr lang="zh-CN" altLang="en-US"/>
           </a:p>
@@ -354,6 +362,7 @@
           <a:p>
             <a:fld id="{D2A48B96-639E-45A3-A0BA-2464DFDB1FAA}" type="datetimeFigureOut">
               <a:rPr lang="zh-CN" altLang="en-US" smtClean="0"/>
+              <a:t>2018/3/10</a:t>
             </a:fld>
             <a:endParaRPr lang="zh-CN" altLang="en-US"/>
           </a:p>
@@ -417,42 +426,37 @@
           <a:p>
             <a:pPr lvl="0"/>
             <a:r>
-              <a:rPr lang="zh-CN" altLang="en-US" smtClean="0"/>
+              <a:rPr lang="zh-CN" altLang="en-US"/>
               <a:t>单击此处编辑母版文本样式</a:t>
             </a:r>
-            <a:endParaRPr lang="zh-CN" altLang="en-US" smtClean="0"/>
           </a:p>
           <a:p>
             <a:pPr lvl="1"/>
             <a:r>
-              <a:rPr lang="zh-CN" altLang="en-US" smtClean="0"/>
+              <a:rPr lang="zh-CN" altLang="en-US"/>
               <a:t>第二级</a:t>
             </a:r>
-            <a:endParaRPr lang="zh-CN" altLang="en-US" smtClean="0"/>
           </a:p>
           <a:p>
             <a:pPr lvl="2"/>
             <a:r>
-              <a:rPr lang="zh-CN" altLang="en-US" smtClean="0"/>
+              <a:rPr lang="zh-CN" altLang="en-US"/>
               <a:t>第三级</a:t>
             </a:r>
-            <a:endParaRPr lang="zh-CN" altLang="en-US" smtClean="0"/>
           </a:p>
           <a:p>
             <a:pPr lvl="3"/>
             <a:r>
-              <a:rPr lang="zh-CN" altLang="en-US" smtClean="0"/>
+              <a:rPr lang="zh-CN" altLang="en-US"/>
               <a:t>第四级</a:t>
             </a:r>
-            <a:endParaRPr lang="zh-CN" altLang="en-US" smtClean="0"/>
           </a:p>
           <a:p>
             <a:pPr lvl="4"/>
             <a:r>
-              <a:rPr lang="zh-CN" altLang="en-US" smtClean="0"/>
+              <a:rPr lang="zh-CN" altLang="en-US"/>
               <a:t>第五级</a:t>
             </a:r>
-            <a:endParaRPr lang="zh-CN" altLang="en-US"/>
           </a:p>
         </p:txBody>
       </p:sp>
@@ -516,6 +520,7 @@
           <a:p>
             <a:fld id="{A6837353-30EB-4A48-80EB-173D804AEFBD}" type="slidenum">
               <a:rPr lang="zh-CN" altLang="en-US" smtClean="0"/>
+              <a:t>‹#›</a:t>
             </a:fld>
             <a:endParaRPr lang="zh-CN" altLang="en-US"/>
           </a:p>
@@ -628,11 +633,20 @@
         <p:cNvGrpSpPr/>
         <p:nvPr/>
       </p:nvGrpSpPr>
-      <p:grpSpPr/>
+      <p:grpSpPr>
+        <a:xfrm>
+          <a:off x="0" y="0"/>
+          <a:ext cx="0" cy="0"/>
+          <a:chOff x="0" y="0"/>
+          <a:chExt cx="0" cy="0"/>
+        </a:xfrm>
+      </p:grpSpPr>
       <p:sp>
         <p:nvSpPr>
           <p:cNvPr id="2" name="幻灯片图像占位符 1"/>
-          <p:cNvSpPr/>
+          <p:cNvSpPr>
+            <a:spLocks noGrp="1" noRot="1" noChangeAspect="1"/>
+          </p:cNvSpPr>
           <p:nvPr>
             <p:ph type="sldImg" idx="2"/>
           </p:nvPr>
@@ -642,7 +656,9 @@
       <p:sp>
         <p:nvSpPr>
           <p:cNvPr id="3" name="文本占位符 2"/>
-          <p:cNvSpPr/>
+          <p:cNvSpPr>
+            <a:spLocks noGrp="1"/>
+          </p:cNvSpPr>
           <p:nvPr>
             <p:ph type="body" idx="3"/>
           </p:nvPr>
@@ -650,12 +666,74 @@
         <p:spPr/>
         <p:txBody>
           <a:bodyPr/>
+          <a:lstStyle/>
           <a:p>
             <a:endParaRPr lang="zh-CN" altLang="en-US"/>
           </a:p>
         </p:txBody>
       </p:sp>
     </p:spTree>
+  </p:cSld>
+  <p:clrMapOvr>
+    <a:masterClrMapping/>
+  </p:clrMapOvr>
+</p:notes>
+</file>
+
+<file path=ppt/notesSlides/notesSlide2.xml><?xml version="1.0" encoding="utf-8"?>
+<p:notes xmlns:a="http://schemas.openxmlformats.org/drawingml/2006/main" xmlns:r="http://schemas.openxmlformats.org/officeDocument/2006/relationships" xmlns:p="http://schemas.openxmlformats.org/presentationml/2006/main">
+  <p:cSld>
+    <p:spTree>
+      <p:nvGrpSpPr>
+        <p:cNvPr id="1" name=""/>
+        <p:cNvGrpSpPr/>
+        <p:nvPr/>
+      </p:nvGrpSpPr>
+      <p:grpSpPr>
+        <a:xfrm>
+          <a:off x="0" y="0"/>
+          <a:ext cx="0" cy="0"/>
+          <a:chOff x="0" y="0"/>
+          <a:chExt cx="0" cy="0"/>
+        </a:xfrm>
+      </p:grpSpPr>
+      <p:sp>
+        <p:nvSpPr>
+          <p:cNvPr id="2" name="幻灯片图像占位符 1"/>
+          <p:cNvSpPr>
+            <a:spLocks noGrp="1" noRot="1" noChangeAspect="1"/>
+          </p:cNvSpPr>
+          <p:nvPr>
+            <p:ph type="sldImg" idx="2"/>
+          </p:nvPr>
+        </p:nvSpPr>
+        <p:spPr/>
+      </p:sp>
+      <p:sp>
+        <p:nvSpPr>
+          <p:cNvPr id="3" name="文本占位符 2"/>
+          <p:cNvSpPr>
+            <a:spLocks noGrp="1"/>
+          </p:cNvSpPr>
+          <p:nvPr>
+            <p:ph type="body" idx="3"/>
+          </p:nvPr>
+        </p:nvSpPr>
+        <p:spPr/>
+        <p:txBody>
+          <a:bodyPr/>
+          <a:lstStyle/>
+          <a:p>
+            <a:endParaRPr lang="zh-CN" altLang="en-US"/>
+          </a:p>
+        </p:txBody>
+      </p:sp>
+    </p:spTree>
+    <p:extLst>
+      <p:ext uri="{BB962C8B-B14F-4D97-AF65-F5344CB8AC3E}">
+        <p14:creationId xmlns:p14="http://schemas.microsoft.com/office/powerpoint/2010/main" val="1364394971"/>
+      </p:ext>
+    </p:extLst>
   </p:cSld>
   <p:clrMapOvr>
     <a:masterClrMapping/>
@@ -705,10 +783,9 @@
           </a:lstStyle>
           <a:p>
             <a:r>
-              <a:rPr lang="zh-CN" altLang="en-US" smtClean="0"/>
+              <a:rPr lang="zh-CN" altLang="en-US"/>
               <a:t>单击此处编辑母版标题样式</a:t>
             </a:r>
-            <a:endParaRPr lang="zh-CN" altLang="en-US"/>
           </a:p>
         </p:txBody>
       </p:sp>
@@ -770,10 +847,9 @@
           </a:lstStyle>
           <a:p>
             <a:r>
-              <a:rPr lang="zh-CN" altLang="en-US" smtClean="0"/>
+              <a:rPr lang="zh-CN" altLang="en-US"/>
               <a:t>单击此处编辑母版副标题样式</a:t>
             </a:r>
-            <a:endParaRPr lang="zh-CN" altLang="en-US"/>
           </a:p>
         </p:txBody>
       </p:sp>
@@ -794,6 +870,7 @@
           <a:p>
             <a:fld id="{D997B5FA-0921-464F-AAE1-844C04324D75}" type="datetimeFigureOut">
               <a:rPr lang="zh-CN" altLang="en-US" smtClean="0"/>
+              <a:t>2018/3/10</a:t>
             </a:fld>
             <a:endParaRPr lang="zh-CN" altLang="en-US"/>
           </a:p>
@@ -835,6 +912,7 @@
           <a:p>
             <a:fld id="{565CE74E-AB26-4998-AD42-012C4C1AD076}" type="slidenum">
               <a:rPr lang="zh-CN" altLang="en-US" smtClean="0"/>
+              <a:t>‹#›</a:t>
             </a:fld>
             <a:endParaRPr lang="zh-CN" altLang="en-US"/>
           </a:p>
@@ -881,10 +959,9 @@
           <a:lstStyle/>
           <a:p>
             <a:r>
-              <a:rPr lang="zh-CN" altLang="en-US" smtClean="0"/>
+              <a:rPr lang="zh-CN" altLang="en-US"/>
               <a:t>单击此处编辑母版标题样式</a:t>
             </a:r>
-            <a:endParaRPr lang="zh-CN" altLang="en-US"/>
           </a:p>
         </p:txBody>
       </p:sp>
@@ -905,42 +982,37 @@
           <a:p>
             <a:pPr lvl="0"/>
             <a:r>
-              <a:rPr lang="zh-CN" altLang="en-US" smtClean="0"/>
+              <a:rPr lang="zh-CN" altLang="en-US"/>
               <a:t>单击此处编辑母版文本样式</a:t>
             </a:r>
-            <a:endParaRPr lang="zh-CN" altLang="en-US" smtClean="0"/>
           </a:p>
           <a:p>
             <a:pPr lvl="1"/>
             <a:r>
-              <a:rPr lang="zh-CN" altLang="en-US" smtClean="0"/>
+              <a:rPr lang="zh-CN" altLang="en-US"/>
               <a:t>第二级</a:t>
             </a:r>
-            <a:endParaRPr lang="zh-CN" altLang="en-US" smtClean="0"/>
           </a:p>
           <a:p>
             <a:pPr lvl="2"/>
             <a:r>
-              <a:rPr lang="zh-CN" altLang="en-US" smtClean="0"/>
+              <a:rPr lang="zh-CN" altLang="en-US"/>
               <a:t>第三级</a:t>
             </a:r>
-            <a:endParaRPr lang="zh-CN" altLang="en-US" smtClean="0"/>
           </a:p>
           <a:p>
             <a:pPr lvl="3"/>
             <a:r>
-              <a:rPr lang="zh-CN" altLang="en-US" smtClean="0"/>
+              <a:rPr lang="zh-CN" altLang="en-US"/>
               <a:t>第四级</a:t>
             </a:r>
-            <a:endParaRPr lang="zh-CN" altLang="en-US" smtClean="0"/>
           </a:p>
           <a:p>
             <a:pPr lvl="4"/>
             <a:r>
-              <a:rPr lang="zh-CN" altLang="en-US" smtClean="0"/>
+              <a:rPr lang="zh-CN" altLang="en-US"/>
               <a:t>第五级</a:t>
             </a:r>
-            <a:endParaRPr lang="zh-CN" altLang="en-US"/>
           </a:p>
         </p:txBody>
       </p:sp>
@@ -961,6 +1033,7 @@
           <a:p>
             <a:fld id="{D997B5FA-0921-464F-AAE1-844C04324D75}" type="datetimeFigureOut">
               <a:rPr lang="zh-CN" altLang="en-US" smtClean="0"/>
+              <a:t>2018/3/10</a:t>
             </a:fld>
             <a:endParaRPr lang="zh-CN" altLang="en-US"/>
           </a:p>
@@ -1002,6 +1075,7 @@
           <a:p>
             <a:fld id="{565CE74E-AB26-4998-AD42-012C4C1AD076}" type="slidenum">
               <a:rPr lang="zh-CN" altLang="en-US" smtClean="0"/>
+              <a:t>‹#›</a:t>
             </a:fld>
             <a:endParaRPr lang="zh-CN" altLang="en-US"/>
           </a:p>
@@ -1053,10 +1127,9 @@
           <a:lstStyle/>
           <a:p>
             <a:r>
-              <a:rPr lang="zh-CN" altLang="en-US" smtClean="0"/>
+              <a:rPr lang="zh-CN" altLang="en-US"/>
               <a:t>单击此处编辑母版标题样式</a:t>
             </a:r>
-            <a:endParaRPr lang="zh-CN" altLang="en-US"/>
           </a:p>
         </p:txBody>
       </p:sp>
@@ -1082,42 +1155,37 @@
           <a:p>
             <a:pPr lvl="0"/>
             <a:r>
-              <a:rPr lang="zh-CN" altLang="en-US" smtClean="0"/>
+              <a:rPr lang="zh-CN" altLang="en-US"/>
               <a:t>单击此处编辑母版文本样式</a:t>
             </a:r>
-            <a:endParaRPr lang="zh-CN" altLang="en-US" smtClean="0"/>
           </a:p>
           <a:p>
             <a:pPr lvl="1"/>
             <a:r>
-              <a:rPr lang="zh-CN" altLang="en-US" smtClean="0"/>
+              <a:rPr lang="zh-CN" altLang="en-US"/>
               <a:t>第二级</a:t>
             </a:r>
-            <a:endParaRPr lang="zh-CN" altLang="en-US" smtClean="0"/>
           </a:p>
           <a:p>
             <a:pPr lvl="2"/>
             <a:r>
-              <a:rPr lang="zh-CN" altLang="en-US" smtClean="0"/>
+              <a:rPr lang="zh-CN" altLang="en-US"/>
               <a:t>第三级</a:t>
             </a:r>
-            <a:endParaRPr lang="zh-CN" altLang="en-US" smtClean="0"/>
           </a:p>
           <a:p>
             <a:pPr lvl="3"/>
             <a:r>
-              <a:rPr lang="zh-CN" altLang="en-US" smtClean="0"/>
+              <a:rPr lang="zh-CN" altLang="en-US"/>
               <a:t>第四级</a:t>
             </a:r>
-            <a:endParaRPr lang="zh-CN" altLang="en-US" smtClean="0"/>
           </a:p>
           <a:p>
             <a:pPr lvl="4"/>
             <a:r>
-              <a:rPr lang="zh-CN" altLang="en-US" smtClean="0"/>
+              <a:rPr lang="zh-CN" altLang="en-US"/>
               <a:t>第五级</a:t>
             </a:r>
-            <a:endParaRPr lang="zh-CN" altLang="en-US"/>
           </a:p>
         </p:txBody>
       </p:sp>
@@ -1138,6 +1206,7 @@
           <a:p>
             <a:fld id="{D997B5FA-0921-464F-AAE1-844C04324D75}" type="datetimeFigureOut">
               <a:rPr lang="zh-CN" altLang="en-US" smtClean="0"/>
+              <a:t>2018/3/10</a:t>
             </a:fld>
             <a:endParaRPr lang="zh-CN" altLang="en-US"/>
           </a:p>
@@ -1179,6 +1248,7 @@
           <a:p>
             <a:fld id="{565CE74E-AB26-4998-AD42-012C4C1AD076}" type="slidenum">
               <a:rPr lang="zh-CN" altLang="en-US" smtClean="0"/>
+              <a:t>‹#›</a:t>
             </a:fld>
             <a:endParaRPr lang="zh-CN" altLang="en-US"/>
           </a:p>
@@ -1225,10 +1295,9 @@
           <a:lstStyle/>
           <a:p>
             <a:r>
-              <a:rPr lang="zh-CN" altLang="en-US" smtClean="0"/>
+              <a:rPr lang="zh-CN" altLang="en-US"/>
               <a:t>单击此处编辑母版标题样式</a:t>
             </a:r>
-            <a:endParaRPr lang="zh-CN" altLang="en-US"/>
           </a:p>
         </p:txBody>
       </p:sp>
@@ -1249,42 +1318,37 @@
           <a:p>
             <a:pPr lvl="0"/>
             <a:r>
-              <a:rPr lang="zh-CN" altLang="en-US" smtClean="0"/>
+              <a:rPr lang="zh-CN" altLang="en-US"/>
               <a:t>单击此处编辑母版文本样式</a:t>
             </a:r>
-            <a:endParaRPr lang="zh-CN" altLang="en-US" smtClean="0"/>
           </a:p>
           <a:p>
             <a:pPr lvl="1"/>
             <a:r>
-              <a:rPr lang="zh-CN" altLang="en-US" smtClean="0"/>
+              <a:rPr lang="zh-CN" altLang="en-US"/>
               <a:t>第二级</a:t>
             </a:r>
-            <a:endParaRPr lang="zh-CN" altLang="en-US" smtClean="0"/>
           </a:p>
           <a:p>
             <a:pPr lvl="2"/>
             <a:r>
-              <a:rPr lang="zh-CN" altLang="en-US" smtClean="0"/>
+              <a:rPr lang="zh-CN" altLang="en-US"/>
               <a:t>第三级</a:t>
             </a:r>
-            <a:endParaRPr lang="zh-CN" altLang="en-US" smtClean="0"/>
           </a:p>
           <a:p>
             <a:pPr lvl="3"/>
             <a:r>
-              <a:rPr lang="zh-CN" altLang="en-US" smtClean="0"/>
+              <a:rPr lang="zh-CN" altLang="en-US"/>
               <a:t>第四级</a:t>
             </a:r>
-            <a:endParaRPr lang="zh-CN" altLang="en-US" smtClean="0"/>
           </a:p>
           <a:p>
             <a:pPr lvl="4"/>
             <a:r>
-              <a:rPr lang="zh-CN" altLang="en-US" smtClean="0"/>
+              <a:rPr lang="zh-CN" altLang="en-US"/>
               <a:t>第五级</a:t>
             </a:r>
-            <a:endParaRPr lang="zh-CN" altLang="en-US"/>
           </a:p>
         </p:txBody>
       </p:sp>
@@ -1305,6 +1369,7 @@
           <a:p>
             <a:fld id="{D997B5FA-0921-464F-AAE1-844C04324D75}" type="datetimeFigureOut">
               <a:rPr lang="zh-CN" altLang="en-US" smtClean="0"/>
+              <a:t>2018/3/10</a:t>
             </a:fld>
             <a:endParaRPr lang="zh-CN" altLang="en-US"/>
           </a:p>
@@ -1346,6 +1411,7 @@
           <a:p>
             <a:fld id="{565CE74E-AB26-4998-AD42-012C4C1AD076}" type="slidenum">
               <a:rPr lang="zh-CN" altLang="en-US" smtClean="0"/>
+              <a:t>‹#›</a:t>
             </a:fld>
             <a:endParaRPr lang="zh-CN" altLang="en-US"/>
           </a:p>
@@ -1401,10 +1467,9 @@
           </a:lstStyle>
           <a:p>
             <a:r>
-              <a:rPr lang="zh-CN" altLang="en-US" smtClean="0"/>
+              <a:rPr lang="zh-CN" altLang="en-US"/>
               <a:t>单击此处编辑母版标题样式</a:t>
             </a:r>
-            <a:endParaRPr lang="zh-CN" altLang="en-US"/>
           </a:p>
         </p:txBody>
       </p:sp>
@@ -1521,10 +1586,9 @@
           <a:p>
             <a:pPr lvl="0"/>
             <a:r>
-              <a:rPr lang="zh-CN" altLang="en-US" smtClean="0"/>
+              <a:rPr lang="zh-CN" altLang="en-US"/>
               <a:t>单击此处编辑母版文本样式</a:t>
             </a:r>
-            <a:endParaRPr lang="zh-CN" altLang="en-US" smtClean="0"/>
           </a:p>
         </p:txBody>
       </p:sp>
@@ -1545,6 +1609,7 @@
           <a:p>
             <a:fld id="{D997B5FA-0921-464F-AAE1-844C04324D75}" type="datetimeFigureOut">
               <a:rPr lang="zh-CN" altLang="en-US" smtClean="0"/>
+              <a:t>2018/3/10</a:t>
             </a:fld>
             <a:endParaRPr lang="zh-CN" altLang="en-US"/>
           </a:p>
@@ -1586,6 +1651,7 @@
           <a:p>
             <a:fld id="{565CE74E-AB26-4998-AD42-012C4C1AD076}" type="slidenum">
               <a:rPr lang="zh-CN" altLang="en-US" smtClean="0"/>
+              <a:t>‹#›</a:t>
             </a:fld>
             <a:endParaRPr lang="zh-CN" altLang="en-US"/>
           </a:p>
@@ -1632,10 +1698,9 @@
           <a:lstStyle/>
           <a:p>
             <a:r>
-              <a:rPr lang="zh-CN" altLang="en-US" smtClean="0"/>
+              <a:rPr lang="zh-CN" altLang="en-US"/>
               <a:t>单击此处编辑母版标题样式</a:t>
             </a:r>
-            <a:endParaRPr lang="zh-CN" altLang="en-US"/>
           </a:p>
         </p:txBody>
       </p:sp>
@@ -1661,42 +1726,37 @@
           <a:p>
             <a:pPr lvl="0"/>
             <a:r>
-              <a:rPr lang="zh-CN" altLang="en-US" smtClean="0"/>
+              <a:rPr lang="zh-CN" altLang="en-US"/>
               <a:t>单击此处编辑母版文本样式</a:t>
             </a:r>
-            <a:endParaRPr lang="zh-CN" altLang="en-US" smtClean="0"/>
           </a:p>
           <a:p>
             <a:pPr lvl="1"/>
             <a:r>
-              <a:rPr lang="zh-CN" altLang="en-US" smtClean="0"/>
+              <a:rPr lang="zh-CN" altLang="en-US"/>
               <a:t>第二级</a:t>
             </a:r>
-            <a:endParaRPr lang="zh-CN" altLang="en-US" smtClean="0"/>
           </a:p>
           <a:p>
             <a:pPr lvl="2"/>
             <a:r>
-              <a:rPr lang="zh-CN" altLang="en-US" smtClean="0"/>
+              <a:rPr lang="zh-CN" altLang="en-US"/>
               <a:t>第三级</a:t>
             </a:r>
-            <a:endParaRPr lang="zh-CN" altLang="en-US" smtClean="0"/>
           </a:p>
           <a:p>
             <a:pPr lvl="3"/>
             <a:r>
-              <a:rPr lang="zh-CN" altLang="en-US" smtClean="0"/>
+              <a:rPr lang="zh-CN" altLang="en-US"/>
               <a:t>第四级</a:t>
             </a:r>
-            <a:endParaRPr lang="zh-CN" altLang="en-US" smtClean="0"/>
           </a:p>
           <a:p>
             <a:pPr lvl="4"/>
             <a:r>
-              <a:rPr lang="zh-CN" altLang="en-US" smtClean="0"/>
+              <a:rPr lang="zh-CN" altLang="en-US"/>
               <a:t>第五级</a:t>
             </a:r>
-            <a:endParaRPr lang="zh-CN" altLang="en-US"/>
           </a:p>
         </p:txBody>
       </p:sp>
@@ -1722,42 +1782,37 @@
           <a:p>
             <a:pPr lvl="0"/>
             <a:r>
-              <a:rPr lang="zh-CN" altLang="en-US" smtClean="0"/>
+              <a:rPr lang="zh-CN" altLang="en-US"/>
               <a:t>单击此处编辑母版文本样式</a:t>
             </a:r>
-            <a:endParaRPr lang="zh-CN" altLang="en-US" smtClean="0"/>
           </a:p>
           <a:p>
             <a:pPr lvl="1"/>
             <a:r>
-              <a:rPr lang="zh-CN" altLang="en-US" smtClean="0"/>
+              <a:rPr lang="zh-CN" altLang="en-US"/>
               <a:t>第二级</a:t>
             </a:r>
-            <a:endParaRPr lang="zh-CN" altLang="en-US" smtClean="0"/>
           </a:p>
           <a:p>
             <a:pPr lvl="2"/>
             <a:r>
-              <a:rPr lang="zh-CN" altLang="en-US" smtClean="0"/>
+              <a:rPr lang="zh-CN" altLang="en-US"/>
               <a:t>第三级</a:t>
             </a:r>
-            <a:endParaRPr lang="zh-CN" altLang="en-US" smtClean="0"/>
           </a:p>
           <a:p>
             <a:pPr lvl="3"/>
             <a:r>
-              <a:rPr lang="zh-CN" altLang="en-US" smtClean="0"/>
+              <a:rPr lang="zh-CN" altLang="en-US"/>
               <a:t>第四级</a:t>
             </a:r>
-            <a:endParaRPr lang="zh-CN" altLang="en-US" smtClean="0"/>
           </a:p>
           <a:p>
             <a:pPr lvl="4"/>
             <a:r>
-              <a:rPr lang="zh-CN" altLang="en-US" smtClean="0"/>
+              <a:rPr lang="zh-CN" altLang="en-US"/>
               <a:t>第五级</a:t>
             </a:r>
-            <a:endParaRPr lang="zh-CN" altLang="en-US"/>
           </a:p>
         </p:txBody>
       </p:sp>
@@ -1778,6 +1833,7 @@
           <a:p>
             <a:fld id="{D997B5FA-0921-464F-AAE1-844C04324D75}" type="datetimeFigureOut">
               <a:rPr lang="zh-CN" altLang="en-US" smtClean="0"/>
+              <a:t>2018/3/10</a:t>
             </a:fld>
             <a:endParaRPr lang="zh-CN" altLang="en-US"/>
           </a:p>
@@ -1819,6 +1875,7 @@
           <a:p>
             <a:fld id="{565CE74E-AB26-4998-AD42-012C4C1AD076}" type="slidenum">
               <a:rPr lang="zh-CN" altLang="en-US" smtClean="0"/>
+              <a:t>‹#›</a:t>
             </a:fld>
             <a:endParaRPr lang="zh-CN" altLang="en-US"/>
           </a:p>
@@ -1870,10 +1927,9 @@
           <a:lstStyle/>
           <a:p>
             <a:r>
-              <a:rPr lang="zh-CN" altLang="en-US" smtClean="0"/>
+              <a:rPr lang="zh-CN" altLang="en-US"/>
               <a:t>单击此处编辑母版标题样式</a:t>
             </a:r>
-            <a:endParaRPr lang="zh-CN" altLang="en-US"/>
           </a:p>
         </p:txBody>
       </p:sp>
@@ -1936,10 +1992,9 @@
           <a:p>
             <a:pPr lvl="0"/>
             <a:r>
-              <a:rPr lang="zh-CN" altLang="en-US" smtClean="0"/>
+              <a:rPr lang="zh-CN" altLang="en-US"/>
               <a:t>单击此处编辑母版文本样式</a:t>
             </a:r>
-            <a:endParaRPr lang="zh-CN" altLang="en-US" smtClean="0"/>
           </a:p>
         </p:txBody>
       </p:sp>
@@ -1965,42 +2020,37 @@
           <a:p>
             <a:pPr lvl="0"/>
             <a:r>
-              <a:rPr lang="zh-CN" altLang="en-US" smtClean="0"/>
+              <a:rPr lang="zh-CN" altLang="en-US"/>
               <a:t>单击此处编辑母版文本样式</a:t>
             </a:r>
-            <a:endParaRPr lang="zh-CN" altLang="en-US" smtClean="0"/>
           </a:p>
           <a:p>
             <a:pPr lvl="1"/>
             <a:r>
-              <a:rPr lang="zh-CN" altLang="en-US" smtClean="0"/>
+              <a:rPr lang="zh-CN" altLang="en-US"/>
               <a:t>第二级</a:t>
             </a:r>
-            <a:endParaRPr lang="zh-CN" altLang="en-US" smtClean="0"/>
           </a:p>
           <a:p>
             <a:pPr lvl="2"/>
             <a:r>
-              <a:rPr lang="zh-CN" altLang="en-US" smtClean="0"/>
+              <a:rPr lang="zh-CN" altLang="en-US"/>
               <a:t>第三级</a:t>
             </a:r>
-            <a:endParaRPr lang="zh-CN" altLang="en-US" smtClean="0"/>
           </a:p>
           <a:p>
             <a:pPr lvl="3"/>
             <a:r>
-              <a:rPr lang="zh-CN" altLang="en-US" smtClean="0"/>
+              <a:rPr lang="zh-CN" altLang="en-US"/>
               <a:t>第四级</a:t>
             </a:r>
-            <a:endParaRPr lang="zh-CN" altLang="en-US" smtClean="0"/>
           </a:p>
           <a:p>
             <a:pPr lvl="4"/>
             <a:r>
-              <a:rPr lang="zh-CN" altLang="en-US" smtClean="0"/>
+              <a:rPr lang="zh-CN" altLang="en-US"/>
               <a:t>第五级</a:t>
             </a:r>
-            <a:endParaRPr lang="zh-CN" altLang="en-US"/>
           </a:p>
         </p:txBody>
       </p:sp>
@@ -2063,10 +2113,9 @@
           <a:p>
             <a:pPr lvl="0"/>
             <a:r>
-              <a:rPr lang="zh-CN" altLang="en-US" smtClean="0"/>
+              <a:rPr lang="zh-CN" altLang="en-US"/>
               <a:t>单击此处编辑母版文本样式</a:t>
             </a:r>
-            <a:endParaRPr lang="zh-CN" altLang="en-US" smtClean="0"/>
           </a:p>
         </p:txBody>
       </p:sp>
@@ -2092,42 +2141,37 @@
           <a:p>
             <a:pPr lvl="0"/>
             <a:r>
-              <a:rPr lang="zh-CN" altLang="en-US" smtClean="0"/>
+              <a:rPr lang="zh-CN" altLang="en-US"/>
               <a:t>单击此处编辑母版文本样式</a:t>
             </a:r>
-            <a:endParaRPr lang="zh-CN" altLang="en-US" smtClean="0"/>
           </a:p>
           <a:p>
             <a:pPr lvl="1"/>
             <a:r>
-              <a:rPr lang="zh-CN" altLang="en-US" smtClean="0"/>
+              <a:rPr lang="zh-CN" altLang="en-US"/>
               <a:t>第二级</a:t>
             </a:r>
-            <a:endParaRPr lang="zh-CN" altLang="en-US" smtClean="0"/>
           </a:p>
           <a:p>
             <a:pPr lvl="2"/>
             <a:r>
-              <a:rPr lang="zh-CN" altLang="en-US" smtClean="0"/>
+              <a:rPr lang="zh-CN" altLang="en-US"/>
               <a:t>第三级</a:t>
             </a:r>
-            <a:endParaRPr lang="zh-CN" altLang="en-US" smtClean="0"/>
           </a:p>
           <a:p>
             <a:pPr lvl="3"/>
             <a:r>
-              <a:rPr lang="zh-CN" altLang="en-US" smtClean="0"/>
+              <a:rPr lang="zh-CN" altLang="en-US"/>
               <a:t>第四级</a:t>
             </a:r>
-            <a:endParaRPr lang="zh-CN" altLang="en-US" smtClean="0"/>
           </a:p>
           <a:p>
             <a:pPr lvl="4"/>
             <a:r>
-              <a:rPr lang="zh-CN" altLang="en-US" smtClean="0"/>
+              <a:rPr lang="zh-CN" altLang="en-US"/>
               <a:t>第五级</a:t>
             </a:r>
-            <a:endParaRPr lang="zh-CN" altLang="en-US"/>
           </a:p>
         </p:txBody>
       </p:sp>
@@ -2148,6 +2192,7 @@
           <a:p>
             <a:fld id="{D997B5FA-0921-464F-AAE1-844C04324D75}" type="datetimeFigureOut">
               <a:rPr lang="zh-CN" altLang="en-US" smtClean="0"/>
+              <a:t>2018/3/10</a:t>
             </a:fld>
             <a:endParaRPr lang="zh-CN" altLang="en-US"/>
           </a:p>
@@ -2189,6 +2234,7 @@
           <a:p>
             <a:fld id="{565CE74E-AB26-4998-AD42-012C4C1AD076}" type="slidenum">
               <a:rPr lang="zh-CN" altLang="en-US" smtClean="0"/>
+              <a:t>‹#›</a:t>
             </a:fld>
             <a:endParaRPr lang="zh-CN" altLang="en-US"/>
           </a:p>
@@ -2235,10 +2281,9 @@
           <a:lstStyle/>
           <a:p>
             <a:r>
-              <a:rPr lang="zh-CN" altLang="en-US" smtClean="0"/>
+              <a:rPr lang="zh-CN" altLang="en-US"/>
               <a:t>单击此处编辑母版标题样式</a:t>
             </a:r>
-            <a:endParaRPr lang="zh-CN" altLang="en-US"/>
           </a:p>
         </p:txBody>
       </p:sp>
@@ -2259,6 +2304,7 @@
           <a:p>
             <a:fld id="{D997B5FA-0921-464F-AAE1-844C04324D75}" type="datetimeFigureOut">
               <a:rPr lang="zh-CN" altLang="en-US" smtClean="0"/>
+              <a:t>2018/3/10</a:t>
             </a:fld>
             <a:endParaRPr lang="zh-CN" altLang="en-US"/>
           </a:p>
@@ -2300,6 +2346,7 @@
           <a:p>
             <a:fld id="{565CE74E-AB26-4998-AD42-012C4C1AD076}" type="slidenum">
               <a:rPr lang="zh-CN" altLang="en-US" smtClean="0"/>
+              <a:t>‹#›</a:t>
             </a:fld>
             <a:endParaRPr lang="zh-CN" altLang="en-US"/>
           </a:p>
@@ -2347,6 +2394,7 @@
           <a:p>
             <a:fld id="{D997B5FA-0921-464F-AAE1-844C04324D75}" type="datetimeFigureOut">
               <a:rPr lang="zh-CN" altLang="en-US" smtClean="0"/>
+              <a:t>2018/3/10</a:t>
             </a:fld>
             <a:endParaRPr lang="zh-CN" altLang="en-US"/>
           </a:p>
@@ -2388,6 +2436,7 @@
           <a:p>
             <a:fld id="{565CE74E-AB26-4998-AD42-012C4C1AD076}" type="slidenum">
               <a:rPr lang="zh-CN" altLang="en-US" smtClean="0"/>
+              <a:t>‹#›</a:t>
             </a:fld>
             <a:endParaRPr lang="zh-CN" altLang="en-US"/>
           </a:p>
@@ -2443,10 +2492,9 @@
           </a:lstStyle>
           <a:p>
             <a:r>
-              <a:rPr lang="zh-CN" altLang="en-US" smtClean="0"/>
+              <a:rPr lang="zh-CN" altLang="en-US"/>
               <a:t>单击此处编辑母版标题样式</a:t>
             </a:r>
-            <a:endParaRPr lang="zh-CN" altLang="en-US"/>
           </a:p>
         </p:txBody>
       </p:sp>
@@ -2500,42 +2548,37 @@
           <a:p>
             <a:pPr lvl="0"/>
             <a:r>
-              <a:rPr lang="zh-CN" altLang="en-US" smtClean="0"/>
+              <a:rPr lang="zh-CN" altLang="en-US"/>
               <a:t>单击此处编辑母版文本样式</a:t>
             </a:r>
-            <a:endParaRPr lang="zh-CN" altLang="en-US" smtClean="0"/>
           </a:p>
           <a:p>
             <a:pPr lvl="1"/>
             <a:r>
-              <a:rPr lang="zh-CN" altLang="en-US" smtClean="0"/>
+              <a:rPr lang="zh-CN" altLang="en-US"/>
               <a:t>第二级</a:t>
             </a:r>
-            <a:endParaRPr lang="zh-CN" altLang="en-US" smtClean="0"/>
           </a:p>
           <a:p>
             <a:pPr lvl="2"/>
             <a:r>
-              <a:rPr lang="zh-CN" altLang="en-US" smtClean="0"/>
+              <a:rPr lang="zh-CN" altLang="en-US"/>
               <a:t>第三级</a:t>
             </a:r>
-            <a:endParaRPr lang="zh-CN" altLang="en-US" smtClean="0"/>
           </a:p>
           <a:p>
             <a:pPr lvl="3"/>
             <a:r>
-              <a:rPr lang="zh-CN" altLang="en-US" smtClean="0"/>
+              <a:rPr lang="zh-CN" altLang="en-US"/>
               <a:t>第四级</a:t>
             </a:r>
-            <a:endParaRPr lang="zh-CN" altLang="en-US" smtClean="0"/>
           </a:p>
           <a:p>
             <a:pPr lvl="4"/>
             <a:r>
-              <a:rPr lang="zh-CN" altLang="en-US" smtClean="0"/>
+              <a:rPr lang="zh-CN" altLang="en-US"/>
               <a:t>第五级</a:t>
             </a:r>
-            <a:endParaRPr lang="zh-CN" altLang="en-US"/>
           </a:p>
         </p:txBody>
       </p:sp>
@@ -2598,10 +2641,9 @@
           <a:p>
             <a:pPr lvl="0"/>
             <a:r>
-              <a:rPr lang="zh-CN" altLang="en-US" smtClean="0"/>
+              <a:rPr lang="zh-CN" altLang="en-US"/>
               <a:t>单击此处编辑母版文本样式</a:t>
             </a:r>
-            <a:endParaRPr lang="zh-CN" altLang="en-US" smtClean="0"/>
           </a:p>
         </p:txBody>
       </p:sp>
@@ -2622,6 +2664,7 @@
           <a:p>
             <a:fld id="{D997B5FA-0921-464F-AAE1-844C04324D75}" type="datetimeFigureOut">
               <a:rPr lang="zh-CN" altLang="en-US" smtClean="0"/>
+              <a:t>2018/3/10</a:t>
             </a:fld>
             <a:endParaRPr lang="zh-CN" altLang="en-US"/>
           </a:p>
@@ -2663,6 +2706,7 @@
           <a:p>
             <a:fld id="{565CE74E-AB26-4998-AD42-012C4C1AD076}" type="slidenum">
               <a:rPr lang="zh-CN" altLang="en-US" smtClean="0"/>
+              <a:t>‹#›</a:t>
             </a:fld>
             <a:endParaRPr lang="zh-CN" altLang="en-US"/>
           </a:p>
@@ -2718,10 +2762,9 @@
           </a:lstStyle>
           <a:p>
             <a:r>
-              <a:rPr lang="zh-CN" altLang="en-US" smtClean="0"/>
+              <a:rPr lang="zh-CN" altLang="en-US"/>
               <a:t>单击此处编辑母版标题样式</a:t>
             </a:r>
-            <a:endParaRPr lang="zh-CN" altLang="en-US"/>
           </a:p>
         </p:txBody>
       </p:sp>
@@ -2845,10 +2888,9 @@
           <a:p>
             <a:pPr lvl="0"/>
             <a:r>
-              <a:rPr lang="zh-CN" altLang="en-US" smtClean="0"/>
+              <a:rPr lang="zh-CN" altLang="en-US"/>
               <a:t>单击此处编辑母版文本样式</a:t>
             </a:r>
-            <a:endParaRPr lang="zh-CN" altLang="en-US" smtClean="0"/>
           </a:p>
         </p:txBody>
       </p:sp>
@@ -2869,6 +2911,7 @@
           <a:p>
             <a:fld id="{D997B5FA-0921-464F-AAE1-844C04324D75}" type="datetimeFigureOut">
               <a:rPr lang="zh-CN" altLang="en-US" smtClean="0"/>
+              <a:t>2018/3/10</a:t>
             </a:fld>
             <a:endParaRPr lang="zh-CN" altLang="en-US"/>
           </a:p>
@@ -2910,6 +2953,7 @@
           <a:p>
             <a:fld id="{565CE74E-AB26-4998-AD42-012C4C1AD076}" type="slidenum">
               <a:rPr lang="zh-CN" altLang="en-US" smtClean="0"/>
+              <a:t>‹#›</a:t>
             </a:fld>
             <a:endParaRPr lang="zh-CN" altLang="en-US"/>
           </a:p>
@@ -2971,10 +3015,9 @@
           <a:lstStyle/>
           <a:p>
             <a:r>
-              <a:rPr lang="zh-CN" altLang="en-US" smtClean="0"/>
+              <a:rPr lang="zh-CN" altLang="en-US"/>
               <a:t>单击此处编辑母版标题样式</a:t>
             </a:r>
-            <a:endParaRPr lang="zh-CN" altLang="en-US"/>
           </a:p>
         </p:txBody>
       </p:sp>
@@ -3005,42 +3048,37 @@
           <a:p>
             <a:pPr lvl="0"/>
             <a:r>
-              <a:rPr lang="zh-CN" altLang="en-US" smtClean="0"/>
+              <a:rPr lang="zh-CN" altLang="en-US"/>
               <a:t>单击此处编辑母版文本样式</a:t>
             </a:r>
-            <a:endParaRPr lang="zh-CN" altLang="en-US" smtClean="0"/>
           </a:p>
           <a:p>
             <a:pPr lvl="1"/>
             <a:r>
-              <a:rPr lang="zh-CN" altLang="en-US" smtClean="0"/>
+              <a:rPr lang="zh-CN" altLang="en-US"/>
               <a:t>第二级</a:t>
             </a:r>
-            <a:endParaRPr lang="zh-CN" altLang="en-US" smtClean="0"/>
           </a:p>
           <a:p>
             <a:pPr lvl="2"/>
             <a:r>
-              <a:rPr lang="zh-CN" altLang="en-US" smtClean="0"/>
+              <a:rPr lang="zh-CN" altLang="en-US"/>
               <a:t>第三级</a:t>
             </a:r>
-            <a:endParaRPr lang="zh-CN" altLang="en-US" smtClean="0"/>
           </a:p>
           <a:p>
             <a:pPr lvl="3"/>
             <a:r>
-              <a:rPr lang="zh-CN" altLang="en-US" smtClean="0"/>
+              <a:rPr lang="zh-CN" altLang="en-US"/>
               <a:t>第四级</a:t>
             </a:r>
-            <a:endParaRPr lang="zh-CN" altLang="en-US" smtClean="0"/>
           </a:p>
           <a:p>
             <a:pPr lvl="4"/>
             <a:r>
-              <a:rPr lang="zh-CN" altLang="en-US" smtClean="0"/>
+              <a:rPr lang="zh-CN" altLang="en-US"/>
               <a:t>第五级</a:t>
             </a:r>
-            <a:endParaRPr lang="zh-CN" altLang="en-US"/>
           </a:p>
         </p:txBody>
       </p:sp>
@@ -3079,6 +3117,7 @@
           <a:p>
             <a:fld id="{D997B5FA-0921-464F-AAE1-844C04324D75}" type="datetimeFigureOut">
               <a:rPr lang="zh-CN" altLang="en-US" smtClean="0"/>
+              <a:t>2018/3/10</a:t>
             </a:fld>
             <a:endParaRPr lang="zh-CN" altLang="en-US"/>
           </a:p>
@@ -3156,6 +3195,7 @@
           <a:p>
             <a:fld id="{565CE74E-AB26-4998-AD42-012C4C1AD076}" type="slidenum">
               <a:rPr lang="zh-CN" altLang="en-US" smtClean="0"/>
+              <a:t>‹#›</a:t>
             </a:fld>
             <a:endParaRPr lang="zh-CN" altLang="en-US"/>
           </a:p>
@@ -3535,12 +3575,6 @@
               </a:rPr>
               <a:t>config</a:t>
             </a:r>
-            <a:endParaRPr lang="en-US" altLang="zh-CN" sz="2200">
-              <a:solidFill>
-                <a:schemeClr val="tx1"/>
-              </a:solidFill>
-              <a:sym typeface="+mn-ea"/>
-            </a:endParaRPr>
           </a:p>
         </p:txBody>
       </p:sp>
@@ -3602,12 +3636,6 @@
               </a:rPr>
               <a:t>price</a:t>
             </a:r>
-            <a:endParaRPr lang="en-US" altLang="zh-CN" sz="2200">
-              <a:solidFill>
-                <a:schemeClr val="tx1"/>
-              </a:solidFill>
-              <a:sym typeface="+mn-ea"/>
-            </a:endParaRPr>
           </a:p>
         </p:txBody>
       </p:sp>
@@ -3669,12 +3697,6 @@
               </a:rPr>
               <a:t>verify</a:t>
             </a:r>
-            <a:endParaRPr lang="en-US" altLang="zh-CN" sz="2200">
-              <a:solidFill>
-                <a:schemeClr val="tx1"/>
-              </a:solidFill>
-              <a:sym typeface="+mn-ea"/>
-            </a:endParaRPr>
           </a:p>
           <a:p>
             <a:pPr lvl="0" algn="ctr"/>
@@ -3687,12 +3709,6 @@
               </a:rPr>
               <a:t>code</a:t>
             </a:r>
-            <a:endParaRPr lang="en-US" altLang="zh-CN" sz="2200">
-              <a:solidFill>
-                <a:schemeClr val="tx1"/>
-              </a:solidFill>
-              <a:sym typeface="+mn-ea"/>
-            </a:endParaRPr>
           </a:p>
         </p:txBody>
       </p:sp>
@@ -3754,12 +3770,6 @@
               </a:rPr>
               <a:t>contact</a:t>
             </a:r>
-            <a:endParaRPr lang="en-US" altLang="zh-CN" sz="2200">
-              <a:solidFill>
-                <a:schemeClr val="tx1"/>
-              </a:solidFill>
-              <a:sym typeface="+mn-ea"/>
-            </a:endParaRPr>
           </a:p>
         </p:txBody>
       </p:sp>
@@ -3821,12 +3831,6 @@
               </a:rPr>
               <a:t>train</a:t>
             </a:r>
-            <a:endParaRPr lang="en-US" altLang="zh-CN" sz="2200">
-              <a:solidFill>
-                <a:schemeClr val="tx1"/>
-              </a:solidFill>
-              <a:sym typeface="+mn-ea"/>
-            </a:endParaRPr>
           </a:p>
         </p:txBody>
       </p:sp>
@@ -3888,12 +3892,6 @@
               </a:rPr>
               <a:t>station</a:t>
             </a:r>
-            <a:endParaRPr lang="en-US" altLang="zh-CN" sz="2200" dirty="0">
-              <a:solidFill>
-                <a:schemeClr val="tx1"/>
-              </a:solidFill>
-              <a:sym typeface="+mn-ea"/>
-            </a:endParaRPr>
           </a:p>
         </p:txBody>
       </p:sp>
@@ -3955,12 +3953,6 @@
               </a:rPr>
               <a:t>single</a:t>
             </a:r>
-            <a:endParaRPr lang="en-US" altLang="zh-CN" sz="2200">
-              <a:solidFill>
-                <a:schemeClr val="tx1"/>
-              </a:solidFill>
-              <a:sym typeface="+mn-ea"/>
-            </a:endParaRPr>
           </a:p>
           <a:p>
             <a:pPr lvl="0" algn="ctr"/>
@@ -3973,12 +3965,6 @@
               </a:rPr>
               <a:t> sign-on</a:t>
             </a:r>
-            <a:endParaRPr lang="en-US" altLang="zh-CN" sz="2200">
-              <a:solidFill>
-                <a:schemeClr val="tx1"/>
-              </a:solidFill>
-              <a:sym typeface="+mn-ea"/>
-            </a:endParaRPr>
           </a:p>
         </p:txBody>
       </p:sp>
@@ -4040,12 +4026,6 @@
               </a:rPr>
               <a:t>basic</a:t>
             </a:r>
-            <a:endParaRPr lang="en-US" altLang="zh-CN" sz="2200">
-              <a:solidFill>
-                <a:schemeClr val="tx1"/>
-              </a:solidFill>
-              <a:sym typeface="+mn-ea"/>
-            </a:endParaRPr>
           </a:p>
           <a:p>
             <a:pPr lvl="0" algn="ctr"/>
@@ -4058,12 +4038,6 @@
               </a:rPr>
               <a:t>info</a:t>
             </a:r>
-            <a:endParaRPr lang="en-US" altLang="zh-CN" sz="2200">
-              <a:solidFill>
-                <a:schemeClr val="tx1"/>
-              </a:solidFill>
-              <a:sym typeface="+mn-ea"/>
-            </a:endParaRPr>
           </a:p>
         </p:txBody>
       </p:sp>
@@ -4125,12 +4099,6 @@
               </a:rPr>
               <a:t>login</a:t>
             </a:r>
-            <a:endParaRPr lang="en-US" altLang="zh-CN" sz="2200">
-              <a:solidFill>
-                <a:schemeClr val="tx1"/>
-              </a:solidFill>
-              <a:sym typeface="+mn-ea"/>
-            </a:endParaRPr>
           </a:p>
         </p:txBody>
       </p:sp>
@@ -4192,12 +4160,6 @@
               </a:rPr>
               <a:t>register</a:t>
             </a:r>
-            <a:endParaRPr lang="en-US" altLang="zh-CN" sz="2200">
-              <a:solidFill>
-                <a:schemeClr val="tx1"/>
-              </a:solidFill>
-              <a:sym typeface="+mn-ea"/>
-            </a:endParaRPr>
           </a:p>
         </p:txBody>
       </p:sp>
@@ -4259,12 +4221,6 @@
               </a:rPr>
               <a:t>notify</a:t>
             </a:r>
-            <a:endParaRPr lang="en-US" altLang="zh-CN" sz="2200">
-              <a:solidFill>
-                <a:schemeClr val="tx1"/>
-              </a:solidFill>
-              <a:sym typeface="+mn-ea"/>
-            </a:endParaRPr>
           </a:p>
         </p:txBody>
       </p:sp>
@@ -4326,12 +4282,6 @@
               </a:rPr>
               <a:t>ticket</a:t>
             </a:r>
-            <a:endParaRPr lang="en-US" altLang="zh-CN" sz="2200">
-              <a:solidFill>
-                <a:schemeClr val="tx1"/>
-              </a:solidFill>
-              <a:sym typeface="+mn-ea"/>
-            </a:endParaRPr>
           </a:p>
           <a:p>
             <a:pPr lvl="0" algn="ctr"/>
@@ -4344,12 +4294,6 @@
               </a:rPr>
               <a:t>info</a:t>
             </a:r>
-            <a:endParaRPr lang="en-US" altLang="zh-CN" sz="2200">
-              <a:solidFill>
-                <a:schemeClr val="tx1"/>
-              </a:solidFill>
-              <a:sym typeface="+mn-ea"/>
-            </a:endParaRPr>
           </a:p>
         </p:txBody>
       </p:sp>
@@ -4411,12 +4355,6 @@
               </a:rPr>
               <a:t>high-speed</a:t>
             </a:r>
-            <a:endParaRPr lang="en-US" altLang="zh-CN" sz="2200" dirty="0">
-              <a:solidFill>
-                <a:schemeClr val="tx1"/>
-              </a:solidFill>
-              <a:sym typeface="+mn-ea"/>
-            </a:endParaRPr>
           </a:p>
           <a:p>
             <a:pPr lvl="0" algn="ctr"/>
@@ -4429,12 +4367,6 @@
               </a:rPr>
               <a:t>order</a:t>
             </a:r>
-            <a:endParaRPr lang="en-US" altLang="zh-CN" sz="2200" dirty="0">
-              <a:solidFill>
-                <a:schemeClr val="tx1"/>
-              </a:solidFill>
-              <a:sym typeface="+mn-ea"/>
-            </a:endParaRPr>
           </a:p>
         </p:txBody>
       </p:sp>
@@ -4496,12 +4428,6 @@
               </a:rPr>
               <a:t>high-speed</a:t>
             </a:r>
-            <a:endParaRPr lang="en-US" altLang="zh-CN" sz="2200" dirty="0">
-              <a:solidFill>
-                <a:schemeClr val="tx1"/>
-              </a:solidFill>
-              <a:sym typeface="+mn-ea"/>
-            </a:endParaRPr>
           </a:p>
           <a:p>
             <a:pPr lvl="0" algn="ctr"/>
@@ -4514,12 +4440,6 @@
               </a:rPr>
               <a:t>travel</a:t>
             </a:r>
-            <a:endParaRPr lang="en-US" altLang="zh-CN" sz="2200" dirty="0">
-              <a:solidFill>
-                <a:schemeClr val="tx1"/>
-              </a:solidFill>
-              <a:sym typeface="+mn-ea"/>
-            </a:endParaRPr>
           </a:p>
           <a:p>
             <a:pPr lvl="0" algn="ctr"/>
@@ -4532,12 +4452,6 @@
               </a:rPr>
               <a:t>explore</a:t>
             </a:r>
-            <a:endParaRPr lang="en-US" altLang="zh-CN" sz="2200" dirty="0">
-              <a:solidFill>
-                <a:schemeClr val="tx1"/>
-              </a:solidFill>
-              <a:sym typeface="+mn-ea"/>
-            </a:endParaRPr>
           </a:p>
         </p:txBody>
       </p:sp>
@@ -4599,12 +4513,6 @@
               </a:rPr>
               <a:t>inside</a:t>
             </a:r>
-            <a:endParaRPr lang="en-US" altLang="zh-CN" sz="2200" dirty="0">
-              <a:solidFill>
-                <a:schemeClr val="tx1"/>
-              </a:solidFill>
-              <a:sym typeface="+mn-ea"/>
-            </a:endParaRPr>
           </a:p>
           <a:p>
             <a:pPr lvl="0" algn="ctr"/>
@@ -4617,12 +4525,6 @@
               </a:rPr>
               <a:t>pay</a:t>
             </a:r>
-            <a:endParaRPr lang="en-US" altLang="zh-CN" sz="2200" dirty="0">
-              <a:solidFill>
-                <a:schemeClr val="tx1"/>
-              </a:solidFill>
-              <a:sym typeface="+mn-ea"/>
-            </a:endParaRPr>
           </a:p>
         </p:txBody>
       </p:sp>
@@ -4684,12 +4586,6 @@
               </a:rPr>
               <a:t>pay</a:t>
             </a:r>
-            <a:endParaRPr lang="en-US" altLang="zh-CN" sz="2200" dirty="0">
-              <a:solidFill>
-                <a:schemeClr val="tx1"/>
-              </a:solidFill>
-              <a:sym typeface="+mn-ea"/>
-            </a:endParaRPr>
           </a:p>
         </p:txBody>
       </p:sp>
@@ -4751,12 +4647,6 @@
               </a:rPr>
               <a:t>ticket</a:t>
             </a:r>
-            <a:endParaRPr lang="en-US" altLang="zh-CN" sz="2200" dirty="0">
-              <a:solidFill>
-                <a:schemeClr val="tx1"/>
-              </a:solidFill>
-              <a:sym typeface="+mn-ea"/>
-            </a:endParaRPr>
           </a:p>
           <a:p>
             <a:pPr lvl="0" algn="ctr"/>
@@ -4769,12 +4659,6 @@
               </a:rPr>
               <a:t>execute</a:t>
             </a:r>
-            <a:endParaRPr lang="en-US" altLang="zh-CN" sz="2200" dirty="0">
-              <a:solidFill>
-                <a:schemeClr val="tx1"/>
-              </a:solidFill>
-              <a:sym typeface="+mn-ea"/>
-            </a:endParaRPr>
           </a:p>
         </p:txBody>
       </p:sp>
@@ -4836,12 +4720,6 @@
               </a:rPr>
               <a:t>security</a:t>
             </a:r>
-            <a:endParaRPr lang="en-US" altLang="zh-CN" sz="2200">
-              <a:solidFill>
-                <a:schemeClr val="tx1"/>
-              </a:solidFill>
-              <a:sym typeface="+mn-ea"/>
-            </a:endParaRPr>
           </a:p>
         </p:txBody>
       </p:sp>
@@ -4903,12 +4781,6 @@
               </a:rPr>
               <a:t>ticket </a:t>
             </a:r>
-            <a:endParaRPr lang="en-US" altLang="zh-CN" sz="2200">
-              <a:solidFill>
-                <a:schemeClr val="tx1"/>
-              </a:solidFill>
-              <a:sym typeface="+mn-ea"/>
-            </a:endParaRPr>
           </a:p>
           <a:p>
             <a:pPr lvl="0" algn="ctr"/>
@@ -4921,12 +4793,6 @@
               </a:rPr>
               <a:t>rebook</a:t>
             </a:r>
-            <a:endParaRPr lang="en-US" altLang="zh-CN" sz="2200">
-              <a:solidFill>
-                <a:schemeClr val="tx1"/>
-              </a:solidFill>
-              <a:sym typeface="+mn-ea"/>
-            </a:endParaRPr>
           </a:p>
         </p:txBody>
       </p:sp>
@@ -4987,11 +4853,6 @@
               </a:rPr>
               <a:t>high-speed</a:t>
             </a:r>
-            <a:endParaRPr lang="en-US" altLang="zh-CN" sz="2200" dirty="0">
-              <a:solidFill>
-                <a:schemeClr val="tx1"/>
-              </a:solidFill>
-            </a:endParaRPr>
           </a:p>
           <a:p>
             <a:pPr algn="ctr"/>
@@ -5003,11 +4864,6 @@
               </a:rPr>
               <a:t>ticket</a:t>
             </a:r>
-            <a:endParaRPr lang="en-US" altLang="zh-CN" sz="2200" dirty="0">
-              <a:solidFill>
-                <a:schemeClr val="tx1"/>
-              </a:solidFill>
-            </a:endParaRPr>
           </a:p>
           <a:p>
             <a:pPr algn="ctr"/>
@@ -5019,11 +4875,6 @@
               </a:rPr>
               <a:t>reserve</a:t>
             </a:r>
-            <a:endParaRPr lang="en-US" altLang="zh-CN" sz="2200" dirty="0">
-              <a:solidFill>
-                <a:schemeClr val="tx1"/>
-              </a:solidFill>
-            </a:endParaRPr>
           </a:p>
         </p:txBody>
       </p:sp>
@@ -5085,12 +4936,6 @@
               </a:rPr>
               <a:t>order</a:t>
             </a:r>
-            <a:endParaRPr lang="en-US" altLang="zh-CN" sz="2200">
-              <a:solidFill>
-                <a:schemeClr val="tx1"/>
-              </a:solidFill>
-              <a:sym typeface="+mn-ea"/>
-            </a:endParaRPr>
           </a:p>
         </p:txBody>
       </p:sp>
@@ -5151,11 +4996,6 @@
               </a:rPr>
               <a:t>ticket</a:t>
             </a:r>
-            <a:endParaRPr lang="en-US" altLang="zh-CN" sz="2200" dirty="0">
-              <a:solidFill>
-                <a:schemeClr val="tx1"/>
-              </a:solidFill>
-            </a:endParaRPr>
           </a:p>
           <a:p>
             <a:pPr algn="ctr"/>
@@ -5234,12 +5074,6 @@
               </a:rPr>
               <a:t>travel</a:t>
             </a:r>
-            <a:endParaRPr lang="en-US" altLang="zh-CN" sz="2200" dirty="0">
-              <a:solidFill>
-                <a:schemeClr val="tx1"/>
-              </a:solidFill>
-              <a:sym typeface="+mn-ea"/>
-            </a:endParaRPr>
           </a:p>
           <a:p>
             <a:pPr lvl="0" algn="ctr"/>
@@ -5252,12 +5086,6 @@
               </a:rPr>
               <a:t>explore</a:t>
             </a:r>
-            <a:endParaRPr lang="en-US" altLang="zh-CN" sz="2200" dirty="0">
-              <a:solidFill>
-                <a:schemeClr val="tx1"/>
-              </a:solidFill>
-              <a:sym typeface="+mn-ea"/>
-            </a:endParaRPr>
           </a:p>
         </p:txBody>
       </p:sp>
@@ -5319,12 +5147,6 @@
               </a:rPr>
               <a:t>cancel</a:t>
             </a:r>
-            <a:endParaRPr lang="en-US" altLang="zh-CN" sz="2200" dirty="0">
-              <a:solidFill>
-                <a:schemeClr val="tx1"/>
-              </a:solidFill>
-              <a:sym typeface="+mn-ea"/>
-            </a:endParaRPr>
           </a:p>
           <a:p>
             <a:pPr lvl="0" algn="ctr"/>
@@ -5337,12 +5159,6 @@
               </a:rPr>
               <a:t>order</a:t>
             </a:r>
-            <a:endParaRPr lang="en-US" altLang="zh-CN" sz="2200" dirty="0">
-              <a:solidFill>
-                <a:schemeClr val="tx1"/>
-              </a:solidFill>
-              <a:sym typeface="+mn-ea"/>
-            </a:endParaRPr>
           </a:p>
         </p:txBody>
       </p:sp>
@@ -5398,11 +5214,6 @@
               </a:rPr>
               <a:t>Gateway</a:t>
             </a:r>
-            <a:endParaRPr lang="en-US" altLang="zh-CN" sz="2800" dirty="0">
-              <a:solidFill>
-                <a:schemeClr val="tx1"/>
-              </a:solidFill>
-            </a:endParaRPr>
           </a:p>
         </p:txBody>
       </p:sp>
@@ -5458,11 +5269,6 @@
               </a:rPr>
               <a:t>Service</a:t>
             </a:r>
-            <a:endParaRPr lang="en-US" altLang="zh-CN" sz="2800" dirty="0">
-              <a:solidFill>
-                <a:schemeClr val="tx1"/>
-              </a:solidFill>
-            </a:endParaRPr>
           </a:p>
           <a:p>
             <a:pPr algn="ctr"/>
@@ -5474,11 +5280,6 @@
               </a:rPr>
               <a:t>Discovery</a:t>
             </a:r>
-            <a:endParaRPr lang="en-US" altLang="zh-CN" sz="2800" dirty="0">
-              <a:solidFill>
-                <a:schemeClr val="tx1"/>
-              </a:solidFill>
-            </a:endParaRPr>
           </a:p>
           <a:p>
             <a:pPr algn="ctr"/>
@@ -5498,11 +5299,6 @@
               </a:rPr>
               <a:t>Service</a:t>
             </a:r>
-            <a:endParaRPr lang="en-US" altLang="zh-CN" sz="2800" dirty="0">
-              <a:solidFill>
-                <a:schemeClr val="tx1"/>
-              </a:solidFill>
-            </a:endParaRPr>
           </a:p>
           <a:p>
             <a:pPr algn="ctr"/>
@@ -5514,11 +5310,6 @@
               </a:rPr>
               <a:t>Registry</a:t>
             </a:r>
-            <a:endParaRPr lang="en-US" altLang="zh-CN" sz="2800" dirty="0">
-              <a:solidFill>
-                <a:schemeClr val="tx1"/>
-              </a:solidFill>
-            </a:endParaRPr>
           </a:p>
           <a:p>
             <a:pPr algn="ctr"/>
@@ -5538,11 +5329,6 @@
               </a:rPr>
               <a:t>Load</a:t>
             </a:r>
-            <a:endParaRPr lang="en-US" altLang="zh-CN" sz="2800" dirty="0">
-              <a:solidFill>
-                <a:schemeClr val="tx1"/>
-              </a:solidFill>
-            </a:endParaRPr>
           </a:p>
           <a:p>
             <a:pPr algn="ctr"/>
@@ -5554,11 +5340,6 @@
               </a:rPr>
               <a:t>Balance</a:t>
             </a:r>
-            <a:endParaRPr lang="en-US" altLang="zh-CN" sz="2800" dirty="0">
-              <a:solidFill>
-                <a:schemeClr val="tx1"/>
-              </a:solidFill>
-            </a:endParaRPr>
           </a:p>
           <a:p>
             <a:pPr algn="ctr"/>
@@ -6553,13 +6334,6 @@
   <p:clrMapOvr>
     <a:masterClrMapping/>
   </p:clrMapOvr>
-  <p:timing>
-    <p:tnLst>
-      <p:par>
-        <p:cTn id="1" dur="indefinite" restart="never" nodeType="tmRoot"/>
-      </p:par>
-    </p:tnLst>
-  </p:timing>
 </p:sld>
 </file>
 
@@ -6638,12 +6412,6 @@
               </a:rPr>
               <a:t>config</a:t>
             </a:r>
-            <a:endParaRPr lang="en-US" altLang="zh-CN" sz="1400">
-              <a:solidFill>
-                <a:schemeClr val="tx1"/>
-              </a:solidFill>
-              <a:sym typeface="+mn-ea"/>
-            </a:endParaRPr>
           </a:p>
         </p:txBody>
       </p:sp>
@@ -6705,12 +6473,6 @@
               </a:rPr>
               <a:t>price</a:t>
             </a:r>
-            <a:endParaRPr lang="en-US" altLang="zh-CN" sz="1400">
-              <a:solidFill>
-                <a:schemeClr val="tx1"/>
-              </a:solidFill>
-              <a:sym typeface="+mn-ea"/>
-            </a:endParaRPr>
           </a:p>
         </p:txBody>
       </p:sp>
@@ -6772,12 +6534,6 @@
               </a:rPr>
               <a:t>verify</a:t>
             </a:r>
-            <a:endParaRPr lang="en-US" altLang="zh-CN" sz="1200">
-              <a:solidFill>
-                <a:schemeClr val="tx1"/>
-              </a:solidFill>
-              <a:sym typeface="+mn-ea"/>
-            </a:endParaRPr>
           </a:p>
           <a:p>
             <a:pPr lvl="0" algn="ctr"/>
@@ -6790,12 +6546,6 @@
               </a:rPr>
               <a:t>code</a:t>
             </a:r>
-            <a:endParaRPr lang="en-US" altLang="zh-CN" sz="1200">
-              <a:solidFill>
-                <a:schemeClr val="tx1"/>
-              </a:solidFill>
-              <a:sym typeface="+mn-ea"/>
-            </a:endParaRPr>
           </a:p>
         </p:txBody>
       </p:sp>
@@ -6857,12 +6607,6 @@
               </a:rPr>
               <a:t>contact</a:t>
             </a:r>
-            <a:endParaRPr lang="en-US" altLang="zh-CN" sz="1400">
-              <a:solidFill>
-                <a:schemeClr val="tx1"/>
-              </a:solidFill>
-              <a:sym typeface="+mn-ea"/>
-            </a:endParaRPr>
           </a:p>
         </p:txBody>
       </p:sp>
@@ -6924,12 +6668,6 @@
               </a:rPr>
               <a:t>train</a:t>
             </a:r>
-            <a:endParaRPr lang="en-US" altLang="zh-CN" sz="1400" dirty="0">
-              <a:solidFill>
-                <a:schemeClr val="tx1"/>
-              </a:solidFill>
-              <a:sym typeface="+mn-ea"/>
-            </a:endParaRPr>
           </a:p>
         </p:txBody>
       </p:sp>
@@ -6991,12 +6729,6 @@
               </a:rPr>
               <a:t>station</a:t>
             </a:r>
-            <a:endParaRPr lang="en-US" altLang="zh-CN" sz="1400" dirty="0">
-              <a:solidFill>
-                <a:schemeClr val="tx1"/>
-              </a:solidFill>
-              <a:sym typeface="+mn-ea"/>
-            </a:endParaRPr>
           </a:p>
         </p:txBody>
       </p:sp>
@@ -7058,12 +6790,6 @@
               </a:rPr>
               <a:t>single</a:t>
             </a:r>
-            <a:endParaRPr lang="en-US" altLang="zh-CN" sz="1200">
-              <a:solidFill>
-                <a:schemeClr val="tx1"/>
-              </a:solidFill>
-              <a:sym typeface="+mn-ea"/>
-            </a:endParaRPr>
           </a:p>
           <a:p>
             <a:pPr lvl="0" algn="ctr"/>
@@ -7076,12 +6802,6 @@
               </a:rPr>
               <a:t> sign-on</a:t>
             </a:r>
-            <a:endParaRPr lang="en-US" altLang="zh-CN" sz="1200">
-              <a:solidFill>
-                <a:schemeClr val="tx1"/>
-              </a:solidFill>
-              <a:sym typeface="+mn-ea"/>
-            </a:endParaRPr>
           </a:p>
         </p:txBody>
       </p:sp>
@@ -7143,12 +6863,6 @@
               </a:rPr>
               <a:t>basic</a:t>
             </a:r>
-            <a:endParaRPr lang="en-US" altLang="zh-CN" sz="1200" dirty="0">
-              <a:solidFill>
-                <a:schemeClr val="tx1"/>
-              </a:solidFill>
-              <a:sym typeface="+mn-ea"/>
-            </a:endParaRPr>
           </a:p>
           <a:p>
             <a:pPr lvl="0" algn="ctr"/>
@@ -7161,12 +6875,6 @@
               </a:rPr>
               <a:t>info</a:t>
             </a:r>
-            <a:endParaRPr lang="en-US" altLang="zh-CN" sz="1200" dirty="0">
-              <a:solidFill>
-                <a:schemeClr val="tx1"/>
-              </a:solidFill>
-              <a:sym typeface="+mn-ea"/>
-            </a:endParaRPr>
           </a:p>
         </p:txBody>
       </p:sp>
@@ -7228,12 +6936,6 @@
               </a:rPr>
               <a:t>login</a:t>
             </a:r>
-            <a:endParaRPr lang="en-US" altLang="zh-CN" sz="1400">
-              <a:solidFill>
-                <a:schemeClr val="tx1"/>
-              </a:solidFill>
-              <a:sym typeface="+mn-ea"/>
-            </a:endParaRPr>
           </a:p>
         </p:txBody>
       </p:sp>
@@ -7295,12 +6997,6 @@
               </a:rPr>
               <a:t>register</a:t>
             </a:r>
-            <a:endParaRPr lang="en-US" altLang="zh-CN" sz="1400" dirty="0">
-              <a:solidFill>
-                <a:schemeClr val="tx1"/>
-              </a:solidFill>
-              <a:sym typeface="+mn-ea"/>
-            </a:endParaRPr>
           </a:p>
         </p:txBody>
       </p:sp>
@@ -7362,12 +7058,6 @@
               </a:rPr>
               <a:t>notify</a:t>
             </a:r>
-            <a:endParaRPr lang="en-US" altLang="zh-CN" sz="1400">
-              <a:solidFill>
-                <a:schemeClr val="tx1"/>
-              </a:solidFill>
-              <a:sym typeface="+mn-ea"/>
-            </a:endParaRPr>
           </a:p>
         </p:txBody>
       </p:sp>
@@ -7429,12 +7119,6 @@
               </a:rPr>
               <a:t>ticket</a:t>
             </a:r>
-            <a:endParaRPr lang="en-US" altLang="zh-CN" sz="1200" dirty="0">
-              <a:solidFill>
-                <a:schemeClr val="tx1"/>
-              </a:solidFill>
-              <a:sym typeface="+mn-ea"/>
-            </a:endParaRPr>
           </a:p>
           <a:p>
             <a:pPr lvl="0" algn="ctr"/>
@@ -7447,12 +7131,6 @@
               </a:rPr>
               <a:t>info</a:t>
             </a:r>
-            <a:endParaRPr lang="en-US" altLang="zh-CN" sz="1200" dirty="0">
-              <a:solidFill>
-                <a:schemeClr val="tx1"/>
-              </a:solidFill>
-              <a:sym typeface="+mn-ea"/>
-            </a:endParaRPr>
           </a:p>
         </p:txBody>
       </p:sp>
@@ -7514,12 +7192,6 @@
               </a:rPr>
               <a:t>high-speed</a:t>
             </a:r>
-            <a:endParaRPr lang="en-US" altLang="zh-CN" sz="1200" dirty="0">
-              <a:solidFill>
-                <a:schemeClr val="tx1"/>
-              </a:solidFill>
-              <a:sym typeface="+mn-ea"/>
-            </a:endParaRPr>
           </a:p>
           <a:p>
             <a:pPr lvl="0" algn="ctr"/>
@@ -7532,12 +7204,6 @@
               </a:rPr>
               <a:t>order</a:t>
             </a:r>
-            <a:endParaRPr lang="en-US" altLang="zh-CN" sz="1200" dirty="0">
-              <a:solidFill>
-                <a:schemeClr val="tx1"/>
-              </a:solidFill>
-              <a:sym typeface="+mn-ea"/>
-            </a:endParaRPr>
           </a:p>
         </p:txBody>
       </p:sp>
@@ -7599,12 +7265,6 @@
               </a:rPr>
               <a:t>high-speed</a:t>
             </a:r>
-            <a:endParaRPr lang="en-US" altLang="zh-CN" sz="1000" dirty="0">
-              <a:solidFill>
-                <a:schemeClr val="tx1"/>
-              </a:solidFill>
-              <a:sym typeface="+mn-ea"/>
-            </a:endParaRPr>
           </a:p>
           <a:p>
             <a:pPr lvl="0" algn="ctr"/>
@@ -7617,12 +7277,6 @@
               </a:rPr>
               <a:t>travel</a:t>
             </a:r>
-            <a:endParaRPr lang="en-US" altLang="zh-CN" sz="1000" dirty="0">
-              <a:solidFill>
-                <a:schemeClr val="tx1"/>
-              </a:solidFill>
-              <a:sym typeface="+mn-ea"/>
-            </a:endParaRPr>
           </a:p>
           <a:p>
             <a:pPr lvl="0" algn="ctr"/>
@@ -7635,12 +7289,6 @@
               </a:rPr>
               <a:t>explore</a:t>
             </a:r>
-            <a:endParaRPr lang="en-US" altLang="zh-CN" sz="1000" dirty="0">
-              <a:solidFill>
-                <a:schemeClr val="tx1"/>
-              </a:solidFill>
-              <a:sym typeface="+mn-ea"/>
-            </a:endParaRPr>
           </a:p>
         </p:txBody>
       </p:sp>
@@ -7702,12 +7350,6 @@
               </a:rPr>
               <a:t>inside</a:t>
             </a:r>
-            <a:endParaRPr lang="en-US" altLang="zh-CN" sz="1200" dirty="0">
-              <a:solidFill>
-                <a:schemeClr val="tx1"/>
-              </a:solidFill>
-              <a:sym typeface="+mn-ea"/>
-            </a:endParaRPr>
           </a:p>
           <a:p>
             <a:pPr lvl="0" algn="ctr"/>
@@ -7720,12 +7362,6 @@
               </a:rPr>
               <a:t>pay</a:t>
             </a:r>
-            <a:endParaRPr lang="en-US" altLang="zh-CN" sz="1200" dirty="0">
-              <a:solidFill>
-                <a:schemeClr val="tx1"/>
-              </a:solidFill>
-              <a:sym typeface="+mn-ea"/>
-            </a:endParaRPr>
           </a:p>
         </p:txBody>
       </p:sp>
@@ -7787,12 +7423,6 @@
               </a:rPr>
               <a:t>pay</a:t>
             </a:r>
-            <a:endParaRPr lang="en-US" altLang="zh-CN" sz="1400" dirty="0">
-              <a:solidFill>
-                <a:schemeClr val="tx1"/>
-              </a:solidFill>
-              <a:sym typeface="+mn-ea"/>
-            </a:endParaRPr>
           </a:p>
         </p:txBody>
       </p:sp>
@@ -7854,12 +7484,6 @@
               </a:rPr>
               <a:t>ticket</a:t>
             </a:r>
-            <a:endParaRPr lang="en-US" altLang="zh-CN" sz="1200" dirty="0">
-              <a:solidFill>
-                <a:schemeClr val="tx1"/>
-              </a:solidFill>
-              <a:sym typeface="+mn-ea"/>
-            </a:endParaRPr>
           </a:p>
           <a:p>
             <a:pPr lvl="0" algn="ctr"/>
@@ -7872,12 +7496,6 @@
               </a:rPr>
               <a:t>execute</a:t>
             </a:r>
-            <a:endParaRPr lang="en-US" altLang="zh-CN" sz="1200" dirty="0">
-              <a:solidFill>
-                <a:schemeClr val="tx1"/>
-              </a:solidFill>
-              <a:sym typeface="+mn-ea"/>
-            </a:endParaRPr>
           </a:p>
         </p:txBody>
       </p:sp>
@@ -7939,12 +7557,6 @@
               </a:rPr>
               <a:t>security</a:t>
             </a:r>
-            <a:endParaRPr lang="en-US" altLang="zh-CN" sz="1400">
-              <a:solidFill>
-                <a:schemeClr val="tx1"/>
-              </a:solidFill>
-              <a:sym typeface="+mn-ea"/>
-            </a:endParaRPr>
           </a:p>
         </p:txBody>
       </p:sp>
@@ -8006,12 +7618,6 @@
               </a:rPr>
               <a:t>ticket </a:t>
             </a:r>
-            <a:endParaRPr lang="en-US" altLang="zh-CN" sz="1200" dirty="0">
-              <a:solidFill>
-                <a:schemeClr val="tx1"/>
-              </a:solidFill>
-              <a:sym typeface="+mn-ea"/>
-            </a:endParaRPr>
           </a:p>
           <a:p>
             <a:pPr lvl="0" algn="ctr"/>
@@ -8024,12 +7630,6 @@
               </a:rPr>
               <a:t>rebook</a:t>
             </a:r>
-            <a:endParaRPr lang="en-US" altLang="zh-CN" sz="1200" dirty="0">
-              <a:solidFill>
-                <a:schemeClr val="tx1"/>
-              </a:solidFill>
-              <a:sym typeface="+mn-ea"/>
-            </a:endParaRPr>
           </a:p>
         </p:txBody>
       </p:sp>
@@ -8090,11 +7690,6 @@
               </a:rPr>
               <a:t>high-speed</a:t>
             </a:r>
-            <a:endParaRPr lang="en-US" altLang="zh-CN" sz="1100" dirty="0">
-              <a:solidFill>
-                <a:schemeClr val="tx1"/>
-              </a:solidFill>
-            </a:endParaRPr>
           </a:p>
           <a:p>
             <a:pPr algn="ctr"/>
@@ -8106,11 +7701,6 @@
               </a:rPr>
               <a:t>ticket</a:t>
             </a:r>
-            <a:endParaRPr lang="en-US" altLang="zh-CN" sz="1100" dirty="0">
-              <a:solidFill>
-                <a:schemeClr val="tx1"/>
-              </a:solidFill>
-            </a:endParaRPr>
           </a:p>
           <a:p>
             <a:pPr algn="ctr"/>
@@ -8122,11 +7712,6 @@
               </a:rPr>
               <a:t>reserve</a:t>
             </a:r>
-            <a:endParaRPr lang="en-US" altLang="zh-CN" sz="1100" dirty="0">
-              <a:solidFill>
-                <a:schemeClr val="tx1"/>
-              </a:solidFill>
-            </a:endParaRPr>
           </a:p>
         </p:txBody>
       </p:sp>
@@ -8188,12 +7773,6 @@
               </a:rPr>
               <a:t>order</a:t>
             </a:r>
-            <a:endParaRPr lang="en-US" altLang="zh-CN" sz="1400" dirty="0">
-              <a:solidFill>
-                <a:schemeClr val="tx1"/>
-              </a:solidFill>
-              <a:sym typeface="+mn-ea"/>
-            </a:endParaRPr>
           </a:p>
         </p:txBody>
       </p:sp>
@@ -8254,11 +7833,6 @@
               </a:rPr>
               <a:t>ticket</a:t>
             </a:r>
-            <a:endParaRPr lang="en-US" altLang="zh-CN" sz="1400" dirty="0">
-              <a:solidFill>
-                <a:schemeClr val="tx1"/>
-              </a:solidFill>
-            </a:endParaRPr>
           </a:p>
           <a:p>
             <a:pPr algn="ctr"/>
@@ -8337,12 +7911,6 @@
               </a:rPr>
               <a:t>travel</a:t>
             </a:r>
-            <a:endParaRPr lang="en-US" altLang="zh-CN" sz="1400" dirty="0">
-              <a:solidFill>
-                <a:schemeClr val="tx1"/>
-              </a:solidFill>
-              <a:sym typeface="+mn-ea"/>
-            </a:endParaRPr>
           </a:p>
           <a:p>
             <a:pPr lvl="0" algn="ctr"/>
@@ -8355,12 +7923,6 @@
               </a:rPr>
               <a:t>explore</a:t>
             </a:r>
-            <a:endParaRPr lang="en-US" altLang="zh-CN" sz="1400" dirty="0">
-              <a:solidFill>
-                <a:schemeClr val="tx1"/>
-              </a:solidFill>
-              <a:sym typeface="+mn-ea"/>
-            </a:endParaRPr>
           </a:p>
         </p:txBody>
       </p:sp>
@@ -8422,12 +7984,6 @@
               </a:rPr>
               <a:t>cancel</a:t>
             </a:r>
-            <a:endParaRPr lang="en-US" altLang="zh-CN" sz="1200" dirty="0">
-              <a:solidFill>
-                <a:schemeClr val="tx1"/>
-              </a:solidFill>
-              <a:sym typeface="+mn-ea"/>
-            </a:endParaRPr>
           </a:p>
           <a:p>
             <a:pPr lvl="0" algn="ctr"/>
@@ -8440,12 +7996,6 @@
               </a:rPr>
               <a:t>order</a:t>
             </a:r>
-            <a:endParaRPr lang="en-US" altLang="zh-CN" sz="1200" dirty="0">
-              <a:solidFill>
-                <a:schemeClr val="tx1"/>
-              </a:solidFill>
-              <a:sym typeface="+mn-ea"/>
-            </a:endParaRPr>
           </a:p>
         </p:txBody>
       </p:sp>
@@ -9473,7 +9023,7 @@
           <a:p>
             <a:pPr lvl="0" algn="ctr"/>
             <a:r>
-              <a:rPr lang="en-US" altLang="zh-CN" sz="1400" smtClean="0">
+              <a:rPr lang="en-US" altLang="zh-CN" sz="1400">
                 <a:solidFill>
                   <a:schemeClr val="tx1"/>
                 </a:solidFill>
@@ -9481,12 +9031,6 @@
               </a:rPr>
               <a:t>Travel admin</a:t>
             </a:r>
-            <a:endParaRPr lang="en-US" altLang="zh-CN" sz="1400" smtClean="0">
-              <a:solidFill>
-                <a:schemeClr val="tx1"/>
-              </a:solidFill>
-              <a:sym typeface="+mn-ea"/>
-            </a:endParaRPr>
           </a:p>
           <a:p>
             <a:pPr lvl="0" algn="ctr"/>
@@ -9499,12 +9043,6 @@
               </a:rPr>
               <a:t>(order, route, </a:t>
             </a:r>
-            <a:endParaRPr lang="en-US" altLang="zh-CN" sz="1400" dirty="0">
-              <a:solidFill>
-                <a:schemeClr val="tx1"/>
-              </a:solidFill>
-              <a:sym typeface="+mn-ea"/>
-            </a:endParaRPr>
           </a:p>
           <a:p>
             <a:pPr lvl="0" algn="ctr"/>
@@ -9517,12 +9055,6 @@
               </a:rPr>
               <a:t>station)</a:t>
             </a:r>
-            <a:endParaRPr lang="en-US" altLang="zh-CN" sz="1400" dirty="0">
-              <a:solidFill>
-                <a:schemeClr val="tx1"/>
-              </a:solidFill>
-              <a:sym typeface="+mn-ea"/>
-            </a:endParaRPr>
           </a:p>
         </p:txBody>
       </p:sp>
@@ -9578,7 +9110,7 @@
           <a:p>
             <a:pPr lvl="0" algn="ctr"/>
             <a:r>
-              <a:rPr lang="en-US" altLang="zh-CN" sz="1400" smtClean="0">
+              <a:rPr lang="en-US" altLang="zh-CN" sz="1400">
                 <a:ln w="0"/>
                 <a:solidFill>
                   <a:schemeClr val="tx1"/>
@@ -9807,7 +9339,7 @@
           <a:p>
             <a:pPr lvl="0" algn="ctr"/>
             <a:r>
-              <a:rPr lang="en-US" altLang="zh-CN" sz="1400" dirty="0" smtClean="0">
+              <a:rPr lang="en-US" altLang="zh-CN" sz="1400" dirty="0">
                 <a:solidFill>
                   <a:schemeClr val="tx1"/>
                 </a:solidFill>
@@ -9815,12 +9347,6 @@
               </a:rPr>
               <a:t>Route</a:t>
             </a:r>
-            <a:endParaRPr lang="en-US" altLang="zh-CN" sz="1400" dirty="0">
-              <a:solidFill>
-                <a:schemeClr val="tx1"/>
-              </a:solidFill>
-              <a:sym typeface="+mn-ea"/>
-            </a:endParaRPr>
           </a:p>
         </p:txBody>
       </p:sp>
@@ -9912,7 +9438,7 @@
           <a:p>
             <a:pPr lvl="0" algn="ctr"/>
             <a:r>
-              <a:rPr lang="en-US" altLang="zh-CN" sz="1400" smtClean="0">
+              <a:rPr lang="en-US" altLang="zh-CN" sz="1400">
                 <a:ln w="0"/>
                 <a:solidFill>
                   <a:schemeClr val="tx1"/>
@@ -10033,7 +9559,7 @@
           <a:p>
             <a:pPr lvl="0" algn="ctr"/>
             <a:r>
-              <a:rPr lang="en-US" altLang="zh-CN" sz="1400" dirty="0" smtClean="0">
+              <a:rPr lang="en-US" altLang="zh-CN" sz="1400" dirty="0">
                 <a:solidFill>
                   <a:schemeClr val="tx1"/>
                 </a:solidFill>
@@ -10041,12 +9567,6 @@
               </a:rPr>
               <a:t>assurance</a:t>
             </a:r>
-            <a:endParaRPr lang="en-US" altLang="zh-CN" sz="1400" dirty="0" smtClean="0">
-              <a:solidFill>
-                <a:schemeClr val="tx1"/>
-              </a:solidFill>
-              <a:sym typeface="+mn-ea"/>
-            </a:endParaRPr>
           </a:p>
         </p:txBody>
       </p:sp>
@@ -10138,7 +9658,7 @@
           <a:p>
             <a:pPr lvl="0" algn="ctr"/>
             <a:r>
-              <a:rPr lang="en-US" altLang="zh-CN" sz="1400" dirty="0" smtClean="0">
+              <a:rPr lang="en-US" altLang="zh-CN" sz="1400" dirty="0">
                 <a:solidFill>
                   <a:schemeClr val="tx1"/>
                 </a:solidFill>
@@ -10146,12 +9666,6 @@
               </a:rPr>
               <a:t>news(go)</a:t>
             </a:r>
-            <a:endParaRPr lang="en-US" altLang="zh-CN" sz="1400" dirty="0" smtClean="0">
-              <a:solidFill>
-                <a:schemeClr val="tx1"/>
-              </a:solidFill>
-              <a:sym typeface="+mn-ea"/>
-            </a:endParaRPr>
           </a:p>
         </p:txBody>
       </p:sp>
@@ -10245,7 +9759,7 @@
           <a:p>
             <a:pPr lvl="0" algn="ctr"/>
             <a:r>
-              <a:rPr lang="en-US" altLang="zh-CN" sz="1400" dirty="0" smtClean="0">
+              <a:rPr lang="en-US" altLang="zh-CN" sz="1400" dirty="0">
                 <a:ln w="0"/>
                 <a:solidFill>
                   <a:schemeClr val="tx1"/>
@@ -10260,6 +9774,1647 @@
                 <a:sym typeface="+mn-ea"/>
               </a:rPr>
               <a:t>entrance</a:t>
+            </a:r>
+          </a:p>
+        </p:txBody>
+      </p:sp>
+      <p:cxnSp>
+        <p:nvCxnSpPr>
+          <p:cNvPr id="68" name="Straight Arrow Connector 67"/>
+          <p:cNvCxnSpPr>
+            <a:stCxn id="67" idx="3"/>
+          </p:cNvCxnSpPr>
+          <p:nvPr/>
+        </p:nvCxnSpPr>
+        <p:spPr>
+          <a:xfrm flipV="1">
+            <a:off x="2414016" y="295027"/>
+            <a:ext cx="3636291" cy="133708"/>
+          </a:xfrm>
+          <a:prstGeom prst="straightConnector1">
+            <a:avLst/>
+          </a:prstGeom>
+          <a:ln>
+            <a:tailEnd type="arrow" w="lg" len="lg"/>
+          </a:ln>
+        </p:spPr>
+        <p:style>
+          <a:lnRef idx="1">
+            <a:schemeClr val="accent1"/>
+          </a:lnRef>
+          <a:fillRef idx="0">
+            <a:schemeClr val="accent1"/>
+          </a:fillRef>
+          <a:effectRef idx="0">
+            <a:schemeClr val="accent1"/>
+          </a:effectRef>
+          <a:fontRef idx="minor">
+            <a:schemeClr val="tx1"/>
+          </a:fontRef>
+        </p:style>
+      </p:cxnSp>
+      <p:cxnSp>
+        <p:nvCxnSpPr>
+          <p:cNvPr id="74" name="Straight Arrow Connector 73"/>
+          <p:cNvCxnSpPr>
+            <a:stCxn id="63" idx="2"/>
+            <a:endCxn id="18" idx="0"/>
+          </p:cNvCxnSpPr>
+          <p:nvPr/>
+        </p:nvCxnSpPr>
+        <p:spPr>
+          <a:xfrm flipH="1">
+            <a:off x="7548953" y="1028234"/>
+            <a:ext cx="2465705" cy="1132840"/>
+          </a:xfrm>
+          <a:prstGeom prst="straightConnector1">
+            <a:avLst/>
+          </a:prstGeom>
+          <a:ln>
+            <a:tailEnd type="arrow" w="lg" len="lg"/>
+          </a:ln>
+        </p:spPr>
+        <p:style>
+          <a:lnRef idx="1">
+            <a:schemeClr val="accent1"/>
+          </a:lnRef>
+          <a:fillRef idx="0">
+            <a:schemeClr val="accent1"/>
+          </a:fillRef>
+          <a:effectRef idx="0">
+            <a:schemeClr val="accent1"/>
+          </a:effectRef>
+          <a:fontRef idx="minor">
+            <a:schemeClr val="tx1"/>
+          </a:fontRef>
+        </p:style>
+      </p:cxnSp>
+      <p:sp>
+        <p:nvSpPr>
+          <p:cNvPr id="77" name="流程图: 准备 19"/>
+          <p:cNvSpPr/>
+          <p:nvPr/>
+        </p:nvSpPr>
+        <p:spPr>
+          <a:xfrm>
+            <a:off x="147320" y="2940050"/>
+            <a:ext cx="2157095" cy="775970"/>
+          </a:xfrm>
+          <a:prstGeom prst="flowChartPreparation">
+            <a:avLst/>
+          </a:prstGeom>
+          <a:solidFill>
+            <a:srgbClr val="00B050"/>
+          </a:solidFill>
+          <a:ln w="28575">
+            <a:solidFill>
+              <a:schemeClr val="tx1"/>
+            </a:solidFill>
+          </a:ln>
+          <a:effectLst>
+            <a:glow>
+              <a:schemeClr val="accent1">
+                <a:alpha val="40000"/>
+              </a:schemeClr>
+            </a:glow>
+          </a:effectLst>
+        </p:spPr>
+        <p:style>
+          <a:lnRef idx="1">
+            <a:schemeClr val="accent6"/>
+          </a:lnRef>
+          <a:fillRef idx="3">
+            <a:schemeClr val="accent6"/>
+          </a:fillRef>
+          <a:effectRef idx="2">
+            <a:schemeClr val="accent6"/>
+          </a:effectRef>
+          <a:fontRef idx="minor">
+            <a:schemeClr val="lt1"/>
+          </a:fontRef>
+        </p:style>
+        <p:txBody>
+          <a:bodyPr vertOverflow="overflow" horzOverflow="overflow" vert="horz" wrap="none" lIns="0" tIns="0" rIns="0" bIns="0" numCol="1" spcCol="0" rtlCol="0" fromWordArt="0" anchor="ctr" anchorCtr="0" forceAA="0" compatLnSpc="1">
+            <a:normAutofit/>
+          </a:bodyPr>
+          <a:lstStyle/>
+          <a:p>
+            <a:pPr lvl="0" algn="ctr"/>
+            <a:r>
+              <a:rPr lang="en-US" altLang="zh-CN" sz="1600" dirty="0">
+                <a:solidFill>
+                  <a:schemeClr val="tx1"/>
+                </a:solidFill>
+                <a:sym typeface="+mn-ea"/>
+              </a:rPr>
+              <a:t>Advanced travel</a:t>
+            </a:r>
+          </a:p>
+          <a:p>
+            <a:pPr lvl="0" algn="ctr"/>
+            <a:r>
+              <a:rPr lang="en-US" altLang="zh-CN" sz="1600" dirty="0">
+                <a:solidFill>
+                  <a:schemeClr val="tx1"/>
+                </a:solidFill>
+                <a:sym typeface="+mn-ea"/>
+              </a:rPr>
+              <a:t>(route info + ticket)</a:t>
+            </a:r>
+          </a:p>
+        </p:txBody>
+      </p:sp>
+      <p:cxnSp>
+        <p:nvCxnSpPr>
+          <p:cNvPr id="79" name="Straight Arrow Connector 78"/>
+          <p:cNvCxnSpPr>
+            <a:stCxn id="77" idx="3"/>
+            <a:endCxn id="18" idx="2"/>
+          </p:cNvCxnSpPr>
+          <p:nvPr/>
+        </p:nvCxnSpPr>
+        <p:spPr>
+          <a:xfrm flipV="1">
+            <a:off x="2304612" y="2849378"/>
+            <a:ext cx="5244465" cy="478790"/>
+          </a:xfrm>
+          <a:prstGeom prst="straightConnector1">
+            <a:avLst/>
+          </a:prstGeom>
+          <a:ln>
+            <a:tailEnd type="arrow" w="lg" len="lg"/>
+          </a:ln>
+        </p:spPr>
+        <p:style>
+          <a:lnRef idx="1">
+            <a:schemeClr val="accent1"/>
+          </a:lnRef>
+          <a:fillRef idx="0">
+            <a:schemeClr val="accent1"/>
+          </a:fillRef>
+          <a:effectRef idx="0">
+            <a:schemeClr val="accent1"/>
+          </a:effectRef>
+          <a:fontRef idx="minor">
+            <a:schemeClr val="tx1"/>
+          </a:fontRef>
+        </p:style>
+      </p:cxnSp>
+      <p:cxnSp>
+        <p:nvCxnSpPr>
+          <p:cNvPr id="82" name="Straight Arrow Connector 81"/>
+          <p:cNvCxnSpPr>
+            <a:stCxn id="77" idx="3"/>
+            <a:endCxn id="30" idx="1"/>
+          </p:cNvCxnSpPr>
+          <p:nvPr/>
+        </p:nvCxnSpPr>
+        <p:spPr>
+          <a:xfrm>
+            <a:off x="2304415" y="3328035"/>
+            <a:ext cx="379095" cy="577850"/>
+          </a:xfrm>
+          <a:prstGeom prst="straightConnector1">
+            <a:avLst/>
+          </a:prstGeom>
+          <a:ln>
+            <a:tailEnd type="arrow" w="lg" len="lg"/>
+          </a:ln>
+        </p:spPr>
+        <p:style>
+          <a:lnRef idx="1">
+            <a:schemeClr val="accent1"/>
+          </a:lnRef>
+          <a:fillRef idx="0">
+            <a:schemeClr val="accent1"/>
+          </a:fillRef>
+          <a:effectRef idx="0">
+            <a:schemeClr val="accent1"/>
+          </a:effectRef>
+          <a:fontRef idx="minor">
+            <a:schemeClr val="tx1"/>
+          </a:fontRef>
+        </p:style>
+      </p:cxnSp>
+      <p:sp>
+        <p:nvSpPr>
+          <p:cNvPr id="25" name="流程图: 准备 19"/>
+          <p:cNvSpPr/>
+          <p:nvPr/>
+        </p:nvSpPr>
+        <p:spPr>
+          <a:xfrm>
+            <a:off x="4667885" y="5984240"/>
+            <a:ext cx="1584960" cy="731520"/>
+          </a:xfrm>
+          <a:prstGeom prst="flowChartPreparation">
+            <a:avLst/>
+          </a:prstGeom>
+          <a:solidFill>
+            <a:srgbClr val="FFC000"/>
+          </a:solidFill>
+          <a:ln w="28575">
+            <a:solidFill>
+              <a:schemeClr val="tx1"/>
+            </a:solidFill>
+          </a:ln>
+          <a:effectLst>
+            <a:glow>
+              <a:schemeClr val="accent1">
+                <a:alpha val="40000"/>
+              </a:schemeClr>
+            </a:glow>
+          </a:effectLst>
+        </p:spPr>
+        <p:style>
+          <a:lnRef idx="1">
+            <a:schemeClr val="accent6"/>
+          </a:lnRef>
+          <a:fillRef idx="3">
+            <a:schemeClr val="accent6"/>
+          </a:fillRef>
+          <a:effectRef idx="2">
+            <a:schemeClr val="accent6"/>
+          </a:effectRef>
+          <a:fontRef idx="minor">
+            <a:schemeClr val="lt1"/>
+          </a:fontRef>
+        </p:style>
+        <p:txBody>
+          <a:bodyPr vertOverflow="overflow" horzOverflow="overflow" vert="horz" wrap="none" lIns="0" tIns="0" rIns="0" bIns="0" numCol="1" spcCol="0" rtlCol="0" fromWordArt="0" anchor="ctr" anchorCtr="0" forceAA="0" compatLnSpc="1">
+            <a:normAutofit/>
+          </a:bodyPr>
+          <a:lstStyle/>
+          <a:p>
+            <a:pPr lvl="0" algn="ctr"/>
+            <a:r>
+              <a:rPr lang="en-US" altLang="zh-CN" sz="1400" dirty="0">
+                <a:solidFill>
+                  <a:schemeClr val="tx1"/>
+                </a:solidFill>
+                <a:sym typeface="+mn-ea"/>
+              </a:rPr>
+              <a:t>customer support</a:t>
+            </a:r>
+          </a:p>
+        </p:txBody>
+      </p:sp>
+      <p:sp>
+        <p:nvSpPr>
+          <p:cNvPr id="30" name="流程图: 准备 19"/>
+          <p:cNvSpPr/>
+          <p:nvPr/>
+        </p:nvSpPr>
+        <p:spPr>
+          <a:xfrm>
+            <a:off x="2683510" y="3517900"/>
+            <a:ext cx="2657475" cy="775970"/>
+          </a:xfrm>
+          <a:prstGeom prst="flowChartPreparation">
+            <a:avLst/>
+          </a:prstGeom>
+          <a:solidFill>
+            <a:srgbClr val="00B050"/>
+          </a:solidFill>
+          <a:ln w="28575">
+            <a:solidFill>
+              <a:schemeClr val="tx1"/>
+            </a:solidFill>
+          </a:ln>
+          <a:effectLst>
+            <a:glow>
+              <a:schemeClr val="accent1">
+                <a:alpha val="40000"/>
+              </a:schemeClr>
+            </a:glow>
+          </a:effectLst>
+        </p:spPr>
+        <p:style>
+          <a:lnRef idx="1">
+            <a:schemeClr val="accent6"/>
+          </a:lnRef>
+          <a:fillRef idx="3">
+            <a:schemeClr val="accent6"/>
+          </a:fillRef>
+          <a:effectRef idx="2">
+            <a:schemeClr val="accent6"/>
+          </a:effectRef>
+          <a:fontRef idx="minor">
+            <a:schemeClr val="lt1"/>
+          </a:fontRef>
+        </p:style>
+        <p:txBody>
+          <a:bodyPr vertOverflow="overflow" horzOverflow="overflow" vert="horz" wrap="none" lIns="0" tIns="0" rIns="0" bIns="0" numCol="1" spcCol="0" rtlCol="0" fromWordArt="0" anchor="ctr" anchorCtr="0" forceAA="0" compatLnSpc="1">
+            <a:normAutofit/>
+          </a:bodyPr>
+          <a:lstStyle/>
+          <a:p>
+            <a:pPr lvl="0" algn="ctr"/>
+            <a:r>
+              <a:rPr lang="en-US" altLang="zh-CN" sz="1600" dirty="0">
+                <a:solidFill>
+                  <a:schemeClr val="tx1"/>
+                </a:solidFill>
+                <a:sym typeface="+mn-ea"/>
+              </a:rPr>
+              <a:t>route plan</a:t>
+            </a:r>
+          </a:p>
+          <a:p>
+            <a:pPr lvl="0" algn="ctr"/>
+            <a:r>
+              <a:rPr lang="en-US" altLang="zh-CN" sz="1600" dirty="0">
+                <a:solidFill>
+                  <a:schemeClr val="tx1"/>
+                </a:solidFill>
+                <a:sym typeface="+mn-ea"/>
+              </a:rPr>
+              <a:t>(price, change, time)</a:t>
+            </a:r>
+          </a:p>
+        </p:txBody>
+      </p:sp>
+      <p:sp>
+        <p:nvSpPr>
+          <p:cNvPr id="31" name="流程图: 准备 19"/>
+          <p:cNvSpPr/>
+          <p:nvPr/>
+        </p:nvSpPr>
+        <p:spPr>
+          <a:xfrm>
+            <a:off x="10841990" y="544195"/>
+            <a:ext cx="1138555" cy="688340"/>
+          </a:xfrm>
+          <a:prstGeom prst="flowChartPreparation">
+            <a:avLst/>
+          </a:prstGeom>
+          <a:solidFill>
+            <a:srgbClr val="00CC00"/>
+          </a:solidFill>
+          <a:ln w="28575">
+            <a:solidFill>
+              <a:schemeClr val="tx1"/>
+            </a:solidFill>
+          </a:ln>
+          <a:effectLst>
+            <a:glow>
+              <a:schemeClr val="accent1">
+                <a:alpha val="40000"/>
+              </a:schemeClr>
+            </a:glow>
+          </a:effectLst>
+        </p:spPr>
+        <p:style>
+          <a:lnRef idx="1">
+            <a:schemeClr val="accent6"/>
+          </a:lnRef>
+          <a:fillRef idx="3">
+            <a:schemeClr val="accent6"/>
+          </a:fillRef>
+          <a:effectRef idx="2">
+            <a:schemeClr val="accent6"/>
+          </a:effectRef>
+          <a:fontRef idx="minor">
+            <a:schemeClr val="lt1"/>
+          </a:fontRef>
+        </p:style>
+        <p:txBody>
+          <a:bodyPr vertOverflow="overflow" horzOverflow="overflow" vert="horz" wrap="none" lIns="0" tIns="0" rIns="0" bIns="0" numCol="1" spcCol="0" rtlCol="0" fromWordArt="0" anchor="ctr" anchorCtr="0" forceAA="0" compatLnSpc="1">
+            <a:normAutofit/>
+          </a:bodyPr>
+          <a:lstStyle/>
+          <a:p>
+            <a:pPr lvl="0" algn="ctr"/>
+            <a:r>
+              <a:rPr lang="en-US" altLang="zh-CN" sz="1400" dirty="0">
+                <a:solidFill>
+                  <a:schemeClr val="tx1"/>
+                </a:solidFill>
+                <a:sym typeface="+mn-ea"/>
+              </a:rPr>
+              <a:t>ticket office</a:t>
+            </a:r>
+          </a:p>
+          <a:p>
+            <a:pPr lvl="0" algn="ctr"/>
+            <a:r>
+              <a:rPr lang="en-US" altLang="zh-CN" sz="1400" dirty="0">
+                <a:solidFill>
+                  <a:schemeClr val="tx1"/>
+                </a:solidFill>
+                <a:sym typeface="+mn-ea"/>
+              </a:rPr>
+              <a:t>(nodejs)</a:t>
+            </a:r>
+          </a:p>
+        </p:txBody>
+      </p:sp>
+      <p:cxnSp>
+        <p:nvCxnSpPr>
+          <p:cNvPr id="32" name="肘形连接符 33"/>
+          <p:cNvCxnSpPr>
+            <a:endCxn id="31" idx="0"/>
+          </p:cNvCxnSpPr>
+          <p:nvPr/>
+        </p:nvCxnSpPr>
+        <p:spPr>
+          <a:xfrm>
+            <a:off x="9965055" y="272415"/>
+            <a:ext cx="1446530" cy="271780"/>
+          </a:xfrm>
+          <a:prstGeom prst="bentConnector2">
+            <a:avLst/>
+          </a:prstGeom>
+          <a:ln w="19050">
+            <a:solidFill>
+              <a:schemeClr val="tx1"/>
+            </a:solidFill>
+            <a:tailEnd type="arrow"/>
+          </a:ln>
+        </p:spPr>
+        <p:style>
+          <a:lnRef idx="1">
+            <a:schemeClr val="accent1"/>
+          </a:lnRef>
+          <a:fillRef idx="0">
+            <a:schemeClr val="accent1"/>
+          </a:fillRef>
+          <a:effectRef idx="0">
+            <a:schemeClr val="accent1"/>
+          </a:effectRef>
+          <a:fontRef idx="minor">
+            <a:schemeClr val="tx1"/>
+          </a:fontRef>
+        </p:style>
+      </p:cxnSp>
+      <p:sp>
+        <p:nvSpPr>
+          <p:cNvPr id="33" name="流程图: 准备 19"/>
+          <p:cNvSpPr/>
+          <p:nvPr/>
+        </p:nvSpPr>
+        <p:spPr>
+          <a:xfrm>
+            <a:off x="10758805" y="4791075"/>
+            <a:ext cx="1053465" cy="513080"/>
+          </a:xfrm>
+          <a:prstGeom prst="flowChartPreparation">
+            <a:avLst/>
+          </a:prstGeom>
+          <a:solidFill>
+            <a:srgbClr val="00CC00"/>
+          </a:solidFill>
+          <a:ln w="28575">
+            <a:solidFill>
+              <a:schemeClr val="tx1"/>
+            </a:solidFill>
+          </a:ln>
+          <a:effectLst>
+            <a:glow>
+              <a:schemeClr val="accent1">
+                <a:alpha val="40000"/>
+              </a:schemeClr>
+            </a:glow>
+          </a:effectLst>
+        </p:spPr>
+        <p:style>
+          <a:lnRef idx="1">
+            <a:schemeClr val="accent6"/>
+          </a:lnRef>
+          <a:fillRef idx="3">
+            <a:schemeClr val="accent6"/>
+          </a:fillRef>
+          <a:effectRef idx="2">
+            <a:schemeClr val="accent6"/>
+          </a:effectRef>
+          <a:fontRef idx="minor">
+            <a:schemeClr val="lt1"/>
+          </a:fontRef>
+        </p:style>
+        <p:txBody>
+          <a:bodyPr vertOverflow="overflow" horzOverflow="overflow" vert="horz" wrap="none" lIns="0" tIns="0" rIns="0" bIns="0" numCol="1" spcCol="0" rtlCol="0" fromWordArt="0" anchor="ctr" anchorCtr="0" forceAA="0" compatLnSpc="1">
+            <a:normAutofit/>
+          </a:bodyPr>
+          <a:lstStyle/>
+          <a:p>
+            <a:pPr lvl="0" algn="ctr"/>
+            <a:r>
+              <a:rPr lang="en-US" altLang="zh-CN" sz="1400" dirty="0">
+                <a:solidFill>
+                  <a:schemeClr val="tx1"/>
+                </a:solidFill>
+                <a:sym typeface="+mn-ea"/>
+              </a:rPr>
+              <a:t>consign</a:t>
+            </a:r>
+          </a:p>
+        </p:txBody>
+      </p:sp>
+      <p:sp>
+        <p:nvSpPr>
+          <p:cNvPr id="37" name="流程图: 准备 19"/>
+          <p:cNvSpPr/>
+          <p:nvPr/>
+        </p:nvSpPr>
+        <p:spPr>
+          <a:xfrm>
+            <a:off x="10687685" y="5784215"/>
+            <a:ext cx="1188085" cy="513080"/>
+          </a:xfrm>
+          <a:prstGeom prst="flowChartPreparation">
+            <a:avLst/>
+          </a:prstGeom>
+          <a:solidFill>
+            <a:srgbClr val="00CC00"/>
+          </a:solidFill>
+          <a:ln w="28575">
+            <a:solidFill>
+              <a:schemeClr val="tx1"/>
+            </a:solidFill>
+          </a:ln>
+          <a:effectLst>
+            <a:glow>
+              <a:schemeClr val="accent1">
+                <a:alpha val="40000"/>
+              </a:schemeClr>
+            </a:glow>
+          </a:effectLst>
+        </p:spPr>
+        <p:style>
+          <a:lnRef idx="1">
+            <a:schemeClr val="accent6"/>
+          </a:lnRef>
+          <a:fillRef idx="3">
+            <a:schemeClr val="accent6"/>
+          </a:fillRef>
+          <a:effectRef idx="2">
+            <a:schemeClr val="accent6"/>
+          </a:effectRef>
+          <a:fontRef idx="minor">
+            <a:schemeClr val="lt1"/>
+          </a:fontRef>
+        </p:style>
+        <p:txBody>
+          <a:bodyPr vertOverflow="overflow" horzOverflow="overflow" vert="horz" wrap="none" lIns="0" tIns="0" rIns="0" bIns="0" numCol="1" spcCol="0" rtlCol="0" fromWordArt="0" anchor="ctr" anchorCtr="0" forceAA="0" compatLnSpc="1">
+            <a:normAutofit/>
+          </a:bodyPr>
+          <a:lstStyle/>
+          <a:p>
+            <a:pPr lvl="0" algn="ctr"/>
+            <a:r>
+              <a:rPr lang="en-US" altLang="zh-CN" sz="1400" dirty="0">
+                <a:solidFill>
+                  <a:schemeClr val="tx1"/>
+                </a:solidFill>
+                <a:sym typeface="+mn-ea"/>
+              </a:rPr>
+              <a:t>consign price</a:t>
+            </a:r>
+          </a:p>
+        </p:txBody>
+      </p:sp>
+      <p:cxnSp>
+        <p:nvCxnSpPr>
+          <p:cNvPr id="38" name="Straight Arrow Connector 78"/>
+          <p:cNvCxnSpPr>
+            <a:stCxn id="33" idx="0"/>
+            <a:endCxn id="26" idx="3"/>
+          </p:cNvCxnSpPr>
+          <p:nvPr/>
+        </p:nvCxnSpPr>
+        <p:spPr>
+          <a:xfrm flipH="1" flipV="1">
+            <a:off x="10466070" y="3667125"/>
+            <a:ext cx="819785" cy="1123950"/>
+          </a:xfrm>
+          <a:prstGeom prst="straightConnector1">
+            <a:avLst/>
+          </a:prstGeom>
+          <a:ln>
+            <a:tailEnd type="arrow" w="lg" len="lg"/>
+          </a:ln>
+        </p:spPr>
+        <p:style>
+          <a:lnRef idx="1">
+            <a:schemeClr val="accent1"/>
+          </a:lnRef>
+          <a:fillRef idx="0">
+            <a:schemeClr val="accent1"/>
+          </a:fillRef>
+          <a:effectRef idx="0">
+            <a:schemeClr val="accent1"/>
+          </a:effectRef>
+          <a:fontRef idx="minor">
+            <a:schemeClr val="tx1"/>
+          </a:fontRef>
+        </p:style>
+      </p:cxnSp>
+      <p:cxnSp>
+        <p:nvCxnSpPr>
+          <p:cNvPr id="39" name="Straight Arrow Connector 78"/>
+          <p:cNvCxnSpPr>
+            <a:stCxn id="33" idx="2"/>
+            <a:endCxn id="37" idx="0"/>
+          </p:cNvCxnSpPr>
+          <p:nvPr/>
+        </p:nvCxnSpPr>
+        <p:spPr>
+          <a:xfrm flipH="1">
+            <a:off x="11282045" y="5304155"/>
+            <a:ext cx="3810" cy="480060"/>
+          </a:xfrm>
+          <a:prstGeom prst="straightConnector1">
+            <a:avLst/>
+          </a:prstGeom>
+          <a:ln>
+            <a:tailEnd type="arrow" w="lg" len="lg"/>
+          </a:ln>
+        </p:spPr>
+        <p:style>
+          <a:lnRef idx="1">
+            <a:schemeClr val="accent1"/>
+          </a:lnRef>
+          <a:fillRef idx="0">
+            <a:schemeClr val="accent1"/>
+          </a:fillRef>
+          <a:effectRef idx="0">
+            <a:schemeClr val="accent1"/>
+          </a:effectRef>
+          <a:fontRef idx="minor">
+            <a:schemeClr val="tx1"/>
+          </a:fontRef>
+        </p:style>
+      </p:cxnSp>
+      <p:sp>
+        <p:nvSpPr>
+          <p:cNvPr id="42" name="流程图: 准备 19"/>
+          <p:cNvSpPr/>
+          <p:nvPr/>
+        </p:nvSpPr>
+        <p:spPr>
+          <a:xfrm>
+            <a:off x="2966085" y="2336165"/>
+            <a:ext cx="1053465" cy="513080"/>
+          </a:xfrm>
+          <a:prstGeom prst="flowChartPreparation">
+            <a:avLst/>
+          </a:prstGeom>
+          <a:solidFill>
+            <a:srgbClr val="00CC00"/>
+          </a:solidFill>
+          <a:ln w="28575">
+            <a:solidFill>
+              <a:schemeClr val="tx1"/>
+            </a:solidFill>
+          </a:ln>
+          <a:effectLst>
+            <a:glow>
+              <a:schemeClr val="accent1">
+                <a:alpha val="40000"/>
+              </a:schemeClr>
+            </a:glow>
+          </a:effectLst>
+        </p:spPr>
+        <p:style>
+          <a:lnRef idx="1">
+            <a:schemeClr val="accent6"/>
+          </a:lnRef>
+          <a:fillRef idx="3">
+            <a:schemeClr val="accent6"/>
+          </a:fillRef>
+          <a:effectRef idx="2">
+            <a:schemeClr val="accent6"/>
+          </a:effectRef>
+          <a:fontRef idx="minor">
+            <a:schemeClr val="lt1"/>
+          </a:fontRef>
+        </p:style>
+        <p:txBody>
+          <a:bodyPr vertOverflow="overflow" horzOverflow="overflow" vert="horz" wrap="none" lIns="0" tIns="0" rIns="0" bIns="0" numCol="1" spcCol="0" rtlCol="0" fromWordArt="0" anchor="ctr" anchorCtr="0" forceAA="0" compatLnSpc="1">
+            <a:normAutofit/>
+          </a:bodyPr>
+          <a:lstStyle/>
+          <a:p>
+            <a:pPr lvl="0" algn="ctr"/>
+            <a:r>
+              <a:rPr lang="en-US" altLang="zh-CN" sz="1400" dirty="0">
+                <a:solidFill>
+                  <a:schemeClr val="tx1"/>
+                </a:solidFill>
+                <a:sym typeface="+mn-ea"/>
+              </a:rPr>
+              <a:t>voucher</a:t>
+            </a:r>
+          </a:p>
+        </p:txBody>
+      </p:sp>
+      <p:cxnSp>
+        <p:nvCxnSpPr>
+          <p:cNvPr id="43" name="Straight Arrow Connector 78"/>
+          <p:cNvCxnSpPr>
+            <a:stCxn id="21" idx="1"/>
+            <a:endCxn id="42" idx="3"/>
+          </p:cNvCxnSpPr>
+          <p:nvPr/>
+        </p:nvCxnSpPr>
+        <p:spPr>
+          <a:xfrm flipH="1">
+            <a:off x="4019550" y="2529840"/>
+            <a:ext cx="351790" cy="62865"/>
+          </a:xfrm>
+          <a:prstGeom prst="straightConnector1">
+            <a:avLst/>
+          </a:prstGeom>
+          <a:ln>
+            <a:tailEnd type="arrow" w="lg" len="lg"/>
+          </a:ln>
+        </p:spPr>
+        <p:style>
+          <a:lnRef idx="1">
+            <a:schemeClr val="accent1"/>
+          </a:lnRef>
+          <a:fillRef idx="0">
+            <a:schemeClr val="accent1"/>
+          </a:fillRef>
+          <a:effectRef idx="0">
+            <a:schemeClr val="accent1"/>
+          </a:effectRef>
+          <a:fontRef idx="minor">
+            <a:schemeClr val="tx1"/>
+          </a:fontRef>
+        </p:style>
+      </p:cxnSp>
+      <p:sp>
+        <p:nvSpPr>
+          <p:cNvPr id="44" name="流程图: 准备 19"/>
+          <p:cNvSpPr/>
+          <p:nvPr/>
+        </p:nvSpPr>
+        <p:spPr>
+          <a:xfrm>
+            <a:off x="282575" y="4713605"/>
+            <a:ext cx="1450975" cy="590550"/>
+          </a:xfrm>
+          <a:prstGeom prst="flowChartPreparation">
+            <a:avLst/>
+          </a:prstGeom>
+          <a:solidFill>
+            <a:srgbClr val="FFC000"/>
+          </a:solidFill>
+          <a:ln w="28575">
+            <a:solidFill>
+              <a:schemeClr val="tx1"/>
+            </a:solidFill>
+          </a:ln>
+          <a:effectLst>
+            <a:glow>
+              <a:schemeClr val="accent1">
+                <a:alpha val="40000"/>
+              </a:schemeClr>
+            </a:glow>
+          </a:effectLst>
+        </p:spPr>
+        <p:style>
+          <a:lnRef idx="1">
+            <a:schemeClr val="accent6"/>
+          </a:lnRef>
+          <a:fillRef idx="3">
+            <a:schemeClr val="accent6"/>
+          </a:fillRef>
+          <a:effectRef idx="2">
+            <a:schemeClr val="accent6"/>
+          </a:effectRef>
+          <a:fontRef idx="minor">
+            <a:schemeClr val="lt1"/>
+          </a:fontRef>
+        </p:style>
+        <p:txBody>
+          <a:bodyPr vertOverflow="overflow" horzOverflow="overflow" vert="horz" wrap="none" lIns="0" tIns="0" rIns="0" bIns="0" numCol="1" spcCol="0" rtlCol="0" fromWordArt="0" anchor="ctr" anchorCtr="0" forceAA="0" compatLnSpc="1">
+            <a:normAutofit/>
+          </a:bodyPr>
+          <a:lstStyle/>
+          <a:p>
+            <a:pPr lvl="0" algn="ctr"/>
+            <a:r>
+              <a:rPr lang="en-US" altLang="zh-CN" sz="1400" dirty="0">
+                <a:solidFill>
+                  <a:schemeClr val="tx1"/>
+                </a:solidFill>
+                <a:sym typeface="+mn-ea"/>
+              </a:rPr>
+              <a:t>ticket preserve</a:t>
+            </a:r>
+          </a:p>
+          <a:p>
+            <a:pPr lvl="0" algn="ctr"/>
+            <a:r>
+              <a:rPr lang="en-US" altLang="zh-CN" sz="1400" dirty="0">
+                <a:solidFill>
+                  <a:schemeClr val="tx1"/>
+                </a:solidFill>
+                <a:sym typeface="+mn-ea"/>
+              </a:rPr>
+              <a:t>(voice)</a:t>
+            </a:r>
+          </a:p>
+        </p:txBody>
+      </p:sp>
+      <p:sp>
+        <p:nvSpPr>
+          <p:cNvPr id="45" name="流程图: 准备 19"/>
+          <p:cNvSpPr/>
+          <p:nvPr/>
+        </p:nvSpPr>
+        <p:spPr>
+          <a:xfrm>
+            <a:off x="1957070" y="4713605"/>
+            <a:ext cx="1243330" cy="590550"/>
+          </a:xfrm>
+          <a:prstGeom prst="flowChartPreparation">
+            <a:avLst/>
+          </a:prstGeom>
+          <a:solidFill>
+            <a:srgbClr val="FFC000"/>
+          </a:solidFill>
+          <a:ln w="28575">
+            <a:solidFill>
+              <a:schemeClr val="tx1"/>
+            </a:solidFill>
+          </a:ln>
+          <a:effectLst>
+            <a:glow>
+              <a:schemeClr val="accent1">
+                <a:alpha val="40000"/>
+              </a:schemeClr>
+            </a:glow>
+          </a:effectLst>
+        </p:spPr>
+        <p:style>
+          <a:lnRef idx="1">
+            <a:schemeClr val="accent6"/>
+          </a:lnRef>
+          <a:fillRef idx="3">
+            <a:schemeClr val="accent6"/>
+          </a:fillRef>
+          <a:effectRef idx="2">
+            <a:schemeClr val="accent6"/>
+          </a:effectRef>
+          <a:fontRef idx="minor">
+            <a:schemeClr val="lt1"/>
+          </a:fontRef>
+        </p:style>
+        <p:txBody>
+          <a:bodyPr vertOverflow="overflow" horzOverflow="overflow" vert="horz" wrap="none" lIns="0" tIns="0" rIns="0" bIns="0" numCol="1" spcCol="0" rtlCol="0" fromWordArt="0" anchor="ctr" anchorCtr="0" forceAA="0" compatLnSpc="1">
+            <a:normAutofit/>
+          </a:bodyPr>
+          <a:lstStyle/>
+          <a:p>
+            <a:pPr lvl="0" algn="ctr"/>
+            <a:r>
+              <a:rPr lang="en-US" altLang="zh-CN" sz="1400" dirty="0">
+                <a:solidFill>
+                  <a:schemeClr val="tx1"/>
+                </a:solidFill>
+                <a:sym typeface="+mn-ea"/>
+              </a:rPr>
+              <a:t>voice process</a:t>
+            </a:r>
+          </a:p>
+        </p:txBody>
+      </p:sp>
+      <p:sp>
+        <p:nvSpPr>
+          <p:cNvPr id="48" name="流程图: 准备 19"/>
+          <p:cNvSpPr/>
+          <p:nvPr/>
+        </p:nvSpPr>
+        <p:spPr>
+          <a:xfrm>
+            <a:off x="1838960" y="5483225"/>
+            <a:ext cx="1361440" cy="590550"/>
+          </a:xfrm>
+          <a:prstGeom prst="flowChartPreparation">
+            <a:avLst/>
+          </a:prstGeom>
+          <a:solidFill>
+            <a:srgbClr val="FFC000"/>
+          </a:solidFill>
+          <a:ln w="28575">
+            <a:solidFill>
+              <a:schemeClr val="tx1"/>
+            </a:solidFill>
+          </a:ln>
+          <a:effectLst>
+            <a:glow>
+              <a:schemeClr val="accent1">
+                <a:alpha val="40000"/>
+              </a:schemeClr>
+            </a:glow>
+          </a:effectLst>
+        </p:spPr>
+        <p:style>
+          <a:lnRef idx="1">
+            <a:schemeClr val="accent6"/>
+          </a:lnRef>
+          <a:fillRef idx="3">
+            <a:schemeClr val="accent6"/>
+          </a:fillRef>
+          <a:effectRef idx="2">
+            <a:schemeClr val="accent6"/>
+          </a:effectRef>
+          <a:fontRef idx="minor">
+            <a:schemeClr val="lt1"/>
+          </a:fontRef>
+        </p:style>
+        <p:txBody>
+          <a:bodyPr vertOverflow="overflow" horzOverflow="overflow" vert="horz" wrap="none" lIns="0" tIns="0" rIns="0" bIns="0" numCol="1" spcCol="0" rtlCol="0" fromWordArt="0" anchor="ctr" anchorCtr="0" forceAA="0" compatLnSpc="1">
+            <a:normAutofit/>
+          </a:bodyPr>
+          <a:lstStyle/>
+          <a:p>
+            <a:pPr lvl="0" algn="ctr"/>
+            <a:r>
+              <a:rPr lang="en-US" altLang="zh-CN" sz="1400" dirty="0">
+                <a:solidFill>
+                  <a:schemeClr val="tx1"/>
+                </a:solidFill>
+                <a:sym typeface="+mn-ea"/>
+              </a:rPr>
+              <a:t>ticket semantic</a:t>
+            </a:r>
+          </a:p>
+        </p:txBody>
+      </p:sp>
+      <p:sp>
+        <p:nvSpPr>
+          <p:cNvPr id="49" name="流程图: 准备 19"/>
+          <p:cNvSpPr/>
+          <p:nvPr/>
+        </p:nvSpPr>
+        <p:spPr>
+          <a:xfrm>
+            <a:off x="3359785" y="4731385"/>
+            <a:ext cx="1361440" cy="590550"/>
+          </a:xfrm>
+          <a:prstGeom prst="flowChartPreparation">
+            <a:avLst/>
+          </a:prstGeom>
+          <a:solidFill>
+            <a:srgbClr val="FFC000"/>
+          </a:solidFill>
+          <a:ln w="28575">
+            <a:solidFill>
+              <a:schemeClr val="tx1"/>
+            </a:solidFill>
+          </a:ln>
+          <a:effectLst>
+            <a:glow>
+              <a:schemeClr val="accent1">
+                <a:alpha val="40000"/>
+              </a:schemeClr>
+            </a:glow>
+          </a:effectLst>
+        </p:spPr>
+        <p:style>
+          <a:lnRef idx="1">
+            <a:schemeClr val="accent6"/>
+          </a:lnRef>
+          <a:fillRef idx="3">
+            <a:schemeClr val="accent6"/>
+          </a:fillRef>
+          <a:effectRef idx="2">
+            <a:schemeClr val="accent6"/>
+          </a:effectRef>
+          <a:fontRef idx="minor">
+            <a:schemeClr val="lt1"/>
+          </a:fontRef>
+        </p:style>
+        <p:txBody>
+          <a:bodyPr vertOverflow="overflow" horzOverflow="overflow" vert="horz" wrap="none" lIns="0" tIns="0" rIns="0" bIns="0" numCol="1" spcCol="0" rtlCol="0" fromWordArt="0" anchor="ctr" anchorCtr="0" forceAA="0" compatLnSpc="1">
+            <a:normAutofit/>
+          </a:bodyPr>
+          <a:lstStyle/>
+          <a:p>
+            <a:pPr lvl="0" algn="ctr"/>
+            <a:r>
+              <a:rPr lang="en-US" altLang="zh-CN" sz="1400" dirty="0">
+                <a:solidFill>
+                  <a:schemeClr val="tx1"/>
+                </a:solidFill>
+                <a:sym typeface="+mn-ea"/>
+              </a:rPr>
+              <a:t>voice filter</a:t>
+            </a:r>
+          </a:p>
+        </p:txBody>
+      </p:sp>
+      <p:sp>
+        <p:nvSpPr>
+          <p:cNvPr id="50" name="流程图: 准备 19"/>
+          <p:cNvSpPr/>
+          <p:nvPr/>
+        </p:nvSpPr>
+        <p:spPr>
+          <a:xfrm>
+            <a:off x="3331210" y="5483225"/>
+            <a:ext cx="1361440" cy="590550"/>
+          </a:xfrm>
+          <a:prstGeom prst="flowChartPreparation">
+            <a:avLst/>
+          </a:prstGeom>
+          <a:solidFill>
+            <a:srgbClr val="FFC000"/>
+          </a:solidFill>
+          <a:ln w="28575">
+            <a:solidFill>
+              <a:schemeClr val="tx1"/>
+            </a:solidFill>
+          </a:ln>
+          <a:effectLst>
+            <a:glow>
+              <a:schemeClr val="accent1">
+                <a:alpha val="40000"/>
+              </a:schemeClr>
+            </a:glow>
+          </a:effectLst>
+        </p:spPr>
+        <p:style>
+          <a:lnRef idx="1">
+            <a:schemeClr val="accent6"/>
+          </a:lnRef>
+          <a:fillRef idx="3">
+            <a:schemeClr val="accent6"/>
+          </a:fillRef>
+          <a:effectRef idx="2">
+            <a:schemeClr val="accent6"/>
+          </a:effectRef>
+          <a:fontRef idx="minor">
+            <a:schemeClr val="lt1"/>
+          </a:fontRef>
+        </p:style>
+        <p:txBody>
+          <a:bodyPr vertOverflow="overflow" horzOverflow="overflow" vert="horz" wrap="none" lIns="0" tIns="0" rIns="0" bIns="0" numCol="1" spcCol="0" rtlCol="0" fromWordArt="0" anchor="ctr" anchorCtr="0" forceAA="0" compatLnSpc="1">
+            <a:normAutofit/>
+          </a:bodyPr>
+          <a:lstStyle/>
+          <a:p>
+            <a:pPr lvl="0" algn="ctr"/>
+            <a:r>
+              <a:rPr lang="en-US" altLang="zh-CN" sz="1400" dirty="0">
+                <a:solidFill>
+                  <a:schemeClr val="tx1"/>
+                </a:solidFill>
+                <a:sym typeface="+mn-ea"/>
+              </a:rPr>
+              <a:t>semantic filter</a:t>
+            </a:r>
+          </a:p>
+        </p:txBody>
+      </p:sp>
+      <p:sp>
+        <p:nvSpPr>
+          <p:cNvPr id="51" name="流程图: 准备 19"/>
+          <p:cNvSpPr/>
+          <p:nvPr/>
+        </p:nvSpPr>
+        <p:spPr>
+          <a:xfrm>
+            <a:off x="282575" y="5483225"/>
+            <a:ext cx="1361440" cy="590550"/>
+          </a:xfrm>
+          <a:prstGeom prst="flowChartPreparation">
+            <a:avLst/>
+          </a:prstGeom>
+          <a:solidFill>
+            <a:srgbClr val="FFC000"/>
+          </a:solidFill>
+          <a:ln w="28575">
+            <a:solidFill>
+              <a:schemeClr val="tx1"/>
+            </a:solidFill>
+          </a:ln>
+          <a:effectLst>
+            <a:glow>
+              <a:schemeClr val="accent1">
+                <a:alpha val="40000"/>
+              </a:schemeClr>
+            </a:glow>
+          </a:effectLst>
+        </p:spPr>
+        <p:style>
+          <a:lnRef idx="1">
+            <a:schemeClr val="accent6"/>
+          </a:lnRef>
+          <a:fillRef idx="3">
+            <a:schemeClr val="accent6"/>
+          </a:fillRef>
+          <a:effectRef idx="2">
+            <a:schemeClr val="accent6"/>
+          </a:effectRef>
+          <a:fontRef idx="minor">
+            <a:schemeClr val="lt1"/>
+          </a:fontRef>
+        </p:style>
+        <p:txBody>
+          <a:bodyPr vertOverflow="overflow" horzOverflow="overflow" vert="horz" wrap="none" lIns="0" tIns="0" rIns="0" bIns="0" numCol="1" spcCol="0" rtlCol="0" fromWordArt="0" anchor="ctr" anchorCtr="0" forceAA="0" compatLnSpc="1">
+            <a:normAutofit/>
+          </a:bodyPr>
+          <a:lstStyle/>
+          <a:p>
+            <a:pPr lvl="0" algn="ctr"/>
+            <a:r>
+              <a:rPr lang="en-US" altLang="zh-CN" sz="1400" dirty="0">
+                <a:solidFill>
+                  <a:schemeClr val="tx1"/>
+                </a:solidFill>
+                <a:sym typeface="+mn-ea"/>
+              </a:rPr>
+              <a:t>result generator</a:t>
+            </a:r>
+          </a:p>
+        </p:txBody>
+      </p:sp>
+      <p:sp>
+        <p:nvSpPr>
+          <p:cNvPr id="52" name="流程图: 准备 19"/>
+          <p:cNvSpPr/>
+          <p:nvPr/>
+        </p:nvSpPr>
+        <p:spPr>
+          <a:xfrm>
+            <a:off x="427355" y="6297295"/>
+            <a:ext cx="1411605" cy="418465"/>
+          </a:xfrm>
+          <a:prstGeom prst="flowChartPreparation">
+            <a:avLst/>
+          </a:prstGeom>
+          <a:solidFill>
+            <a:srgbClr val="FFC000"/>
+          </a:solidFill>
+          <a:ln w="28575">
+            <a:solidFill>
+              <a:schemeClr val="tx1"/>
+            </a:solidFill>
+          </a:ln>
+          <a:effectLst>
+            <a:glow>
+              <a:schemeClr val="accent1">
+                <a:alpha val="40000"/>
+              </a:schemeClr>
+            </a:glow>
+          </a:effectLst>
+        </p:spPr>
+        <p:style>
+          <a:lnRef idx="1">
+            <a:schemeClr val="accent6"/>
+          </a:lnRef>
+          <a:fillRef idx="3">
+            <a:schemeClr val="accent6"/>
+          </a:fillRef>
+          <a:effectRef idx="2">
+            <a:schemeClr val="accent6"/>
+          </a:effectRef>
+          <a:fontRef idx="minor">
+            <a:schemeClr val="lt1"/>
+          </a:fontRef>
+        </p:style>
+        <p:txBody>
+          <a:bodyPr vertOverflow="overflow" horzOverflow="overflow" vert="horz" wrap="none" lIns="0" tIns="0" rIns="0" bIns="0" numCol="1" spcCol="0" rtlCol="0" fromWordArt="0" anchor="ctr" anchorCtr="0" forceAA="0" compatLnSpc="1">
+            <a:normAutofit/>
+          </a:bodyPr>
+          <a:lstStyle/>
+          <a:p>
+            <a:pPr lvl="0" algn="ctr"/>
+            <a:r>
+              <a:rPr lang="en-US" altLang="zh-CN" sz="1400" dirty="0">
+                <a:solidFill>
+                  <a:schemeClr val="tx1"/>
+                </a:solidFill>
+                <a:sym typeface="+mn-ea"/>
+              </a:rPr>
+              <a:t>voice response</a:t>
+            </a:r>
+          </a:p>
+        </p:txBody>
+      </p:sp>
+      <p:cxnSp>
+        <p:nvCxnSpPr>
+          <p:cNvPr id="54" name="Straight Arrow Connector 89"/>
+          <p:cNvCxnSpPr>
+            <a:stCxn id="44" idx="3"/>
+            <a:endCxn id="45" idx="1"/>
+          </p:cNvCxnSpPr>
+          <p:nvPr/>
+        </p:nvCxnSpPr>
+        <p:spPr>
+          <a:xfrm>
+            <a:off x="1733550" y="5008880"/>
+            <a:ext cx="223520" cy="0"/>
+          </a:xfrm>
+          <a:prstGeom prst="straightConnector1">
+            <a:avLst/>
+          </a:prstGeom>
+          <a:ln>
+            <a:tailEnd type="triangle"/>
+          </a:ln>
+        </p:spPr>
+        <p:style>
+          <a:lnRef idx="1">
+            <a:schemeClr val="accent1"/>
+          </a:lnRef>
+          <a:fillRef idx="0">
+            <a:schemeClr val="accent1"/>
+          </a:fillRef>
+          <a:effectRef idx="0">
+            <a:schemeClr val="accent1"/>
+          </a:effectRef>
+          <a:fontRef idx="minor">
+            <a:schemeClr val="tx1"/>
+          </a:fontRef>
+        </p:style>
+      </p:cxnSp>
+      <p:cxnSp>
+        <p:nvCxnSpPr>
+          <p:cNvPr id="56" name="Straight Arrow Connector 89"/>
+          <p:cNvCxnSpPr>
+            <a:stCxn id="45" idx="3"/>
+            <a:endCxn id="49" idx="1"/>
+          </p:cNvCxnSpPr>
+          <p:nvPr/>
+        </p:nvCxnSpPr>
+        <p:spPr>
+          <a:xfrm>
+            <a:off x="3200400" y="5008880"/>
+            <a:ext cx="159385" cy="17780"/>
+          </a:xfrm>
+          <a:prstGeom prst="straightConnector1">
+            <a:avLst/>
+          </a:prstGeom>
+          <a:ln>
+            <a:tailEnd type="triangle"/>
+          </a:ln>
+        </p:spPr>
+        <p:style>
+          <a:lnRef idx="1">
+            <a:schemeClr val="accent1"/>
+          </a:lnRef>
+          <a:fillRef idx="0">
+            <a:schemeClr val="accent1"/>
+          </a:fillRef>
+          <a:effectRef idx="0">
+            <a:schemeClr val="accent1"/>
+          </a:effectRef>
+          <a:fontRef idx="minor">
+            <a:schemeClr val="tx1"/>
+          </a:fontRef>
+        </p:style>
+      </p:cxnSp>
+      <p:cxnSp>
+        <p:nvCxnSpPr>
+          <p:cNvPr id="57" name="Straight Arrow Connector 89"/>
+          <p:cNvCxnSpPr>
+            <a:stCxn id="49" idx="2"/>
+            <a:endCxn id="50" idx="0"/>
+          </p:cNvCxnSpPr>
+          <p:nvPr/>
+        </p:nvCxnSpPr>
+        <p:spPr>
+          <a:xfrm flipH="1">
+            <a:off x="4011930" y="5321935"/>
+            <a:ext cx="28575" cy="161290"/>
+          </a:xfrm>
+          <a:prstGeom prst="straightConnector1">
+            <a:avLst/>
+          </a:prstGeom>
+          <a:ln>
+            <a:tailEnd type="triangle"/>
+          </a:ln>
+        </p:spPr>
+        <p:style>
+          <a:lnRef idx="1">
+            <a:schemeClr val="accent1"/>
+          </a:lnRef>
+          <a:fillRef idx="0">
+            <a:schemeClr val="accent1"/>
+          </a:fillRef>
+          <a:effectRef idx="0">
+            <a:schemeClr val="accent1"/>
+          </a:effectRef>
+          <a:fontRef idx="minor">
+            <a:schemeClr val="tx1"/>
+          </a:fontRef>
+        </p:style>
+      </p:cxnSp>
+      <p:cxnSp>
+        <p:nvCxnSpPr>
+          <p:cNvPr id="58" name="Straight Arrow Connector 89"/>
+          <p:cNvCxnSpPr>
+            <a:stCxn id="50" idx="1"/>
+            <a:endCxn id="48" idx="3"/>
+          </p:cNvCxnSpPr>
+          <p:nvPr/>
+        </p:nvCxnSpPr>
+        <p:spPr>
+          <a:xfrm flipH="1">
+            <a:off x="3200400" y="5778500"/>
+            <a:ext cx="130810" cy="0"/>
+          </a:xfrm>
+          <a:prstGeom prst="straightConnector1">
+            <a:avLst/>
+          </a:prstGeom>
+          <a:ln>
+            <a:tailEnd type="triangle"/>
+          </a:ln>
+        </p:spPr>
+        <p:style>
+          <a:lnRef idx="1">
+            <a:schemeClr val="accent1"/>
+          </a:lnRef>
+          <a:fillRef idx="0">
+            <a:schemeClr val="accent1"/>
+          </a:fillRef>
+          <a:effectRef idx="0">
+            <a:schemeClr val="accent1"/>
+          </a:effectRef>
+          <a:fontRef idx="minor">
+            <a:schemeClr val="tx1"/>
+          </a:fontRef>
+        </p:style>
+      </p:cxnSp>
+      <p:cxnSp>
+        <p:nvCxnSpPr>
+          <p:cNvPr id="59" name="Straight Arrow Connector 89"/>
+          <p:cNvCxnSpPr>
+            <a:stCxn id="48" idx="1"/>
+            <a:endCxn id="51" idx="3"/>
+          </p:cNvCxnSpPr>
+          <p:nvPr/>
+        </p:nvCxnSpPr>
+        <p:spPr>
+          <a:xfrm flipH="1">
+            <a:off x="1644015" y="5778500"/>
+            <a:ext cx="194945" cy="0"/>
+          </a:xfrm>
+          <a:prstGeom prst="straightConnector1">
+            <a:avLst/>
+          </a:prstGeom>
+          <a:ln>
+            <a:tailEnd type="triangle"/>
+          </a:ln>
+        </p:spPr>
+        <p:style>
+          <a:lnRef idx="1">
+            <a:schemeClr val="accent1"/>
+          </a:lnRef>
+          <a:fillRef idx="0">
+            <a:schemeClr val="accent1"/>
+          </a:fillRef>
+          <a:effectRef idx="0">
+            <a:schemeClr val="accent1"/>
+          </a:effectRef>
+          <a:fontRef idx="minor">
+            <a:schemeClr val="tx1"/>
+          </a:fontRef>
+        </p:style>
+      </p:cxnSp>
+      <p:cxnSp>
+        <p:nvCxnSpPr>
+          <p:cNvPr id="62" name="Straight Arrow Connector 89"/>
+          <p:cNvCxnSpPr>
+            <a:stCxn id="51" idx="2"/>
+            <a:endCxn id="52" idx="0"/>
+          </p:cNvCxnSpPr>
+          <p:nvPr/>
+        </p:nvCxnSpPr>
+        <p:spPr>
+          <a:xfrm>
+            <a:off x="963295" y="6073775"/>
+            <a:ext cx="170180" cy="223520"/>
+          </a:xfrm>
+          <a:prstGeom prst="straightConnector1">
+            <a:avLst/>
+          </a:prstGeom>
+          <a:ln>
+            <a:tailEnd type="triangle"/>
+          </a:ln>
+        </p:spPr>
+        <p:style>
+          <a:lnRef idx="1">
+            <a:schemeClr val="accent1"/>
+          </a:lnRef>
+          <a:fillRef idx="0">
+            <a:schemeClr val="accent1"/>
+          </a:fillRef>
+          <a:effectRef idx="0">
+            <a:schemeClr val="accent1"/>
+          </a:effectRef>
+          <a:fontRef idx="minor">
+            <a:schemeClr val="tx1"/>
+          </a:fontRef>
+        </p:style>
+      </p:cxnSp>
+      <p:sp>
+        <p:nvSpPr>
+          <p:cNvPr id="69" name="流程图: 准备 19"/>
+          <p:cNvSpPr/>
+          <p:nvPr/>
+        </p:nvSpPr>
+        <p:spPr>
+          <a:xfrm>
+            <a:off x="2119630" y="6210935"/>
+            <a:ext cx="1450975" cy="590550"/>
+          </a:xfrm>
+          <a:prstGeom prst="flowChartPreparation">
+            <a:avLst/>
+          </a:prstGeom>
+          <a:solidFill>
+            <a:srgbClr val="FFC000"/>
+          </a:solidFill>
+          <a:ln w="28575">
+            <a:solidFill>
+              <a:schemeClr val="tx1"/>
+            </a:solidFill>
+          </a:ln>
+          <a:effectLst>
+            <a:glow>
+              <a:schemeClr val="accent1">
+                <a:alpha val="40000"/>
+              </a:schemeClr>
+            </a:glow>
+          </a:effectLst>
+        </p:spPr>
+        <p:style>
+          <a:lnRef idx="1">
+            <a:schemeClr val="accent6"/>
+          </a:lnRef>
+          <a:fillRef idx="3">
+            <a:schemeClr val="accent6"/>
+          </a:fillRef>
+          <a:effectRef idx="2">
+            <a:schemeClr val="accent6"/>
+          </a:effectRef>
+          <a:fontRef idx="minor">
+            <a:schemeClr val="lt1"/>
+          </a:fontRef>
+        </p:style>
+        <p:txBody>
+          <a:bodyPr vertOverflow="overflow" horzOverflow="overflow" vert="horz" wrap="none" lIns="0" tIns="0" rIns="0" bIns="0" numCol="1" spcCol="0" rtlCol="0" fromWordArt="0" anchor="ctr" anchorCtr="0" forceAA="0" compatLnSpc="1">
+            <a:normAutofit/>
+          </a:bodyPr>
+          <a:lstStyle/>
+          <a:p>
+            <a:pPr lvl="0" algn="ctr"/>
+            <a:r>
+              <a:rPr lang="en-US" altLang="zh-CN" sz="1400" dirty="0">
+                <a:solidFill>
+                  <a:schemeClr val="tx1"/>
+                </a:solidFill>
+                <a:sym typeface="+mn-ea"/>
+              </a:rPr>
+              <a:t>ticket verify</a:t>
+            </a:r>
+          </a:p>
+        </p:txBody>
+      </p:sp>
+      <p:cxnSp>
+        <p:nvCxnSpPr>
+          <p:cNvPr id="70" name="Straight Arrow Connector 89"/>
+          <p:cNvCxnSpPr>
+            <a:stCxn id="52" idx="3"/>
+            <a:endCxn id="69" idx="1"/>
+          </p:cNvCxnSpPr>
+          <p:nvPr/>
+        </p:nvCxnSpPr>
+        <p:spPr>
+          <a:xfrm flipV="1">
+            <a:off x="1838960" y="6506210"/>
+            <a:ext cx="280670" cy="635"/>
+          </a:xfrm>
+          <a:prstGeom prst="straightConnector1">
+            <a:avLst/>
+          </a:prstGeom>
+          <a:ln>
+            <a:tailEnd type="triangle"/>
+          </a:ln>
+        </p:spPr>
+        <p:style>
+          <a:lnRef idx="1">
+            <a:schemeClr val="accent1"/>
+          </a:lnRef>
+          <a:fillRef idx="0">
+            <a:schemeClr val="accent1"/>
+          </a:fillRef>
+          <a:effectRef idx="0">
+            <a:schemeClr val="accent1"/>
+          </a:effectRef>
+          <a:fontRef idx="minor">
+            <a:schemeClr val="tx1"/>
+          </a:fontRef>
+        </p:style>
+      </p:cxnSp>
+      <p:cxnSp>
+        <p:nvCxnSpPr>
+          <p:cNvPr id="71" name="Straight Arrow Connector 89"/>
+          <p:cNvCxnSpPr>
+            <a:stCxn id="69" idx="3"/>
+            <a:endCxn id="24" idx="2"/>
+          </p:cNvCxnSpPr>
+          <p:nvPr/>
+        </p:nvCxnSpPr>
+        <p:spPr>
+          <a:xfrm flipV="1">
+            <a:off x="3570605" y="1177290"/>
+            <a:ext cx="3815715" cy="5328920"/>
+          </a:xfrm>
+          <a:prstGeom prst="straightConnector1">
+            <a:avLst/>
+          </a:prstGeom>
+          <a:ln>
+            <a:tailEnd type="triangle"/>
+          </a:ln>
+        </p:spPr>
+        <p:style>
+          <a:lnRef idx="1">
+            <a:schemeClr val="accent1"/>
+          </a:lnRef>
+          <a:fillRef idx="0">
+            <a:schemeClr val="accent1"/>
+          </a:fillRef>
+          <a:effectRef idx="0">
+            <a:schemeClr val="accent1"/>
+          </a:effectRef>
+          <a:fontRef idx="minor">
+            <a:schemeClr val="tx1"/>
+          </a:fontRef>
+        </p:style>
+      </p:cxnSp>
+      <p:sp>
+        <p:nvSpPr>
+          <p:cNvPr id="73" name="流程图: 准备 19"/>
+          <p:cNvSpPr/>
+          <p:nvPr/>
+        </p:nvSpPr>
+        <p:spPr>
+          <a:xfrm>
+            <a:off x="8843225" y="6073629"/>
+            <a:ext cx="1227887" cy="617874"/>
+          </a:xfrm>
+          <a:prstGeom prst="flowChartPreparation">
+            <a:avLst/>
+          </a:prstGeom>
+          <a:solidFill>
+            <a:srgbClr val="00CC00"/>
+          </a:solidFill>
+          <a:ln w="28575">
+            <a:solidFill>
+              <a:schemeClr val="tx1"/>
+            </a:solidFill>
+          </a:ln>
+          <a:effectLst>
+            <a:glow>
+              <a:schemeClr val="accent1">
+                <a:alpha val="40000"/>
+              </a:schemeClr>
+            </a:glow>
+          </a:effectLst>
+        </p:spPr>
+        <p:style>
+          <a:lnRef idx="1">
+            <a:schemeClr val="accent6"/>
+          </a:lnRef>
+          <a:fillRef idx="3">
+            <a:schemeClr val="accent6"/>
+          </a:fillRef>
+          <a:effectRef idx="2">
+            <a:schemeClr val="accent6"/>
+          </a:effectRef>
+          <a:fontRef idx="minor">
+            <a:schemeClr val="lt1"/>
+          </a:fontRef>
+        </p:style>
+        <p:txBody>
+          <a:bodyPr vertOverflow="overflow" horzOverflow="overflow" vert="horz" wrap="none" lIns="0" tIns="0" rIns="0" bIns="0" numCol="1" spcCol="0" rtlCol="0" fromWordArt="0" anchor="ctr" anchorCtr="0" forceAA="0" compatLnSpc="1">
+            <a:normAutofit/>
+          </a:bodyPr>
+          <a:lstStyle/>
+          <a:p>
+            <a:pPr lvl="0" algn="ctr"/>
+            <a:r>
+              <a:rPr lang="en-US" altLang="zh-CN" sz="1400">
+                <a:ln w="0"/>
+                <a:solidFill>
+                  <a:schemeClr val="tx1"/>
+                </a:solidFill>
+                <a:effectLst>
+                  <a:outerShdw blurRad="38100" dist="19050" dir="2700000" algn="tl" rotWithShape="0">
+                    <a:schemeClr val="dk1">
+                      <a:alpha val="40000"/>
+                    </a:schemeClr>
+                  </a:outerShdw>
+                </a:effectLst>
+                <a:sym typeface="+mn-ea"/>
+              </a:rPr>
+              <a:t>Food map</a:t>
             </a:r>
             <a:endParaRPr lang="en-US" altLang="zh-CN" sz="1400" dirty="0">
               <a:ln w="0"/>
@@ -10280,22 +11435,23 @@
       </p:sp>
       <p:cxnSp>
         <p:nvCxnSpPr>
-          <p:cNvPr id="68" name="Straight Arrow Connector 67"/>
+          <p:cNvPr id="75" name="Straight Arrow Connector 80"/>
           <p:cNvCxnSpPr>
-            <a:stCxn id="67" idx="3"/>
+            <a:stCxn id="89" idx="3"/>
+            <a:endCxn id="73" idx="1"/>
           </p:cNvCxnSpPr>
           <p:nvPr/>
         </p:nvCxnSpPr>
         <p:spPr>
           <a:xfrm flipV="1">
-            <a:off x="2414016" y="295027"/>
-            <a:ext cx="3636291" cy="133708"/>
+            <a:off x="8475980" y="6383020"/>
+            <a:ext cx="367030" cy="24130"/>
           </a:xfrm>
           <a:prstGeom prst="straightConnector1">
             <a:avLst/>
           </a:prstGeom>
           <a:ln>
-            <a:tailEnd type="arrow" w="lg" len="lg"/>
+            <a:tailEnd type="triangle"/>
           </a:ln>
         </p:spPr>
         <p:style>
@@ -10313,59 +11469,46 @@
           </a:fontRef>
         </p:style>
       </p:cxnSp>
-      <p:cxnSp>
-        <p:nvCxnSpPr>
-          <p:cNvPr id="74" name="Straight Arrow Connector 73"/>
-          <p:cNvCxnSpPr>
-            <a:stCxn id="63" idx="2"/>
-            <a:endCxn id="18" idx="0"/>
-          </p:cNvCxnSpPr>
-          <p:nvPr/>
-        </p:nvCxnSpPr>
-        <p:spPr>
-          <a:xfrm flipH="1">
-            <a:off x="7548953" y="1028234"/>
-            <a:ext cx="2465705" cy="1132840"/>
-          </a:xfrm>
-          <a:prstGeom prst="straightConnector1">
-            <a:avLst/>
-          </a:prstGeom>
-          <a:ln>
-            <a:tailEnd type="arrow" w="lg" len="lg"/>
-          </a:ln>
-        </p:spPr>
-        <p:style>
-          <a:lnRef idx="1">
-            <a:schemeClr val="accent1"/>
-          </a:lnRef>
-          <a:fillRef idx="0">
-            <a:schemeClr val="accent1"/>
-          </a:fillRef>
-          <a:effectRef idx="0">
-            <a:schemeClr val="accent1"/>
-          </a:effectRef>
-          <a:fontRef idx="minor">
-            <a:schemeClr val="tx1"/>
-          </a:fontRef>
-        </p:style>
-      </p:cxnSp>
-      <p:sp>
-        <p:nvSpPr>
-          <p:cNvPr id="77" name="流程图: 准备 19"/>
+    </p:spTree>
+  </p:cSld>
+  <p:clrMapOvr>
+    <a:masterClrMapping/>
+  </p:clrMapOvr>
+</p:sld>
+</file>
+
+<file path=ppt/slides/slide3.xml><?xml version="1.0" encoding="utf-8"?>
+<p:sld xmlns:a="http://schemas.openxmlformats.org/drawingml/2006/main" xmlns:r="http://schemas.openxmlformats.org/officeDocument/2006/relationships" xmlns:p="http://schemas.openxmlformats.org/presentationml/2006/main">
+  <p:cSld>
+    <p:spTree>
+      <p:nvGrpSpPr>
+        <p:cNvPr id="1" name=""/>
+        <p:cNvGrpSpPr/>
+        <p:nvPr/>
+      </p:nvGrpSpPr>
+      <p:grpSpPr>
+        <a:xfrm>
+          <a:off x="0" y="0"/>
+          <a:ext cx="0" cy="0"/>
+          <a:chOff x="0" y="0"/>
+          <a:chExt cx="0" cy="0"/>
+        </a:xfrm>
+      </p:grpSpPr>
+      <p:sp>
+        <p:nvSpPr>
+          <p:cNvPr id="4" name="流程图: 准备 3"/>
           <p:cNvSpPr/>
           <p:nvPr/>
         </p:nvSpPr>
         <p:spPr>
           <a:xfrm>
-            <a:off x="147320" y="2940050"/>
-            <a:ext cx="2157095" cy="775970"/>
+            <a:off x="3669736" y="5095707"/>
+            <a:ext cx="699575" cy="688126"/>
           </a:xfrm>
           <a:prstGeom prst="flowChartPreparation">
             <a:avLst/>
           </a:prstGeom>
-          <a:solidFill>
-            <a:srgbClr val="00B050"/>
-          </a:solidFill>
+          <a:noFill/>
           <a:ln w="28575">
             <a:solidFill>
               <a:schemeClr val="tx1"/>
@@ -10401,130 +11544,32 @@
           <a:p>
             <a:pPr lvl="0" algn="ctr"/>
             <a:r>
-              <a:rPr lang="en-US" altLang="zh-CN" sz="1600" dirty="0" smtClean="0">
+              <a:rPr lang="en-US" altLang="zh-CN" sz="1400">
                 <a:solidFill>
                   <a:schemeClr val="tx1"/>
                 </a:solidFill>
                 <a:sym typeface="+mn-ea"/>
               </a:rPr>
-              <a:t>Advanced travel</a:t>
-            </a:r>
-            <a:endParaRPr lang="en-US" altLang="zh-CN" sz="1600" dirty="0" smtClean="0">
-              <a:solidFill>
-                <a:schemeClr val="tx1"/>
-              </a:solidFill>
-              <a:sym typeface="+mn-ea"/>
-            </a:endParaRPr>
-          </a:p>
-          <a:p>
-            <a:pPr lvl="0" algn="ctr"/>
-            <a:r>
-              <a:rPr lang="en-US" altLang="zh-CN" sz="1600" dirty="0" smtClean="0">
-                <a:solidFill>
-                  <a:schemeClr val="tx1"/>
-                </a:solidFill>
-                <a:sym typeface="+mn-ea"/>
-              </a:rPr>
-              <a:t>(route info + ticket)</a:t>
-            </a:r>
-            <a:endParaRPr lang="en-US" altLang="zh-CN" sz="1600" dirty="0" smtClean="0">
-              <a:solidFill>
-                <a:schemeClr val="tx1"/>
-              </a:solidFill>
-              <a:sym typeface="+mn-ea"/>
-            </a:endParaRPr>
-          </a:p>
-        </p:txBody>
-      </p:sp>
-      <p:cxnSp>
-        <p:nvCxnSpPr>
-          <p:cNvPr id="79" name="Straight Arrow Connector 78"/>
-          <p:cNvCxnSpPr>
-            <a:stCxn id="77" idx="3"/>
-            <a:endCxn id="18" idx="2"/>
-          </p:cNvCxnSpPr>
-          <p:nvPr/>
-        </p:nvCxnSpPr>
-        <p:spPr>
-          <a:xfrm flipV="1">
-            <a:off x="2304612" y="2849378"/>
-            <a:ext cx="5244465" cy="478790"/>
-          </a:xfrm>
-          <a:prstGeom prst="straightConnector1">
-            <a:avLst/>
-          </a:prstGeom>
-          <a:ln>
-            <a:tailEnd type="arrow" w="lg" len="lg"/>
-          </a:ln>
-        </p:spPr>
-        <p:style>
-          <a:lnRef idx="1">
-            <a:schemeClr val="accent1"/>
-          </a:lnRef>
-          <a:fillRef idx="0">
-            <a:schemeClr val="accent1"/>
-          </a:fillRef>
-          <a:effectRef idx="0">
-            <a:schemeClr val="accent1"/>
-          </a:effectRef>
-          <a:fontRef idx="minor">
-            <a:schemeClr val="tx1"/>
-          </a:fontRef>
-        </p:style>
-      </p:cxnSp>
-      <p:cxnSp>
-        <p:nvCxnSpPr>
-          <p:cNvPr id="82" name="Straight Arrow Connector 81"/>
-          <p:cNvCxnSpPr>
-            <a:stCxn id="77" idx="3"/>
-            <a:endCxn id="30" idx="1"/>
-          </p:cNvCxnSpPr>
-          <p:nvPr/>
-        </p:nvCxnSpPr>
-        <p:spPr>
-          <a:xfrm>
-            <a:off x="2304415" y="3328035"/>
-            <a:ext cx="379095" cy="577850"/>
-          </a:xfrm>
-          <a:prstGeom prst="straightConnector1">
-            <a:avLst/>
-          </a:prstGeom>
-          <a:ln>
-            <a:tailEnd type="arrow" w="lg" len="lg"/>
-          </a:ln>
-        </p:spPr>
-        <p:style>
-          <a:lnRef idx="1">
-            <a:schemeClr val="accent1"/>
-          </a:lnRef>
-          <a:fillRef idx="0">
-            <a:schemeClr val="accent1"/>
-          </a:fillRef>
-          <a:effectRef idx="0">
-            <a:schemeClr val="accent1"/>
-          </a:effectRef>
-          <a:fontRef idx="minor">
-            <a:schemeClr val="tx1"/>
-          </a:fontRef>
-        </p:style>
-      </p:cxnSp>
-      <p:sp>
-        <p:nvSpPr>
-          <p:cNvPr id="25" name="流程图: 准备 19"/>
+              <a:t>config</a:t>
+            </a:r>
+          </a:p>
+        </p:txBody>
+      </p:sp>
+      <p:sp>
+        <p:nvSpPr>
+          <p:cNvPr id="5" name="流程图: 准备 4"/>
           <p:cNvSpPr/>
           <p:nvPr/>
         </p:nvSpPr>
         <p:spPr>
           <a:xfrm>
-            <a:off x="4667885" y="5984240"/>
-            <a:ext cx="1584960" cy="731520"/>
+            <a:off x="8002178" y="5089204"/>
+            <a:ext cx="699575" cy="688126"/>
           </a:xfrm>
           <a:prstGeom prst="flowChartPreparation">
             <a:avLst/>
           </a:prstGeom>
-          <a:solidFill>
-            <a:srgbClr val="FFC000"/>
-          </a:solidFill>
+          <a:noFill/>
           <a:ln w="28575">
             <a:solidFill>
               <a:schemeClr val="tx1"/>
@@ -10556,43 +11601,36 @@
           <a:bodyPr vertOverflow="overflow" horzOverflow="overflow" vert="horz" wrap="none" lIns="0" tIns="0" rIns="0" bIns="0" numCol="1" spcCol="0" rtlCol="0" fromWordArt="0" anchor="ctr" anchorCtr="0" forceAA="0" compatLnSpc="1">
             <a:normAutofit/>
           </a:bodyPr>
+          <a:lstStyle/>
           <a:p>
             <a:pPr lvl="0" algn="ctr"/>
             <a:r>
-              <a:rPr lang="en-US" altLang="zh-CN" sz="1400" dirty="0">
+              <a:rPr lang="en-US" altLang="zh-CN" sz="1400">
                 <a:solidFill>
                   <a:schemeClr val="tx1"/>
                 </a:solidFill>
                 <a:sym typeface="+mn-ea"/>
               </a:rPr>
-              <a:t>customer support</a:t>
-            </a:r>
-            <a:endParaRPr lang="en-US" altLang="zh-CN" sz="1400" dirty="0">
-              <a:solidFill>
-                <a:schemeClr val="tx1"/>
-              </a:solidFill>
-              <a:sym typeface="+mn-ea"/>
-            </a:endParaRPr>
-          </a:p>
-        </p:txBody>
-      </p:sp>
-      <p:sp>
-        <p:nvSpPr>
-          <p:cNvPr id="30" name="流程图: 准备 19"/>
+              <a:t>price</a:t>
+            </a:r>
+          </a:p>
+        </p:txBody>
+      </p:sp>
+      <p:sp>
+        <p:nvSpPr>
+          <p:cNvPr id="7" name="流程图: 准备 6"/>
           <p:cNvSpPr/>
           <p:nvPr/>
         </p:nvSpPr>
         <p:spPr>
           <a:xfrm>
-            <a:off x="2683510" y="3517900"/>
-            <a:ext cx="2657475" cy="775970"/>
+            <a:off x="8864344" y="5094646"/>
+            <a:ext cx="699575" cy="688126"/>
           </a:xfrm>
           <a:prstGeom prst="flowChartPreparation">
             <a:avLst/>
           </a:prstGeom>
-          <a:solidFill>
-            <a:srgbClr val="00B050"/>
-          </a:solidFill>
+          <a:noFill/>
           <a:ln w="28575">
             <a:solidFill>
               <a:schemeClr val="tx1"/>
@@ -10624,61 +11662,48 @@
           <a:bodyPr vertOverflow="overflow" horzOverflow="overflow" vert="horz" wrap="none" lIns="0" tIns="0" rIns="0" bIns="0" numCol="1" spcCol="0" rtlCol="0" fromWordArt="0" anchor="ctr" anchorCtr="0" forceAA="0" compatLnSpc="1">
             <a:normAutofit/>
           </a:bodyPr>
+          <a:lstStyle/>
           <a:p>
             <a:pPr lvl="0" algn="ctr"/>
             <a:r>
-              <a:rPr lang="en-US" altLang="zh-CN" sz="1600" dirty="0" smtClean="0">
+              <a:rPr lang="en-US" altLang="zh-CN" sz="1200">
                 <a:solidFill>
                   <a:schemeClr val="tx1"/>
                 </a:solidFill>
                 <a:sym typeface="+mn-ea"/>
               </a:rPr>
-              <a:t>route plan</a:t>
-            </a:r>
-            <a:endParaRPr lang="en-US" altLang="zh-CN" sz="1600" dirty="0" smtClean="0">
-              <a:solidFill>
-                <a:schemeClr val="tx1"/>
-              </a:solidFill>
-              <a:sym typeface="+mn-ea"/>
-            </a:endParaRPr>
+              <a:t>verify</a:t>
+            </a:r>
           </a:p>
           <a:p>
             <a:pPr lvl="0" algn="ctr"/>
             <a:r>
-              <a:rPr lang="en-US" altLang="zh-CN" sz="1600" dirty="0" smtClean="0">
+              <a:rPr lang="en-US" altLang="zh-CN" sz="1200">
                 <a:solidFill>
                   <a:schemeClr val="tx1"/>
                 </a:solidFill>
                 <a:sym typeface="+mn-ea"/>
               </a:rPr>
-              <a:t>(price, change, time)</a:t>
-            </a:r>
-            <a:endParaRPr lang="en-US" altLang="zh-CN" sz="1600" dirty="0" smtClean="0">
-              <a:solidFill>
-                <a:schemeClr val="tx1"/>
-              </a:solidFill>
-              <a:sym typeface="+mn-ea"/>
-            </a:endParaRPr>
-          </a:p>
-        </p:txBody>
-      </p:sp>
-      <p:sp>
-        <p:nvSpPr>
-          <p:cNvPr id="31" name="流程图: 准备 19"/>
+              <a:t>code</a:t>
+            </a:r>
+          </a:p>
+        </p:txBody>
+      </p:sp>
+      <p:sp>
+        <p:nvSpPr>
+          <p:cNvPr id="8" name="流程图: 准备 7"/>
           <p:cNvSpPr/>
           <p:nvPr/>
         </p:nvSpPr>
         <p:spPr>
           <a:xfrm>
-            <a:off x="10841990" y="544195"/>
-            <a:ext cx="1138555" cy="688340"/>
+            <a:off x="6883077" y="5116873"/>
+            <a:ext cx="699575" cy="688126"/>
           </a:xfrm>
           <a:prstGeom prst="flowChartPreparation">
             <a:avLst/>
           </a:prstGeom>
-          <a:solidFill>
-            <a:srgbClr val="00CC00"/>
-          </a:solidFill>
+          <a:noFill/>
           <a:ln w="28575">
             <a:solidFill>
               <a:schemeClr val="tx1"/>
@@ -10710,6 +11735,7 @@
           <a:bodyPr vertOverflow="overflow" horzOverflow="overflow" vert="horz" wrap="none" lIns="0" tIns="0" rIns="0" bIns="0" numCol="1" spcCol="0" rtlCol="0" fromWordArt="0" anchor="ctr" anchorCtr="0" forceAA="0" compatLnSpc="1">
             <a:normAutofit/>
           </a:bodyPr>
+          <a:lstStyle/>
           <a:p>
             <a:pPr lvl="0" algn="ctr"/>
             <a:r>
@@ -10719,90 +11745,26 @@
                 </a:solidFill>
                 <a:sym typeface="+mn-ea"/>
               </a:rPr>
-              <a:t>ticket office</a:t>
-            </a:r>
-            <a:endParaRPr lang="en-US" altLang="zh-CN" sz="1400" dirty="0">
-              <a:solidFill>
-                <a:schemeClr val="tx1"/>
-              </a:solidFill>
-              <a:sym typeface="+mn-ea"/>
-            </a:endParaRPr>
-          </a:p>
-          <a:p>
-            <a:pPr lvl="0" algn="ctr"/>
-            <a:r>
-              <a:rPr lang="en-US" altLang="zh-CN" sz="1400" dirty="0">
-                <a:solidFill>
-                  <a:schemeClr val="tx1"/>
-                </a:solidFill>
-                <a:sym typeface="+mn-ea"/>
-              </a:rPr>
-              <a:t>(nodejs)</a:t>
-            </a:r>
-            <a:endParaRPr lang="en-US" altLang="zh-CN" sz="1400" dirty="0">
-              <a:solidFill>
-                <a:schemeClr val="tx1"/>
-              </a:solidFill>
-              <a:sym typeface="+mn-ea"/>
-            </a:endParaRPr>
-          </a:p>
-        </p:txBody>
-      </p:sp>
-      <p:cxnSp>
-        <p:nvCxnSpPr>
-          <p:cNvPr id="32" name="肘形连接符 33"/>
-          <p:cNvCxnSpPr>
-            <a:endCxn id="31" idx="0"/>
-          </p:cNvCxnSpPr>
-          <p:nvPr/>
-        </p:nvCxnSpPr>
-        <p:spPr>
-          <a:xfrm>
-            <a:off x="9965055" y="272415"/>
-            <a:ext cx="1446530" cy="271780"/>
-          </a:xfrm>
-          <a:prstGeom prst="bentConnector2">
-            <a:avLst/>
-          </a:prstGeom>
-          <a:ln w="19050">
-            <a:solidFill>
-              <a:schemeClr val="tx1"/>
-            </a:solidFill>
-            <a:tailEnd type="arrow"/>
-          </a:ln>
-        </p:spPr>
-        <p:style>
-          <a:lnRef idx="1">
-            <a:schemeClr val="accent1"/>
-          </a:lnRef>
-          <a:fillRef idx="0">
-            <a:schemeClr val="accent1"/>
-          </a:fillRef>
-          <a:effectRef idx="0">
-            <a:schemeClr val="accent1"/>
-          </a:effectRef>
-          <a:fontRef idx="minor">
-            <a:schemeClr val="tx1"/>
-          </a:fontRef>
-        </p:style>
-      </p:cxnSp>
-      <p:sp>
-        <p:nvSpPr>
-          <p:cNvPr id="33" name="流程图: 准备 19"/>
+              <a:t>contact</a:t>
+            </a:r>
+          </a:p>
+        </p:txBody>
+      </p:sp>
+      <p:sp>
+        <p:nvSpPr>
+          <p:cNvPr id="9" name="流程图: 准备 8"/>
           <p:cNvSpPr/>
           <p:nvPr/>
         </p:nvSpPr>
         <p:spPr>
           <a:xfrm>
-            <a:off x="10758805" y="4791075"/>
-            <a:ext cx="1053465" cy="513080"/>
+            <a:off x="5806464" y="5100803"/>
+            <a:ext cx="699575" cy="688126"/>
           </a:xfrm>
           <a:prstGeom prst="flowChartPreparation">
             <a:avLst/>
           </a:prstGeom>
-          <a:solidFill>
-            <a:srgbClr val="00CC00"/>
-          </a:solidFill>
+          <a:noFill/>
           <a:ln w="28575">
             <a:solidFill>
               <a:schemeClr val="tx1"/>
@@ -10834,6 +11796,7 @@
           <a:bodyPr vertOverflow="overflow" horzOverflow="overflow" vert="horz" wrap="none" lIns="0" tIns="0" rIns="0" bIns="0" numCol="1" spcCol="0" rtlCol="0" fromWordArt="0" anchor="ctr" anchorCtr="0" forceAA="0" compatLnSpc="1">
             <a:normAutofit/>
           </a:bodyPr>
+          <a:lstStyle/>
           <a:p>
             <a:pPr lvl="0" algn="ctr"/>
             <a:r>
@@ -10843,34 +11806,26 @@
                 </a:solidFill>
                 <a:sym typeface="+mn-ea"/>
               </a:rPr>
-              <a:t>consign</a:t>
-            </a:r>
-            <a:endParaRPr lang="en-US" altLang="zh-CN" sz="1400" dirty="0">
-              <a:solidFill>
-                <a:schemeClr val="tx1"/>
-              </a:solidFill>
-              <a:sym typeface="+mn-ea"/>
-            </a:endParaRPr>
-          </a:p>
-        </p:txBody>
-      </p:sp>
-      <p:sp>
-        <p:nvSpPr>
-          <p:cNvPr id="37" name="流程图: 准备 19"/>
+              <a:t>train</a:t>
+            </a:r>
+          </a:p>
+        </p:txBody>
+      </p:sp>
+      <p:sp>
+        <p:nvSpPr>
+          <p:cNvPr id="10" name="流程图: 准备 9"/>
           <p:cNvSpPr/>
           <p:nvPr/>
         </p:nvSpPr>
         <p:spPr>
           <a:xfrm>
-            <a:off x="10687685" y="5784215"/>
-            <a:ext cx="1188085" cy="513080"/>
+            <a:off x="4716224" y="5095707"/>
+            <a:ext cx="699575" cy="688126"/>
           </a:xfrm>
           <a:prstGeom prst="flowChartPreparation">
             <a:avLst/>
           </a:prstGeom>
-          <a:solidFill>
-            <a:srgbClr val="00CC00"/>
-          </a:solidFill>
+          <a:noFill/>
           <a:ln w="28575">
             <a:solidFill>
               <a:schemeClr val="tx1"/>
@@ -10902,6 +11857,7 @@
           <a:bodyPr vertOverflow="overflow" horzOverflow="overflow" vert="horz" wrap="none" lIns="0" tIns="0" rIns="0" bIns="0" numCol="1" spcCol="0" rtlCol="0" fromWordArt="0" anchor="ctr" anchorCtr="0" forceAA="0" compatLnSpc="1">
             <a:normAutofit/>
           </a:bodyPr>
+          <a:lstStyle/>
           <a:p>
             <a:pPr lvl="0" algn="ctr"/>
             <a:r>
@@ -10911,106 +11867,26 @@
                 </a:solidFill>
                 <a:sym typeface="+mn-ea"/>
               </a:rPr>
-              <a:t>consign price</a:t>
-            </a:r>
-            <a:endParaRPr lang="en-US" altLang="zh-CN" sz="1400" dirty="0">
-              <a:solidFill>
-                <a:schemeClr val="tx1"/>
-              </a:solidFill>
-              <a:sym typeface="+mn-ea"/>
-            </a:endParaRPr>
-          </a:p>
-        </p:txBody>
-      </p:sp>
-      <p:cxnSp>
-        <p:nvCxnSpPr>
-          <p:cNvPr id="38" name="Straight Arrow Connector 78"/>
-          <p:cNvCxnSpPr>
-            <a:stCxn id="33" idx="0"/>
-            <a:endCxn id="26" idx="3"/>
-          </p:cNvCxnSpPr>
-          <p:nvPr/>
-        </p:nvCxnSpPr>
-        <p:spPr>
-          <a:xfrm flipH="1" flipV="1">
-            <a:off x="10466070" y="3667125"/>
-            <a:ext cx="819785" cy="1123950"/>
-          </a:xfrm>
-          <a:prstGeom prst="straightConnector1">
-            <a:avLst/>
-          </a:prstGeom>
-          <a:ln>
-            <a:tailEnd type="arrow" w="lg" len="lg"/>
-          </a:ln>
-        </p:spPr>
-        <p:style>
-          <a:lnRef idx="1">
-            <a:schemeClr val="accent1"/>
-          </a:lnRef>
-          <a:fillRef idx="0">
-            <a:schemeClr val="accent1"/>
-          </a:fillRef>
-          <a:effectRef idx="0">
-            <a:schemeClr val="accent1"/>
-          </a:effectRef>
-          <a:fontRef idx="minor">
-            <a:schemeClr val="tx1"/>
-          </a:fontRef>
-        </p:style>
-      </p:cxnSp>
-      <p:cxnSp>
-        <p:nvCxnSpPr>
-          <p:cNvPr id="39" name="Straight Arrow Connector 78"/>
-          <p:cNvCxnSpPr>
-            <a:stCxn id="33" idx="2"/>
-            <a:endCxn id="37" idx="0"/>
-          </p:cNvCxnSpPr>
-          <p:nvPr/>
-        </p:nvCxnSpPr>
-        <p:spPr>
-          <a:xfrm flipH="1">
-            <a:off x="11282045" y="5304155"/>
-            <a:ext cx="3810" cy="480060"/>
-          </a:xfrm>
-          <a:prstGeom prst="straightConnector1">
-            <a:avLst/>
-          </a:prstGeom>
-          <a:ln>
-            <a:tailEnd type="arrow" w="lg" len="lg"/>
-          </a:ln>
-        </p:spPr>
-        <p:style>
-          <a:lnRef idx="1">
-            <a:schemeClr val="accent1"/>
-          </a:lnRef>
-          <a:fillRef idx="0">
-            <a:schemeClr val="accent1"/>
-          </a:fillRef>
-          <a:effectRef idx="0">
-            <a:schemeClr val="accent1"/>
-          </a:effectRef>
-          <a:fontRef idx="minor">
-            <a:schemeClr val="tx1"/>
-          </a:fontRef>
-        </p:style>
-      </p:cxnSp>
-      <p:sp>
-        <p:nvSpPr>
-          <p:cNvPr id="42" name="流程图: 准备 19"/>
+              <a:t>station</a:t>
+            </a:r>
+          </a:p>
+        </p:txBody>
+      </p:sp>
+      <p:sp>
+        <p:nvSpPr>
+          <p:cNvPr id="11" name="流程图: 准备 10"/>
           <p:cNvSpPr/>
           <p:nvPr/>
         </p:nvSpPr>
         <p:spPr>
           <a:xfrm>
-            <a:off x="2966085" y="2336165"/>
-            <a:ext cx="1053465" cy="513080"/>
+            <a:off x="9768999" y="5095707"/>
+            <a:ext cx="699575" cy="688126"/>
           </a:xfrm>
           <a:prstGeom prst="flowChartPreparation">
             <a:avLst/>
           </a:prstGeom>
-          <a:solidFill>
-            <a:srgbClr val="00CC00"/>
-          </a:solidFill>
+          <a:noFill/>
           <a:ln w="28575">
             <a:solidFill>
               <a:schemeClr val="tx1"/>
@@ -11042,79 +11918,48 @@
           <a:bodyPr vertOverflow="overflow" horzOverflow="overflow" vert="horz" wrap="none" lIns="0" tIns="0" rIns="0" bIns="0" numCol="1" spcCol="0" rtlCol="0" fromWordArt="0" anchor="ctr" anchorCtr="0" forceAA="0" compatLnSpc="1">
             <a:normAutofit/>
           </a:bodyPr>
+          <a:lstStyle/>
           <a:p>
             <a:pPr lvl="0" algn="ctr"/>
             <a:r>
-              <a:rPr lang="en-US" altLang="zh-CN" sz="1400" dirty="0">
+              <a:rPr lang="en-US" altLang="zh-CN" sz="1200">
                 <a:solidFill>
                   <a:schemeClr val="tx1"/>
                 </a:solidFill>
                 <a:sym typeface="+mn-ea"/>
               </a:rPr>
-              <a:t>voucher</a:t>
-            </a:r>
-            <a:endParaRPr lang="en-US" altLang="zh-CN" sz="1400" dirty="0">
-              <a:solidFill>
-                <a:schemeClr val="tx1"/>
-              </a:solidFill>
-              <a:sym typeface="+mn-ea"/>
-            </a:endParaRPr>
-          </a:p>
-        </p:txBody>
-      </p:sp>
-      <p:cxnSp>
-        <p:nvCxnSpPr>
-          <p:cNvPr id="43" name="Straight Arrow Connector 78"/>
-          <p:cNvCxnSpPr>
-            <a:stCxn id="21" idx="1"/>
-            <a:endCxn id="42" idx="3"/>
-          </p:cNvCxnSpPr>
-          <p:nvPr/>
-        </p:nvCxnSpPr>
-        <p:spPr>
-          <a:xfrm flipH="1">
-            <a:off x="4019550" y="2529840"/>
-            <a:ext cx="351790" cy="62865"/>
-          </a:xfrm>
-          <a:prstGeom prst="straightConnector1">
-            <a:avLst/>
-          </a:prstGeom>
-          <a:ln>
-            <a:tailEnd type="arrow" w="lg" len="lg"/>
-          </a:ln>
-        </p:spPr>
-        <p:style>
-          <a:lnRef idx="1">
-            <a:schemeClr val="accent1"/>
-          </a:lnRef>
-          <a:fillRef idx="0">
-            <a:schemeClr val="accent1"/>
-          </a:fillRef>
-          <a:effectRef idx="0">
-            <a:schemeClr val="accent1"/>
-          </a:effectRef>
-          <a:fontRef idx="minor">
-            <a:schemeClr val="tx1"/>
-          </a:fontRef>
-        </p:style>
-      </p:cxnSp>
-      <p:sp>
-        <p:nvSpPr>
-          <p:cNvPr id="44" name="流程图: 准备 19"/>
+              <a:t>single</a:t>
+            </a:r>
+          </a:p>
+          <a:p>
+            <a:pPr lvl="0" algn="ctr"/>
+            <a:r>
+              <a:rPr lang="en-US" altLang="zh-CN" sz="1200">
+                <a:solidFill>
+                  <a:schemeClr val="tx1"/>
+                </a:solidFill>
+                <a:sym typeface="+mn-ea"/>
+              </a:rPr>
+              <a:t> sign-on</a:t>
+            </a:r>
+          </a:p>
+        </p:txBody>
+      </p:sp>
+      <p:sp>
+        <p:nvSpPr>
+          <p:cNvPr id="12" name="流程图: 准备 11"/>
           <p:cNvSpPr/>
           <p:nvPr/>
         </p:nvSpPr>
         <p:spPr>
           <a:xfrm>
-            <a:off x="282575" y="4713605"/>
-            <a:ext cx="1450975" cy="590550"/>
+            <a:off x="7204877" y="4202119"/>
+            <a:ext cx="699575" cy="457378"/>
           </a:xfrm>
           <a:prstGeom prst="flowChartPreparation">
             <a:avLst/>
           </a:prstGeom>
-          <a:solidFill>
-            <a:srgbClr val="FFC000"/>
-          </a:solidFill>
+          <a:noFill/>
           <a:ln w="28575">
             <a:solidFill>
               <a:schemeClr val="tx1"/>
@@ -11146,61 +11991,48 @@
           <a:bodyPr vertOverflow="overflow" horzOverflow="overflow" vert="horz" wrap="none" lIns="0" tIns="0" rIns="0" bIns="0" numCol="1" spcCol="0" rtlCol="0" fromWordArt="0" anchor="ctr" anchorCtr="0" forceAA="0" compatLnSpc="1">
             <a:normAutofit/>
           </a:bodyPr>
+          <a:lstStyle/>
           <a:p>
             <a:pPr lvl="0" algn="ctr"/>
             <a:r>
-              <a:rPr lang="en-US" altLang="zh-CN" sz="1400" dirty="0">
+              <a:rPr lang="en-US" altLang="zh-CN" sz="1200" dirty="0">
                 <a:solidFill>
                   <a:schemeClr val="tx1"/>
                 </a:solidFill>
                 <a:sym typeface="+mn-ea"/>
               </a:rPr>
-              <a:t>ticket preserve</a:t>
-            </a:r>
-            <a:endParaRPr lang="en-US" altLang="zh-CN" sz="1400" dirty="0">
-              <a:solidFill>
-                <a:schemeClr val="tx1"/>
-              </a:solidFill>
-              <a:sym typeface="+mn-ea"/>
-            </a:endParaRPr>
+              <a:t>basic</a:t>
+            </a:r>
           </a:p>
           <a:p>
             <a:pPr lvl="0" algn="ctr"/>
             <a:r>
-              <a:rPr lang="en-US" altLang="zh-CN" sz="1400" dirty="0">
+              <a:rPr lang="en-US" altLang="zh-CN" sz="1200" dirty="0">
                 <a:solidFill>
                   <a:schemeClr val="tx1"/>
                 </a:solidFill>
                 <a:sym typeface="+mn-ea"/>
               </a:rPr>
-              <a:t>(voice)</a:t>
-            </a:r>
-            <a:endParaRPr lang="en-US" altLang="zh-CN" sz="1400" dirty="0">
-              <a:solidFill>
-                <a:schemeClr val="tx1"/>
-              </a:solidFill>
-              <a:sym typeface="+mn-ea"/>
-            </a:endParaRPr>
-          </a:p>
-        </p:txBody>
-      </p:sp>
-      <p:sp>
-        <p:nvSpPr>
-          <p:cNvPr id="45" name="流程图: 准备 19"/>
+              <a:t>info</a:t>
+            </a:r>
+          </a:p>
+        </p:txBody>
+      </p:sp>
+      <p:sp>
+        <p:nvSpPr>
+          <p:cNvPr id="13" name="流程图: 准备 12"/>
           <p:cNvSpPr/>
           <p:nvPr/>
         </p:nvSpPr>
         <p:spPr>
           <a:xfrm>
-            <a:off x="1957070" y="4713605"/>
-            <a:ext cx="1243330" cy="590550"/>
+            <a:off x="8861471" y="4198160"/>
+            <a:ext cx="699575" cy="688126"/>
           </a:xfrm>
           <a:prstGeom prst="flowChartPreparation">
             <a:avLst/>
           </a:prstGeom>
-          <a:solidFill>
-            <a:srgbClr val="FFC000"/>
-          </a:solidFill>
+          <a:noFill/>
           <a:ln w="28575">
             <a:solidFill>
               <a:schemeClr val="tx1"/>
@@ -11232,43 +12064,36 @@
           <a:bodyPr vertOverflow="overflow" horzOverflow="overflow" vert="horz" wrap="none" lIns="0" tIns="0" rIns="0" bIns="0" numCol="1" spcCol="0" rtlCol="0" fromWordArt="0" anchor="ctr" anchorCtr="0" forceAA="0" compatLnSpc="1">
             <a:normAutofit/>
           </a:bodyPr>
+          <a:lstStyle/>
           <a:p>
             <a:pPr lvl="0" algn="ctr"/>
             <a:r>
-              <a:rPr lang="en-US" altLang="zh-CN" sz="1400" dirty="0">
+              <a:rPr lang="en-US" altLang="zh-CN" sz="1400">
                 <a:solidFill>
                   <a:schemeClr val="tx1"/>
                 </a:solidFill>
                 <a:sym typeface="+mn-ea"/>
               </a:rPr>
-              <a:t>voice process</a:t>
-            </a:r>
-            <a:endParaRPr lang="en-US" altLang="zh-CN" sz="1400" dirty="0">
-              <a:solidFill>
-                <a:schemeClr val="tx1"/>
-              </a:solidFill>
-              <a:sym typeface="+mn-ea"/>
-            </a:endParaRPr>
-          </a:p>
-        </p:txBody>
-      </p:sp>
-      <p:sp>
-        <p:nvSpPr>
-          <p:cNvPr id="48" name="流程图: 准备 19"/>
+              <a:t>login</a:t>
+            </a:r>
+          </a:p>
+        </p:txBody>
+      </p:sp>
+      <p:sp>
+        <p:nvSpPr>
+          <p:cNvPr id="14" name="流程图: 准备 13"/>
           <p:cNvSpPr/>
           <p:nvPr/>
         </p:nvSpPr>
         <p:spPr>
           <a:xfrm>
-            <a:off x="1838960" y="5483225"/>
-            <a:ext cx="1361440" cy="590550"/>
+            <a:off x="9768999" y="4195993"/>
+            <a:ext cx="699575" cy="688126"/>
           </a:xfrm>
           <a:prstGeom prst="flowChartPreparation">
             <a:avLst/>
           </a:prstGeom>
-          <a:solidFill>
-            <a:srgbClr val="FFC000"/>
-          </a:solidFill>
+          <a:noFill/>
           <a:ln w="28575">
             <a:solidFill>
               <a:schemeClr val="tx1"/>
@@ -11300,6 +12125,7 @@
           <a:bodyPr vertOverflow="overflow" horzOverflow="overflow" vert="horz" wrap="none" lIns="0" tIns="0" rIns="0" bIns="0" numCol="1" spcCol="0" rtlCol="0" fromWordArt="0" anchor="ctr" anchorCtr="0" forceAA="0" compatLnSpc="1">
             <a:normAutofit/>
           </a:bodyPr>
+          <a:lstStyle/>
           <a:p>
             <a:pPr lvl="0" algn="ctr"/>
             <a:r>
@@ -11309,34 +12135,26 @@
                 </a:solidFill>
                 <a:sym typeface="+mn-ea"/>
               </a:rPr>
-              <a:t>ticket semantic</a:t>
-            </a:r>
-            <a:endParaRPr lang="en-US" altLang="zh-CN" sz="1400" dirty="0">
-              <a:solidFill>
-                <a:schemeClr val="tx1"/>
-              </a:solidFill>
-              <a:sym typeface="+mn-ea"/>
-            </a:endParaRPr>
-          </a:p>
-        </p:txBody>
-      </p:sp>
-      <p:sp>
-        <p:nvSpPr>
-          <p:cNvPr id="49" name="流程图: 准备 19"/>
+              <a:t>register</a:t>
+            </a:r>
+          </a:p>
+        </p:txBody>
+      </p:sp>
+      <p:sp>
+        <p:nvSpPr>
+          <p:cNvPr id="15" name="流程图: 准备 14"/>
           <p:cNvSpPr/>
           <p:nvPr/>
         </p:nvSpPr>
         <p:spPr>
           <a:xfrm>
-            <a:off x="3359785" y="4731385"/>
-            <a:ext cx="1361440" cy="590550"/>
+            <a:off x="5481935" y="4024969"/>
+            <a:ext cx="699575" cy="688126"/>
           </a:xfrm>
           <a:prstGeom prst="flowChartPreparation">
             <a:avLst/>
           </a:prstGeom>
-          <a:solidFill>
-            <a:srgbClr val="FFC000"/>
-          </a:solidFill>
+          <a:noFill/>
           <a:ln w="28575">
             <a:solidFill>
               <a:schemeClr val="tx1"/>
@@ -11368,43 +12186,36 @@
           <a:bodyPr vertOverflow="overflow" horzOverflow="overflow" vert="horz" wrap="none" lIns="0" tIns="0" rIns="0" bIns="0" numCol="1" spcCol="0" rtlCol="0" fromWordArt="0" anchor="ctr" anchorCtr="0" forceAA="0" compatLnSpc="1">
             <a:normAutofit/>
           </a:bodyPr>
+          <a:lstStyle/>
           <a:p>
             <a:pPr lvl="0" algn="ctr"/>
             <a:r>
-              <a:rPr lang="en-US" altLang="zh-CN" sz="1400" dirty="0">
+              <a:rPr lang="en-US" altLang="zh-CN" sz="1400">
                 <a:solidFill>
                   <a:schemeClr val="tx1"/>
                 </a:solidFill>
                 <a:sym typeface="+mn-ea"/>
               </a:rPr>
-              <a:t>voice filter</a:t>
-            </a:r>
-            <a:endParaRPr lang="en-US" altLang="zh-CN" sz="1400" dirty="0">
-              <a:solidFill>
-                <a:schemeClr val="tx1"/>
-              </a:solidFill>
-              <a:sym typeface="+mn-ea"/>
-            </a:endParaRPr>
-          </a:p>
-        </p:txBody>
-      </p:sp>
-      <p:sp>
-        <p:nvSpPr>
-          <p:cNvPr id="50" name="流程图: 准备 19"/>
+              <a:t>notify</a:t>
+            </a:r>
+          </a:p>
+        </p:txBody>
+      </p:sp>
+      <p:sp>
+        <p:nvSpPr>
+          <p:cNvPr id="16" name="流程图: 准备 15"/>
           <p:cNvSpPr/>
           <p:nvPr/>
         </p:nvSpPr>
         <p:spPr>
           <a:xfrm>
-            <a:off x="3331210" y="5483225"/>
-            <a:ext cx="1361440" cy="590550"/>
+            <a:off x="7209499" y="3324136"/>
+            <a:ext cx="700373" cy="523260"/>
           </a:xfrm>
           <a:prstGeom prst="flowChartPreparation">
             <a:avLst/>
           </a:prstGeom>
-          <a:solidFill>
-            <a:srgbClr val="FFC000"/>
-          </a:solidFill>
+          <a:noFill/>
           <a:ln w="28575">
             <a:solidFill>
               <a:schemeClr val="tx1"/>
@@ -11436,43 +12247,48 @@
           <a:bodyPr vertOverflow="overflow" horzOverflow="overflow" vert="horz" wrap="none" lIns="0" tIns="0" rIns="0" bIns="0" numCol="1" spcCol="0" rtlCol="0" fromWordArt="0" anchor="ctr" anchorCtr="0" forceAA="0" compatLnSpc="1">
             <a:normAutofit/>
           </a:bodyPr>
+          <a:lstStyle/>
           <a:p>
             <a:pPr lvl="0" algn="ctr"/>
             <a:r>
-              <a:rPr lang="en-US" altLang="zh-CN" sz="1400" dirty="0">
+              <a:rPr lang="en-US" altLang="zh-CN" sz="1200" dirty="0">
                 <a:solidFill>
                   <a:schemeClr val="tx1"/>
                 </a:solidFill>
                 <a:sym typeface="+mn-ea"/>
               </a:rPr>
-              <a:t>semantic filter</a:t>
-            </a:r>
-            <a:endParaRPr lang="en-US" altLang="zh-CN" sz="1400" dirty="0">
-              <a:solidFill>
-                <a:schemeClr val="tx1"/>
-              </a:solidFill>
-              <a:sym typeface="+mn-ea"/>
-            </a:endParaRPr>
-          </a:p>
-        </p:txBody>
-      </p:sp>
-      <p:sp>
-        <p:nvSpPr>
-          <p:cNvPr id="51" name="流程图: 准备 19"/>
+              <a:t>ticket</a:t>
+            </a:r>
+          </a:p>
+          <a:p>
+            <a:pPr lvl="0" algn="ctr"/>
+            <a:r>
+              <a:rPr lang="en-US" altLang="zh-CN" sz="1200" dirty="0">
+                <a:solidFill>
+                  <a:schemeClr val="tx1"/>
+                </a:solidFill>
+                <a:sym typeface="+mn-ea"/>
+              </a:rPr>
+              <a:t>info</a:t>
+            </a:r>
+          </a:p>
+        </p:txBody>
+      </p:sp>
+      <p:sp>
+        <p:nvSpPr>
+          <p:cNvPr id="17" name="流程图: 准备 16"/>
           <p:cNvSpPr/>
           <p:nvPr/>
         </p:nvSpPr>
         <p:spPr>
           <a:xfrm>
-            <a:off x="282575" y="5483225"/>
-            <a:ext cx="1361440" cy="590550"/>
+            <a:off x="6136480" y="3325760"/>
+            <a:ext cx="888085" cy="521636"/>
           </a:xfrm>
           <a:prstGeom prst="flowChartPreparation">
             <a:avLst/>
           </a:prstGeom>
-          <a:solidFill>
-            <a:srgbClr val="FFC000"/>
-          </a:solidFill>
+          <a:noFill/>
           <a:ln w="28575">
             <a:solidFill>
               <a:schemeClr val="tx1"/>
@@ -11504,43 +12320,48 @@
           <a:bodyPr vertOverflow="overflow" horzOverflow="overflow" vert="horz" wrap="none" lIns="0" tIns="0" rIns="0" bIns="0" numCol="1" spcCol="0" rtlCol="0" fromWordArt="0" anchor="ctr" anchorCtr="0" forceAA="0" compatLnSpc="1">
             <a:normAutofit/>
           </a:bodyPr>
+          <a:lstStyle/>
           <a:p>
             <a:pPr lvl="0" algn="ctr"/>
             <a:r>
-              <a:rPr lang="en-US" altLang="zh-CN" sz="1400" dirty="0">
+              <a:rPr lang="en-US" altLang="zh-CN" sz="1200" dirty="0">
                 <a:solidFill>
                   <a:schemeClr val="tx1"/>
                 </a:solidFill>
                 <a:sym typeface="+mn-ea"/>
               </a:rPr>
-              <a:t>result generator</a:t>
-            </a:r>
-            <a:endParaRPr lang="en-US" altLang="zh-CN" sz="1400" dirty="0">
-              <a:solidFill>
-                <a:schemeClr val="tx1"/>
-              </a:solidFill>
-              <a:sym typeface="+mn-ea"/>
-            </a:endParaRPr>
-          </a:p>
-        </p:txBody>
-      </p:sp>
-      <p:sp>
-        <p:nvSpPr>
-          <p:cNvPr id="52" name="流程图: 准备 19"/>
+              <a:t>high-speed</a:t>
+            </a:r>
+          </a:p>
+          <a:p>
+            <a:pPr lvl="0" algn="ctr"/>
+            <a:r>
+              <a:rPr lang="en-US" altLang="zh-CN" sz="1200" dirty="0">
+                <a:solidFill>
+                  <a:schemeClr val="tx1"/>
+                </a:solidFill>
+                <a:sym typeface="+mn-ea"/>
+              </a:rPr>
+              <a:t>order</a:t>
+            </a:r>
+          </a:p>
+        </p:txBody>
+      </p:sp>
+      <p:sp>
+        <p:nvSpPr>
+          <p:cNvPr id="18" name="流程图: 准备 17"/>
           <p:cNvSpPr/>
           <p:nvPr/>
         </p:nvSpPr>
         <p:spPr>
           <a:xfrm>
-            <a:off x="427355" y="6297295"/>
-            <a:ext cx="1411605" cy="418465"/>
+            <a:off x="7034122" y="2160967"/>
+            <a:ext cx="1029058" cy="688126"/>
           </a:xfrm>
           <a:prstGeom prst="flowChartPreparation">
             <a:avLst/>
           </a:prstGeom>
-          <a:solidFill>
-            <a:srgbClr val="FFC000"/>
-          </a:solidFill>
+          <a:noFill/>
           <a:ln w="28575">
             <a:solidFill>
               <a:schemeClr val="tx1"/>
@@ -11572,259 +12393,60 @@
           <a:bodyPr vertOverflow="overflow" horzOverflow="overflow" vert="horz" wrap="none" lIns="0" tIns="0" rIns="0" bIns="0" numCol="1" spcCol="0" rtlCol="0" fromWordArt="0" anchor="ctr" anchorCtr="0" forceAA="0" compatLnSpc="1">
             <a:normAutofit/>
           </a:bodyPr>
+          <a:lstStyle/>
           <a:p>
             <a:pPr lvl="0" algn="ctr"/>
             <a:r>
-              <a:rPr lang="en-US" altLang="zh-CN" sz="1400" dirty="0">
+              <a:rPr lang="en-US" altLang="zh-CN" sz="1000" dirty="0">
                 <a:solidFill>
                   <a:schemeClr val="tx1"/>
                 </a:solidFill>
                 <a:sym typeface="+mn-ea"/>
               </a:rPr>
-              <a:t>voice response</a:t>
-            </a:r>
-            <a:endParaRPr lang="en-US" altLang="zh-CN" sz="1400" dirty="0">
-              <a:solidFill>
-                <a:schemeClr val="tx1"/>
-              </a:solidFill>
-              <a:sym typeface="+mn-ea"/>
-            </a:endParaRPr>
-          </a:p>
-        </p:txBody>
-      </p:sp>
-      <p:cxnSp>
-        <p:nvCxnSpPr>
-          <p:cNvPr id="54" name="Straight Arrow Connector 89"/>
-          <p:cNvCxnSpPr>
-            <a:stCxn id="44" idx="3"/>
-            <a:endCxn id="45" idx="1"/>
-          </p:cNvCxnSpPr>
-          <p:nvPr/>
-        </p:nvCxnSpPr>
-        <p:spPr>
-          <a:xfrm>
-            <a:off x="1733550" y="5008880"/>
-            <a:ext cx="223520" cy="0"/>
-          </a:xfrm>
-          <a:prstGeom prst="straightConnector1">
-            <a:avLst/>
-          </a:prstGeom>
-          <a:ln>
-            <a:tailEnd type="triangle"/>
-          </a:ln>
-        </p:spPr>
-        <p:style>
-          <a:lnRef idx="1">
-            <a:schemeClr val="accent1"/>
-          </a:lnRef>
-          <a:fillRef idx="0">
-            <a:schemeClr val="accent1"/>
-          </a:fillRef>
-          <a:effectRef idx="0">
-            <a:schemeClr val="accent1"/>
-          </a:effectRef>
-          <a:fontRef idx="minor">
-            <a:schemeClr val="tx1"/>
-          </a:fontRef>
-        </p:style>
-      </p:cxnSp>
-      <p:cxnSp>
-        <p:nvCxnSpPr>
-          <p:cNvPr id="56" name="Straight Arrow Connector 89"/>
-          <p:cNvCxnSpPr>
-            <a:stCxn id="45" idx="3"/>
-            <a:endCxn id="49" idx="1"/>
-          </p:cNvCxnSpPr>
-          <p:nvPr/>
-        </p:nvCxnSpPr>
-        <p:spPr>
-          <a:xfrm>
-            <a:off x="3200400" y="5008880"/>
-            <a:ext cx="159385" cy="17780"/>
-          </a:xfrm>
-          <a:prstGeom prst="straightConnector1">
-            <a:avLst/>
-          </a:prstGeom>
-          <a:ln>
-            <a:tailEnd type="triangle"/>
-          </a:ln>
-        </p:spPr>
-        <p:style>
-          <a:lnRef idx="1">
-            <a:schemeClr val="accent1"/>
-          </a:lnRef>
-          <a:fillRef idx="0">
-            <a:schemeClr val="accent1"/>
-          </a:fillRef>
-          <a:effectRef idx="0">
-            <a:schemeClr val="accent1"/>
-          </a:effectRef>
-          <a:fontRef idx="minor">
-            <a:schemeClr val="tx1"/>
-          </a:fontRef>
-        </p:style>
-      </p:cxnSp>
-      <p:cxnSp>
-        <p:nvCxnSpPr>
-          <p:cNvPr id="57" name="Straight Arrow Connector 89"/>
-          <p:cNvCxnSpPr>
-            <a:stCxn id="49" idx="2"/>
-            <a:endCxn id="50" idx="0"/>
-          </p:cNvCxnSpPr>
-          <p:nvPr/>
-        </p:nvCxnSpPr>
-        <p:spPr>
-          <a:xfrm flipH="1">
-            <a:off x="4011930" y="5321935"/>
-            <a:ext cx="28575" cy="161290"/>
-          </a:xfrm>
-          <a:prstGeom prst="straightConnector1">
-            <a:avLst/>
-          </a:prstGeom>
-          <a:ln>
-            <a:tailEnd type="triangle"/>
-          </a:ln>
-        </p:spPr>
-        <p:style>
-          <a:lnRef idx="1">
-            <a:schemeClr val="accent1"/>
-          </a:lnRef>
-          <a:fillRef idx="0">
-            <a:schemeClr val="accent1"/>
-          </a:fillRef>
-          <a:effectRef idx="0">
-            <a:schemeClr val="accent1"/>
-          </a:effectRef>
-          <a:fontRef idx="minor">
-            <a:schemeClr val="tx1"/>
-          </a:fontRef>
-        </p:style>
-      </p:cxnSp>
-      <p:cxnSp>
-        <p:nvCxnSpPr>
-          <p:cNvPr id="58" name="Straight Arrow Connector 89"/>
-          <p:cNvCxnSpPr>
-            <a:stCxn id="50" idx="1"/>
-            <a:endCxn id="48" idx="3"/>
-          </p:cNvCxnSpPr>
-          <p:nvPr/>
-        </p:nvCxnSpPr>
-        <p:spPr>
-          <a:xfrm flipH="1">
-            <a:off x="3200400" y="5778500"/>
-            <a:ext cx="130810" cy="0"/>
-          </a:xfrm>
-          <a:prstGeom prst="straightConnector1">
-            <a:avLst/>
-          </a:prstGeom>
-          <a:ln>
-            <a:tailEnd type="triangle"/>
-          </a:ln>
-        </p:spPr>
-        <p:style>
-          <a:lnRef idx="1">
-            <a:schemeClr val="accent1"/>
-          </a:lnRef>
-          <a:fillRef idx="0">
-            <a:schemeClr val="accent1"/>
-          </a:fillRef>
-          <a:effectRef idx="0">
-            <a:schemeClr val="accent1"/>
-          </a:effectRef>
-          <a:fontRef idx="minor">
-            <a:schemeClr val="tx1"/>
-          </a:fontRef>
-        </p:style>
-      </p:cxnSp>
-      <p:cxnSp>
-        <p:nvCxnSpPr>
-          <p:cNvPr id="59" name="Straight Arrow Connector 89"/>
-          <p:cNvCxnSpPr>
-            <a:stCxn id="48" idx="1"/>
-            <a:endCxn id="51" idx="3"/>
-          </p:cNvCxnSpPr>
-          <p:nvPr/>
-        </p:nvCxnSpPr>
-        <p:spPr>
-          <a:xfrm flipH="1">
-            <a:off x="1644015" y="5778500"/>
-            <a:ext cx="194945" cy="0"/>
-          </a:xfrm>
-          <a:prstGeom prst="straightConnector1">
-            <a:avLst/>
-          </a:prstGeom>
-          <a:ln>
-            <a:tailEnd type="triangle"/>
-          </a:ln>
-        </p:spPr>
-        <p:style>
-          <a:lnRef idx="1">
-            <a:schemeClr val="accent1"/>
-          </a:lnRef>
-          <a:fillRef idx="0">
-            <a:schemeClr val="accent1"/>
-          </a:fillRef>
-          <a:effectRef idx="0">
-            <a:schemeClr val="accent1"/>
-          </a:effectRef>
-          <a:fontRef idx="minor">
-            <a:schemeClr val="tx1"/>
-          </a:fontRef>
-        </p:style>
-      </p:cxnSp>
-      <p:cxnSp>
-        <p:nvCxnSpPr>
-          <p:cNvPr id="62" name="Straight Arrow Connector 89"/>
-          <p:cNvCxnSpPr>
-            <a:stCxn id="51" idx="2"/>
-            <a:endCxn id="52" idx="0"/>
-          </p:cNvCxnSpPr>
-          <p:nvPr/>
-        </p:nvCxnSpPr>
-        <p:spPr>
-          <a:xfrm>
-            <a:off x="963295" y="6073775"/>
-            <a:ext cx="170180" cy="223520"/>
-          </a:xfrm>
-          <a:prstGeom prst="straightConnector1">
-            <a:avLst/>
-          </a:prstGeom>
-          <a:ln>
-            <a:tailEnd type="triangle"/>
-          </a:ln>
-        </p:spPr>
-        <p:style>
-          <a:lnRef idx="1">
-            <a:schemeClr val="accent1"/>
-          </a:lnRef>
-          <a:fillRef idx="0">
-            <a:schemeClr val="accent1"/>
-          </a:fillRef>
-          <a:effectRef idx="0">
-            <a:schemeClr val="accent1"/>
-          </a:effectRef>
-          <a:fontRef idx="minor">
-            <a:schemeClr val="tx1"/>
-          </a:fontRef>
-        </p:style>
-      </p:cxnSp>
-      <p:sp>
-        <p:nvSpPr>
-          <p:cNvPr id="69" name="流程图: 准备 19"/>
+              <a:t>high-speed</a:t>
+            </a:r>
+          </a:p>
+          <a:p>
+            <a:pPr lvl="0" algn="ctr"/>
+            <a:r>
+              <a:rPr lang="en-US" altLang="zh-CN" sz="1000" dirty="0">
+                <a:solidFill>
+                  <a:schemeClr val="tx1"/>
+                </a:solidFill>
+                <a:sym typeface="+mn-ea"/>
+              </a:rPr>
+              <a:t>travel</a:t>
+            </a:r>
+          </a:p>
+          <a:p>
+            <a:pPr lvl="0" algn="ctr"/>
+            <a:r>
+              <a:rPr lang="en-US" altLang="zh-CN" sz="1000" dirty="0">
+                <a:solidFill>
+                  <a:schemeClr val="tx1"/>
+                </a:solidFill>
+                <a:sym typeface="+mn-ea"/>
+              </a:rPr>
+              <a:t>explore</a:t>
+            </a:r>
+          </a:p>
+        </p:txBody>
+      </p:sp>
+      <p:sp>
+        <p:nvSpPr>
+          <p:cNvPr id="19" name="流程图: 准备 18"/>
           <p:cNvSpPr/>
           <p:nvPr/>
         </p:nvSpPr>
         <p:spPr>
           <a:xfrm>
-            <a:off x="2119630" y="6210935"/>
-            <a:ext cx="1450975" cy="590550"/>
+            <a:off x="6272002" y="2172182"/>
+            <a:ext cx="700373" cy="688126"/>
           </a:xfrm>
           <a:prstGeom prst="flowChartPreparation">
             <a:avLst/>
           </a:prstGeom>
-          <a:solidFill>
-            <a:srgbClr val="FFC000"/>
-          </a:solidFill>
+          <a:noFill/>
           <a:ln w="28575">
             <a:solidFill>
               <a:schemeClr val="tx1"/>
@@ -11856,115 +12478,48 @@
           <a:bodyPr vertOverflow="overflow" horzOverflow="overflow" vert="horz" wrap="none" lIns="0" tIns="0" rIns="0" bIns="0" numCol="1" spcCol="0" rtlCol="0" fromWordArt="0" anchor="ctr" anchorCtr="0" forceAA="0" compatLnSpc="1">
             <a:normAutofit/>
           </a:bodyPr>
+          <a:lstStyle/>
           <a:p>
             <a:pPr lvl="0" algn="ctr"/>
             <a:r>
-              <a:rPr lang="en-US" altLang="zh-CN" sz="1400" dirty="0">
+              <a:rPr lang="en-US" altLang="zh-CN" sz="1200" dirty="0">
                 <a:solidFill>
                   <a:schemeClr val="tx1"/>
                 </a:solidFill>
                 <a:sym typeface="+mn-ea"/>
               </a:rPr>
-              <a:t>ticket verify</a:t>
-            </a:r>
-            <a:endParaRPr lang="en-US" altLang="zh-CN" sz="1400" dirty="0">
-              <a:solidFill>
-                <a:schemeClr val="tx1"/>
-              </a:solidFill>
-              <a:sym typeface="+mn-ea"/>
-            </a:endParaRPr>
-          </a:p>
-        </p:txBody>
-      </p:sp>
-      <p:cxnSp>
-        <p:nvCxnSpPr>
-          <p:cNvPr id="70" name="Straight Arrow Connector 89"/>
-          <p:cNvCxnSpPr>
-            <a:stCxn id="52" idx="3"/>
-            <a:endCxn id="69" idx="1"/>
-          </p:cNvCxnSpPr>
-          <p:nvPr/>
-        </p:nvCxnSpPr>
-        <p:spPr>
-          <a:xfrm flipV="1">
-            <a:off x="1838960" y="6506210"/>
-            <a:ext cx="280670" cy="635"/>
-          </a:xfrm>
-          <a:prstGeom prst="straightConnector1">
-            <a:avLst/>
-          </a:prstGeom>
-          <a:ln>
-            <a:tailEnd type="triangle"/>
-          </a:ln>
-        </p:spPr>
-        <p:style>
-          <a:lnRef idx="1">
-            <a:schemeClr val="accent1"/>
-          </a:lnRef>
-          <a:fillRef idx="0">
-            <a:schemeClr val="accent1"/>
-          </a:fillRef>
-          <a:effectRef idx="0">
-            <a:schemeClr val="accent1"/>
-          </a:effectRef>
-          <a:fontRef idx="minor">
-            <a:schemeClr val="tx1"/>
-          </a:fontRef>
-        </p:style>
-      </p:cxnSp>
-      <p:cxnSp>
-        <p:nvCxnSpPr>
-          <p:cNvPr id="71" name="Straight Arrow Connector 89"/>
-          <p:cNvCxnSpPr>
-            <a:stCxn id="69" idx="3"/>
-            <a:endCxn id="24" idx="2"/>
-          </p:cNvCxnSpPr>
-          <p:nvPr/>
-        </p:nvCxnSpPr>
-        <p:spPr>
-          <a:xfrm flipV="1">
-            <a:off x="3570605" y="1177290"/>
-            <a:ext cx="3815715" cy="5328920"/>
-          </a:xfrm>
-          <a:prstGeom prst="straightConnector1">
-            <a:avLst/>
-          </a:prstGeom>
-          <a:ln>
-            <a:tailEnd type="triangle"/>
-          </a:ln>
-        </p:spPr>
-        <p:style>
-          <a:lnRef idx="1">
-            <a:schemeClr val="accent1"/>
-          </a:lnRef>
-          <a:fillRef idx="0">
-            <a:schemeClr val="accent1"/>
-          </a:fillRef>
-          <a:effectRef idx="0">
-            <a:schemeClr val="accent1"/>
-          </a:effectRef>
-          <a:fontRef idx="minor">
-            <a:schemeClr val="tx1"/>
-          </a:fontRef>
-        </p:style>
-      </p:cxnSp>
-      <p:sp>
-        <p:nvSpPr>
-          <p:cNvPr id="73" name="流程图: 准备 19"/>
+              <a:t>inside</a:t>
+            </a:r>
+          </a:p>
+          <a:p>
+            <a:pPr lvl="0" algn="ctr"/>
+            <a:r>
+              <a:rPr lang="en-US" altLang="zh-CN" sz="1200" dirty="0">
+                <a:solidFill>
+                  <a:schemeClr val="tx1"/>
+                </a:solidFill>
+                <a:sym typeface="+mn-ea"/>
+              </a:rPr>
+              <a:t>pay</a:t>
+            </a:r>
+          </a:p>
+        </p:txBody>
+      </p:sp>
+      <p:sp>
+        <p:nvSpPr>
+          <p:cNvPr id="20" name="流程图: 准备 19"/>
           <p:cNvSpPr/>
           <p:nvPr/>
         </p:nvSpPr>
         <p:spPr>
           <a:xfrm>
-            <a:off x="8843225" y="6073629"/>
-            <a:ext cx="1227887" cy="617874"/>
+            <a:off x="5292729" y="2171748"/>
+            <a:ext cx="699575" cy="688126"/>
           </a:xfrm>
           <a:prstGeom prst="flowChartPreparation">
             <a:avLst/>
           </a:prstGeom>
-          <a:solidFill>
-            <a:srgbClr val="00CC00"/>
-          </a:solidFill>
+          <a:noFill/>
           <a:ln w="28575">
             <a:solidFill>
               <a:schemeClr val="tx1"/>
@@ -11996,10 +12551,1569 @@
           <a:bodyPr vertOverflow="overflow" horzOverflow="overflow" vert="horz" wrap="none" lIns="0" tIns="0" rIns="0" bIns="0" numCol="1" spcCol="0" rtlCol="0" fromWordArt="0" anchor="ctr" anchorCtr="0" forceAA="0" compatLnSpc="1">
             <a:normAutofit/>
           </a:bodyPr>
+          <a:lstStyle/>
           <a:p>
             <a:pPr lvl="0" algn="ctr"/>
             <a:r>
-              <a:rPr lang="en-US" altLang="zh-CN" sz="1400" smtClean="0">
+              <a:rPr lang="en-US" altLang="zh-CN" sz="1400" dirty="0">
+                <a:solidFill>
+                  <a:schemeClr val="tx1"/>
+                </a:solidFill>
+                <a:sym typeface="+mn-ea"/>
+              </a:rPr>
+              <a:t>pay</a:t>
+            </a:r>
+          </a:p>
+        </p:txBody>
+      </p:sp>
+      <p:sp>
+        <p:nvSpPr>
+          <p:cNvPr id="21" name="流程图: 准备 20"/>
+          <p:cNvSpPr/>
+          <p:nvPr/>
+        </p:nvSpPr>
+        <p:spPr>
+          <a:xfrm>
+            <a:off x="4371523" y="2185495"/>
+            <a:ext cx="699575" cy="688126"/>
+          </a:xfrm>
+          <a:prstGeom prst="flowChartPreparation">
+            <a:avLst/>
+          </a:prstGeom>
+          <a:noFill/>
+          <a:ln w="28575">
+            <a:solidFill>
+              <a:schemeClr val="tx1"/>
+            </a:solidFill>
+          </a:ln>
+          <a:effectLst>
+            <a:glow>
+              <a:schemeClr val="accent1">
+                <a:alpha val="40000"/>
+              </a:schemeClr>
+            </a:glow>
+          </a:effectLst>
+        </p:spPr>
+        <p:style>
+          <a:lnRef idx="1">
+            <a:schemeClr val="accent6"/>
+          </a:lnRef>
+          <a:fillRef idx="3">
+            <a:schemeClr val="accent6"/>
+          </a:fillRef>
+          <a:effectRef idx="2">
+            <a:schemeClr val="accent6"/>
+          </a:effectRef>
+          <a:fontRef idx="minor">
+            <a:schemeClr val="lt1"/>
+          </a:fontRef>
+        </p:style>
+        <p:txBody>
+          <a:bodyPr vertOverflow="overflow" horzOverflow="overflow" vert="horz" wrap="none" lIns="0" tIns="0" rIns="0" bIns="0" numCol="1" spcCol="0" rtlCol="0" fromWordArt="0" anchor="ctr" anchorCtr="0" forceAA="0" compatLnSpc="1">
+            <a:normAutofit/>
+          </a:bodyPr>
+          <a:lstStyle/>
+          <a:p>
+            <a:pPr lvl="0" algn="ctr"/>
+            <a:r>
+              <a:rPr lang="en-US" altLang="zh-CN" sz="1200" dirty="0">
+                <a:solidFill>
+                  <a:schemeClr val="tx1"/>
+                </a:solidFill>
+                <a:sym typeface="+mn-ea"/>
+              </a:rPr>
+              <a:t>ticket</a:t>
+            </a:r>
+          </a:p>
+          <a:p>
+            <a:pPr lvl="0" algn="ctr"/>
+            <a:r>
+              <a:rPr lang="en-US" altLang="zh-CN" sz="1200" dirty="0">
+                <a:solidFill>
+                  <a:schemeClr val="tx1"/>
+                </a:solidFill>
+                <a:sym typeface="+mn-ea"/>
+              </a:rPr>
+              <a:t>execute</a:t>
+            </a:r>
+          </a:p>
+        </p:txBody>
+      </p:sp>
+      <p:sp>
+        <p:nvSpPr>
+          <p:cNvPr id="22" name="流程图: 准备 21"/>
+          <p:cNvSpPr/>
+          <p:nvPr/>
+        </p:nvSpPr>
+        <p:spPr>
+          <a:xfrm>
+            <a:off x="8993843" y="2171748"/>
+            <a:ext cx="699575" cy="688126"/>
+          </a:xfrm>
+          <a:prstGeom prst="flowChartPreparation">
+            <a:avLst/>
+          </a:prstGeom>
+          <a:noFill/>
+          <a:ln w="28575">
+            <a:solidFill>
+              <a:schemeClr val="tx1"/>
+            </a:solidFill>
+          </a:ln>
+          <a:effectLst>
+            <a:glow>
+              <a:schemeClr val="accent1">
+                <a:alpha val="40000"/>
+              </a:schemeClr>
+            </a:glow>
+          </a:effectLst>
+        </p:spPr>
+        <p:style>
+          <a:lnRef idx="1">
+            <a:schemeClr val="accent6"/>
+          </a:lnRef>
+          <a:fillRef idx="3">
+            <a:schemeClr val="accent6"/>
+          </a:fillRef>
+          <a:effectRef idx="2">
+            <a:schemeClr val="accent6"/>
+          </a:effectRef>
+          <a:fontRef idx="minor">
+            <a:schemeClr val="lt1"/>
+          </a:fontRef>
+        </p:style>
+        <p:txBody>
+          <a:bodyPr vertOverflow="overflow" horzOverflow="overflow" vert="horz" wrap="none" lIns="0" tIns="0" rIns="0" bIns="0" numCol="1" spcCol="0" rtlCol="0" fromWordArt="0" anchor="ctr" anchorCtr="0" forceAA="0" compatLnSpc="1">
+            <a:normAutofit/>
+          </a:bodyPr>
+          <a:lstStyle/>
+          <a:p>
+            <a:pPr lvl="0" algn="ctr"/>
+            <a:r>
+              <a:rPr lang="en-US" altLang="zh-CN" sz="1400">
+                <a:solidFill>
+                  <a:schemeClr val="tx1"/>
+                </a:solidFill>
+                <a:sym typeface="+mn-ea"/>
+              </a:rPr>
+              <a:t>security</a:t>
+            </a:r>
+          </a:p>
+        </p:txBody>
+      </p:sp>
+      <p:sp>
+        <p:nvSpPr>
+          <p:cNvPr id="23" name="流程图: 准备 22"/>
+          <p:cNvSpPr/>
+          <p:nvPr/>
+        </p:nvSpPr>
+        <p:spPr>
+          <a:xfrm>
+            <a:off x="5661795" y="1084823"/>
+            <a:ext cx="699575" cy="688126"/>
+          </a:xfrm>
+          <a:prstGeom prst="flowChartPreparation">
+            <a:avLst/>
+          </a:prstGeom>
+          <a:noFill/>
+          <a:ln w="28575">
+            <a:solidFill>
+              <a:schemeClr val="tx1"/>
+            </a:solidFill>
+          </a:ln>
+          <a:effectLst>
+            <a:glow>
+              <a:schemeClr val="accent1">
+                <a:alpha val="40000"/>
+              </a:schemeClr>
+            </a:glow>
+          </a:effectLst>
+        </p:spPr>
+        <p:style>
+          <a:lnRef idx="1">
+            <a:schemeClr val="accent6"/>
+          </a:lnRef>
+          <a:fillRef idx="3">
+            <a:schemeClr val="accent6"/>
+          </a:fillRef>
+          <a:effectRef idx="2">
+            <a:schemeClr val="accent6"/>
+          </a:effectRef>
+          <a:fontRef idx="minor">
+            <a:schemeClr val="lt1"/>
+          </a:fontRef>
+        </p:style>
+        <p:txBody>
+          <a:bodyPr vertOverflow="overflow" horzOverflow="overflow" vert="horz" wrap="none" lIns="0" tIns="0" rIns="0" bIns="0" numCol="1" spcCol="0" rtlCol="0" fromWordArt="0" anchor="ctr" anchorCtr="0" forceAA="0" compatLnSpc="1">
+            <a:normAutofit/>
+          </a:bodyPr>
+          <a:lstStyle/>
+          <a:p>
+            <a:pPr lvl="0" algn="ctr"/>
+            <a:r>
+              <a:rPr lang="en-US" altLang="zh-CN" sz="1200" dirty="0">
+                <a:solidFill>
+                  <a:schemeClr val="tx1"/>
+                </a:solidFill>
+                <a:sym typeface="+mn-ea"/>
+              </a:rPr>
+              <a:t>ticket </a:t>
+            </a:r>
+          </a:p>
+          <a:p>
+            <a:pPr lvl="0" algn="ctr"/>
+            <a:r>
+              <a:rPr lang="en-US" altLang="zh-CN" sz="1200" dirty="0">
+                <a:solidFill>
+                  <a:schemeClr val="tx1"/>
+                </a:solidFill>
+                <a:sym typeface="+mn-ea"/>
+              </a:rPr>
+              <a:t>rebook</a:t>
+            </a:r>
+          </a:p>
+        </p:txBody>
+      </p:sp>
+      <p:sp>
+        <p:nvSpPr>
+          <p:cNvPr id="24" name="流程图: 准备 23"/>
+          <p:cNvSpPr/>
+          <p:nvPr/>
+        </p:nvSpPr>
+        <p:spPr>
+          <a:xfrm>
+            <a:off x="6796533" y="1029538"/>
+            <a:ext cx="1102359" cy="688126"/>
+          </a:xfrm>
+          <a:prstGeom prst="flowChartPreparation">
+            <a:avLst/>
+          </a:prstGeom>
+          <a:noFill/>
+          <a:ln w="28575">
+            <a:solidFill>
+              <a:schemeClr val="tx1"/>
+            </a:solidFill>
+          </a:ln>
+          <a:effectLst>
+            <a:glow>
+              <a:schemeClr val="accent1">
+                <a:alpha val="40000"/>
+              </a:schemeClr>
+            </a:glow>
+          </a:effectLst>
+        </p:spPr>
+        <p:style>
+          <a:lnRef idx="1">
+            <a:schemeClr val="accent6"/>
+          </a:lnRef>
+          <a:fillRef idx="3">
+            <a:schemeClr val="accent6"/>
+          </a:fillRef>
+          <a:effectRef idx="2">
+            <a:schemeClr val="accent6"/>
+          </a:effectRef>
+          <a:fontRef idx="minor">
+            <a:schemeClr val="lt1"/>
+          </a:fontRef>
+        </p:style>
+        <p:txBody>
+          <a:bodyPr wrap="none" lIns="0" tIns="0" rIns="0" bIns="0" rtlCol="0" anchor="ctr">
+            <a:normAutofit/>
+          </a:bodyPr>
+          <a:lstStyle/>
+          <a:p>
+            <a:pPr algn="ctr"/>
+            <a:r>
+              <a:rPr lang="en-US" altLang="zh-CN" sz="1100" dirty="0">
+                <a:solidFill>
+                  <a:schemeClr val="tx1"/>
+                </a:solidFill>
+              </a:rPr>
+              <a:t>high-speed</a:t>
+            </a:r>
+          </a:p>
+          <a:p>
+            <a:pPr algn="ctr"/>
+            <a:r>
+              <a:rPr lang="en-US" altLang="zh-CN" sz="1100" dirty="0">
+                <a:solidFill>
+                  <a:schemeClr val="tx1"/>
+                </a:solidFill>
+              </a:rPr>
+              <a:t>ticket</a:t>
+            </a:r>
+          </a:p>
+          <a:p>
+            <a:pPr algn="ctr"/>
+            <a:r>
+              <a:rPr lang="en-US" altLang="zh-CN" sz="1100" dirty="0">
+                <a:solidFill>
+                  <a:schemeClr val="tx1"/>
+                </a:solidFill>
+              </a:rPr>
+              <a:t>reserve</a:t>
+            </a:r>
+          </a:p>
+        </p:txBody>
+      </p:sp>
+      <p:sp>
+        <p:nvSpPr>
+          <p:cNvPr id="26" name="流程图: 准备 25"/>
+          <p:cNvSpPr/>
+          <p:nvPr/>
+        </p:nvSpPr>
+        <p:spPr>
+          <a:xfrm>
+            <a:off x="9766600" y="3322744"/>
+            <a:ext cx="699575" cy="541177"/>
+          </a:xfrm>
+          <a:prstGeom prst="flowChartPreparation">
+            <a:avLst/>
+          </a:prstGeom>
+          <a:noFill/>
+          <a:ln w="28575">
+            <a:solidFill>
+              <a:schemeClr val="tx1"/>
+            </a:solidFill>
+          </a:ln>
+          <a:effectLst>
+            <a:glow>
+              <a:schemeClr val="accent1">
+                <a:alpha val="40000"/>
+              </a:schemeClr>
+            </a:glow>
+          </a:effectLst>
+        </p:spPr>
+        <p:style>
+          <a:lnRef idx="1">
+            <a:schemeClr val="accent6"/>
+          </a:lnRef>
+          <a:fillRef idx="3">
+            <a:schemeClr val="accent6"/>
+          </a:fillRef>
+          <a:effectRef idx="2">
+            <a:schemeClr val="accent6"/>
+          </a:effectRef>
+          <a:fontRef idx="minor">
+            <a:schemeClr val="lt1"/>
+          </a:fontRef>
+        </p:style>
+        <p:txBody>
+          <a:bodyPr vertOverflow="overflow" horzOverflow="overflow" vert="horz" wrap="none" lIns="0" tIns="0" rIns="0" bIns="0" numCol="1" spcCol="0" rtlCol="0" fromWordArt="0" anchor="ctr" anchorCtr="0" forceAA="0" compatLnSpc="1">
+            <a:normAutofit/>
+          </a:bodyPr>
+          <a:lstStyle/>
+          <a:p>
+            <a:pPr lvl="0" algn="ctr"/>
+            <a:r>
+              <a:rPr lang="en-US" altLang="zh-CN" sz="1400" dirty="0">
+                <a:solidFill>
+                  <a:schemeClr val="tx1"/>
+                </a:solidFill>
+                <a:sym typeface="+mn-ea"/>
+              </a:rPr>
+              <a:t>order</a:t>
+            </a:r>
+          </a:p>
+        </p:txBody>
+      </p:sp>
+      <p:sp>
+        <p:nvSpPr>
+          <p:cNvPr id="27" name="流程图: 准备 26"/>
+          <p:cNvSpPr/>
+          <p:nvPr/>
+        </p:nvSpPr>
+        <p:spPr>
+          <a:xfrm>
+            <a:off x="8357834" y="1040216"/>
+            <a:ext cx="699575" cy="688126"/>
+          </a:xfrm>
+          <a:prstGeom prst="flowChartPreparation">
+            <a:avLst/>
+          </a:prstGeom>
+          <a:noFill/>
+          <a:ln w="28575">
+            <a:solidFill>
+              <a:schemeClr val="tx1"/>
+            </a:solidFill>
+          </a:ln>
+          <a:effectLst>
+            <a:glow>
+              <a:schemeClr val="accent1">
+                <a:alpha val="40000"/>
+              </a:schemeClr>
+            </a:glow>
+          </a:effectLst>
+        </p:spPr>
+        <p:style>
+          <a:lnRef idx="1">
+            <a:schemeClr val="accent6"/>
+          </a:lnRef>
+          <a:fillRef idx="3">
+            <a:schemeClr val="accent6"/>
+          </a:fillRef>
+          <a:effectRef idx="2">
+            <a:schemeClr val="accent6"/>
+          </a:effectRef>
+          <a:fontRef idx="minor">
+            <a:schemeClr val="lt1"/>
+          </a:fontRef>
+        </p:style>
+        <p:txBody>
+          <a:bodyPr wrap="none" lIns="0" tIns="0" rIns="0" bIns="0" rtlCol="0" anchor="ctr">
+            <a:noAutofit/>
+          </a:bodyPr>
+          <a:lstStyle/>
+          <a:p>
+            <a:pPr algn="ctr"/>
+            <a:r>
+              <a:rPr lang="en-US" altLang="zh-CN" sz="1400" dirty="0">
+                <a:solidFill>
+                  <a:schemeClr val="tx1"/>
+                </a:solidFill>
+              </a:rPr>
+              <a:t>ticket</a:t>
+            </a:r>
+          </a:p>
+          <a:p>
+            <a:pPr algn="ctr"/>
+            <a:r>
+              <a:rPr lang="en-US" altLang="zh-CN" sz="1400" dirty="0">
+                <a:solidFill>
+                  <a:schemeClr val="tx1"/>
+                </a:solidFill>
+                <a:sym typeface="+mn-ea"/>
+              </a:rPr>
+              <a:t>reserve</a:t>
+            </a:r>
+            <a:endParaRPr lang="en-US" altLang="zh-CN" sz="1400" dirty="0">
+              <a:solidFill>
+                <a:schemeClr val="tx1"/>
+              </a:solidFill>
+            </a:endParaRPr>
+          </a:p>
+        </p:txBody>
+      </p:sp>
+      <p:sp>
+        <p:nvSpPr>
+          <p:cNvPr id="28" name="流程图: 准备 27"/>
+          <p:cNvSpPr/>
+          <p:nvPr/>
+        </p:nvSpPr>
+        <p:spPr>
+          <a:xfrm>
+            <a:off x="8132306" y="2174351"/>
+            <a:ext cx="741973" cy="688126"/>
+          </a:xfrm>
+          <a:prstGeom prst="flowChartPreparation">
+            <a:avLst/>
+          </a:prstGeom>
+          <a:noFill/>
+          <a:ln w="28575">
+            <a:solidFill>
+              <a:schemeClr val="tx1"/>
+            </a:solidFill>
+          </a:ln>
+          <a:effectLst>
+            <a:glow>
+              <a:schemeClr val="accent1">
+                <a:alpha val="40000"/>
+              </a:schemeClr>
+            </a:glow>
+          </a:effectLst>
+        </p:spPr>
+        <p:style>
+          <a:lnRef idx="1">
+            <a:schemeClr val="accent6"/>
+          </a:lnRef>
+          <a:fillRef idx="3">
+            <a:schemeClr val="accent6"/>
+          </a:fillRef>
+          <a:effectRef idx="2">
+            <a:schemeClr val="accent6"/>
+          </a:effectRef>
+          <a:fontRef idx="minor">
+            <a:schemeClr val="lt1"/>
+          </a:fontRef>
+        </p:style>
+        <p:txBody>
+          <a:bodyPr vertOverflow="overflow" horzOverflow="overflow" vert="horz" wrap="none" lIns="0" tIns="0" rIns="0" bIns="0" numCol="1" spcCol="0" rtlCol="0" fromWordArt="0" anchor="ctr" anchorCtr="0" forceAA="0" compatLnSpc="1">
+            <a:noAutofit/>
+          </a:bodyPr>
+          <a:lstStyle/>
+          <a:p>
+            <a:pPr lvl="0" algn="ctr"/>
+            <a:r>
+              <a:rPr lang="en-US" altLang="zh-CN" sz="1400" dirty="0">
+                <a:solidFill>
+                  <a:schemeClr val="tx1"/>
+                </a:solidFill>
+                <a:sym typeface="+mn-ea"/>
+              </a:rPr>
+              <a:t>travel</a:t>
+            </a:r>
+          </a:p>
+          <a:p>
+            <a:pPr lvl="0" algn="ctr"/>
+            <a:r>
+              <a:rPr lang="en-US" altLang="zh-CN" sz="1400" dirty="0">
+                <a:solidFill>
+                  <a:schemeClr val="tx1"/>
+                </a:solidFill>
+                <a:sym typeface="+mn-ea"/>
+              </a:rPr>
+              <a:t>explore</a:t>
+            </a:r>
+          </a:p>
+        </p:txBody>
+      </p:sp>
+      <p:sp>
+        <p:nvSpPr>
+          <p:cNvPr id="29" name="流程图: 准备 28"/>
+          <p:cNvSpPr/>
+          <p:nvPr/>
+        </p:nvSpPr>
+        <p:spPr>
+          <a:xfrm>
+            <a:off x="9755166" y="2171749"/>
+            <a:ext cx="699575" cy="688126"/>
+          </a:xfrm>
+          <a:prstGeom prst="flowChartPreparation">
+            <a:avLst/>
+          </a:prstGeom>
+          <a:noFill/>
+          <a:ln w="28575">
+            <a:solidFill>
+              <a:schemeClr val="tx1"/>
+            </a:solidFill>
+          </a:ln>
+          <a:effectLst>
+            <a:glow>
+              <a:schemeClr val="accent1">
+                <a:alpha val="40000"/>
+              </a:schemeClr>
+            </a:glow>
+          </a:effectLst>
+        </p:spPr>
+        <p:style>
+          <a:lnRef idx="1">
+            <a:schemeClr val="accent6"/>
+          </a:lnRef>
+          <a:fillRef idx="3">
+            <a:schemeClr val="accent6"/>
+          </a:fillRef>
+          <a:effectRef idx="2">
+            <a:schemeClr val="accent6"/>
+          </a:effectRef>
+          <a:fontRef idx="minor">
+            <a:schemeClr val="lt1"/>
+          </a:fontRef>
+        </p:style>
+        <p:txBody>
+          <a:bodyPr vertOverflow="overflow" horzOverflow="overflow" vert="horz" wrap="none" lIns="0" tIns="0" rIns="0" bIns="0" numCol="1" spcCol="0" rtlCol="0" fromWordArt="0" anchor="ctr" anchorCtr="0" forceAA="0" compatLnSpc="1">
+            <a:noAutofit/>
+          </a:bodyPr>
+          <a:lstStyle/>
+          <a:p>
+            <a:pPr lvl="0" algn="ctr"/>
+            <a:r>
+              <a:rPr lang="en-US" altLang="zh-CN" sz="1200" dirty="0">
+                <a:solidFill>
+                  <a:schemeClr val="tx1"/>
+                </a:solidFill>
+                <a:sym typeface="+mn-ea"/>
+              </a:rPr>
+              <a:t>cancel</a:t>
+            </a:r>
+          </a:p>
+          <a:p>
+            <a:pPr lvl="0" algn="ctr"/>
+            <a:r>
+              <a:rPr lang="en-US" altLang="zh-CN" sz="1200" dirty="0">
+                <a:solidFill>
+                  <a:schemeClr val="tx1"/>
+                </a:solidFill>
+                <a:sym typeface="+mn-ea"/>
+              </a:rPr>
+              <a:t>order</a:t>
+            </a:r>
+          </a:p>
+        </p:txBody>
+      </p:sp>
+      <p:cxnSp>
+        <p:nvCxnSpPr>
+          <p:cNvPr id="2" name="肘形连接符 1"/>
+          <p:cNvCxnSpPr/>
+          <p:nvPr/>
+        </p:nvCxnSpPr>
+        <p:spPr>
+          <a:xfrm rot="16200000" flipH="1">
+            <a:off x="7213748" y="953338"/>
+            <a:ext cx="232905" cy="566"/>
+          </a:xfrm>
+          <a:prstGeom prst="bentConnector3">
+            <a:avLst>
+              <a:gd name="adj1" fmla="val 50000"/>
+            </a:avLst>
+          </a:prstGeom>
+          <a:ln w="19050">
+            <a:solidFill>
+              <a:schemeClr val="tx1"/>
+            </a:solidFill>
+            <a:tailEnd type="arrow"/>
+          </a:ln>
+        </p:spPr>
+        <p:style>
+          <a:lnRef idx="1">
+            <a:schemeClr val="accent1"/>
+          </a:lnRef>
+          <a:fillRef idx="0">
+            <a:schemeClr val="accent1"/>
+          </a:fillRef>
+          <a:effectRef idx="0">
+            <a:schemeClr val="accent1"/>
+          </a:effectRef>
+          <a:fontRef idx="minor">
+            <a:schemeClr val="tx1"/>
+          </a:fontRef>
+        </p:style>
+      </p:cxnSp>
+      <p:cxnSp>
+        <p:nvCxnSpPr>
+          <p:cNvPr id="3" name="肘形连接符 2"/>
+          <p:cNvCxnSpPr>
+            <a:endCxn id="23" idx="0"/>
+          </p:cNvCxnSpPr>
+          <p:nvPr/>
+        </p:nvCxnSpPr>
+        <p:spPr>
+          <a:xfrm rot="10800000" flipV="1">
+            <a:off x="6011584" y="830579"/>
+            <a:ext cx="1318331" cy="254244"/>
+          </a:xfrm>
+          <a:prstGeom prst="bentConnector2">
+            <a:avLst/>
+          </a:prstGeom>
+          <a:ln w="19050">
+            <a:solidFill>
+              <a:schemeClr val="tx1"/>
+            </a:solidFill>
+            <a:tailEnd type="arrow"/>
+          </a:ln>
+        </p:spPr>
+        <p:style>
+          <a:lnRef idx="1">
+            <a:schemeClr val="accent1"/>
+          </a:lnRef>
+          <a:fillRef idx="0">
+            <a:schemeClr val="accent1"/>
+          </a:fillRef>
+          <a:effectRef idx="0">
+            <a:schemeClr val="accent1"/>
+          </a:effectRef>
+          <a:fontRef idx="minor">
+            <a:schemeClr val="tx1"/>
+          </a:fontRef>
+        </p:style>
+      </p:cxnSp>
+      <p:cxnSp>
+        <p:nvCxnSpPr>
+          <p:cNvPr id="34" name="肘形连接符 33"/>
+          <p:cNvCxnSpPr>
+            <a:endCxn id="27" idx="0"/>
+          </p:cNvCxnSpPr>
+          <p:nvPr/>
+        </p:nvCxnSpPr>
+        <p:spPr>
+          <a:xfrm>
+            <a:off x="7306324" y="837167"/>
+            <a:ext cx="1401298" cy="203049"/>
+          </a:xfrm>
+          <a:prstGeom prst="bentConnector2">
+            <a:avLst/>
+          </a:prstGeom>
+          <a:ln w="19050">
+            <a:solidFill>
+              <a:schemeClr val="tx1"/>
+            </a:solidFill>
+            <a:tailEnd type="arrow"/>
+          </a:ln>
+        </p:spPr>
+        <p:style>
+          <a:lnRef idx="1">
+            <a:schemeClr val="accent1"/>
+          </a:lnRef>
+          <a:fillRef idx="0">
+            <a:schemeClr val="accent1"/>
+          </a:fillRef>
+          <a:effectRef idx="0">
+            <a:schemeClr val="accent1"/>
+          </a:effectRef>
+          <a:fontRef idx="minor">
+            <a:schemeClr val="tx1"/>
+          </a:fontRef>
+        </p:style>
+      </p:cxnSp>
+      <p:cxnSp>
+        <p:nvCxnSpPr>
+          <p:cNvPr id="35" name="肘形连接符 34"/>
+          <p:cNvCxnSpPr>
+            <a:stCxn id="24" idx="2"/>
+            <a:endCxn id="18" idx="0"/>
+          </p:cNvCxnSpPr>
+          <p:nvPr/>
+        </p:nvCxnSpPr>
+        <p:spPr>
+          <a:xfrm rot="16200000" flipH="1">
+            <a:off x="7226531" y="1838846"/>
+            <a:ext cx="443303" cy="200938"/>
+          </a:xfrm>
+          <a:prstGeom prst="bentConnector3">
+            <a:avLst>
+              <a:gd name="adj1" fmla="val 56876"/>
+            </a:avLst>
+          </a:prstGeom>
+          <a:ln w="19050">
+            <a:solidFill>
+              <a:schemeClr val="tx1"/>
+            </a:solidFill>
+            <a:tailEnd type="arrow"/>
+          </a:ln>
+        </p:spPr>
+        <p:style>
+          <a:lnRef idx="1">
+            <a:schemeClr val="accent1"/>
+          </a:lnRef>
+          <a:fillRef idx="0">
+            <a:schemeClr val="accent1"/>
+          </a:fillRef>
+          <a:effectRef idx="0">
+            <a:schemeClr val="accent1"/>
+          </a:effectRef>
+          <a:fontRef idx="minor">
+            <a:schemeClr val="tx1"/>
+          </a:fontRef>
+        </p:style>
+      </p:cxnSp>
+      <p:cxnSp>
+        <p:nvCxnSpPr>
+          <p:cNvPr id="46" name="肘形连接符 45"/>
+          <p:cNvCxnSpPr>
+            <a:stCxn id="27" idx="2"/>
+            <a:endCxn id="28" idx="0"/>
+          </p:cNvCxnSpPr>
+          <p:nvPr/>
+        </p:nvCxnSpPr>
+        <p:spPr>
+          <a:xfrm rot="5400000">
+            <a:off x="8382454" y="1849182"/>
+            <a:ext cx="446009" cy="204329"/>
+          </a:xfrm>
+          <a:prstGeom prst="bentConnector3">
+            <a:avLst>
+              <a:gd name="adj1" fmla="val 55126"/>
+            </a:avLst>
+          </a:prstGeom>
+          <a:ln w="19050">
+            <a:solidFill>
+              <a:schemeClr val="tx1"/>
+            </a:solidFill>
+            <a:tailEnd type="arrow"/>
+          </a:ln>
+        </p:spPr>
+        <p:style>
+          <a:lnRef idx="1">
+            <a:schemeClr val="accent1"/>
+          </a:lnRef>
+          <a:fillRef idx="0">
+            <a:schemeClr val="accent1"/>
+          </a:fillRef>
+          <a:effectRef idx="0">
+            <a:schemeClr val="accent1"/>
+          </a:effectRef>
+          <a:fontRef idx="minor">
+            <a:schemeClr val="tx1"/>
+          </a:fontRef>
+        </p:style>
+      </p:cxnSp>
+      <p:cxnSp>
+        <p:nvCxnSpPr>
+          <p:cNvPr id="47" name="肘形连接符 46"/>
+          <p:cNvCxnSpPr>
+            <a:cxnSpLocks/>
+            <a:stCxn id="18" idx="2"/>
+            <a:endCxn id="17" idx="0"/>
+          </p:cNvCxnSpPr>
+          <p:nvPr/>
+        </p:nvCxnSpPr>
+        <p:spPr>
+          <a:xfrm rot="5400000">
+            <a:off x="6826254" y="2603362"/>
+            <a:ext cx="476667" cy="968128"/>
+          </a:xfrm>
+          <a:prstGeom prst="bentConnector3">
+            <a:avLst>
+              <a:gd name="adj1" fmla="val 50000"/>
+            </a:avLst>
+          </a:prstGeom>
+          <a:ln w="19050">
+            <a:solidFill>
+              <a:schemeClr val="tx1"/>
+            </a:solidFill>
+            <a:tailEnd type="arrow"/>
+          </a:ln>
+        </p:spPr>
+        <p:style>
+          <a:lnRef idx="1">
+            <a:schemeClr val="accent1"/>
+          </a:lnRef>
+          <a:fillRef idx="0">
+            <a:schemeClr val="accent1"/>
+          </a:fillRef>
+          <a:effectRef idx="0">
+            <a:schemeClr val="accent1"/>
+          </a:effectRef>
+          <a:fontRef idx="minor">
+            <a:schemeClr val="tx1"/>
+          </a:fontRef>
+        </p:style>
+      </p:cxnSp>
+      <p:cxnSp>
+        <p:nvCxnSpPr>
+          <p:cNvPr id="53" name="肘形连接符 52"/>
+          <p:cNvCxnSpPr>
+            <a:stCxn id="13" idx="2"/>
+            <a:endCxn id="7" idx="0"/>
+          </p:cNvCxnSpPr>
+          <p:nvPr/>
+        </p:nvCxnSpPr>
+        <p:spPr>
+          <a:xfrm rot="16200000" flipH="1">
+            <a:off x="9108516" y="4989029"/>
+            <a:ext cx="208359" cy="2873"/>
+          </a:xfrm>
+          <a:prstGeom prst="bentConnector3">
+            <a:avLst>
+              <a:gd name="adj1" fmla="val 50000"/>
+            </a:avLst>
+          </a:prstGeom>
+          <a:ln w="19050">
+            <a:solidFill>
+              <a:schemeClr val="tx1"/>
+            </a:solidFill>
+            <a:tailEnd type="arrow"/>
+          </a:ln>
+        </p:spPr>
+        <p:style>
+          <a:lnRef idx="1">
+            <a:schemeClr val="accent1"/>
+          </a:lnRef>
+          <a:fillRef idx="0">
+            <a:schemeClr val="accent1"/>
+          </a:fillRef>
+          <a:effectRef idx="0">
+            <a:schemeClr val="accent1"/>
+          </a:effectRef>
+          <a:fontRef idx="minor">
+            <a:schemeClr val="tx1"/>
+          </a:fontRef>
+        </p:style>
+      </p:cxnSp>
+      <p:cxnSp>
+        <p:nvCxnSpPr>
+          <p:cNvPr id="78" name="肘形连接符 77"/>
+          <p:cNvCxnSpPr>
+            <a:stCxn id="19" idx="1"/>
+            <a:endCxn id="20" idx="3"/>
+          </p:cNvCxnSpPr>
+          <p:nvPr/>
+        </p:nvCxnSpPr>
+        <p:spPr>
+          <a:xfrm rot="10800000">
+            <a:off x="5992304" y="2515811"/>
+            <a:ext cx="279698" cy="434"/>
+          </a:xfrm>
+          <a:prstGeom prst="bentConnector3">
+            <a:avLst>
+              <a:gd name="adj1" fmla="val 50000"/>
+            </a:avLst>
+          </a:prstGeom>
+          <a:ln w="19050">
+            <a:solidFill>
+              <a:schemeClr val="tx1"/>
+            </a:solidFill>
+            <a:tailEnd type="arrow"/>
+          </a:ln>
+        </p:spPr>
+        <p:style>
+          <a:lnRef idx="1">
+            <a:schemeClr val="accent1"/>
+          </a:lnRef>
+          <a:fillRef idx="0">
+            <a:schemeClr val="accent1"/>
+          </a:fillRef>
+          <a:effectRef idx="0">
+            <a:schemeClr val="accent1"/>
+          </a:effectRef>
+          <a:fontRef idx="minor">
+            <a:schemeClr val="tx1"/>
+          </a:fontRef>
+        </p:style>
+      </p:cxnSp>
+      <p:cxnSp>
+        <p:nvCxnSpPr>
+          <p:cNvPr id="87" name="肘形连接符 86"/>
+          <p:cNvCxnSpPr>
+            <a:stCxn id="23" idx="2"/>
+            <a:endCxn id="19" idx="0"/>
+          </p:cNvCxnSpPr>
+          <p:nvPr/>
+        </p:nvCxnSpPr>
+        <p:spPr>
+          <a:xfrm rot="16200000" flipH="1">
+            <a:off x="6117270" y="1667262"/>
+            <a:ext cx="399233" cy="610606"/>
+          </a:xfrm>
+          <a:prstGeom prst="bentConnector3">
+            <a:avLst>
+              <a:gd name="adj1" fmla="val 50000"/>
+            </a:avLst>
+          </a:prstGeom>
+          <a:ln w="19050">
+            <a:solidFill>
+              <a:schemeClr val="tx1"/>
+            </a:solidFill>
+            <a:tailEnd type="arrow"/>
+          </a:ln>
+        </p:spPr>
+        <p:style>
+          <a:lnRef idx="1">
+            <a:schemeClr val="accent1"/>
+          </a:lnRef>
+          <a:fillRef idx="0">
+            <a:schemeClr val="accent1"/>
+          </a:fillRef>
+          <a:effectRef idx="0">
+            <a:schemeClr val="accent1"/>
+          </a:effectRef>
+          <a:fontRef idx="minor">
+            <a:schemeClr val="tx1"/>
+          </a:fontRef>
+        </p:style>
+      </p:cxnSp>
+      <p:cxnSp>
+        <p:nvCxnSpPr>
+          <p:cNvPr id="6" name="肘形连接符 5"/>
+          <p:cNvCxnSpPr>
+            <a:cxnSpLocks/>
+            <a:stCxn id="28" idx="2"/>
+            <a:endCxn id="26" idx="1"/>
+          </p:cNvCxnSpPr>
+          <p:nvPr/>
+        </p:nvCxnSpPr>
+        <p:spPr>
+          <a:xfrm rot="16200000" flipH="1">
+            <a:off x="8769518" y="2596251"/>
+            <a:ext cx="730856" cy="1263307"/>
+          </a:xfrm>
+          <a:prstGeom prst="bentConnector2">
+            <a:avLst/>
+          </a:prstGeom>
+          <a:ln w="19050">
+            <a:solidFill>
+              <a:schemeClr val="tx1"/>
+            </a:solidFill>
+            <a:tailEnd type="arrow"/>
+          </a:ln>
+        </p:spPr>
+        <p:style>
+          <a:lnRef idx="1">
+            <a:schemeClr val="accent1"/>
+          </a:lnRef>
+          <a:fillRef idx="0">
+            <a:schemeClr val="accent1"/>
+          </a:fillRef>
+          <a:effectRef idx="0">
+            <a:schemeClr val="accent1"/>
+          </a:effectRef>
+          <a:fontRef idx="minor">
+            <a:schemeClr val="tx1"/>
+          </a:fontRef>
+        </p:style>
+      </p:cxnSp>
+      <p:cxnSp>
+        <p:nvCxnSpPr>
+          <p:cNvPr id="36" name="肘形连接符 35"/>
+          <p:cNvCxnSpPr>
+            <a:cxnSpLocks/>
+            <a:stCxn id="28" idx="2"/>
+            <a:endCxn id="16" idx="3"/>
+          </p:cNvCxnSpPr>
+          <p:nvPr/>
+        </p:nvCxnSpPr>
+        <p:spPr>
+          <a:xfrm rot="5400000">
+            <a:off x="7844939" y="2927411"/>
+            <a:ext cx="723289" cy="593421"/>
+          </a:xfrm>
+          <a:prstGeom prst="bentConnector2">
+            <a:avLst/>
+          </a:prstGeom>
+          <a:ln w="19050">
+            <a:solidFill>
+              <a:schemeClr val="tx1"/>
+            </a:solidFill>
+            <a:tailEnd type="arrow"/>
+          </a:ln>
+        </p:spPr>
+        <p:style>
+          <a:lnRef idx="1">
+            <a:schemeClr val="accent1"/>
+          </a:lnRef>
+          <a:fillRef idx="0">
+            <a:schemeClr val="accent1"/>
+          </a:fillRef>
+          <a:effectRef idx="0">
+            <a:schemeClr val="accent1"/>
+          </a:effectRef>
+          <a:fontRef idx="minor">
+            <a:schemeClr val="tx1"/>
+          </a:fontRef>
+        </p:style>
+      </p:cxnSp>
+      <p:cxnSp>
+        <p:nvCxnSpPr>
+          <p:cNvPr id="40" name="肘形连接符 39"/>
+          <p:cNvCxnSpPr>
+            <a:cxnSpLocks/>
+            <a:stCxn id="17" idx="1"/>
+            <a:endCxn id="15" idx="0"/>
+          </p:cNvCxnSpPr>
+          <p:nvPr/>
+        </p:nvCxnSpPr>
+        <p:spPr>
+          <a:xfrm rot="10800000" flipV="1">
+            <a:off x="5831724" y="3586577"/>
+            <a:ext cx="304757" cy="438391"/>
+          </a:xfrm>
+          <a:prstGeom prst="bentConnector2">
+            <a:avLst/>
+          </a:prstGeom>
+          <a:ln w="19050">
+            <a:solidFill>
+              <a:schemeClr val="tx1"/>
+            </a:solidFill>
+            <a:tailEnd type="arrow"/>
+          </a:ln>
+        </p:spPr>
+        <p:style>
+          <a:lnRef idx="1">
+            <a:schemeClr val="accent1"/>
+          </a:lnRef>
+          <a:fillRef idx="0">
+            <a:schemeClr val="accent1"/>
+          </a:fillRef>
+          <a:effectRef idx="0">
+            <a:schemeClr val="accent1"/>
+          </a:effectRef>
+          <a:fontRef idx="minor">
+            <a:schemeClr val="tx1"/>
+          </a:fontRef>
+        </p:style>
+      </p:cxnSp>
+      <p:cxnSp>
+        <p:nvCxnSpPr>
+          <p:cNvPr id="94" name="肘形连接符 93"/>
+          <p:cNvCxnSpPr>
+            <a:stCxn id="13" idx="2"/>
+            <a:endCxn id="11" idx="0"/>
+          </p:cNvCxnSpPr>
+          <p:nvPr/>
+        </p:nvCxnSpPr>
+        <p:spPr>
+          <a:xfrm rot="16200000" flipH="1">
+            <a:off x="9560312" y="4537232"/>
+            <a:ext cx="209421" cy="907530"/>
+          </a:xfrm>
+          <a:prstGeom prst="bentConnector3">
+            <a:avLst>
+              <a:gd name="adj1" fmla="val 41720"/>
+            </a:avLst>
+          </a:prstGeom>
+          <a:ln w="19050">
+            <a:solidFill>
+              <a:schemeClr val="tx1"/>
+            </a:solidFill>
+            <a:tailEnd type="arrow"/>
+          </a:ln>
+        </p:spPr>
+        <p:style>
+          <a:lnRef idx="1">
+            <a:schemeClr val="accent1"/>
+          </a:lnRef>
+          <a:fillRef idx="0">
+            <a:schemeClr val="accent1"/>
+          </a:fillRef>
+          <a:effectRef idx="0">
+            <a:schemeClr val="accent1"/>
+          </a:effectRef>
+          <a:fontRef idx="minor">
+            <a:schemeClr val="tx1"/>
+          </a:fontRef>
+        </p:style>
+      </p:cxnSp>
+      <p:cxnSp>
+        <p:nvCxnSpPr>
+          <p:cNvPr id="100" name="肘形连接符 99"/>
+          <p:cNvCxnSpPr>
+            <a:cxnSpLocks/>
+            <a:stCxn id="12" idx="2"/>
+            <a:endCxn id="4" idx="0"/>
+          </p:cNvCxnSpPr>
+          <p:nvPr/>
+        </p:nvCxnSpPr>
+        <p:spPr>
+          <a:xfrm rot="5400000">
+            <a:off x="5568990" y="3110032"/>
+            <a:ext cx="436210" cy="3535141"/>
+          </a:xfrm>
+          <a:prstGeom prst="bentConnector3">
+            <a:avLst>
+              <a:gd name="adj1" fmla="val 50000"/>
+            </a:avLst>
+          </a:prstGeom>
+          <a:ln w="19050">
+            <a:solidFill>
+              <a:schemeClr val="tx1"/>
+            </a:solidFill>
+            <a:tailEnd type="arrow"/>
+          </a:ln>
+        </p:spPr>
+        <p:style>
+          <a:lnRef idx="1">
+            <a:schemeClr val="accent1"/>
+          </a:lnRef>
+          <a:fillRef idx="0">
+            <a:schemeClr val="accent1"/>
+          </a:fillRef>
+          <a:effectRef idx="0">
+            <a:schemeClr val="accent1"/>
+          </a:effectRef>
+          <a:fontRef idx="minor">
+            <a:schemeClr val="tx1"/>
+          </a:fontRef>
+        </p:style>
+      </p:cxnSp>
+      <p:cxnSp>
+        <p:nvCxnSpPr>
+          <p:cNvPr id="197" name="直接箭头连接符 196"/>
+          <p:cNvCxnSpPr>
+            <a:cxnSpLocks/>
+            <a:stCxn id="29" idx="2"/>
+            <a:endCxn id="26" idx="0"/>
+          </p:cNvCxnSpPr>
+          <p:nvPr/>
+        </p:nvCxnSpPr>
+        <p:spPr>
+          <a:xfrm>
+            <a:off x="10104954" y="2859875"/>
+            <a:ext cx="11434" cy="462869"/>
+          </a:xfrm>
+          <a:prstGeom prst="straightConnector1">
+            <a:avLst/>
+          </a:prstGeom>
+          <a:ln>
+            <a:headEnd type="none" w="med" len="med"/>
+            <a:tailEnd type="arrow" w="med" len="med"/>
+          </a:ln>
+        </p:spPr>
+        <p:style>
+          <a:lnRef idx="3">
+            <a:schemeClr val="dk1"/>
+          </a:lnRef>
+          <a:fillRef idx="0">
+            <a:schemeClr val="dk1"/>
+          </a:fillRef>
+          <a:effectRef idx="2">
+            <a:schemeClr val="dk1"/>
+          </a:effectRef>
+          <a:fontRef idx="minor">
+            <a:schemeClr val="tx1"/>
+          </a:fontRef>
+        </p:style>
+      </p:cxnSp>
+      <p:cxnSp>
+        <p:nvCxnSpPr>
+          <p:cNvPr id="199" name="肘形连接符 198"/>
+          <p:cNvCxnSpPr>
+            <a:cxnSpLocks/>
+            <a:stCxn id="12" idx="2"/>
+            <a:endCxn id="5" idx="0"/>
+          </p:cNvCxnSpPr>
+          <p:nvPr/>
+        </p:nvCxnSpPr>
+        <p:spPr>
+          <a:xfrm rot="16200000" flipH="1">
+            <a:off x="7738462" y="4475699"/>
+            <a:ext cx="429707" cy="797301"/>
+          </a:xfrm>
+          <a:prstGeom prst="bentConnector3">
+            <a:avLst>
+              <a:gd name="adj1" fmla="val 50000"/>
+            </a:avLst>
+          </a:prstGeom>
+          <a:ln w="19050">
+            <a:solidFill>
+              <a:schemeClr val="tx1"/>
+            </a:solidFill>
+            <a:tailEnd type="arrow"/>
+          </a:ln>
+        </p:spPr>
+        <p:style>
+          <a:lnRef idx="1">
+            <a:schemeClr val="accent1"/>
+          </a:lnRef>
+          <a:fillRef idx="0">
+            <a:schemeClr val="accent1"/>
+          </a:fillRef>
+          <a:effectRef idx="0">
+            <a:schemeClr val="accent1"/>
+          </a:effectRef>
+          <a:fontRef idx="minor">
+            <a:schemeClr val="tx1"/>
+          </a:fontRef>
+        </p:style>
+      </p:cxnSp>
+      <p:cxnSp>
+        <p:nvCxnSpPr>
+          <p:cNvPr id="205" name="直接箭头连接符 204"/>
+          <p:cNvCxnSpPr>
+            <a:cxnSpLocks/>
+            <a:endCxn id="9" idx="0"/>
+          </p:cNvCxnSpPr>
+          <p:nvPr/>
+        </p:nvCxnSpPr>
+        <p:spPr>
+          <a:xfrm>
+            <a:off x="6155412" y="4882046"/>
+            <a:ext cx="840" cy="218757"/>
+          </a:xfrm>
+          <a:prstGeom prst="straightConnector1">
+            <a:avLst/>
+          </a:prstGeom>
+          <a:ln>
+            <a:headEnd type="none" w="med" len="med"/>
+            <a:tailEnd type="arrow" w="med" len="med"/>
+          </a:ln>
+        </p:spPr>
+        <p:style>
+          <a:lnRef idx="3">
+            <a:schemeClr val="dk1"/>
+          </a:lnRef>
+          <a:fillRef idx="0">
+            <a:schemeClr val="dk1"/>
+          </a:fillRef>
+          <a:effectRef idx="2">
+            <a:schemeClr val="dk1"/>
+          </a:effectRef>
+          <a:fontRef idx="minor">
+            <a:schemeClr val="tx1"/>
+          </a:fontRef>
+        </p:style>
+      </p:cxnSp>
+      <p:cxnSp>
+        <p:nvCxnSpPr>
+          <p:cNvPr id="214" name="直接箭头连接符 213"/>
+          <p:cNvCxnSpPr>
+            <a:cxnSpLocks/>
+            <a:stCxn id="18" idx="2"/>
+            <a:endCxn id="16" idx="0"/>
+          </p:cNvCxnSpPr>
+          <p:nvPr/>
+        </p:nvCxnSpPr>
+        <p:spPr>
+          <a:xfrm>
+            <a:off x="7548651" y="2849093"/>
+            <a:ext cx="11035" cy="475043"/>
+          </a:xfrm>
+          <a:prstGeom prst="straightConnector1">
+            <a:avLst/>
+          </a:prstGeom>
+          <a:ln>
+            <a:headEnd type="none" w="med" len="med"/>
+            <a:tailEnd type="arrow" w="med" len="med"/>
+          </a:ln>
+        </p:spPr>
+        <p:style>
+          <a:lnRef idx="3">
+            <a:schemeClr val="dk1"/>
+          </a:lnRef>
+          <a:fillRef idx="0">
+            <a:schemeClr val="dk1"/>
+          </a:fillRef>
+          <a:effectRef idx="2">
+            <a:schemeClr val="dk1"/>
+          </a:effectRef>
+          <a:fontRef idx="minor">
+            <a:schemeClr val="tx1"/>
+          </a:fontRef>
+        </p:style>
+      </p:cxnSp>
+      <p:cxnSp>
+        <p:nvCxnSpPr>
+          <p:cNvPr id="55" name="肘形连接符 54"/>
+          <p:cNvCxnSpPr>
+            <a:stCxn id="27" idx="2"/>
+            <a:endCxn id="22" idx="0"/>
+          </p:cNvCxnSpPr>
+          <p:nvPr/>
+        </p:nvCxnSpPr>
+        <p:spPr>
+          <a:xfrm rot="16200000" flipH="1">
+            <a:off x="8803923" y="1632040"/>
+            <a:ext cx="443406" cy="636009"/>
+          </a:xfrm>
+          <a:prstGeom prst="bentConnector3">
+            <a:avLst>
+              <a:gd name="adj1" fmla="val 55156"/>
+            </a:avLst>
+          </a:prstGeom>
+          <a:ln w="19050">
+            <a:solidFill>
+              <a:schemeClr val="tx1"/>
+            </a:solidFill>
+            <a:tailEnd type="arrow"/>
+          </a:ln>
+        </p:spPr>
+        <p:style>
+          <a:lnRef idx="1">
+            <a:schemeClr val="accent1"/>
+          </a:lnRef>
+          <a:fillRef idx="0">
+            <a:schemeClr val="accent1"/>
+          </a:fillRef>
+          <a:effectRef idx="0">
+            <a:schemeClr val="accent1"/>
+          </a:effectRef>
+          <a:fontRef idx="minor">
+            <a:schemeClr val="tx1"/>
+          </a:fontRef>
+        </p:style>
+      </p:cxnSp>
+      <p:cxnSp>
+        <p:nvCxnSpPr>
+          <p:cNvPr id="61" name="直接箭头连接符 60"/>
+          <p:cNvCxnSpPr>
+            <a:stCxn id="14" idx="2"/>
+            <a:endCxn id="11" idx="0"/>
+          </p:cNvCxnSpPr>
+          <p:nvPr/>
+        </p:nvCxnSpPr>
+        <p:spPr>
+          <a:xfrm>
+            <a:off x="10118787" y="4884119"/>
+            <a:ext cx="0" cy="211588"/>
+          </a:xfrm>
+          <a:prstGeom prst="straightConnector1">
+            <a:avLst/>
+          </a:prstGeom>
+          <a:ln>
+            <a:headEnd type="none" w="med" len="med"/>
+            <a:tailEnd type="arrow" w="med" len="med"/>
+          </a:ln>
+        </p:spPr>
+        <p:style>
+          <a:lnRef idx="3">
+            <a:schemeClr val="dk1"/>
+          </a:lnRef>
+          <a:fillRef idx="0">
+            <a:schemeClr val="dk1"/>
+          </a:fillRef>
+          <a:effectRef idx="2">
+            <a:schemeClr val="dk1"/>
+          </a:effectRef>
+          <a:fontRef idx="minor">
+            <a:schemeClr val="tx1"/>
+          </a:fontRef>
+        </p:style>
+      </p:cxnSp>
+      <p:cxnSp>
+        <p:nvCxnSpPr>
+          <p:cNvPr id="64" name="肘形连接符 63"/>
+          <p:cNvCxnSpPr>
+            <a:stCxn id="21" idx="2"/>
+          </p:cNvCxnSpPr>
+          <p:nvPr/>
+        </p:nvCxnSpPr>
+        <p:spPr>
+          <a:xfrm rot="16200000" flipH="1">
+            <a:off x="5547134" y="2047797"/>
+            <a:ext cx="215988" cy="1867635"/>
+          </a:xfrm>
+          <a:prstGeom prst="bentConnector2">
+            <a:avLst/>
+          </a:prstGeom>
+          <a:ln w="19050">
+            <a:solidFill>
+              <a:schemeClr val="tx1"/>
+            </a:solidFill>
+            <a:tailEnd type="none"/>
+          </a:ln>
+        </p:spPr>
+        <p:style>
+          <a:lnRef idx="1">
+            <a:schemeClr val="accent1"/>
+          </a:lnRef>
+          <a:fillRef idx="0">
+            <a:schemeClr val="accent1"/>
+          </a:fillRef>
+          <a:effectRef idx="0">
+            <a:schemeClr val="accent1"/>
+          </a:effectRef>
+          <a:fontRef idx="minor">
+            <a:schemeClr val="tx1"/>
+          </a:fontRef>
+        </p:style>
+      </p:cxnSp>
+      <p:sp>
+        <p:nvSpPr>
+          <p:cNvPr id="88" name="流程图: 准备 19"/>
+          <p:cNvSpPr/>
+          <p:nvPr/>
+        </p:nvSpPr>
+        <p:spPr>
+          <a:xfrm>
+            <a:off x="3849842" y="985289"/>
+            <a:ext cx="1430060" cy="779715"/>
+          </a:xfrm>
+          <a:prstGeom prst="flowChartPreparation">
+            <a:avLst/>
+          </a:prstGeom>
+          <a:solidFill>
+            <a:schemeClr val="bg1"/>
+          </a:solidFill>
+          <a:ln w="28575">
+            <a:solidFill>
+              <a:schemeClr val="tx1"/>
+            </a:solidFill>
+          </a:ln>
+          <a:effectLst>
+            <a:glow>
+              <a:schemeClr val="accent1">
+                <a:alpha val="40000"/>
+              </a:schemeClr>
+            </a:glow>
+          </a:effectLst>
+        </p:spPr>
+        <p:style>
+          <a:lnRef idx="1">
+            <a:schemeClr val="accent6"/>
+          </a:lnRef>
+          <a:fillRef idx="3">
+            <a:schemeClr val="accent6"/>
+          </a:fillRef>
+          <a:effectRef idx="2">
+            <a:schemeClr val="accent6"/>
+          </a:effectRef>
+          <a:fontRef idx="minor">
+            <a:schemeClr val="lt1"/>
+          </a:fontRef>
+        </p:style>
+        <p:txBody>
+          <a:bodyPr vertOverflow="overflow" horzOverflow="overflow" vert="horz" wrap="none" lIns="0" tIns="0" rIns="0" bIns="0" numCol="1" spcCol="0" rtlCol="0" fromWordArt="0" anchor="ctr" anchorCtr="0" forceAA="0" compatLnSpc="1">
+            <a:normAutofit/>
+          </a:bodyPr>
+          <a:lstStyle/>
+          <a:p>
+            <a:pPr lvl="0" algn="ctr"/>
+            <a:r>
+              <a:rPr lang="en-US" altLang="zh-CN" sz="1400">
+                <a:solidFill>
+                  <a:schemeClr val="tx1"/>
+                </a:solidFill>
+                <a:sym typeface="+mn-ea"/>
+              </a:rPr>
+              <a:t>Travel admin</a:t>
+            </a:r>
+          </a:p>
+          <a:p>
+            <a:pPr lvl="0" algn="ctr"/>
+            <a:r>
+              <a:rPr lang="en-US" altLang="zh-CN" sz="1400" dirty="0">
+                <a:solidFill>
+                  <a:schemeClr val="tx1"/>
+                </a:solidFill>
+                <a:sym typeface="+mn-ea"/>
+              </a:rPr>
+              <a:t>(order, route, </a:t>
+            </a:r>
+          </a:p>
+          <a:p>
+            <a:pPr lvl="0" algn="ctr"/>
+            <a:r>
+              <a:rPr lang="en-US" altLang="zh-CN" sz="1400" dirty="0">
+                <a:solidFill>
+                  <a:schemeClr val="tx1"/>
+                </a:solidFill>
+                <a:sym typeface="+mn-ea"/>
+              </a:rPr>
+              <a:t>station)</a:t>
+            </a:r>
+          </a:p>
+        </p:txBody>
+      </p:sp>
+      <p:sp>
+        <p:nvSpPr>
+          <p:cNvPr id="89" name="流程图: 准备 19"/>
+          <p:cNvSpPr/>
+          <p:nvPr/>
+        </p:nvSpPr>
+        <p:spPr>
+          <a:xfrm>
+            <a:off x="2051184" y="4269828"/>
+            <a:ext cx="1227887" cy="383627"/>
+          </a:xfrm>
+          <a:prstGeom prst="flowChartPreparation">
+            <a:avLst/>
+          </a:prstGeom>
+          <a:solidFill>
+            <a:schemeClr val="bg1"/>
+          </a:solidFill>
+          <a:ln w="28575">
+            <a:solidFill>
+              <a:schemeClr val="tx1"/>
+            </a:solidFill>
+          </a:ln>
+          <a:effectLst>
+            <a:glow>
+              <a:schemeClr val="accent1">
+                <a:alpha val="40000"/>
+              </a:schemeClr>
+            </a:glow>
+          </a:effectLst>
+        </p:spPr>
+        <p:style>
+          <a:lnRef idx="1">
+            <a:schemeClr val="accent6"/>
+          </a:lnRef>
+          <a:fillRef idx="3">
+            <a:schemeClr val="accent6"/>
+          </a:fillRef>
+          <a:effectRef idx="2">
+            <a:schemeClr val="accent6"/>
+          </a:effectRef>
+          <a:fontRef idx="minor">
+            <a:schemeClr val="lt1"/>
+          </a:fontRef>
+        </p:style>
+        <p:txBody>
+          <a:bodyPr vertOverflow="overflow" horzOverflow="overflow" vert="horz" wrap="none" lIns="0" tIns="0" rIns="0" bIns="0" numCol="1" spcCol="0" rtlCol="0" fromWordArt="0" anchor="ctr" anchorCtr="0" forceAA="0" compatLnSpc="1">
+            <a:normAutofit/>
+          </a:bodyPr>
+          <a:lstStyle/>
+          <a:p>
+            <a:pPr lvl="0" algn="ctr"/>
+            <a:r>
+              <a:rPr lang="en-US" altLang="zh-CN" sz="1400">
                 <a:ln w="0"/>
                 <a:solidFill>
                   <a:schemeClr val="tx1"/>
@@ -12013,7 +14127,7 @@
                 </a:effectLst>
                 <a:sym typeface="+mn-ea"/>
               </a:rPr>
-              <a:t>Food map</a:t>
+              <a:t>Food service</a:t>
             </a:r>
             <a:endParaRPr lang="en-US" altLang="zh-CN" sz="1400" dirty="0">
               <a:ln w="0"/>
@@ -12032,25 +14146,1959 @@
           </a:p>
         </p:txBody>
       </p:sp>
+      <p:sp>
+        <p:nvSpPr>
+          <p:cNvPr id="111" name="流程图: 准备 19"/>
+          <p:cNvSpPr/>
+          <p:nvPr/>
+        </p:nvSpPr>
+        <p:spPr>
+          <a:xfrm>
+            <a:off x="2173511" y="3606229"/>
+            <a:ext cx="854654" cy="319184"/>
+          </a:xfrm>
+          <a:prstGeom prst="flowChartPreparation">
+            <a:avLst/>
+          </a:prstGeom>
+          <a:solidFill>
+            <a:schemeClr val="bg1"/>
+          </a:solidFill>
+          <a:ln w="28575">
+            <a:solidFill>
+              <a:schemeClr val="tx1"/>
+            </a:solidFill>
+          </a:ln>
+          <a:effectLst>
+            <a:glow>
+              <a:schemeClr val="accent1">
+                <a:alpha val="40000"/>
+              </a:schemeClr>
+            </a:glow>
+          </a:effectLst>
+        </p:spPr>
+        <p:style>
+          <a:lnRef idx="1">
+            <a:schemeClr val="accent6"/>
+          </a:lnRef>
+          <a:fillRef idx="3">
+            <a:schemeClr val="accent6"/>
+          </a:fillRef>
+          <a:effectRef idx="2">
+            <a:schemeClr val="accent6"/>
+          </a:effectRef>
+          <a:fontRef idx="minor">
+            <a:schemeClr val="lt1"/>
+          </a:fontRef>
+        </p:style>
+        <p:txBody>
+          <a:bodyPr vertOverflow="overflow" horzOverflow="overflow" vert="horz" wrap="none" lIns="0" tIns="0" rIns="0" bIns="0" numCol="1" spcCol="0" rtlCol="0" fromWordArt="0" anchor="ctr" anchorCtr="0" forceAA="0" compatLnSpc="1">
+            <a:normAutofit/>
+          </a:bodyPr>
+          <a:lstStyle/>
+          <a:p>
+            <a:pPr lvl="0" algn="ctr"/>
+            <a:r>
+              <a:rPr lang="en-US" altLang="zh-CN" sz="1400" dirty="0">
+                <a:solidFill>
+                  <a:schemeClr val="tx1"/>
+                </a:solidFill>
+                <a:sym typeface="+mn-ea"/>
+              </a:rPr>
+              <a:t>Route</a:t>
+            </a:r>
+          </a:p>
+        </p:txBody>
+      </p:sp>
+      <p:sp>
+        <p:nvSpPr>
+          <p:cNvPr id="116" name="流程图: 准备 19"/>
+          <p:cNvSpPr/>
+          <p:nvPr/>
+        </p:nvSpPr>
+        <p:spPr>
+          <a:xfrm>
+            <a:off x="3243304" y="3567323"/>
+            <a:ext cx="734844" cy="409388"/>
+          </a:xfrm>
+          <a:prstGeom prst="flowChartPreparation">
+            <a:avLst/>
+          </a:prstGeom>
+          <a:solidFill>
+            <a:schemeClr val="bg1"/>
+          </a:solidFill>
+          <a:ln w="28575">
+            <a:solidFill>
+              <a:schemeClr val="tx1"/>
+            </a:solidFill>
+          </a:ln>
+          <a:effectLst>
+            <a:glow>
+              <a:schemeClr val="accent1">
+                <a:alpha val="40000"/>
+              </a:schemeClr>
+            </a:glow>
+          </a:effectLst>
+        </p:spPr>
+        <p:style>
+          <a:lnRef idx="1">
+            <a:schemeClr val="accent6"/>
+          </a:lnRef>
+          <a:fillRef idx="3">
+            <a:schemeClr val="accent6"/>
+          </a:fillRef>
+          <a:effectRef idx="2">
+            <a:schemeClr val="accent6"/>
+          </a:effectRef>
+          <a:fontRef idx="minor">
+            <a:schemeClr val="lt1"/>
+          </a:fontRef>
+        </p:style>
+        <p:txBody>
+          <a:bodyPr vertOverflow="overflow" horzOverflow="overflow" vert="horz" wrap="none" lIns="0" tIns="0" rIns="0" bIns="0" numCol="1" spcCol="0" rtlCol="0" fromWordArt="0" anchor="ctr" anchorCtr="0" forceAA="0" compatLnSpc="1">
+            <a:normAutofit/>
+          </a:bodyPr>
+          <a:lstStyle/>
+          <a:p>
+            <a:pPr lvl="0" algn="ctr"/>
+            <a:r>
+              <a:rPr lang="en-US" altLang="zh-CN" sz="1400">
+                <a:ln w="0"/>
+                <a:solidFill>
+                  <a:schemeClr val="tx1"/>
+                </a:solidFill>
+                <a:effectLst>
+                  <a:outerShdw blurRad="38100" dist="19050" dir="2700000" algn="tl" rotWithShape="0">
+                    <a:schemeClr val="dk1">
+                      <a:alpha val="40000"/>
+                    </a:schemeClr>
+                  </a:outerShdw>
+                </a:effectLst>
+                <a:sym typeface="+mn-ea"/>
+              </a:rPr>
+              <a:t>seat</a:t>
+            </a:r>
+            <a:endParaRPr lang="en-US" altLang="zh-CN" sz="1400" dirty="0">
+              <a:ln w="0"/>
+              <a:solidFill>
+                <a:schemeClr val="tx1"/>
+              </a:solidFill>
+              <a:effectLst>
+                <a:outerShdw blurRad="38100" dist="19050" dir="2700000" algn="tl" rotWithShape="0">
+                  <a:schemeClr val="dk1">
+                    <a:alpha val="40000"/>
+                  </a:schemeClr>
+                </a:outerShdw>
+              </a:effectLst>
+              <a:sym typeface="+mn-ea"/>
+            </a:endParaRPr>
+          </a:p>
+        </p:txBody>
+      </p:sp>
+      <p:sp>
+        <p:nvSpPr>
+          <p:cNvPr id="123" name="流程图: 准备 19"/>
+          <p:cNvSpPr/>
+          <p:nvPr/>
+        </p:nvSpPr>
+        <p:spPr>
+          <a:xfrm>
+            <a:off x="10749584" y="4329270"/>
+            <a:ext cx="887285" cy="660453"/>
+          </a:xfrm>
+          <a:prstGeom prst="flowChartPreparation">
+            <a:avLst/>
+          </a:prstGeom>
+          <a:solidFill>
+            <a:schemeClr val="bg1"/>
+          </a:solidFill>
+          <a:ln w="28575">
+            <a:solidFill>
+              <a:schemeClr val="tx1"/>
+            </a:solidFill>
+          </a:ln>
+          <a:effectLst>
+            <a:glow>
+              <a:schemeClr val="accent1">
+                <a:alpha val="40000"/>
+              </a:schemeClr>
+            </a:glow>
+          </a:effectLst>
+        </p:spPr>
+        <p:style>
+          <a:lnRef idx="1">
+            <a:schemeClr val="accent6"/>
+          </a:lnRef>
+          <a:fillRef idx="3">
+            <a:schemeClr val="accent6"/>
+          </a:fillRef>
+          <a:effectRef idx="2">
+            <a:schemeClr val="accent6"/>
+          </a:effectRef>
+          <a:fontRef idx="minor">
+            <a:schemeClr val="lt1"/>
+          </a:fontRef>
+        </p:style>
+        <p:txBody>
+          <a:bodyPr vertOverflow="overflow" horzOverflow="overflow" vert="horz" wrap="none" lIns="0" tIns="0" rIns="0" bIns="0" numCol="1" spcCol="0" rtlCol="0" fromWordArt="0" anchor="ctr" anchorCtr="0" forceAA="0" compatLnSpc="1">
+            <a:normAutofit/>
+          </a:bodyPr>
+          <a:lstStyle/>
+          <a:p>
+            <a:pPr lvl="0" algn="ctr"/>
+            <a:r>
+              <a:rPr lang="en-US" altLang="zh-CN" sz="1400" dirty="0">
+                <a:solidFill>
+                  <a:schemeClr val="tx1"/>
+                </a:solidFill>
+                <a:sym typeface="+mn-ea"/>
+              </a:rPr>
+              <a:t>assurance</a:t>
+            </a:r>
+          </a:p>
+        </p:txBody>
+      </p:sp>
+      <p:sp>
+        <p:nvSpPr>
+          <p:cNvPr id="63" name="流程图: 准备 19"/>
+          <p:cNvSpPr/>
+          <p:nvPr/>
+        </p:nvSpPr>
+        <p:spPr>
+          <a:xfrm>
+            <a:off x="9521835" y="1200172"/>
+            <a:ext cx="908050" cy="368300"/>
+          </a:xfrm>
+          <a:prstGeom prst="flowChartPreparation">
+            <a:avLst/>
+          </a:prstGeom>
+          <a:solidFill>
+            <a:schemeClr val="bg1"/>
+          </a:solidFill>
+          <a:ln w="28575">
+            <a:solidFill>
+              <a:schemeClr val="tx1"/>
+            </a:solidFill>
+          </a:ln>
+          <a:effectLst>
+            <a:glow>
+              <a:schemeClr val="accent1">
+                <a:alpha val="40000"/>
+              </a:schemeClr>
+            </a:glow>
+          </a:effectLst>
+        </p:spPr>
+        <p:style>
+          <a:lnRef idx="1">
+            <a:schemeClr val="accent6"/>
+          </a:lnRef>
+          <a:fillRef idx="3">
+            <a:schemeClr val="accent6"/>
+          </a:fillRef>
+          <a:effectRef idx="2">
+            <a:schemeClr val="accent6"/>
+          </a:effectRef>
+          <a:fontRef idx="minor">
+            <a:schemeClr val="lt1"/>
+          </a:fontRef>
+        </p:style>
+        <p:txBody>
+          <a:bodyPr vertOverflow="overflow" horzOverflow="overflow" vert="horz" wrap="none" lIns="0" tIns="0" rIns="0" bIns="0" numCol="1" spcCol="0" rtlCol="0" fromWordArt="0" anchor="ctr" anchorCtr="0" forceAA="0" compatLnSpc="1">
+            <a:normAutofit/>
+          </a:bodyPr>
+          <a:lstStyle/>
+          <a:p>
+            <a:pPr lvl="0" algn="ctr"/>
+            <a:r>
+              <a:rPr lang="en-US" altLang="zh-CN" sz="1400" dirty="0">
+                <a:solidFill>
+                  <a:schemeClr val="tx1"/>
+                </a:solidFill>
+                <a:sym typeface="+mn-ea"/>
+              </a:rPr>
+              <a:t>news</a:t>
+            </a:r>
+          </a:p>
+        </p:txBody>
+      </p:sp>
       <p:cxnSp>
         <p:nvCxnSpPr>
-          <p:cNvPr id="75" name="Straight Arrow Connector 80"/>
+          <p:cNvPr id="65" name="肘形连接符 33"/>
           <p:cNvCxnSpPr>
-            <a:stCxn id="89" idx="3"/>
-            <a:endCxn id="73" idx="1"/>
+            <a:cxnSpLocks/>
+            <a:stCxn id="107" idx="2"/>
+            <a:endCxn id="63" idx="0"/>
           </p:cNvCxnSpPr>
           <p:nvPr/>
         </p:nvCxnSpPr>
         <p:spPr>
-          <a:xfrm flipV="1">
-            <a:off x="8475980" y="6383020"/>
-            <a:ext cx="367030" cy="24130"/>
+          <a:xfrm rot="16200000" flipH="1">
+            <a:off x="8026977" y="-748712"/>
+            <a:ext cx="592581" cy="3305185"/>
+          </a:xfrm>
+          <a:prstGeom prst="bentConnector3">
+            <a:avLst>
+              <a:gd name="adj1" fmla="val 37141"/>
+            </a:avLst>
+          </a:prstGeom>
+          <a:ln w="19050">
+            <a:solidFill>
+              <a:schemeClr val="tx1"/>
+            </a:solidFill>
+            <a:tailEnd type="arrow"/>
+          </a:ln>
+        </p:spPr>
+        <p:style>
+          <a:lnRef idx="1">
+            <a:schemeClr val="accent1"/>
+          </a:lnRef>
+          <a:fillRef idx="0">
+            <a:schemeClr val="accent1"/>
+          </a:fillRef>
+          <a:effectRef idx="0">
+            <a:schemeClr val="accent1"/>
+          </a:effectRef>
+          <a:fontRef idx="minor">
+            <a:schemeClr val="tx1"/>
+          </a:fontRef>
+        </p:style>
+      </p:cxnSp>
+      <p:sp>
+        <p:nvSpPr>
+          <p:cNvPr id="77" name="流程图: 准备 19"/>
+          <p:cNvSpPr/>
+          <p:nvPr/>
+        </p:nvSpPr>
+        <p:spPr>
+          <a:xfrm>
+            <a:off x="1622239" y="990906"/>
+            <a:ext cx="2021840" cy="726757"/>
+          </a:xfrm>
+          <a:prstGeom prst="flowChartPreparation">
+            <a:avLst/>
+          </a:prstGeom>
+          <a:solidFill>
+            <a:schemeClr val="bg1"/>
+          </a:solidFill>
+          <a:ln w="28575">
+            <a:solidFill>
+              <a:schemeClr val="tx1"/>
+            </a:solidFill>
+          </a:ln>
+          <a:effectLst>
+            <a:glow>
+              <a:schemeClr val="accent1">
+                <a:alpha val="40000"/>
+              </a:schemeClr>
+            </a:glow>
+          </a:effectLst>
+        </p:spPr>
+        <p:style>
+          <a:lnRef idx="1">
+            <a:schemeClr val="accent6"/>
+          </a:lnRef>
+          <a:fillRef idx="3">
+            <a:schemeClr val="accent6"/>
+          </a:fillRef>
+          <a:effectRef idx="2">
+            <a:schemeClr val="accent6"/>
+          </a:effectRef>
+          <a:fontRef idx="minor">
+            <a:schemeClr val="lt1"/>
+          </a:fontRef>
+        </p:style>
+        <p:txBody>
+          <a:bodyPr vertOverflow="overflow" horzOverflow="overflow" vert="horz" wrap="none" lIns="0" tIns="0" rIns="0" bIns="0" numCol="1" spcCol="0" rtlCol="0" fromWordArt="0" anchor="ctr" anchorCtr="0" forceAA="0" compatLnSpc="1">
+            <a:normAutofit/>
+          </a:bodyPr>
+          <a:lstStyle/>
+          <a:p>
+            <a:pPr lvl="0" algn="ctr"/>
+            <a:r>
+              <a:rPr lang="en-US" altLang="zh-CN" sz="1600" dirty="0">
+                <a:solidFill>
+                  <a:schemeClr val="tx1"/>
+                </a:solidFill>
+                <a:sym typeface="+mn-ea"/>
+              </a:rPr>
+              <a:t>Advanced travel</a:t>
+            </a:r>
+          </a:p>
+          <a:p>
+            <a:pPr lvl="0" algn="ctr"/>
+            <a:r>
+              <a:rPr lang="en-US" altLang="zh-CN" sz="1600" dirty="0">
+                <a:solidFill>
+                  <a:schemeClr val="tx1"/>
+                </a:solidFill>
+                <a:sym typeface="+mn-ea"/>
+              </a:rPr>
+              <a:t>(route info + ticket)</a:t>
+            </a:r>
+          </a:p>
+        </p:txBody>
+      </p:sp>
+      <p:sp>
+        <p:nvSpPr>
+          <p:cNvPr id="30" name="流程图: 准备 19"/>
+          <p:cNvSpPr/>
+          <p:nvPr/>
+        </p:nvSpPr>
+        <p:spPr>
+          <a:xfrm>
+            <a:off x="1644015" y="2250106"/>
+            <a:ext cx="2414334" cy="572256"/>
+          </a:xfrm>
+          <a:prstGeom prst="flowChartPreparation">
+            <a:avLst/>
+          </a:prstGeom>
+          <a:solidFill>
+            <a:schemeClr val="bg1"/>
+          </a:solidFill>
+          <a:ln w="28575">
+            <a:solidFill>
+              <a:schemeClr val="tx1"/>
+            </a:solidFill>
+          </a:ln>
+          <a:effectLst>
+            <a:glow>
+              <a:schemeClr val="accent1">
+                <a:alpha val="40000"/>
+              </a:schemeClr>
+            </a:glow>
+          </a:effectLst>
+        </p:spPr>
+        <p:style>
+          <a:lnRef idx="1">
+            <a:schemeClr val="accent6"/>
+          </a:lnRef>
+          <a:fillRef idx="3">
+            <a:schemeClr val="accent6"/>
+          </a:fillRef>
+          <a:effectRef idx="2">
+            <a:schemeClr val="accent6"/>
+          </a:effectRef>
+          <a:fontRef idx="minor">
+            <a:schemeClr val="lt1"/>
+          </a:fontRef>
+        </p:style>
+        <p:txBody>
+          <a:bodyPr vertOverflow="overflow" horzOverflow="overflow" vert="horz" wrap="none" lIns="0" tIns="0" rIns="0" bIns="0" numCol="1" spcCol="0" rtlCol="0" fromWordArt="0" anchor="ctr" anchorCtr="0" forceAA="0" compatLnSpc="1">
+            <a:normAutofit/>
+          </a:bodyPr>
+          <a:lstStyle/>
+          <a:p>
+            <a:pPr lvl="0" algn="ctr"/>
+            <a:r>
+              <a:rPr lang="en-US" altLang="zh-CN" sz="1600" dirty="0">
+                <a:solidFill>
+                  <a:schemeClr val="tx1"/>
+                </a:solidFill>
+                <a:sym typeface="+mn-ea"/>
+              </a:rPr>
+              <a:t>route plan</a:t>
+            </a:r>
+          </a:p>
+          <a:p>
+            <a:pPr lvl="0" algn="ctr"/>
+            <a:r>
+              <a:rPr lang="en-US" altLang="zh-CN" sz="1600" dirty="0">
+                <a:solidFill>
+                  <a:schemeClr val="tx1"/>
+                </a:solidFill>
+                <a:sym typeface="+mn-ea"/>
+              </a:rPr>
+              <a:t>(price, change, time)</a:t>
+            </a:r>
+          </a:p>
+        </p:txBody>
+      </p:sp>
+      <p:sp>
+        <p:nvSpPr>
+          <p:cNvPr id="31" name="流程图: 准备 19"/>
+          <p:cNvSpPr/>
+          <p:nvPr/>
+        </p:nvSpPr>
+        <p:spPr>
+          <a:xfrm>
+            <a:off x="10656975" y="1138602"/>
+            <a:ext cx="1072505" cy="442999"/>
+          </a:xfrm>
+          <a:prstGeom prst="flowChartPreparation">
+            <a:avLst/>
+          </a:prstGeom>
+          <a:solidFill>
+            <a:schemeClr val="bg1"/>
+          </a:solidFill>
+          <a:ln w="28575">
+            <a:solidFill>
+              <a:schemeClr val="tx1"/>
+            </a:solidFill>
+          </a:ln>
+          <a:effectLst>
+            <a:glow>
+              <a:schemeClr val="accent1">
+                <a:alpha val="40000"/>
+              </a:schemeClr>
+            </a:glow>
+          </a:effectLst>
+        </p:spPr>
+        <p:style>
+          <a:lnRef idx="1">
+            <a:schemeClr val="accent6"/>
+          </a:lnRef>
+          <a:fillRef idx="3">
+            <a:schemeClr val="accent6"/>
+          </a:fillRef>
+          <a:effectRef idx="2">
+            <a:schemeClr val="accent6"/>
+          </a:effectRef>
+          <a:fontRef idx="minor">
+            <a:schemeClr val="lt1"/>
+          </a:fontRef>
+        </p:style>
+        <p:txBody>
+          <a:bodyPr vertOverflow="overflow" horzOverflow="overflow" vert="horz" wrap="none" lIns="0" tIns="0" rIns="0" bIns="0" numCol="1" spcCol="0" rtlCol="0" fromWordArt="0" anchor="ctr" anchorCtr="0" forceAA="0" compatLnSpc="1">
+            <a:normAutofit/>
+          </a:bodyPr>
+          <a:lstStyle/>
+          <a:p>
+            <a:pPr lvl="0" algn="ctr"/>
+            <a:r>
+              <a:rPr lang="en-US" altLang="zh-CN" sz="1400" dirty="0">
+                <a:solidFill>
+                  <a:schemeClr val="tx1"/>
+                </a:solidFill>
+                <a:sym typeface="+mn-ea"/>
+              </a:rPr>
+              <a:t>ticket office</a:t>
+            </a:r>
+          </a:p>
+        </p:txBody>
+      </p:sp>
+      <p:cxnSp>
+        <p:nvCxnSpPr>
+          <p:cNvPr id="32" name="肘形连接符 33"/>
+          <p:cNvCxnSpPr>
+            <a:cxnSpLocks/>
+            <a:stCxn id="107" idx="2"/>
+            <a:endCxn id="31" idx="0"/>
+          </p:cNvCxnSpPr>
+          <p:nvPr/>
+        </p:nvCxnSpPr>
+        <p:spPr>
+          <a:xfrm rot="16200000" flipH="1">
+            <a:off x="8666446" y="-1388181"/>
+            <a:ext cx="531011" cy="4522553"/>
+          </a:xfrm>
+          <a:prstGeom prst="bentConnector3">
+            <a:avLst>
+              <a:gd name="adj1" fmla="val 41390"/>
+            </a:avLst>
+          </a:prstGeom>
+          <a:ln w="19050">
+            <a:solidFill>
+              <a:schemeClr val="tx1"/>
+            </a:solidFill>
+            <a:tailEnd type="arrow"/>
+          </a:ln>
+        </p:spPr>
+        <p:style>
+          <a:lnRef idx="1">
+            <a:schemeClr val="accent1"/>
+          </a:lnRef>
+          <a:fillRef idx="0">
+            <a:schemeClr val="accent1"/>
+          </a:fillRef>
+          <a:effectRef idx="0">
+            <a:schemeClr val="accent1"/>
+          </a:effectRef>
+          <a:fontRef idx="minor">
+            <a:schemeClr val="tx1"/>
+          </a:fontRef>
+        </p:style>
+      </p:cxnSp>
+      <p:sp>
+        <p:nvSpPr>
+          <p:cNvPr id="33" name="流程图: 准备 19"/>
+          <p:cNvSpPr/>
+          <p:nvPr/>
+        </p:nvSpPr>
+        <p:spPr>
+          <a:xfrm>
+            <a:off x="10643870" y="2255820"/>
+            <a:ext cx="1053465" cy="513080"/>
+          </a:xfrm>
+          <a:prstGeom prst="flowChartPreparation">
+            <a:avLst/>
+          </a:prstGeom>
+          <a:solidFill>
+            <a:schemeClr val="bg1"/>
+          </a:solidFill>
+          <a:ln w="28575">
+            <a:solidFill>
+              <a:schemeClr val="tx1"/>
+            </a:solidFill>
+          </a:ln>
+          <a:effectLst>
+            <a:glow>
+              <a:schemeClr val="accent1">
+                <a:alpha val="40000"/>
+              </a:schemeClr>
+            </a:glow>
+          </a:effectLst>
+        </p:spPr>
+        <p:style>
+          <a:lnRef idx="1">
+            <a:schemeClr val="accent6"/>
+          </a:lnRef>
+          <a:fillRef idx="3">
+            <a:schemeClr val="accent6"/>
+          </a:fillRef>
+          <a:effectRef idx="2">
+            <a:schemeClr val="accent6"/>
+          </a:effectRef>
+          <a:fontRef idx="minor">
+            <a:schemeClr val="lt1"/>
+          </a:fontRef>
+        </p:style>
+        <p:txBody>
+          <a:bodyPr vertOverflow="overflow" horzOverflow="overflow" vert="horz" wrap="none" lIns="0" tIns="0" rIns="0" bIns="0" numCol="1" spcCol="0" rtlCol="0" fromWordArt="0" anchor="ctr" anchorCtr="0" forceAA="0" compatLnSpc="1">
+            <a:normAutofit/>
+          </a:bodyPr>
+          <a:lstStyle/>
+          <a:p>
+            <a:pPr lvl="0" algn="ctr"/>
+            <a:r>
+              <a:rPr lang="en-US" altLang="zh-CN" sz="1400" dirty="0">
+                <a:solidFill>
+                  <a:schemeClr val="tx1"/>
+                </a:solidFill>
+                <a:sym typeface="+mn-ea"/>
+              </a:rPr>
+              <a:t>consign</a:t>
+            </a:r>
+          </a:p>
+        </p:txBody>
+      </p:sp>
+      <p:sp>
+        <p:nvSpPr>
+          <p:cNvPr id="37" name="流程图: 准备 19"/>
+          <p:cNvSpPr/>
+          <p:nvPr/>
+        </p:nvSpPr>
+        <p:spPr>
+          <a:xfrm>
+            <a:off x="10576559" y="3334316"/>
+            <a:ext cx="1188085" cy="513080"/>
+          </a:xfrm>
+          <a:prstGeom prst="flowChartPreparation">
+            <a:avLst/>
+          </a:prstGeom>
+          <a:solidFill>
+            <a:schemeClr val="bg1"/>
+          </a:solidFill>
+          <a:ln w="28575">
+            <a:solidFill>
+              <a:schemeClr val="tx1"/>
+            </a:solidFill>
+          </a:ln>
+          <a:effectLst>
+            <a:glow>
+              <a:schemeClr val="accent1">
+                <a:alpha val="40000"/>
+              </a:schemeClr>
+            </a:glow>
+          </a:effectLst>
+        </p:spPr>
+        <p:style>
+          <a:lnRef idx="1">
+            <a:schemeClr val="accent6"/>
+          </a:lnRef>
+          <a:fillRef idx="3">
+            <a:schemeClr val="accent6"/>
+          </a:fillRef>
+          <a:effectRef idx="2">
+            <a:schemeClr val="accent6"/>
+          </a:effectRef>
+          <a:fontRef idx="minor">
+            <a:schemeClr val="lt1"/>
+          </a:fontRef>
+        </p:style>
+        <p:txBody>
+          <a:bodyPr vertOverflow="overflow" horzOverflow="overflow" vert="horz" wrap="none" lIns="0" tIns="0" rIns="0" bIns="0" numCol="1" spcCol="0" rtlCol="0" fromWordArt="0" anchor="ctr" anchorCtr="0" forceAA="0" compatLnSpc="1">
+            <a:normAutofit/>
+          </a:bodyPr>
+          <a:lstStyle/>
+          <a:p>
+            <a:pPr lvl="0" algn="ctr"/>
+            <a:r>
+              <a:rPr lang="en-US" altLang="zh-CN" sz="1400" dirty="0">
+                <a:solidFill>
+                  <a:schemeClr val="tx1"/>
+                </a:solidFill>
+                <a:sym typeface="+mn-ea"/>
+              </a:rPr>
+              <a:t>consign price</a:t>
+            </a:r>
+          </a:p>
+        </p:txBody>
+      </p:sp>
+      <p:cxnSp>
+        <p:nvCxnSpPr>
+          <p:cNvPr id="39" name="Straight Arrow Connector 78"/>
+          <p:cNvCxnSpPr>
+            <a:stCxn id="33" idx="2"/>
+            <a:endCxn id="37" idx="0"/>
+          </p:cNvCxnSpPr>
+          <p:nvPr/>
+        </p:nvCxnSpPr>
+        <p:spPr>
+          <a:xfrm flipH="1">
+            <a:off x="11170602" y="2768900"/>
+            <a:ext cx="1" cy="565416"/>
           </a:xfrm>
           <a:prstGeom prst="straightConnector1">
             <a:avLst/>
           </a:prstGeom>
           <a:ln>
-            <a:tailEnd type="triangle"/>
+            <a:tailEnd type="arrow" w="lg" len="lg"/>
+          </a:ln>
+        </p:spPr>
+        <p:style>
+          <a:lnRef idx="1">
+            <a:schemeClr val="accent1"/>
+          </a:lnRef>
+          <a:fillRef idx="0">
+            <a:schemeClr val="accent1"/>
+          </a:fillRef>
+          <a:effectRef idx="0">
+            <a:schemeClr val="accent1"/>
+          </a:effectRef>
+          <a:fontRef idx="minor">
+            <a:schemeClr val="tx1"/>
+          </a:fontRef>
+        </p:style>
+      </p:cxnSp>
+      <p:sp>
+        <p:nvSpPr>
+          <p:cNvPr id="42" name="流程图: 准备 19"/>
+          <p:cNvSpPr/>
+          <p:nvPr/>
+        </p:nvSpPr>
+        <p:spPr>
+          <a:xfrm>
+            <a:off x="4194492" y="3503448"/>
+            <a:ext cx="1053465" cy="513080"/>
+          </a:xfrm>
+          <a:prstGeom prst="flowChartPreparation">
+            <a:avLst/>
+          </a:prstGeom>
+          <a:solidFill>
+            <a:schemeClr val="bg1"/>
+          </a:solidFill>
+          <a:ln w="28575">
+            <a:solidFill>
+              <a:schemeClr val="tx1"/>
+            </a:solidFill>
+          </a:ln>
+          <a:effectLst>
+            <a:glow>
+              <a:schemeClr val="accent1">
+                <a:alpha val="40000"/>
+              </a:schemeClr>
+            </a:glow>
+          </a:effectLst>
+        </p:spPr>
+        <p:style>
+          <a:lnRef idx="1">
+            <a:schemeClr val="accent6"/>
+          </a:lnRef>
+          <a:fillRef idx="3">
+            <a:schemeClr val="accent6"/>
+          </a:fillRef>
+          <a:effectRef idx="2">
+            <a:schemeClr val="accent6"/>
+          </a:effectRef>
+          <a:fontRef idx="minor">
+            <a:schemeClr val="lt1"/>
+          </a:fontRef>
+        </p:style>
+        <p:txBody>
+          <a:bodyPr vertOverflow="overflow" horzOverflow="overflow" vert="horz" wrap="none" lIns="0" tIns="0" rIns="0" bIns="0" numCol="1" spcCol="0" rtlCol="0" fromWordArt="0" anchor="ctr" anchorCtr="0" forceAA="0" compatLnSpc="1">
+            <a:normAutofit/>
+          </a:bodyPr>
+          <a:lstStyle/>
+          <a:p>
+            <a:pPr lvl="0" algn="ctr"/>
+            <a:r>
+              <a:rPr lang="en-US" altLang="zh-CN" sz="1400" dirty="0">
+                <a:solidFill>
+                  <a:schemeClr val="tx1"/>
+                </a:solidFill>
+                <a:sym typeface="+mn-ea"/>
+              </a:rPr>
+              <a:t>voucher</a:t>
+            </a:r>
+          </a:p>
+        </p:txBody>
+      </p:sp>
+      <p:sp>
+        <p:nvSpPr>
+          <p:cNvPr id="73" name="流程图: 准备 19"/>
+          <p:cNvSpPr/>
+          <p:nvPr/>
+        </p:nvSpPr>
+        <p:spPr>
+          <a:xfrm>
+            <a:off x="2140504" y="5247014"/>
+            <a:ext cx="1061083" cy="484319"/>
+          </a:xfrm>
+          <a:prstGeom prst="flowChartPreparation">
+            <a:avLst/>
+          </a:prstGeom>
+          <a:solidFill>
+            <a:schemeClr val="bg1"/>
+          </a:solidFill>
+          <a:ln w="28575">
+            <a:solidFill>
+              <a:schemeClr val="tx1"/>
+            </a:solidFill>
+          </a:ln>
+          <a:effectLst>
+            <a:glow>
+              <a:schemeClr val="accent1">
+                <a:alpha val="40000"/>
+              </a:schemeClr>
+            </a:glow>
+          </a:effectLst>
+        </p:spPr>
+        <p:style>
+          <a:lnRef idx="1">
+            <a:schemeClr val="accent6"/>
+          </a:lnRef>
+          <a:fillRef idx="3">
+            <a:schemeClr val="accent6"/>
+          </a:fillRef>
+          <a:effectRef idx="2">
+            <a:schemeClr val="accent6"/>
+          </a:effectRef>
+          <a:fontRef idx="minor">
+            <a:schemeClr val="lt1"/>
+          </a:fontRef>
+        </p:style>
+        <p:txBody>
+          <a:bodyPr vertOverflow="overflow" horzOverflow="overflow" vert="horz" wrap="none" lIns="0" tIns="0" rIns="0" bIns="0" numCol="1" spcCol="0" rtlCol="0" fromWordArt="0" anchor="ctr" anchorCtr="0" forceAA="0" compatLnSpc="1">
+            <a:normAutofit/>
+          </a:bodyPr>
+          <a:lstStyle/>
+          <a:p>
+            <a:pPr lvl="0" algn="ctr"/>
+            <a:r>
+              <a:rPr lang="en-US" altLang="zh-CN" sz="1400">
+                <a:ln w="0"/>
+                <a:solidFill>
+                  <a:schemeClr val="tx1"/>
+                </a:solidFill>
+                <a:effectLst>
+                  <a:outerShdw blurRad="38100" dist="19050" dir="2700000" algn="tl" rotWithShape="0">
+                    <a:schemeClr val="dk1">
+                      <a:alpha val="40000"/>
+                    </a:schemeClr>
+                  </a:outerShdw>
+                </a:effectLst>
+                <a:sym typeface="+mn-ea"/>
+              </a:rPr>
+              <a:t>Food map</a:t>
+            </a:r>
+            <a:endParaRPr lang="en-US" altLang="zh-CN" sz="1400" dirty="0">
+              <a:ln w="0"/>
+              <a:solidFill>
+                <a:schemeClr val="tx1"/>
+              </a:solidFill>
+              <a:effectLst>
+                <a:outerShdw blurRad="38100" dist="19050" dir="2700000" algn="tl" rotWithShape="0">
+                  <a:schemeClr val="dk1">
+                    <a:alpha val="40000"/>
+                  </a:schemeClr>
+                </a:outerShdw>
+              </a:effectLst>
+              <a:sym typeface="+mn-ea"/>
+            </a:endParaRPr>
+          </a:p>
+        </p:txBody>
+      </p:sp>
+      <p:sp>
+        <p:nvSpPr>
+          <p:cNvPr id="107" name="圆角矩形 30">
+            <a:extLst>
+              <a:ext uri="{FF2B5EF4-FFF2-40B4-BE49-F238E27FC236}">
+                <a16:creationId xmlns:a16="http://schemas.microsoft.com/office/drawing/2014/main" id="{A57A3402-232E-F14A-8ACC-B1997212D93C}"/>
+              </a:ext>
+            </a:extLst>
+          </p:cNvPr>
+          <p:cNvSpPr/>
+          <p:nvPr/>
+        </p:nvSpPr>
+        <p:spPr>
+          <a:xfrm>
+            <a:off x="1644015" y="139491"/>
+            <a:ext cx="10053320" cy="468100"/>
+          </a:xfrm>
+          <a:prstGeom prst="roundRect">
+            <a:avLst/>
+          </a:prstGeom>
+          <a:solidFill>
+            <a:schemeClr val="bg1"/>
+          </a:solidFill>
+          <a:ln w="57150">
+            <a:solidFill>
+              <a:schemeClr val="tx1"/>
+            </a:solidFill>
+          </a:ln>
+        </p:spPr>
+        <p:style>
+          <a:lnRef idx="2">
+            <a:schemeClr val="accent1">
+              <a:shade val="50000"/>
+            </a:schemeClr>
+          </a:lnRef>
+          <a:fillRef idx="1">
+            <a:schemeClr val="accent1"/>
+          </a:fillRef>
+          <a:effectRef idx="0">
+            <a:schemeClr val="accent1"/>
+          </a:effectRef>
+          <a:fontRef idx="minor">
+            <a:schemeClr val="lt1"/>
+          </a:fontRef>
+        </p:style>
+        <p:txBody>
+          <a:bodyPr rtlCol="0" anchor="ctr"/>
+          <a:lstStyle/>
+          <a:p>
+            <a:pPr algn="ctr"/>
+            <a:r>
+              <a:rPr lang="en-US" altLang="zh-CN" sz="2800" dirty="0">
+                <a:solidFill>
+                  <a:schemeClr val="tx1"/>
+                </a:solidFill>
+              </a:rPr>
+              <a:t>Gateway</a:t>
+            </a:r>
+          </a:p>
+        </p:txBody>
+      </p:sp>
+      <p:cxnSp>
+        <p:nvCxnSpPr>
+          <p:cNvPr id="112" name="肘形连接符 86">
+            <a:extLst>
+              <a:ext uri="{FF2B5EF4-FFF2-40B4-BE49-F238E27FC236}">
+                <a16:creationId xmlns:a16="http://schemas.microsoft.com/office/drawing/2014/main" id="{E7D08996-3072-EB46-8834-857D320F3963}"/>
+              </a:ext>
+            </a:extLst>
+          </p:cNvPr>
+          <p:cNvCxnSpPr>
+            <a:cxnSpLocks/>
+            <a:stCxn id="21" idx="2"/>
+            <a:endCxn id="42" idx="0"/>
+          </p:cNvCxnSpPr>
+          <p:nvPr/>
+        </p:nvCxnSpPr>
+        <p:spPr>
+          <a:xfrm rot="5400000">
+            <a:off x="4406355" y="3188491"/>
+            <a:ext cx="629827" cy="86"/>
+          </a:xfrm>
+          <a:prstGeom prst="bentConnector3">
+            <a:avLst>
+              <a:gd name="adj1" fmla="val 50000"/>
+            </a:avLst>
+          </a:prstGeom>
+          <a:ln w="19050">
+            <a:solidFill>
+              <a:schemeClr val="tx1"/>
+            </a:solidFill>
+            <a:tailEnd type="arrow"/>
+          </a:ln>
+        </p:spPr>
+        <p:style>
+          <a:lnRef idx="1">
+            <a:schemeClr val="accent1"/>
+          </a:lnRef>
+          <a:fillRef idx="0">
+            <a:schemeClr val="accent1"/>
+          </a:fillRef>
+          <a:effectRef idx="0">
+            <a:schemeClr val="accent1"/>
+          </a:effectRef>
+          <a:fontRef idx="minor">
+            <a:schemeClr val="tx1"/>
+          </a:fontRef>
+        </p:style>
+      </p:cxnSp>
+      <p:cxnSp>
+        <p:nvCxnSpPr>
+          <p:cNvPr id="120" name="肘形连接符 86">
+            <a:extLst>
+              <a:ext uri="{FF2B5EF4-FFF2-40B4-BE49-F238E27FC236}">
+                <a16:creationId xmlns:a16="http://schemas.microsoft.com/office/drawing/2014/main" id="{0C87C4CB-AE9B-1A4B-A1C1-EC99E767E64E}"/>
+              </a:ext>
+            </a:extLst>
+          </p:cNvPr>
+          <p:cNvCxnSpPr>
+            <a:cxnSpLocks/>
+            <a:stCxn id="88" idx="2"/>
+            <a:endCxn id="18" idx="0"/>
+          </p:cNvCxnSpPr>
+          <p:nvPr/>
+        </p:nvCxnSpPr>
+        <p:spPr>
+          <a:xfrm rot="16200000" flipH="1">
+            <a:off x="5858780" y="471095"/>
+            <a:ext cx="395963" cy="2983779"/>
+          </a:xfrm>
+          <a:prstGeom prst="bentConnector3">
+            <a:avLst>
+              <a:gd name="adj1" fmla="val 50000"/>
+            </a:avLst>
+          </a:prstGeom>
+          <a:ln w="19050">
+            <a:solidFill>
+              <a:schemeClr val="tx1"/>
+            </a:solidFill>
+            <a:tailEnd type="arrow"/>
+          </a:ln>
+        </p:spPr>
+        <p:style>
+          <a:lnRef idx="1">
+            <a:schemeClr val="accent1"/>
+          </a:lnRef>
+          <a:fillRef idx="0">
+            <a:schemeClr val="accent1"/>
+          </a:fillRef>
+          <a:effectRef idx="0">
+            <a:schemeClr val="accent1"/>
+          </a:effectRef>
+          <a:fontRef idx="minor">
+            <a:schemeClr val="tx1"/>
+          </a:fontRef>
+        </p:style>
+      </p:cxnSp>
+      <p:cxnSp>
+        <p:nvCxnSpPr>
+          <p:cNvPr id="125" name="肘形连接符 86">
+            <a:extLst>
+              <a:ext uri="{FF2B5EF4-FFF2-40B4-BE49-F238E27FC236}">
+                <a16:creationId xmlns:a16="http://schemas.microsoft.com/office/drawing/2014/main" id="{CB00CFE7-D58A-5A43-8F38-8958E8C242B9}"/>
+              </a:ext>
+            </a:extLst>
+          </p:cNvPr>
+          <p:cNvCxnSpPr>
+            <a:cxnSpLocks/>
+            <a:stCxn id="88" idx="2"/>
+            <a:endCxn id="28" idx="0"/>
+          </p:cNvCxnSpPr>
+          <p:nvPr/>
+        </p:nvCxnSpPr>
+        <p:spPr>
+          <a:xfrm rot="16200000" flipH="1">
+            <a:off x="6329409" y="466"/>
+            <a:ext cx="409347" cy="3938421"/>
+          </a:xfrm>
+          <a:prstGeom prst="bentConnector3">
+            <a:avLst>
+              <a:gd name="adj1" fmla="val 50000"/>
+            </a:avLst>
+          </a:prstGeom>
+          <a:ln w="19050">
+            <a:solidFill>
+              <a:schemeClr val="tx1"/>
+            </a:solidFill>
+            <a:tailEnd type="arrow"/>
+          </a:ln>
+        </p:spPr>
+        <p:style>
+          <a:lnRef idx="1">
+            <a:schemeClr val="accent1"/>
+          </a:lnRef>
+          <a:fillRef idx="0">
+            <a:schemeClr val="accent1"/>
+          </a:fillRef>
+          <a:effectRef idx="0">
+            <a:schemeClr val="accent1"/>
+          </a:effectRef>
+          <a:fontRef idx="minor">
+            <a:schemeClr val="tx1"/>
+          </a:fontRef>
+        </p:style>
+      </p:cxnSp>
+      <p:cxnSp>
+        <p:nvCxnSpPr>
+          <p:cNvPr id="133" name="肘形连接符 86">
+            <a:extLst>
+              <a:ext uri="{FF2B5EF4-FFF2-40B4-BE49-F238E27FC236}">
+                <a16:creationId xmlns:a16="http://schemas.microsoft.com/office/drawing/2014/main" id="{B1055A17-83DC-614B-A851-157F1D314659}"/>
+              </a:ext>
+            </a:extLst>
+          </p:cNvPr>
+          <p:cNvCxnSpPr>
+            <a:cxnSpLocks/>
+            <a:stCxn id="77" idx="2"/>
+            <a:endCxn id="18" idx="0"/>
+          </p:cNvCxnSpPr>
+          <p:nvPr/>
+        </p:nvCxnSpPr>
+        <p:spPr>
+          <a:xfrm rot="16200000" flipH="1">
+            <a:off x="4869253" y="-518431"/>
+            <a:ext cx="443304" cy="4915492"/>
+          </a:xfrm>
+          <a:prstGeom prst="bentConnector3">
+            <a:avLst>
+              <a:gd name="adj1" fmla="val 58595"/>
+            </a:avLst>
+          </a:prstGeom>
+          <a:ln w="19050">
+            <a:solidFill>
+              <a:schemeClr val="tx1"/>
+            </a:solidFill>
+            <a:tailEnd type="arrow"/>
+          </a:ln>
+        </p:spPr>
+        <p:style>
+          <a:lnRef idx="1">
+            <a:schemeClr val="accent1"/>
+          </a:lnRef>
+          <a:fillRef idx="0">
+            <a:schemeClr val="accent1"/>
+          </a:fillRef>
+          <a:effectRef idx="0">
+            <a:schemeClr val="accent1"/>
+          </a:effectRef>
+          <a:fontRef idx="minor">
+            <a:schemeClr val="tx1"/>
+          </a:fontRef>
+        </p:style>
+      </p:cxnSp>
+      <p:cxnSp>
+        <p:nvCxnSpPr>
+          <p:cNvPr id="144" name="肘形连接符 86">
+            <a:extLst>
+              <a:ext uri="{FF2B5EF4-FFF2-40B4-BE49-F238E27FC236}">
+                <a16:creationId xmlns:a16="http://schemas.microsoft.com/office/drawing/2014/main" id="{FDD23C14-79A1-2343-AB10-A7878C4FB29D}"/>
+              </a:ext>
+            </a:extLst>
+          </p:cNvPr>
+          <p:cNvCxnSpPr>
+            <a:cxnSpLocks/>
+            <a:stCxn id="77" idx="2"/>
+            <a:endCxn id="30" idx="0"/>
+          </p:cNvCxnSpPr>
+          <p:nvPr/>
+        </p:nvCxnSpPr>
+        <p:spPr>
+          <a:xfrm rot="16200000" flipH="1">
+            <a:off x="2475949" y="1874872"/>
+            <a:ext cx="532443" cy="218023"/>
+          </a:xfrm>
+          <a:prstGeom prst="bentConnector3">
+            <a:avLst>
+              <a:gd name="adj1" fmla="val 50000"/>
+            </a:avLst>
+          </a:prstGeom>
+          <a:ln w="19050">
+            <a:solidFill>
+              <a:schemeClr val="tx1"/>
+            </a:solidFill>
+            <a:tailEnd type="arrow"/>
+          </a:ln>
+        </p:spPr>
+        <p:style>
+          <a:lnRef idx="1">
+            <a:schemeClr val="accent1"/>
+          </a:lnRef>
+          <a:fillRef idx="0">
+            <a:schemeClr val="accent1"/>
+          </a:fillRef>
+          <a:effectRef idx="0">
+            <a:schemeClr val="accent1"/>
+          </a:effectRef>
+          <a:fontRef idx="minor">
+            <a:schemeClr val="tx1"/>
+          </a:fontRef>
+        </p:style>
+      </p:cxnSp>
+      <p:cxnSp>
+        <p:nvCxnSpPr>
+          <p:cNvPr id="159" name="肘形连接符 86">
+            <a:extLst>
+              <a:ext uri="{FF2B5EF4-FFF2-40B4-BE49-F238E27FC236}">
+                <a16:creationId xmlns:a16="http://schemas.microsoft.com/office/drawing/2014/main" id="{ACD9E4EE-9005-8E43-B2E7-A03DAD2B085F}"/>
+              </a:ext>
+            </a:extLst>
+          </p:cNvPr>
+          <p:cNvCxnSpPr>
+            <a:cxnSpLocks/>
+            <a:stCxn id="63" idx="2"/>
+            <a:endCxn id="18" idx="0"/>
+          </p:cNvCxnSpPr>
+          <p:nvPr/>
+        </p:nvCxnSpPr>
+        <p:spPr>
+          <a:xfrm rot="5400000">
+            <a:off x="8466009" y="651115"/>
+            <a:ext cx="592495" cy="2427209"/>
+          </a:xfrm>
+          <a:prstGeom prst="bentConnector3">
+            <a:avLst>
+              <a:gd name="adj1" fmla="val 66719"/>
+            </a:avLst>
+          </a:prstGeom>
+          <a:ln w="19050">
+            <a:solidFill>
+              <a:schemeClr val="tx1"/>
+            </a:solidFill>
+            <a:tailEnd type="arrow"/>
+          </a:ln>
+        </p:spPr>
+        <p:style>
+          <a:lnRef idx="1">
+            <a:schemeClr val="accent1"/>
+          </a:lnRef>
+          <a:fillRef idx="0">
+            <a:schemeClr val="accent1"/>
+          </a:fillRef>
+          <a:effectRef idx="0">
+            <a:schemeClr val="accent1"/>
+          </a:effectRef>
+          <a:fontRef idx="minor">
+            <a:schemeClr val="tx1"/>
+          </a:fontRef>
+        </p:style>
+      </p:cxnSp>
+      <p:cxnSp>
+        <p:nvCxnSpPr>
+          <p:cNvPr id="164" name="肘形连接符 86">
+            <a:extLst>
+              <a:ext uri="{FF2B5EF4-FFF2-40B4-BE49-F238E27FC236}">
+                <a16:creationId xmlns:a16="http://schemas.microsoft.com/office/drawing/2014/main" id="{869346F0-A2B0-8447-953A-78A16737DA04}"/>
+              </a:ext>
+            </a:extLst>
+          </p:cNvPr>
+          <p:cNvCxnSpPr>
+            <a:cxnSpLocks/>
+            <a:stCxn id="18" idx="2"/>
+            <a:endCxn id="111" idx="0"/>
+          </p:cNvCxnSpPr>
+          <p:nvPr/>
+        </p:nvCxnSpPr>
+        <p:spPr>
+          <a:xfrm rot="5400000">
+            <a:off x="4696177" y="753755"/>
+            <a:ext cx="757136" cy="4947813"/>
+          </a:xfrm>
+          <a:prstGeom prst="bentConnector3">
+            <a:avLst>
+              <a:gd name="adj1" fmla="val 30878"/>
+            </a:avLst>
+          </a:prstGeom>
+          <a:ln w="19050">
+            <a:solidFill>
+              <a:schemeClr val="tx1"/>
+            </a:solidFill>
+            <a:tailEnd type="arrow"/>
+          </a:ln>
+        </p:spPr>
+        <p:style>
+          <a:lnRef idx="1">
+            <a:schemeClr val="accent1"/>
+          </a:lnRef>
+          <a:fillRef idx="0">
+            <a:schemeClr val="accent1"/>
+          </a:fillRef>
+          <a:effectRef idx="0">
+            <a:schemeClr val="accent1"/>
+          </a:effectRef>
+          <a:fontRef idx="minor">
+            <a:schemeClr val="tx1"/>
+          </a:fontRef>
+        </p:style>
+      </p:cxnSp>
+      <p:cxnSp>
+        <p:nvCxnSpPr>
+          <p:cNvPr id="168" name="肘形连接符 86">
+            <a:extLst>
+              <a:ext uri="{FF2B5EF4-FFF2-40B4-BE49-F238E27FC236}">
+                <a16:creationId xmlns:a16="http://schemas.microsoft.com/office/drawing/2014/main" id="{2456DF42-B219-7446-9211-58CCF7D906F9}"/>
+              </a:ext>
+            </a:extLst>
+          </p:cNvPr>
+          <p:cNvCxnSpPr>
+            <a:cxnSpLocks/>
+            <a:stCxn id="18" idx="2"/>
+            <a:endCxn id="116" idx="0"/>
+          </p:cNvCxnSpPr>
+          <p:nvPr/>
+        </p:nvCxnSpPr>
+        <p:spPr>
+          <a:xfrm rot="5400000">
+            <a:off x="5220574" y="1239246"/>
+            <a:ext cx="718230" cy="3937925"/>
+          </a:xfrm>
+          <a:prstGeom prst="bentConnector3">
+            <a:avLst>
+              <a:gd name="adj1" fmla="val 33025"/>
+            </a:avLst>
+          </a:prstGeom>
+          <a:ln w="19050">
+            <a:solidFill>
+              <a:schemeClr val="tx1"/>
+            </a:solidFill>
+            <a:tailEnd type="arrow"/>
+          </a:ln>
+        </p:spPr>
+        <p:style>
+          <a:lnRef idx="1">
+            <a:schemeClr val="accent1"/>
+          </a:lnRef>
+          <a:fillRef idx="0">
+            <a:schemeClr val="accent1"/>
+          </a:fillRef>
+          <a:effectRef idx="0">
+            <a:schemeClr val="accent1"/>
+          </a:effectRef>
+          <a:fontRef idx="minor">
+            <a:schemeClr val="tx1"/>
+          </a:fontRef>
+        </p:style>
+      </p:cxnSp>
+      <p:sp>
+        <p:nvSpPr>
+          <p:cNvPr id="172" name="圆角矩形 31">
+            <a:extLst>
+              <a:ext uri="{FF2B5EF4-FFF2-40B4-BE49-F238E27FC236}">
+                <a16:creationId xmlns:a16="http://schemas.microsoft.com/office/drawing/2014/main" id="{348F28B8-646D-5448-B8C6-E36EF231818D}"/>
+              </a:ext>
+            </a:extLst>
+          </p:cNvPr>
+          <p:cNvSpPr/>
+          <p:nvPr/>
+        </p:nvSpPr>
+        <p:spPr>
+          <a:xfrm>
+            <a:off x="77471" y="605155"/>
+            <a:ext cx="1382178" cy="5052343"/>
+          </a:xfrm>
+          <a:prstGeom prst="roundRect">
+            <a:avLst/>
+          </a:prstGeom>
+          <a:solidFill>
+            <a:schemeClr val="bg1"/>
+          </a:solidFill>
+          <a:ln w="57150">
+            <a:solidFill>
+              <a:schemeClr val="tx1"/>
+            </a:solidFill>
+          </a:ln>
+        </p:spPr>
+        <p:style>
+          <a:lnRef idx="2">
+            <a:schemeClr val="accent1">
+              <a:shade val="50000"/>
+            </a:schemeClr>
+          </a:lnRef>
+          <a:fillRef idx="1">
+            <a:schemeClr val="accent1"/>
+          </a:fillRef>
+          <a:effectRef idx="0">
+            <a:schemeClr val="accent1"/>
+          </a:effectRef>
+          <a:fontRef idx="minor">
+            <a:schemeClr val="lt1"/>
+          </a:fontRef>
+        </p:style>
+        <p:txBody>
+          <a:bodyPr wrap="none" rtlCol="0" anchor="ctr"/>
+          <a:lstStyle/>
+          <a:p>
+            <a:pPr algn="ctr"/>
+            <a:r>
+              <a:rPr lang="en-US" altLang="zh-CN" sz="2400" dirty="0">
+                <a:solidFill>
+                  <a:schemeClr val="tx1"/>
+                </a:solidFill>
+              </a:rPr>
+              <a:t>Service</a:t>
+            </a:r>
+          </a:p>
+          <a:p>
+            <a:pPr algn="ctr"/>
+            <a:r>
+              <a:rPr lang="en-US" altLang="zh-CN" sz="2400" dirty="0">
+                <a:solidFill>
+                  <a:schemeClr val="tx1"/>
+                </a:solidFill>
+              </a:rPr>
+              <a:t>Discovery</a:t>
+            </a:r>
+          </a:p>
+          <a:p>
+            <a:pPr algn="ctr"/>
+            <a:endParaRPr lang="en-US" altLang="zh-CN" sz="2400" dirty="0">
+              <a:solidFill>
+                <a:schemeClr val="tx1"/>
+              </a:solidFill>
+            </a:endParaRPr>
+          </a:p>
+          <a:p>
+            <a:pPr algn="ctr"/>
+            <a:endParaRPr lang="en-US" altLang="zh-CN" sz="2400" dirty="0">
+              <a:solidFill>
+                <a:schemeClr val="tx1"/>
+              </a:solidFill>
+            </a:endParaRPr>
+          </a:p>
+          <a:p>
+            <a:pPr algn="ctr"/>
+            <a:endParaRPr lang="en-US" altLang="zh-CN" sz="2400" dirty="0">
+              <a:solidFill>
+                <a:schemeClr val="tx1"/>
+              </a:solidFill>
+            </a:endParaRPr>
+          </a:p>
+          <a:p>
+            <a:pPr algn="ctr"/>
+            <a:r>
+              <a:rPr lang="en-US" altLang="zh-CN" sz="2400" dirty="0">
+                <a:solidFill>
+                  <a:schemeClr val="tx1"/>
+                </a:solidFill>
+              </a:rPr>
+              <a:t>Service</a:t>
+            </a:r>
+          </a:p>
+          <a:p>
+            <a:pPr algn="ctr"/>
+            <a:r>
+              <a:rPr lang="en-US" altLang="zh-CN" sz="2400" dirty="0">
+                <a:solidFill>
+                  <a:schemeClr val="tx1"/>
+                </a:solidFill>
+              </a:rPr>
+              <a:t>Registry</a:t>
+            </a:r>
+          </a:p>
+          <a:p>
+            <a:pPr algn="ctr"/>
+            <a:endParaRPr lang="en-US" altLang="zh-CN" sz="2400" dirty="0">
+              <a:solidFill>
+                <a:schemeClr val="tx1"/>
+              </a:solidFill>
+            </a:endParaRPr>
+          </a:p>
+          <a:p>
+            <a:pPr algn="ctr"/>
+            <a:endParaRPr lang="en-US" altLang="zh-CN" sz="2400" dirty="0">
+              <a:solidFill>
+                <a:schemeClr val="tx1"/>
+              </a:solidFill>
+            </a:endParaRPr>
+          </a:p>
+          <a:p>
+            <a:pPr algn="ctr"/>
+            <a:endParaRPr lang="en-US" altLang="zh-CN" sz="2400" dirty="0">
+              <a:solidFill>
+                <a:schemeClr val="tx1"/>
+              </a:solidFill>
+            </a:endParaRPr>
+          </a:p>
+          <a:p>
+            <a:pPr algn="ctr"/>
+            <a:r>
+              <a:rPr lang="en-US" altLang="zh-CN" sz="2400" dirty="0">
+                <a:solidFill>
+                  <a:schemeClr val="tx1"/>
+                </a:solidFill>
+              </a:rPr>
+              <a:t>Load</a:t>
+            </a:r>
+          </a:p>
+          <a:p>
+            <a:pPr algn="ctr"/>
+            <a:r>
+              <a:rPr lang="en-US" altLang="zh-CN" sz="2400" dirty="0">
+                <a:solidFill>
+                  <a:schemeClr val="tx1"/>
+                </a:solidFill>
+              </a:rPr>
+              <a:t>Balance</a:t>
+            </a:r>
+          </a:p>
+        </p:txBody>
+      </p:sp>
+      <p:cxnSp>
+        <p:nvCxnSpPr>
+          <p:cNvPr id="174" name="肘形连接符 86">
+            <a:extLst>
+              <a:ext uri="{FF2B5EF4-FFF2-40B4-BE49-F238E27FC236}">
+                <a16:creationId xmlns:a16="http://schemas.microsoft.com/office/drawing/2014/main" id="{D9A98D5A-24EE-8D41-B5BE-40282D989EE6}"/>
+              </a:ext>
+            </a:extLst>
+          </p:cNvPr>
+          <p:cNvCxnSpPr>
+            <a:cxnSpLocks/>
+            <a:stCxn id="107" idx="2"/>
+            <a:endCxn id="77" idx="0"/>
+          </p:cNvCxnSpPr>
+          <p:nvPr/>
+        </p:nvCxnSpPr>
+        <p:spPr>
+          <a:xfrm rot="5400000">
+            <a:off x="4460260" y="-1219510"/>
+            <a:ext cx="383315" cy="4037516"/>
+          </a:xfrm>
+          <a:prstGeom prst="bentConnector3">
+            <a:avLst>
+              <a:gd name="adj1" fmla="val 57952"/>
+            </a:avLst>
+          </a:prstGeom>
+          <a:ln w="19050">
+            <a:solidFill>
+              <a:schemeClr val="tx1"/>
+            </a:solidFill>
+            <a:tailEnd type="arrow"/>
+          </a:ln>
+        </p:spPr>
+        <p:style>
+          <a:lnRef idx="1">
+            <a:schemeClr val="accent1"/>
+          </a:lnRef>
+          <a:fillRef idx="0">
+            <a:schemeClr val="accent1"/>
+          </a:fillRef>
+          <a:effectRef idx="0">
+            <a:schemeClr val="accent1"/>
+          </a:effectRef>
+          <a:fontRef idx="minor">
+            <a:schemeClr val="tx1"/>
+          </a:fontRef>
+        </p:style>
+      </p:cxnSp>
+      <p:cxnSp>
+        <p:nvCxnSpPr>
+          <p:cNvPr id="178" name="肘形连接符 86">
+            <a:extLst>
+              <a:ext uri="{FF2B5EF4-FFF2-40B4-BE49-F238E27FC236}">
+                <a16:creationId xmlns:a16="http://schemas.microsoft.com/office/drawing/2014/main" id="{CF87BA4F-0D7E-104A-B533-B499618B4D32}"/>
+              </a:ext>
+            </a:extLst>
+          </p:cNvPr>
+          <p:cNvCxnSpPr>
+            <a:cxnSpLocks/>
+            <a:stCxn id="107" idx="2"/>
+            <a:endCxn id="88" idx="0"/>
+          </p:cNvCxnSpPr>
+          <p:nvPr/>
+        </p:nvCxnSpPr>
+        <p:spPr>
+          <a:xfrm rot="5400000">
+            <a:off x="5428925" y="-256461"/>
+            <a:ext cx="377698" cy="2105803"/>
+          </a:xfrm>
+          <a:prstGeom prst="bentConnector3">
+            <a:avLst>
+              <a:gd name="adj1" fmla="val 58070"/>
+            </a:avLst>
+          </a:prstGeom>
+          <a:ln w="19050">
+            <a:solidFill>
+              <a:schemeClr val="tx1"/>
+            </a:solidFill>
+            <a:tailEnd type="arrow"/>
+          </a:ln>
+        </p:spPr>
+        <p:style>
+          <a:lnRef idx="1">
+            <a:schemeClr val="accent1"/>
+          </a:lnRef>
+          <a:fillRef idx="0">
+            <a:schemeClr val="accent1"/>
+          </a:fillRef>
+          <a:effectRef idx="0">
+            <a:schemeClr val="accent1"/>
+          </a:effectRef>
+          <a:fontRef idx="minor">
+            <a:schemeClr val="tx1"/>
+          </a:fontRef>
+        </p:style>
+      </p:cxnSp>
+      <p:cxnSp>
+        <p:nvCxnSpPr>
+          <p:cNvPr id="187" name="肘形连接符 86">
+            <a:extLst>
+              <a:ext uri="{FF2B5EF4-FFF2-40B4-BE49-F238E27FC236}">
+                <a16:creationId xmlns:a16="http://schemas.microsoft.com/office/drawing/2014/main" id="{00823B3E-3737-F64D-B543-01E3F419CB1E}"/>
+              </a:ext>
+            </a:extLst>
+          </p:cNvPr>
+          <p:cNvCxnSpPr>
+            <a:cxnSpLocks/>
+            <a:stCxn id="33" idx="2"/>
+            <a:endCxn id="26" idx="0"/>
+          </p:cNvCxnSpPr>
+          <p:nvPr/>
+        </p:nvCxnSpPr>
+        <p:spPr>
+          <a:xfrm rot="5400000">
+            <a:off x="10366574" y="2518715"/>
+            <a:ext cx="553844" cy="1054215"/>
+          </a:xfrm>
+          <a:prstGeom prst="bentConnector3">
+            <a:avLst>
+              <a:gd name="adj1" fmla="val 50000"/>
+            </a:avLst>
+          </a:prstGeom>
+          <a:ln w="19050">
+            <a:solidFill>
+              <a:schemeClr val="tx1"/>
+            </a:solidFill>
+            <a:tailEnd type="arrow"/>
+          </a:ln>
+        </p:spPr>
+        <p:style>
+          <a:lnRef idx="1">
+            <a:schemeClr val="accent1"/>
+          </a:lnRef>
+          <a:fillRef idx="0">
+            <a:schemeClr val="accent1"/>
+          </a:fillRef>
+          <a:effectRef idx="0">
+            <a:schemeClr val="accent1"/>
+          </a:effectRef>
+          <a:fontRef idx="minor">
+            <a:schemeClr val="tx1"/>
+          </a:fontRef>
+        </p:style>
+      </p:cxnSp>
+      <p:cxnSp>
+        <p:nvCxnSpPr>
+          <p:cNvPr id="190" name="肘形连接符 86">
+            <a:extLst>
+              <a:ext uri="{FF2B5EF4-FFF2-40B4-BE49-F238E27FC236}">
+                <a16:creationId xmlns:a16="http://schemas.microsoft.com/office/drawing/2014/main" id="{7980D320-63C4-D24F-BEAF-AA28BB9863AA}"/>
+              </a:ext>
+            </a:extLst>
+          </p:cNvPr>
+          <p:cNvCxnSpPr>
+            <a:cxnSpLocks/>
+            <a:stCxn id="33" idx="2"/>
+            <a:endCxn id="37" idx="0"/>
+          </p:cNvCxnSpPr>
+          <p:nvPr/>
+        </p:nvCxnSpPr>
+        <p:spPr>
+          <a:xfrm rot="5400000">
+            <a:off x="10887895" y="3051608"/>
+            <a:ext cx="565416" cy="1"/>
+          </a:xfrm>
+          <a:prstGeom prst="bentConnector3">
+            <a:avLst>
+              <a:gd name="adj1" fmla="val 50000"/>
+            </a:avLst>
+          </a:prstGeom>
+          <a:ln w="19050">
+            <a:solidFill>
+              <a:schemeClr val="tx1"/>
+            </a:solidFill>
+            <a:tailEnd type="arrow"/>
+          </a:ln>
+        </p:spPr>
+        <p:style>
+          <a:lnRef idx="1">
+            <a:schemeClr val="accent1"/>
+          </a:lnRef>
+          <a:fillRef idx="0">
+            <a:schemeClr val="accent1"/>
+          </a:fillRef>
+          <a:effectRef idx="0">
+            <a:schemeClr val="accent1"/>
+          </a:effectRef>
+          <a:fontRef idx="minor">
+            <a:schemeClr val="tx1"/>
+          </a:fontRef>
+        </p:style>
+      </p:cxnSp>
+      <p:cxnSp>
+        <p:nvCxnSpPr>
+          <p:cNvPr id="200" name="肘形连接符 86">
+            <a:extLst>
+              <a:ext uri="{FF2B5EF4-FFF2-40B4-BE49-F238E27FC236}">
+                <a16:creationId xmlns:a16="http://schemas.microsoft.com/office/drawing/2014/main" id="{FB299AAD-39E2-4A4F-BB47-0C1500CBC11C}"/>
+              </a:ext>
+            </a:extLst>
+          </p:cNvPr>
+          <p:cNvCxnSpPr>
+            <a:cxnSpLocks/>
+            <a:stCxn id="26" idx="2"/>
+            <a:endCxn id="123" idx="0"/>
+          </p:cNvCxnSpPr>
+          <p:nvPr/>
+        </p:nvCxnSpPr>
+        <p:spPr>
+          <a:xfrm rot="16200000" flipH="1">
+            <a:off x="10422133" y="3558175"/>
+            <a:ext cx="465349" cy="1076839"/>
+          </a:xfrm>
+          <a:prstGeom prst="bentConnector3">
+            <a:avLst>
+              <a:gd name="adj1" fmla="val 50000"/>
+            </a:avLst>
+          </a:prstGeom>
+          <a:ln w="19050">
+            <a:solidFill>
+              <a:schemeClr val="tx1"/>
+            </a:solidFill>
+            <a:tailEnd type="arrow"/>
+          </a:ln>
+        </p:spPr>
+        <p:style>
+          <a:lnRef idx="1">
+            <a:schemeClr val="accent1"/>
+          </a:lnRef>
+          <a:fillRef idx="0">
+            <a:schemeClr val="accent1"/>
+          </a:fillRef>
+          <a:effectRef idx="0">
+            <a:schemeClr val="accent1"/>
+          </a:effectRef>
+          <a:fontRef idx="minor">
+            <a:schemeClr val="tx1"/>
+          </a:fontRef>
+        </p:style>
+      </p:cxnSp>
+      <p:cxnSp>
+        <p:nvCxnSpPr>
+          <p:cNvPr id="212" name="肘形连接符 86">
+            <a:extLst>
+              <a:ext uri="{FF2B5EF4-FFF2-40B4-BE49-F238E27FC236}">
+                <a16:creationId xmlns:a16="http://schemas.microsoft.com/office/drawing/2014/main" id="{1E572848-89AA-3D4F-8C61-3DB1D5D7D2E3}"/>
+              </a:ext>
+            </a:extLst>
+          </p:cNvPr>
+          <p:cNvCxnSpPr>
+            <a:cxnSpLocks/>
+            <a:stCxn id="89" idx="2"/>
+            <a:endCxn id="10" idx="0"/>
+          </p:cNvCxnSpPr>
+          <p:nvPr/>
+        </p:nvCxnSpPr>
+        <p:spPr>
+          <a:xfrm rot="16200000" flipH="1">
+            <a:off x="3644444" y="3674139"/>
+            <a:ext cx="442252" cy="2400884"/>
+          </a:xfrm>
+          <a:prstGeom prst="bentConnector3">
+            <a:avLst>
+              <a:gd name="adj1" fmla="val 50000"/>
+            </a:avLst>
+          </a:prstGeom>
+          <a:ln w="19050">
+            <a:solidFill>
+              <a:schemeClr val="tx1"/>
+            </a:solidFill>
+            <a:tailEnd type="arrow"/>
+          </a:ln>
+        </p:spPr>
+        <p:style>
+          <a:lnRef idx="1">
+            <a:schemeClr val="accent1"/>
+          </a:lnRef>
+          <a:fillRef idx="0">
+            <a:schemeClr val="accent1"/>
+          </a:fillRef>
+          <a:effectRef idx="0">
+            <a:schemeClr val="accent1"/>
+          </a:effectRef>
+          <a:fontRef idx="minor">
+            <a:schemeClr val="tx1"/>
+          </a:fontRef>
+        </p:style>
+      </p:cxnSp>
+      <p:cxnSp>
+        <p:nvCxnSpPr>
+          <p:cNvPr id="226" name="肘形连接符 84">
+            <a:extLst>
+              <a:ext uri="{FF2B5EF4-FFF2-40B4-BE49-F238E27FC236}">
+                <a16:creationId xmlns:a16="http://schemas.microsoft.com/office/drawing/2014/main" id="{BC942694-1A52-1743-9659-6113EF999D74}"/>
+              </a:ext>
+            </a:extLst>
+          </p:cNvPr>
+          <p:cNvCxnSpPr>
+            <a:cxnSpLocks/>
+            <a:stCxn id="17" idx="2"/>
+            <a:endCxn id="12" idx="0"/>
+          </p:cNvCxnSpPr>
+          <p:nvPr/>
+        </p:nvCxnSpPr>
+        <p:spPr>
+          <a:xfrm rot="16200000" flipH="1">
+            <a:off x="6890233" y="3537686"/>
+            <a:ext cx="354723" cy="974142"/>
+          </a:xfrm>
+          <a:prstGeom prst="bentConnector3">
+            <a:avLst>
+              <a:gd name="adj1" fmla="val 50000"/>
+            </a:avLst>
+          </a:prstGeom>
+          <a:ln w="19050">
+            <a:solidFill>
+              <a:schemeClr val="tx1"/>
+            </a:solidFill>
+            <a:tailEnd type="arrow"/>
+          </a:ln>
+        </p:spPr>
+        <p:style>
+          <a:lnRef idx="1">
+            <a:schemeClr val="accent1"/>
+          </a:lnRef>
+          <a:fillRef idx="0">
+            <a:schemeClr val="accent1"/>
+          </a:fillRef>
+          <a:effectRef idx="0">
+            <a:schemeClr val="accent1"/>
+          </a:effectRef>
+          <a:fontRef idx="minor">
+            <a:schemeClr val="tx1"/>
+          </a:fontRef>
+        </p:style>
+      </p:cxnSp>
+      <p:cxnSp>
+        <p:nvCxnSpPr>
+          <p:cNvPr id="231" name="肘形连接符 84">
+            <a:extLst>
+              <a:ext uri="{FF2B5EF4-FFF2-40B4-BE49-F238E27FC236}">
+                <a16:creationId xmlns:a16="http://schemas.microsoft.com/office/drawing/2014/main" id="{6AE370D3-2849-3C4A-ADD8-EBF3CF0474DF}"/>
+              </a:ext>
+            </a:extLst>
+          </p:cNvPr>
+          <p:cNvCxnSpPr>
+            <a:cxnSpLocks/>
+            <a:stCxn id="16" idx="2"/>
+            <a:endCxn id="12" idx="0"/>
+          </p:cNvCxnSpPr>
+          <p:nvPr/>
+        </p:nvCxnSpPr>
+        <p:spPr>
+          <a:xfrm rot="5400000">
+            <a:off x="7379815" y="4022247"/>
+            <a:ext cx="354723" cy="5021"/>
+          </a:xfrm>
+          <a:prstGeom prst="bentConnector3">
+            <a:avLst>
+              <a:gd name="adj1" fmla="val 50000"/>
+            </a:avLst>
+          </a:prstGeom>
+          <a:ln w="19050">
+            <a:solidFill>
+              <a:schemeClr val="tx1"/>
+            </a:solidFill>
+            <a:tailEnd type="arrow"/>
+          </a:ln>
+        </p:spPr>
+        <p:style>
+          <a:lnRef idx="1">
+            <a:schemeClr val="accent1"/>
+          </a:lnRef>
+          <a:fillRef idx="0">
+            <a:schemeClr val="accent1"/>
+          </a:fillRef>
+          <a:effectRef idx="0">
+            <a:schemeClr val="accent1"/>
+          </a:effectRef>
+          <a:fontRef idx="minor">
+            <a:schemeClr val="tx1"/>
+          </a:fontRef>
+        </p:style>
+      </p:cxnSp>
+      <p:cxnSp>
+        <p:nvCxnSpPr>
+          <p:cNvPr id="243" name="肘形连接符 84">
+            <a:extLst>
+              <a:ext uri="{FF2B5EF4-FFF2-40B4-BE49-F238E27FC236}">
+                <a16:creationId xmlns:a16="http://schemas.microsoft.com/office/drawing/2014/main" id="{5B22A664-C8A1-4442-8C7A-854068815594}"/>
+              </a:ext>
+            </a:extLst>
+          </p:cNvPr>
+          <p:cNvCxnSpPr>
+            <a:cxnSpLocks/>
+            <a:stCxn id="89" idx="2"/>
+            <a:endCxn id="73" idx="0"/>
+          </p:cNvCxnSpPr>
+          <p:nvPr/>
+        </p:nvCxnSpPr>
+        <p:spPr>
+          <a:xfrm rot="16200000" flipH="1">
+            <a:off x="2371308" y="4947275"/>
+            <a:ext cx="593559" cy="5918"/>
+          </a:xfrm>
+          <a:prstGeom prst="bentConnector3">
+            <a:avLst>
+              <a:gd name="adj1" fmla="val 50000"/>
+            </a:avLst>
+          </a:prstGeom>
+          <a:ln w="19050">
+            <a:solidFill>
+              <a:schemeClr val="tx1"/>
+            </a:solidFill>
+            <a:tailEnd type="arrow"/>
+          </a:ln>
+        </p:spPr>
+        <p:style>
+          <a:lnRef idx="1">
+            <a:schemeClr val="accent1"/>
+          </a:lnRef>
+          <a:fillRef idx="0">
+            <a:schemeClr val="accent1"/>
+          </a:fillRef>
+          <a:effectRef idx="0">
+            <a:schemeClr val="accent1"/>
+          </a:effectRef>
+          <a:fontRef idx="minor">
+            <a:schemeClr val="tx1"/>
+          </a:fontRef>
+        </p:style>
+      </p:cxnSp>
+      <p:cxnSp>
+        <p:nvCxnSpPr>
+          <p:cNvPr id="264" name="肘形连接符 84">
+            <a:extLst>
+              <a:ext uri="{FF2B5EF4-FFF2-40B4-BE49-F238E27FC236}">
+                <a16:creationId xmlns:a16="http://schemas.microsoft.com/office/drawing/2014/main" id="{DAB53503-65BB-114C-996F-1A24D23A3A9C}"/>
+              </a:ext>
+            </a:extLst>
+          </p:cNvPr>
+          <p:cNvCxnSpPr>
+            <a:cxnSpLocks/>
+            <a:stCxn id="12" idx="2"/>
+            <a:endCxn id="8" idx="0"/>
+          </p:cNvCxnSpPr>
+          <p:nvPr/>
+        </p:nvCxnSpPr>
+        <p:spPr>
+          <a:xfrm rot="5400000">
+            <a:off x="7165077" y="4727285"/>
+            <a:ext cx="457376" cy="321800"/>
+          </a:xfrm>
+          <a:prstGeom prst="bentConnector3">
+            <a:avLst>
+              <a:gd name="adj1" fmla="val 46668"/>
+            </a:avLst>
+          </a:prstGeom>
+          <a:ln w="19050">
+            <a:solidFill>
+              <a:schemeClr val="tx1"/>
+            </a:solidFill>
+            <a:tailEnd type="arrow"/>
           </a:ln>
         </p:spPr>
         <p:style>
@@ -12069,17 +16117,15 @@
         </p:style>
       </p:cxnSp>
     </p:spTree>
+    <p:extLst>
+      <p:ext uri="{BB962C8B-B14F-4D97-AF65-F5344CB8AC3E}">
+        <p14:creationId xmlns:p14="http://schemas.microsoft.com/office/powerpoint/2010/main" val="269989183"/>
+      </p:ext>
+    </p:extLst>
   </p:cSld>
   <p:clrMapOvr>
     <a:masterClrMapping/>
   </p:clrMapOvr>
-  <p:timing>
-    <p:tnLst>
-      <p:par>
-        <p:cTn id="1" dur="indefinite" restart="never" nodeType="tmRoot"/>
-      </p:par>
-    </p:tnLst>
-  </p:timing>
 </p:sld>
 </file>
 
@@ -12334,6 +16380,8 @@
       </a:bgFillStyleLst>
     </a:fmtScheme>
   </a:themeElements>
+  <a:objectDefaults/>
+  <a:extraClrSchemeLst/>
   <a:extLst>
     <a:ext uri="{05A4C25C-085E-4340-85A3-A5531E510DB2}">
       <thm15:themeFamily xmlns:thm15="http://schemas.microsoft.com/office/thememl/2012/main" name="Office Theme" id="{62F939B6-93AF-4DB8-9C6B-D6C7DFDC589F}" vid="{4A3C46E8-61CC-4603-A589-7422A47A8E4A}"/>
@@ -12593,6 +16641,8 @@
       </a:bgFillStyleLst>
     </a:fmtScheme>
   </a:themeElements>
+  <a:objectDefaults/>
+  <a:extraClrSchemeLst/>
   <a:extLst>
     <a:ext uri="{05A4C25C-085E-4340-85A3-A5531E510DB2}">
       <thm15:themeFamily xmlns:thm15="http://schemas.microsoft.com/office/thememl/2012/main" name="Office Theme" id="{62F939B6-93AF-4DB8-9C6B-D6C7DFDC589F}" vid="{4A3C46E8-61CC-4603-A589-7422A47A8E4A}"/>
@@ -12852,6 +16902,8 @@
       </a:bgFillStyleLst>
     </a:fmtScheme>
   </a:themeElements>
+  <a:objectDefaults/>
+  <a:extraClrSchemeLst/>
   <a:extLst>
     <a:ext uri="{05A4C25C-085E-4340-85A3-A5531E510DB2}">
       <thm15:themeFamily xmlns:thm15="http://schemas.microsoft.com/office/thememl/2012/main" name="Office Theme" id="{62F939B6-93AF-4DB8-9C6B-D6C7DFDC589F}" vid="{4A3C46E8-61CC-4603-A589-7422A47A8E4A}"/>

--- a/system_architecture.pptx
+++ b/system_architecture.pptx
@@ -8,12 +8,12 @@
     <p:notesMasterId r:id="rId5"/>
   </p:notesMasterIdLst>
   <p:handoutMasterIdLst>
-    <p:handoutMasterId r:id="rId6"/>
+    <p:handoutMasterId r:id="rId7"/>
   </p:handoutMasterIdLst>
   <p:sldIdLst>
-    <p:sldId id="256" r:id="rId2"/>
-    <p:sldId id="257" r:id="rId3"/>
-    <p:sldId id="258" r:id="rId4"/>
+    <p:sldId id="256" r:id="rId3"/>
+    <p:sldId id="257" r:id="rId4"/>
+    <p:sldId id="258" r:id="rId6"/>
   </p:sldIdLst>
   <p:sldSz cx="12192000" cy="6858000"/>
   <p:notesSz cx="6858000" cy="9144000"/>
@@ -112,11 +112,6 @@
       </a:defRPr>
     </a:lvl9pPr>
   </p:defaultTextStyle>
-  <p:extLst>
-    <p:ext uri="{EFAFB233-063F-42B5-8137-9DF3F51BA10A}">
-      <p15:sldGuideLst xmlns:p15="http://schemas.microsoft.com/office/powerpoint/2012/main"/>
-    </p:ext>
-  </p:extLst>
 </p:presentation>
 </file>
 
@@ -202,7 +197,6 @@
           <a:p>
             <a:fld id="{0F9B84EA-7D68-4D60-9CB1-D50884785D1C}" type="datetimeFigureOut">
               <a:rPr lang="zh-CN" altLang="en-US" smtClean="0"/>
-              <a:t>2018/3/10</a:t>
             </a:fld>
             <a:endParaRPr lang="zh-CN" altLang="en-US"/>
           </a:p>
@@ -268,7 +262,6 @@
           <a:p>
             <a:fld id="{8D4E0FC9-F1F8-4FAE-9988-3BA365CFD46F}" type="slidenum">
               <a:rPr lang="zh-CN" altLang="en-US" smtClean="0"/>
-              <a:t>‹#›</a:t>
             </a:fld>
             <a:endParaRPr lang="zh-CN" altLang="en-US"/>
           </a:p>
@@ -362,7 +355,6 @@
           <a:p>
             <a:fld id="{D2A48B96-639E-45A3-A0BA-2464DFDB1FAA}" type="datetimeFigureOut">
               <a:rPr lang="zh-CN" altLang="en-US" smtClean="0"/>
-              <a:t>2018/3/10</a:t>
             </a:fld>
             <a:endParaRPr lang="zh-CN" altLang="en-US"/>
           </a:p>
@@ -429,6 +421,7 @@
               <a:rPr lang="zh-CN" altLang="en-US"/>
               <a:t>单击此处编辑母版文本样式</a:t>
             </a:r>
+            <a:endParaRPr lang="zh-CN" altLang="en-US"/>
           </a:p>
           <a:p>
             <a:pPr lvl="1"/>
@@ -436,6 +429,7 @@
               <a:rPr lang="zh-CN" altLang="en-US"/>
               <a:t>第二级</a:t>
             </a:r>
+            <a:endParaRPr lang="zh-CN" altLang="en-US"/>
           </a:p>
           <a:p>
             <a:pPr lvl="2"/>
@@ -443,6 +437,7 @@
               <a:rPr lang="zh-CN" altLang="en-US"/>
               <a:t>第三级</a:t>
             </a:r>
+            <a:endParaRPr lang="zh-CN" altLang="en-US"/>
           </a:p>
           <a:p>
             <a:pPr lvl="3"/>
@@ -450,6 +445,7 @@
               <a:rPr lang="zh-CN" altLang="en-US"/>
               <a:t>第四级</a:t>
             </a:r>
+            <a:endParaRPr lang="zh-CN" altLang="en-US"/>
           </a:p>
           <a:p>
             <a:pPr lvl="4"/>
@@ -457,6 +453,7 @@
               <a:rPr lang="zh-CN" altLang="en-US"/>
               <a:t>第五级</a:t>
             </a:r>
+            <a:endParaRPr lang="zh-CN" altLang="en-US"/>
           </a:p>
         </p:txBody>
       </p:sp>
@@ -520,7 +517,6 @@
           <a:p>
             <a:fld id="{A6837353-30EB-4A48-80EB-173D804AEFBD}" type="slidenum">
               <a:rPr lang="zh-CN" altLang="en-US" smtClean="0"/>
-              <a:t>‹#›</a:t>
             </a:fld>
             <a:endParaRPr lang="zh-CN" altLang="en-US"/>
           </a:p>
@@ -729,11 +725,6 @@
         </p:txBody>
       </p:sp>
     </p:spTree>
-    <p:extLst>
-      <p:ext uri="{BB962C8B-B14F-4D97-AF65-F5344CB8AC3E}">
-        <p14:creationId xmlns:p14="http://schemas.microsoft.com/office/powerpoint/2010/main" val="1364394971"/>
-      </p:ext>
-    </p:extLst>
   </p:cSld>
   <p:clrMapOvr>
     <a:masterClrMapping/>
@@ -786,6 +777,7 @@
               <a:rPr lang="zh-CN" altLang="en-US"/>
               <a:t>单击此处编辑母版标题样式</a:t>
             </a:r>
+            <a:endParaRPr lang="zh-CN" altLang="en-US"/>
           </a:p>
         </p:txBody>
       </p:sp>
@@ -850,6 +842,7 @@
               <a:rPr lang="zh-CN" altLang="en-US"/>
               <a:t>单击此处编辑母版副标题样式</a:t>
             </a:r>
+            <a:endParaRPr lang="zh-CN" altLang="en-US"/>
           </a:p>
         </p:txBody>
       </p:sp>
@@ -870,7 +863,6 @@
           <a:p>
             <a:fld id="{D997B5FA-0921-464F-AAE1-844C04324D75}" type="datetimeFigureOut">
               <a:rPr lang="zh-CN" altLang="en-US" smtClean="0"/>
-              <a:t>2018/3/10</a:t>
             </a:fld>
             <a:endParaRPr lang="zh-CN" altLang="en-US"/>
           </a:p>
@@ -912,7 +904,6 @@
           <a:p>
             <a:fld id="{565CE74E-AB26-4998-AD42-012C4C1AD076}" type="slidenum">
               <a:rPr lang="zh-CN" altLang="en-US" smtClean="0"/>
-              <a:t>‹#›</a:t>
             </a:fld>
             <a:endParaRPr lang="zh-CN" altLang="en-US"/>
           </a:p>
@@ -962,6 +953,7 @@
               <a:rPr lang="zh-CN" altLang="en-US"/>
               <a:t>单击此处编辑母版标题样式</a:t>
             </a:r>
+            <a:endParaRPr lang="zh-CN" altLang="en-US"/>
           </a:p>
         </p:txBody>
       </p:sp>
@@ -985,6 +977,7 @@
               <a:rPr lang="zh-CN" altLang="en-US"/>
               <a:t>单击此处编辑母版文本样式</a:t>
             </a:r>
+            <a:endParaRPr lang="zh-CN" altLang="en-US"/>
           </a:p>
           <a:p>
             <a:pPr lvl="1"/>
@@ -992,6 +985,7 @@
               <a:rPr lang="zh-CN" altLang="en-US"/>
               <a:t>第二级</a:t>
             </a:r>
+            <a:endParaRPr lang="zh-CN" altLang="en-US"/>
           </a:p>
           <a:p>
             <a:pPr lvl="2"/>
@@ -999,6 +993,7 @@
               <a:rPr lang="zh-CN" altLang="en-US"/>
               <a:t>第三级</a:t>
             </a:r>
+            <a:endParaRPr lang="zh-CN" altLang="en-US"/>
           </a:p>
           <a:p>
             <a:pPr lvl="3"/>
@@ -1006,6 +1001,7 @@
               <a:rPr lang="zh-CN" altLang="en-US"/>
               <a:t>第四级</a:t>
             </a:r>
+            <a:endParaRPr lang="zh-CN" altLang="en-US"/>
           </a:p>
           <a:p>
             <a:pPr lvl="4"/>
@@ -1013,6 +1009,7 @@
               <a:rPr lang="zh-CN" altLang="en-US"/>
               <a:t>第五级</a:t>
             </a:r>
+            <a:endParaRPr lang="zh-CN" altLang="en-US"/>
           </a:p>
         </p:txBody>
       </p:sp>
@@ -1033,7 +1030,6 @@
           <a:p>
             <a:fld id="{D997B5FA-0921-464F-AAE1-844C04324D75}" type="datetimeFigureOut">
               <a:rPr lang="zh-CN" altLang="en-US" smtClean="0"/>
-              <a:t>2018/3/10</a:t>
             </a:fld>
             <a:endParaRPr lang="zh-CN" altLang="en-US"/>
           </a:p>
@@ -1075,7 +1071,6 @@
           <a:p>
             <a:fld id="{565CE74E-AB26-4998-AD42-012C4C1AD076}" type="slidenum">
               <a:rPr lang="zh-CN" altLang="en-US" smtClean="0"/>
-              <a:t>‹#›</a:t>
             </a:fld>
             <a:endParaRPr lang="zh-CN" altLang="en-US"/>
           </a:p>
@@ -1130,6 +1125,7 @@
               <a:rPr lang="zh-CN" altLang="en-US"/>
               <a:t>单击此处编辑母版标题样式</a:t>
             </a:r>
+            <a:endParaRPr lang="zh-CN" altLang="en-US"/>
           </a:p>
         </p:txBody>
       </p:sp>
@@ -1158,6 +1154,7 @@
               <a:rPr lang="zh-CN" altLang="en-US"/>
               <a:t>单击此处编辑母版文本样式</a:t>
             </a:r>
+            <a:endParaRPr lang="zh-CN" altLang="en-US"/>
           </a:p>
           <a:p>
             <a:pPr lvl="1"/>
@@ -1165,6 +1162,7 @@
               <a:rPr lang="zh-CN" altLang="en-US"/>
               <a:t>第二级</a:t>
             </a:r>
+            <a:endParaRPr lang="zh-CN" altLang="en-US"/>
           </a:p>
           <a:p>
             <a:pPr lvl="2"/>
@@ -1172,6 +1170,7 @@
               <a:rPr lang="zh-CN" altLang="en-US"/>
               <a:t>第三级</a:t>
             </a:r>
+            <a:endParaRPr lang="zh-CN" altLang="en-US"/>
           </a:p>
           <a:p>
             <a:pPr lvl="3"/>
@@ -1179,6 +1178,7 @@
               <a:rPr lang="zh-CN" altLang="en-US"/>
               <a:t>第四级</a:t>
             </a:r>
+            <a:endParaRPr lang="zh-CN" altLang="en-US"/>
           </a:p>
           <a:p>
             <a:pPr lvl="4"/>
@@ -1186,6 +1186,7 @@
               <a:rPr lang="zh-CN" altLang="en-US"/>
               <a:t>第五级</a:t>
             </a:r>
+            <a:endParaRPr lang="zh-CN" altLang="en-US"/>
           </a:p>
         </p:txBody>
       </p:sp>
@@ -1206,7 +1207,6 @@
           <a:p>
             <a:fld id="{D997B5FA-0921-464F-AAE1-844C04324D75}" type="datetimeFigureOut">
               <a:rPr lang="zh-CN" altLang="en-US" smtClean="0"/>
-              <a:t>2018/3/10</a:t>
             </a:fld>
             <a:endParaRPr lang="zh-CN" altLang="en-US"/>
           </a:p>
@@ -1248,7 +1248,6 @@
           <a:p>
             <a:fld id="{565CE74E-AB26-4998-AD42-012C4C1AD076}" type="slidenum">
               <a:rPr lang="zh-CN" altLang="en-US" smtClean="0"/>
-              <a:t>‹#›</a:t>
             </a:fld>
             <a:endParaRPr lang="zh-CN" altLang="en-US"/>
           </a:p>
@@ -1298,6 +1297,7 @@
               <a:rPr lang="zh-CN" altLang="en-US"/>
               <a:t>单击此处编辑母版标题样式</a:t>
             </a:r>
+            <a:endParaRPr lang="zh-CN" altLang="en-US"/>
           </a:p>
         </p:txBody>
       </p:sp>
@@ -1321,6 +1321,7 @@
               <a:rPr lang="zh-CN" altLang="en-US"/>
               <a:t>单击此处编辑母版文本样式</a:t>
             </a:r>
+            <a:endParaRPr lang="zh-CN" altLang="en-US"/>
           </a:p>
           <a:p>
             <a:pPr lvl="1"/>
@@ -1328,6 +1329,7 @@
               <a:rPr lang="zh-CN" altLang="en-US"/>
               <a:t>第二级</a:t>
             </a:r>
+            <a:endParaRPr lang="zh-CN" altLang="en-US"/>
           </a:p>
           <a:p>
             <a:pPr lvl="2"/>
@@ -1335,6 +1337,7 @@
               <a:rPr lang="zh-CN" altLang="en-US"/>
               <a:t>第三级</a:t>
             </a:r>
+            <a:endParaRPr lang="zh-CN" altLang="en-US"/>
           </a:p>
           <a:p>
             <a:pPr lvl="3"/>
@@ -1342,6 +1345,7 @@
               <a:rPr lang="zh-CN" altLang="en-US"/>
               <a:t>第四级</a:t>
             </a:r>
+            <a:endParaRPr lang="zh-CN" altLang="en-US"/>
           </a:p>
           <a:p>
             <a:pPr lvl="4"/>
@@ -1349,6 +1353,7 @@
               <a:rPr lang="zh-CN" altLang="en-US"/>
               <a:t>第五级</a:t>
             </a:r>
+            <a:endParaRPr lang="zh-CN" altLang="en-US"/>
           </a:p>
         </p:txBody>
       </p:sp>
@@ -1369,7 +1374,6 @@
           <a:p>
             <a:fld id="{D997B5FA-0921-464F-AAE1-844C04324D75}" type="datetimeFigureOut">
               <a:rPr lang="zh-CN" altLang="en-US" smtClean="0"/>
-              <a:t>2018/3/10</a:t>
             </a:fld>
             <a:endParaRPr lang="zh-CN" altLang="en-US"/>
           </a:p>
@@ -1411,7 +1415,6 @@
           <a:p>
             <a:fld id="{565CE74E-AB26-4998-AD42-012C4C1AD076}" type="slidenum">
               <a:rPr lang="zh-CN" altLang="en-US" smtClean="0"/>
-              <a:t>‹#›</a:t>
             </a:fld>
             <a:endParaRPr lang="zh-CN" altLang="en-US"/>
           </a:p>
@@ -1470,6 +1473,7 @@
               <a:rPr lang="zh-CN" altLang="en-US"/>
               <a:t>单击此处编辑母版标题样式</a:t>
             </a:r>
+            <a:endParaRPr lang="zh-CN" altLang="en-US"/>
           </a:p>
         </p:txBody>
       </p:sp>
@@ -1589,6 +1593,7 @@
               <a:rPr lang="zh-CN" altLang="en-US"/>
               <a:t>单击此处编辑母版文本样式</a:t>
             </a:r>
+            <a:endParaRPr lang="zh-CN" altLang="en-US"/>
           </a:p>
         </p:txBody>
       </p:sp>
@@ -1609,7 +1614,6 @@
           <a:p>
             <a:fld id="{D997B5FA-0921-464F-AAE1-844C04324D75}" type="datetimeFigureOut">
               <a:rPr lang="zh-CN" altLang="en-US" smtClean="0"/>
-              <a:t>2018/3/10</a:t>
             </a:fld>
             <a:endParaRPr lang="zh-CN" altLang="en-US"/>
           </a:p>
@@ -1651,7 +1655,6 @@
           <a:p>
             <a:fld id="{565CE74E-AB26-4998-AD42-012C4C1AD076}" type="slidenum">
               <a:rPr lang="zh-CN" altLang="en-US" smtClean="0"/>
-              <a:t>‹#›</a:t>
             </a:fld>
             <a:endParaRPr lang="zh-CN" altLang="en-US"/>
           </a:p>
@@ -1701,6 +1704,7 @@
               <a:rPr lang="zh-CN" altLang="en-US"/>
               <a:t>单击此处编辑母版标题样式</a:t>
             </a:r>
+            <a:endParaRPr lang="zh-CN" altLang="en-US"/>
           </a:p>
         </p:txBody>
       </p:sp>
@@ -1729,6 +1733,7 @@
               <a:rPr lang="zh-CN" altLang="en-US"/>
               <a:t>单击此处编辑母版文本样式</a:t>
             </a:r>
+            <a:endParaRPr lang="zh-CN" altLang="en-US"/>
           </a:p>
           <a:p>
             <a:pPr lvl="1"/>
@@ -1736,6 +1741,7 @@
               <a:rPr lang="zh-CN" altLang="en-US"/>
               <a:t>第二级</a:t>
             </a:r>
+            <a:endParaRPr lang="zh-CN" altLang="en-US"/>
           </a:p>
           <a:p>
             <a:pPr lvl="2"/>
@@ -1743,6 +1749,7 @@
               <a:rPr lang="zh-CN" altLang="en-US"/>
               <a:t>第三级</a:t>
             </a:r>
+            <a:endParaRPr lang="zh-CN" altLang="en-US"/>
           </a:p>
           <a:p>
             <a:pPr lvl="3"/>
@@ -1750,6 +1757,7 @@
               <a:rPr lang="zh-CN" altLang="en-US"/>
               <a:t>第四级</a:t>
             </a:r>
+            <a:endParaRPr lang="zh-CN" altLang="en-US"/>
           </a:p>
           <a:p>
             <a:pPr lvl="4"/>
@@ -1757,6 +1765,7 @@
               <a:rPr lang="zh-CN" altLang="en-US"/>
               <a:t>第五级</a:t>
             </a:r>
+            <a:endParaRPr lang="zh-CN" altLang="en-US"/>
           </a:p>
         </p:txBody>
       </p:sp>
@@ -1785,6 +1794,7 @@
               <a:rPr lang="zh-CN" altLang="en-US"/>
               <a:t>单击此处编辑母版文本样式</a:t>
             </a:r>
+            <a:endParaRPr lang="zh-CN" altLang="en-US"/>
           </a:p>
           <a:p>
             <a:pPr lvl="1"/>
@@ -1792,6 +1802,7 @@
               <a:rPr lang="zh-CN" altLang="en-US"/>
               <a:t>第二级</a:t>
             </a:r>
+            <a:endParaRPr lang="zh-CN" altLang="en-US"/>
           </a:p>
           <a:p>
             <a:pPr lvl="2"/>
@@ -1799,6 +1810,7 @@
               <a:rPr lang="zh-CN" altLang="en-US"/>
               <a:t>第三级</a:t>
             </a:r>
+            <a:endParaRPr lang="zh-CN" altLang="en-US"/>
           </a:p>
           <a:p>
             <a:pPr lvl="3"/>
@@ -1806,6 +1818,7 @@
               <a:rPr lang="zh-CN" altLang="en-US"/>
               <a:t>第四级</a:t>
             </a:r>
+            <a:endParaRPr lang="zh-CN" altLang="en-US"/>
           </a:p>
           <a:p>
             <a:pPr lvl="4"/>
@@ -1813,6 +1826,7 @@
               <a:rPr lang="zh-CN" altLang="en-US"/>
               <a:t>第五级</a:t>
             </a:r>
+            <a:endParaRPr lang="zh-CN" altLang="en-US"/>
           </a:p>
         </p:txBody>
       </p:sp>
@@ -1833,7 +1847,6 @@
           <a:p>
             <a:fld id="{D997B5FA-0921-464F-AAE1-844C04324D75}" type="datetimeFigureOut">
               <a:rPr lang="zh-CN" altLang="en-US" smtClean="0"/>
-              <a:t>2018/3/10</a:t>
             </a:fld>
             <a:endParaRPr lang="zh-CN" altLang="en-US"/>
           </a:p>
@@ -1875,7 +1888,6 @@
           <a:p>
             <a:fld id="{565CE74E-AB26-4998-AD42-012C4C1AD076}" type="slidenum">
               <a:rPr lang="zh-CN" altLang="en-US" smtClean="0"/>
-              <a:t>‹#›</a:t>
             </a:fld>
             <a:endParaRPr lang="zh-CN" altLang="en-US"/>
           </a:p>
@@ -1930,6 +1942,7 @@
               <a:rPr lang="zh-CN" altLang="en-US"/>
               <a:t>单击此处编辑母版标题样式</a:t>
             </a:r>
+            <a:endParaRPr lang="zh-CN" altLang="en-US"/>
           </a:p>
         </p:txBody>
       </p:sp>
@@ -1995,6 +2008,7 @@
               <a:rPr lang="zh-CN" altLang="en-US"/>
               <a:t>单击此处编辑母版文本样式</a:t>
             </a:r>
+            <a:endParaRPr lang="zh-CN" altLang="en-US"/>
           </a:p>
         </p:txBody>
       </p:sp>
@@ -2023,6 +2037,7 @@
               <a:rPr lang="zh-CN" altLang="en-US"/>
               <a:t>单击此处编辑母版文本样式</a:t>
             </a:r>
+            <a:endParaRPr lang="zh-CN" altLang="en-US"/>
           </a:p>
           <a:p>
             <a:pPr lvl="1"/>
@@ -2030,6 +2045,7 @@
               <a:rPr lang="zh-CN" altLang="en-US"/>
               <a:t>第二级</a:t>
             </a:r>
+            <a:endParaRPr lang="zh-CN" altLang="en-US"/>
           </a:p>
           <a:p>
             <a:pPr lvl="2"/>
@@ -2037,6 +2053,7 @@
               <a:rPr lang="zh-CN" altLang="en-US"/>
               <a:t>第三级</a:t>
             </a:r>
+            <a:endParaRPr lang="zh-CN" altLang="en-US"/>
           </a:p>
           <a:p>
             <a:pPr lvl="3"/>
@@ -2044,6 +2061,7 @@
               <a:rPr lang="zh-CN" altLang="en-US"/>
               <a:t>第四级</a:t>
             </a:r>
+            <a:endParaRPr lang="zh-CN" altLang="en-US"/>
           </a:p>
           <a:p>
             <a:pPr lvl="4"/>
@@ -2051,6 +2069,7 @@
               <a:rPr lang="zh-CN" altLang="en-US"/>
               <a:t>第五级</a:t>
             </a:r>
+            <a:endParaRPr lang="zh-CN" altLang="en-US"/>
           </a:p>
         </p:txBody>
       </p:sp>
@@ -2116,6 +2135,7 @@
               <a:rPr lang="zh-CN" altLang="en-US"/>
               <a:t>单击此处编辑母版文本样式</a:t>
             </a:r>
+            <a:endParaRPr lang="zh-CN" altLang="en-US"/>
           </a:p>
         </p:txBody>
       </p:sp>
@@ -2144,6 +2164,7 @@
               <a:rPr lang="zh-CN" altLang="en-US"/>
               <a:t>单击此处编辑母版文本样式</a:t>
             </a:r>
+            <a:endParaRPr lang="zh-CN" altLang="en-US"/>
           </a:p>
           <a:p>
             <a:pPr lvl="1"/>
@@ -2151,6 +2172,7 @@
               <a:rPr lang="zh-CN" altLang="en-US"/>
               <a:t>第二级</a:t>
             </a:r>
+            <a:endParaRPr lang="zh-CN" altLang="en-US"/>
           </a:p>
           <a:p>
             <a:pPr lvl="2"/>
@@ -2158,6 +2180,7 @@
               <a:rPr lang="zh-CN" altLang="en-US"/>
               <a:t>第三级</a:t>
             </a:r>
+            <a:endParaRPr lang="zh-CN" altLang="en-US"/>
           </a:p>
           <a:p>
             <a:pPr lvl="3"/>
@@ -2165,6 +2188,7 @@
               <a:rPr lang="zh-CN" altLang="en-US"/>
               <a:t>第四级</a:t>
             </a:r>
+            <a:endParaRPr lang="zh-CN" altLang="en-US"/>
           </a:p>
           <a:p>
             <a:pPr lvl="4"/>
@@ -2172,6 +2196,7 @@
               <a:rPr lang="zh-CN" altLang="en-US"/>
               <a:t>第五级</a:t>
             </a:r>
+            <a:endParaRPr lang="zh-CN" altLang="en-US"/>
           </a:p>
         </p:txBody>
       </p:sp>
@@ -2192,7 +2217,6 @@
           <a:p>
             <a:fld id="{D997B5FA-0921-464F-AAE1-844C04324D75}" type="datetimeFigureOut">
               <a:rPr lang="zh-CN" altLang="en-US" smtClean="0"/>
-              <a:t>2018/3/10</a:t>
             </a:fld>
             <a:endParaRPr lang="zh-CN" altLang="en-US"/>
           </a:p>
@@ -2234,7 +2258,6 @@
           <a:p>
             <a:fld id="{565CE74E-AB26-4998-AD42-012C4C1AD076}" type="slidenum">
               <a:rPr lang="zh-CN" altLang="en-US" smtClean="0"/>
-              <a:t>‹#›</a:t>
             </a:fld>
             <a:endParaRPr lang="zh-CN" altLang="en-US"/>
           </a:p>
@@ -2284,6 +2307,7 @@
               <a:rPr lang="zh-CN" altLang="en-US"/>
               <a:t>单击此处编辑母版标题样式</a:t>
             </a:r>
+            <a:endParaRPr lang="zh-CN" altLang="en-US"/>
           </a:p>
         </p:txBody>
       </p:sp>
@@ -2304,7 +2328,6 @@
           <a:p>
             <a:fld id="{D997B5FA-0921-464F-AAE1-844C04324D75}" type="datetimeFigureOut">
               <a:rPr lang="zh-CN" altLang="en-US" smtClean="0"/>
-              <a:t>2018/3/10</a:t>
             </a:fld>
             <a:endParaRPr lang="zh-CN" altLang="en-US"/>
           </a:p>
@@ -2346,7 +2369,6 @@
           <a:p>
             <a:fld id="{565CE74E-AB26-4998-AD42-012C4C1AD076}" type="slidenum">
               <a:rPr lang="zh-CN" altLang="en-US" smtClean="0"/>
-              <a:t>‹#›</a:t>
             </a:fld>
             <a:endParaRPr lang="zh-CN" altLang="en-US"/>
           </a:p>
@@ -2394,7 +2416,6 @@
           <a:p>
             <a:fld id="{D997B5FA-0921-464F-AAE1-844C04324D75}" type="datetimeFigureOut">
               <a:rPr lang="zh-CN" altLang="en-US" smtClean="0"/>
-              <a:t>2018/3/10</a:t>
             </a:fld>
             <a:endParaRPr lang="zh-CN" altLang="en-US"/>
           </a:p>
@@ -2436,7 +2457,6 @@
           <a:p>
             <a:fld id="{565CE74E-AB26-4998-AD42-012C4C1AD076}" type="slidenum">
               <a:rPr lang="zh-CN" altLang="en-US" smtClean="0"/>
-              <a:t>‹#›</a:t>
             </a:fld>
             <a:endParaRPr lang="zh-CN" altLang="en-US"/>
           </a:p>
@@ -2495,6 +2515,7 @@
               <a:rPr lang="zh-CN" altLang="en-US"/>
               <a:t>单击此处编辑母版标题样式</a:t>
             </a:r>
+            <a:endParaRPr lang="zh-CN" altLang="en-US"/>
           </a:p>
         </p:txBody>
       </p:sp>
@@ -2551,6 +2572,7 @@
               <a:rPr lang="zh-CN" altLang="en-US"/>
               <a:t>单击此处编辑母版文本样式</a:t>
             </a:r>
+            <a:endParaRPr lang="zh-CN" altLang="en-US"/>
           </a:p>
           <a:p>
             <a:pPr lvl="1"/>
@@ -2558,6 +2580,7 @@
               <a:rPr lang="zh-CN" altLang="en-US"/>
               <a:t>第二级</a:t>
             </a:r>
+            <a:endParaRPr lang="zh-CN" altLang="en-US"/>
           </a:p>
           <a:p>
             <a:pPr lvl="2"/>
@@ -2565,6 +2588,7 @@
               <a:rPr lang="zh-CN" altLang="en-US"/>
               <a:t>第三级</a:t>
             </a:r>
+            <a:endParaRPr lang="zh-CN" altLang="en-US"/>
           </a:p>
           <a:p>
             <a:pPr lvl="3"/>
@@ -2572,6 +2596,7 @@
               <a:rPr lang="zh-CN" altLang="en-US"/>
               <a:t>第四级</a:t>
             </a:r>
+            <a:endParaRPr lang="zh-CN" altLang="en-US"/>
           </a:p>
           <a:p>
             <a:pPr lvl="4"/>
@@ -2579,6 +2604,7 @@
               <a:rPr lang="zh-CN" altLang="en-US"/>
               <a:t>第五级</a:t>
             </a:r>
+            <a:endParaRPr lang="zh-CN" altLang="en-US"/>
           </a:p>
         </p:txBody>
       </p:sp>
@@ -2644,6 +2670,7 @@
               <a:rPr lang="zh-CN" altLang="en-US"/>
               <a:t>单击此处编辑母版文本样式</a:t>
             </a:r>
+            <a:endParaRPr lang="zh-CN" altLang="en-US"/>
           </a:p>
         </p:txBody>
       </p:sp>
@@ -2664,7 +2691,6 @@
           <a:p>
             <a:fld id="{D997B5FA-0921-464F-AAE1-844C04324D75}" type="datetimeFigureOut">
               <a:rPr lang="zh-CN" altLang="en-US" smtClean="0"/>
-              <a:t>2018/3/10</a:t>
             </a:fld>
             <a:endParaRPr lang="zh-CN" altLang="en-US"/>
           </a:p>
@@ -2706,7 +2732,6 @@
           <a:p>
             <a:fld id="{565CE74E-AB26-4998-AD42-012C4C1AD076}" type="slidenum">
               <a:rPr lang="zh-CN" altLang="en-US" smtClean="0"/>
-              <a:t>‹#›</a:t>
             </a:fld>
             <a:endParaRPr lang="zh-CN" altLang="en-US"/>
           </a:p>
@@ -2765,6 +2790,7 @@
               <a:rPr lang="zh-CN" altLang="en-US"/>
               <a:t>单击此处编辑母版标题样式</a:t>
             </a:r>
+            <a:endParaRPr lang="zh-CN" altLang="en-US"/>
           </a:p>
         </p:txBody>
       </p:sp>
@@ -2891,6 +2917,7 @@
               <a:rPr lang="zh-CN" altLang="en-US"/>
               <a:t>单击此处编辑母版文本样式</a:t>
             </a:r>
+            <a:endParaRPr lang="zh-CN" altLang="en-US"/>
           </a:p>
         </p:txBody>
       </p:sp>
@@ -2911,7 +2938,6 @@
           <a:p>
             <a:fld id="{D997B5FA-0921-464F-AAE1-844C04324D75}" type="datetimeFigureOut">
               <a:rPr lang="zh-CN" altLang="en-US" smtClean="0"/>
-              <a:t>2018/3/10</a:t>
             </a:fld>
             <a:endParaRPr lang="zh-CN" altLang="en-US"/>
           </a:p>
@@ -2953,7 +2979,6 @@
           <a:p>
             <a:fld id="{565CE74E-AB26-4998-AD42-012C4C1AD076}" type="slidenum">
               <a:rPr lang="zh-CN" altLang="en-US" smtClean="0"/>
-              <a:t>‹#›</a:t>
             </a:fld>
             <a:endParaRPr lang="zh-CN" altLang="en-US"/>
           </a:p>
@@ -3018,6 +3043,7 @@
               <a:rPr lang="zh-CN" altLang="en-US"/>
               <a:t>单击此处编辑母版标题样式</a:t>
             </a:r>
+            <a:endParaRPr lang="zh-CN" altLang="en-US"/>
           </a:p>
         </p:txBody>
       </p:sp>
@@ -3051,6 +3077,7 @@
               <a:rPr lang="zh-CN" altLang="en-US"/>
               <a:t>单击此处编辑母版文本样式</a:t>
             </a:r>
+            <a:endParaRPr lang="zh-CN" altLang="en-US"/>
           </a:p>
           <a:p>
             <a:pPr lvl="1"/>
@@ -3058,6 +3085,7 @@
               <a:rPr lang="zh-CN" altLang="en-US"/>
               <a:t>第二级</a:t>
             </a:r>
+            <a:endParaRPr lang="zh-CN" altLang="en-US"/>
           </a:p>
           <a:p>
             <a:pPr lvl="2"/>
@@ -3065,6 +3093,7 @@
               <a:rPr lang="zh-CN" altLang="en-US"/>
               <a:t>第三级</a:t>
             </a:r>
+            <a:endParaRPr lang="zh-CN" altLang="en-US"/>
           </a:p>
           <a:p>
             <a:pPr lvl="3"/>
@@ -3072,6 +3101,7 @@
               <a:rPr lang="zh-CN" altLang="en-US"/>
               <a:t>第四级</a:t>
             </a:r>
+            <a:endParaRPr lang="zh-CN" altLang="en-US"/>
           </a:p>
           <a:p>
             <a:pPr lvl="4"/>
@@ -3079,6 +3109,7 @@
               <a:rPr lang="zh-CN" altLang="en-US"/>
               <a:t>第五级</a:t>
             </a:r>
+            <a:endParaRPr lang="zh-CN" altLang="en-US"/>
           </a:p>
         </p:txBody>
       </p:sp>
@@ -3117,7 +3148,6 @@
           <a:p>
             <a:fld id="{D997B5FA-0921-464F-AAE1-844C04324D75}" type="datetimeFigureOut">
               <a:rPr lang="zh-CN" altLang="en-US" smtClean="0"/>
-              <a:t>2018/3/10</a:t>
             </a:fld>
             <a:endParaRPr lang="zh-CN" altLang="en-US"/>
           </a:p>
@@ -3195,7 +3225,6 @@
           <a:p>
             <a:fld id="{565CE74E-AB26-4998-AD42-012C4C1AD076}" type="slidenum">
               <a:rPr lang="zh-CN" altLang="en-US" smtClean="0"/>
-              <a:t>‹#›</a:t>
             </a:fld>
             <a:endParaRPr lang="zh-CN" altLang="en-US"/>
           </a:p>
@@ -3575,6 +3604,12 @@
               </a:rPr>
               <a:t>config</a:t>
             </a:r>
+            <a:endParaRPr lang="en-US" altLang="zh-CN" sz="2200">
+              <a:solidFill>
+                <a:schemeClr val="tx1"/>
+              </a:solidFill>
+              <a:sym typeface="+mn-ea"/>
+            </a:endParaRPr>
           </a:p>
         </p:txBody>
       </p:sp>
@@ -3636,6 +3671,12 @@
               </a:rPr>
               <a:t>price</a:t>
             </a:r>
+            <a:endParaRPr lang="en-US" altLang="zh-CN" sz="2200">
+              <a:solidFill>
+                <a:schemeClr val="tx1"/>
+              </a:solidFill>
+              <a:sym typeface="+mn-ea"/>
+            </a:endParaRPr>
           </a:p>
         </p:txBody>
       </p:sp>
@@ -3697,6 +3738,12 @@
               </a:rPr>
               <a:t>verify</a:t>
             </a:r>
+            <a:endParaRPr lang="en-US" altLang="zh-CN" sz="2200">
+              <a:solidFill>
+                <a:schemeClr val="tx1"/>
+              </a:solidFill>
+              <a:sym typeface="+mn-ea"/>
+            </a:endParaRPr>
           </a:p>
           <a:p>
             <a:pPr lvl="0" algn="ctr"/>
@@ -3709,6 +3756,12 @@
               </a:rPr>
               <a:t>code</a:t>
             </a:r>
+            <a:endParaRPr lang="en-US" altLang="zh-CN" sz="2200">
+              <a:solidFill>
+                <a:schemeClr val="tx1"/>
+              </a:solidFill>
+              <a:sym typeface="+mn-ea"/>
+            </a:endParaRPr>
           </a:p>
         </p:txBody>
       </p:sp>
@@ -3770,6 +3823,12 @@
               </a:rPr>
               <a:t>contact</a:t>
             </a:r>
+            <a:endParaRPr lang="en-US" altLang="zh-CN" sz="2200">
+              <a:solidFill>
+                <a:schemeClr val="tx1"/>
+              </a:solidFill>
+              <a:sym typeface="+mn-ea"/>
+            </a:endParaRPr>
           </a:p>
         </p:txBody>
       </p:sp>
@@ -3831,6 +3890,12 @@
               </a:rPr>
               <a:t>train</a:t>
             </a:r>
+            <a:endParaRPr lang="en-US" altLang="zh-CN" sz="2200">
+              <a:solidFill>
+                <a:schemeClr val="tx1"/>
+              </a:solidFill>
+              <a:sym typeface="+mn-ea"/>
+            </a:endParaRPr>
           </a:p>
         </p:txBody>
       </p:sp>
@@ -3892,6 +3957,12 @@
               </a:rPr>
               <a:t>station</a:t>
             </a:r>
+            <a:endParaRPr lang="en-US" altLang="zh-CN" sz="2200" dirty="0">
+              <a:solidFill>
+                <a:schemeClr val="tx1"/>
+              </a:solidFill>
+              <a:sym typeface="+mn-ea"/>
+            </a:endParaRPr>
           </a:p>
         </p:txBody>
       </p:sp>
@@ -3953,6 +4024,12 @@
               </a:rPr>
               <a:t>single</a:t>
             </a:r>
+            <a:endParaRPr lang="en-US" altLang="zh-CN" sz="2200">
+              <a:solidFill>
+                <a:schemeClr val="tx1"/>
+              </a:solidFill>
+              <a:sym typeface="+mn-ea"/>
+            </a:endParaRPr>
           </a:p>
           <a:p>
             <a:pPr lvl="0" algn="ctr"/>
@@ -3965,6 +4042,12 @@
               </a:rPr>
               <a:t> sign-on</a:t>
             </a:r>
+            <a:endParaRPr lang="en-US" altLang="zh-CN" sz="2200">
+              <a:solidFill>
+                <a:schemeClr val="tx1"/>
+              </a:solidFill>
+              <a:sym typeface="+mn-ea"/>
+            </a:endParaRPr>
           </a:p>
         </p:txBody>
       </p:sp>
@@ -4026,6 +4109,12 @@
               </a:rPr>
               <a:t>basic</a:t>
             </a:r>
+            <a:endParaRPr lang="en-US" altLang="zh-CN" sz="2200">
+              <a:solidFill>
+                <a:schemeClr val="tx1"/>
+              </a:solidFill>
+              <a:sym typeface="+mn-ea"/>
+            </a:endParaRPr>
           </a:p>
           <a:p>
             <a:pPr lvl="0" algn="ctr"/>
@@ -4038,6 +4127,12 @@
               </a:rPr>
               <a:t>info</a:t>
             </a:r>
+            <a:endParaRPr lang="en-US" altLang="zh-CN" sz="2200">
+              <a:solidFill>
+                <a:schemeClr val="tx1"/>
+              </a:solidFill>
+              <a:sym typeface="+mn-ea"/>
+            </a:endParaRPr>
           </a:p>
         </p:txBody>
       </p:sp>
@@ -4099,6 +4194,12 @@
               </a:rPr>
               <a:t>login</a:t>
             </a:r>
+            <a:endParaRPr lang="en-US" altLang="zh-CN" sz="2200">
+              <a:solidFill>
+                <a:schemeClr val="tx1"/>
+              </a:solidFill>
+              <a:sym typeface="+mn-ea"/>
+            </a:endParaRPr>
           </a:p>
         </p:txBody>
       </p:sp>
@@ -4160,6 +4261,12 @@
               </a:rPr>
               <a:t>register</a:t>
             </a:r>
+            <a:endParaRPr lang="en-US" altLang="zh-CN" sz="2200">
+              <a:solidFill>
+                <a:schemeClr val="tx1"/>
+              </a:solidFill>
+              <a:sym typeface="+mn-ea"/>
+            </a:endParaRPr>
           </a:p>
         </p:txBody>
       </p:sp>
@@ -4221,6 +4328,12 @@
               </a:rPr>
               <a:t>notify</a:t>
             </a:r>
+            <a:endParaRPr lang="en-US" altLang="zh-CN" sz="2200">
+              <a:solidFill>
+                <a:schemeClr val="tx1"/>
+              </a:solidFill>
+              <a:sym typeface="+mn-ea"/>
+            </a:endParaRPr>
           </a:p>
         </p:txBody>
       </p:sp>
@@ -4282,6 +4395,12 @@
               </a:rPr>
               <a:t>ticket</a:t>
             </a:r>
+            <a:endParaRPr lang="en-US" altLang="zh-CN" sz="2200">
+              <a:solidFill>
+                <a:schemeClr val="tx1"/>
+              </a:solidFill>
+              <a:sym typeface="+mn-ea"/>
+            </a:endParaRPr>
           </a:p>
           <a:p>
             <a:pPr lvl="0" algn="ctr"/>
@@ -4294,6 +4413,12 @@
               </a:rPr>
               <a:t>info</a:t>
             </a:r>
+            <a:endParaRPr lang="en-US" altLang="zh-CN" sz="2200">
+              <a:solidFill>
+                <a:schemeClr val="tx1"/>
+              </a:solidFill>
+              <a:sym typeface="+mn-ea"/>
+            </a:endParaRPr>
           </a:p>
         </p:txBody>
       </p:sp>
@@ -4355,6 +4480,12 @@
               </a:rPr>
               <a:t>high-speed</a:t>
             </a:r>
+            <a:endParaRPr lang="en-US" altLang="zh-CN" sz="2200" dirty="0">
+              <a:solidFill>
+                <a:schemeClr val="tx1"/>
+              </a:solidFill>
+              <a:sym typeface="+mn-ea"/>
+            </a:endParaRPr>
           </a:p>
           <a:p>
             <a:pPr lvl="0" algn="ctr"/>
@@ -4367,6 +4498,12 @@
               </a:rPr>
               <a:t>order</a:t>
             </a:r>
+            <a:endParaRPr lang="en-US" altLang="zh-CN" sz="2200" dirty="0">
+              <a:solidFill>
+                <a:schemeClr val="tx1"/>
+              </a:solidFill>
+              <a:sym typeface="+mn-ea"/>
+            </a:endParaRPr>
           </a:p>
         </p:txBody>
       </p:sp>
@@ -4428,6 +4565,12 @@
               </a:rPr>
               <a:t>high-speed</a:t>
             </a:r>
+            <a:endParaRPr lang="en-US" altLang="zh-CN" sz="2200" dirty="0">
+              <a:solidFill>
+                <a:schemeClr val="tx1"/>
+              </a:solidFill>
+              <a:sym typeface="+mn-ea"/>
+            </a:endParaRPr>
           </a:p>
           <a:p>
             <a:pPr lvl="0" algn="ctr"/>
@@ -4440,6 +4583,12 @@
               </a:rPr>
               <a:t>travel</a:t>
             </a:r>
+            <a:endParaRPr lang="en-US" altLang="zh-CN" sz="2200" dirty="0">
+              <a:solidFill>
+                <a:schemeClr val="tx1"/>
+              </a:solidFill>
+              <a:sym typeface="+mn-ea"/>
+            </a:endParaRPr>
           </a:p>
           <a:p>
             <a:pPr lvl="0" algn="ctr"/>
@@ -4452,6 +4601,12 @@
               </a:rPr>
               <a:t>explore</a:t>
             </a:r>
+            <a:endParaRPr lang="en-US" altLang="zh-CN" sz="2200" dirty="0">
+              <a:solidFill>
+                <a:schemeClr val="tx1"/>
+              </a:solidFill>
+              <a:sym typeface="+mn-ea"/>
+            </a:endParaRPr>
           </a:p>
         </p:txBody>
       </p:sp>
@@ -4513,6 +4668,12 @@
               </a:rPr>
               <a:t>inside</a:t>
             </a:r>
+            <a:endParaRPr lang="en-US" altLang="zh-CN" sz="2200" dirty="0">
+              <a:solidFill>
+                <a:schemeClr val="tx1"/>
+              </a:solidFill>
+              <a:sym typeface="+mn-ea"/>
+            </a:endParaRPr>
           </a:p>
           <a:p>
             <a:pPr lvl="0" algn="ctr"/>
@@ -4525,6 +4686,12 @@
               </a:rPr>
               <a:t>pay</a:t>
             </a:r>
+            <a:endParaRPr lang="en-US" altLang="zh-CN" sz="2200" dirty="0">
+              <a:solidFill>
+                <a:schemeClr val="tx1"/>
+              </a:solidFill>
+              <a:sym typeface="+mn-ea"/>
+            </a:endParaRPr>
           </a:p>
         </p:txBody>
       </p:sp>
@@ -4586,6 +4753,12 @@
               </a:rPr>
               <a:t>pay</a:t>
             </a:r>
+            <a:endParaRPr lang="en-US" altLang="zh-CN" sz="2200" dirty="0">
+              <a:solidFill>
+                <a:schemeClr val="tx1"/>
+              </a:solidFill>
+              <a:sym typeface="+mn-ea"/>
+            </a:endParaRPr>
           </a:p>
         </p:txBody>
       </p:sp>
@@ -4647,6 +4820,12 @@
               </a:rPr>
               <a:t>ticket</a:t>
             </a:r>
+            <a:endParaRPr lang="en-US" altLang="zh-CN" sz="2200" dirty="0">
+              <a:solidFill>
+                <a:schemeClr val="tx1"/>
+              </a:solidFill>
+              <a:sym typeface="+mn-ea"/>
+            </a:endParaRPr>
           </a:p>
           <a:p>
             <a:pPr lvl="0" algn="ctr"/>
@@ -4659,6 +4838,12 @@
               </a:rPr>
               <a:t>execute</a:t>
             </a:r>
+            <a:endParaRPr lang="en-US" altLang="zh-CN" sz="2200" dirty="0">
+              <a:solidFill>
+                <a:schemeClr val="tx1"/>
+              </a:solidFill>
+              <a:sym typeface="+mn-ea"/>
+            </a:endParaRPr>
           </a:p>
         </p:txBody>
       </p:sp>
@@ -4720,6 +4905,12 @@
               </a:rPr>
               <a:t>security</a:t>
             </a:r>
+            <a:endParaRPr lang="en-US" altLang="zh-CN" sz="2200">
+              <a:solidFill>
+                <a:schemeClr val="tx1"/>
+              </a:solidFill>
+              <a:sym typeface="+mn-ea"/>
+            </a:endParaRPr>
           </a:p>
         </p:txBody>
       </p:sp>
@@ -4781,6 +4972,12 @@
               </a:rPr>
               <a:t>ticket </a:t>
             </a:r>
+            <a:endParaRPr lang="en-US" altLang="zh-CN" sz="2200">
+              <a:solidFill>
+                <a:schemeClr val="tx1"/>
+              </a:solidFill>
+              <a:sym typeface="+mn-ea"/>
+            </a:endParaRPr>
           </a:p>
           <a:p>
             <a:pPr lvl="0" algn="ctr"/>
@@ -4793,6 +4990,12 @@
               </a:rPr>
               <a:t>rebook</a:t>
             </a:r>
+            <a:endParaRPr lang="en-US" altLang="zh-CN" sz="2200">
+              <a:solidFill>
+                <a:schemeClr val="tx1"/>
+              </a:solidFill>
+              <a:sym typeface="+mn-ea"/>
+            </a:endParaRPr>
           </a:p>
         </p:txBody>
       </p:sp>
@@ -4853,6 +5056,11 @@
               </a:rPr>
               <a:t>high-speed</a:t>
             </a:r>
+            <a:endParaRPr lang="en-US" altLang="zh-CN" sz="2200" dirty="0">
+              <a:solidFill>
+                <a:schemeClr val="tx1"/>
+              </a:solidFill>
+            </a:endParaRPr>
           </a:p>
           <a:p>
             <a:pPr algn="ctr"/>
@@ -4864,6 +5072,11 @@
               </a:rPr>
               <a:t>ticket</a:t>
             </a:r>
+            <a:endParaRPr lang="en-US" altLang="zh-CN" sz="2200" dirty="0">
+              <a:solidFill>
+                <a:schemeClr val="tx1"/>
+              </a:solidFill>
+            </a:endParaRPr>
           </a:p>
           <a:p>
             <a:pPr algn="ctr"/>
@@ -4875,6 +5088,11 @@
               </a:rPr>
               <a:t>reserve</a:t>
             </a:r>
+            <a:endParaRPr lang="en-US" altLang="zh-CN" sz="2200" dirty="0">
+              <a:solidFill>
+                <a:schemeClr val="tx1"/>
+              </a:solidFill>
+            </a:endParaRPr>
           </a:p>
         </p:txBody>
       </p:sp>
@@ -4936,6 +5154,12 @@
               </a:rPr>
               <a:t>order</a:t>
             </a:r>
+            <a:endParaRPr lang="en-US" altLang="zh-CN" sz="2200">
+              <a:solidFill>
+                <a:schemeClr val="tx1"/>
+              </a:solidFill>
+              <a:sym typeface="+mn-ea"/>
+            </a:endParaRPr>
           </a:p>
         </p:txBody>
       </p:sp>
@@ -4996,6 +5220,11 @@
               </a:rPr>
               <a:t>ticket</a:t>
             </a:r>
+            <a:endParaRPr lang="en-US" altLang="zh-CN" sz="2200" dirty="0">
+              <a:solidFill>
+                <a:schemeClr val="tx1"/>
+              </a:solidFill>
+            </a:endParaRPr>
           </a:p>
           <a:p>
             <a:pPr algn="ctr"/>
@@ -5074,6 +5303,12 @@
               </a:rPr>
               <a:t>travel</a:t>
             </a:r>
+            <a:endParaRPr lang="en-US" altLang="zh-CN" sz="2200" dirty="0">
+              <a:solidFill>
+                <a:schemeClr val="tx1"/>
+              </a:solidFill>
+              <a:sym typeface="+mn-ea"/>
+            </a:endParaRPr>
           </a:p>
           <a:p>
             <a:pPr lvl="0" algn="ctr"/>
@@ -5086,6 +5321,12 @@
               </a:rPr>
               <a:t>explore</a:t>
             </a:r>
+            <a:endParaRPr lang="en-US" altLang="zh-CN" sz="2200" dirty="0">
+              <a:solidFill>
+                <a:schemeClr val="tx1"/>
+              </a:solidFill>
+              <a:sym typeface="+mn-ea"/>
+            </a:endParaRPr>
           </a:p>
         </p:txBody>
       </p:sp>
@@ -5147,6 +5388,12 @@
               </a:rPr>
               <a:t>cancel</a:t>
             </a:r>
+            <a:endParaRPr lang="en-US" altLang="zh-CN" sz="2200" dirty="0">
+              <a:solidFill>
+                <a:schemeClr val="tx1"/>
+              </a:solidFill>
+              <a:sym typeface="+mn-ea"/>
+            </a:endParaRPr>
           </a:p>
           <a:p>
             <a:pPr lvl="0" algn="ctr"/>
@@ -5159,6 +5406,12 @@
               </a:rPr>
               <a:t>order</a:t>
             </a:r>
+            <a:endParaRPr lang="en-US" altLang="zh-CN" sz="2200" dirty="0">
+              <a:solidFill>
+                <a:schemeClr val="tx1"/>
+              </a:solidFill>
+              <a:sym typeface="+mn-ea"/>
+            </a:endParaRPr>
           </a:p>
         </p:txBody>
       </p:sp>
@@ -5214,6 +5467,11 @@
               </a:rPr>
               <a:t>Gateway</a:t>
             </a:r>
+            <a:endParaRPr lang="en-US" altLang="zh-CN" sz="2800" dirty="0">
+              <a:solidFill>
+                <a:schemeClr val="tx1"/>
+              </a:solidFill>
+            </a:endParaRPr>
           </a:p>
         </p:txBody>
       </p:sp>
@@ -5269,6 +5527,11 @@
               </a:rPr>
               <a:t>Service</a:t>
             </a:r>
+            <a:endParaRPr lang="en-US" altLang="zh-CN" sz="2800" dirty="0">
+              <a:solidFill>
+                <a:schemeClr val="tx1"/>
+              </a:solidFill>
+            </a:endParaRPr>
           </a:p>
           <a:p>
             <a:pPr algn="ctr"/>
@@ -5280,6 +5543,11 @@
               </a:rPr>
               <a:t>Discovery</a:t>
             </a:r>
+            <a:endParaRPr lang="en-US" altLang="zh-CN" sz="2800" dirty="0">
+              <a:solidFill>
+                <a:schemeClr val="tx1"/>
+              </a:solidFill>
+            </a:endParaRPr>
           </a:p>
           <a:p>
             <a:pPr algn="ctr"/>
@@ -5299,6 +5567,11 @@
               </a:rPr>
               <a:t>Service</a:t>
             </a:r>
+            <a:endParaRPr lang="en-US" altLang="zh-CN" sz="2800" dirty="0">
+              <a:solidFill>
+                <a:schemeClr val="tx1"/>
+              </a:solidFill>
+            </a:endParaRPr>
           </a:p>
           <a:p>
             <a:pPr algn="ctr"/>
@@ -5310,6 +5583,11 @@
               </a:rPr>
               <a:t>Registry</a:t>
             </a:r>
+            <a:endParaRPr lang="en-US" altLang="zh-CN" sz="2800" dirty="0">
+              <a:solidFill>
+                <a:schemeClr val="tx1"/>
+              </a:solidFill>
+            </a:endParaRPr>
           </a:p>
           <a:p>
             <a:pPr algn="ctr"/>
@@ -5329,6 +5607,11 @@
               </a:rPr>
               <a:t>Load</a:t>
             </a:r>
+            <a:endParaRPr lang="en-US" altLang="zh-CN" sz="2800" dirty="0">
+              <a:solidFill>
+                <a:schemeClr val="tx1"/>
+              </a:solidFill>
+            </a:endParaRPr>
           </a:p>
           <a:p>
             <a:pPr algn="ctr"/>
@@ -5340,6 +5623,11 @@
               </a:rPr>
               <a:t>Balance</a:t>
             </a:r>
+            <a:endParaRPr lang="en-US" altLang="zh-CN" sz="2800" dirty="0">
+              <a:solidFill>
+                <a:schemeClr val="tx1"/>
+              </a:solidFill>
+            </a:endParaRPr>
           </a:p>
           <a:p>
             <a:pPr algn="ctr"/>
@@ -6412,6 +6700,12 @@
               </a:rPr>
               <a:t>config</a:t>
             </a:r>
+            <a:endParaRPr lang="en-US" altLang="zh-CN" sz="1400">
+              <a:solidFill>
+                <a:schemeClr val="tx1"/>
+              </a:solidFill>
+              <a:sym typeface="+mn-ea"/>
+            </a:endParaRPr>
           </a:p>
         </p:txBody>
       </p:sp>
@@ -6473,6 +6767,12 @@
               </a:rPr>
               <a:t>price</a:t>
             </a:r>
+            <a:endParaRPr lang="en-US" altLang="zh-CN" sz="1400">
+              <a:solidFill>
+                <a:schemeClr val="tx1"/>
+              </a:solidFill>
+              <a:sym typeface="+mn-ea"/>
+            </a:endParaRPr>
           </a:p>
         </p:txBody>
       </p:sp>
@@ -6534,6 +6834,12 @@
               </a:rPr>
               <a:t>verify</a:t>
             </a:r>
+            <a:endParaRPr lang="en-US" altLang="zh-CN" sz="1200">
+              <a:solidFill>
+                <a:schemeClr val="tx1"/>
+              </a:solidFill>
+              <a:sym typeface="+mn-ea"/>
+            </a:endParaRPr>
           </a:p>
           <a:p>
             <a:pPr lvl="0" algn="ctr"/>
@@ -6546,6 +6852,12 @@
               </a:rPr>
               <a:t>code</a:t>
             </a:r>
+            <a:endParaRPr lang="en-US" altLang="zh-CN" sz="1200">
+              <a:solidFill>
+                <a:schemeClr val="tx1"/>
+              </a:solidFill>
+              <a:sym typeface="+mn-ea"/>
+            </a:endParaRPr>
           </a:p>
         </p:txBody>
       </p:sp>
@@ -6607,6 +6919,12 @@
               </a:rPr>
               <a:t>contact</a:t>
             </a:r>
+            <a:endParaRPr lang="en-US" altLang="zh-CN" sz="1400">
+              <a:solidFill>
+                <a:schemeClr val="tx1"/>
+              </a:solidFill>
+              <a:sym typeface="+mn-ea"/>
+            </a:endParaRPr>
           </a:p>
         </p:txBody>
       </p:sp>
@@ -6668,6 +6986,12 @@
               </a:rPr>
               <a:t>train</a:t>
             </a:r>
+            <a:endParaRPr lang="en-US" altLang="zh-CN" sz="1400" dirty="0">
+              <a:solidFill>
+                <a:schemeClr val="tx1"/>
+              </a:solidFill>
+              <a:sym typeface="+mn-ea"/>
+            </a:endParaRPr>
           </a:p>
         </p:txBody>
       </p:sp>
@@ -6729,6 +7053,12 @@
               </a:rPr>
               <a:t>station</a:t>
             </a:r>
+            <a:endParaRPr lang="en-US" altLang="zh-CN" sz="1400" dirty="0">
+              <a:solidFill>
+                <a:schemeClr val="tx1"/>
+              </a:solidFill>
+              <a:sym typeface="+mn-ea"/>
+            </a:endParaRPr>
           </a:p>
         </p:txBody>
       </p:sp>
@@ -6790,6 +7120,12 @@
               </a:rPr>
               <a:t>single</a:t>
             </a:r>
+            <a:endParaRPr lang="en-US" altLang="zh-CN" sz="1200">
+              <a:solidFill>
+                <a:schemeClr val="tx1"/>
+              </a:solidFill>
+              <a:sym typeface="+mn-ea"/>
+            </a:endParaRPr>
           </a:p>
           <a:p>
             <a:pPr lvl="0" algn="ctr"/>
@@ -6802,6 +7138,12 @@
               </a:rPr>
               <a:t> sign-on</a:t>
             </a:r>
+            <a:endParaRPr lang="en-US" altLang="zh-CN" sz="1200">
+              <a:solidFill>
+                <a:schemeClr val="tx1"/>
+              </a:solidFill>
+              <a:sym typeface="+mn-ea"/>
+            </a:endParaRPr>
           </a:p>
         </p:txBody>
       </p:sp>
@@ -6863,6 +7205,12 @@
               </a:rPr>
               <a:t>basic</a:t>
             </a:r>
+            <a:endParaRPr lang="en-US" altLang="zh-CN" sz="1200" dirty="0">
+              <a:solidFill>
+                <a:schemeClr val="tx1"/>
+              </a:solidFill>
+              <a:sym typeface="+mn-ea"/>
+            </a:endParaRPr>
           </a:p>
           <a:p>
             <a:pPr lvl="0" algn="ctr"/>
@@ -6875,6 +7223,12 @@
               </a:rPr>
               <a:t>info</a:t>
             </a:r>
+            <a:endParaRPr lang="en-US" altLang="zh-CN" sz="1200" dirty="0">
+              <a:solidFill>
+                <a:schemeClr val="tx1"/>
+              </a:solidFill>
+              <a:sym typeface="+mn-ea"/>
+            </a:endParaRPr>
           </a:p>
         </p:txBody>
       </p:sp>
@@ -6936,6 +7290,12 @@
               </a:rPr>
               <a:t>login</a:t>
             </a:r>
+            <a:endParaRPr lang="en-US" altLang="zh-CN" sz="1400">
+              <a:solidFill>
+                <a:schemeClr val="tx1"/>
+              </a:solidFill>
+              <a:sym typeface="+mn-ea"/>
+            </a:endParaRPr>
           </a:p>
         </p:txBody>
       </p:sp>
@@ -6997,6 +7357,12 @@
               </a:rPr>
               <a:t>register</a:t>
             </a:r>
+            <a:endParaRPr lang="en-US" altLang="zh-CN" sz="1400" dirty="0">
+              <a:solidFill>
+                <a:schemeClr val="tx1"/>
+              </a:solidFill>
+              <a:sym typeface="+mn-ea"/>
+            </a:endParaRPr>
           </a:p>
         </p:txBody>
       </p:sp>
@@ -7058,6 +7424,12 @@
               </a:rPr>
               <a:t>notify</a:t>
             </a:r>
+            <a:endParaRPr lang="en-US" altLang="zh-CN" sz="1400">
+              <a:solidFill>
+                <a:schemeClr val="tx1"/>
+              </a:solidFill>
+              <a:sym typeface="+mn-ea"/>
+            </a:endParaRPr>
           </a:p>
         </p:txBody>
       </p:sp>
@@ -7119,6 +7491,12 @@
               </a:rPr>
               <a:t>ticket</a:t>
             </a:r>
+            <a:endParaRPr lang="en-US" altLang="zh-CN" sz="1200" dirty="0">
+              <a:solidFill>
+                <a:schemeClr val="tx1"/>
+              </a:solidFill>
+              <a:sym typeface="+mn-ea"/>
+            </a:endParaRPr>
           </a:p>
           <a:p>
             <a:pPr lvl="0" algn="ctr"/>
@@ -7131,6 +7509,12 @@
               </a:rPr>
               <a:t>info</a:t>
             </a:r>
+            <a:endParaRPr lang="en-US" altLang="zh-CN" sz="1200" dirty="0">
+              <a:solidFill>
+                <a:schemeClr val="tx1"/>
+              </a:solidFill>
+              <a:sym typeface="+mn-ea"/>
+            </a:endParaRPr>
           </a:p>
         </p:txBody>
       </p:sp>
@@ -7192,6 +7576,12 @@
               </a:rPr>
               <a:t>high-speed</a:t>
             </a:r>
+            <a:endParaRPr lang="en-US" altLang="zh-CN" sz="1200" dirty="0">
+              <a:solidFill>
+                <a:schemeClr val="tx1"/>
+              </a:solidFill>
+              <a:sym typeface="+mn-ea"/>
+            </a:endParaRPr>
           </a:p>
           <a:p>
             <a:pPr lvl="0" algn="ctr"/>
@@ -7204,6 +7594,12 @@
               </a:rPr>
               <a:t>order</a:t>
             </a:r>
+            <a:endParaRPr lang="en-US" altLang="zh-CN" sz="1200" dirty="0">
+              <a:solidFill>
+                <a:schemeClr val="tx1"/>
+              </a:solidFill>
+              <a:sym typeface="+mn-ea"/>
+            </a:endParaRPr>
           </a:p>
         </p:txBody>
       </p:sp>
@@ -7265,6 +7661,12 @@
               </a:rPr>
               <a:t>high-speed</a:t>
             </a:r>
+            <a:endParaRPr lang="en-US" altLang="zh-CN" sz="1000" dirty="0">
+              <a:solidFill>
+                <a:schemeClr val="tx1"/>
+              </a:solidFill>
+              <a:sym typeface="+mn-ea"/>
+            </a:endParaRPr>
           </a:p>
           <a:p>
             <a:pPr lvl="0" algn="ctr"/>
@@ -7277,6 +7679,12 @@
               </a:rPr>
               <a:t>travel</a:t>
             </a:r>
+            <a:endParaRPr lang="en-US" altLang="zh-CN" sz="1000" dirty="0">
+              <a:solidFill>
+                <a:schemeClr val="tx1"/>
+              </a:solidFill>
+              <a:sym typeface="+mn-ea"/>
+            </a:endParaRPr>
           </a:p>
           <a:p>
             <a:pPr lvl="0" algn="ctr"/>
@@ -7289,6 +7697,12 @@
               </a:rPr>
               <a:t>explore</a:t>
             </a:r>
+            <a:endParaRPr lang="en-US" altLang="zh-CN" sz="1000" dirty="0">
+              <a:solidFill>
+                <a:schemeClr val="tx1"/>
+              </a:solidFill>
+              <a:sym typeface="+mn-ea"/>
+            </a:endParaRPr>
           </a:p>
         </p:txBody>
       </p:sp>
@@ -7350,6 +7764,12 @@
               </a:rPr>
               <a:t>inside</a:t>
             </a:r>
+            <a:endParaRPr lang="en-US" altLang="zh-CN" sz="1200" dirty="0">
+              <a:solidFill>
+                <a:schemeClr val="tx1"/>
+              </a:solidFill>
+              <a:sym typeface="+mn-ea"/>
+            </a:endParaRPr>
           </a:p>
           <a:p>
             <a:pPr lvl="0" algn="ctr"/>
@@ -7362,6 +7782,12 @@
               </a:rPr>
               <a:t>pay</a:t>
             </a:r>
+            <a:endParaRPr lang="en-US" altLang="zh-CN" sz="1200" dirty="0">
+              <a:solidFill>
+                <a:schemeClr val="tx1"/>
+              </a:solidFill>
+              <a:sym typeface="+mn-ea"/>
+            </a:endParaRPr>
           </a:p>
         </p:txBody>
       </p:sp>
@@ -7423,6 +7849,12 @@
               </a:rPr>
               <a:t>pay</a:t>
             </a:r>
+            <a:endParaRPr lang="en-US" altLang="zh-CN" sz="1400" dirty="0">
+              <a:solidFill>
+                <a:schemeClr val="tx1"/>
+              </a:solidFill>
+              <a:sym typeface="+mn-ea"/>
+            </a:endParaRPr>
           </a:p>
         </p:txBody>
       </p:sp>
@@ -7484,6 +7916,12 @@
               </a:rPr>
               <a:t>ticket</a:t>
             </a:r>
+            <a:endParaRPr lang="en-US" altLang="zh-CN" sz="1200" dirty="0">
+              <a:solidFill>
+                <a:schemeClr val="tx1"/>
+              </a:solidFill>
+              <a:sym typeface="+mn-ea"/>
+            </a:endParaRPr>
           </a:p>
           <a:p>
             <a:pPr lvl="0" algn="ctr"/>
@@ -7496,6 +7934,12 @@
               </a:rPr>
               <a:t>execute</a:t>
             </a:r>
+            <a:endParaRPr lang="en-US" altLang="zh-CN" sz="1200" dirty="0">
+              <a:solidFill>
+                <a:schemeClr val="tx1"/>
+              </a:solidFill>
+              <a:sym typeface="+mn-ea"/>
+            </a:endParaRPr>
           </a:p>
         </p:txBody>
       </p:sp>
@@ -7557,6 +8001,12 @@
               </a:rPr>
               <a:t>security</a:t>
             </a:r>
+            <a:endParaRPr lang="en-US" altLang="zh-CN" sz="1400">
+              <a:solidFill>
+                <a:schemeClr val="tx1"/>
+              </a:solidFill>
+              <a:sym typeface="+mn-ea"/>
+            </a:endParaRPr>
           </a:p>
         </p:txBody>
       </p:sp>
@@ -7618,6 +8068,12 @@
               </a:rPr>
               <a:t>ticket </a:t>
             </a:r>
+            <a:endParaRPr lang="en-US" altLang="zh-CN" sz="1200" dirty="0">
+              <a:solidFill>
+                <a:schemeClr val="tx1"/>
+              </a:solidFill>
+              <a:sym typeface="+mn-ea"/>
+            </a:endParaRPr>
           </a:p>
           <a:p>
             <a:pPr lvl="0" algn="ctr"/>
@@ -7630,6 +8086,12 @@
               </a:rPr>
               <a:t>rebook</a:t>
             </a:r>
+            <a:endParaRPr lang="en-US" altLang="zh-CN" sz="1200" dirty="0">
+              <a:solidFill>
+                <a:schemeClr val="tx1"/>
+              </a:solidFill>
+              <a:sym typeface="+mn-ea"/>
+            </a:endParaRPr>
           </a:p>
         </p:txBody>
       </p:sp>
@@ -7690,6 +8152,11 @@
               </a:rPr>
               <a:t>high-speed</a:t>
             </a:r>
+            <a:endParaRPr lang="en-US" altLang="zh-CN" sz="1100" dirty="0">
+              <a:solidFill>
+                <a:schemeClr val="tx1"/>
+              </a:solidFill>
+            </a:endParaRPr>
           </a:p>
           <a:p>
             <a:pPr algn="ctr"/>
@@ -7701,6 +8168,11 @@
               </a:rPr>
               <a:t>ticket</a:t>
             </a:r>
+            <a:endParaRPr lang="en-US" altLang="zh-CN" sz="1100" dirty="0">
+              <a:solidFill>
+                <a:schemeClr val="tx1"/>
+              </a:solidFill>
+            </a:endParaRPr>
           </a:p>
           <a:p>
             <a:pPr algn="ctr"/>
@@ -7712,6 +8184,11 @@
               </a:rPr>
               <a:t>reserve</a:t>
             </a:r>
+            <a:endParaRPr lang="en-US" altLang="zh-CN" sz="1100" dirty="0">
+              <a:solidFill>
+                <a:schemeClr val="tx1"/>
+              </a:solidFill>
+            </a:endParaRPr>
           </a:p>
         </p:txBody>
       </p:sp>
@@ -7773,6 +8250,12 @@
               </a:rPr>
               <a:t>order</a:t>
             </a:r>
+            <a:endParaRPr lang="en-US" altLang="zh-CN" sz="1400" dirty="0">
+              <a:solidFill>
+                <a:schemeClr val="tx1"/>
+              </a:solidFill>
+              <a:sym typeface="+mn-ea"/>
+            </a:endParaRPr>
           </a:p>
         </p:txBody>
       </p:sp>
@@ -7833,6 +8316,11 @@
               </a:rPr>
               <a:t>ticket</a:t>
             </a:r>
+            <a:endParaRPr lang="en-US" altLang="zh-CN" sz="1400" dirty="0">
+              <a:solidFill>
+                <a:schemeClr val="tx1"/>
+              </a:solidFill>
+            </a:endParaRPr>
           </a:p>
           <a:p>
             <a:pPr algn="ctr"/>
@@ -7911,6 +8399,12 @@
               </a:rPr>
               <a:t>travel</a:t>
             </a:r>
+            <a:endParaRPr lang="en-US" altLang="zh-CN" sz="1400" dirty="0">
+              <a:solidFill>
+                <a:schemeClr val="tx1"/>
+              </a:solidFill>
+              <a:sym typeface="+mn-ea"/>
+            </a:endParaRPr>
           </a:p>
           <a:p>
             <a:pPr lvl="0" algn="ctr"/>
@@ -7923,6 +8417,12 @@
               </a:rPr>
               <a:t>explore</a:t>
             </a:r>
+            <a:endParaRPr lang="en-US" altLang="zh-CN" sz="1400" dirty="0">
+              <a:solidFill>
+                <a:schemeClr val="tx1"/>
+              </a:solidFill>
+              <a:sym typeface="+mn-ea"/>
+            </a:endParaRPr>
           </a:p>
         </p:txBody>
       </p:sp>
@@ -7984,6 +8484,12 @@
               </a:rPr>
               <a:t>cancel</a:t>
             </a:r>
+            <a:endParaRPr lang="en-US" altLang="zh-CN" sz="1200" dirty="0">
+              <a:solidFill>
+                <a:schemeClr val="tx1"/>
+              </a:solidFill>
+              <a:sym typeface="+mn-ea"/>
+            </a:endParaRPr>
           </a:p>
           <a:p>
             <a:pPr lvl="0" algn="ctr"/>
@@ -7996,6 +8502,12 @@
               </a:rPr>
               <a:t>order</a:t>
             </a:r>
+            <a:endParaRPr lang="en-US" altLang="zh-CN" sz="1200" dirty="0">
+              <a:solidFill>
+                <a:schemeClr val="tx1"/>
+              </a:solidFill>
+              <a:sym typeface="+mn-ea"/>
+            </a:endParaRPr>
           </a:p>
         </p:txBody>
       </p:sp>
@@ -9031,6 +9543,12 @@
               </a:rPr>
               <a:t>Travel admin</a:t>
             </a:r>
+            <a:endParaRPr lang="en-US" altLang="zh-CN" sz="1400">
+              <a:solidFill>
+                <a:schemeClr val="tx1"/>
+              </a:solidFill>
+              <a:sym typeface="+mn-ea"/>
+            </a:endParaRPr>
           </a:p>
           <a:p>
             <a:pPr lvl="0" algn="ctr"/>
@@ -9043,6 +9561,12 @@
               </a:rPr>
               <a:t>(order, route, </a:t>
             </a:r>
+            <a:endParaRPr lang="en-US" altLang="zh-CN" sz="1400" dirty="0">
+              <a:solidFill>
+                <a:schemeClr val="tx1"/>
+              </a:solidFill>
+              <a:sym typeface="+mn-ea"/>
+            </a:endParaRPr>
           </a:p>
           <a:p>
             <a:pPr lvl="0" algn="ctr"/>
@@ -9055,6 +9579,12 @@
               </a:rPr>
               <a:t>station)</a:t>
             </a:r>
+            <a:endParaRPr lang="en-US" altLang="zh-CN" sz="1400" dirty="0">
+              <a:solidFill>
+                <a:schemeClr val="tx1"/>
+              </a:solidFill>
+              <a:sym typeface="+mn-ea"/>
+            </a:endParaRPr>
           </a:p>
         </p:txBody>
       </p:sp>
@@ -9347,6 +9877,12 @@
               </a:rPr>
               <a:t>Route</a:t>
             </a:r>
+            <a:endParaRPr lang="en-US" altLang="zh-CN" sz="1400" dirty="0">
+              <a:solidFill>
+                <a:schemeClr val="tx1"/>
+              </a:solidFill>
+              <a:sym typeface="+mn-ea"/>
+            </a:endParaRPr>
           </a:p>
         </p:txBody>
       </p:sp>
@@ -9567,6 +10103,12 @@
               </a:rPr>
               <a:t>assurance</a:t>
             </a:r>
+            <a:endParaRPr lang="en-US" altLang="zh-CN" sz="1400" dirty="0">
+              <a:solidFill>
+                <a:schemeClr val="tx1"/>
+              </a:solidFill>
+              <a:sym typeface="+mn-ea"/>
+            </a:endParaRPr>
           </a:p>
         </p:txBody>
       </p:sp>
@@ -9666,6 +10208,12 @@
               </a:rPr>
               <a:t>news(go)</a:t>
             </a:r>
+            <a:endParaRPr lang="en-US" altLang="zh-CN" sz="1400" dirty="0">
+              <a:solidFill>
+                <a:schemeClr val="tx1"/>
+              </a:solidFill>
+              <a:sym typeface="+mn-ea"/>
+            </a:endParaRPr>
           </a:p>
         </p:txBody>
       </p:sp>
@@ -9775,6 +10323,20 @@
               </a:rPr>
               <a:t>entrance</a:t>
             </a:r>
+            <a:endParaRPr lang="en-US" altLang="zh-CN" sz="1400" dirty="0">
+              <a:ln w="0"/>
+              <a:solidFill>
+                <a:schemeClr val="tx1"/>
+              </a:solidFill>
+              <a:effectLst>
+                <a:outerShdw blurRad="38100" dist="19050" dir="2700000" algn="tl" rotWithShape="0">
+                  <a:schemeClr val="dk1">
+                    <a:alpha val="40000"/>
+                  </a:schemeClr>
+                </a:outerShdw>
+              </a:effectLst>
+              <a:sym typeface="+mn-ea"/>
+            </a:endParaRPr>
           </a:p>
         </p:txBody>
       </p:sp>
@@ -9909,6 +10471,12 @@
               </a:rPr>
               <a:t>Advanced travel</a:t>
             </a:r>
+            <a:endParaRPr lang="en-US" altLang="zh-CN" sz="1600" dirty="0">
+              <a:solidFill>
+                <a:schemeClr val="tx1"/>
+              </a:solidFill>
+              <a:sym typeface="+mn-ea"/>
+            </a:endParaRPr>
           </a:p>
           <a:p>
             <a:pPr lvl="0" algn="ctr"/>
@@ -9921,6 +10489,12 @@
               </a:rPr>
               <a:t>(route info + ticket)</a:t>
             </a:r>
+            <a:endParaRPr lang="en-US" altLang="zh-CN" sz="1600" dirty="0">
+              <a:solidFill>
+                <a:schemeClr val="tx1"/>
+              </a:solidFill>
+              <a:sym typeface="+mn-ea"/>
+            </a:endParaRPr>
           </a:p>
         </p:txBody>
       </p:sp>
@@ -10056,6 +10630,12 @@
               </a:rPr>
               <a:t>customer support</a:t>
             </a:r>
+            <a:endParaRPr lang="en-US" altLang="zh-CN" sz="1400" dirty="0">
+              <a:solidFill>
+                <a:schemeClr val="tx1"/>
+              </a:solidFill>
+              <a:sym typeface="+mn-ea"/>
+            </a:endParaRPr>
           </a:p>
         </p:txBody>
       </p:sp>
@@ -10119,6 +10699,12 @@
               </a:rPr>
               <a:t>route plan</a:t>
             </a:r>
+            <a:endParaRPr lang="en-US" altLang="zh-CN" sz="1600" dirty="0">
+              <a:solidFill>
+                <a:schemeClr val="tx1"/>
+              </a:solidFill>
+              <a:sym typeface="+mn-ea"/>
+            </a:endParaRPr>
           </a:p>
           <a:p>
             <a:pPr lvl="0" algn="ctr"/>
@@ -10131,6 +10717,12 @@
               </a:rPr>
               <a:t>(price, change, time)</a:t>
             </a:r>
+            <a:endParaRPr lang="en-US" altLang="zh-CN" sz="1600" dirty="0">
+              <a:solidFill>
+                <a:schemeClr val="tx1"/>
+              </a:solidFill>
+              <a:sym typeface="+mn-ea"/>
+            </a:endParaRPr>
           </a:p>
         </p:txBody>
       </p:sp>
@@ -10194,6 +10786,12 @@
               </a:rPr>
               <a:t>ticket office</a:t>
             </a:r>
+            <a:endParaRPr lang="en-US" altLang="zh-CN" sz="1400" dirty="0">
+              <a:solidFill>
+                <a:schemeClr val="tx1"/>
+              </a:solidFill>
+              <a:sym typeface="+mn-ea"/>
+            </a:endParaRPr>
           </a:p>
           <a:p>
             <a:pPr lvl="0" algn="ctr"/>
@@ -10206,6 +10804,12 @@
               </a:rPr>
               <a:t>(nodejs)</a:t>
             </a:r>
+            <a:endParaRPr lang="en-US" altLang="zh-CN" sz="1400" dirty="0">
+              <a:solidFill>
+                <a:schemeClr val="tx1"/>
+              </a:solidFill>
+              <a:sym typeface="+mn-ea"/>
+            </a:endParaRPr>
           </a:p>
         </p:txBody>
       </p:sp>
@@ -10307,6 +10911,12 @@
               </a:rPr>
               <a:t>consign</a:t>
             </a:r>
+            <a:endParaRPr lang="en-US" altLang="zh-CN" sz="1400" dirty="0">
+              <a:solidFill>
+                <a:schemeClr val="tx1"/>
+              </a:solidFill>
+              <a:sym typeface="+mn-ea"/>
+            </a:endParaRPr>
           </a:p>
         </p:txBody>
       </p:sp>
@@ -10370,6 +10980,12 @@
               </a:rPr>
               <a:t>consign price</a:t>
             </a:r>
+            <a:endParaRPr lang="en-US" altLang="zh-CN" sz="1400" dirty="0">
+              <a:solidFill>
+                <a:schemeClr val="tx1"/>
+              </a:solidFill>
+              <a:sym typeface="+mn-ea"/>
+            </a:endParaRPr>
           </a:p>
         </p:txBody>
       </p:sp>
@@ -10505,6 +11121,12 @@
               </a:rPr>
               <a:t>voucher</a:t>
             </a:r>
+            <a:endParaRPr lang="en-US" altLang="zh-CN" sz="1400" dirty="0">
+              <a:solidFill>
+                <a:schemeClr val="tx1"/>
+              </a:solidFill>
+              <a:sym typeface="+mn-ea"/>
+            </a:endParaRPr>
           </a:p>
         </p:txBody>
       </p:sp>
@@ -10604,6 +11226,12 @@
               </a:rPr>
               <a:t>ticket preserve</a:t>
             </a:r>
+            <a:endParaRPr lang="en-US" altLang="zh-CN" sz="1400" dirty="0">
+              <a:solidFill>
+                <a:schemeClr val="tx1"/>
+              </a:solidFill>
+              <a:sym typeface="+mn-ea"/>
+            </a:endParaRPr>
           </a:p>
           <a:p>
             <a:pPr lvl="0" algn="ctr"/>
@@ -10616,6 +11244,12 @@
               </a:rPr>
               <a:t>(voice)</a:t>
             </a:r>
+            <a:endParaRPr lang="en-US" altLang="zh-CN" sz="1400" dirty="0">
+              <a:solidFill>
+                <a:schemeClr val="tx1"/>
+              </a:solidFill>
+              <a:sym typeface="+mn-ea"/>
+            </a:endParaRPr>
           </a:p>
         </p:txBody>
       </p:sp>
@@ -10679,6 +11313,12 @@
               </a:rPr>
               <a:t>voice process</a:t>
             </a:r>
+            <a:endParaRPr lang="en-US" altLang="zh-CN" sz="1400" dirty="0">
+              <a:solidFill>
+                <a:schemeClr val="tx1"/>
+              </a:solidFill>
+              <a:sym typeface="+mn-ea"/>
+            </a:endParaRPr>
           </a:p>
         </p:txBody>
       </p:sp>
@@ -10742,6 +11382,12 @@
               </a:rPr>
               <a:t>ticket semantic</a:t>
             </a:r>
+            <a:endParaRPr lang="en-US" altLang="zh-CN" sz="1400" dirty="0">
+              <a:solidFill>
+                <a:schemeClr val="tx1"/>
+              </a:solidFill>
+              <a:sym typeface="+mn-ea"/>
+            </a:endParaRPr>
           </a:p>
         </p:txBody>
       </p:sp>
@@ -10805,6 +11451,12 @@
               </a:rPr>
               <a:t>voice filter</a:t>
             </a:r>
+            <a:endParaRPr lang="en-US" altLang="zh-CN" sz="1400" dirty="0">
+              <a:solidFill>
+                <a:schemeClr val="tx1"/>
+              </a:solidFill>
+              <a:sym typeface="+mn-ea"/>
+            </a:endParaRPr>
           </a:p>
         </p:txBody>
       </p:sp>
@@ -10868,6 +11520,12 @@
               </a:rPr>
               <a:t>semantic filter</a:t>
             </a:r>
+            <a:endParaRPr lang="en-US" altLang="zh-CN" sz="1400" dirty="0">
+              <a:solidFill>
+                <a:schemeClr val="tx1"/>
+              </a:solidFill>
+              <a:sym typeface="+mn-ea"/>
+            </a:endParaRPr>
           </a:p>
         </p:txBody>
       </p:sp>
@@ -10931,6 +11589,12 @@
               </a:rPr>
               <a:t>result generator</a:t>
             </a:r>
+            <a:endParaRPr lang="en-US" altLang="zh-CN" sz="1400" dirty="0">
+              <a:solidFill>
+                <a:schemeClr val="tx1"/>
+              </a:solidFill>
+              <a:sym typeface="+mn-ea"/>
+            </a:endParaRPr>
           </a:p>
         </p:txBody>
       </p:sp>
@@ -10994,6 +11658,12 @@
               </a:rPr>
               <a:t>voice response</a:t>
             </a:r>
+            <a:endParaRPr lang="en-US" altLang="zh-CN" sz="1400" dirty="0">
+              <a:solidFill>
+                <a:schemeClr val="tx1"/>
+              </a:solidFill>
+              <a:sym typeface="+mn-ea"/>
+            </a:endParaRPr>
           </a:p>
         </p:txBody>
       </p:sp>
@@ -11273,6 +11943,12 @@
               </a:rPr>
               <a:t>ticket verify</a:t>
             </a:r>
+            <a:endParaRPr lang="en-US" altLang="zh-CN" sz="1400" dirty="0">
+              <a:solidFill>
+                <a:schemeClr val="tx1"/>
+              </a:solidFill>
+              <a:sym typeface="+mn-ea"/>
+            </a:endParaRPr>
           </a:p>
         </p:txBody>
       </p:sp>
@@ -11552,6 +12228,12 @@
               </a:rPr>
               <a:t>config</a:t>
             </a:r>
+            <a:endParaRPr lang="en-US" altLang="zh-CN" sz="1400">
+              <a:solidFill>
+                <a:schemeClr val="tx1"/>
+              </a:solidFill>
+              <a:sym typeface="+mn-ea"/>
+            </a:endParaRPr>
           </a:p>
         </p:txBody>
       </p:sp>
@@ -11613,6 +12295,12 @@
               </a:rPr>
               <a:t>price</a:t>
             </a:r>
+            <a:endParaRPr lang="en-US" altLang="zh-CN" sz="1400">
+              <a:solidFill>
+                <a:schemeClr val="tx1"/>
+              </a:solidFill>
+              <a:sym typeface="+mn-ea"/>
+            </a:endParaRPr>
           </a:p>
         </p:txBody>
       </p:sp>
@@ -11674,6 +12362,12 @@
               </a:rPr>
               <a:t>verify</a:t>
             </a:r>
+            <a:endParaRPr lang="en-US" altLang="zh-CN" sz="1200">
+              <a:solidFill>
+                <a:schemeClr val="tx1"/>
+              </a:solidFill>
+              <a:sym typeface="+mn-ea"/>
+            </a:endParaRPr>
           </a:p>
           <a:p>
             <a:pPr lvl="0" algn="ctr"/>
@@ -11686,6 +12380,12 @@
               </a:rPr>
               <a:t>code</a:t>
             </a:r>
+            <a:endParaRPr lang="en-US" altLang="zh-CN" sz="1200">
+              <a:solidFill>
+                <a:schemeClr val="tx1"/>
+              </a:solidFill>
+              <a:sym typeface="+mn-ea"/>
+            </a:endParaRPr>
           </a:p>
         </p:txBody>
       </p:sp>
@@ -11747,6 +12447,12 @@
               </a:rPr>
               <a:t>contact</a:t>
             </a:r>
+            <a:endParaRPr lang="en-US" altLang="zh-CN" sz="1400" dirty="0">
+              <a:solidFill>
+                <a:schemeClr val="tx1"/>
+              </a:solidFill>
+              <a:sym typeface="+mn-ea"/>
+            </a:endParaRPr>
           </a:p>
         </p:txBody>
       </p:sp>
@@ -11808,6 +12514,12 @@
               </a:rPr>
               <a:t>train</a:t>
             </a:r>
+            <a:endParaRPr lang="en-US" altLang="zh-CN" sz="1400" dirty="0">
+              <a:solidFill>
+                <a:schemeClr val="tx1"/>
+              </a:solidFill>
+              <a:sym typeface="+mn-ea"/>
+            </a:endParaRPr>
           </a:p>
         </p:txBody>
       </p:sp>
@@ -11869,6 +12581,12 @@
               </a:rPr>
               <a:t>station</a:t>
             </a:r>
+            <a:endParaRPr lang="en-US" altLang="zh-CN" sz="1400" dirty="0">
+              <a:solidFill>
+                <a:schemeClr val="tx1"/>
+              </a:solidFill>
+              <a:sym typeface="+mn-ea"/>
+            </a:endParaRPr>
           </a:p>
         </p:txBody>
       </p:sp>
@@ -11930,6 +12648,12 @@
               </a:rPr>
               <a:t>single</a:t>
             </a:r>
+            <a:endParaRPr lang="en-US" altLang="zh-CN" sz="1200">
+              <a:solidFill>
+                <a:schemeClr val="tx1"/>
+              </a:solidFill>
+              <a:sym typeface="+mn-ea"/>
+            </a:endParaRPr>
           </a:p>
           <a:p>
             <a:pPr lvl="0" algn="ctr"/>
@@ -11942,6 +12666,12 @@
               </a:rPr>
               <a:t> sign-on</a:t>
             </a:r>
+            <a:endParaRPr lang="en-US" altLang="zh-CN" sz="1200">
+              <a:solidFill>
+                <a:schemeClr val="tx1"/>
+              </a:solidFill>
+              <a:sym typeface="+mn-ea"/>
+            </a:endParaRPr>
           </a:p>
         </p:txBody>
       </p:sp>
@@ -12003,6 +12733,12 @@
               </a:rPr>
               <a:t>basic</a:t>
             </a:r>
+            <a:endParaRPr lang="en-US" altLang="zh-CN" sz="1200" dirty="0">
+              <a:solidFill>
+                <a:schemeClr val="tx1"/>
+              </a:solidFill>
+              <a:sym typeface="+mn-ea"/>
+            </a:endParaRPr>
           </a:p>
           <a:p>
             <a:pPr lvl="0" algn="ctr"/>
@@ -12015,6 +12751,12 @@
               </a:rPr>
               <a:t>info</a:t>
             </a:r>
+            <a:endParaRPr lang="en-US" altLang="zh-CN" sz="1200" dirty="0">
+              <a:solidFill>
+                <a:schemeClr val="tx1"/>
+              </a:solidFill>
+              <a:sym typeface="+mn-ea"/>
+            </a:endParaRPr>
           </a:p>
         </p:txBody>
       </p:sp>
@@ -12076,6 +12818,12 @@
               </a:rPr>
               <a:t>login</a:t>
             </a:r>
+            <a:endParaRPr lang="en-US" altLang="zh-CN" sz="1400">
+              <a:solidFill>
+                <a:schemeClr val="tx1"/>
+              </a:solidFill>
+              <a:sym typeface="+mn-ea"/>
+            </a:endParaRPr>
           </a:p>
         </p:txBody>
       </p:sp>
@@ -12137,6 +12885,12 @@
               </a:rPr>
               <a:t>register</a:t>
             </a:r>
+            <a:endParaRPr lang="en-US" altLang="zh-CN" sz="1400" dirty="0">
+              <a:solidFill>
+                <a:schemeClr val="tx1"/>
+              </a:solidFill>
+              <a:sym typeface="+mn-ea"/>
+            </a:endParaRPr>
           </a:p>
         </p:txBody>
       </p:sp>
@@ -12198,6 +12952,12 @@
               </a:rPr>
               <a:t>notify</a:t>
             </a:r>
+            <a:endParaRPr lang="en-US" altLang="zh-CN" sz="1400">
+              <a:solidFill>
+                <a:schemeClr val="tx1"/>
+              </a:solidFill>
+              <a:sym typeface="+mn-ea"/>
+            </a:endParaRPr>
           </a:p>
         </p:txBody>
       </p:sp>
@@ -12259,6 +13019,12 @@
               </a:rPr>
               <a:t>ticket</a:t>
             </a:r>
+            <a:endParaRPr lang="en-US" altLang="zh-CN" sz="1200" dirty="0">
+              <a:solidFill>
+                <a:schemeClr val="tx1"/>
+              </a:solidFill>
+              <a:sym typeface="+mn-ea"/>
+            </a:endParaRPr>
           </a:p>
           <a:p>
             <a:pPr lvl="0" algn="ctr"/>
@@ -12271,6 +13037,12 @@
               </a:rPr>
               <a:t>info</a:t>
             </a:r>
+            <a:endParaRPr lang="en-US" altLang="zh-CN" sz="1200" dirty="0">
+              <a:solidFill>
+                <a:schemeClr val="tx1"/>
+              </a:solidFill>
+              <a:sym typeface="+mn-ea"/>
+            </a:endParaRPr>
           </a:p>
         </p:txBody>
       </p:sp>
@@ -12332,6 +13104,12 @@
               </a:rPr>
               <a:t>high-speed</a:t>
             </a:r>
+            <a:endParaRPr lang="en-US" altLang="zh-CN" sz="1200" dirty="0">
+              <a:solidFill>
+                <a:schemeClr val="tx1"/>
+              </a:solidFill>
+              <a:sym typeface="+mn-ea"/>
+            </a:endParaRPr>
           </a:p>
           <a:p>
             <a:pPr lvl="0" algn="ctr"/>
@@ -12344,6 +13122,12 @@
               </a:rPr>
               <a:t>order</a:t>
             </a:r>
+            <a:endParaRPr lang="en-US" altLang="zh-CN" sz="1200" dirty="0">
+              <a:solidFill>
+                <a:schemeClr val="tx1"/>
+              </a:solidFill>
+              <a:sym typeface="+mn-ea"/>
+            </a:endParaRPr>
           </a:p>
         </p:txBody>
       </p:sp>
@@ -12405,6 +13189,12 @@
               </a:rPr>
               <a:t>high-speed</a:t>
             </a:r>
+            <a:endParaRPr lang="en-US" altLang="zh-CN" sz="1000" dirty="0">
+              <a:solidFill>
+                <a:schemeClr val="tx1"/>
+              </a:solidFill>
+              <a:sym typeface="+mn-ea"/>
+            </a:endParaRPr>
           </a:p>
           <a:p>
             <a:pPr lvl="0" algn="ctr"/>
@@ -12417,6 +13207,12 @@
               </a:rPr>
               <a:t>travel</a:t>
             </a:r>
+            <a:endParaRPr lang="en-US" altLang="zh-CN" sz="1000" dirty="0">
+              <a:solidFill>
+                <a:schemeClr val="tx1"/>
+              </a:solidFill>
+              <a:sym typeface="+mn-ea"/>
+            </a:endParaRPr>
           </a:p>
           <a:p>
             <a:pPr lvl="0" algn="ctr"/>
@@ -12429,6 +13225,12 @@
               </a:rPr>
               <a:t>explore</a:t>
             </a:r>
+            <a:endParaRPr lang="en-US" altLang="zh-CN" sz="1000" dirty="0">
+              <a:solidFill>
+                <a:schemeClr val="tx1"/>
+              </a:solidFill>
+              <a:sym typeface="+mn-ea"/>
+            </a:endParaRPr>
           </a:p>
         </p:txBody>
       </p:sp>
@@ -12490,6 +13292,12 @@
               </a:rPr>
               <a:t>inside</a:t>
             </a:r>
+            <a:endParaRPr lang="en-US" altLang="zh-CN" sz="1200" dirty="0">
+              <a:solidFill>
+                <a:schemeClr val="tx1"/>
+              </a:solidFill>
+              <a:sym typeface="+mn-ea"/>
+            </a:endParaRPr>
           </a:p>
           <a:p>
             <a:pPr lvl="0" algn="ctr"/>
@@ -12502,6 +13310,12 @@
               </a:rPr>
               <a:t>pay</a:t>
             </a:r>
+            <a:endParaRPr lang="en-US" altLang="zh-CN" sz="1200" dirty="0">
+              <a:solidFill>
+                <a:schemeClr val="tx1"/>
+              </a:solidFill>
+              <a:sym typeface="+mn-ea"/>
+            </a:endParaRPr>
           </a:p>
         </p:txBody>
       </p:sp>
@@ -12563,6 +13377,12 @@
               </a:rPr>
               <a:t>pay</a:t>
             </a:r>
+            <a:endParaRPr lang="en-US" altLang="zh-CN" sz="1400" dirty="0">
+              <a:solidFill>
+                <a:schemeClr val="tx1"/>
+              </a:solidFill>
+              <a:sym typeface="+mn-ea"/>
+            </a:endParaRPr>
           </a:p>
         </p:txBody>
       </p:sp>
@@ -12624,6 +13444,12 @@
               </a:rPr>
               <a:t>ticket</a:t>
             </a:r>
+            <a:endParaRPr lang="en-US" altLang="zh-CN" sz="1200" dirty="0">
+              <a:solidFill>
+                <a:schemeClr val="tx1"/>
+              </a:solidFill>
+              <a:sym typeface="+mn-ea"/>
+            </a:endParaRPr>
           </a:p>
           <a:p>
             <a:pPr lvl="0" algn="ctr"/>
@@ -12636,6 +13462,12 @@
               </a:rPr>
               <a:t>execute</a:t>
             </a:r>
+            <a:endParaRPr lang="en-US" altLang="zh-CN" sz="1200" dirty="0">
+              <a:solidFill>
+                <a:schemeClr val="tx1"/>
+              </a:solidFill>
+              <a:sym typeface="+mn-ea"/>
+            </a:endParaRPr>
           </a:p>
         </p:txBody>
       </p:sp>
@@ -12697,6 +13529,12 @@
               </a:rPr>
               <a:t>security</a:t>
             </a:r>
+            <a:endParaRPr lang="en-US" altLang="zh-CN" sz="1400">
+              <a:solidFill>
+                <a:schemeClr val="tx1"/>
+              </a:solidFill>
+              <a:sym typeface="+mn-ea"/>
+            </a:endParaRPr>
           </a:p>
         </p:txBody>
       </p:sp>
@@ -12758,6 +13596,12 @@
               </a:rPr>
               <a:t>ticket </a:t>
             </a:r>
+            <a:endParaRPr lang="en-US" altLang="zh-CN" sz="1200" dirty="0">
+              <a:solidFill>
+                <a:schemeClr val="tx1"/>
+              </a:solidFill>
+              <a:sym typeface="+mn-ea"/>
+            </a:endParaRPr>
           </a:p>
           <a:p>
             <a:pPr lvl="0" algn="ctr"/>
@@ -12770,6 +13614,12 @@
               </a:rPr>
               <a:t>rebook</a:t>
             </a:r>
+            <a:endParaRPr lang="en-US" altLang="zh-CN" sz="1200" dirty="0">
+              <a:solidFill>
+                <a:schemeClr val="tx1"/>
+              </a:solidFill>
+              <a:sym typeface="+mn-ea"/>
+            </a:endParaRPr>
           </a:p>
         </p:txBody>
       </p:sp>
@@ -12830,6 +13680,11 @@
               </a:rPr>
               <a:t>high-speed</a:t>
             </a:r>
+            <a:endParaRPr lang="en-US" altLang="zh-CN" sz="1100" dirty="0">
+              <a:solidFill>
+                <a:schemeClr val="tx1"/>
+              </a:solidFill>
+            </a:endParaRPr>
           </a:p>
           <a:p>
             <a:pPr algn="ctr"/>
@@ -12841,6 +13696,11 @@
               </a:rPr>
               <a:t>ticket</a:t>
             </a:r>
+            <a:endParaRPr lang="en-US" altLang="zh-CN" sz="1100" dirty="0">
+              <a:solidFill>
+                <a:schemeClr val="tx1"/>
+              </a:solidFill>
+            </a:endParaRPr>
           </a:p>
           <a:p>
             <a:pPr algn="ctr"/>
@@ -12852,6 +13712,11 @@
               </a:rPr>
               <a:t>reserve</a:t>
             </a:r>
+            <a:endParaRPr lang="en-US" altLang="zh-CN" sz="1100" dirty="0">
+              <a:solidFill>
+                <a:schemeClr val="tx1"/>
+              </a:solidFill>
+            </a:endParaRPr>
           </a:p>
         </p:txBody>
       </p:sp>
@@ -12913,6 +13778,12 @@
               </a:rPr>
               <a:t>order</a:t>
             </a:r>
+            <a:endParaRPr lang="en-US" altLang="zh-CN" sz="1400" dirty="0">
+              <a:solidFill>
+                <a:schemeClr val="tx1"/>
+              </a:solidFill>
+              <a:sym typeface="+mn-ea"/>
+            </a:endParaRPr>
           </a:p>
         </p:txBody>
       </p:sp>
@@ -12973,6 +13844,11 @@
               </a:rPr>
               <a:t>ticket</a:t>
             </a:r>
+            <a:endParaRPr lang="en-US" altLang="zh-CN" sz="1400" dirty="0">
+              <a:solidFill>
+                <a:schemeClr val="tx1"/>
+              </a:solidFill>
+            </a:endParaRPr>
           </a:p>
           <a:p>
             <a:pPr algn="ctr"/>
@@ -13051,6 +13927,12 @@
               </a:rPr>
               <a:t>travel</a:t>
             </a:r>
+            <a:endParaRPr lang="en-US" altLang="zh-CN" sz="1400" dirty="0">
+              <a:solidFill>
+                <a:schemeClr val="tx1"/>
+              </a:solidFill>
+              <a:sym typeface="+mn-ea"/>
+            </a:endParaRPr>
           </a:p>
           <a:p>
             <a:pPr lvl="0" algn="ctr"/>
@@ -13063,6 +13945,12 @@
               </a:rPr>
               <a:t>explore</a:t>
             </a:r>
+            <a:endParaRPr lang="en-US" altLang="zh-CN" sz="1400" dirty="0">
+              <a:solidFill>
+                <a:schemeClr val="tx1"/>
+              </a:solidFill>
+              <a:sym typeface="+mn-ea"/>
+            </a:endParaRPr>
           </a:p>
         </p:txBody>
       </p:sp>
@@ -13124,6 +14012,12 @@
               </a:rPr>
               <a:t>cancel</a:t>
             </a:r>
+            <a:endParaRPr lang="en-US" altLang="zh-CN" sz="1200" dirty="0">
+              <a:solidFill>
+                <a:schemeClr val="tx1"/>
+              </a:solidFill>
+              <a:sym typeface="+mn-ea"/>
+            </a:endParaRPr>
           </a:p>
           <a:p>
             <a:pPr lvl="0" algn="ctr"/>
@@ -13136,6 +14030,12 @@
               </a:rPr>
               <a:t>order</a:t>
             </a:r>
+            <a:endParaRPr lang="en-US" altLang="zh-CN" sz="1200" dirty="0">
+              <a:solidFill>
+                <a:schemeClr val="tx1"/>
+              </a:solidFill>
+              <a:sym typeface="+mn-ea"/>
+            </a:endParaRPr>
           </a:p>
         </p:txBody>
       </p:sp>
@@ -13339,7 +14239,6 @@
         <p:nvCxnSpPr>
           <p:cNvPr id="47" name="肘形连接符 46"/>
           <p:cNvCxnSpPr>
-            <a:cxnSpLocks/>
             <a:stCxn id="18" idx="2"/>
             <a:endCxn id="17" idx="0"/>
           </p:cNvCxnSpPr>
@@ -13504,7 +14403,6 @@
         <p:nvCxnSpPr>
           <p:cNvPr id="6" name="肘形连接符 5"/>
           <p:cNvCxnSpPr>
-            <a:cxnSpLocks/>
             <a:stCxn id="28" idx="2"/>
             <a:endCxn id="26" idx="1"/>
           </p:cNvCxnSpPr>
@@ -13544,7 +14442,6 @@
         <p:nvCxnSpPr>
           <p:cNvPr id="36" name="肘形连接符 35"/>
           <p:cNvCxnSpPr>
-            <a:cxnSpLocks/>
             <a:stCxn id="28" idx="2"/>
             <a:endCxn id="16" idx="3"/>
           </p:cNvCxnSpPr>
@@ -13584,7 +14481,6 @@
         <p:nvCxnSpPr>
           <p:cNvPr id="40" name="肘形连接符 39"/>
           <p:cNvCxnSpPr>
-            <a:cxnSpLocks/>
             <a:stCxn id="17" idx="1"/>
             <a:endCxn id="15" idx="0"/>
           </p:cNvCxnSpPr>
@@ -13665,7 +14561,6 @@
         <p:nvCxnSpPr>
           <p:cNvPr id="100" name="肘形连接符 99"/>
           <p:cNvCxnSpPr>
-            <a:cxnSpLocks/>
             <a:stCxn id="12" idx="2"/>
             <a:endCxn id="4" idx="0"/>
           </p:cNvCxnSpPr>
@@ -13707,7 +14602,6 @@
         <p:nvCxnSpPr>
           <p:cNvPr id="197" name="直接箭头连接符 196"/>
           <p:cNvCxnSpPr>
-            <a:cxnSpLocks/>
             <a:stCxn id="29" idx="2"/>
             <a:endCxn id="26" idx="0"/>
           </p:cNvCxnSpPr>
@@ -13745,7 +14639,6 @@
         <p:nvCxnSpPr>
           <p:cNvPr id="199" name="肘形连接符 198"/>
           <p:cNvCxnSpPr>
-            <a:cxnSpLocks/>
             <a:stCxn id="12" idx="2"/>
             <a:endCxn id="5" idx="0"/>
           </p:cNvCxnSpPr>
@@ -13787,7 +14680,6 @@
         <p:nvCxnSpPr>
           <p:cNvPr id="205" name="直接箭头连接符 204"/>
           <p:cNvCxnSpPr>
-            <a:cxnSpLocks/>
             <a:endCxn id="9" idx="0"/>
           </p:cNvCxnSpPr>
           <p:nvPr/>
@@ -13824,7 +14716,6 @@
         <p:nvCxnSpPr>
           <p:cNvPr id="214" name="直接箭头连接符 213"/>
           <p:cNvCxnSpPr>
-            <a:cxnSpLocks/>
             <a:stCxn id="18" idx="2"/>
             <a:endCxn id="16" idx="0"/>
           </p:cNvCxnSpPr>
@@ -14034,6 +14925,12 @@
               </a:rPr>
               <a:t>Travel admin</a:t>
             </a:r>
+            <a:endParaRPr lang="en-US" altLang="zh-CN" sz="1400">
+              <a:solidFill>
+                <a:schemeClr val="tx1"/>
+              </a:solidFill>
+              <a:sym typeface="+mn-ea"/>
+            </a:endParaRPr>
           </a:p>
           <a:p>
             <a:pPr lvl="0" algn="ctr"/>
@@ -14046,6 +14943,12 @@
               </a:rPr>
               <a:t>(order, route, </a:t>
             </a:r>
+            <a:endParaRPr lang="en-US" altLang="zh-CN" sz="1400" dirty="0">
+              <a:solidFill>
+                <a:schemeClr val="tx1"/>
+              </a:solidFill>
+              <a:sym typeface="+mn-ea"/>
+            </a:endParaRPr>
           </a:p>
           <a:p>
             <a:pPr lvl="0" algn="ctr"/>
@@ -14058,6 +14961,12 @@
               </a:rPr>
               <a:t>station)</a:t>
             </a:r>
+            <a:endParaRPr lang="en-US" altLang="zh-CN" sz="1400" dirty="0">
+              <a:solidFill>
+                <a:schemeClr val="tx1"/>
+              </a:solidFill>
+              <a:sym typeface="+mn-ea"/>
+            </a:endParaRPr>
           </a:p>
         </p:txBody>
       </p:sp>
@@ -14206,6 +15115,12 @@
               </a:rPr>
               <a:t>Route</a:t>
             </a:r>
+            <a:endParaRPr lang="en-US" altLang="zh-CN" sz="1400" dirty="0">
+              <a:solidFill>
+                <a:schemeClr val="tx1"/>
+              </a:solidFill>
+              <a:sym typeface="+mn-ea"/>
+            </a:endParaRPr>
           </a:p>
         </p:txBody>
       </p:sp>
@@ -14354,6 +15269,12 @@
               </a:rPr>
               <a:t>assurance</a:t>
             </a:r>
+            <a:endParaRPr lang="en-US" altLang="zh-CN" sz="1400" dirty="0">
+              <a:solidFill>
+                <a:schemeClr val="tx1"/>
+              </a:solidFill>
+              <a:sym typeface="+mn-ea"/>
+            </a:endParaRPr>
           </a:p>
         </p:txBody>
       </p:sp>
@@ -14417,6 +15338,12 @@
               </a:rPr>
               <a:t>news</a:t>
             </a:r>
+            <a:endParaRPr lang="en-US" altLang="zh-CN" sz="1400" dirty="0">
+              <a:solidFill>
+                <a:schemeClr val="tx1"/>
+              </a:solidFill>
+              <a:sym typeface="+mn-ea"/>
+            </a:endParaRPr>
           </a:p>
         </p:txBody>
       </p:sp>
@@ -14424,7 +15351,6 @@
         <p:nvCxnSpPr>
           <p:cNvPr id="65" name="肘形连接符 33"/>
           <p:cNvCxnSpPr>
-            <a:cxnSpLocks/>
             <a:stCxn id="107" idx="2"/>
             <a:endCxn id="63" idx="0"/>
           </p:cNvCxnSpPr>
@@ -14522,6 +15448,12 @@
               </a:rPr>
               <a:t>Advanced travel</a:t>
             </a:r>
+            <a:endParaRPr lang="en-US" altLang="zh-CN" sz="1600" dirty="0">
+              <a:solidFill>
+                <a:schemeClr val="tx1"/>
+              </a:solidFill>
+              <a:sym typeface="+mn-ea"/>
+            </a:endParaRPr>
           </a:p>
           <a:p>
             <a:pPr lvl="0" algn="ctr"/>
@@ -14534,6 +15466,12 @@
               </a:rPr>
               <a:t>(route info + ticket)</a:t>
             </a:r>
+            <a:endParaRPr lang="en-US" altLang="zh-CN" sz="1600" dirty="0">
+              <a:solidFill>
+                <a:schemeClr val="tx1"/>
+              </a:solidFill>
+              <a:sym typeface="+mn-ea"/>
+            </a:endParaRPr>
           </a:p>
         </p:txBody>
       </p:sp>
@@ -14597,6 +15535,12 @@
               </a:rPr>
               <a:t>route plan</a:t>
             </a:r>
+            <a:endParaRPr lang="en-US" altLang="zh-CN" sz="1600" dirty="0">
+              <a:solidFill>
+                <a:schemeClr val="tx1"/>
+              </a:solidFill>
+              <a:sym typeface="+mn-ea"/>
+            </a:endParaRPr>
           </a:p>
           <a:p>
             <a:pPr lvl="0" algn="ctr"/>
@@ -14609,6 +15553,12 @@
               </a:rPr>
               <a:t>(price, change, time)</a:t>
             </a:r>
+            <a:endParaRPr lang="en-US" altLang="zh-CN" sz="1600" dirty="0">
+              <a:solidFill>
+                <a:schemeClr val="tx1"/>
+              </a:solidFill>
+              <a:sym typeface="+mn-ea"/>
+            </a:endParaRPr>
           </a:p>
         </p:txBody>
       </p:sp>
@@ -14672,6 +15622,12 @@
               </a:rPr>
               <a:t>ticket office</a:t>
             </a:r>
+            <a:endParaRPr lang="en-US" altLang="zh-CN" sz="1400" dirty="0">
+              <a:solidFill>
+                <a:schemeClr val="tx1"/>
+              </a:solidFill>
+              <a:sym typeface="+mn-ea"/>
+            </a:endParaRPr>
           </a:p>
         </p:txBody>
       </p:sp>
@@ -14679,7 +15635,6 @@
         <p:nvCxnSpPr>
           <p:cNvPr id="32" name="肘形连接符 33"/>
           <p:cNvCxnSpPr>
-            <a:cxnSpLocks/>
             <a:stCxn id="107" idx="2"/>
             <a:endCxn id="31" idx="0"/>
           </p:cNvCxnSpPr>
@@ -14777,6 +15732,12 @@
               </a:rPr>
               <a:t>consign</a:t>
             </a:r>
+            <a:endParaRPr lang="en-US" altLang="zh-CN" sz="1400" dirty="0">
+              <a:solidFill>
+                <a:schemeClr val="tx1"/>
+              </a:solidFill>
+              <a:sym typeface="+mn-ea"/>
+            </a:endParaRPr>
           </a:p>
         </p:txBody>
       </p:sp>
@@ -14840,6 +15801,12 @@
               </a:rPr>
               <a:t>consign price</a:t>
             </a:r>
+            <a:endParaRPr lang="en-US" altLang="zh-CN" sz="1400" dirty="0">
+              <a:solidFill>
+                <a:schemeClr val="tx1"/>
+              </a:solidFill>
+              <a:sym typeface="+mn-ea"/>
+            </a:endParaRPr>
           </a:p>
         </p:txBody>
       </p:sp>
@@ -14939,6 +15906,12 @@
               </a:rPr>
               <a:t>voucher</a:t>
             </a:r>
+            <a:endParaRPr lang="en-US" altLang="zh-CN" sz="1400" dirty="0">
+              <a:solidFill>
+                <a:schemeClr val="tx1"/>
+              </a:solidFill>
+              <a:sym typeface="+mn-ea"/>
+            </a:endParaRPr>
           </a:p>
         </p:txBody>
       </p:sp>
@@ -15029,13 +16002,7 @@
       </p:sp>
       <p:sp>
         <p:nvSpPr>
-          <p:cNvPr id="107" name="圆角矩形 30">
-            <a:extLst>
-              <a:ext uri="{FF2B5EF4-FFF2-40B4-BE49-F238E27FC236}">
-                <a16:creationId xmlns:a16="http://schemas.microsoft.com/office/drawing/2014/main" id="{A57A3402-232E-F14A-8ACC-B1997212D93C}"/>
-              </a:ext>
-            </a:extLst>
-          </p:cNvPr>
+          <p:cNvPr id="107" name="圆角矩形 30"/>
           <p:cNvSpPr/>
           <p:nvPr/>
         </p:nvSpPr>
@@ -15048,7 +16015,9 @@
             <a:avLst/>
           </a:prstGeom>
           <a:solidFill>
-            <a:schemeClr val="bg1"/>
+            <a:schemeClr val="bg2">
+              <a:lumMod val="75000"/>
+            </a:schemeClr>
           </a:solidFill>
           <a:ln w="57150">
             <a:solidFill>
@@ -15085,20 +16054,18 @@
               </a:rPr>
               <a:t>Gateway</a:t>
             </a:r>
+            <a:endParaRPr lang="en-US" altLang="zh-CN" sz="2800" dirty="0">
+              <a:solidFill>
+                <a:schemeClr val="tx1"/>
+              </a:solidFill>
+            </a:endParaRPr>
           </a:p>
         </p:txBody>
       </p:sp>
       <p:cxnSp>
         <p:nvCxnSpPr>
-          <p:cNvPr id="112" name="肘形连接符 86">
-            <a:extLst>
-              <a:ext uri="{FF2B5EF4-FFF2-40B4-BE49-F238E27FC236}">
-                <a16:creationId xmlns:a16="http://schemas.microsoft.com/office/drawing/2014/main" id="{E7D08996-3072-EB46-8834-857D320F3963}"/>
-              </a:ext>
-            </a:extLst>
-          </p:cNvPr>
+          <p:cNvPr id="112" name="肘形连接符 86"/>
           <p:cNvCxnSpPr>
-            <a:cxnSpLocks/>
             <a:stCxn id="21" idx="2"/>
             <a:endCxn id="42" idx="0"/>
           </p:cNvCxnSpPr>
@@ -15138,15 +16105,8 @@
       </p:cxnSp>
       <p:cxnSp>
         <p:nvCxnSpPr>
-          <p:cNvPr id="120" name="肘形连接符 86">
-            <a:extLst>
-              <a:ext uri="{FF2B5EF4-FFF2-40B4-BE49-F238E27FC236}">
-                <a16:creationId xmlns:a16="http://schemas.microsoft.com/office/drawing/2014/main" id="{0C87C4CB-AE9B-1A4B-A1C1-EC99E767E64E}"/>
-              </a:ext>
-            </a:extLst>
-          </p:cNvPr>
+          <p:cNvPr id="120" name="肘形连接符 86"/>
           <p:cNvCxnSpPr>
-            <a:cxnSpLocks/>
             <a:stCxn id="88" idx="2"/>
             <a:endCxn id="18" idx="0"/>
           </p:cNvCxnSpPr>
@@ -15186,15 +16146,8 @@
       </p:cxnSp>
       <p:cxnSp>
         <p:nvCxnSpPr>
-          <p:cNvPr id="125" name="肘形连接符 86">
-            <a:extLst>
-              <a:ext uri="{FF2B5EF4-FFF2-40B4-BE49-F238E27FC236}">
-                <a16:creationId xmlns:a16="http://schemas.microsoft.com/office/drawing/2014/main" id="{CB00CFE7-D58A-5A43-8F38-8958E8C242B9}"/>
-              </a:ext>
-            </a:extLst>
-          </p:cNvPr>
+          <p:cNvPr id="125" name="肘形连接符 86"/>
           <p:cNvCxnSpPr>
-            <a:cxnSpLocks/>
             <a:stCxn id="88" idx="2"/>
             <a:endCxn id="28" idx="0"/>
           </p:cNvCxnSpPr>
@@ -15234,15 +16187,8 @@
       </p:cxnSp>
       <p:cxnSp>
         <p:nvCxnSpPr>
-          <p:cNvPr id="133" name="肘形连接符 86">
-            <a:extLst>
-              <a:ext uri="{FF2B5EF4-FFF2-40B4-BE49-F238E27FC236}">
-                <a16:creationId xmlns:a16="http://schemas.microsoft.com/office/drawing/2014/main" id="{B1055A17-83DC-614B-A851-157F1D314659}"/>
-              </a:ext>
-            </a:extLst>
-          </p:cNvPr>
+          <p:cNvPr id="133" name="肘形连接符 86"/>
           <p:cNvCxnSpPr>
-            <a:cxnSpLocks/>
             <a:stCxn id="77" idx="2"/>
             <a:endCxn id="18" idx="0"/>
           </p:cNvCxnSpPr>
@@ -15282,15 +16228,8 @@
       </p:cxnSp>
       <p:cxnSp>
         <p:nvCxnSpPr>
-          <p:cNvPr id="144" name="肘形连接符 86">
-            <a:extLst>
-              <a:ext uri="{FF2B5EF4-FFF2-40B4-BE49-F238E27FC236}">
-                <a16:creationId xmlns:a16="http://schemas.microsoft.com/office/drawing/2014/main" id="{FDD23C14-79A1-2343-AB10-A7878C4FB29D}"/>
-              </a:ext>
-            </a:extLst>
-          </p:cNvPr>
+          <p:cNvPr id="144" name="肘形连接符 86"/>
           <p:cNvCxnSpPr>
-            <a:cxnSpLocks/>
             <a:stCxn id="77" idx="2"/>
             <a:endCxn id="30" idx="0"/>
           </p:cNvCxnSpPr>
@@ -15330,15 +16269,8 @@
       </p:cxnSp>
       <p:cxnSp>
         <p:nvCxnSpPr>
-          <p:cNvPr id="159" name="肘形连接符 86">
-            <a:extLst>
-              <a:ext uri="{FF2B5EF4-FFF2-40B4-BE49-F238E27FC236}">
-                <a16:creationId xmlns:a16="http://schemas.microsoft.com/office/drawing/2014/main" id="{ACD9E4EE-9005-8E43-B2E7-A03DAD2B085F}"/>
-              </a:ext>
-            </a:extLst>
-          </p:cNvPr>
+          <p:cNvPr id="159" name="肘形连接符 86"/>
           <p:cNvCxnSpPr>
-            <a:cxnSpLocks/>
             <a:stCxn id="63" idx="2"/>
             <a:endCxn id="18" idx="0"/>
           </p:cNvCxnSpPr>
@@ -15378,15 +16310,8 @@
       </p:cxnSp>
       <p:cxnSp>
         <p:nvCxnSpPr>
-          <p:cNvPr id="164" name="肘形连接符 86">
-            <a:extLst>
-              <a:ext uri="{FF2B5EF4-FFF2-40B4-BE49-F238E27FC236}">
-                <a16:creationId xmlns:a16="http://schemas.microsoft.com/office/drawing/2014/main" id="{869346F0-A2B0-8447-953A-78A16737DA04}"/>
-              </a:ext>
-            </a:extLst>
-          </p:cNvPr>
+          <p:cNvPr id="164" name="肘形连接符 86"/>
           <p:cNvCxnSpPr>
-            <a:cxnSpLocks/>
             <a:stCxn id="18" idx="2"/>
             <a:endCxn id="111" idx="0"/>
           </p:cNvCxnSpPr>
@@ -15426,15 +16351,8 @@
       </p:cxnSp>
       <p:cxnSp>
         <p:nvCxnSpPr>
-          <p:cNvPr id="168" name="肘形连接符 86">
-            <a:extLst>
-              <a:ext uri="{FF2B5EF4-FFF2-40B4-BE49-F238E27FC236}">
-                <a16:creationId xmlns:a16="http://schemas.microsoft.com/office/drawing/2014/main" id="{2456DF42-B219-7446-9211-58CCF7D906F9}"/>
-              </a:ext>
-            </a:extLst>
-          </p:cNvPr>
+          <p:cNvPr id="168" name="肘形连接符 86"/>
           <p:cNvCxnSpPr>
-            <a:cxnSpLocks/>
             <a:stCxn id="18" idx="2"/>
             <a:endCxn id="116" idx="0"/>
           </p:cNvCxnSpPr>
@@ -15474,13 +16392,7 @@
       </p:cxnSp>
       <p:sp>
         <p:nvSpPr>
-          <p:cNvPr id="172" name="圆角矩形 31">
-            <a:extLst>
-              <a:ext uri="{FF2B5EF4-FFF2-40B4-BE49-F238E27FC236}">
-                <a16:creationId xmlns:a16="http://schemas.microsoft.com/office/drawing/2014/main" id="{348F28B8-646D-5448-B8C6-E36EF231818D}"/>
-              </a:ext>
-            </a:extLst>
-          </p:cNvPr>
+          <p:cNvPr id="172" name="圆角矩形 31"/>
           <p:cNvSpPr/>
           <p:nvPr/>
         </p:nvSpPr>
@@ -15493,7 +16405,9 @@
             <a:avLst/>
           </a:prstGeom>
           <a:solidFill>
-            <a:schemeClr val="bg1"/>
+            <a:schemeClr val="bg2">
+              <a:lumMod val="75000"/>
+            </a:schemeClr>
           </a:solidFill>
           <a:ln w="57150">
             <a:solidFill>
@@ -15530,6 +16444,11 @@
               </a:rPr>
               <a:t>Service</a:t>
             </a:r>
+            <a:endParaRPr lang="en-US" altLang="zh-CN" sz="2400" dirty="0">
+              <a:solidFill>
+                <a:schemeClr val="tx1"/>
+              </a:solidFill>
+            </a:endParaRPr>
           </a:p>
           <a:p>
             <a:pPr algn="ctr"/>
@@ -15541,6 +16460,27 @@
               </a:rPr>
               <a:t>Discovery</a:t>
             </a:r>
+            <a:endParaRPr lang="en-US" altLang="zh-CN" sz="2400" dirty="0">
+              <a:solidFill>
+                <a:schemeClr val="tx1"/>
+              </a:solidFill>
+            </a:endParaRPr>
+          </a:p>
+          <a:p>
+            <a:pPr algn="ctr"/>
+            <a:r>
+              <a:rPr lang="en-US" altLang="zh-CN" sz="2400" dirty="0">
+                <a:solidFill>
+                  <a:schemeClr val="tx1"/>
+                </a:solidFill>
+              </a:rPr>
+              <a:t>(k8s)</a:t>
+            </a:r>
+            <a:endParaRPr lang="en-US" altLang="zh-CN" sz="2400" dirty="0">
+              <a:solidFill>
+                <a:schemeClr val="tx1"/>
+              </a:solidFill>
+            </a:endParaRPr>
           </a:p>
           <a:p>
             <a:pPr algn="ctr"/>
@@ -15560,14 +16500,6 @@
           </a:p>
           <a:p>
             <a:pPr algn="ctr"/>
-            <a:endParaRPr lang="en-US" altLang="zh-CN" sz="2400" dirty="0">
-              <a:solidFill>
-                <a:schemeClr val="tx1"/>
-              </a:solidFill>
-            </a:endParaRPr>
-          </a:p>
-          <a:p>
-            <a:pPr algn="ctr"/>
             <a:r>
               <a:rPr lang="en-US" altLang="zh-CN" sz="2400" dirty="0">
                 <a:solidFill>
@@ -15576,6 +16508,11 @@
               </a:rPr>
               <a:t>Service</a:t>
             </a:r>
+            <a:endParaRPr lang="en-US" altLang="zh-CN" sz="2400" dirty="0">
+              <a:solidFill>
+                <a:schemeClr val="tx1"/>
+              </a:solidFill>
+            </a:endParaRPr>
           </a:p>
           <a:p>
             <a:pPr algn="ctr"/>
@@ -15587,6 +16524,11 @@
               </a:rPr>
               <a:t>Registry</a:t>
             </a:r>
+            <a:endParaRPr lang="en-US" altLang="zh-CN" sz="2400" dirty="0">
+              <a:solidFill>
+                <a:schemeClr val="tx1"/>
+              </a:solidFill>
+            </a:endParaRPr>
           </a:p>
           <a:p>
             <a:pPr algn="ctr"/>
@@ -15622,6 +16564,11 @@
               </a:rPr>
               <a:t>Load</a:t>
             </a:r>
+            <a:endParaRPr lang="en-US" altLang="zh-CN" sz="2400" dirty="0">
+              <a:solidFill>
+                <a:schemeClr val="tx1"/>
+              </a:solidFill>
+            </a:endParaRPr>
           </a:p>
           <a:p>
             <a:pPr algn="ctr"/>
@@ -15633,20 +16580,18 @@
               </a:rPr>
               <a:t>Balance</a:t>
             </a:r>
+            <a:endParaRPr lang="en-US" altLang="zh-CN" sz="2400" dirty="0">
+              <a:solidFill>
+                <a:schemeClr val="tx1"/>
+              </a:solidFill>
+            </a:endParaRPr>
           </a:p>
         </p:txBody>
       </p:sp>
       <p:cxnSp>
         <p:nvCxnSpPr>
-          <p:cNvPr id="174" name="肘形连接符 86">
-            <a:extLst>
-              <a:ext uri="{FF2B5EF4-FFF2-40B4-BE49-F238E27FC236}">
-                <a16:creationId xmlns:a16="http://schemas.microsoft.com/office/drawing/2014/main" id="{D9A98D5A-24EE-8D41-B5BE-40282D989EE6}"/>
-              </a:ext>
-            </a:extLst>
-          </p:cNvPr>
+          <p:cNvPr id="174" name="肘形连接符 86"/>
           <p:cNvCxnSpPr>
-            <a:cxnSpLocks/>
             <a:stCxn id="107" idx="2"/>
             <a:endCxn id="77" idx="0"/>
           </p:cNvCxnSpPr>
@@ -15686,15 +16631,8 @@
       </p:cxnSp>
       <p:cxnSp>
         <p:nvCxnSpPr>
-          <p:cNvPr id="178" name="肘形连接符 86">
-            <a:extLst>
-              <a:ext uri="{FF2B5EF4-FFF2-40B4-BE49-F238E27FC236}">
-                <a16:creationId xmlns:a16="http://schemas.microsoft.com/office/drawing/2014/main" id="{CF87BA4F-0D7E-104A-B533-B499618B4D32}"/>
-              </a:ext>
-            </a:extLst>
-          </p:cNvPr>
+          <p:cNvPr id="178" name="肘形连接符 86"/>
           <p:cNvCxnSpPr>
-            <a:cxnSpLocks/>
             <a:stCxn id="107" idx="2"/>
             <a:endCxn id="88" idx="0"/>
           </p:cNvCxnSpPr>
@@ -15734,15 +16672,8 @@
       </p:cxnSp>
       <p:cxnSp>
         <p:nvCxnSpPr>
-          <p:cNvPr id="187" name="肘形连接符 86">
-            <a:extLst>
-              <a:ext uri="{FF2B5EF4-FFF2-40B4-BE49-F238E27FC236}">
-                <a16:creationId xmlns:a16="http://schemas.microsoft.com/office/drawing/2014/main" id="{00823B3E-3737-F64D-B543-01E3F419CB1E}"/>
-              </a:ext>
-            </a:extLst>
-          </p:cNvPr>
+          <p:cNvPr id="187" name="肘形连接符 86"/>
           <p:cNvCxnSpPr>
-            <a:cxnSpLocks/>
             <a:stCxn id="33" idx="2"/>
             <a:endCxn id="26" idx="0"/>
           </p:cNvCxnSpPr>
@@ -15782,15 +16713,8 @@
       </p:cxnSp>
       <p:cxnSp>
         <p:nvCxnSpPr>
-          <p:cNvPr id="190" name="肘形连接符 86">
-            <a:extLst>
-              <a:ext uri="{FF2B5EF4-FFF2-40B4-BE49-F238E27FC236}">
-                <a16:creationId xmlns:a16="http://schemas.microsoft.com/office/drawing/2014/main" id="{7980D320-63C4-D24F-BEAF-AA28BB9863AA}"/>
-              </a:ext>
-            </a:extLst>
-          </p:cNvPr>
+          <p:cNvPr id="190" name="肘形连接符 86"/>
           <p:cNvCxnSpPr>
-            <a:cxnSpLocks/>
             <a:stCxn id="33" idx="2"/>
             <a:endCxn id="37" idx="0"/>
           </p:cNvCxnSpPr>
@@ -15830,15 +16754,8 @@
       </p:cxnSp>
       <p:cxnSp>
         <p:nvCxnSpPr>
-          <p:cNvPr id="200" name="肘形连接符 86">
-            <a:extLst>
-              <a:ext uri="{FF2B5EF4-FFF2-40B4-BE49-F238E27FC236}">
-                <a16:creationId xmlns:a16="http://schemas.microsoft.com/office/drawing/2014/main" id="{FB299AAD-39E2-4A4F-BB47-0C1500CBC11C}"/>
-              </a:ext>
-            </a:extLst>
-          </p:cNvPr>
+          <p:cNvPr id="200" name="肘形连接符 86"/>
           <p:cNvCxnSpPr>
-            <a:cxnSpLocks/>
             <a:stCxn id="26" idx="2"/>
             <a:endCxn id="123" idx="0"/>
           </p:cNvCxnSpPr>
@@ -15878,15 +16795,8 @@
       </p:cxnSp>
       <p:cxnSp>
         <p:nvCxnSpPr>
-          <p:cNvPr id="212" name="肘形连接符 86">
-            <a:extLst>
-              <a:ext uri="{FF2B5EF4-FFF2-40B4-BE49-F238E27FC236}">
-                <a16:creationId xmlns:a16="http://schemas.microsoft.com/office/drawing/2014/main" id="{1E572848-89AA-3D4F-8C61-3DB1D5D7D2E3}"/>
-              </a:ext>
-            </a:extLst>
-          </p:cNvPr>
+          <p:cNvPr id="212" name="肘形连接符 86"/>
           <p:cNvCxnSpPr>
-            <a:cxnSpLocks/>
             <a:stCxn id="89" idx="2"/>
             <a:endCxn id="10" idx="0"/>
           </p:cNvCxnSpPr>
@@ -15926,15 +16836,8 @@
       </p:cxnSp>
       <p:cxnSp>
         <p:nvCxnSpPr>
-          <p:cNvPr id="226" name="肘形连接符 84">
-            <a:extLst>
-              <a:ext uri="{FF2B5EF4-FFF2-40B4-BE49-F238E27FC236}">
-                <a16:creationId xmlns:a16="http://schemas.microsoft.com/office/drawing/2014/main" id="{BC942694-1A52-1743-9659-6113EF999D74}"/>
-              </a:ext>
-            </a:extLst>
-          </p:cNvPr>
+          <p:cNvPr id="226" name="肘形连接符 84"/>
           <p:cNvCxnSpPr>
-            <a:cxnSpLocks/>
             <a:stCxn id="17" idx="2"/>
             <a:endCxn id="12" idx="0"/>
           </p:cNvCxnSpPr>
@@ -15974,15 +16877,8 @@
       </p:cxnSp>
       <p:cxnSp>
         <p:nvCxnSpPr>
-          <p:cNvPr id="231" name="肘形连接符 84">
-            <a:extLst>
-              <a:ext uri="{FF2B5EF4-FFF2-40B4-BE49-F238E27FC236}">
-                <a16:creationId xmlns:a16="http://schemas.microsoft.com/office/drawing/2014/main" id="{6AE370D3-2849-3C4A-ADD8-EBF3CF0474DF}"/>
-              </a:ext>
-            </a:extLst>
-          </p:cNvPr>
+          <p:cNvPr id="231" name="肘形连接符 84"/>
           <p:cNvCxnSpPr>
-            <a:cxnSpLocks/>
             <a:stCxn id="16" idx="2"/>
             <a:endCxn id="12" idx="0"/>
           </p:cNvCxnSpPr>
@@ -16022,15 +16918,8 @@
       </p:cxnSp>
       <p:cxnSp>
         <p:nvCxnSpPr>
-          <p:cNvPr id="243" name="肘形连接符 84">
-            <a:extLst>
-              <a:ext uri="{FF2B5EF4-FFF2-40B4-BE49-F238E27FC236}">
-                <a16:creationId xmlns:a16="http://schemas.microsoft.com/office/drawing/2014/main" id="{5B22A664-C8A1-4442-8C7A-854068815594}"/>
-              </a:ext>
-            </a:extLst>
-          </p:cNvPr>
+          <p:cNvPr id="243" name="肘形连接符 84"/>
           <p:cNvCxnSpPr>
-            <a:cxnSpLocks/>
             <a:stCxn id="89" idx="2"/>
             <a:endCxn id="73" idx="0"/>
           </p:cNvCxnSpPr>
@@ -16070,15 +16959,8 @@
       </p:cxnSp>
       <p:cxnSp>
         <p:nvCxnSpPr>
-          <p:cNvPr id="264" name="肘形连接符 84">
-            <a:extLst>
-              <a:ext uri="{FF2B5EF4-FFF2-40B4-BE49-F238E27FC236}">
-                <a16:creationId xmlns:a16="http://schemas.microsoft.com/office/drawing/2014/main" id="{DAB53503-65BB-114C-996F-1A24D23A3A9C}"/>
-              </a:ext>
-            </a:extLst>
-          </p:cNvPr>
+          <p:cNvPr id="264" name="肘形连接符 84"/>
           <p:cNvCxnSpPr>
-            <a:cxnSpLocks/>
             <a:stCxn id="12" idx="2"/>
             <a:endCxn id="8" idx="0"/>
           </p:cNvCxnSpPr>
@@ -16116,12 +16998,68 @@
           </a:fontRef>
         </p:style>
       </p:cxnSp>
+      <p:sp>
+        <p:nvSpPr>
+          <p:cNvPr id="25" name="圆角矩形 31"/>
+          <p:cNvSpPr/>
+          <p:nvPr/>
+        </p:nvSpPr>
+        <p:spPr>
+          <a:xfrm>
+            <a:off x="1875155" y="5948680"/>
+            <a:ext cx="9761220" cy="635635"/>
+          </a:xfrm>
+          <a:prstGeom prst="roundRect">
+            <a:avLst/>
+          </a:prstGeom>
+          <a:solidFill>
+            <a:schemeClr val="bg2">
+              <a:lumMod val="75000"/>
+            </a:schemeClr>
+          </a:solidFill>
+          <a:ln w="57150">
+            <a:solidFill>
+              <a:schemeClr val="tx1"/>
+            </a:solidFill>
+          </a:ln>
+        </p:spPr>
+        <p:style>
+          <a:lnRef idx="2">
+            <a:schemeClr val="accent1">
+              <a:shade val="50000"/>
+            </a:schemeClr>
+          </a:lnRef>
+          <a:fillRef idx="1">
+            <a:schemeClr val="accent1"/>
+          </a:fillRef>
+          <a:effectRef idx="0">
+            <a:schemeClr val="accent1"/>
+          </a:effectRef>
+          <a:fontRef idx="minor">
+            <a:schemeClr val="lt1"/>
+          </a:fontRef>
+        </p:style>
+        <p:txBody>
+          <a:bodyPr wrap="none" rtlCol="0" anchor="ctr"/>
+          <a:p>
+            <a:pPr algn="ctr"/>
+            <a:r>
+              <a:rPr lang="en-US" altLang="zh-CN" sz="2400" dirty="0">
+                <a:solidFill>
+                  <a:schemeClr val="tx1"/>
+                </a:solidFill>
+              </a:rPr>
+              <a:t>Traffic Management(istio)		Monitor Management</a:t>
+            </a:r>
+            <a:endParaRPr lang="en-US" altLang="zh-CN" sz="2400" dirty="0">
+              <a:solidFill>
+                <a:schemeClr val="tx1"/>
+              </a:solidFill>
+            </a:endParaRPr>
+          </a:p>
+        </p:txBody>
+      </p:sp>
     </p:spTree>
-    <p:extLst>
-      <p:ext uri="{BB962C8B-B14F-4D97-AF65-F5344CB8AC3E}">
-        <p14:creationId xmlns:p14="http://schemas.microsoft.com/office/powerpoint/2010/main" val="269989183"/>
-      </p:ext>
-    </p:extLst>
   </p:cSld>
   <p:clrMapOvr>
     <a:masterClrMapping/>
@@ -16380,8 +17318,6 @@
       </a:bgFillStyleLst>
     </a:fmtScheme>
   </a:themeElements>
-  <a:objectDefaults/>
-  <a:extraClrSchemeLst/>
   <a:extLst>
     <a:ext uri="{05A4C25C-085E-4340-85A3-A5531E510DB2}">
       <thm15:themeFamily xmlns:thm15="http://schemas.microsoft.com/office/thememl/2012/main" name="Office Theme" id="{62F939B6-93AF-4DB8-9C6B-D6C7DFDC589F}" vid="{4A3C46E8-61CC-4603-A589-7422A47A8E4A}"/>
@@ -16641,8 +17577,6 @@
       </a:bgFillStyleLst>
     </a:fmtScheme>
   </a:themeElements>
-  <a:objectDefaults/>
-  <a:extraClrSchemeLst/>
   <a:extLst>
     <a:ext uri="{05A4C25C-085E-4340-85A3-A5531E510DB2}">
       <thm15:themeFamily xmlns:thm15="http://schemas.microsoft.com/office/thememl/2012/main" name="Office Theme" id="{62F939B6-93AF-4DB8-9C6B-D6C7DFDC589F}" vid="{4A3C46E8-61CC-4603-A589-7422A47A8E4A}"/>
@@ -16902,8 +17836,6 @@
       </a:bgFillStyleLst>
     </a:fmtScheme>
   </a:themeElements>
-  <a:objectDefaults/>
-  <a:extraClrSchemeLst/>
   <a:extLst>
     <a:ext uri="{05A4C25C-085E-4340-85A3-A5531E510DB2}">
       <thm15:themeFamily xmlns:thm15="http://schemas.microsoft.com/office/thememl/2012/main" name="Office Theme" id="{62F939B6-93AF-4DB8-9C6B-D6C7DFDC589F}" vid="{4A3C46E8-61CC-4603-A589-7422A47A8E4A}"/>

--- a/system_architecture.pptx
+++ b/system_architecture.pptx
@@ -17049,7 +17049,7 @@
                   <a:schemeClr val="tx1"/>
                 </a:solidFill>
               </a:rPr>
-              <a:t>Traffic Management(istio)		Monitor Management</a:t>
+              <a:t>Traffic Management(istio)			Monitoring &amp; Metrics</a:t>
             </a:r>
             <a:endParaRPr lang="en-US" altLang="zh-CN" sz="2400" dirty="0">
               <a:solidFill>

--- a/system_architecture.pptx
+++ b/system_architecture.pptx
@@ -5,15 +5,16 @@
     <p:sldMasterId id="2147483648" r:id="rId1"/>
   </p:sldMasterIdLst>
   <p:notesMasterIdLst>
-    <p:notesMasterId r:id="rId5"/>
+    <p:notesMasterId r:id="rId6"/>
   </p:notesMasterIdLst>
   <p:handoutMasterIdLst>
     <p:handoutMasterId r:id="rId7"/>
   </p:handoutMasterIdLst>
   <p:sldIdLst>
-    <p:sldId id="256" r:id="rId3"/>
-    <p:sldId id="257" r:id="rId4"/>
-    <p:sldId id="258" r:id="rId6"/>
+    <p:sldId id="256" r:id="rId2"/>
+    <p:sldId id="257" r:id="rId3"/>
+    <p:sldId id="258" r:id="rId4"/>
+    <p:sldId id="259" r:id="rId5"/>
   </p:sldIdLst>
   <p:sldSz cx="12192000" cy="6858000"/>
   <p:notesSz cx="6858000" cy="9144000"/>
@@ -112,6 +113,11 @@
       </a:defRPr>
     </a:lvl9pPr>
   </p:defaultTextStyle>
+  <p:extLst>
+    <p:ext uri="{EFAFB233-063F-42B5-8137-9DF3F51BA10A}">
+      <p15:sldGuideLst xmlns:p15="http://schemas.microsoft.com/office/powerpoint/2012/main"/>
+    </p:ext>
+  </p:extLst>
 </p:presentation>
 </file>
 
@@ -197,6 +203,7 @@
           <a:p>
             <a:fld id="{0F9B84EA-7D68-4D60-9CB1-D50884785D1C}" type="datetimeFigureOut">
               <a:rPr lang="zh-CN" altLang="en-US" smtClean="0"/>
+              <a:t>2019/4/9</a:t>
             </a:fld>
             <a:endParaRPr lang="zh-CN" altLang="en-US"/>
           </a:p>
@@ -262,6 +269,7 @@
           <a:p>
             <a:fld id="{8D4E0FC9-F1F8-4FAE-9988-3BA365CFD46F}" type="slidenum">
               <a:rPr lang="zh-CN" altLang="en-US" smtClean="0"/>
+              <a:t>‹#›</a:t>
             </a:fld>
             <a:endParaRPr lang="zh-CN" altLang="en-US"/>
           </a:p>
@@ -355,6 +363,7 @@
           <a:p>
             <a:fld id="{D2A48B96-639E-45A3-A0BA-2464DFDB1FAA}" type="datetimeFigureOut">
               <a:rPr lang="zh-CN" altLang="en-US" smtClean="0"/>
+              <a:t>2019/4/9</a:t>
             </a:fld>
             <a:endParaRPr lang="zh-CN" altLang="en-US"/>
           </a:p>
@@ -421,7 +430,6 @@
               <a:rPr lang="zh-CN" altLang="en-US"/>
               <a:t>单击此处编辑母版文本样式</a:t>
             </a:r>
-            <a:endParaRPr lang="zh-CN" altLang="en-US"/>
           </a:p>
           <a:p>
             <a:pPr lvl="1"/>
@@ -429,7 +437,6 @@
               <a:rPr lang="zh-CN" altLang="en-US"/>
               <a:t>第二级</a:t>
             </a:r>
-            <a:endParaRPr lang="zh-CN" altLang="en-US"/>
           </a:p>
           <a:p>
             <a:pPr lvl="2"/>
@@ -437,7 +444,6 @@
               <a:rPr lang="zh-CN" altLang="en-US"/>
               <a:t>第三级</a:t>
             </a:r>
-            <a:endParaRPr lang="zh-CN" altLang="en-US"/>
           </a:p>
           <a:p>
             <a:pPr lvl="3"/>
@@ -445,7 +451,6 @@
               <a:rPr lang="zh-CN" altLang="en-US"/>
               <a:t>第四级</a:t>
             </a:r>
-            <a:endParaRPr lang="zh-CN" altLang="en-US"/>
           </a:p>
           <a:p>
             <a:pPr lvl="4"/>
@@ -453,7 +458,6 @@
               <a:rPr lang="zh-CN" altLang="en-US"/>
               <a:t>第五级</a:t>
             </a:r>
-            <a:endParaRPr lang="zh-CN" altLang="en-US"/>
           </a:p>
         </p:txBody>
       </p:sp>
@@ -517,6 +521,7 @@
           <a:p>
             <a:fld id="{A6837353-30EB-4A48-80EB-173D804AEFBD}" type="slidenum">
               <a:rPr lang="zh-CN" altLang="en-US" smtClean="0"/>
+              <a:t>‹#›</a:t>
             </a:fld>
             <a:endParaRPr lang="zh-CN" altLang="en-US"/>
           </a:p>
@@ -732,6 +737,67 @@
 </p:notes>
 </file>
 
+<file path=ppt/notesSlides/notesSlide3.xml><?xml version="1.0" encoding="utf-8"?>
+<p:notes xmlns:a="http://schemas.openxmlformats.org/drawingml/2006/main" xmlns:r="http://schemas.openxmlformats.org/officeDocument/2006/relationships" xmlns:p="http://schemas.openxmlformats.org/presentationml/2006/main">
+  <p:cSld>
+    <p:spTree>
+      <p:nvGrpSpPr>
+        <p:cNvPr id="1" name=""/>
+        <p:cNvGrpSpPr/>
+        <p:nvPr/>
+      </p:nvGrpSpPr>
+      <p:grpSpPr>
+        <a:xfrm>
+          <a:off x="0" y="0"/>
+          <a:ext cx="0" cy="0"/>
+          <a:chOff x="0" y="0"/>
+          <a:chExt cx="0" cy="0"/>
+        </a:xfrm>
+      </p:grpSpPr>
+      <p:sp>
+        <p:nvSpPr>
+          <p:cNvPr id="2" name="幻灯片图像占位符 1"/>
+          <p:cNvSpPr>
+            <a:spLocks noGrp="1" noRot="1" noChangeAspect="1"/>
+          </p:cNvSpPr>
+          <p:nvPr>
+            <p:ph type="sldImg" idx="2"/>
+          </p:nvPr>
+        </p:nvSpPr>
+        <p:spPr/>
+      </p:sp>
+      <p:sp>
+        <p:nvSpPr>
+          <p:cNvPr id="3" name="文本占位符 2"/>
+          <p:cNvSpPr>
+            <a:spLocks noGrp="1"/>
+          </p:cNvSpPr>
+          <p:nvPr>
+            <p:ph type="body" idx="3"/>
+          </p:nvPr>
+        </p:nvSpPr>
+        <p:spPr/>
+        <p:txBody>
+          <a:bodyPr/>
+          <a:lstStyle/>
+          <a:p>
+            <a:endParaRPr lang="zh-CN" altLang="en-US"/>
+          </a:p>
+        </p:txBody>
+      </p:sp>
+    </p:spTree>
+    <p:extLst>
+      <p:ext uri="{BB962C8B-B14F-4D97-AF65-F5344CB8AC3E}">
+        <p14:creationId xmlns:p14="http://schemas.microsoft.com/office/powerpoint/2010/main" val="2659663086"/>
+      </p:ext>
+    </p:extLst>
+  </p:cSld>
+  <p:clrMapOvr>
+    <a:masterClrMapping/>
+  </p:clrMapOvr>
+</p:notes>
+</file>
+
 <file path=ppt/slideLayouts/slideLayout1.xml><?xml version="1.0" encoding="utf-8"?>
 <p:sldLayout xmlns:a="http://schemas.openxmlformats.org/drawingml/2006/main" xmlns:r="http://schemas.openxmlformats.org/officeDocument/2006/relationships" xmlns:p="http://schemas.openxmlformats.org/presentationml/2006/main" type="title" preserve="1">
   <p:cSld name="标题幻灯片">
@@ -777,7 +843,6 @@
               <a:rPr lang="zh-CN" altLang="en-US"/>
               <a:t>单击此处编辑母版标题样式</a:t>
             </a:r>
-            <a:endParaRPr lang="zh-CN" altLang="en-US"/>
           </a:p>
         </p:txBody>
       </p:sp>
@@ -842,7 +907,6 @@
               <a:rPr lang="zh-CN" altLang="en-US"/>
               <a:t>单击此处编辑母版副标题样式</a:t>
             </a:r>
-            <a:endParaRPr lang="zh-CN" altLang="en-US"/>
           </a:p>
         </p:txBody>
       </p:sp>
@@ -863,6 +927,7 @@
           <a:p>
             <a:fld id="{D997B5FA-0921-464F-AAE1-844C04324D75}" type="datetimeFigureOut">
               <a:rPr lang="zh-CN" altLang="en-US" smtClean="0"/>
+              <a:t>2019/4/9</a:t>
             </a:fld>
             <a:endParaRPr lang="zh-CN" altLang="en-US"/>
           </a:p>
@@ -904,6 +969,7 @@
           <a:p>
             <a:fld id="{565CE74E-AB26-4998-AD42-012C4C1AD076}" type="slidenum">
               <a:rPr lang="zh-CN" altLang="en-US" smtClean="0"/>
+              <a:t>‹#›</a:t>
             </a:fld>
             <a:endParaRPr lang="zh-CN" altLang="en-US"/>
           </a:p>
@@ -953,7 +1019,6 @@
               <a:rPr lang="zh-CN" altLang="en-US"/>
               <a:t>单击此处编辑母版标题样式</a:t>
             </a:r>
-            <a:endParaRPr lang="zh-CN" altLang="en-US"/>
           </a:p>
         </p:txBody>
       </p:sp>
@@ -977,7 +1042,6 @@
               <a:rPr lang="zh-CN" altLang="en-US"/>
               <a:t>单击此处编辑母版文本样式</a:t>
             </a:r>
-            <a:endParaRPr lang="zh-CN" altLang="en-US"/>
           </a:p>
           <a:p>
             <a:pPr lvl="1"/>
@@ -985,7 +1049,6 @@
               <a:rPr lang="zh-CN" altLang="en-US"/>
               <a:t>第二级</a:t>
             </a:r>
-            <a:endParaRPr lang="zh-CN" altLang="en-US"/>
           </a:p>
           <a:p>
             <a:pPr lvl="2"/>
@@ -993,7 +1056,6 @@
               <a:rPr lang="zh-CN" altLang="en-US"/>
               <a:t>第三级</a:t>
             </a:r>
-            <a:endParaRPr lang="zh-CN" altLang="en-US"/>
           </a:p>
           <a:p>
             <a:pPr lvl="3"/>
@@ -1001,7 +1063,6 @@
               <a:rPr lang="zh-CN" altLang="en-US"/>
               <a:t>第四级</a:t>
             </a:r>
-            <a:endParaRPr lang="zh-CN" altLang="en-US"/>
           </a:p>
           <a:p>
             <a:pPr lvl="4"/>
@@ -1009,7 +1070,6 @@
               <a:rPr lang="zh-CN" altLang="en-US"/>
               <a:t>第五级</a:t>
             </a:r>
-            <a:endParaRPr lang="zh-CN" altLang="en-US"/>
           </a:p>
         </p:txBody>
       </p:sp>
@@ -1030,6 +1090,7 @@
           <a:p>
             <a:fld id="{D997B5FA-0921-464F-AAE1-844C04324D75}" type="datetimeFigureOut">
               <a:rPr lang="zh-CN" altLang="en-US" smtClean="0"/>
+              <a:t>2019/4/9</a:t>
             </a:fld>
             <a:endParaRPr lang="zh-CN" altLang="en-US"/>
           </a:p>
@@ -1071,6 +1132,7 @@
           <a:p>
             <a:fld id="{565CE74E-AB26-4998-AD42-012C4C1AD076}" type="slidenum">
               <a:rPr lang="zh-CN" altLang="en-US" smtClean="0"/>
+              <a:t>‹#›</a:t>
             </a:fld>
             <a:endParaRPr lang="zh-CN" altLang="en-US"/>
           </a:p>
@@ -1125,7 +1187,6 @@
               <a:rPr lang="zh-CN" altLang="en-US"/>
               <a:t>单击此处编辑母版标题样式</a:t>
             </a:r>
-            <a:endParaRPr lang="zh-CN" altLang="en-US"/>
           </a:p>
         </p:txBody>
       </p:sp>
@@ -1154,7 +1215,6 @@
               <a:rPr lang="zh-CN" altLang="en-US"/>
               <a:t>单击此处编辑母版文本样式</a:t>
             </a:r>
-            <a:endParaRPr lang="zh-CN" altLang="en-US"/>
           </a:p>
           <a:p>
             <a:pPr lvl="1"/>
@@ -1162,7 +1222,6 @@
               <a:rPr lang="zh-CN" altLang="en-US"/>
               <a:t>第二级</a:t>
             </a:r>
-            <a:endParaRPr lang="zh-CN" altLang="en-US"/>
           </a:p>
           <a:p>
             <a:pPr lvl="2"/>
@@ -1170,7 +1229,6 @@
               <a:rPr lang="zh-CN" altLang="en-US"/>
               <a:t>第三级</a:t>
             </a:r>
-            <a:endParaRPr lang="zh-CN" altLang="en-US"/>
           </a:p>
           <a:p>
             <a:pPr lvl="3"/>
@@ -1178,7 +1236,6 @@
               <a:rPr lang="zh-CN" altLang="en-US"/>
               <a:t>第四级</a:t>
             </a:r>
-            <a:endParaRPr lang="zh-CN" altLang="en-US"/>
           </a:p>
           <a:p>
             <a:pPr lvl="4"/>
@@ -1186,7 +1243,6 @@
               <a:rPr lang="zh-CN" altLang="en-US"/>
               <a:t>第五级</a:t>
             </a:r>
-            <a:endParaRPr lang="zh-CN" altLang="en-US"/>
           </a:p>
         </p:txBody>
       </p:sp>
@@ -1207,6 +1263,7 @@
           <a:p>
             <a:fld id="{D997B5FA-0921-464F-AAE1-844C04324D75}" type="datetimeFigureOut">
               <a:rPr lang="zh-CN" altLang="en-US" smtClean="0"/>
+              <a:t>2019/4/9</a:t>
             </a:fld>
             <a:endParaRPr lang="zh-CN" altLang="en-US"/>
           </a:p>
@@ -1248,6 +1305,7 @@
           <a:p>
             <a:fld id="{565CE74E-AB26-4998-AD42-012C4C1AD076}" type="slidenum">
               <a:rPr lang="zh-CN" altLang="en-US" smtClean="0"/>
+              <a:t>‹#›</a:t>
             </a:fld>
             <a:endParaRPr lang="zh-CN" altLang="en-US"/>
           </a:p>
@@ -1297,7 +1355,6 @@
               <a:rPr lang="zh-CN" altLang="en-US"/>
               <a:t>单击此处编辑母版标题样式</a:t>
             </a:r>
-            <a:endParaRPr lang="zh-CN" altLang="en-US"/>
           </a:p>
         </p:txBody>
       </p:sp>
@@ -1321,7 +1378,6 @@
               <a:rPr lang="zh-CN" altLang="en-US"/>
               <a:t>单击此处编辑母版文本样式</a:t>
             </a:r>
-            <a:endParaRPr lang="zh-CN" altLang="en-US"/>
           </a:p>
           <a:p>
             <a:pPr lvl="1"/>
@@ -1329,7 +1385,6 @@
               <a:rPr lang="zh-CN" altLang="en-US"/>
               <a:t>第二级</a:t>
             </a:r>
-            <a:endParaRPr lang="zh-CN" altLang="en-US"/>
           </a:p>
           <a:p>
             <a:pPr lvl="2"/>
@@ -1337,7 +1392,6 @@
               <a:rPr lang="zh-CN" altLang="en-US"/>
               <a:t>第三级</a:t>
             </a:r>
-            <a:endParaRPr lang="zh-CN" altLang="en-US"/>
           </a:p>
           <a:p>
             <a:pPr lvl="3"/>
@@ -1345,7 +1399,6 @@
               <a:rPr lang="zh-CN" altLang="en-US"/>
               <a:t>第四级</a:t>
             </a:r>
-            <a:endParaRPr lang="zh-CN" altLang="en-US"/>
           </a:p>
           <a:p>
             <a:pPr lvl="4"/>
@@ -1353,7 +1406,6 @@
               <a:rPr lang="zh-CN" altLang="en-US"/>
               <a:t>第五级</a:t>
             </a:r>
-            <a:endParaRPr lang="zh-CN" altLang="en-US"/>
           </a:p>
         </p:txBody>
       </p:sp>
@@ -1374,6 +1426,7 @@
           <a:p>
             <a:fld id="{D997B5FA-0921-464F-AAE1-844C04324D75}" type="datetimeFigureOut">
               <a:rPr lang="zh-CN" altLang="en-US" smtClean="0"/>
+              <a:t>2019/4/9</a:t>
             </a:fld>
             <a:endParaRPr lang="zh-CN" altLang="en-US"/>
           </a:p>
@@ -1415,6 +1468,7 @@
           <a:p>
             <a:fld id="{565CE74E-AB26-4998-AD42-012C4C1AD076}" type="slidenum">
               <a:rPr lang="zh-CN" altLang="en-US" smtClean="0"/>
+              <a:t>‹#›</a:t>
             </a:fld>
             <a:endParaRPr lang="zh-CN" altLang="en-US"/>
           </a:p>
@@ -1473,7 +1527,6 @@
               <a:rPr lang="zh-CN" altLang="en-US"/>
               <a:t>单击此处编辑母版标题样式</a:t>
             </a:r>
-            <a:endParaRPr lang="zh-CN" altLang="en-US"/>
           </a:p>
         </p:txBody>
       </p:sp>
@@ -1593,7 +1646,6 @@
               <a:rPr lang="zh-CN" altLang="en-US"/>
               <a:t>单击此处编辑母版文本样式</a:t>
             </a:r>
-            <a:endParaRPr lang="zh-CN" altLang="en-US"/>
           </a:p>
         </p:txBody>
       </p:sp>
@@ -1614,6 +1666,7 @@
           <a:p>
             <a:fld id="{D997B5FA-0921-464F-AAE1-844C04324D75}" type="datetimeFigureOut">
               <a:rPr lang="zh-CN" altLang="en-US" smtClean="0"/>
+              <a:t>2019/4/9</a:t>
             </a:fld>
             <a:endParaRPr lang="zh-CN" altLang="en-US"/>
           </a:p>
@@ -1655,6 +1708,7 @@
           <a:p>
             <a:fld id="{565CE74E-AB26-4998-AD42-012C4C1AD076}" type="slidenum">
               <a:rPr lang="zh-CN" altLang="en-US" smtClean="0"/>
+              <a:t>‹#›</a:t>
             </a:fld>
             <a:endParaRPr lang="zh-CN" altLang="en-US"/>
           </a:p>
@@ -1704,7 +1758,6 @@
               <a:rPr lang="zh-CN" altLang="en-US"/>
               <a:t>单击此处编辑母版标题样式</a:t>
             </a:r>
-            <a:endParaRPr lang="zh-CN" altLang="en-US"/>
           </a:p>
         </p:txBody>
       </p:sp>
@@ -1733,7 +1786,6 @@
               <a:rPr lang="zh-CN" altLang="en-US"/>
               <a:t>单击此处编辑母版文本样式</a:t>
             </a:r>
-            <a:endParaRPr lang="zh-CN" altLang="en-US"/>
           </a:p>
           <a:p>
             <a:pPr lvl="1"/>
@@ -1741,7 +1793,6 @@
               <a:rPr lang="zh-CN" altLang="en-US"/>
               <a:t>第二级</a:t>
             </a:r>
-            <a:endParaRPr lang="zh-CN" altLang="en-US"/>
           </a:p>
           <a:p>
             <a:pPr lvl="2"/>
@@ -1749,7 +1800,6 @@
               <a:rPr lang="zh-CN" altLang="en-US"/>
               <a:t>第三级</a:t>
             </a:r>
-            <a:endParaRPr lang="zh-CN" altLang="en-US"/>
           </a:p>
           <a:p>
             <a:pPr lvl="3"/>
@@ -1757,7 +1807,6 @@
               <a:rPr lang="zh-CN" altLang="en-US"/>
               <a:t>第四级</a:t>
             </a:r>
-            <a:endParaRPr lang="zh-CN" altLang="en-US"/>
           </a:p>
           <a:p>
             <a:pPr lvl="4"/>
@@ -1765,7 +1814,6 @@
               <a:rPr lang="zh-CN" altLang="en-US"/>
               <a:t>第五级</a:t>
             </a:r>
-            <a:endParaRPr lang="zh-CN" altLang="en-US"/>
           </a:p>
         </p:txBody>
       </p:sp>
@@ -1794,7 +1842,6 @@
               <a:rPr lang="zh-CN" altLang="en-US"/>
               <a:t>单击此处编辑母版文本样式</a:t>
             </a:r>
-            <a:endParaRPr lang="zh-CN" altLang="en-US"/>
           </a:p>
           <a:p>
             <a:pPr lvl="1"/>
@@ -1802,7 +1849,6 @@
               <a:rPr lang="zh-CN" altLang="en-US"/>
               <a:t>第二级</a:t>
             </a:r>
-            <a:endParaRPr lang="zh-CN" altLang="en-US"/>
           </a:p>
           <a:p>
             <a:pPr lvl="2"/>
@@ -1810,7 +1856,6 @@
               <a:rPr lang="zh-CN" altLang="en-US"/>
               <a:t>第三级</a:t>
             </a:r>
-            <a:endParaRPr lang="zh-CN" altLang="en-US"/>
           </a:p>
           <a:p>
             <a:pPr lvl="3"/>
@@ -1818,7 +1863,6 @@
               <a:rPr lang="zh-CN" altLang="en-US"/>
               <a:t>第四级</a:t>
             </a:r>
-            <a:endParaRPr lang="zh-CN" altLang="en-US"/>
           </a:p>
           <a:p>
             <a:pPr lvl="4"/>
@@ -1826,7 +1870,6 @@
               <a:rPr lang="zh-CN" altLang="en-US"/>
               <a:t>第五级</a:t>
             </a:r>
-            <a:endParaRPr lang="zh-CN" altLang="en-US"/>
           </a:p>
         </p:txBody>
       </p:sp>
@@ -1847,6 +1890,7 @@
           <a:p>
             <a:fld id="{D997B5FA-0921-464F-AAE1-844C04324D75}" type="datetimeFigureOut">
               <a:rPr lang="zh-CN" altLang="en-US" smtClean="0"/>
+              <a:t>2019/4/9</a:t>
             </a:fld>
             <a:endParaRPr lang="zh-CN" altLang="en-US"/>
           </a:p>
@@ -1888,6 +1932,7 @@
           <a:p>
             <a:fld id="{565CE74E-AB26-4998-AD42-012C4C1AD076}" type="slidenum">
               <a:rPr lang="zh-CN" altLang="en-US" smtClean="0"/>
+              <a:t>‹#›</a:t>
             </a:fld>
             <a:endParaRPr lang="zh-CN" altLang="en-US"/>
           </a:p>
@@ -1942,7 +1987,6 @@
               <a:rPr lang="zh-CN" altLang="en-US"/>
               <a:t>单击此处编辑母版标题样式</a:t>
             </a:r>
-            <a:endParaRPr lang="zh-CN" altLang="en-US"/>
           </a:p>
         </p:txBody>
       </p:sp>
@@ -2008,7 +2052,6 @@
               <a:rPr lang="zh-CN" altLang="en-US"/>
               <a:t>单击此处编辑母版文本样式</a:t>
             </a:r>
-            <a:endParaRPr lang="zh-CN" altLang="en-US"/>
           </a:p>
         </p:txBody>
       </p:sp>
@@ -2037,7 +2080,6 @@
               <a:rPr lang="zh-CN" altLang="en-US"/>
               <a:t>单击此处编辑母版文本样式</a:t>
             </a:r>
-            <a:endParaRPr lang="zh-CN" altLang="en-US"/>
           </a:p>
           <a:p>
             <a:pPr lvl="1"/>
@@ -2045,7 +2087,6 @@
               <a:rPr lang="zh-CN" altLang="en-US"/>
               <a:t>第二级</a:t>
             </a:r>
-            <a:endParaRPr lang="zh-CN" altLang="en-US"/>
           </a:p>
           <a:p>
             <a:pPr lvl="2"/>
@@ -2053,7 +2094,6 @@
               <a:rPr lang="zh-CN" altLang="en-US"/>
               <a:t>第三级</a:t>
             </a:r>
-            <a:endParaRPr lang="zh-CN" altLang="en-US"/>
           </a:p>
           <a:p>
             <a:pPr lvl="3"/>
@@ -2061,7 +2101,6 @@
               <a:rPr lang="zh-CN" altLang="en-US"/>
               <a:t>第四级</a:t>
             </a:r>
-            <a:endParaRPr lang="zh-CN" altLang="en-US"/>
           </a:p>
           <a:p>
             <a:pPr lvl="4"/>
@@ -2069,7 +2108,6 @@
               <a:rPr lang="zh-CN" altLang="en-US"/>
               <a:t>第五级</a:t>
             </a:r>
-            <a:endParaRPr lang="zh-CN" altLang="en-US"/>
           </a:p>
         </p:txBody>
       </p:sp>
@@ -2135,7 +2173,6 @@
               <a:rPr lang="zh-CN" altLang="en-US"/>
               <a:t>单击此处编辑母版文本样式</a:t>
             </a:r>
-            <a:endParaRPr lang="zh-CN" altLang="en-US"/>
           </a:p>
         </p:txBody>
       </p:sp>
@@ -2164,7 +2201,6 @@
               <a:rPr lang="zh-CN" altLang="en-US"/>
               <a:t>单击此处编辑母版文本样式</a:t>
             </a:r>
-            <a:endParaRPr lang="zh-CN" altLang="en-US"/>
           </a:p>
           <a:p>
             <a:pPr lvl="1"/>
@@ -2172,7 +2208,6 @@
               <a:rPr lang="zh-CN" altLang="en-US"/>
               <a:t>第二级</a:t>
             </a:r>
-            <a:endParaRPr lang="zh-CN" altLang="en-US"/>
           </a:p>
           <a:p>
             <a:pPr lvl="2"/>
@@ -2180,7 +2215,6 @@
               <a:rPr lang="zh-CN" altLang="en-US"/>
               <a:t>第三级</a:t>
             </a:r>
-            <a:endParaRPr lang="zh-CN" altLang="en-US"/>
           </a:p>
           <a:p>
             <a:pPr lvl="3"/>
@@ -2188,7 +2222,6 @@
               <a:rPr lang="zh-CN" altLang="en-US"/>
               <a:t>第四级</a:t>
             </a:r>
-            <a:endParaRPr lang="zh-CN" altLang="en-US"/>
           </a:p>
           <a:p>
             <a:pPr lvl="4"/>
@@ -2196,7 +2229,6 @@
               <a:rPr lang="zh-CN" altLang="en-US"/>
               <a:t>第五级</a:t>
             </a:r>
-            <a:endParaRPr lang="zh-CN" altLang="en-US"/>
           </a:p>
         </p:txBody>
       </p:sp>
@@ -2217,6 +2249,7 @@
           <a:p>
             <a:fld id="{D997B5FA-0921-464F-AAE1-844C04324D75}" type="datetimeFigureOut">
               <a:rPr lang="zh-CN" altLang="en-US" smtClean="0"/>
+              <a:t>2019/4/9</a:t>
             </a:fld>
             <a:endParaRPr lang="zh-CN" altLang="en-US"/>
           </a:p>
@@ -2258,6 +2291,7 @@
           <a:p>
             <a:fld id="{565CE74E-AB26-4998-AD42-012C4C1AD076}" type="slidenum">
               <a:rPr lang="zh-CN" altLang="en-US" smtClean="0"/>
+              <a:t>‹#›</a:t>
             </a:fld>
             <a:endParaRPr lang="zh-CN" altLang="en-US"/>
           </a:p>
@@ -2307,7 +2341,6 @@
               <a:rPr lang="zh-CN" altLang="en-US"/>
               <a:t>单击此处编辑母版标题样式</a:t>
             </a:r>
-            <a:endParaRPr lang="zh-CN" altLang="en-US"/>
           </a:p>
         </p:txBody>
       </p:sp>
@@ -2328,6 +2361,7 @@
           <a:p>
             <a:fld id="{D997B5FA-0921-464F-AAE1-844C04324D75}" type="datetimeFigureOut">
               <a:rPr lang="zh-CN" altLang="en-US" smtClean="0"/>
+              <a:t>2019/4/9</a:t>
             </a:fld>
             <a:endParaRPr lang="zh-CN" altLang="en-US"/>
           </a:p>
@@ -2369,6 +2403,7 @@
           <a:p>
             <a:fld id="{565CE74E-AB26-4998-AD42-012C4C1AD076}" type="slidenum">
               <a:rPr lang="zh-CN" altLang="en-US" smtClean="0"/>
+              <a:t>‹#›</a:t>
             </a:fld>
             <a:endParaRPr lang="zh-CN" altLang="en-US"/>
           </a:p>
@@ -2416,6 +2451,7 @@
           <a:p>
             <a:fld id="{D997B5FA-0921-464F-AAE1-844C04324D75}" type="datetimeFigureOut">
               <a:rPr lang="zh-CN" altLang="en-US" smtClean="0"/>
+              <a:t>2019/4/9</a:t>
             </a:fld>
             <a:endParaRPr lang="zh-CN" altLang="en-US"/>
           </a:p>
@@ -2457,6 +2493,7 @@
           <a:p>
             <a:fld id="{565CE74E-AB26-4998-AD42-012C4C1AD076}" type="slidenum">
               <a:rPr lang="zh-CN" altLang="en-US" smtClean="0"/>
+              <a:t>‹#›</a:t>
             </a:fld>
             <a:endParaRPr lang="zh-CN" altLang="en-US"/>
           </a:p>
@@ -2515,7 +2552,6 @@
               <a:rPr lang="zh-CN" altLang="en-US"/>
               <a:t>单击此处编辑母版标题样式</a:t>
             </a:r>
-            <a:endParaRPr lang="zh-CN" altLang="en-US"/>
           </a:p>
         </p:txBody>
       </p:sp>
@@ -2572,7 +2608,6 @@
               <a:rPr lang="zh-CN" altLang="en-US"/>
               <a:t>单击此处编辑母版文本样式</a:t>
             </a:r>
-            <a:endParaRPr lang="zh-CN" altLang="en-US"/>
           </a:p>
           <a:p>
             <a:pPr lvl="1"/>
@@ -2580,7 +2615,6 @@
               <a:rPr lang="zh-CN" altLang="en-US"/>
               <a:t>第二级</a:t>
             </a:r>
-            <a:endParaRPr lang="zh-CN" altLang="en-US"/>
           </a:p>
           <a:p>
             <a:pPr lvl="2"/>
@@ -2588,7 +2622,6 @@
               <a:rPr lang="zh-CN" altLang="en-US"/>
               <a:t>第三级</a:t>
             </a:r>
-            <a:endParaRPr lang="zh-CN" altLang="en-US"/>
           </a:p>
           <a:p>
             <a:pPr lvl="3"/>
@@ -2596,7 +2629,6 @@
               <a:rPr lang="zh-CN" altLang="en-US"/>
               <a:t>第四级</a:t>
             </a:r>
-            <a:endParaRPr lang="zh-CN" altLang="en-US"/>
           </a:p>
           <a:p>
             <a:pPr lvl="4"/>
@@ -2604,7 +2636,6 @@
               <a:rPr lang="zh-CN" altLang="en-US"/>
               <a:t>第五级</a:t>
             </a:r>
-            <a:endParaRPr lang="zh-CN" altLang="en-US"/>
           </a:p>
         </p:txBody>
       </p:sp>
@@ -2670,7 +2701,6 @@
               <a:rPr lang="zh-CN" altLang="en-US"/>
               <a:t>单击此处编辑母版文本样式</a:t>
             </a:r>
-            <a:endParaRPr lang="zh-CN" altLang="en-US"/>
           </a:p>
         </p:txBody>
       </p:sp>
@@ -2691,6 +2721,7 @@
           <a:p>
             <a:fld id="{D997B5FA-0921-464F-AAE1-844C04324D75}" type="datetimeFigureOut">
               <a:rPr lang="zh-CN" altLang="en-US" smtClean="0"/>
+              <a:t>2019/4/9</a:t>
             </a:fld>
             <a:endParaRPr lang="zh-CN" altLang="en-US"/>
           </a:p>
@@ -2732,6 +2763,7 @@
           <a:p>
             <a:fld id="{565CE74E-AB26-4998-AD42-012C4C1AD076}" type="slidenum">
               <a:rPr lang="zh-CN" altLang="en-US" smtClean="0"/>
+              <a:t>‹#›</a:t>
             </a:fld>
             <a:endParaRPr lang="zh-CN" altLang="en-US"/>
           </a:p>
@@ -2790,7 +2822,6 @@
               <a:rPr lang="zh-CN" altLang="en-US"/>
               <a:t>单击此处编辑母版标题样式</a:t>
             </a:r>
-            <a:endParaRPr lang="zh-CN" altLang="en-US"/>
           </a:p>
         </p:txBody>
       </p:sp>
@@ -2917,7 +2948,6 @@
               <a:rPr lang="zh-CN" altLang="en-US"/>
               <a:t>单击此处编辑母版文本样式</a:t>
             </a:r>
-            <a:endParaRPr lang="zh-CN" altLang="en-US"/>
           </a:p>
         </p:txBody>
       </p:sp>
@@ -2938,6 +2968,7 @@
           <a:p>
             <a:fld id="{D997B5FA-0921-464F-AAE1-844C04324D75}" type="datetimeFigureOut">
               <a:rPr lang="zh-CN" altLang="en-US" smtClean="0"/>
+              <a:t>2019/4/9</a:t>
             </a:fld>
             <a:endParaRPr lang="zh-CN" altLang="en-US"/>
           </a:p>
@@ -2979,6 +3010,7 @@
           <a:p>
             <a:fld id="{565CE74E-AB26-4998-AD42-012C4C1AD076}" type="slidenum">
               <a:rPr lang="zh-CN" altLang="en-US" smtClean="0"/>
+              <a:t>‹#›</a:t>
             </a:fld>
             <a:endParaRPr lang="zh-CN" altLang="en-US"/>
           </a:p>
@@ -3043,7 +3075,6 @@
               <a:rPr lang="zh-CN" altLang="en-US"/>
               <a:t>单击此处编辑母版标题样式</a:t>
             </a:r>
-            <a:endParaRPr lang="zh-CN" altLang="en-US"/>
           </a:p>
         </p:txBody>
       </p:sp>
@@ -3077,7 +3108,6 @@
               <a:rPr lang="zh-CN" altLang="en-US"/>
               <a:t>单击此处编辑母版文本样式</a:t>
             </a:r>
-            <a:endParaRPr lang="zh-CN" altLang="en-US"/>
           </a:p>
           <a:p>
             <a:pPr lvl="1"/>
@@ -3085,7 +3115,6 @@
               <a:rPr lang="zh-CN" altLang="en-US"/>
               <a:t>第二级</a:t>
             </a:r>
-            <a:endParaRPr lang="zh-CN" altLang="en-US"/>
           </a:p>
           <a:p>
             <a:pPr lvl="2"/>
@@ -3093,7 +3122,6 @@
               <a:rPr lang="zh-CN" altLang="en-US"/>
               <a:t>第三级</a:t>
             </a:r>
-            <a:endParaRPr lang="zh-CN" altLang="en-US"/>
           </a:p>
           <a:p>
             <a:pPr lvl="3"/>
@@ -3101,7 +3129,6 @@
               <a:rPr lang="zh-CN" altLang="en-US"/>
               <a:t>第四级</a:t>
             </a:r>
-            <a:endParaRPr lang="zh-CN" altLang="en-US"/>
           </a:p>
           <a:p>
             <a:pPr lvl="4"/>
@@ -3109,7 +3136,6 @@
               <a:rPr lang="zh-CN" altLang="en-US"/>
               <a:t>第五级</a:t>
             </a:r>
-            <a:endParaRPr lang="zh-CN" altLang="en-US"/>
           </a:p>
         </p:txBody>
       </p:sp>
@@ -3148,6 +3174,7 @@
           <a:p>
             <a:fld id="{D997B5FA-0921-464F-AAE1-844C04324D75}" type="datetimeFigureOut">
               <a:rPr lang="zh-CN" altLang="en-US" smtClean="0"/>
+              <a:t>2019/4/9</a:t>
             </a:fld>
             <a:endParaRPr lang="zh-CN" altLang="en-US"/>
           </a:p>
@@ -3225,6 +3252,7 @@
           <a:p>
             <a:fld id="{565CE74E-AB26-4998-AD42-012C4C1AD076}" type="slidenum">
               <a:rPr lang="zh-CN" altLang="en-US" smtClean="0"/>
+              <a:t>‹#›</a:t>
             </a:fld>
             <a:endParaRPr lang="zh-CN" altLang="en-US"/>
           </a:p>
@@ -3604,12 +3632,6 @@
               </a:rPr>
               <a:t>config</a:t>
             </a:r>
-            <a:endParaRPr lang="en-US" altLang="zh-CN" sz="2200">
-              <a:solidFill>
-                <a:schemeClr val="tx1"/>
-              </a:solidFill>
-              <a:sym typeface="+mn-ea"/>
-            </a:endParaRPr>
           </a:p>
         </p:txBody>
       </p:sp>
@@ -3671,12 +3693,6 @@
               </a:rPr>
               <a:t>price</a:t>
             </a:r>
-            <a:endParaRPr lang="en-US" altLang="zh-CN" sz="2200">
-              <a:solidFill>
-                <a:schemeClr val="tx1"/>
-              </a:solidFill>
-              <a:sym typeface="+mn-ea"/>
-            </a:endParaRPr>
           </a:p>
         </p:txBody>
       </p:sp>
@@ -3738,12 +3754,6 @@
               </a:rPr>
               <a:t>verify</a:t>
             </a:r>
-            <a:endParaRPr lang="en-US" altLang="zh-CN" sz="2200">
-              <a:solidFill>
-                <a:schemeClr val="tx1"/>
-              </a:solidFill>
-              <a:sym typeface="+mn-ea"/>
-            </a:endParaRPr>
           </a:p>
           <a:p>
             <a:pPr lvl="0" algn="ctr"/>
@@ -3756,12 +3766,6 @@
               </a:rPr>
               <a:t>code</a:t>
             </a:r>
-            <a:endParaRPr lang="en-US" altLang="zh-CN" sz="2200">
-              <a:solidFill>
-                <a:schemeClr val="tx1"/>
-              </a:solidFill>
-              <a:sym typeface="+mn-ea"/>
-            </a:endParaRPr>
           </a:p>
         </p:txBody>
       </p:sp>
@@ -3823,12 +3827,6 @@
               </a:rPr>
               <a:t>contact</a:t>
             </a:r>
-            <a:endParaRPr lang="en-US" altLang="zh-CN" sz="2200">
-              <a:solidFill>
-                <a:schemeClr val="tx1"/>
-              </a:solidFill>
-              <a:sym typeface="+mn-ea"/>
-            </a:endParaRPr>
           </a:p>
         </p:txBody>
       </p:sp>
@@ -3890,12 +3888,6 @@
               </a:rPr>
               <a:t>train</a:t>
             </a:r>
-            <a:endParaRPr lang="en-US" altLang="zh-CN" sz="2200">
-              <a:solidFill>
-                <a:schemeClr val="tx1"/>
-              </a:solidFill>
-              <a:sym typeface="+mn-ea"/>
-            </a:endParaRPr>
           </a:p>
         </p:txBody>
       </p:sp>
@@ -3957,12 +3949,6 @@
               </a:rPr>
               <a:t>station</a:t>
             </a:r>
-            <a:endParaRPr lang="en-US" altLang="zh-CN" sz="2200" dirty="0">
-              <a:solidFill>
-                <a:schemeClr val="tx1"/>
-              </a:solidFill>
-              <a:sym typeface="+mn-ea"/>
-            </a:endParaRPr>
           </a:p>
         </p:txBody>
       </p:sp>
@@ -4024,12 +4010,6 @@
               </a:rPr>
               <a:t>single</a:t>
             </a:r>
-            <a:endParaRPr lang="en-US" altLang="zh-CN" sz="2200">
-              <a:solidFill>
-                <a:schemeClr val="tx1"/>
-              </a:solidFill>
-              <a:sym typeface="+mn-ea"/>
-            </a:endParaRPr>
           </a:p>
           <a:p>
             <a:pPr lvl="0" algn="ctr"/>
@@ -4042,12 +4022,6 @@
               </a:rPr>
               <a:t> sign-on</a:t>
             </a:r>
-            <a:endParaRPr lang="en-US" altLang="zh-CN" sz="2200">
-              <a:solidFill>
-                <a:schemeClr val="tx1"/>
-              </a:solidFill>
-              <a:sym typeface="+mn-ea"/>
-            </a:endParaRPr>
           </a:p>
         </p:txBody>
       </p:sp>
@@ -4109,12 +4083,6 @@
               </a:rPr>
               <a:t>basic</a:t>
             </a:r>
-            <a:endParaRPr lang="en-US" altLang="zh-CN" sz="2200">
-              <a:solidFill>
-                <a:schemeClr val="tx1"/>
-              </a:solidFill>
-              <a:sym typeface="+mn-ea"/>
-            </a:endParaRPr>
           </a:p>
           <a:p>
             <a:pPr lvl="0" algn="ctr"/>
@@ -4127,12 +4095,6 @@
               </a:rPr>
               <a:t>info</a:t>
             </a:r>
-            <a:endParaRPr lang="en-US" altLang="zh-CN" sz="2200">
-              <a:solidFill>
-                <a:schemeClr val="tx1"/>
-              </a:solidFill>
-              <a:sym typeface="+mn-ea"/>
-            </a:endParaRPr>
           </a:p>
         </p:txBody>
       </p:sp>
@@ -4186,7 +4148,7 @@
           <a:p>
             <a:pPr lvl="0" algn="ctr"/>
             <a:r>
-              <a:rPr lang="en-US" altLang="zh-CN" sz="2200">
+              <a:rPr lang="en-US" altLang="zh-CN" sz="2200" dirty="0">
                 <a:solidFill>
                   <a:schemeClr val="tx1"/>
                 </a:solidFill>
@@ -4194,12 +4156,6 @@
               </a:rPr>
               <a:t>login</a:t>
             </a:r>
-            <a:endParaRPr lang="en-US" altLang="zh-CN" sz="2200">
-              <a:solidFill>
-                <a:schemeClr val="tx1"/>
-              </a:solidFill>
-              <a:sym typeface="+mn-ea"/>
-            </a:endParaRPr>
           </a:p>
         </p:txBody>
       </p:sp>
@@ -4261,12 +4217,6 @@
               </a:rPr>
               <a:t>register</a:t>
             </a:r>
-            <a:endParaRPr lang="en-US" altLang="zh-CN" sz="2200">
-              <a:solidFill>
-                <a:schemeClr val="tx1"/>
-              </a:solidFill>
-              <a:sym typeface="+mn-ea"/>
-            </a:endParaRPr>
           </a:p>
         </p:txBody>
       </p:sp>
@@ -4328,12 +4278,6 @@
               </a:rPr>
               <a:t>notify</a:t>
             </a:r>
-            <a:endParaRPr lang="en-US" altLang="zh-CN" sz="2200">
-              <a:solidFill>
-                <a:schemeClr val="tx1"/>
-              </a:solidFill>
-              <a:sym typeface="+mn-ea"/>
-            </a:endParaRPr>
           </a:p>
         </p:txBody>
       </p:sp>
@@ -4395,12 +4339,6 @@
               </a:rPr>
               <a:t>ticket</a:t>
             </a:r>
-            <a:endParaRPr lang="en-US" altLang="zh-CN" sz="2200">
-              <a:solidFill>
-                <a:schemeClr val="tx1"/>
-              </a:solidFill>
-              <a:sym typeface="+mn-ea"/>
-            </a:endParaRPr>
           </a:p>
           <a:p>
             <a:pPr lvl="0" algn="ctr"/>
@@ -4413,12 +4351,6 @@
               </a:rPr>
               <a:t>info</a:t>
             </a:r>
-            <a:endParaRPr lang="en-US" altLang="zh-CN" sz="2200">
-              <a:solidFill>
-                <a:schemeClr val="tx1"/>
-              </a:solidFill>
-              <a:sym typeface="+mn-ea"/>
-            </a:endParaRPr>
           </a:p>
         </p:txBody>
       </p:sp>
@@ -4480,12 +4412,6 @@
               </a:rPr>
               <a:t>high-speed</a:t>
             </a:r>
-            <a:endParaRPr lang="en-US" altLang="zh-CN" sz="2200" dirty="0">
-              <a:solidFill>
-                <a:schemeClr val="tx1"/>
-              </a:solidFill>
-              <a:sym typeface="+mn-ea"/>
-            </a:endParaRPr>
           </a:p>
           <a:p>
             <a:pPr lvl="0" algn="ctr"/>
@@ -4498,12 +4424,6 @@
               </a:rPr>
               <a:t>order</a:t>
             </a:r>
-            <a:endParaRPr lang="en-US" altLang="zh-CN" sz="2200" dirty="0">
-              <a:solidFill>
-                <a:schemeClr val="tx1"/>
-              </a:solidFill>
-              <a:sym typeface="+mn-ea"/>
-            </a:endParaRPr>
           </a:p>
         </p:txBody>
       </p:sp>
@@ -4565,12 +4485,6 @@
               </a:rPr>
               <a:t>high-speed</a:t>
             </a:r>
-            <a:endParaRPr lang="en-US" altLang="zh-CN" sz="2200" dirty="0">
-              <a:solidFill>
-                <a:schemeClr val="tx1"/>
-              </a:solidFill>
-              <a:sym typeface="+mn-ea"/>
-            </a:endParaRPr>
           </a:p>
           <a:p>
             <a:pPr lvl="0" algn="ctr"/>
@@ -4583,12 +4497,6 @@
               </a:rPr>
               <a:t>travel</a:t>
             </a:r>
-            <a:endParaRPr lang="en-US" altLang="zh-CN" sz="2200" dirty="0">
-              <a:solidFill>
-                <a:schemeClr val="tx1"/>
-              </a:solidFill>
-              <a:sym typeface="+mn-ea"/>
-            </a:endParaRPr>
           </a:p>
           <a:p>
             <a:pPr lvl="0" algn="ctr"/>
@@ -4601,12 +4509,6 @@
               </a:rPr>
               <a:t>explore</a:t>
             </a:r>
-            <a:endParaRPr lang="en-US" altLang="zh-CN" sz="2200" dirty="0">
-              <a:solidFill>
-                <a:schemeClr val="tx1"/>
-              </a:solidFill>
-              <a:sym typeface="+mn-ea"/>
-            </a:endParaRPr>
           </a:p>
         </p:txBody>
       </p:sp>
@@ -4668,12 +4570,6 @@
               </a:rPr>
               <a:t>inside</a:t>
             </a:r>
-            <a:endParaRPr lang="en-US" altLang="zh-CN" sz="2200" dirty="0">
-              <a:solidFill>
-                <a:schemeClr val="tx1"/>
-              </a:solidFill>
-              <a:sym typeface="+mn-ea"/>
-            </a:endParaRPr>
           </a:p>
           <a:p>
             <a:pPr lvl="0" algn="ctr"/>
@@ -4686,12 +4582,6 @@
               </a:rPr>
               <a:t>pay</a:t>
             </a:r>
-            <a:endParaRPr lang="en-US" altLang="zh-CN" sz="2200" dirty="0">
-              <a:solidFill>
-                <a:schemeClr val="tx1"/>
-              </a:solidFill>
-              <a:sym typeface="+mn-ea"/>
-            </a:endParaRPr>
           </a:p>
         </p:txBody>
       </p:sp>
@@ -4753,12 +4643,6 @@
               </a:rPr>
               <a:t>pay</a:t>
             </a:r>
-            <a:endParaRPr lang="en-US" altLang="zh-CN" sz="2200" dirty="0">
-              <a:solidFill>
-                <a:schemeClr val="tx1"/>
-              </a:solidFill>
-              <a:sym typeface="+mn-ea"/>
-            </a:endParaRPr>
           </a:p>
         </p:txBody>
       </p:sp>
@@ -4820,12 +4704,6 @@
               </a:rPr>
               <a:t>ticket</a:t>
             </a:r>
-            <a:endParaRPr lang="en-US" altLang="zh-CN" sz="2200" dirty="0">
-              <a:solidFill>
-                <a:schemeClr val="tx1"/>
-              </a:solidFill>
-              <a:sym typeface="+mn-ea"/>
-            </a:endParaRPr>
           </a:p>
           <a:p>
             <a:pPr lvl="0" algn="ctr"/>
@@ -4838,12 +4716,6 @@
               </a:rPr>
               <a:t>execute</a:t>
             </a:r>
-            <a:endParaRPr lang="en-US" altLang="zh-CN" sz="2200" dirty="0">
-              <a:solidFill>
-                <a:schemeClr val="tx1"/>
-              </a:solidFill>
-              <a:sym typeface="+mn-ea"/>
-            </a:endParaRPr>
           </a:p>
         </p:txBody>
       </p:sp>
@@ -4905,12 +4777,6 @@
               </a:rPr>
               <a:t>security</a:t>
             </a:r>
-            <a:endParaRPr lang="en-US" altLang="zh-CN" sz="2200">
-              <a:solidFill>
-                <a:schemeClr val="tx1"/>
-              </a:solidFill>
-              <a:sym typeface="+mn-ea"/>
-            </a:endParaRPr>
           </a:p>
         </p:txBody>
       </p:sp>
@@ -4972,12 +4838,6 @@
               </a:rPr>
               <a:t>ticket </a:t>
             </a:r>
-            <a:endParaRPr lang="en-US" altLang="zh-CN" sz="2200">
-              <a:solidFill>
-                <a:schemeClr val="tx1"/>
-              </a:solidFill>
-              <a:sym typeface="+mn-ea"/>
-            </a:endParaRPr>
           </a:p>
           <a:p>
             <a:pPr lvl="0" algn="ctr"/>
@@ -4990,12 +4850,6 @@
               </a:rPr>
               <a:t>rebook</a:t>
             </a:r>
-            <a:endParaRPr lang="en-US" altLang="zh-CN" sz="2200">
-              <a:solidFill>
-                <a:schemeClr val="tx1"/>
-              </a:solidFill>
-              <a:sym typeface="+mn-ea"/>
-            </a:endParaRPr>
           </a:p>
         </p:txBody>
       </p:sp>
@@ -5056,11 +4910,6 @@
               </a:rPr>
               <a:t>high-speed</a:t>
             </a:r>
-            <a:endParaRPr lang="en-US" altLang="zh-CN" sz="2200" dirty="0">
-              <a:solidFill>
-                <a:schemeClr val="tx1"/>
-              </a:solidFill>
-            </a:endParaRPr>
           </a:p>
           <a:p>
             <a:pPr algn="ctr"/>
@@ -5072,11 +4921,6 @@
               </a:rPr>
               <a:t>ticket</a:t>
             </a:r>
-            <a:endParaRPr lang="en-US" altLang="zh-CN" sz="2200" dirty="0">
-              <a:solidFill>
-                <a:schemeClr val="tx1"/>
-              </a:solidFill>
-            </a:endParaRPr>
           </a:p>
           <a:p>
             <a:pPr algn="ctr"/>
@@ -5088,11 +4932,6 @@
               </a:rPr>
               <a:t>reserve</a:t>
             </a:r>
-            <a:endParaRPr lang="en-US" altLang="zh-CN" sz="2200" dirty="0">
-              <a:solidFill>
-                <a:schemeClr val="tx1"/>
-              </a:solidFill>
-            </a:endParaRPr>
           </a:p>
         </p:txBody>
       </p:sp>
@@ -5154,12 +4993,6 @@
               </a:rPr>
               <a:t>order</a:t>
             </a:r>
-            <a:endParaRPr lang="en-US" altLang="zh-CN" sz="2200">
-              <a:solidFill>
-                <a:schemeClr val="tx1"/>
-              </a:solidFill>
-              <a:sym typeface="+mn-ea"/>
-            </a:endParaRPr>
           </a:p>
         </p:txBody>
       </p:sp>
@@ -5220,11 +5053,6 @@
               </a:rPr>
               <a:t>ticket</a:t>
             </a:r>
-            <a:endParaRPr lang="en-US" altLang="zh-CN" sz="2200" dirty="0">
-              <a:solidFill>
-                <a:schemeClr val="tx1"/>
-              </a:solidFill>
-            </a:endParaRPr>
           </a:p>
           <a:p>
             <a:pPr algn="ctr"/>
@@ -5303,12 +5131,6 @@
               </a:rPr>
               <a:t>travel</a:t>
             </a:r>
-            <a:endParaRPr lang="en-US" altLang="zh-CN" sz="2200" dirty="0">
-              <a:solidFill>
-                <a:schemeClr val="tx1"/>
-              </a:solidFill>
-              <a:sym typeface="+mn-ea"/>
-            </a:endParaRPr>
           </a:p>
           <a:p>
             <a:pPr lvl="0" algn="ctr"/>
@@ -5321,12 +5143,6 @@
               </a:rPr>
               <a:t>explore</a:t>
             </a:r>
-            <a:endParaRPr lang="en-US" altLang="zh-CN" sz="2200" dirty="0">
-              <a:solidFill>
-                <a:schemeClr val="tx1"/>
-              </a:solidFill>
-              <a:sym typeface="+mn-ea"/>
-            </a:endParaRPr>
           </a:p>
         </p:txBody>
       </p:sp>
@@ -5388,12 +5204,6 @@
               </a:rPr>
               <a:t>cancel</a:t>
             </a:r>
-            <a:endParaRPr lang="en-US" altLang="zh-CN" sz="2200" dirty="0">
-              <a:solidFill>
-                <a:schemeClr val="tx1"/>
-              </a:solidFill>
-              <a:sym typeface="+mn-ea"/>
-            </a:endParaRPr>
           </a:p>
           <a:p>
             <a:pPr lvl="0" algn="ctr"/>
@@ -5406,12 +5216,6 @@
               </a:rPr>
               <a:t>order</a:t>
             </a:r>
-            <a:endParaRPr lang="en-US" altLang="zh-CN" sz="2200" dirty="0">
-              <a:solidFill>
-                <a:schemeClr val="tx1"/>
-              </a:solidFill>
-              <a:sym typeface="+mn-ea"/>
-            </a:endParaRPr>
           </a:p>
         </p:txBody>
       </p:sp>
@@ -5467,11 +5271,6 @@
               </a:rPr>
               <a:t>Gateway</a:t>
             </a:r>
-            <a:endParaRPr lang="en-US" altLang="zh-CN" sz="2800" dirty="0">
-              <a:solidFill>
-                <a:schemeClr val="tx1"/>
-              </a:solidFill>
-            </a:endParaRPr>
           </a:p>
         </p:txBody>
       </p:sp>
@@ -5527,11 +5326,6 @@
               </a:rPr>
               <a:t>Service</a:t>
             </a:r>
-            <a:endParaRPr lang="en-US" altLang="zh-CN" sz="2800" dirty="0">
-              <a:solidFill>
-                <a:schemeClr val="tx1"/>
-              </a:solidFill>
-            </a:endParaRPr>
           </a:p>
           <a:p>
             <a:pPr algn="ctr"/>
@@ -5543,11 +5337,6 @@
               </a:rPr>
               <a:t>Discovery</a:t>
             </a:r>
-            <a:endParaRPr lang="en-US" altLang="zh-CN" sz="2800" dirty="0">
-              <a:solidFill>
-                <a:schemeClr val="tx1"/>
-              </a:solidFill>
-            </a:endParaRPr>
           </a:p>
           <a:p>
             <a:pPr algn="ctr"/>
@@ -5567,11 +5356,6 @@
               </a:rPr>
               <a:t>Service</a:t>
             </a:r>
-            <a:endParaRPr lang="en-US" altLang="zh-CN" sz="2800" dirty="0">
-              <a:solidFill>
-                <a:schemeClr val="tx1"/>
-              </a:solidFill>
-            </a:endParaRPr>
           </a:p>
           <a:p>
             <a:pPr algn="ctr"/>
@@ -5583,11 +5367,6 @@
               </a:rPr>
               <a:t>Registry</a:t>
             </a:r>
-            <a:endParaRPr lang="en-US" altLang="zh-CN" sz="2800" dirty="0">
-              <a:solidFill>
-                <a:schemeClr val="tx1"/>
-              </a:solidFill>
-            </a:endParaRPr>
           </a:p>
           <a:p>
             <a:pPr algn="ctr"/>
@@ -5607,11 +5386,6 @@
               </a:rPr>
               <a:t>Load</a:t>
             </a:r>
-            <a:endParaRPr lang="en-US" altLang="zh-CN" sz="2800" dirty="0">
-              <a:solidFill>
-                <a:schemeClr val="tx1"/>
-              </a:solidFill>
-            </a:endParaRPr>
           </a:p>
           <a:p>
             <a:pPr algn="ctr"/>
@@ -5623,11 +5397,6 @@
               </a:rPr>
               <a:t>Balance</a:t>
             </a:r>
-            <a:endParaRPr lang="en-US" altLang="zh-CN" sz="2800" dirty="0">
-              <a:solidFill>
-                <a:schemeClr val="tx1"/>
-              </a:solidFill>
-            </a:endParaRPr>
           </a:p>
           <a:p>
             <a:pPr algn="ctr"/>
@@ -6700,12 +6469,6 @@
               </a:rPr>
               <a:t>config</a:t>
             </a:r>
-            <a:endParaRPr lang="en-US" altLang="zh-CN" sz="1400">
-              <a:solidFill>
-                <a:schemeClr val="tx1"/>
-              </a:solidFill>
-              <a:sym typeface="+mn-ea"/>
-            </a:endParaRPr>
           </a:p>
         </p:txBody>
       </p:sp>
@@ -6767,12 +6530,6 @@
               </a:rPr>
               <a:t>price</a:t>
             </a:r>
-            <a:endParaRPr lang="en-US" altLang="zh-CN" sz="1400">
-              <a:solidFill>
-                <a:schemeClr val="tx1"/>
-              </a:solidFill>
-              <a:sym typeface="+mn-ea"/>
-            </a:endParaRPr>
           </a:p>
         </p:txBody>
       </p:sp>
@@ -6834,12 +6591,6 @@
               </a:rPr>
               <a:t>verify</a:t>
             </a:r>
-            <a:endParaRPr lang="en-US" altLang="zh-CN" sz="1200">
-              <a:solidFill>
-                <a:schemeClr val="tx1"/>
-              </a:solidFill>
-              <a:sym typeface="+mn-ea"/>
-            </a:endParaRPr>
           </a:p>
           <a:p>
             <a:pPr lvl="0" algn="ctr"/>
@@ -6852,12 +6603,6 @@
               </a:rPr>
               <a:t>code</a:t>
             </a:r>
-            <a:endParaRPr lang="en-US" altLang="zh-CN" sz="1200">
-              <a:solidFill>
-                <a:schemeClr val="tx1"/>
-              </a:solidFill>
-              <a:sym typeface="+mn-ea"/>
-            </a:endParaRPr>
           </a:p>
         </p:txBody>
       </p:sp>
@@ -6919,12 +6664,6 @@
               </a:rPr>
               <a:t>contact</a:t>
             </a:r>
-            <a:endParaRPr lang="en-US" altLang="zh-CN" sz="1400">
-              <a:solidFill>
-                <a:schemeClr val="tx1"/>
-              </a:solidFill>
-              <a:sym typeface="+mn-ea"/>
-            </a:endParaRPr>
           </a:p>
         </p:txBody>
       </p:sp>
@@ -6986,12 +6725,6 @@
               </a:rPr>
               <a:t>train</a:t>
             </a:r>
-            <a:endParaRPr lang="en-US" altLang="zh-CN" sz="1400" dirty="0">
-              <a:solidFill>
-                <a:schemeClr val="tx1"/>
-              </a:solidFill>
-              <a:sym typeface="+mn-ea"/>
-            </a:endParaRPr>
           </a:p>
         </p:txBody>
       </p:sp>
@@ -7053,12 +6786,6 @@
               </a:rPr>
               <a:t>station</a:t>
             </a:r>
-            <a:endParaRPr lang="en-US" altLang="zh-CN" sz="1400" dirty="0">
-              <a:solidFill>
-                <a:schemeClr val="tx1"/>
-              </a:solidFill>
-              <a:sym typeface="+mn-ea"/>
-            </a:endParaRPr>
           </a:p>
         </p:txBody>
       </p:sp>
@@ -7120,12 +6847,6 @@
               </a:rPr>
               <a:t>single</a:t>
             </a:r>
-            <a:endParaRPr lang="en-US" altLang="zh-CN" sz="1200">
-              <a:solidFill>
-                <a:schemeClr val="tx1"/>
-              </a:solidFill>
-              <a:sym typeface="+mn-ea"/>
-            </a:endParaRPr>
           </a:p>
           <a:p>
             <a:pPr lvl="0" algn="ctr"/>
@@ -7138,12 +6859,6 @@
               </a:rPr>
               <a:t> sign-on</a:t>
             </a:r>
-            <a:endParaRPr lang="en-US" altLang="zh-CN" sz="1200">
-              <a:solidFill>
-                <a:schemeClr val="tx1"/>
-              </a:solidFill>
-              <a:sym typeface="+mn-ea"/>
-            </a:endParaRPr>
           </a:p>
         </p:txBody>
       </p:sp>
@@ -7205,12 +6920,6 @@
               </a:rPr>
               <a:t>basic</a:t>
             </a:r>
-            <a:endParaRPr lang="en-US" altLang="zh-CN" sz="1200" dirty="0">
-              <a:solidFill>
-                <a:schemeClr val="tx1"/>
-              </a:solidFill>
-              <a:sym typeface="+mn-ea"/>
-            </a:endParaRPr>
           </a:p>
           <a:p>
             <a:pPr lvl="0" algn="ctr"/>
@@ -7223,12 +6932,6 @@
               </a:rPr>
               <a:t>info</a:t>
             </a:r>
-            <a:endParaRPr lang="en-US" altLang="zh-CN" sz="1200" dirty="0">
-              <a:solidFill>
-                <a:schemeClr val="tx1"/>
-              </a:solidFill>
-              <a:sym typeface="+mn-ea"/>
-            </a:endParaRPr>
           </a:p>
         </p:txBody>
       </p:sp>
@@ -7282,7 +6985,7 @@
           <a:p>
             <a:pPr lvl="0" algn="ctr"/>
             <a:r>
-              <a:rPr lang="en-US" altLang="zh-CN" sz="1400">
+              <a:rPr lang="en-US" altLang="zh-CN" sz="1400" dirty="0">
                 <a:solidFill>
                   <a:schemeClr val="tx1"/>
                 </a:solidFill>
@@ -7290,12 +6993,6 @@
               </a:rPr>
               <a:t>login</a:t>
             </a:r>
-            <a:endParaRPr lang="en-US" altLang="zh-CN" sz="1400">
-              <a:solidFill>
-                <a:schemeClr val="tx1"/>
-              </a:solidFill>
-              <a:sym typeface="+mn-ea"/>
-            </a:endParaRPr>
           </a:p>
         </p:txBody>
       </p:sp>
@@ -7357,12 +7054,6 @@
               </a:rPr>
               <a:t>register</a:t>
             </a:r>
-            <a:endParaRPr lang="en-US" altLang="zh-CN" sz="1400" dirty="0">
-              <a:solidFill>
-                <a:schemeClr val="tx1"/>
-              </a:solidFill>
-              <a:sym typeface="+mn-ea"/>
-            </a:endParaRPr>
           </a:p>
         </p:txBody>
       </p:sp>
@@ -7424,12 +7115,6 @@
               </a:rPr>
               <a:t>notify</a:t>
             </a:r>
-            <a:endParaRPr lang="en-US" altLang="zh-CN" sz="1400">
-              <a:solidFill>
-                <a:schemeClr val="tx1"/>
-              </a:solidFill>
-              <a:sym typeface="+mn-ea"/>
-            </a:endParaRPr>
           </a:p>
         </p:txBody>
       </p:sp>
@@ -7491,12 +7176,6 @@
               </a:rPr>
               <a:t>ticket</a:t>
             </a:r>
-            <a:endParaRPr lang="en-US" altLang="zh-CN" sz="1200" dirty="0">
-              <a:solidFill>
-                <a:schemeClr val="tx1"/>
-              </a:solidFill>
-              <a:sym typeface="+mn-ea"/>
-            </a:endParaRPr>
           </a:p>
           <a:p>
             <a:pPr lvl="0" algn="ctr"/>
@@ -7509,12 +7188,6 @@
               </a:rPr>
               <a:t>info</a:t>
             </a:r>
-            <a:endParaRPr lang="en-US" altLang="zh-CN" sz="1200" dirty="0">
-              <a:solidFill>
-                <a:schemeClr val="tx1"/>
-              </a:solidFill>
-              <a:sym typeface="+mn-ea"/>
-            </a:endParaRPr>
           </a:p>
         </p:txBody>
       </p:sp>
@@ -7576,12 +7249,6 @@
               </a:rPr>
               <a:t>high-speed</a:t>
             </a:r>
-            <a:endParaRPr lang="en-US" altLang="zh-CN" sz="1200" dirty="0">
-              <a:solidFill>
-                <a:schemeClr val="tx1"/>
-              </a:solidFill>
-              <a:sym typeface="+mn-ea"/>
-            </a:endParaRPr>
           </a:p>
           <a:p>
             <a:pPr lvl="0" algn="ctr"/>
@@ -7594,12 +7261,6 @@
               </a:rPr>
               <a:t>order</a:t>
             </a:r>
-            <a:endParaRPr lang="en-US" altLang="zh-CN" sz="1200" dirty="0">
-              <a:solidFill>
-                <a:schemeClr val="tx1"/>
-              </a:solidFill>
-              <a:sym typeface="+mn-ea"/>
-            </a:endParaRPr>
           </a:p>
         </p:txBody>
       </p:sp>
@@ -7661,12 +7322,6 @@
               </a:rPr>
               <a:t>high-speed</a:t>
             </a:r>
-            <a:endParaRPr lang="en-US" altLang="zh-CN" sz="1000" dirty="0">
-              <a:solidFill>
-                <a:schemeClr val="tx1"/>
-              </a:solidFill>
-              <a:sym typeface="+mn-ea"/>
-            </a:endParaRPr>
           </a:p>
           <a:p>
             <a:pPr lvl="0" algn="ctr"/>
@@ -7679,12 +7334,6 @@
               </a:rPr>
               <a:t>travel</a:t>
             </a:r>
-            <a:endParaRPr lang="en-US" altLang="zh-CN" sz="1000" dirty="0">
-              <a:solidFill>
-                <a:schemeClr val="tx1"/>
-              </a:solidFill>
-              <a:sym typeface="+mn-ea"/>
-            </a:endParaRPr>
           </a:p>
           <a:p>
             <a:pPr lvl="0" algn="ctr"/>
@@ -7697,12 +7346,6 @@
               </a:rPr>
               <a:t>explore</a:t>
             </a:r>
-            <a:endParaRPr lang="en-US" altLang="zh-CN" sz="1000" dirty="0">
-              <a:solidFill>
-                <a:schemeClr val="tx1"/>
-              </a:solidFill>
-              <a:sym typeface="+mn-ea"/>
-            </a:endParaRPr>
           </a:p>
         </p:txBody>
       </p:sp>
@@ -7764,12 +7407,6 @@
               </a:rPr>
               <a:t>inside</a:t>
             </a:r>
-            <a:endParaRPr lang="en-US" altLang="zh-CN" sz="1200" dirty="0">
-              <a:solidFill>
-                <a:schemeClr val="tx1"/>
-              </a:solidFill>
-              <a:sym typeface="+mn-ea"/>
-            </a:endParaRPr>
           </a:p>
           <a:p>
             <a:pPr lvl="0" algn="ctr"/>
@@ -7782,12 +7419,6 @@
               </a:rPr>
               <a:t>pay</a:t>
             </a:r>
-            <a:endParaRPr lang="en-US" altLang="zh-CN" sz="1200" dirty="0">
-              <a:solidFill>
-                <a:schemeClr val="tx1"/>
-              </a:solidFill>
-              <a:sym typeface="+mn-ea"/>
-            </a:endParaRPr>
           </a:p>
         </p:txBody>
       </p:sp>
@@ -7849,12 +7480,6 @@
               </a:rPr>
               <a:t>pay</a:t>
             </a:r>
-            <a:endParaRPr lang="en-US" altLang="zh-CN" sz="1400" dirty="0">
-              <a:solidFill>
-                <a:schemeClr val="tx1"/>
-              </a:solidFill>
-              <a:sym typeface="+mn-ea"/>
-            </a:endParaRPr>
           </a:p>
         </p:txBody>
       </p:sp>
@@ -7916,12 +7541,6 @@
               </a:rPr>
               <a:t>ticket</a:t>
             </a:r>
-            <a:endParaRPr lang="en-US" altLang="zh-CN" sz="1200" dirty="0">
-              <a:solidFill>
-                <a:schemeClr val="tx1"/>
-              </a:solidFill>
-              <a:sym typeface="+mn-ea"/>
-            </a:endParaRPr>
           </a:p>
           <a:p>
             <a:pPr lvl="0" algn="ctr"/>
@@ -7934,12 +7553,6 @@
               </a:rPr>
               <a:t>execute</a:t>
             </a:r>
-            <a:endParaRPr lang="en-US" altLang="zh-CN" sz="1200" dirty="0">
-              <a:solidFill>
-                <a:schemeClr val="tx1"/>
-              </a:solidFill>
-              <a:sym typeface="+mn-ea"/>
-            </a:endParaRPr>
           </a:p>
         </p:txBody>
       </p:sp>
@@ -8001,12 +7614,6 @@
               </a:rPr>
               <a:t>security</a:t>
             </a:r>
-            <a:endParaRPr lang="en-US" altLang="zh-CN" sz="1400">
-              <a:solidFill>
-                <a:schemeClr val="tx1"/>
-              </a:solidFill>
-              <a:sym typeface="+mn-ea"/>
-            </a:endParaRPr>
           </a:p>
         </p:txBody>
       </p:sp>
@@ -8068,12 +7675,6 @@
               </a:rPr>
               <a:t>ticket </a:t>
             </a:r>
-            <a:endParaRPr lang="en-US" altLang="zh-CN" sz="1200" dirty="0">
-              <a:solidFill>
-                <a:schemeClr val="tx1"/>
-              </a:solidFill>
-              <a:sym typeface="+mn-ea"/>
-            </a:endParaRPr>
           </a:p>
           <a:p>
             <a:pPr lvl="0" algn="ctr"/>
@@ -8086,12 +7687,6 @@
               </a:rPr>
               <a:t>rebook</a:t>
             </a:r>
-            <a:endParaRPr lang="en-US" altLang="zh-CN" sz="1200" dirty="0">
-              <a:solidFill>
-                <a:schemeClr val="tx1"/>
-              </a:solidFill>
-              <a:sym typeface="+mn-ea"/>
-            </a:endParaRPr>
           </a:p>
         </p:txBody>
       </p:sp>
@@ -8152,11 +7747,6 @@
               </a:rPr>
               <a:t>high-speed</a:t>
             </a:r>
-            <a:endParaRPr lang="en-US" altLang="zh-CN" sz="1100" dirty="0">
-              <a:solidFill>
-                <a:schemeClr val="tx1"/>
-              </a:solidFill>
-            </a:endParaRPr>
           </a:p>
           <a:p>
             <a:pPr algn="ctr"/>
@@ -8168,11 +7758,6 @@
               </a:rPr>
               <a:t>ticket</a:t>
             </a:r>
-            <a:endParaRPr lang="en-US" altLang="zh-CN" sz="1100" dirty="0">
-              <a:solidFill>
-                <a:schemeClr val="tx1"/>
-              </a:solidFill>
-            </a:endParaRPr>
           </a:p>
           <a:p>
             <a:pPr algn="ctr"/>
@@ -8184,11 +7769,6 @@
               </a:rPr>
               <a:t>reserve</a:t>
             </a:r>
-            <a:endParaRPr lang="en-US" altLang="zh-CN" sz="1100" dirty="0">
-              <a:solidFill>
-                <a:schemeClr val="tx1"/>
-              </a:solidFill>
-            </a:endParaRPr>
           </a:p>
         </p:txBody>
       </p:sp>
@@ -8250,12 +7830,6 @@
               </a:rPr>
               <a:t>order</a:t>
             </a:r>
-            <a:endParaRPr lang="en-US" altLang="zh-CN" sz="1400" dirty="0">
-              <a:solidFill>
-                <a:schemeClr val="tx1"/>
-              </a:solidFill>
-              <a:sym typeface="+mn-ea"/>
-            </a:endParaRPr>
           </a:p>
         </p:txBody>
       </p:sp>
@@ -8316,11 +7890,6 @@
               </a:rPr>
               <a:t>ticket</a:t>
             </a:r>
-            <a:endParaRPr lang="en-US" altLang="zh-CN" sz="1400" dirty="0">
-              <a:solidFill>
-                <a:schemeClr val="tx1"/>
-              </a:solidFill>
-            </a:endParaRPr>
           </a:p>
           <a:p>
             <a:pPr algn="ctr"/>
@@ -8399,12 +7968,6 @@
               </a:rPr>
               <a:t>travel</a:t>
             </a:r>
-            <a:endParaRPr lang="en-US" altLang="zh-CN" sz="1400" dirty="0">
-              <a:solidFill>
-                <a:schemeClr val="tx1"/>
-              </a:solidFill>
-              <a:sym typeface="+mn-ea"/>
-            </a:endParaRPr>
           </a:p>
           <a:p>
             <a:pPr lvl="0" algn="ctr"/>
@@ -8417,12 +7980,6 @@
               </a:rPr>
               <a:t>explore</a:t>
             </a:r>
-            <a:endParaRPr lang="en-US" altLang="zh-CN" sz="1400" dirty="0">
-              <a:solidFill>
-                <a:schemeClr val="tx1"/>
-              </a:solidFill>
-              <a:sym typeface="+mn-ea"/>
-            </a:endParaRPr>
           </a:p>
         </p:txBody>
       </p:sp>
@@ -8484,12 +8041,6 @@
               </a:rPr>
               <a:t>cancel</a:t>
             </a:r>
-            <a:endParaRPr lang="en-US" altLang="zh-CN" sz="1200" dirty="0">
-              <a:solidFill>
-                <a:schemeClr val="tx1"/>
-              </a:solidFill>
-              <a:sym typeface="+mn-ea"/>
-            </a:endParaRPr>
           </a:p>
           <a:p>
             <a:pPr lvl="0" algn="ctr"/>
@@ -8502,12 +8053,6 @@
               </a:rPr>
               <a:t>order</a:t>
             </a:r>
-            <a:endParaRPr lang="en-US" altLang="zh-CN" sz="1200" dirty="0">
-              <a:solidFill>
-                <a:schemeClr val="tx1"/>
-              </a:solidFill>
-              <a:sym typeface="+mn-ea"/>
-            </a:endParaRPr>
           </a:p>
         </p:txBody>
       </p:sp>
@@ -9543,12 +9088,6 @@
               </a:rPr>
               <a:t>Travel admin</a:t>
             </a:r>
-            <a:endParaRPr lang="en-US" altLang="zh-CN" sz="1400">
-              <a:solidFill>
-                <a:schemeClr val="tx1"/>
-              </a:solidFill>
-              <a:sym typeface="+mn-ea"/>
-            </a:endParaRPr>
           </a:p>
           <a:p>
             <a:pPr lvl="0" algn="ctr"/>
@@ -9561,12 +9100,6 @@
               </a:rPr>
               <a:t>(order, route, </a:t>
             </a:r>
-            <a:endParaRPr lang="en-US" altLang="zh-CN" sz="1400" dirty="0">
-              <a:solidFill>
-                <a:schemeClr val="tx1"/>
-              </a:solidFill>
-              <a:sym typeface="+mn-ea"/>
-            </a:endParaRPr>
           </a:p>
           <a:p>
             <a:pPr lvl="0" algn="ctr"/>
@@ -9579,12 +9112,6 @@
               </a:rPr>
               <a:t>station)</a:t>
             </a:r>
-            <a:endParaRPr lang="en-US" altLang="zh-CN" sz="1400" dirty="0">
-              <a:solidFill>
-                <a:schemeClr val="tx1"/>
-              </a:solidFill>
-              <a:sym typeface="+mn-ea"/>
-            </a:endParaRPr>
           </a:p>
         </p:txBody>
       </p:sp>
@@ -9877,12 +9404,6 @@
               </a:rPr>
               <a:t>Route</a:t>
             </a:r>
-            <a:endParaRPr lang="en-US" altLang="zh-CN" sz="1400" dirty="0">
-              <a:solidFill>
-                <a:schemeClr val="tx1"/>
-              </a:solidFill>
-              <a:sym typeface="+mn-ea"/>
-            </a:endParaRPr>
           </a:p>
         </p:txBody>
       </p:sp>
@@ -10103,12 +9624,6 @@
               </a:rPr>
               <a:t>assurance</a:t>
             </a:r>
-            <a:endParaRPr lang="en-US" altLang="zh-CN" sz="1400" dirty="0">
-              <a:solidFill>
-                <a:schemeClr val="tx1"/>
-              </a:solidFill>
-              <a:sym typeface="+mn-ea"/>
-            </a:endParaRPr>
           </a:p>
         </p:txBody>
       </p:sp>
@@ -10208,12 +9723,6 @@
               </a:rPr>
               <a:t>news(go)</a:t>
             </a:r>
-            <a:endParaRPr lang="en-US" altLang="zh-CN" sz="1400" dirty="0">
-              <a:solidFill>
-                <a:schemeClr val="tx1"/>
-              </a:solidFill>
-              <a:sym typeface="+mn-ea"/>
-            </a:endParaRPr>
           </a:p>
         </p:txBody>
       </p:sp>
@@ -10323,20 +9832,6 @@
               </a:rPr>
               <a:t>entrance</a:t>
             </a:r>
-            <a:endParaRPr lang="en-US" altLang="zh-CN" sz="1400" dirty="0">
-              <a:ln w="0"/>
-              <a:solidFill>
-                <a:schemeClr val="tx1"/>
-              </a:solidFill>
-              <a:effectLst>
-                <a:outerShdw blurRad="38100" dist="19050" dir="2700000" algn="tl" rotWithShape="0">
-                  <a:schemeClr val="dk1">
-                    <a:alpha val="40000"/>
-                  </a:schemeClr>
-                </a:outerShdw>
-              </a:effectLst>
-              <a:sym typeface="+mn-ea"/>
-            </a:endParaRPr>
           </a:p>
         </p:txBody>
       </p:sp>
@@ -10471,12 +9966,6 @@
               </a:rPr>
               <a:t>Advanced travel</a:t>
             </a:r>
-            <a:endParaRPr lang="en-US" altLang="zh-CN" sz="1600" dirty="0">
-              <a:solidFill>
-                <a:schemeClr val="tx1"/>
-              </a:solidFill>
-              <a:sym typeface="+mn-ea"/>
-            </a:endParaRPr>
           </a:p>
           <a:p>
             <a:pPr lvl="0" algn="ctr"/>
@@ -10489,12 +9978,6 @@
               </a:rPr>
               <a:t>(route info + ticket)</a:t>
             </a:r>
-            <a:endParaRPr lang="en-US" altLang="zh-CN" sz="1600" dirty="0">
-              <a:solidFill>
-                <a:schemeClr val="tx1"/>
-              </a:solidFill>
-              <a:sym typeface="+mn-ea"/>
-            </a:endParaRPr>
           </a:p>
         </p:txBody>
       </p:sp>
@@ -10630,12 +10113,6 @@
               </a:rPr>
               <a:t>customer support</a:t>
             </a:r>
-            <a:endParaRPr lang="en-US" altLang="zh-CN" sz="1400" dirty="0">
-              <a:solidFill>
-                <a:schemeClr val="tx1"/>
-              </a:solidFill>
-              <a:sym typeface="+mn-ea"/>
-            </a:endParaRPr>
           </a:p>
         </p:txBody>
       </p:sp>
@@ -10699,12 +10176,6 @@
               </a:rPr>
               <a:t>route plan</a:t>
             </a:r>
-            <a:endParaRPr lang="en-US" altLang="zh-CN" sz="1600" dirty="0">
-              <a:solidFill>
-                <a:schemeClr val="tx1"/>
-              </a:solidFill>
-              <a:sym typeface="+mn-ea"/>
-            </a:endParaRPr>
           </a:p>
           <a:p>
             <a:pPr lvl="0" algn="ctr"/>
@@ -10717,12 +10188,6 @@
               </a:rPr>
               <a:t>(price, change, time)</a:t>
             </a:r>
-            <a:endParaRPr lang="en-US" altLang="zh-CN" sz="1600" dirty="0">
-              <a:solidFill>
-                <a:schemeClr val="tx1"/>
-              </a:solidFill>
-              <a:sym typeface="+mn-ea"/>
-            </a:endParaRPr>
           </a:p>
         </p:txBody>
       </p:sp>
@@ -10786,12 +10251,6 @@
               </a:rPr>
               <a:t>ticket office</a:t>
             </a:r>
-            <a:endParaRPr lang="en-US" altLang="zh-CN" sz="1400" dirty="0">
-              <a:solidFill>
-                <a:schemeClr val="tx1"/>
-              </a:solidFill>
-              <a:sym typeface="+mn-ea"/>
-            </a:endParaRPr>
           </a:p>
           <a:p>
             <a:pPr lvl="0" algn="ctr"/>
@@ -10804,12 +10263,6 @@
               </a:rPr>
               <a:t>(nodejs)</a:t>
             </a:r>
-            <a:endParaRPr lang="en-US" altLang="zh-CN" sz="1400" dirty="0">
-              <a:solidFill>
-                <a:schemeClr val="tx1"/>
-              </a:solidFill>
-              <a:sym typeface="+mn-ea"/>
-            </a:endParaRPr>
           </a:p>
         </p:txBody>
       </p:sp>
@@ -10911,12 +10364,6 @@
               </a:rPr>
               <a:t>consign</a:t>
             </a:r>
-            <a:endParaRPr lang="en-US" altLang="zh-CN" sz="1400" dirty="0">
-              <a:solidFill>
-                <a:schemeClr val="tx1"/>
-              </a:solidFill>
-              <a:sym typeface="+mn-ea"/>
-            </a:endParaRPr>
           </a:p>
         </p:txBody>
       </p:sp>
@@ -10980,12 +10427,6 @@
               </a:rPr>
               <a:t>consign price</a:t>
             </a:r>
-            <a:endParaRPr lang="en-US" altLang="zh-CN" sz="1400" dirty="0">
-              <a:solidFill>
-                <a:schemeClr val="tx1"/>
-              </a:solidFill>
-              <a:sym typeface="+mn-ea"/>
-            </a:endParaRPr>
           </a:p>
         </p:txBody>
       </p:sp>
@@ -11121,12 +10562,6 @@
               </a:rPr>
               <a:t>voucher</a:t>
             </a:r>
-            <a:endParaRPr lang="en-US" altLang="zh-CN" sz="1400" dirty="0">
-              <a:solidFill>
-                <a:schemeClr val="tx1"/>
-              </a:solidFill>
-              <a:sym typeface="+mn-ea"/>
-            </a:endParaRPr>
           </a:p>
         </p:txBody>
       </p:sp>
@@ -11226,12 +10661,6 @@
               </a:rPr>
               <a:t>ticket preserve</a:t>
             </a:r>
-            <a:endParaRPr lang="en-US" altLang="zh-CN" sz="1400" dirty="0">
-              <a:solidFill>
-                <a:schemeClr val="tx1"/>
-              </a:solidFill>
-              <a:sym typeface="+mn-ea"/>
-            </a:endParaRPr>
           </a:p>
           <a:p>
             <a:pPr lvl="0" algn="ctr"/>
@@ -11244,12 +10673,6 @@
               </a:rPr>
               <a:t>(voice)</a:t>
             </a:r>
-            <a:endParaRPr lang="en-US" altLang="zh-CN" sz="1400" dirty="0">
-              <a:solidFill>
-                <a:schemeClr val="tx1"/>
-              </a:solidFill>
-              <a:sym typeface="+mn-ea"/>
-            </a:endParaRPr>
           </a:p>
         </p:txBody>
       </p:sp>
@@ -11313,12 +10736,6 @@
               </a:rPr>
               <a:t>voice process</a:t>
             </a:r>
-            <a:endParaRPr lang="en-US" altLang="zh-CN" sz="1400" dirty="0">
-              <a:solidFill>
-                <a:schemeClr val="tx1"/>
-              </a:solidFill>
-              <a:sym typeface="+mn-ea"/>
-            </a:endParaRPr>
           </a:p>
         </p:txBody>
       </p:sp>
@@ -11382,12 +10799,6 @@
               </a:rPr>
               <a:t>ticket semantic</a:t>
             </a:r>
-            <a:endParaRPr lang="en-US" altLang="zh-CN" sz="1400" dirty="0">
-              <a:solidFill>
-                <a:schemeClr val="tx1"/>
-              </a:solidFill>
-              <a:sym typeface="+mn-ea"/>
-            </a:endParaRPr>
           </a:p>
         </p:txBody>
       </p:sp>
@@ -11451,12 +10862,6 @@
               </a:rPr>
               <a:t>voice filter</a:t>
             </a:r>
-            <a:endParaRPr lang="en-US" altLang="zh-CN" sz="1400" dirty="0">
-              <a:solidFill>
-                <a:schemeClr val="tx1"/>
-              </a:solidFill>
-              <a:sym typeface="+mn-ea"/>
-            </a:endParaRPr>
           </a:p>
         </p:txBody>
       </p:sp>
@@ -11520,12 +10925,6 @@
               </a:rPr>
               <a:t>semantic filter</a:t>
             </a:r>
-            <a:endParaRPr lang="en-US" altLang="zh-CN" sz="1400" dirty="0">
-              <a:solidFill>
-                <a:schemeClr val="tx1"/>
-              </a:solidFill>
-              <a:sym typeface="+mn-ea"/>
-            </a:endParaRPr>
           </a:p>
         </p:txBody>
       </p:sp>
@@ -11589,12 +10988,6 @@
               </a:rPr>
               <a:t>result generator</a:t>
             </a:r>
-            <a:endParaRPr lang="en-US" altLang="zh-CN" sz="1400" dirty="0">
-              <a:solidFill>
-                <a:schemeClr val="tx1"/>
-              </a:solidFill>
-              <a:sym typeface="+mn-ea"/>
-            </a:endParaRPr>
           </a:p>
         </p:txBody>
       </p:sp>
@@ -11658,12 +11051,6 @@
               </a:rPr>
               <a:t>voice response</a:t>
             </a:r>
-            <a:endParaRPr lang="en-US" altLang="zh-CN" sz="1400" dirty="0">
-              <a:solidFill>
-                <a:schemeClr val="tx1"/>
-              </a:solidFill>
-              <a:sym typeface="+mn-ea"/>
-            </a:endParaRPr>
           </a:p>
         </p:txBody>
       </p:sp>
@@ -11943,12 +11330,6 @@
               </a:rPr>
               <a:t>ticket verify</a:t>
             </a:r>
-            <a:endParaRPr lang="en-US" altLang="zh-CN" sz="1400" dirty="0">
-              <a:solidFill>
-                <a:schemeClr val="tx1"/>
-              </a:solidFill>
-              <a:sym typeface="+mn-ea"/>
-            </a:endParaRPr>
           </a:p>
         </p:txBody>
       </p:sp>
@@ -12228,12 +11609,6 @@
               </a:rPr>
               <a:t>config</a:t>
             </a:r>
-            <a:endParaRPr lang="en-US" altLang="zh-CN" sz="1400">
-              <a:solidFill>
-                <a:schemeClr val="tx1"/>
-              </a:solidFill>
-              <a:sym typeface="+mn-ea"/>
-            </a:endParaRPr>
           </a:p>
         </p:txBody>
       </p:sp>
@@ -12295,12 +11670,6 @@
               </a:rPr>
               <a:t>price</a:t>
             </a:r>
-            <a:endParaRPr lang="en-US" altLang="zh-CN" sz="1400">
-              <a:solidFill>
-                <a:schemeClr val="tx1"/>
-              </a:solidFill>
-              <a:sym typeface="+mn-ea"/>
-            </a:endParaRPr>
           </a:p>
         </p:txBody>
       </p:sp>
@@ -12362,12 +11731,6 @@
               </a:rPr>
               <a:t>verify</a:t>
             </a:r>
-            <a:endParaRPr lang="en-US" altLang="zh-CN" sz="1200">
-              <a:solidFill>
-                <a:schemeClr val="tx1"/>
-              </a:solidFill>
-              <a:sym typeface="+mn-ea"/>
-            </a:endParaRPr>
           </a:p>
           <a:p>
             <a:pPr lvl="0" algn="ctr"/>
@@ -12380,12 +11743,6 @@
               </a:rPr>
               <a:t>code</a:t>
             </a:r>
-            <a:endParaRPr lang="en-US" altLang="zh-CN" sz="1200">
-              <a:solidFill>
-                <a:schemeClr val="tx1"/>
-              </a:solidFill>
-              <a:sym typeface="+mn-ea"/>
-            </a:endParaRPr>
           </a:p>
         </p:txBody>
       </p:sp>
@@ -12447,12 +11804,6 @@
               </a:rPr>
               <a:t>contact</a:t>
             </a:r>
-            <a:endParaRPr lang="en-US" altLang="zh-CN" sz="1400" dirty="0">
-              <a:solidFill>
-                <a:schemeClr val="tx1"/>
-              </a:solidFill>
-              <a:sym typeface="+mn-ea"/>
-            </a:endParaRPr>
           </a:p>
         </p:txBody>
       </p:sp>
@@ -12514,12 +11865,6 @@
               </a:rPr>
               <a:t>train</a:t>
             </a:r>
-            <a:endParaRPr lang="en-US" altLang="zh-CN" sz="1400" dirty="0">
-              <a:solidFill>
-                <a:schemeClr val="tx1"/>
-              </a:solidFill>
-              <a:sym typeface="+mn-ea"/>
-            </a:endParaRPr>
           </a:p>
         </p:txBody>
       </p:sp>
@@ -12581,12 +11926,6 @@
               </a:rPr>
               <a:t>station</a:t>
             </a:r>
-            <a:endParaRPr lang="en-US" altLang="zh-CN" sz="1400" dirty="0">
-              <a:solidFill>
-                <a:schemeClr val="tx1"/>
-              </a:solidFill>
-              <a:sym typeface="+mn-ea"/>
-            </a:endParaRPr>
           </a:p>
         </p:txBody>
       </p:sp>
@@ -12648,12 +11987,6 @@
               </a:rPr>
               <a:t>single</a:t>
             </a:r>
-            <a:endParaRPr lang="en-US" altLang="zh-CN" sz="1200">
-              <a:solidFill>
-                <a:schemeClr val="tx1"/>
-              </a:solidFill>
-              <a:sym typeface="+mn-ea"/>
-            </a:endParaRPr>
           </a:p>
           <a:p>
             <a:pPr lvl="0" algn="ctr"/>
@@ -12666,12 +11999,6 @@
               </a:rPr>
               <a:t> sign-on</a:t>
             </a:r>
-            <a:endParaRPr lang="en-US" altLang="zh-CN" sz="1200">
-              <a:solidFill>
-                <a:schemeClr val="tx1"/>
-              </a:solidFill>
-              <a:sym typeface="+mn-ea"/>
-            </a:endParaRPr>
           </a:p>
         </p:txBody>
       </p:sp>
@@ -12733,12 +12060,6 @@
               </a:rPr>
               <a:t>basic</a:t>
             </a:r>
-            <a:endParaRPr lang="en-US" altLang="zh-CN" sz="1200" dirty="0">
-              <a:solidFill>
-                <a:schemeClr val="tx1"/>
-              </a:solidFill>
-              <a:sym typeface="+mn-ea"/>
-            </a:endParaRPr>
           </a:p>
           <a:p>
             <a:pPr lvl="0" algn="ctr"/>
@@ -12751,12 +12072,6 @@
               </a:rPr>
               <a:t>info</a:t>
             </a:r>
-            <a:endParaRPr lang="en-US" altLang="zh-CN" sz="1200" dirty="0">
-              <a:solidFill>
-                <a:schemeClr val="tx1"/>
-              </a:solidFill>
-              <a:sym typeface="+mn-ea"/>
-            </a:endParaRPr>
           </a:p>
         </p:txBody>
       </p:sp>
@@ -12810,7 +12125,7 @@
           <a:p>
             <a:pPr lvl="0" algn="ctr"/>
             <a:r>
-              <a:rPr lang="en-US" altLang="zh-CN" sz="1400">
+              <a:rPr lang="en-US" altLang="zh-CN" sz="1400" dirty="0">
                 <a:solidFill>
                   <a:schemeClr val="tx1"/>
                 </a:solidFill>
@@ -12818,12 +12133,6 @@
               </a:rPr>
               <a:t>login</a:t>
             </a:r>
-            <a:endParaRPr lang="en-US" altLang="zh-CN" sz="1400">
-              <a:solidFill>
-                <a:schemeClr val="tx1"/>
-              </a:solidFill>
-              <a:sym typeface="+mn-ea"/>
-            </a:endParaRPr>
           </a:p>
         </p:txBody>
       </p:sp>
@@ -12885,12 +12194,6 @@
               </a:rPr>
               <a:t>register</a:t>
             </a:r>
-            <a:endParaRPr lang="en-US" altLang="zh-CN" sz="1400" dirty="0">
-              <a:solidFill>
-                <a:schemeClr val="tx1"/>
-              </a:solidFill>
-              <a:sym typeface="+mn-ea"/>
-            </a:endParaRPr>
           </a:p>
         </p:txBody>
       </p:sp>
@@ -12952,12 +12255,6 @@
               </a:rPr>
               <a:t>notify</a:t>
             </a:r>
-            <a:endParaRPr lang="en-US" altLang="zh-CN" sz="1400">
-              <a:solidFill>
-                <a:schemeClr val="tx1"/>
-              </a:solidFill>
-              <a:sym typeface="+mn-ea"/>
-            </a:endParaRPr>
           </a:p>
         </p:txBody>
       </p:sp>
@@ -13019,12 +12316,6 @@
               </a:rPr>
               <a:t>ticket</a:t>
             </a:r>
-            <a:endParaRPr lang="en-US" altLang="zh-CN" sz="1200" dirty="0">
-              <a:solidFill>
-                <a:schemeClr val="tx1"/>
-              </a:solidFill>
-              <a:sym typeface="+mn-ea"/>
-            </a:endParaRPr>
           </a:p>
           <a:p>
             <a:pPr lvl="0" algn="ctr"/>
@@ -13037,12 +12328,6 @@
               </a:rPr>
               <a:t>info</a:t>
             </a:r>
-            <a:endParaRPr lang="en-US" altLang="zh-CN" sz="1200" dirty="0">
-              <a:solidFill>
-                <a:schemeClr val="tx1"/>
-              </a:solidFill>
-              <a:sym typeface="+mn-ea"/>
-            </a:endParaRPr>
           </a:p>
         </p:txBody>
       </p:sp>
@@ -13104,12 +12389,6 @@
               </a:rPr>
               <a:t>high-speed</a:t>
             </a:r>
-            <a:endParaRPr lang="en-US" altLang="zh-CN" sz="1200" dirty="0">
-              <a:solidFill>
-                <a:schemeClr val="tx1"/>
-              </a:solidFill>
-              <a:sym typeface="+mn-ea"/>
-            </a:endParaRPr>
           </a:p>
           <a:p>
             <a:pPr lvl="0" algn="ctr"/>
@@ -13122,12 +12401,6 @@
               </a:rPr>
               <a:t>order</a:t>
             </a:r>
-            <a:endParaRPr lang="en-US" altLang="zh-CN" sz="1200" dirty="0">
-              <a:solidFill>
-                <a:schemeClr val="tx1"/>
-              </a:solidFill>
-              <a:sym typeface="+mn-ea"/>
-            </a:endParaRPr>
           </a:p>
         </p:txBody>
       </p:sp>
@@ -13189,12 +12462,6 @@
               </a:rPr>
               <a:t>high-speed</a:t>
             </a:r>
-            <a:endParaRPr lang="en-US" altLang="zh-CN" sz="1000" dirty="0">
-              <a:solidFill>
-                <a:schemeClr val="tx1"/>
-              </a:solidFill>
-              <a:sym typeface="+mn-ea"/>
-            </a:endParaRPr>
           </a:p>
           <a:p>
             <a:pPr lvl="0" algn="ctr"/>
@@ -13207,12 +12474,6 @@
               </a:rPr>
               <a:t>travel</a:t>
             </a:r>
-            <a:endParaRPr lang="en-US" altLang="zh-CN" sz="1000" dirty="0">
-              <a:solidFill>
-                <a:schemeClr val="tx1"/>
-              </a:solidFill>
-              <a:sym typeface="+mn-ea"/>
-            </a:endParaRPr>
           </a:p>
           <a:p>
             <a:pPr lvl="0" algn="ctr"/>
@@ -13225,12 +12486,6 @@
               </a:rPr>
               <a:t>explore</a:t>
             </a:r>
-            <a:endParaRPr lang="en-US" altLang="zh-CN" sz="1000" dirty="0">
-              <a:solidFill>
-                <a:schemeClr val="tx1"/>
-              </a:solidFill>
-              <a:sym typeface="+mn-ea"/>
-            </a:endParaRPr>
           </a:p>
         </p:txBody>
       </p:sp>
@@ -13292,12 +12547,6 @@
               </a:rPr>
               <a:t>inside</a:t>
             </a:r>
-            <a:endParaRPr lang="en-US" altLang="zh-CN" sz="1200" dirty="0">
-              <a:solidFill>
-                <a:schemeClr val="tx1"/>
-              </a:solidFill>
-              <a:sym typeface="+mn-ea"/>
-            </a:endParaRPr>
           </a:p>
           <a:p>
             <a:pPr lvl="0" algn="ctr"/>
@@ -13310,12 +12559,6 @@
               </a:rPr>
               <a:t>pay</a:t>
             </a:r>
-            <a:endParaRPr lang="en-US" altLang="zh-CN" sz="1200" dirty="0">
-              <a:solidFill>
-                <a:schemeClr val="tx1"/>
-              </a:solidFill>
-              <a:sym typeface="+mn-ea"/>
-            </a:endParaRPr>
           </a:p>
         </p:txBody>
       </p:sp>
@@ -13377,12 +12620,6 @@
               </a:rPr>
               <a:t>pay</a:t>
             </a:r>
-            <a:endParaRPr lang="en-US" altLang="zh-CN" sz="1400" dirty="0">
-              <a:solidFill>
-                <a:schemeClr val="tx1"/>
-              </a:solidFill>
-              <a:sym typeface="+mn-ea"/>
-            </a:endParaRPr>
           </a:p>
         </p:txBody>
       </p:sp>
@@ -13444,12 +12681,6 @@
               </a:rPr>
               <a:t>ticket</a:t>
             </a:r>
-            <a:endParaRPr lang="en-US" altLang="zh-CN" sz="1200" dirty="0">
-              <a:solidFill>
-                <a:schemeClr val="tx1"/>
-              </a:solidFill>
-              <a:sym typeface="+mn-ea"/>
-            </a:endParaRPr>
           </a:p>
           <a:p>
             <a:pPr lvl="0" algn="ctr"/>
@@ -13462,12 +12693,6 @@
               </a:rPr>
               <a:t>execute</a:t>
             </a:r>
-            <a:endParaRPr lang="en-US" altLang="zh-CN" sz="1200" dirty="0">
-              <a:solidFill>
-                <a:schemeClr val="tx1"/>
-              </a:solidFill>
-              <a:sym typeface="+mn-ea"/>
-            </a:endParaRPr>
           </a:p>
         </p:txBody>
       </p:sp>
@@ -13529,12 +12754,6 @@
               </a:rPr>
               <a:t>security</a:t>
             </a:r>
-            <a:endParaRPr lang="en-US" altLang="zh-CN" sz="1400">
-              <a:solidFill>
-                <a:schemeClr val="tx1"/>
-              </a:solidFill>
-              <a:sym typeface="+mn-ea"/>
-            </a:endParaRPr>
           </a:p>
         </p:txBody>
       </p:sp>
@@ -13596,12 +12815,6 @@
               </a:rPr>
               <a:t>ticket </a:t>
             </a:r>
-            <a:endParaRPr lang="en-US" altLang="zh-CN" sz="1200" dirty="0">
-              <a:solidFill>
-                <a:schemeClr val="tx1"/>
-              </a:solidFill>
-              <a:sym typeface="+mn-ea"/>
-            </a:endParaRPr>
           </a:p>
           <a:p>
             <a:pPr lvl="0" algn="ctr"/>
@@ -13614,12 +12827,6 @@
               </a:rPr>
               <a:t>rebook</a:t>
             </a:r>
-            <a:endParaRPr lang="en-US" altLang="zh-CN" sz="1200" dirty="0">
-              <a:solidFill>
-                <a:schemeClr val="tx1"/>
-              </a:solidFill>
-              <a:sym typeface="+mn-ea"/>
-            </a:endParaRPr>
           </a:p>
         </p:txBody>
       </p:sp>
@@ -13680,11 +12887,6 @@
               </a:rPr>
               <a:t>high-speed</a:t>
             </a:r>
-            <a:endParaRPr lang="en-US" altLang="zh-CN" sz="1100" dirty="0">
-              <a:solidFill>
-                <a:schemeClr val="tx1"/>
-              </a:solidFill>
-            </a:endParaRPr>
           </a:p>
           <a:p>
             <a:pPr algn="ctr"/>
@@ -13696,11 +12898,6 @@
               </a:rPr>
               <a:t>ticket</a:t>
             </a:r>
-            <a:endParaRPr lang="en-US" altLang="zh-CN" sz="1100" dirty="0">
-              <a:solidFill>
-                <a:schemeClr val="tx1"/>
-              </a:solidFill>
-            </a:endParaRPr>
           </a:p>
           <a:p>
             <a:pPr algn="ctr"/>
@@ -13712,11 +12909,6 @@
               </a:rPr>
               <a:t>reserve</a:t>
             </a:r>
-            <a:endParaRPr lang="en-US" altLang="zh-CN" sz="1100" dirty="0">
-              <a:solidFill>
-                <a:schemeClr val="tx1"/>
-              </a:solidFill>
-            </a:endParaRPr>
           </a:p>
         </p:txBody>
       </p:sp>
@@ -13778,12 +12970,6 @@
               </a:rPr>
               <a:t>order</a:t>
             </a:r>
-            <a:endParaRPr lang="en-US" altLang="zh-CN" sz="1400" dirty="0">
-              <a:solidFill>
-                <a:schemeClr val="tx1"/>
-              </a:solidFill>
-              <a:sym typeface="+mn-ea"/>
-            </a:endParaRPr>
           </a:p>
         </p:txBody>
       </p:sp>
@@ -13844,11 +13030,6 @@
               </a:rPr>
               <a:t>ticket</a:t>
             </a:r>
-            <a:endParaRPr lang="en-US" altLang="zh-CN" sz="1400" dirty="0">
-              <a:solidFill>
-                <a:schemeClr val="tx1"/>
-              </a:solidFill>
-            </a:endParaRPr>
           </a:p>
           <a:p>
             <a:pPr algn="ctr"/>
@@ -13927,12 +13108,6 @@
               </a:rPr>
               <a:t>travel</a:t>
             </a:r>
-            <a:endParaRPr lang="en-US" altLang="zh-CN" sz="1400" dirty="0">
-              <a:solidFill>
-                <a:schemeClr val="tx1"/>
-              </a:solidFill>
-              <a:sym typeface="+mn-ea"/>
-            </a:endParaRPr>
           </a:p>
           <a:p>
             <a:pPr lvl="0" algn="ctr"/>
@@ -13945,12 +13120,6 @@
               </a:rPr>
               <a:t>explore</a:t>
             </a:r>
-            <a:endParaRPr lang="en-US" altLang="zh-CN" sz="1400" dirty="0">
-              <a:solidFill>
-                <a:schemeClr val="tx1"/>
-              </a:solidFill>
-              <a:sym typeface="+mn-ea"/>
-            </a:endParaRPr>
           </a:p>
         </p:txBody>
       </p:sp>
@@ -14012,12 +13181,6 @@
               </a:rPr>
               <a:t>cancel</a:t>
             </a:r>
-            <a:endParaRPr lang="en-US" altLang="zh-CN" sz="1200" dirty="0">
-              <a:solidFill>
-                <a:schemeClr val="tx1"/>
-              </a:solidFill>
-              <a:sym typeface="+mn-ea"/>
-            </a:endParaRPr>
           </a:p>
           <a:p>
             <a:pPr lvl="0" algn="ctr"/>
@@ -14030,12 +13193,6 @@
               </a:rPr>
               <a:t>order</a:t>
             </a:r>
-            <a:endParaRPr lang="en-US" altLang="zh-CN" sz="1200" dirty="0">
-              <a:solidFill>
-                <a:schemeClr val="tx1"/>
-              </a:solidFill>
-              <a:sym typeface="+mn-ea"/>
-            </a:endParaRPr>
           </a:p>
         </p:txBody>
       </p:sp>
@@ -14925,12 +14082,6 @@
               </a:rPr>
               <a:t>Travel admin</a:t>
             </a:r>
-            <a:endParaRPr lang="en-US" altLang="zh-CN" sz="1400">
-              <a:solidFill>
-                <a:schemeClr val="tx1"/>
-              </a:solidFill>
-              <a:sym typeface="+mn-ea"/>
-            </a:endParaRPr>
           </a:p>
           <a:p>
             <a:pPr lvl="0" algn="ctr"/>
@@ -14943,12 +14094,6 @@
               </a:rPr>
               <a:t>(order, route, </a:t>
             </a:r>
-            <a:endParaRPr lang="en-US" altLang="zh-CN" sz="1400" dirty="0">
-              <a:solidFill>
-                <a:schemeClr val="tx1"/>
-              </a:solidFill>
-              <a:sym typeface="+mn-ea"/>
-            </a:endParaRPr>
           </a:p>
           <a:p>
             <a:pPr lvl="0" algn="ctr"/>
@@ -14961,12 +14106,6 @@
               </a:rPr>
               <a:t>station)</a:t>
             </a:r>
-            <a:endParaRPr lang="en-US" altLang="zh-CN" sz="1400" dirty="0">
-              <a:solidFill>
-                <a:schemeClr val="tx1"/>
-              </a:solidFill>
-              <a:sym typeface="+mn-ea"/>
-            </a:endParaRPr>
           </a:p>
         </p:txBody>
       </p:sp>
@@ -15115,12 +14254,6 @@
               </a:rPr>
               <a:t>Route</a:t>
             </a:r>
-            <a:endParaRPr lang="en-US" altLang="zh-CN" sz="1400" dirty="0">
-              <a:solidFill>
-                <a:schemeClr val="tx1"/>
-              </a:solidFill>
-              <a:sym typeface="+mn-ea"/>
-            </a:endParaRPr>
           </a:p>
         </p:txBody>
       </p:sp>
@@ -15176,7 +14309,7 @@
           <a:p>
             <a:pPr lvl="0" algn="ctr"/>
             <a:r>
-              <a:rPr lang="en-US" altLang="zh-CN" sz="1400">
+              <a:rPr lang="en-US" altLang="zh-CN" sz="1400" dirty="0">
                 <a:ln w="0"/>
                 <a:solidFill>
                   <a:schemeClr val="tx1"/>
@@ -15191,6 +14324,723 @@
                 <a:sym typeface="+mn-ea"/>
               </a:rPr>
               <a:t>seat</a:t>
+            </a:r>
+          </a:p>
+        </p:txBody>
+      </p:sp>
+      <p:sp>
+        <p:nvSpPr>
+          <p:cNvPr id="123" name="流程图: 准备 19"/>
+          <p:cNvSpPr/>
+          <p:nvPr/>
+        </p:nvSpPr>
+        <p:spPr>
+          <a:xfrm>
+            <a:off x="10749584" y="4329270"/>
+            <a:ext cx="887285" cy="660453"/>
+          </a:xfrm>
+          <a:prstGeom prst="flowChartPreparation">
+            <a:avLst/>
+          </a:prstGeom>
+          <a:solidFill>
+            <a:schemeClr val="bg1"/>
+          </a:solidFill>
+          <a:ln w="28575">
+            <a:solidFill>
+              <a:schemeClr val="tx1"/>
+            </a:solidFill>
+          </a:ln>
+          <a:effectLst>
+            <a:glow>
+              <a:schemeClr val="accent1">
+                <a:alpha val="40000"/>
+              </a:schemeClr>
+            </a:glow>
+          </a:effectLst>
+        </p:spPr>
+        <p:style>
+          <a:lnRef idx="1">
+            <a:schemeClr val="accent6"/>
+          </a:lnRef>
+          <a:fillRef idx="3">
+            <a:schemeClr val="accent6"/>
+          </a:fillRef>
+          <a:effectRef idx="2">
+            <a:schemeClr val="accent6"/>
+          </a:effectRef>
+          <a:fontRef idx="minor">
+            <a:schemeClr val="lt1"/>
+          </a:fontRef>
+        </p:style>
+        <p:txBody>
+          <a:bodyPr vertOverflow="overflow" horzOverflow="overflow" vert="horz" wrap="none" lIns="0" tIns="0" rIns="0" bIns="0" numCol="1" spcCol="0" rtlCol="0" fromWordArt="0" anchor="ctr" anchorCtr="0" forceAA="0" compatLnSpc="1">
+            <a:normAutofit/>
+          </a:bodyPr>
+          <a:lstStyle/>
+          <a:p>
+            <a:pPr lvl="0" algn="ctr"/>
+            <a:r>
+              <a:rPr lang="en-US" altLang="zh-CN" sz="1400" dirty="0">
+                <a:solidFill>
+                  <a:schemeClr val="tx1"/>
+                </a:solidFill>
+                <a:sym typeface="+mn-ea"/>
+              </a:rPr>
+              <a:t>assurance</a:t>
+            </a:r>
+          </a:p>
+        </p:txBody>
+      </p:sp>
+      <p:sp>
+        <p:nvSpPr>
+          <p:cNvPr id="63" name="流程图: 准备 19"/>
+          <p:cNvSpPr/>
+          <p:nvPr/>
+        </p:nvSpPr>
+        <p:spPr>
+          <a:xfrm>
+            <a:off x="9521835" y="1200172"/>
+            <a:ext cx="908050" cy="368300"/>
+          </a:xfrm>
+          <a:prstGeom prst="flowChartPreparation">
+            <a:avLst/>
+          </a:prstGeom>
+          <a:solidFill>
+            <a:schemeClr val="bg1"/>
+          </a:solidFill>
+          <a:ln w="28575">
+            <a:solidFill>
+              <a:schemeClr val="tx1"/>
+            </a:solidFill>
+          </a:ln>
+          <a:effectLst>
+            <a:glow>
+              <a:schemeClr val="accent1">
+                <a:alpha val="40000"/>
+              </a:schemeClr>
+            </a:glow>
+          </a:effectLst>
+        </p:spPr>
+        <p:style>
+          <a:lnRef idx="1">
+            <a:schemeClr val="accent6"/>
+          </a:lnRef>
+          <a:fillRef idx="3">
+            <a:schemeClr val="accent6"/>
+          </a:fillRef>
+          <a:effectRef idx="2">
+            <a:schemeClr val="accent6"/>
+          </a:effectRef>
+          <a:fontRef idx="minor">
+            <a:schemeClr val="lt1"/>
+          </a:fontRef>
+        </p:style>
+        <p:txBody>
+          <a:bodyPr vertOverflow="overflow" horzOverflow="overflow" vert="horz" wrap="none" lIns="0" tIns="0" rIns="0" bIns="0" numCol="1" spcCol="0" rtlCol="0" fromWordArt="0" anchor="ctr" anchorCtr="0" forceAA="0" compatLnSpc="1">
+            <a:normAutofit/>
+          </a:bodyPr>
+          <a:lstStyle/>
+          <a:p>
+            <a:pPr lvl="0" algn="ctr"/>
+            <a:r>
+              <a:rPr lang="en-US" altLang="zh-CN" sz="1400" dirty="0">
+                <a:solidFill>
+                  <a:schemeClr val="tx1"/>
+                </a:solidFill>
+                <a:sym typeface="+mn-ea"/>
+              </a:rPr>
+              <a:t>news</a:t>
+            </a:r>
+          </a:p>
+        </p:txBody>
+      </p:sp>
+      <p:cxnSp>
+        <p:nvCxnSpPr>
+          <p:cNvPr id="65" name="肘形连接符 33"/>
+          <p:cNvCxnSpPr>
+            <a:stCxn id="107" idx="2"/>
+            <a:endCxn id="63" idx="0"/>
+          </p:cNvCxnSpPr>
+          <p:nvPr/>
+        </p:nvCxnSpPr>
+        <p:spPr>
+          <a:xfrm rot="16200000" flipH="1">
+            <a:off x="8026977" y="-748712"/>
+            <a:ext cx="592581" cy="3305185"/>
+          </a:xfrm>
+          <a:prstGeom prst="bentConnector3">
+            <a:avLst>
+              <a:gd name="adj1" fmla="val 37141"/>
+            </a:avLst>
+          </a:prstGeom>
+          <a:ln w="19050">
+            <a:solidFill>
+              <a:schemeClr val="tx1"/>
+            </a:solidFill>
+            <a:tailEnd type="arrow"/>
+          </a:ln>
+        </p:spPr>
+        <p:style>
+          <a:lnRef idx="1">
+            <a:schemeClr val="accent1"/>
+          </a:lnRef>
+          <a:fillRef idx="0">
+            <a:schemeClr val="accent1"/>
+          </a:fillRef>
+          <a:effectRef idx="0">
+            <a:schemeClr val="accent1"/>
+          </a:effectRef>
+          <a:fontRef idx="minor">
+            <a:schemeClr val="tx1"/>
+          </a:fontRef>
+        </p:style>
+      </p:cxnSp>
+      <p:sp>
+        <p:nvSpPr>
+          <p:cNvPr id="77" name="流程图: 准备 19"/>
+          <p:cNvSpPr/>
+          <p:nvPr/>
+        </p:nvSpPr>
+        <p:spPr>
+          <a:xfrm>
+            <a:off x="1622239" y="990906"/>
+            <a:ext cx="2021840" cy="726757"/>
+          </a:xfrm>
+          <a:prstGeom prst="flowChartPreparation">
+            <a:avLst/>
+          </a:prstGeom>
+          <a:solidFill>
+            <a:schemeClr val="bg1"/>
+          </a:solidFill>
+          <a:ln w="28575">
+            <a:solidFill>
+              <a:schemeClr val="tx1"/>
+            </a:solidFill>
+          </a:ln>
+          <a:effectLst>
+            <a:glow>
+              <a:schemeClr val="accent1">
+                <a:alpha val="40000"/>
+              </a:schemeClr>
+            </a:glow>
+          </a:effectLst>
+        </p:spPr>
+        <p:style>
+          <a:lnRef idx="1">
+            <a:schemeClr val="accent6"/>
+          </a:lnRef>
+          <a:fillRef idx="3">
+            <a:schemeClr val="accent6"/>
+          </a:fillRef>
+          <a:effectRef idx="2">
+            <a:schemeClr val="accent6"/>
+          </a:effectRef>
+          <a:fontRef idx="minor">
+            <a:schemeClr val="lt1"/>
+          </a:fontRef>
+        </p:style>
+        <p:txBody>
+          <a:bodyPr vertOverflow="overflow" horzOverflow="overflow" vert="horz" wrap="none" lIns="0" tIns="0" rIns="0" bIns="0" numCol="1" spcCol="0" rtlCol="0" fromWordArt="0" anchor="ctr" anchorCtr="0" forceAA="0" compatLnSpc="1">
+            <a:normAutofit/>
+          </a:bodyPr>
+          <a:lstStyle/>
+          <a:p>
+            <a:pPr lvl="0" algn="ctr"/>
+            <a:r>
+              <a:rPr lang="en-US" altLang="zh-CN" sz="1600" dirty="0">
+                <a:solidFill>
+                  <a:schemeClr val="tx1"/>
+                </a:solidFill>
+                <a:sym typeface="+mn-ea"/>
+              </a:rPr>
+              <a:t>Advanced travel</a:t>
+            </a:r>
+          </a:p>
+          <a:p>
+            <a:pPr lvl="0" algn="ctr"/>
+            <a:r>
+              <a:rPr lang="en-US" altLang="zh-CN" sz="1600" dirty="0">
+                <a:solidFill>
+                  <a:schemeClr val="tx1"/>
+                </a:solidFill>
+                <a:sym typeface="+mn-ea"/>
+              </a:rPr>
+              <a:t>(route info + ticket)</a:t>
+            </a:r>
+          </a:p>
+        </p:txBody>
+      </p:sp>
+      <p:sp>
+        <p:nvSpPr>
+          <p:cNvPr id="30" name="流程图: 准备 19"/>
+          <p:cNvSpPr/>
+          <p:nvPr/>
+        </p:nvSpPr>
+        <p:spPr>
+          <a:xfrm>
+            <a:off x="1644015" y="2250106"/>
+            <a:ext cx="2414334" cy="572256"/>
+          </a:xfrm>
+          <a:prstGeom prst="flowChartPreparation">
+            <a:avLst/>
+          </a:prstGeom>
+          <a:solidFill>
+            <a:schemeClr val="bg1"/>
+          </a:solidFill>
+          <a:ln w="28575">
+            <a:solidFill>
+              <a:schemeClr val="tx1"/>
+            </a:solidFill>
+          </a:ln>
+          <a:effectLst>
+            <a:glow>
+              <a:schemeClr val="accent1">
+                <a:alpha val="40000"/>
+              </a:schemeClr>
+            </a:glow>
+          </a:effectLst>
+        </p:spPr>
+        <p:style>
+          <a:lnRef idx="1">
+            <a:schemeClr val="accent6"/>
+          </a:lnRef>
+          <a:fillRef idx="3">
+            <a:schemeClr val="accent6"/>
+          </a:fillRef>
+          <a:effectRef idx="2">
+            <a:schemeClr val="accent6"/>
+          </a:effectRef>
+          <a:fontRef idx="minor">
+            <a:schemeClr val="lt1"/>
+          </a:fontRef>
+        </p:style>
+        <p:txBody>
+          <a:bodyPr vertOverflow="overflow" horzOverflow="overflow" vert="horz" wrap="none" lIns="0" tIns="0" rIns="0" bIns="0" numCol="1" spcCol="0" rtlCol="0" fromWordArt="0" anchor="ctr" anchorCtr="0" forceAA="0" compatLnSpc="1">
+            <a:normAutofit/>
+          </a:bodyPr>
+          <a:lstStyle/>
+          <a:p>
+            <a:pPr lvl="0" algn="ctr"/>
+            <a:r>
+              <a:rPr lang="en-US" altLang="zh-CN" sz="1600" dirty="0">
+                <a:solidFill>
+                  <a:schemeClr val="tx1"/>
+                </a:solidFill>
+                <a:sym typeface="+mn-ea"/>
+              </a:rPr>
+              <a:t>route plan</a:t>
+            </a:r>
+          </a:p>
+          <a:p>
+            <a:pPr lvl="0" algn="ctr"/>
+            <a:r>
+              <a:rPr lang="en-US" altLang="zh-CN" sz="1600" dirty="0">
+                <a:solidFill>
+                  <a:schemeClr val="tx1"/>
+                </a:solidFill>
+                <a:sym typeface="+mn-ea"/>
+              </a:rPr>
+              <a:t>(price, change, time)</a:t>
+            </a:r>
+          </a:p>
+        </p:txBody>
+      </p:sp>
+      <p:sp>
+        <p:nvSpPr>
+          <p:cNvPr id="31" name="流程图: 准备 19"/>
+          <p:cNvSpPr/>
+          <p:nvPr/>
+        </p:nvSpPr>
+        <p:spPr>
+          <a:xfrm>
+            <a:off x="10656975" y="1138602"/>
+            <a:ext cx="1072505" cy="442999"/>
+          </a:xfrm>
+          <a:prstGeom prst="flowChartPreparation">
+            <a:avLst/>
+          </a:prstGeom>
+          <a:solidFill>
+            <a:schemeClr val="bg1"/>
+          </a:solidFill>
+          <a:ln w="28575">
+            <a:solidFill>
+              <a:schemeClr val="tx1"/>
+            </a:solidFill>
+          </a:ln>
+          <a:effectLst>
+            <a:glow>
+              <a:schemeClr val="accent1">
+                <a:alpha val="40000"/>
+              </a:schemeClr>
+            </a:glow>
+          </a:effectLst>
+        </p:spPr>
+        <p:style>
+          <a:lnRef idx="1">
+            <a:schemeClr val="accent6"/>
+          </a:lnRef>
+          <a:fillRef idx="3">
+            <a:schemeClr val="accent6"/>
+          </a:fillRef>
+          <a:effectRef idx="2">
+            <a:schemeClr val="accent6"/>
+          </a:effectRef>
+          <a:fontRef idx="minor">
+            <a:schemeClr val="lt1"/>
+          </a:fontRef>
+        </p:style>
+        <p:txBody>
+          <a:bodyPr vertOverflow="overflow" horzOverflow="overflow" vert="horz" wrap="none" lIns="0" tIns="0" rIns="0" bIns="0" numCol="1" spcCol="0" rtlCol="0" fromWordArt="0" anchor="ctr" anchorCtr="0" forceAA="0" compatLnSpc="1">
+            <a:normAutofit/>
+          </a:bodyPr>
+          <a:lstStyle/>
+          <a:p>
+            <a:pPr lvl="0" algn="ctr"/>
+            <a:r>
+              <a:rPr lang="en-US" altLang="zh-CN" sz="1400" dirty="0">
+                <a:solidFill>
+                  <a:schemeClr val="tx1"/>
+                </a:solidFill>
+                <a:sym typeface="+mn-ea"/>
+              </a:rPr>
+              <a:t>ticket office</a:t>
+            </a:r>
+          </a:p>
+        </p:txBody>
+      </p:sp>
+      <p:cxnSp>
+        <p:nvCxnSpPr>
+          <p:cNvPr id="32" name="肘形连接符 33"/>
+          <p:cNvCxnSpPr>
+            <a:stCxn id="107" idx="2"/>
+            <a:endCxn id="31" idx="0"/>
+          </p:cNvCxnSpPr>
+          <p:nvPr/>
+        </p:nvCxnSpPr>
+        <p:spPr>
+          <a:xfrm rot="16200000" flipH="1">
+            <a:off x="8666446" y="-1388181"/>
+            <a:ext cx="531011" cy="4522553"/>
+          </a:xfrm>
+          <a:prstGeom prst="bentConnector3">
+            <a:avLst>
+              <a:gd name="adj1" fmla="val 41390"/>
+            </a:avLst>
+          </a:prstGeom>
+          <a:ln w="19050">
+            <a:solidFill>
+              <a:schemeClr val="tx1"/>
+            </a:solidFill>
+            <a:tailEnd type="arrow"/>
+          </a:ln>
+        </p:spPr>
+        <p:style>
+          <a:lnRef idx="1">
+            <a:schemeClr val="accent1"/>
+          </a:lnRef>
+          <a:fillRef idx="0">
+            <a:schemeClr val="accent1"/>
+          </a:fillRef>
+          <a:effectRef idx="0">
+            <a:schemeClr val="accent1"/>
+          </a:effectRef>
+          <a:fontRef idx="minor">
+            <a:schemeClr val="tx1"/>
+          </a:fontRef>
+        </p:style>
+      </p:cxnSp>
+      <p:sp>
+        <p:nvSpPr>
+          <p:cNvPr id="33" name="流程图: 准备 19"/>
+          <p:cNvSpPr/>
+          <p:nvPr/>
+        </p:nvSpPr>
+        <p:spPr>
+          <a:xfrm>
+            <a:off x="10643870" y="2255820"/>
+            <a:ext cx="1053465" cy="513080"/>
+          </a:xfrm>
+          <a:prstGeom prst="flowChartPreparation">
+            <a:avLst/>
+          </a:prstGeom>
+          <a:solidFill>
+            <a:schemeClr val="bg1"/>
+          </a:solidFill>
+          <a:ln w="28575">
+            <a:solidFill>
+              <a:schemeClr val="tx1"/>
+            </a:solidFill>
+          </a:ln>
+          <a:effectLst>
+            <a:glow>
+              <a:schemeClr val="accent1">
+                <a:alpha val="40000"/>
+              </a:schemeClr>
+            </a:glow>
+          </a:effectLst>
+        </p:spPr>
+        <p:style>
+          <a:lnRef idx="1">
+            <a:schemeClr val="accent6"/>
+          </a:lnRef>
+          <a:fillRef idx="3">
+            <a:schemeClr val="accent6"/>
+          </a:fillRef>
+          <a:effectRef idx="2">
+            <a:schemeClr val="accent6"/>
+          </a:effectRef>
+          <a:fontRef idx="minor">
+            <a:schemeClr val="lt1"/>
+          </a:fontRef>
+        </p:style>
+        <p:txBody>
+          <a:bodyPr vertOverflow="overflow" horzOverflow="overflow" vert="horz" wrap="none" lIns="0" tIns="0" rIns="0" bIns="0" numCol="1" spcCol="0" rtlCol="0" fromWordArt="0" anchor="ctr" anchorCtr="0" forceAA="0" compatLnSpc="1">
+            <a:normAutofit/>
+          </a:bodyPr>
+          <a:lstStyle/>
+          <a:p>
+            <a:pPr lvl="0" algn="ctr"/>
+            <a:r>
+              <a:rPr lang="en-US" altLang="zh-CN" sz="1400" dirty="0">
+                <a:solidFill>
+                  <a:schemeClr val="tx1"/>
+                </a:solidFill>
+                <a:sym typeface="+mn-ea"/>
+              </a:rPr>
+              <a:t>consign</a:t>
+            </a:r>
+          </a:p>
+        </p:txBody>
+      </p:sp>
+      <p:sp>
+        <p:nvSpPr>
+          <p:cNvPr id="37" name="流程图: 准备 19"/>
+          <p:cNvSpPr/>
+          <p:nvPr/>
+        </p:nvSpPr>
+        <p:spPr>
+          <a:xfrm>
+            <a:off x="10576559" y="3334316"/>
+            <a:ext cx="1188085" cy="513080"/>
+          </a:xfrm>
+          <a:prstGeom prst="flowChartPreparation">
+            <a:avLst/>
+          </a:prstGeom>
+          <a:solidFill>
+            <a:schemeClr val="bg1"/>
+          </a:solidFill>
+          <a:ln w="28575">
+            <a:solidFill>
+              <a:schemeClr val="tx1"/>
+            </a:solidFill>
+          </a:ln>
+          <a:effectLst>
+            <a:glow>
+              <a:schemeClr val="accent1">
+                <a:alpha val="40000"/>
+              </a:schemeClr>
+            </a:glow>
+          </a:effectLst>
+        </p:spPr>
+        <p:style>
+          <a:lnRef idx="1">
+            <a:schemeClr val="accent6"/>
+          </a:lnRef>
+          <a:fillRef idx="3">
+            <a:schemeClr val="accent6"/>
+          </a:fillRef>
+          <a:effectRef idx="2">
+            <a:schemeClr val="accent6"/>
+          </a:effectRef>
+          <a:fontRef idx="minor">
+            <a:schemeClr val="lt1"/>
+          </a:fontRef>
+        </p:style>
+        <p:txBody>
+          <a:bodyPr vertOverflow="overflow" horzOverflow="overflow" vert="horz" wrap="none" lIns="0" tIns="0" rIns="0" bIns="0" numCol="1" spcCol="0" rtlCol="0" fromWordArt="0" anchor="ctr" anchorCtr="0" forceAA="0" compatLnSpc="1">
+            <a:normAutofit/>
+          </a:bodyPr>
+          <a:lstStyle/>
+          <a:p>
+            <a:pPr lvl="0" algn="ctr"/>
+            <a:r>
+              <a:rPr lang="en-US" altLang="zh-CN" sz="1400" dirty="0">
+                <a:solidFill>
+                  <a:schemeClr val="tx1"/>
+                </a:solidFill>
+                <a:sym typeface="+mn-ea"/>
+              </a:rPr>
+              <a:t>consign price</a:t>
+            </a:r>
+          </a:p>
+        </p:txBody>
+      </p:sp>
+      <p:cxnSp>
+        <p:nvCxnSpPr>
+          <p:cNvPr id="39" name="Straight Arrow Connector 78"/>
+          <p:cNvCxnSpPr>
+            <a:stCxn id="33" idx="2"/>
+            <a:endCxn id="37" idx="0"/>
+          </p:cNvCxnSpPr>
+          <p:nvPr/>
+        </p:nvCxnSpPr>
+        <p:spPr>
+          <a:xfrm flipH="1">
+            <a:off x="11170602" y="2768900"/>
+            <a:ext cx="1" cy="565416"/>
+          </a:xfrm>
+          <a:prstGeom prst="straightConnector1">
+            <a:avLst/>
+          </a:prstGeom>
+          <a:ln>
+            <a:tailEnd type="arrow" w="lg" len="lg"/>
+          </a:ln>
+        </p:spPr>
+        <p:style>
+          <a:lnRef idx="1">
+            <a:schemeClr val="accent1"/>
+          </a:lnRef>
+          <a:fillRef idx="0">
+            <a:schemeClr val="accent1"/>
+          </a:fillRef>
+          <a:effectRef idx="0">
+            <a:schemeClr val="accent1"/>
+          </a:effectRef>
+          <a:fontRef idx="minor">
+            <a:schemeClr val="tx1"/>
+          </a:fontRef>
+        </p:style>
+      </p:cxnSp>
+      <p:sp>
+        <p:nvSpPr>
+          <p:cNvPr id="42" name="流程图: 准备 19"/>
+          <p:cNvSpPr/>
+          <p:nvPr/>
+        </p:nvSpPr>
+        <p:spPr>
+          <a:xfrm>
+            <a:off x="4194492" y="3503448"/>
+            <a:ext cx="1053465" cy="513080"/>
+          </a:xfrm>
+          <a:prstGeom prst="flowChartPreparation">
+            <a:avLst/>
+          </a:prstGeom>
+          <a:solidFill>
+            <a:schemeClr val="bg1"/>
+          </a:solidFill>
+          <a:ln w="28575">
+            <a:solidFill>
+              <a:schemeClr val="tx1"/>
+            </a:solidFill>
+          </a:ln>
+          <a:effectLst>
+            <a:glow>
+              <a:schemeClr val="accent1">
+                <a:alpha val="40000"/>
+              </a:schemeClr>
+            </a:glow>
+          </a:effectLst>
+        </p:spPr>
+        <p:style>
+          <a:lnRef idx="1">
+            <a:schemeClr val="accent6"/>
+          </a:lnRef>
+          <a:fillRef idx="3">
+            <a:schemeClr val="accent6"/>
+          </a:fillRef>
+          <a:effectRef idx="2">
+            <a:schemeClr val="accent6"/>
+          </a:effectRef>
+          <a:fontRef idx="minor">
+            <a:schemeClr val="lt1"/>
+          </a:fontRef>
+        </p:style>
+        <p:txBody>
+          <a:bodyPr vertOverflow="overflow" horzOverflow="overflow" vert="horz" wrap="none" lIns="0" tIns="0" rIns="0" bIns="0" numCol="1" spcCol="0" rtlCol="0" fromWordArt="0" anchor="ctr" anchorCtr="0" forceAA="0" compatLnSpc="1">
+            <a:normAutofit/>
+          </a:bodyPr>
+          <a:lstStyle/>
+          <a:p>
+            <a:pPr lvl="0" algn="ctr"/>
+            <a:r>
+              <a:rPr lang="en-US" altLang="zh-CN" sz="1400" dirty="0">
+                <a:solidFill>
+                  <a:schemeClr val="tx1"/>
+                </a:solidFill>
+                <a:sym typeface="+mn-ea"/>
+              </a:rPr>
+              <a:t>voucher</a:t>
+            </a:r>
+          </a:p>
+        </p:txBody>
+      </p:sp>
+      <p:sp>
+        <p:nvSpPr>
+          <p:cNvPr id="73" name="流程图: 准备 19"/>
+          <p:cNvSpPr/>
+          <p:nvPr/>
+        </p:nvSpPr>
+        <p:spPr>
+          <a:xfrm>
+            <a:off x="2140504" y="5247014"/>
+            <a:ext cx="1061083" cy="484319"/>
+          </a:xfrm>
+          <a:prstGeom prst="flowChartPreparation">
+            <a:avLst/>
+          </a:prstGeom>
+          <a:solidFill>
+            <a:schemeClr val="bg1"/>
+          </a:solidFill>
+          <a:ln w="28575">
+            <a:solidFill>
+              <a:schemeClr val="tx1"/>
+            </a:solidFill>
+          </a:ln>
+          <a:effectLst>
+            <a:glow>
+              <a:schemeClr val="accent1">
+                <a:alpha val="40000"/>
+              </a:schemeClr>
+            </a:glow>
+          </a:effectLst>
+        </p:spPr>
+        <p:style>
+          <a:lnRef idx="1">
+            <a:schemeClr val="accent6"/>
+          </a:lnRef>
+          <a:fillRef idx="3">
+            <a:schemeClr val="accent6"/>
+          </a:fillRef>
+          <a:effectRef idx="2">
+            <a:schemeClr val="accent6"/>
+          </a:effectRef>
+          <a:fontRef idx="minor">
+            <a:schemeClr val="lt1"/>
+          </a:fontRef>
+        </p:style>
+        <p:txBody>
+          <a:bodyPr vertOverflow="overflow" horzOverflow="overflow" vert="horz" wrap="none" lIns="0" tIns="0" rIns="0" bIns="0" numCol="1" spcCol="0" rtlCol="0" fromWordArt="0" anchor="ctr" anchorCtr="0" forceAA="0" compatLnSpc="1">
+            <a:normAutofit/>
+          </a:bodyPr>
+          <a:lstStyle/>
+          <a:p>
+            <a:pPr lvl="0" algn="ctr"/>
+            <a:r>
+              <a:rPr lang="en-US" altLang="zh-CN" sz="1400">
+                <a:ln w="0"/>
+                <a:solidFill>
+                  <a:schemeClr val="tx1"/>
+                </a:solidFill>
+                <a:effectLst>
+                  <a:outerShdw blurRad="38100" dist="19050" dir="2700000" algn="tl" rotWithShape="0">
+                    <a:schemeClr val="dk1">
+                      <a:alpha val="40000"/>
+                    </a:schemeClr>
+                  </a:outerShdw>
+                </a:effectLst>
+                <a:sym typeface="+mn-ea"/>
+              </a:rPr>
+              <a:t>Food map</a:t>
             </a:r>
             <a:endParaRPr lang="en-US" altLang="zh-CN" sz="1400" dirty="0">
               <a:ln w="0"/>
@@ -15211,21 +15061,1059 @@
       </p:sp>
       <p:sp>
         <p:nvSpPr>
-          <p:cNvPr id="123" name="流程图: 准备 19"/>
+          <p:cNvPr id="107" name="圆角矩形 30"/>
           <p:cNvSpPr/>
           <p:nvPr/>
         </p:nvSpPr>
         <p:spPr>
           <a:xfrm>
-            <a:off x="10749584" y="4329270"/>
-            <a:ext cx="887285" cy="660453"/>
+            <a:off x="1644015" y="139491"/>
+            <a:ext cx="10053320" cy="468100"/>
+          </a:xfrm>
+          <a:prstGeom prst="roundRect">
+            <a:avLst/>
+          </a:prstGeom>
+          <a:solidFill>
+            <a:schemeClr val="bg2">
+              <a:lumMod val="75000"/>
+            </a:schemeClr>
+          </a:solidFill>
+          <a:ln w="57150">
+            <a:solidFill>
+              <a:schemeClr val="tx1"/>
+            </a:solidFill>
+          </a:ln>
+        </p:spPr>
+        <p:style>
+          <a:lnRef idx="2">
+            <a:schemeClr val="accent1">
+              <a:shade val="50000"/>
+            </a:schemeClr>
+          </a:lnRef>
+          <a:fillRef idx="1">
+            <a:schemeClr val="accent1"/>
+          </a:fillRef>
+          <a:effectRef idx="0">
+            <a:schemeClr val="accent1"/>
+          </a:effectRef>
+          <a:fontRef idx="minor">
+            <a:schemeClr val="lt1"/>
+          </a:fontRef>
+        </p:style>
+        <p:txBody>
+          <a:bodyPr rtlCol="0" anchor="ctr"/>
+          <a:lstStyle/>
+          <a:p>
+            <a:pPr algn="ctr"/>
+            <a:r>
+              <a:rPr lang="en-US" altLang="zh-CN" sz="2800" dirty="0">
+                <a:solidFill>
+                  <a:schemeClr val="tx1"/>
+                </a:solidFill>
+              </a:rPr>
+              <a:t>Gateway</a:t>
+            </a:r>
+          </a:p>
+        </p:txBody>
+      </p:sp>
+      <p:cxnSp>
+        <p:nvCxnSpPr>
+          <p:cNvPr id="112" name="肘形连接符 86"/>
+          <p:cNvCxnSpPr>
+            <a:stCxn id="21" idx="2"/>
+            <a:endCxn id="42" idx="0"/>
+          </p:cNvCxnSpPr>
+          <p:nvPr/>
+        </p:nvCxnSpPr>
+        <p:spPr>
+          <a:xfrm rot="5400000">
+            <a:off x="4406355" y="3188491"/>
+            <a:ext cx="629827" cy="86"/>
+          </a:xfrm>
+          <a:prstGeom prst="bentConnector3">
+            <a:avLst>
+              <a:gd name="adj1" fmla="val 50000"/>
+            </a:avLst>
+          </a:prstGeom>
+          <a:ln w="19050">
+            <a:solidFill>
+              <a:schemeClr val="tx1"/>
+            </a:solidFill>
+            <a:tailEnd type="arrow"/>
+          </a:ln>
+        </p:spPr>
+        <p:style>
+          <a:lnRef idx="1">
+            <a:schemeClr val="accent1"/>
+          </a:lnRef>
+          <a:fillRef idx="0">
+            <a:schemeClr val="accent1"/>
+          </a:fillRef>
+          <a:effectRef idx="0">
+            <a:schemeClr val="accent1"/>
+          </a:effectRef>
+          <a:fontRef idx="minor">
+            <a:schemeClr val="tx1"/>
+          </a:fontRef>
+        </p:style>
+      </p:cxnSp>
+      <p:cxnSp>
+        <p:nvCxnSpPr>
+          <p:cNvPr id="120" name="肘形连接符 86"/>
+          <p:cNvCxnSpPr>
+            <a:stCxn id="88" idx="2"/>
+            <a:endCxn id="18" idx="0"/>
+          </p:cNvCxnSpPr>
+          <p:nvPr/>
+        </p:nvCxnSpPr>
+        <p:spPr>
+          <a:xfrm rot="16200000" flipH="1">
+            <a:off x="5858780" y="471095"/>
+            <a:ext cx="395963" cy="2983779"/>
+          </a:xfrm>
+          <a:prstGeom prst="bentConnector3">
+            <a:avLst>
+              <a:gd name="adj1" fmla="val 50000"/>
+            </a:avLst>
+          </a:prstGeom>
+          <a:ln w="19050">
+            <a:solidFill>
+              <a:schemeClr val="tx1"/>
+            </a:solidFill>
+            <a:tailEnd type="arrow"/>
+          </a:ln>
+        </p:spPr>
+        <p:style>
+          <a:lnRef idx="1">
+            <a:schemeClr val="accent1"/>
+          </a:lnRef>
+          <a:fillRef idx="0">
+            <a:schemeClr val="accent1"/>
+          </a:fillRef>
+          <a:effectRef idx="0">
+            <a:schemeClr val="accent1"/>
+          </a:effectRef>
+          <a:fontRef idx="minor">
+            <a:schemeClr val="tx1"/>
+          </a:fontRef>
+        </p:style>
+      </p:cxnSp>
+      <p:cxnSp>
+        <p:nvCxnSpPr>
+          <p:cNvPr id="125" name="肘形连接符 86"/>
+          <p:cNvCxnSpPr>
+            <a:stCxn id="88" idx="2"/>
+            <a:endCxn id="28" idx="0"/>
+          </p:cNvCxnSpPr>
+          <p:nvPr/>
+        </p:nvCxnSpPr>
+        <p:spPr>
+          <a:xfrm rot="16200000" flipH="1">
+            <a:off x="6329409" y="466"/>
+            <a:ext cx="409347" cy="3938421"/>
+          </a:xfrm>
+          <a:prstGeom prst="bentConnector3">
+            <a:avLst>
+              <a:gd name="adj1" fmla="val 50000"/>
+            </a:avLst>
+          </a:prstGeom>
+          <a:ln w="19050">
+            <a:solidFill>
+              <a:schemeClr val="tx1"/>
+            </a:solidFill>
+            <a:tailEnd type="arrow"/>
+          </a:ln>
+        </p:spPr>
+        <p:style>
+          <a:lnRef idx="1">
+            <a:schemeClr val="accent1"/>
+          </a:lnRef>
+          <a:fillRef idx="0">
+            <a:schemeClr val="accent1"/>
+          </a:fillRef>
+          <a:effectRef idx="0">
+            <a:schemeClr val="accent1"/>
+          </a:effectRef>
+          <a:fontRef idx="minor">
+            <a:schemeClr val="tx1"/>
+          </a:fontRef>
+        </p:style>
+      </p:cxnSp>
+      <p:cxnSp>
+        <p:nvCxnSpPr>
+          <p:cNvPr id="133" name="肘形连接符 86"/>
+          <p:cNvCxnSpPr>
+            <a:stCxn id="77" idx="2"/>
+            <a:endCxn id="18" idx="0"/>
+          </p:cNvCxnSpPr>
+          <p:nvPr/>
+        </p:nvCxnSpPr>
+        <p:spPr>
+          <a:xfrm rot="16200000" flipH="1">
+            <a:off x="4869253" y="-518431"/>
+            <a:ext cx="443304" cy="4915492"/>
+          </a:xfrm>
+          <a:prstGeom prst="bentConnector3">
+            <a:avLst>
+              <a:gd name="adj1" fmla="val 58595"/>
+            </a:avLst>
+          </a:prstGeom>
+          <a:ln w="19050">
+            <a:solidFill>
+              <a:schemeClr val="tx1"/>
+            </a:solidFill>
+            <a:tailEnd type="arrow"/>
+          </a:ln>
+        </p:spPr>
+        <p:style>
+          <a:lnRef idx="1">
+            <a:schemeClr val="accent1"/>
+          </a:lnRef>
+          <a:fillRef idx="0">
+            <a:schemeClr val="accent1"/>
+          </a:fillRef>
+          <a:effectRef idx="0">
+            <a:schemeClr val="accent1"/>
+          </a:effectRef>
+          <a:fontRef idx="minor">
+            <a:schemeClr val="tx1"/>
+          </a:fontRef>
+        </p:style>
+      </p:cxnSp>
+      <p:cxnSp>
+        <p:nvCxnSpPr>
+          <p:cNvPr id="144" name="肘形连接符 86"/>
+          <p:cNvCxnSpPr>
+            <a:stCxn id="77" idx="2"/>
+            <a:endCxn id="30" idx="0"/>
+          </p:cNvCxnSpPr>
+          <p:nvPr/>
+        </p:nvCxnSpPr>
+        <p:spPr>
+          <a:xfrm rot="16200000" flipH="1">
+            <a:off x="2475949" y="1874872"/>
+            <a:ext cx="532443" cy="218023"/>
+          </a:xfrm>
+          <a:prstGeom prst="bentConnector3">
+            <a:avLst>
+              <a:gd name="adj1" fmla="val 50000"/>
+            </a:avLst>
+          </a:prstGeom>
+          <a:ln w="19050">
+            <a:solidFill>
+              <a:schemeClr val="tx1"/>
+            </a:solidFill>
+            <a:tailEnd type="arrow"/>
+          </a:ln>
+        </p:spPr>
+        <p:style>
+          <a:lnRef idx="1">
+            <a:schemeClr val="accent1"/>
+          </a:lnRef>
+          <a:fillRef idx="0">
+            <a:schemeClr val="accent1"/>
+          </a:fillRef>
+          <a:effectRef idx="0">
+            <a:schemeClr val="accent1"/>
+          </a:effectRef>
+          <a:fontRef idx="minor">
+            <a:schemeClr val="tx1"/>
+          </a:fontRef>
+        </p:style>
+      </p:cxnSp>
+      <p:cxnSp>
+        <p:nvCxnSpPr>
+          <p:cNvPr id="159" name="肘形连接符 86"/>
+          <p:cNvCxnSpPr>
+            <a:stCxn id="63" idx="2"/>
+            <a:endCxn id="18" idx="0"/>
+          </p:cNvCxnSpPr>
+          <p:nvPr/>
+        </p:nvCxnSpPr>
+        <p:spPr>
+          <a:xfrm rot="5400000">
+            <a:off x="8466009" y="651115"/>
+            <a:ext cx="592495" cy="2427209"/>
+          </a:xfrm>
+          <a:prstGeom prst="bentConnector3">
+            <a:avLst>
+              <a:gd name="adj1" fmla="val 66719"/>
+            </a:avLst>
+          </a:prstGeom>
+          <a:ln w="19050">
+            <a:solidFill>
+              <a:schemeClr val="tx1"/>
+            </a:solidFill>
+            <a:tailEnd type="arrow"/>
+          </a:ln>
+        </p:spPr>
+        <p:style>
+          <a:lnRef idx="1">
+            <a:schemeClr val="accent1"/>
+          </a:lnRef>
+          <a:fillRef idx="0">
+            <a:schemeClr val="accent1"/>
+          </a:fillRef>
+          <a:effectRef idx="0">
+            <a:schemeClr val="accent1"/>
+          </a:effectRef>
+          <a:fontRef idx="minor">
+            <a:schemeClr val="tx1"/>
+          </a:fontRef>
+        </p:style>
+      </p:cxnSp>
+      <p:cxnSp>
+        <p:nvCxnSpPr>
+          <p:cNvPr id="164" name="肘形连接符 86"/>
+          <p:cNvCxnSpPr>
+            <a:stCxn id="18" idx="2"/>
+            <a:endCxn id="111" idx="0"/>
+          </p:cNvCxnSpPr>
+          <p:nvPr/>
+        </p:nvCxnSpPr>
+        <p:spPr>
+          <a:xfrm rot="5400000">
+            <a:off x="4696177" y="753755"/>
+            <a:ext cx="757136" cy="4947813"/>
+          </a:xfrm>
+          <a:prstGeom prst="bentConnector3">
+            <a:avLst>
+              <a:gd name="adj1" fmla="val 30878"/>
+            </a:avLst>
+          </a:prstGeom>
+          <a:ln w="19050">
+            <a:solidFill>
+              <a:schemeClr val="tx1"/>
+            </a:solidFill>
+            <a:tailEnd type="arrow"/>
+          </a:ln>
+        </p:spPr>
+        <p:style>
+          <a:lnRef idx="1">
+            <a:schemeClr val="accent1"/>
+          </a:lnRef>
+          <a:fillRef idx="0">
+            <a:schemeClr val="accent1"/>
+          </a:fillRef>
+          <a:effectRef idx="0">
+            <a:schemeClr val="accent1"/>
+          </a:effectRef>
+          <a:fontRef idx="minor">
+            <a:schemeClr val="tx1"/>
+          </a:fontRef>
+        </p:style>
+      </p:cxnSp>
+      <p:cxnSp>
+        <p:nvCxnSpPr>
+          <p:cNvPr id="168" name="肘形连接符 86"/>
+          <p:cNvCxnSpPr>
+            <a:stCxn id="18" idx="2"/>
+            <a:endCxn id="116" idx="0"/>
+          </p:cNvCxnSpPr>
+          <p:nvPr/>
+        </p:nvCxnSpPr>
+        <p:spPr>
+          <a:xfrm rot="5400000">
+            <a:off x="5220574" y="1239246"/>
+            <a:ext cx="718230" cy="3937925"/>
+          </a:xfrm>
+          <a:prstGeom prst="bentConnector3">
+            <a:avLst>
+              <a:gd name="adj1" fmla="val 33025"/>
+            </a:avLst>
+          </a:prstGeom>
+          <a:ln w="19050">
+            <a:solidFill>
+              <a:schemeClr val="tx1"/>
+            </a:solidFill>
+            <a:tailEnd type="arrow"/>
+          </a:ln>
+        </p:spPr>
+        <p:style>
+          <a:lnRef idx="1">
+            <a:schemeClr val="accent1"/>
+          </a:lnRef>
+          <a:fillRef idx="0">
+            <a:schemeClr val="accent1"/>
+          </a:fillRef>
+          <a:effectRef idx="0">
+            <a:schemeClr val="accent1"/>
+          </a:effectRef>
+          <a:fontRef idx="minor">
+            <a:schemeClr val="tx1"/>
+          </a:fontRef>
+        </p:style>
+      </p:cxnSp>
+      <p:sp>
+        <p:nvSpPr>
+          <p:cNvPr id="172" name="圆角矩形 31"/>
+          <p:cNvSpPr/>
+          <p:nvPr/>
+        </p:nvSpPr>
+        <p:spPr>
+          <a:xfrm>
+            <a:off x="77471" y="605155"/>
+            <a:ext cx="1382178" cy="5052343"/>
+          </a:xfrm>
+          <a:prstGeom prst="roundRect">
+            <a:avLst/>
+          </a:prstGeom>
+          <a:solidFill>
+            <a:schemeClr val="bg2">
+              <a:lumMod val="75000"/>
+            </a:schemeClr>
+          </a:solidFill>
+          <a:ln w="57150">
+            <a:solidFill>
+              <a:schemeClr val="tx1"/>
+            </a:solidFill>
+          </a:ln>
+        </p:spPr>
+        <p:style>
+          <a:lnRef idx="2">
+            <a:schemeClr val="accent1">
+              <a:shade val="50000"/>
+            </a:schemeClr>
+          </a:lnRef>
+          <a:fillRef idx="1">
+            <a:schemeClr val="accent1"/>
+          </a:fillRef>
+          <a:effectRef idx="0">
+            <a:schemeClr val="accent1"/>
+          </a:effectRef>
+          <a:fontRef idx="minor">
+            <a:schemeClr val="lt1"/>
+          </a:fontRef>
+        </p:style>
+        <p:txBody>
+          <a:bodyPr wrap="none" rtlCol="0" anchor="ctr"/>
+          <a:lstStyle/>
+          <a:p>
+            <a:pPr algn="ctr"/>
+            <a:r>
+              <a:rPr lang="en-US" altLang="zh-CN" sz="2400" dirty="0">
+                <a:solidFill>
+                  <a:schemeClr val="tx1"/>
+                </a:solidFill>
+              </a:rPr>
+              <a:t>Service</a:t>
+            </a:r>
+          </a:p>
+          <a:p>
+            <a:pPr algn="ctr"/>
+            <a:r>
+              <a:rPr lang="en-US" altLang="zh-CN" sz="2400" dirty="0">
+                <a:solidFill>
+                  <a:schemeClr val="tx1"/>
+                </a:solidFill>
+              </a:rPr>
+              <a:t>Discovery</a:t>
+            </a:r>
+          </a:p>
+          <a:p>
+            <a:pPr algn="ctr"/>
+            <a:r>
+              <a:rPr lang="en-US" altLang="zh-CN" sz="2400" dirty="0">
+                <a:solidFill>
+                  <a:schemeClr val="tx1"/>
+                </a:solidFill>
+              </a:rPr>
+              <a:t>(k8s)</a:t>
+            </a:r>
+          </a:p>
+          <a:p>
+            <a:pPr algn="ctr"/>
+            <a:endParaRPr lang="en-US" altLang="zh-CN" sz="2400" dirty="0">
+              <a:solidFill>
+                <a:schemeClr val="tx1"/>
+              </a:solidFill>
+            </a:endParaRPr>
+          </a:p>
+          <a:p>
+            <a:pPr algn="ctr"/>
+            <a:endParaRPr lang="en-US" altLang="zh-CN" sz="2400" dirty="0">
+              <a:solidFill>
+                <a:schemeClr val="tx1"/>
+              </a:solidFill>
+            </a:endParaRPr>
+          </a:p>
+          <a:p>
+            <a:pPr algn="ctr"/>
+            <a:r>
+              <a:rPr lang="en-US" altLang="zh-CN" sz="2400" dirty="0">
+                <a:solidFill>
+                  <a:schemeClr val="tx1"/>
+                </a:solidFill>
+              </a:rPr>
+              <a:t>Service</a:t>
+            </a:r>
+          </a:p>
+          <a:p>
+            <a:pPr algn="ctr"/>
+            <a:r>
+              <a:rPr lang="en-US" altLang="zh-CN" sz="2400" dirty="0">
+                <a:solidFill>
+                  <a:schemeClr val="tx1"/>
+                </a:solidFill>
+              </a:rPr>
+              <a:t>Registry</a:t>
+            </a:r>
+          </a:p>
+          <a:p>
+            <a:pPr algn="ctr"/>
+            <a:endParaRPr lang="en-US" altLang="zh-CN" sz="2400" dirty="0">
+              <a:solidFill>
+                <a:schemeClr val="tx1"/>
+              </a:solidFill>
+            </a:endParaRPr>
+          </a:p>
+          <a:p>
+            <a:pPr algn="ctr"/>
+            <a:endParaRPr lang="en-US" altLang="zh-CN" sz="2400" dirty="0">
+              <a:solidFill>
+                <a:schemeClr val="tx1"/>
+              </a:solidFill>
+            </a:endParaRPr>
+          </a:p>
+          <a:p>
+            <a:pPr algn="ctr"/>
+            <a:endParaRPr lang="en-US" altLang="zh-CN" sz="2400" dirty="0">
+              <a:solidFill>
+                <a:schemeClr val="tx1"/>
+              </a:solidFill>
+            </a:endParaRPr>
+          </a:p>
+          <a:p>
+            <a:pPr algn="ctr"/>
+            <a:r>
+              <a:rPr lang="en-US" altLang="zh-CN" sz="2400" dirty="0">
+                <a:solidFill>
+                  <a:schemeClr val="tx1"/>
+                </a:solidFill>
+              </a:rPr>
+              <a:t>Load</a:t>
+            </a:r>
+          </a:p>
+          <a:p>
+            <a:pPr algn="ctr"/>
+            <a:r>
+              <a:rPr lang="en-US" altLang="zh-CN" sz="2400" dirty="0">
+                <a:solidFill>
+                  <a:schemeClr val="tx1"/>
+                </a:solidFill>
+              </a:rPr>
+              <a:t>Balance</a:t>
+            </a:r>
+          </a:p>
+        </p:txBody>
+      </p:sp>
+      <p:cxnSp>
+        <p:nvCxnSpPr>
+          <p:cNvPr id="174" name="肘形连接符 86"/>
+          <p:cNvCxnSpPr>
+            <a:stCxn id="107" idx="2"/>
+            <a:endCxn id="77" idx="0"/>
+          </p:cNvCxnSpPr>
+          <p:nvPr/>
+        </p:nvCxnSpPr>
+        <p:spPr>
+          <a:xfrm rot="5400000">
+            <a:off x="4460260" y="-1219510"/>
+            <a:ext cx="383315" cy="4037516"/>
+          </a:xfrm>
+          <a:prstGeom prst="bentConnector3">
+            <a:avLst>
+              <a:gd name="adj1" fmla="val 57952"/>
+            </a:avLst>
+          </a:prstGeom>
+          <a:ln w="19050">
+            <a:solidFill>
+              <a:schemeClr val="tx1"/>
+            </a:solidFill>
+            <a:tailEnd type="arrow"/>
+          </a:ln>
+        </p:spPr>
+        <p:style>
+          <a:lnRef idx="1">
+            <a:schemeClr val="accent1"/>
+          </a:lnRef>
+          <a:fillRef idx="0">
+            <a:schemeClr val="accent1"/>
+          </a:fillRef>
+          <a:effectRef idx="0">
+            <a:schemeClr val="accent1"/>
+          </a:effectRef>
+          <a:fontRef idx="minor">
+            <a:schemeClr val="tx1"/>
+          </a:fontRef>
+        </p:style>
+      </p:cxnSp>
+      <p:cxnSp>
+        <p:nvCxnSpPr>
+          <p:cNvPr id="178" name="肘形连接符 86"/>
+          <p:cNvCxnSpPr>
+            <a:stCxn id="107" idx="2"/>
+            <a:endCxn id="88" idx="0"/>
+          </p:cNvCxnSpPr>
+          <p:nvPr/>
+        </p:nvCxnSpPr>
+        <p:spPr>
+          <a:xfrm rot="5400000">
+            <a:off x="5428925" y="-256461"/>
+            <a:ext cx="377698" cy="2105803"/>
+          </a:xfrm>
+          <a:prstGeom prst="bentConnector3">
+            <a:avLst>
+              <a:gd name="adj1" fmla="val 58070"/>
+            </a:avLst>
+          </a:prstGeom>
+          <a:ln w="19050">
+            <a:solidFill>
+              <a:schemeClr val="tx1"/>
+            </a:solidFill>
+            <a:tailEnd type="arrow"/>
+          </a:ln>
+        </p:spPr>
+        <p:style>
+          <a:lnRef idx="1">
+            <a:schemeClr val="accent1"/>
+          </a:lnRef>
+          <a:fillRef idx="0">
+            <a:schemeClr val="accent1"/>
+          </a:fillRef>
+          <a:effectRef idx="0">
+            <a:schemeClr val="accent1"/>
+          </a:effectRef>
+          <a:fontRef idx="minor">
+            <a:schemeClr val="tx1"/>
+          </a:fontRef>
+        </p:style>
+      </p:cxnSp>
+      <p:cxnSp>
+        <p:nvCxnSpPr>
+          <p:cNvPr id="187" name="肘形连接符 86"/>
+          <p:cNvCxnSpPr>
+            <a:stCxn id="33" idx="2"/>
+            <a:endCxn id="26" idx="0"/>
+          </p:cNvCxnSpPr>
+          <p:nvPr/>
+        </p:nvCxnSpPr>
+        <p:spPr>
+          <a:xfrm rot="5400000">
+            <a:off x="10366574" y="2518715"/>
+            <a:ext cx="553844" cy="1054215"/>
+          </a:xfrm>
+          <a:prstGeom prst="bentConnector3">
+            <a:avLst>
+              <a:gd name="adj1" fmla="val 50000"/>
+            </a:avLst>
+          </a:prstGeom>
+          <a:ln w="19050">
+            <a:solidFill>
+              <a:schemeClr val="tx1"/>
+            </a:solidFill>
+            <a:tailEnd type="arrow"/>
+          </a:ln>
+        </p:spPr>
+        <p:style>
+          <a:lnRef idx="1">
+            <a:schemeClr val="accent1"/>
+          </a:lnRef>
+          <a:fillRef idx="0">
+            <a:schemeClr val="accent1"/>
+          </a:fillRef>
+          <a:effectRef idx="0">
+            <a:schemeClr val="accent1"/>
+          </a:effectRef>
+          <a:fontRef idx="minor">
+            <a:schemeClr val="tx1"/>
+          </a:fontRef>
+        </p:style>
+      </p:cxnSp>
+      <p:cxnSp>
+        <p:nvCxnSpPr>
+          <p:cNvPr id="190" name="肘形连接符 86"/>
+          <p:cNvCxnSpPr>
+            <a:stCxn id="33" idx="2"/>
+            <a:endCxn id="37" idx="0"/>
+          </p:cNvCxnSpPr>
+          <p:nvPr/>
+        </p:nvCxnSpPr>
+        <p:spPr>
+          <a:xfrm rot="5400000">
+            <a:off x="10887895" y="3051608"/>
+            <a:ext cx="565416" cy="1"/>
+          </a:xfrm>
+          <a:prstGeom prst="bentConnector3">
+            <a:avLst>
+              <a:gd name="adj1" fmla="val 50000"/>
+            </a:avLst>
+          </a:prstGeom>
+          <a:ln w="19050">
+            <a:solidFill>
+              <a:schemeClr val="tx1"/>
+            </a:solidFill>
+            <a:tailEnd type="arrow"/>
+          </a:ln>
+        </p:spPr>
+        <p:style>
+          <a:lnRef idx="1">
+            <a:schemeClr val="accent1"/>
+          </a:lnRef>
+          <a:fillRef idx="0">
+            <a:schemeClr val="accent1"/>
+          </a:fillRef>
+          <a:effectRef idx="0">
+            <a:schemeClr val="accent1"/>
+          </a:effectRef>
+          <a:fontRef idx="minor">
+            <a:schemeClr val="tx1"/>
+          </a:fontRef>
+        </p:style>
+      </p:cxnSp>
+      <p:cxnSp>
+        <p:nvCxnSpPr>
+          <p:cNvPr id="200" name="肘形连接符 86"/>
+          <p:cNvCxnSpPr>
+            <a:stCxn id="26" idx="2"/>
+            <a:endCxn id="123" idx="0"/>
+          </p:cNvCxnSpPr>
+          <p:nvPr/>
+        </p:nvCxnSpPr>
+        <p:spPr>
+          <a:xfrm rot="16200000" flipH="1">
+            <a:off x="10422133" y="3558175"/>
+            <a:ext cx="465349" cy="1076839"/>
+          </a:xfrm>
+          <a:prstGeom prst="bentConnector3">
+            <a:avLst>
+              <a:gd name="adj1" fmla="val 50000"/>
+            </a:avLst>
+          </a:prstGeom>
+          <a:ln w="19050">
+            <a:solidFill>
+              <a:schemeClr val="tx1"/>
+            </a:solidFill>
+            <a:tailEnd type="arrow"/>
+          </a:ln>
+        </p:spPr>
+        <p:style>
+          <a:lnRef idx="1">
+            <a:schemeClr val="accent1"/>
+          </a:lnRef>
+          <a:fillRef idx="0">
+            <a:schemeClr val="accent1"/>
+          </a:fillRef>
+          <a:effectRef idx="0">
+            <a:schemeClr val="accent1"/>
+          </a:effectRef>
+          <a:fontRef idx="minor">
+            <a:schemeClr val="tx1"/>
+          </a:fontRef>
+        </p:style>
+      </p:cxnSp>
+      <p:cxnSp>
+        <p:nvCxnSpPr>
+          <p:cNvPr id="212" name="肘形连接符 86"/>
+          <p:cNvCxnSpPr>
+            <a:stCxn id="89" idx="2"/>
+            <a:endCxn id="10" idx="0"/>
+          </p:cNvCxnSpPr>
+          <p:nvPr/>
+        </p:nvCxnSpPr>
+        <p:spPr>
+          <a:xfrm rot="16200000" flipH="1">
+            <a:off x="3644444" y="3674139"/>
+            <a:ext cx="442252" cy="2400884"/>
+          </a:xfrm>
+          <a:prstGeom prst="bentConnector3">
+            <a:avLst>
+              <a:gd name="adj1" fmla="val 50000"/>
+            </a:avLst>
+          </a:prstGeom>
+          <a:ln w="19050">
+            <a:solidFill>
+              <a:schemeClr val="tx1"/>
+            </a:solidFill>
+            <a:tailEnd type="arrow"/>
+          </a:ln>
+        </p:spPr>
+        <p:style>
+          <a:lnRef idx="1">
+            <a:schemeClr val="accent1"/>
+          </a:lnRef>
+          <a:fillRef idx="0">
+            <a:schemeClr val="accent1"/>
+          </a:fillRef>
+          <a:effectRef idx="0">
+            <a:schemeClr val="accent1"/>
+          </a:effectRef>
+          <a:fontRef idx="minor">
+            <a:schemeClr val="tx1"/>
+          </a:fontRef>
+        </p:style>
+      </p:cxnSp>
+      <p:cxnSp>
+        <p:nvCxnSpPr>
+          <p:cNvPr id="226" name="肘形连接符 84"/>
+          <p:cNvCxnSpPr>
+            <a:stCxn id="17" idx="2"/>
+            <a:endCxn id="12" idx="0"/>
+          </p:cNvCxnSpPr>
+          <p:nvPr/>
+        </p:nvCxnSpPr>
+        <p:spPr>
+          <a:xfrm rot="16200000" flipH="1">
+            <a:off x="6890233" y="3537686"/>
+            <a:ext cx="354723" cy="974142"/>
+          </a:xfrm>
+          <a:prstGeom prst="bentConnector3">
+            <a:avLst>
+              <a:gd name="adj1" fmla="val 50000"/>
+            </a:avLst>
+          </a:prstGeom>
+          <a:ln w="19050">
+            <a:solidFill>
+              <a:schemeClr val="tx1"/>
+            </a:solidFill>
+            <a:tailEnd type="arrow"/>
+          </a:ln>
+        </p:spPr>
+        <p:style>
+          <a:lnRef idx="1">
+            <a:schemeClr val="accent1"/>
+          </a:lnRef>
+          <a:fillRef idx="0">
+            <a:schemeClr val="accent1"/>
+          </a:fillRef>
+          <a:effectRef idx="0">
+            <a:schemeClr val="accent1"/>
+          </a:effectRef>
+          <a:fontRef idx="minor">
+            <a:schemeClr val="tx1"/>
+          </a:fontRef>
+        </p:style>
+      </p:cxnSp>
+      <p:cxnSp>
+        <p:nvCxnSpPr>
+          <p:cNvPr id="231" name="肘形连接符 84"/>
+          <p:cNvCxnSpPr>
+            <a:stCxn id="16" idx="2"/>
+            <a:endCxn id="12" idx="0"/>
+          </p:cNvCxnSpPr>
+          <p:nvPr/>
+        </p:nvCxnSpPr>
+        <p:spPr>
+          <a:xfrm rot="5400000">
+            <a:off x="7379815" y="4022247"/>
+            <a:ext cx="354723" cy="5021"/>
+          </a:xfrm>
+          <a:prstGeom prst="bentConnector3">
+            <a:avLst>
+              <a:gd name="adj1" fmla="val 50000"/>
+            </a:avLst>
+          </a:prstGeom>
+          <a:ln w="19050">
+            <a:solidFill>
+              <a:schemeClr val="tx1"/>
+            </a:solidFill>
+            <a:tailEnd type="arrow"/>
+          </a:ln>
+        </p:spPr>
+        <p:style>
+          <a:lnRef idx="1">
+            <a:schemeClr val="accent1"/>
+          </a:lnRef>
+          <a:fillRef idx="0">
+            <a:schemeClr val="accent1"/>
+          </a:fillRef>
+          <a:effectRef idx="0">
+            <a:schemeClr val="accent1"/>
+          </a:effectRef>
+          <a:fontRef idx="minor">
+            <a:schemeClr val="tx1"/>
+          </a:fontRef>
+        </p:style>
+      </p:cxnSp>
+      <p:cxnSp>
+        <p:nvCxnSpPr>
+          <p:cNvPr id="243" name="肘形连接符 84"/>
+          <p:cNvCxnSpPr>
+            <a:stCxn id="89" idx="2"/>
+            <a:endCxn id="73" idx="0"/>
+          </p:cNvCxnSpPr>
+          <p:nvPr/>
+        </p:nvCxnSpPr>
+        <p:spPr>
+          <a:xfrm rot="16200000" flipH="1">
+            <a:off x="2371308" y="4947275"/>
+            <a:ext cx="593559" cy="5918"/>
+          </a:xfrm>
+          <a:prstGeom prst="bentConnector3">
+            <a:avLst>
+              <a:gd name="adj1" fmla="val 50000"/>
+            </a:avLst>
+          </a:prstGeom>
+          <a:ln w="19050">
+            <a:solidFill>
+              <a:schemeClr val="tx1"/>
+            </a:solidFill>
+            <a:tailEnd type="arrow"/>
+          </a:ln>
+        </p:spPr>
+        <p:style>
+          <a:lnRef idx="1">
+            <a:schemeClr val="accent1"/>
+          </a:lnRef>
+          <a:fillRef idx="0">
+            <a:schemeClr val="accent1"/>
+          </a:fillRef>
+          <a:effectRef idx="0">
+            <a:schemeClr val="accent1"/>
+          </a:effectRef>
+          <a:fontRef idx="minor">
+            <a:schemeClr val="tx1"/>
+          </a:fontRef>
+        </p:style>
+      </p:cxnSp>
+      <p:cxnSp>
+        <p:nvCxnSpPr>
+          <p:cNvPr id="264" name="肘形连接符 84"/>
+          <p:cNvCxnSpPr>
+            <a:stCxn id="12" idx="2"/>
+            <a:endCxn id="8" idx="0"/>
+          </p:cNvCxnSpPr>
+          <p:nvPr/>
+        </p:nvCxnSpPr>
+        <p:spPr>
+          <a:xfrm rot="5400000">
+            <a:off x="7165077" y="4727285"/>
+            <a:ext cx="457376" cy="321800"/>
+          </a:xfrm>
+          <a:prstGeom prst="bentConnector3">
+            <a:avLst>
+              <a:gd name="adj1" fmla="val 46668"/>
+            </a:avLst>
+          </a:prstGeom>
+          <a:ln w="19050">
+            <a:solidFill>
+              <a:schemeClr val="tx1"/>
+            </a:solidFill>
+            <a:tailEnd type="arrow"/>
+          </a:ln>
+        </p:spPr>
+        <p:style>
+          <a:lnRef idx="1">
+            <a:schemeClr val="accent1"/>
+          </a:lnRef>
+          <a:fillRef idx="0">
+            <a:schemeClr val="accent1"/>
+          </a:fillRef>
+          <a:effectRef idx="0">
+            <a:schemeClr val="accent1"/>
+          </a:effectRef>
+          <a:fontRef idx="minor">
+            <a:schemeClr val="tx1"/>
+          </a:fontRef>
+        </p:style>
+      </p:cxnSp>
+      <p:sp>
+        <p:nvSpPr>
+          <p:cNvPr id="25" name="圆角矩形 31"/>
+          <p:cNvSpPr/>
+          <p:nvPr/>
+        </p:nvSpPr>
+        <p:spPr>
+          <a:xfrm>
+            <a:off x="1875155" y="5948680"/>
+            <a:ext cx="9761220" cy="635635"/>
+          </a:xfrm>
+          <a:prstGeom prst="roundRect">
+            <a:avLst/>
+          </a:prstGeom>
+          <a:solidFill>
+            <a:schemeClr val="bg2">
+              <a:lumMod val="75000"/>
+            </a:schemeClr>
+          </a:solidFill>
+          <a:ln w="57150">
+            <a:solidFill>
+              <a:schemeClr val="tx1"/>
+            </a:solidFill>
+          </a:ln>
+        </p:spPr>
+        <p:style>
+          <a:lnRef idx="2">
+            <a:schemeClr val="accent1">
+              <a:shade val="50000"/>
+            </a:schemeClr>
+          </a:lnRef>
+          <a:fillRef idx="1">
+            <a:schemeClr val="accent1"/>
+          </a:fillRef>
+          <a:effectRef idx="0">
+            <a:schemeClr val="accent1"/>
+          </a:effectRef>
+          <a:fontRef idx="minor">
+            <a:schemeClr val="lt1"/>
+          </a:fontRef>
+        </p:style>
+        <p:txBody>
+          <a:bodyPr wrap="none" rtlCol="0" anchor="ctr"/>
+          <a:lstStyle/>
+          <a:p>
+            <a:pPr algn="ctr"/>
+            <a:r>
+              <a:rPr lang="en-US" altLang="zh-CN" sz="2400" dirty="0">
+                <a:solidFill>
+                  <a:schemeClr val="tx1"/>
+                </a:solidFill>
+              </a:rPr>
+              <a:t>Traffic Management(istio)			Monitoring &amp; Metrics</a:t>
+            </a:r>
+          </a:p>
+        </p:txBody>
+      </p:sp>
+    </p:spTree>
+  </p:cSld>
+  <p:clrMapOvr>
+    <a:masterClrMapping/>
+  </p:clrMapOvr>
+</p:sld>
+</file>
+
+<file path=ppt/slides/slide4.xml><?xml version="1.0" encoding="utf-8"?>
+<p:sld xmlns:a="http://schemas.openxmlformats.org/drawingml/2006/main" xmlns:r="http://schemas.openxmlformats.org/officeDocument/2006/relationships" xmlns:p="http://schemas.openxmlformats.org/presentationml/2006/main">
+  <p:cSld>
+    <p:spTree>
+      <p:nvGrpSpPr>
+        <p:cNvPr id="1" name=""/>
+        <p:cNvGrpSpPr/>
+        <p:nvPr/>
+      </p:nvGrpSpPr>
+      <p:grpSpPr>
+        <a:xfrm>
+          <a:off x="0" y="0"/>
+          <a:ext cx="0" cy="0"/>
+          <a:chOff x="0" y="0"/>
+          <a:chExt cx="0" cy="0"/>
+        </a:xfrm>
+      </p:grpSpPr>
+      <p:sp>
+        <p:nvSpPr>
+          <p:cNvPr id="4" name="流程图: 准备 3"/>
+          <p:cNvSpPr/>
+          <p:nvPr/>
+        </p:nvSpPr>
+        <p:spPr>
+          <a:xfrm>
+            <a:off x="2872445" y="5228688"/>
+            <a:ext cx="726826" cy="688126"/>
           </a:xfrm>
           <a:prstGeom prst="flowChartPreparation">
             <a:avLst/>
           </a:prstGeom>
-          <a:solidFill>
-            <a:schemeClr val="bg1"/>
-          </a:solidFill>
+          <a:noFill/>
           <a:ln w="28575">
             <a:solidFill>
               <a:schemeClr val="tx1"/>
@@ -15261,13 +16149,31 @@
           <a:p>
             <a:pPr lvl="0" algn="ctr"/>
             <a:r>
-              <a:rPr lang="en-US" altLang="zh-CN" sz="1400" dirty="0">
-                <a:solidFill>
-                  <a:schemeClr val="tx1"/>
-                </a:solidFill>
-                <a:sym typeface="+mn-ea"/>
-              </a:rPr>
-              <a:t>assurance</a:t>
+              <a:rPr lang="en-US" altLang="zh-CN" sz="1400" dirty="0" err="1" smtClean="0">
+                <a:solidFill>
+                  <a:schemeClr val="tx1"/>
+                </a:solidFill>
+                <a:sym typeface="+mn-ea"/>
+              </a:rPr>
+              <a:t>Config</a:t>
+            </a:r>
+            <a:endParaRPr lang="en-US" altLang="zh-CN" sz="1400" dirty="0" smtClean="0">
+              <a:solidFill>
+                <a:schemeClr val="tx1"/>
+              </a:solidFill>
+              <a:sym typeface="+mn-ea"/>
+            </a:endParaRPr>
+          </a:p>
+          <a:p>
+            <a:pPr lvl="0" algn="ctr"/>
+            <a:r>
+              <a:rPr lang="en-US" altLang="zh-CN" sz="1400" dirty="0" smtClean="0">
+                <a:solidFill>
+                  <a:schemeClr val="tx1"/>
+                </a:solidFill>
+                <a:sym typeface="+mn-ea"/>
+              </a:rPr>
+              <a:t>15679</a:t>
             </a:r>
             <a:endParaRPr lang="en-US" altLang="zh-CN" sz="1400" dirty="0">
               <a:solidFill>
@@ -15280,21 +16186,19 @@
       </p:sp>
       <p:sp>
         <p:nvSpPr>
-          <p:cNvPr id="63" name="流程图: 准备 19"/>
+          <p:cNvPr id="5" name="流程图: 准备 4"/>
           <p:cNvSpPr/>
           <p:nvPr/>
         </p:nvSpPr>
         <p:spPr>
           <a:xfrm>
-            <a:off x="9521835" y="1200172"/>
-            <a:ext cx="908050" cy="368300"/>
+            <a:off x="7235012" y="5228689"/>
+            <a:ext cx="699575" cy="688126"/>
           </a:xfrm>
           <a:prstGeom prst="flowChartPreparation">
             <a:avLst/>
           </a:prstGeom>
-          <a:solidFill>
-            <a:schemeClr val="bg1"/>
-          </a:solidFill>
+          <a:noFill/>
           <a:ln w="28575">
             <a:solidFill>
               <a:schemeClr val="tx1"/>
@@ -15330,13 +16234,25 @@
           <a:p>
             <a:pPr lvl="0" algn="ctr"/>
             <a:r>
-              <a:rPr lang="en-US" altLang="zh-CN" sz="1400" dirty="0">
-                <a:solidFill>
-                  <a:schemeClr val="tx1"/>
-                </a:solidFill>
-                <a:sym typeface="+mn-ea"/>
-              </a:rPr>
-              <a:t>news</a:t>
+              <a:rPr lang="en-US" altLang="zh-CN" sz="1400" dirty="0" smtClean="0">
+                <a:solidFill>
+                  <a:schemeClr val="tx1"/>
+                </a:solidFill>
+                <a:sym typeface="+mn-ea"/>
+              </a:rPr>
+              <a:t>Price</a:t>
+            </a:r>
+          </a:p>
+          <a:p>
+            <a:pPr lvl="0" algn="ctr"/>
+            <a:r>
+              <a:rPr lang="en-US" altLang="zh-CN" sz="1400" dirty="0" smtClean="0">
+                <a:solidFill>
+                  <a:schemeClr val="tx1"/>
+                </a:solidFill>
+                <a:sym typeface="+mn-ea"/>
+              </a:rPr>
+              <a:t>16579</a:t>
             </a:r>
             <a:endParaRPr lang="en-US" altLang="zh-CN" sz="1400" dirty="0">
               <a:solidFill>
@@ -15347,64 +16263,21 @@
           </a:p>
         </p:txBody>
       </p:sp>
-      <p:cxnSp>
-        <p:nvCxnSpPr>
-          <p:cNvPr id="65" name="肘形连接符 33"/>
-          <p:cNvCxnSpPr>
-            <a:stCxn id="107" idx="2"/>
-            <a:endCxn id="63" idx="0"/>
-          </p:cNvCxnSpPr>
-          <p:nvPr/>
-        </p:nvCxnSpPr>
-        <p:spPr>
-          <a:xfrm rot="16200000" flipH="1">
-            <a:off x="8026977" y="-748712"/>
-            <a:ext cx="592581" cy="3305185"/>
-          </a:xfrm>
-          <a:prstGeom prst="bentConnector3">
-            <a:avLst>
-              <a:gd name="adj1" fmla="val 37141"/>
-            </a:avLst>
-          </a:prstGeom>
-          <a:ln w="19050">
-            <a:solidFill>
-              <a:schemeClr val="tx1"/>
-            </a:solidFill>
-            <a:tailEnd type="arrow"/>
-          </a:ln>
-        </p:spPr>
-        <p:style>
-          <a:lnRef idx="1">
-            <a:schemeClr val="accent1"/>
-          </a:lnRef>
-          <a:fillRef idx="0">
-            <a:schemeClr val="accent1"/>
-          </a:fillRef>
-          <a:effectRef idx="0">
-            <a:schemeClr val="accent1"/>
-          </a:effectRef>
-          <a:fontRef idx="minor">
-            <a:schemeClr val="tx1"/>
-          </a:fontRef>
-        </p:style>
-      </p:cxnSp>
-      <p:sp>
-        <p:nvSpPr>
-          <p:cNvPr id="77" name="流程图: 准备 19"/>
+      <p:sp>
+        <p:nvSpPr>
+          <p:cNvPr id="7" name="流程图: 准备 6"/>
           <p:cNvSpPr/>
           <p:nvPr/>
         </p:nvSpPr>
         <p:spPr>
           <a:xfrm>
-            <a:off x="1622239" y="990906"/>
-            <a:ext cx="2021840" cy="726757"/>
+            <a:off x="8097178" y="5234131"/>
+            <a:ext cx="699575" cy="688126"/>
           </a:xfrm>
           <a:prstGeom prst="flowChartPreparation">
             <a:avLst/>
           </a:prstGeom>
-          <a:solidFill>
-            <a:schemeClr val="bg1"/>
-          </a:solidFill>
+          <a:noFill/>
           <a:ln w="28575">
             <a:solidFill>
               <a:schemeClr val="tx1"/>
@@ -15440,58 +16313,62 @@
           <a:p>
             <a:pPr lvl="0" algn="ctr"/>
             <a:r>
-              <a:rPr lang="en-US" altLang="zh-CN" sz="1600" dirty="0">
-                <a:solidFill>
-                  <a:schemeClr val="tx1"/>
-                </a:solidFill>
-                <a:sym typeface="+mn-ea"/>
-              </a:rPr>
-              <a:t>Advanced travel</a:t>
-            </a:r>
-            <a:endParaRPr lang="en-US" altLang="zh-CN" sz="1600" dirty="0">
+              <a:rPr lang="en-US" altLang="zh-CN" sz="1200" dirty="0">
+                <a:solidFill>
+                  <a:schemeClr val="tx1"/>
+                </a:solidFill>
+                <a:sym typeface="+mn-ea"/>
+              </a:rPr>
+              <a:t>verify</a:t>
+            </a:r>
+          </a:p>
+          <a:p>
+            <a:pPr lvl="0" algn="ctr"/>
+            <a:r>
+              <a:rPr lang="en-US" altLang="zh-CN" sz="1200" dirty="0" smtClean="0">
+                <a:solidFill>
+                  <a:schemeClr val="tx1"/>
+                </a:solidFill>
+                <a:sym typeface="+mn-ea"/>
+              </a:rPr>
+              <a:t>Code</a:t>
+            </a:r>
+          </a:p>
+          <a:p>
+            <a:pPr lvl="0" algn="ctr"/>
+            <a:r>
+              <a:rPr lang="en-US" altLang="zh-CN" sz="1200" dirty="0" smtClean="0">
+                <a:solidFill>
+                  <a:schemeClr val="tx1"/>
+                </a:solidFill>
+                <a:sym typeface="+mn-ea"/>
+              </a:rPr>
+              <a:t>15678</a:t>
+            </a:r>
+            <a:endParaRPr lang="en-US" altLang="zh-CN" sz="1200" dirty="0">
               <a:solidFill>
                 <a:schemeClr val="tx1"/>
               </a:solidFill>
               <a:sym typeface="+mn-ea"/>
             </a:endParaRPr>
           </a:p>
-          <a:p>
-            <a:pPr lvl="0" algn="ctr"/>
-            <a:r>
-              <a:rPr lang="en-US" altLang="zh-CN" sz="1600" dirty="0">
-                <a:solidFill>
-                  <a:schemeClr val="tx1"/>
-                </a:solidFill>
-                <a:sym typeface="+mn-ea"/>
-              </a:rPr>
-              <a:t>(route info + ticket)</a:t>
-            </a:r>
-            <a:endParaRPr lang="en-US" altLang="zh-CN" sz="1600" dirty="0">
-              <a:solidFill>
-                <a:schemeClr val="tx1"/>
-              </a:solidFill>
-              <a:sym typeface="+mn-ea"/>
-            </a:endParaRPr>
-          </a:p>
-        </p:txBody>
-      </p:sp>
-      <p:sp>
-        <p:nvSpPr>
-          <p:cNvPr id="30" name="流程图: 准备 19"/>
+        </p:txBody>
+      </p:sp>
+      <p:sp>
+        <p:nvSpPr>
+          <p:cNvPr id="8" name="流程图: 准备 7"/>
           <p:cNvSpPr/>
           <p:nvPr/>
         </p:nvSpPr>
         <p:spPr>
           <a:xfrm>
-            <a:off x="1644015" y="2250106"/>
-            <a:ext cx="2414334" cy="572256"/>
+            <a:off x="6115911" y="5256358"/>
+            <a:ext cx="699575" cy="688126"/>
           </a:xfrm>
           <a:prstGeom prst="flowChartPreparation">
             <a:avLst/>
           </a:prstGeom>
-          <a:solidFill>
-            <a:schemeClr val="bg1"/>
-          </a:solidFill>
+          <a:noFill/>
           <a:ln w="28575">
             <a:solidFill>
               <a:schemeClr val="tx1"/>
@@ -15527,58 +16404,50 @@
           <a:p>
             <a:pPr lvl="0" algn="ctr"/>
             <a:r>
-              <a:rPr lang="en-US" altLang="zh-CN" sz="1600" dirty="0">
-                <a:solidFill>
-                  <a:schemeClr val="tx1"/>
-                </a:solidFill>
-                <a:sym typeface="+mn-ea"/>
-              </a:rPr>
-              <a:t>route plan</a:t>
-            </a:r>
-            <a:endParaRPr lang="en-US" altLang="zh-CN" sz="1600" dirty="0">
+              <a:rPr lang="en-US" altLang="zh-CN" sz="1400" dirty="0" smtClean="0">
+                <a:solidFill>
+                  <a:schemeClr val="tx1"/>
+                </a:solidFill>
+                <a:sym typeface="+mn-ea"/>
+              </a:rPr>
+              <a:t>Contact</a:t>
+            </a:r>
+          </a:p>
+          <a:p>
+            <a:pPr lvl="0" algn="ctr"/>
+            <a:r>
+              <a:rPr lang="en-US" altLang="zh-CN" sz="1400" dirty="0" smtClean="0">
+                <a:solidFill>
+                  <a:schemeClr val="tx1"/>
+                </a:solidFill>
+                <a:sym typeface="+mn-ea"/>
+              </a:rPr>
+              <a:t>12347</a:t>
+            </a:r>
+            <a:endParaRPr lang="en-US" altLang="zh-CN" sz="1400" dirty="0">
               <a:solidFill>
                 <a:schemeClr val="tx1"/>
               </a:solidFill>
               <a:sym typeface="+mn-ea"/>
             </a:endParaRPr>
           </a:p>
-          <a:p>
-            <a:pPr lvl="0" algn="ctr"/>
-            <a:r>
-              <a:rPr lang="en-US" altLang="zh-CN" sz="1600" dirty="0">
-                <a:solidFill>
-                  <a:schemeClr val="tx1"/>
-                </a:solidFill>
-                <a:sym typeface="+mn-ea"/>
-              </a:rPr>
-              <a:t>(price, change, time)</a:t>
-            </a:r>
-            <a:endParaRPr lang="en-US" altLang="zh-CN" sz="1600" dirty="0">
-              <a:solidFill>
-                <a:schemeClr val="tx1"/>
-              </a:solidFill>
-              <a:sym typeface="+mn-ea"/>
-            </a:endParaRPr>
-          </a:p>
-        </p:txBody>
-      </p:sp>
-      <p:sp>
-        <p:nvSpPr>
-          <p:cNvPr id="31" name="流程图: 准备 19"/>
+        </p:txBody>
+      </p:sp>
+      <p:sp>
+        <p:nvSpPr>
+          <p:cNvPr id="9" name="流程图: 准备 8"/>
           <p:cNvSpPr/>
           <p:nvPr/>
         </p:nvSpPr>
         <p:spPr>
           <a:xfrm>
-            <a:off x="10656975" y="1138602"/>
-            <a:ext cx="1072505" cy="442999"/>
+            <a:off x="5039298" y="5240288"/>
+            <a:ext cx="699575" cy="688126"/>
           </a:xfrm>
           <a:prstGeom prst="flowChartPreparation">
             <a:avLst/>
           </a:prstGeom>
-          <a:solidFill>
-            <a:schemeClr val="bg1"/>
-          </a:solidFill>
+          <a:noFill/>
           <a:ln w="28575">
             <a:solidFill>
               <a:schemeClr val="tx1"/>
@@ -15614,13 +16483,25 @@
           <a:p>
             <a:pPr lvl="0" algn="ctr"/>
             <a:r>
-              <a:rPr lang="en-US" altLang="zh-CN" sz="1400" dirty="0">
-                <a:solidFill>
-                  <a:schemeClr val="tx1"/>
-                </a:solidFill>
-                <a:sym typeface="+mn-ea"/>
-              </a:rPr>
-              <a:t>ticket office</a:t>
+              <a:rPr lang="en-US" altLang="zh-CN" sz="1400" dirty="0" smtClean="0">
+                <a:solidFill>
+                  <a:schemeClr val="tx1"/>
+                </a:solidFill>
+                <a:sym typeface="+mn-ea"/>
+              </a:rPr>
+              <a:t>Train</a:t>
+            </a:r>
+          </a:p>
+          <a:p>
+            <a:pPr lvl="0" algn="ctr"/>
+            <a:r>
+              <a:rPr lang="en-US" altLang="zh-CN" sz="1400" dirty="0" smtClean="0">
+                <a:solidFill>
+                  <a:schemeClr val="tx1"/>
+                </a:solidFill>
+                <a:sym typeface="+mn-ea"/>
+              </a:rPr>
+              <a:t>14567</a:t>
             </a:r>
             <a:endParaRPr lang="en-US" altLang="zh-CN" sz="1400" dirty="0">
               <a:solidFill>
@@ -15631,64 +16512,21 @@
           </a:p>
         </p:txBody>
       </p:sp>
-      <p:cxnSp>
-        <p:nvCxnSpPr>
-          <p:cNvPr id="32" name="肘形连接符 33"/>
-          <p:cNvCxnSpPr>
-            <a:stCxn id="107" idx="2"/>
-            <a:endCxn id="31" idx="0"/>
-          </p:cNvCxnSpPr>
-          <p:nvPr/>
-        </p:nvCxnSpPr>
-        <p:spPr>
-          <a:xfrm rot="16200000" flipH="1">
-            <a:off x="8666446" y="-1388181"/>
-            <a:ext cx="531011" cy="4522553"/>
-          </a:xfrm>
-          <a:prstGeom prst="bentConnector3">
-            <a:avLst>
-              <a:gd name="adj1" fmla="val 41390"/>
-            </a:avLst>
-          </a:prstGeom>
-          <a:ln w="19050">
-            <a:solidFill>
-              <a:schemeClr val="tx1"/>
-            </a:solidFill>
-            <a:tailEnd type="arrow"/>
-          </a:ln>
-        </p:spPr>
-        <p:style>
-          <a:lnRef idx="1">
-            <a:schemeClr val="accent1"/>
-          </a:lnRef>
-          <a:fillRef idx="0">
-            <a:schemeClr val="accent1"/>
-          </a:fillRef>
-          <a:effectRef idx="0">
-            <a:schemeClr val="accent1"/>
-          </a:effectRef>
-          <a:fontRef idx="minor">
-            <a:schemeClr val="tx1"/>
-          </a:fontRef>
-        </p:style>
-      </p:cxnSp>
-      <p:sp>
-        <p:nvSpPr>
-          <p:cNvPr id="33" name="流程图: 准备 19"/>
+      <p:sp>
+        <p:nvSpPr>
+          <p:cNvPr id="10" name="流程图: 准备 9"/>
           <p:cNvSpPr/>
           <p:nvPr/>
         </p:nvSpPr>
         <p:spPr>
           <a:xfrm>
-            <a:off x="10643870" y="2255820"/>
-            <a:ext cx="1053465" cy="513080"/>
+            <a:off x="3949058" y="5235192"/>
+            <a:ext cx="699575" cy="688126"/>
           </a:xfrm>
           <a:prstGeom prst="flowChartPreparation">
             <a:avLst/>
           </a:prstGeom>
-          <a:solidFill>
-            <a:schemeClr val="bg1"/>
-          </a:solidFill>
+          <a:noFill/>
           <a:ln w="28575">
             <a:solidFill>
               <a:schemeClr val="tx1"/>
@@ -15724,13 +16562,25 @@
           <a:p>
             <a:pPr lvl="0" algn="ctr"/>
             <a:r>
-              <a:rPr lang="en-US" altLang="zh-CN" sz="1400" dirty="0">
-                <a:solidFill>
-                  <a:schemeClr val="tx1"/>
-                </a:solidFill>
-                <a:sym typeface="+mn-ea"/>
-              </a:rPr>
-              <a:t>consign</a:t>
+              <a:rPr lang="en-US" altLang="zh-CN" sz="1400" dirty="0" smtClean="0">
+                <a:solidFill>
+                  <a:schemeClr val="tx1"/>
+                </a:solidFill>
+                <a:sym typeface="+mn-ea"/>
+              </a:rPr>
+              <a:t>Station</a:t>
+            </a:r>
+          </a:p>
+          <a:p>
+            <a:pPr lvl="0" algn="ctr"/>
+            <a:r>
+              <a:rPr lang="en-US" altLang="zh-CN" sz="1400" dirty="0" smtClean="0">
+                <a:solidFill>
+                  <a:schemeClr val="tx1"/>
+                </a:solidFill>
+                <a:sym typeface="+mn-ea"/>
+              </a:rPr>
+              <a:t>12345</a:t>
             </a:r>
             <a:endParaRPr lang="en-US" altLang="zh-CN" sz="1400" dirty="0">
               <a:solidFill>
@@ -15743,21 +16593,19 @@
       </p:sp>
       <p:sp>
         <p:nvSpPr>
-          <p:cNvPr id="37" name="流程图: 准备 19"/>
+          <p:cNvPr id="11" name="流程图: 准备 10"/>
           <p:cNvSpPr/>
           <p:nvPr/>
         </p:nvSpPr>
         <p:spPr>
           <a:xfrm>
-            <a:off x="10576559" y="3334316"/>
-            <a:ext cx="1188085" cy="513080"/>
+            <a:off x="9001833" y="5235192"/>
+            <a:ext cx="699575" cy="688126"/>
           </a:xfrm>
           <a:prstGeom prst="flowChartPreparation">
             <a:avLst/>
           </a:prstGeom>
-          <a:solidFill>
-            <a:schemeClr val="bg1"/>
-          </a:solidFill>
+          <a:noFill/>
           <a:ln w="28575">
             <a:solidFill>
               <a:schemeClr val="tx1"/>
@@ -15793,15 +16641,48 @@
           <a:p>
             <a:pPr lvl="0" algn="ctr"/>
             <a:r>
-              <a:rPr lang="en-US" altLang="zh-CN" sz="1400" dirty="0">
-                <a:solidFill>
-                  <a:schemeClr val="tx1"/>
-                </a:solidFill>
-                <a:sym typeface="+mn-ea"/>
-              </a:rPr>
-              <a:t>consign price</a:t>
-            </a:r>
-            <a:endParaRPr lang="en-US" altLang="zh-CN" sz="1400" dirty="0">
+              <a:rPr lang="en-US" altLang="zh-CN" sz="1200" dirty="0">
+                <a:solidFill>
+                  <a:schemeClr val="tx1"/>
+                </a:solidFill>
+                <a:sym typeface="+mn-ea"/>
+              </a:rPr>
+              <a:t>single</a:t>
+            </a:r>
+          </a:p>
+          <a:p>
+            <a:pPr lvl="0" algn="ctr"/>
+            <a:r>
+              <a:rPr lang="en-US" altLang="zh-CN" sz="1200" dirty="0">
+                <a:solidFill>
+                  <a:schemeClr val="tx1"/>
+                </a:solidFill>
+                <a:sym typeface="+mn-ea"/>
+              </a:rPr>
+              <a:t> </a:t>
+            </a:r>
+            <a:r>
+              <a:rPr lang="en-US" altLang="zh-CN" sz="1200" dirty="0" smtClean="0">
+                <a:solidFill>
+                  <a:schemeClr val="tx1"/>
+                </a:solidFill>
+                <a:sym typeface="+mn-ea"/>
+              </a:rPr>
+              <a:t>sign-on</a:t>
+            </a:r>
+          </a:p>
+          <a:p>
+            <a:pPr lvl="0" algn="ctr"/>
+            <a:r>
+              <a:rPr lang="en-US" altLang="zh-CN" sz="1200" dirty="0" smtClean="0">
+                <a:solidFill>
+                  <a:schemeClr val="tx1"/>
+                </a:solidFill>
+                <a:sym typeface="+mn-ea"/>
+              </a:rPr>
+              <a:t>12349</a:t>
+            </a:r>
+            <a:endParaRPr lang="en-US" altLang="zh-CN" sz="1200" dirty="0">
               <a:solidFill>
                 <a:schemeClr val="tx1"/>
               </a:solidFill>
@@ -15810,59 +16691,21 @@
           </a:p>
         </p:txBody>
       </p:sp>
-      <p:cxnSp>
-        <p:nvCxnSpPr>
-          <p:cNvPr id="39" name="Straight Arrow Connector 78"/>
-          <p:cNvCxnSpPr>
-            <a:stCxn id="33" idx="2"/>
-            <a:endCxn id="37" idx="0"/>
-          </p:cNvCxnSpPr>
-          <p:nvPr/>
-        </p:nvCxnSpPr>
-        <p:spPr>
-          <a:xfrm flipH="1">
-            <a:off x="11170602" y="2768900"/>
-            <a:ext cx="1" cy="565416"/>
-          </a:xfrm>
-          <a:prstGeom prst="straightConnector1">
-            <a:avLst/>
-          </a:prstGeom>
-          <a:ln>
-            <a:tailEnd type="arrow" w="lg" len="lg"/>
-          </a:ln>
-        </p:spPr>
-        <p:style>
-          <a:lnRef idx="1">
-            <a:schemeClr val="accent1"/>
-          </a:lnRef>
-          <a:fillRef idx="0">
-            <a:schemeClr val="accent1"/>
-          </a:fillRef>
-          <a:effectRef idx="0">
-            <a:schemeClr val="accent1"/>
-          </a:effectRef>
-          <a:fontRef idx="minor">
-            <a:schemeClr val="tx1"/>
-          </a:fontRef>
-        </p:style>
-      </p:cxnSp>
-      <p:sp>
-        <p:nvSpPr>
-          <p:cNvPr id="42" name="流程图: 准备 19"/>
+      <p:sp>
+        <p:nvSpPr>
+          <p:cNvPr id="12" name="流程图: 准备 11"/>
           <p:cNvSpPr/>
           <p:nvPr/>
         </p:nvSpPr>
         <p:spPr>
           <a:xfrm>
-            <a:off x="4194492" y="3503448"/>
-            <a:ext cx="1053465" cy="513080"/>
+            <a:off x="6437711" y="4341604"/>
+            <a:ext cx="699575" cy="457378"/>
           </a:xfrm>
           <a:prstGeom prst="flowChartPreparation">
             <a:avLst/>
           </a:prstGeom>
-          <a:solidFill>
-            <a:schemeClr val="bg1"/>
-          </a:solidFill>
+          <a:noFill/>
           <a:ln w="28575">
             <a:solidFill>
               <a:schemeClr val="tx1"/>
@@ -15892,21 +16735,45 @@
         </p:style>
         <p:txBody>
           <a:bodyPr vertOverflow="overflow" horzOverflow="overflow" vert="horz" wrap="none" lIns="0" tIns="0" rIns="0" bIns="0" numCol="1" spcCol="0" rtlCol="0" fromWordArt="0" anchor="ctr" anchorCtr="0" forceAA="0" compatLnSpc="1">
-            <a:normAutofit/>
+            <a:normAutofit fontScale="92500" lnSpcReduction="10000"/>
           </a:bodyPr>
           <a:lstStyle/>
           <a:p>
             <a:pPr lvl="0" algn="ctr"/>
             <a:r>
-              <a:rPr lang="en-US" altLang="zh-CN" sz="1400" dirty="0">
-                <a:solidFill>
-                  <a:schemeClr val="tx1"/>
-                </a:solidFill>
-                <a:sym typeface="+mn-ea"/>
-              </a:rPr>
-              <a:t>voucher</a:t>
-            </a:r>
-            <a:endParaRPr lang="en-US" altLang="zh-CN" sz="1400" dirty="0">
+              <a:rPr lang="en-US" altLang="zh-CN" sz="1200" dirty="0">
+                <a:solidFill>
+                  <a:schemeClr val="tx1"/>
+                </a:solidFill>
+                <a:sym typeface="+mn-ea"/>
+              </a:rPr>
+              <a:t>basic</a:t>
+            </a:r>
+          </a:p>
+          <a:p>
+            <a:pPr lvl="0" algn="ctr"/>
+            <a:r>
+              <a:rPr lang="en-US" altLang="zh-CN" sz="1200" dirty="0" smtClean="0">
+                <a:solidFill>
+                  <a:schemeClr val="tx1"/>
+                </a:solidFill>
+                <a:sym typeface="+mn-ea"/>
+              </a:rPr>
+              <a:t>Info</a:t>
+            </a:r>
+          </a:p>
+          <a:p>
+            <a:pPr lvl="0" algn="ctr"/>
+            <a:r>
+              <a:rPr lang="en-US" altLang="zh-CN" sz="1200" dirty="0" smtClean="0">
+                <a:solidFill>
+                  <a:schemeClr val="tx1"/>
+                </a:solidFill>
+                <a:sym typeface="+mn-ea"/>
+              </a:rPr>
+              <a:t>15680</a:t>
+            </a:r>
+            <a:endParaRPr lang="en-US" altLang="zh-CN" sz="1200" dirty="0">
               <a:solidFill>
                 <a:schemeClr val="tx1"/>
               </a:solidFill>
@@ -15917,21 +16784,19 @@
       </p:sp>
       <p:sp>
         <p:nvSpPr>
-          <p:cNvPr id="73" name="流程图: 准备 19"/>
+          <p:cNvPr id="13" name="流程图: 准备 12"/>
           <p:cNvSpPr/>
           <p:nvPr/>
         </p:nvSpPr>
         <p:spPr>
           <a:xfrm>
-            <a:off x="2140504" y="5247014"/>
-            <a:ext cx="1061083" cy="484319"/>
+            <a:off x="8094305" y="4337645"/>
+            <a:ext cx="699575" cy="688126"/>
           </a:xfrm>
           <a:prstGeom prst="flowChartPreparation">
             <a:avLst/>
           </a:prstGeom>
-          <a:solidFill>
-            <a:schemeClr val="bg1"/>
-          </a:solidFill>
+          <a:noFill/>
           <a:ln w="28575">
             <a:solidFill>
               <a:schemeClr val="tx1"/>
@@ -15967,7 +16832,2342 @@
           <a:p>
             <a:pPr lvl="0" algn="ctr"/>
             <a:r>
-              <a:rPr lang="en-US" altLang="zh-CN" sz="1400">
+              <a:rPr lang="en-US" altLang="zh-CN" sz="1400" dirty="0" smtClean="0">
+                <a:solidFill>
+                  <a:schemeClr val="tx1"/>
+                </a:solidFill>
+                <a:sym typeface="+mn-ea"/>
+              </a:rPr>
+              <a:t>Login</a:t>
+            </a:r>
+          </a:p>
+          <a:p>
+            <a:pPr lvl="0" algn="ctr"/>
+            <a:r>
+              <a:rPr lang="en-US" altLang="zh-CN" sz="1400" dirty="0" smtClean="0">
+                <a:solidFill>
+                  <a:schemeClr val="tx1"/>
+                </a:solidFill>
+                <a:sym typeface="+mn-ea"/>
+              </a:rPr>
+              <a:t>12342</a:t>
+            </a:r>
+            <a:endParaRPr lang="en-US" altLang="zh-CN" sz="1400" dirty="0">
+              <a:solidFill>
+                <a:schemeClr val="tx1"/>
+              </a:solidFill>
+              <a:sym typeface="+mn-ea"/>
+            </a:endParaRPr>
+          </a:p>
+        </p:txBody>
+      </p:sp>
+      <p:sp>
+        <p:nvSpPr>
+          <p:cNvPr id="14" name="流程图: 准备 13"/>
+          <p:cNvSpPr/>
+          <p:nvPr/>
+        </p:nvSpPr>
+        <p:spPr>
+          <a:xfrm>
+            <a:off x="9001833" y="4335478"/>
+            <a:ext cx="807560" cy="688126"/>
+          </a:xfrm>
+          <a:prstGeom prst="flowChartPreparation">
+            <a:avLst/>
+          </a:prstGeom>
+          <a:noFill/>
+          <a:ln w="28575">
+            <a:solidFill>
+              <a:schemeClr val="tx1"/>
+            </a:solidFill>
+          </a:ln>
+          <a:effectLst>
+            <a:glow>
+              <a:schemeClr val="accent1">
+                <a:alpha val="40000"/>
+              </a:schemeClr>
+            </a:glow>
+          </a:effectLst>
+        </p:spPr>
+        <p:style>
+          <a:lnRef idx="1">
+            <a:schemeClr val="accent6"/>
+          </a:lnRef>
+          <a:fillRef idx="3">
+            <a:schemeClr val="accent6"/>
+          </a:fillRef>
+          <a:effectRef idx="2">
+            <a:schemeClr val="accent6"/>
+          </a:effectRef>
+          <a:fontRef idx="minor">
+            <a:schemeClr val="lt1"/>
+          </a:fontRef>
+        </p:style>
+        <p:txBody>
+          <a:bodyPr vertOverflow="overflow" horzOverflow="overflow" vert="horz" wrap="none" lIns="0" tIns="0" rIns="0" bIns="0" numCol="1" spcCol="0" rtlCol="0" fromWordArt="0" anchor="ctr" anchorCtr="0" forceAA="0" compatLnSpc="1">
+            <a:normAutofit/>
+          </a:bodyPr>
+          <a:lstStyle/>
+          <a:p>
+            <a:pPr lvl="0" algn="ctr"/>
+            <a:r>
+              <a:rPr lang="en-US" altLang="zh-CN" sz="1400" dirty="0" smtClean="0">
+                <a:solidFill>
+                  <a:schemeClr val="tx1"/>
+                </a:solidFill>
+                <a:sym typeface="+mn-ea"/>
+              </a:rPr>
+              <a:t>Register</a:t>
+            </a:r>
+          </a:p>
+          <a:p>
+            <a:pPr lvl="0" algn="ctr"/>
+            <a:r>
+              <a:rPr lang="en-US" altLang="zh-CN" sz="1400" dirty="0" smtClean="0">
+                <a:solidFill>
+                  <a:schemeClr val="tx1"/>
+                </a:solidFill>
+                <a:sym typeface="+mn-ea"/>
+              </a:rPr>
+              <a:t>12344</a:t>
+            </a:r>
+            <a:endParaRPr lang="en-US" altLang="zh-CN" sz="1400" dirty="0">
+              <a:solidFill>
+                <a:schemeClr val="tx1"/>
+              </a:solidFill>
+              <a:sym typeface="+mn-ea"/>
+            </a:endParaRPr>
+          </a:p>
+        </p:txBody>
+      </p:sp>
+      <p:sp>
+        <p:nvSpPr>
+          <p:cNvPr id="15" name="流程图: 准备 14"/>
+          <p:cNvSpPr/>
+          <p:nvPr/>
+        </p:nvSpPr>
+        <p:spPr>
+          <a:xfrm>
+            <a:off x="4714769" y="4164454"/>
+            <a:ext cx="699575" cy="688126"/>
+          </a:xfrm>
+          <a:prstGeom prst="flowChartPreparation">
+            <a:avLst/>
+          </a:prstGeom>
+          <a:noFill/>
+          <a:ln w="28575">
+            <a:solidFill>
+              <a:schemeClr val="tx1"/>
+            </a:solidFill>
+          </a:ln>
+          <a:effectLst>
+            <a:glow>
+              <a:schemeClr val="accent1">
+                <a:alpha val="40000"/>
+              </a:schemeClr>
+            </a:glow>
+          </a:effectLst>
+        </p:spPr>
+        <p:style>
+          <a:lnRef idx="1">
+            <a:schemeClr val="accent6"/>
+          </a:lnRef>
+          <a:fillRef idx="3">
+            <a:schemeClr val="accent6"/>
+          </a:fillRef>
+          <a:effectRef idx="2">
+            <a:schemeClr val="accent6"/>
+          </a:effectRef>
+          <a:fontRef idx="minor">
+            <a:schemeClr val="lt1"/>
+          </a:fontRef>
+        </p:style>
+        <p:txBody>
+          <a:bodyPr vertOverflow="overflow" horzOverflow="overflow" vert="horz" wrap="none" lIns="0" tIns="0" rIns="0" bIns="0" numCol="1" spcCol="0" rtlCol="0" fromWordArt="0" anchor="ctr" anchorCtr="0" forceAA="0" compatLnSpc="1">
+            <a:normAutofit/>
+          </a:bodyPr>
+          <a:lstStyle/>
+          <a:p>
+            <a:pPr lvl="0" algn="ctr"/>
+            <a:r>
+              <a:rPr lang="en-US" altLang="zh-CN" sz="1400" dirty="0" smtClean="0">
+                <a:solidFill>
+                  <a:schemeClr val="tx1"/>
+                </a:solidFill>
+                <a:sym typeface="+mn-ea"/>
+              </a:rPr>
+              <a:t>Notify</a:t>
+            </a:r>
+          </a:p>
+          <a:p>
+            <a:pPr lvl="0" algn="ctr"/>
+            <a:r>
+              <a:rPr lang="en-US" altLang="zh-CN" sz="1400" dirty="0" smtClean="0">
+                <a:solidFill>
+                  <a:schemeClr val="tx1"/>
+                </a:solidFill>
+                <a:sym typeface="+mn-ea"/>
+              </a:rPr>
+              <a:t>17853</a:t>
+            </a:r>
+            <a:endParaRPr lang="en-US" altLang="zh-CN" sz="1400" dirty="0">
+              <a:solidFill>
+                <a:schemeClr val="tx1"/>
+              </a:solidFill>
+              <a:sym typeface="+mn-ea"/>
+            </a:endParaRPr>
+          </a:p>
+        </p:txBody>
+      </p:sp>
+      <p:sp>
+        <p:nvSpPr>
+          <p:cNvPr id="16" name="流程图: 准备 15"/>
+          <p:cNvSpPr/>
+          <p:nvPr/>
+        </p:nvSpPr>
+        <p:spPr>
+          <a:xfrm>
+            <a:off x="6442333" y="3463621"/>
+            <a:ext cx="700373" cy="523260"/>
+          </a:xfrm>
+          <a:prstGeom prst="flowChartPreparation">
+            <a:avLst/>
+          </a:prstGeom>
+          <a:noFill/>
+          <a:ln w="28575">
+            <a:solidFill>
+              <a:schemeClr val="tx1"/>
+            </a:solidFill>
+          </a:ln>
+          <a:effectLst>
+            <a:glow>
+              <a:schemeClr val="accent1">
+                <a:alpha val="40000"/>
+              </a:schemeClr>
+            </a:glow>
+          </a:effectLst>
+        </p:spPr>
+        <p:style>
+          <a:lnRef idx="1">
+            <a:schemeClr val="accent6"/>
+          </a:lnRef>
+          <a:fillRef idx="3">
+            <a:schemeClr val="accent6"/>
+          </a:fillRef>
+          <a:effectRef idx="2">
+            <a:schemeClr val="accent6"/>
+          </a:effectRef>
+          <a:fontRef idx="minor">
+            <a:schemeClr val="lt1"/>
+          </a:fontRef>
+        </p:style>
+        <p:txBody>
+          <a:bodyPr vertOverflow="overflow" horzOverflow="overflow" vert="horz" wrap="none" lIns="0" tIns="0" rIns="0" bIns="0" numCol="1" spcCol="0" rtlCol="0" fromWordArt="0" anchor="ctr" anchorCtr="0" forceAA="0" compatLnSpc="1">
+            <a:normAutofit lnSpcReduction="10000"/>
+          </a:bodyPr>
+          <a:lstStyle/>
+          <a:p>
+            <a:pPr lvl="0" algn="ctr"/>
+            <a:r>
+              <a:rPr lang="en-US" altLang="zh-CN" sz="1200" dirty="0">
+                <a:solidFill>
+                  <a:schemeClr val="tx1"/>
+                </a:solidFill>
+                <a:sym typeface="+mn-ea"/>
+              </a:rPr>
+              <a:t>ticket</a:t>
+            </a:r>
+          </a:p>
+          <a:p>
+            <a:pPr lvl="0" algn="ctr"/>
+            <a:r>
+              <a:rPr lang="en-US" altLang="zh-CN" sz="1200" dirty="0" smtClean="0">
+                <a:solidFill>
+                  <a:schemeClr val="tx1"/>
+                </a:solidFill>
+                <a:sym typeface="+mn-ea"/>
+              </a:rPr>
+              <a:t>Info</a:t>
+            </a:r>
+          </a:p>
+          <a:p>
+            <a:pPr lvl="0" algn="ctr"/>
+            <a:r>
+              <a:rPr lang="en-US" altLang="zh-CN" sz="1200" dirty="0" smtClean="0">
+                <a:solidFill>
+                  <a:schemeClr val="tx1"/>
+                </a:solidFill>
+                <a:sym typeface="+mn-ea"/>
+              </a:rPr>
+              <a:t>15681</a:t>
+            </a:r>
+            <a:endParaRPr lang="en-US" altLang="zh-CN" sz="1200" dirty="0">
+              <a:solidFill>
+                <a:schemeClr val="tx1"/>
+              </a:solidFill>
+              <a:sym typeface="+mn-ea"/>
+            </a:endParaRPr>
+          </a:p>
+        </p:txBody>
+      </p:sp>
+      <p:sp>
+        <p:nvSpPr>
+          <p:cNvPr id="17" name="流程图: 准备 16"/>
+          <p:cNvSpPr/>
+          <p:nvPr/>
+        </p:nvSpPr>
+        <p:spPr>
+          <a:xfrm>
+            <a:off x="5369314" y="3465245"/>
+            <a:ext cx="888085" cy="521636"/>
+          </a:xfrm>
+          <a:prstGeom prst="flowChartPreparation">
+            <a:avLst/>
+          </a:prstGeom>
+          <a:noFill/>
+          <a:ln w="28575">
+            <a:solidFill>
+              <a:schemeClr val="tx1"/>
+            </a:solidFill>
+          </a:ln>
+          <a:effectLst>
+            <a:glow>
+              <a:schemeClr val="accent1">
+                <a:alpha val="40000"/>
+              </a:schemeClr>
+            </a:glow>
+          </a:effectLst>
+        </p:spPr>
+        <p:style>
+          <a:lnRef idx="1">
+            <a:schemeClr val="accent6"/>
+          </a:lnRef>
+          <a:fillRef idx="3">
+            <a:schemeClr val="accent6"/>
+          </a:fillRef>
+          <a:effectRef idx="2">
+            <a:schemeClr val="accent6"/>
+          </a:effectRef>
+          <a:fontRef idx="minor">
+            <a:schemeClr val="lt1"/>
+          </a:fontRef>
+        </p:style>
+        <p:txBody>
+          <a:bodyPr vertOverflow="overflow" horzOverflow="overflow" vert="horz" wrap="none" lIns="0" tIns="0" rIns="0" bIns="0" numCol="1" spcCol="0" rtlCol="0" fromWordArt="0" anchor="ctr" anchorCtr="0" forceAA="0" compatLnSpc="1">
+            <a:normAutofit/>
+          </a:bodyPr>
+          <a:lstStyle/>
+          <a:p>
+            <a:pPr lvl="0" algn="ctr"/>
+            <a:r>
+              <a:rPr lang="en-US" altLang="zh-CN" sz="1200" dirty="0">
+                <a:solidFill>
+                  <a:schemeClr val="tx1"/>
+                </a:solidFill>
+                <a:sym typeface="+mn-ea"/>
+              </a:rPr>
+              <a:t>Order other</a:t>
+            </a:r>
+          </a:p>
+          <a:p>
+            <a:pPr lvl="0" algn="ctr"/>
+            <a:r>
+              <a:rPr lang="en-US" altLang="zh-CN" sz="1200" dirty="0">
+                <a:solidFill>
+                  <a:schemeClr val="tx1"/>
+                </a:solidFill>
+                <a:sym typeface="+mn-ea"/>
+              </a:rPr>
+              <a:t>12032</a:t>
+            </a:r>
+          </a:p>
+        </p:txBody>
+      </p:sp>
+      <p:sp>
+        <p:nvSpPr>
+          <p:cNvPr id="18" name="流程图: 准备 17"/>
+          <p:cNvSpPr/>
+          <p:nvPr/>
+        </p:nvSpPr>
+        <p:spPr>
+          <a:xfrm>
+            <a:off x="6266956" y="2300452"/>
+            <a:ext cx="1029058" cy="688126"/>
+          </a:xfrm>
+          <a:prstGeom prst="flowChartPreparation">
+            <a:avLst/>
+          </a:prstGeom>
+          <a:noFill/>
+          <a:ln w="28575">
+            <a:solidFill>
+              <a:schemeClr val="tx1"/>
+            </a:solidFill>
+          </a:ln>
+          <a:effectLst>
+            <a:glow>
+              <a:schemeClr val="accent1">
+                <a:alpha val="40000"/>
+              </a:schemeClr>
+            </a:glow>
+          </a:effectLst>
+        </p:spPr>
+        <p:style>
+          <a:lnRef idx="1">
+            <a:schemeClr val="accent6"/>
+          </a:lnRef>
+          <a:fillRef idx="3">
+            <a:schemeClr val="accent6"/>
+          </a:fillRef>
+          <a:effectRef idx="2">
+            <a:schemeClr val="accent6"/>
+          </a:effectRef>
+          <a:fontRef idx="minor">
+            <a:schemeClr val="lt1"/>
+          </a:fontRef>
+        </p:style>
+        <p:txBody>
+          <a:bodyPr vertOverflow="overflow" horzOverflow="overflow" vert="horz" wrap="none" lIns="0" tIns="0" rIns="0" bIns="0" numCol="1" spcCol="0" rtlCol="0" fromWordArt="0" anchor="ctr" anchorCtr="0" forceAA="0" compatLnSpc="1">
+            <a:normAutofit/>
+          </a:bodyPr>
+          <a:lstStyle/>
+          <a:p>
+            <a:pPr lvl="0" algn="ctr"/>
+            <a:r>
+              <a:rPr lang="en-US" altLang="zh-CN" sz="1000" dirty="0">
+                <a:solidFill>
+                  <a:schemeClr val="tx1"/>
+                </a:solidFill>
+                <a:sym typeface="+mn-ea"/>
+              </a:rPr>
+              <a:t>high-speed</a:t>
+            </a:r>
+          </a:p>
+          <a:p>
+            <a:pPr lvl="0" algn="ctr"/>
+            <a:r>
+              <a:rPr lang="en-US" altLang="zh-CN" sz="1000" dirty="0" smtClean="0">
+                <a:solidFill>
+                  <a:schemeClr val="tx1"/>
+                </a:solidFill>
+                <a:sym typeface="+mn-ea"/>
+              </a:rPr>
+              <a:t>Travel 2</a:t>
+            </a:r>
+            <a:endParaRPr lang="en-US" altLang="zh-CN" sz="1000" dirty="0">
+              <a:solidFill>
+                <a:schemeClr val="tx1"/>
+              </a:solidFill>
+              <a:sym typeface="+mn-ea"/>
+            </a:endParaRPr>
+          </a:p>
+          <a:p>
+            <a:pPr lvl="0" algn="ctr"/>
+            <a:r>
+              <a:rPr lang="en-US" altLang="zh-CN" sz="1000" dirty="0" smtClean="0">
+                <a:solidFill>
+                  <a:schemeClr val="tx1"/>
+                </a:solidFill>
+                <a:sym typeface="+mn-ea"/>
+              </a:rPr>
+              <a:t>Explore</a:t>
+            </a:r>
+          </a:p>
+          <a:p>
+            <a:pPr algn="ctr"/>
+            <a:r>
+              <a:rPr lang="en-US" altLang="zh-CN" sz="1000" dirty="0">
+                <a:solidFill>
+                  <a:schemeClr val="tx1"/>
+                </a:solidFill>
+                <a:sym typeface="+mn-ea"/>
+              </a:rPr>
+              <a:t>16346</a:t>
+            </a:r>
+          </a:p>
+          <a:p>
+            <a:pPr lvl="0" algn="ctr"/>
+            <a:endParaRPr lang="en-US" altLang="zh-CN" sz="1000" dirty="0">
+              <a:solidFill>
+                <a:schemeClr val="tx1"/>
+              </a:solidFill>
+              <a:sym typeface="+mn-ea"/>
+            </a:endParaRPr>
+          </a:p>
+        </p:txBody>
+      </p:sp>
+      <p:sp>
+        <p:nvSpPr>
+          <p:cNvPr id="19" name="流程图: 准备 18"/>
+          <p:cNvSpPr/>
+          <p:nvPr/>
+        </p:nvSpPr>
+        <p:spPr>
+          <a:xfrm>
+            <a:off x="5504836" y="2311667"/>
+            <a:ext cx="700373" cy="688126"/>
+          </a:xfrm>
+          <a:prstGeom prst="flowChartPreparation">
+            <a:avLst/>
+          </a:prstGeom>
+          <a:noFill/>
+          <a:ln w="28575">
+            <a:solidFill>
+              <a:schemeClr val="tx1"/>
+            </a:solidFill>
+          </a:ln>
+          <a:effectLst>
+            <a:glow>
+              <a:schemeClr val="accent1">
+                <a:alpha val="40000"/>
+              </a:schemeClr>
+            </a:glow>
+          </a:effectLst>
+        </p:spPr>
+        <p:style>
+          <a:lnRef idx="1">
+            <a:schemeClr val="accent6"/>
+          </a:lnRef>
+          <a:fillRef idx="3">
+            <a:schemeClr val="accent6"/>
+          </a:fillRef>
+          <a:effectRef idx="2">
+            <a:schemeClr val="accent6"/>
+          </a:effectRef>
+          <a:fontRef idx="minor">
+            <a:schemeClr val="lt1"/>
+          </a:fontRef>
+        </p:style>
+        <p:txBody>
+          <a:bodyPr vertOverflow="overflow" horzOverflow="overflow" vert="horz" wrap="none" lIns="0" tIns="0" rIns="0" bIns="0" numCol="1" spcCol="0" rtlCol="0" fromWordArt="0" anchor="ctr" anchorCtr="0" forceAA="0" compatLnSpc="1">
+            <a:normAutofit/>
+          </a:bodyPr>
+          <a:lstStyle/>
+          <a:p>
+            <a:pPr lvl="0" algn="ctr"/>
+            <a:r>
+              <a:rPr lang="en-US" altLang="zh-CN" sz="1200" dirty="0">
+                <a:solidFill>
+                  <a:schemeClr val="tx1"/>
+                </a:solidFill>
+                <a:sym typeface="+mn-ea"/>
+              </a:rPr>
+              <a:t>inside</a:t>
+            </a:r>
+          </a:p>
+          <a:p>
+            <a:pPr lvl="0" algn="ctr"/>
+            <a:r>
+              <a:rPr lang="en-US" altLang="zh-CN" sz="1200" dirty="0" smtClean="0">
+                <a:solidFill>
+                  <a:schemeClr val="tx1"/>
+                </a:solidFill>
+                <a:sym typeface="+mn-ea"/>
+              </a:rPr>
+              <a:t>Pay</a:t>
+            </a:r>
+          </a:p>
+          <a:p>
+            <a:pPr lvl="0" algn="ctr"/>
+            <a:r>
+              <a:rPr lang="en-US" altLang="zh-CN" sz="1200" dirty="0" smtClean="0">
+                <a:solidFill>
+                  <a:schemeClr val="tx1"/>
+                </a:solidFill>
+                <a:sym typeface="+mn-ea"/>
+              </a:rPr>
+              <a:t>18673</a:t>
+            </a:r>
+            <a:endParaRPr lang="en-US" altLang="zh-CN" sz="1200" dirty="0">
+              <a:solidFill>
+                <a:schemeClr val="tx1"/>
+              </a:solidFill>
+              <a:sym typeface="+mn-ea"/>
+            </a:endParaRPr>
+          </a:p>
+        </p:txBody>
+      </p:sp>
+      <p:sp>
+        <p:nvSpPr>
+          <p:cNvPr id="20" name="流程图: 准备 19"/>
+          <p:cNvSpPr/>
+          <p:nvPr/>
+        </p:nvSpPr>
+        <p:spPr>
+          <a:xfrm>
+            <a:off x="4525563" y="2311233"/>
+            <a:ext cx="699575" cy="688126"/>
+          </a:xfrm>
+          <a:prstGeom prst="flowChartPreparation">
+            <a:avLst/>
+          </a:prstGeom>
+          <a:noFill/>
+          <a:ln w="28575">
+            <a:solidFill>
+              <a:schemeClr val="tx1"/>
+            </a:solidFill>
+          </a:ln>
+          <a:effectLst>
+            <a:glow>
+              <a:schemeClr val="accent1">
+                <a:alpha val="40000"/>
+              </a:schemeClr>
+            </a:glow>
+          </a:effectLst>
+        </p:spPr>
+        <p:style>
+          <a:lnRef idx="1">
+            <a:schemeClr val="accent6"/>
+          </a:lnRef>
+          <a:fillRef idx="3">
+            <a:schemeClr val="accent6"/>
+          </a:fillRef>
+          <a:effectRef idx="2">
+            <a:schemeClr val="accent6"/>
+          </a:effectRef>
+          <a:fontRef idx="minor">
+            <a:schemeClr val="lt1"/>
+          </a:fontRef>
+        </p:style>
+        <p:txBody>
+          <a:bodyPr vertOverflow="overflow" horzOverflow="overflow" vert="horz" wrap="none" lIns="0" tIns="0" rIns="0" bIns="0" numCol="1" spcCol="0" rtlCol="0" fromWordArt="0" anchor="ctr" anchorCtr="0" forceAA="0" compatLnSpc="1">
+            <a:normAutofit/>
+          </a:bodyPr>
+          <a:lstStyle/>
+          <a:p>
+            <a:pPr lvl="0" algn="ctr"/>
+            <a:r>
+              <a:rPr lang="en-US" altLang="zh-CN" sz="1400" dirty="0" smtClean="0">
+                <a:solidFill>
+                  <a:schemeClr val="tx1"/>
+                </a:solidFill>
+                <a:sym typeface="+mn-ea"/>
+              </a:rPr>
+              <a:t>Pay</a:t>
+            </a:r>
+          </a:p>
+          <a:p>
+            <a:pPr lvl="0" algn="ctr"/>
+            <a:r>
+              <a:rPr lang="en-US" altLang="zh-CN" sz="1400" dirty="0" smtClean="0">
+                <a:solidFill>
+                  <a:schemeClr val="tx1"/>
+                </a:solidFill>
+                <a:sym typeface="+mn-ea"/>
+              </a:rPr>
+              <a:t>19001</a:t>
+            </a:r>
+            <a:endParaRPr lang="en-US" altLang="zh-CN" sz="1400" dirty="0">
+              <a:solidFill>
+                <a:schemeClr val="tx1"/>
+              </a:solidFill>
+              <a:sym typeface="+mn-ea"/>
+            </a:endParaRPr>
+          </a:p>
+        </p:txBody>
+      </p:sp>
+      <p:sp>
+        <p:nvSpPr>
+          <p:cNvPr id="21" name="流程图: 准备 20"/>
+          <p:cNvSpPr/>
+          <p:nvPr/>
+        </p:nvSpPr>
+        <p:spPr>
+          <a:xfrm>
+            <a:off x="3604357" y="2324980"/>
+            <a:ext cx="699575" cy="688126"/>
+          </a:xfrm>
+          <a:prstGeom prst="flowChartPreparation">
+            <a:avLst/>
+          </a:prstGeom>
+          <a:noFill/>
+          <a:ln w="28575">
+            <a:solidFill>
+              <a:schemeClr val="tx1"/>
+            </a:solidFill>
+          </a:ln>
+          <a:effectLst>
+            <a:glow>
+              <a:schemeClr val="accent1">
+                <a:alpha val="40000"/>
+              </a:schemeClr>
+            </a:glow>
+          </a:effectLst>
+        </p:spPr>
+        <p:style>
+          <a:lnRef idx="1">
+            <a:schemeClr val="accent6"/>
+          </a:lnRef>
+          <a:fillRef idx="3">
+            <a:schemeClr val="accent6"/>
+          </a:fillRef>
+          <a:effectRef idx="2">
+            <a:schemeClr val="accent6"/>
+          </a:effectRef>
+          <a:fontRef idx="minor">
+            <a:schemeClr val="lt1"/>
+          </a:fontRef>
+        </p:style>
+        <p:txBody>
+          <a:bodyPr vertOverflow="overflow" horzOverflow="overflow" vert="horz" wrap="none" lIns="0" tIns="0" rIns="0" bIns="0" numCol="1" spcCol="0" rtlCol="0" fromWordArt="0" anchor="ctr" anchorCtr="0" forceAA="0" compatLnSpc="1">
+            <a:normAutofit/>
+          </a:bodyPr>
+          <a:lstStyle/>
+          <a:p>
+            <a:pPr lvl="0" algn="ctr"/>
+            <a:r>
+              <a:rPr lang="en-US" altLang="zh-CN" sz="1200" dirty="0">
+                <a:solidFill>
+                  <a:schemeClr val="tx1"/>
+                </a:solidFill>
+                <a:sym typeface="+mn-ea"/>
+              </a:rPr>
+              <a:t>ticket</a:t>
+            </a:r>
+          </a:p>
+          <a:p>
+            <a:pPr lvl="0" algn="ctr"/>
+            <a:r>
+              <a:rPr lang="en-US" altLang="zh-CN" sz="1200" dirty="0" smtClean="0">
+                <a:solidFill>
+                  <a:schemeClr val="tx1"/>
+                </a:solidFill>
+                <a:sym typeface="+mn-ea"/>
+              </a:rPr>
+              <a:t>Execute</a:t>
+            </a:r>
+          </a:p>
+          <a:p>
+            <a:pPr lvl="0" algn="ctr"/>
+            <a:r>
+              <a:rPr lang="en-US" altLang="zh-CN" sz="1200" dirty="0" smtClean="0">
+                <a:solidFill>
+                  <a:schemeClr val="tx1"/>
+                </a:solidFill>
+                <a:sym typeface="+mn-ea"/>
+              </a:rPr>
+              <a:t>12386</a:t>
+            </a:r>
+            <a:endParaRPr lang="en-US" altLang="zh-CN" sz="1200" dirty="0">
+              <a:solidFill>
+                <a:schemeClr val="tx1"/>
+              </a:solidFill>
+              <a:sym typeface="+mn-ea"/>
+            </a:endParaRPr>
+          </a:p>
+        </p:txBody>
+      </p:sp>
+      <p:sp>
+        <p:nvSpPr>
+          <p:cNvPr id="22" name="流程图: 准备 21"/>
+          <p:cNvSpPr/>
+          <p:nvPr/>
+        </p:nvSpPr>
+        <p:spPr>
+          <a:xfrm>
+            <a:off x="8226677" y="2311233"/>
+            <a:ext cx="699575" cy="688126"/>
+          </a:xfrm>
+          <a:prstGeom prst="flowChartPreparation">
+            <a:avLst/>
+          </a:prstGeom>
+          <a:noFill/>
+          <a:ln w="28575">
+            <a:solidFill>
+              <a:schemeClr val="tx1"/>
+            </a:solidFill>
+          </a:ln>
+          <a:effectLst>
+            <a:glow>
+              <a:schemeClr val="accent1">
+                <a:alpha val="40000"/>
+              </a:schemeClr>
+            </a:glow>
+          </a:effectLst>
+        </p:spPr>
+        <p:style>
+          <a:lnRef idx="1">
+            <a:schemeClr val="accent6"/>
+          </a:lnRef>
+          <a:fillRef idx="3">
+            <a:schemeClr val="accent6"/>
+          </a:fillRef>
+          <a:effectRef idx="2">
+            <a:schemeClr val="accent6"/>
+          </a:effectRef>
+          <a:fontRef idx="minor">
+            <a:schemeClr val="lt1"/>
+          </a:fontRef>
+        </p:style>
+        <p:txBody>
+          <a:bodyPr vertOverflow="overflow" horzOverflow="overflow" vert="horz" wrap="none" lIns="0" tIns="0" rIns="0" bIns="0" numCol="1" spcCol="0" rtlCol="0" fromWordArt="0" anchor="ctr" anchorCtr="0" forceAA="0" compatLnSpc="1">
+            <a:normAutofit/>
+          </a:bodyPr>
+          <a:lstStyle/>
+          <a:p>
+            <a:pPr lvl="0" algn="ctr"/>
+            <a:r>
+              <a:rPr lang="en-US" altLang="zh-CN" sz="1400" dirty="0" smtClean="0">
+                <a:solidFill>
+                  <a:schemeClr val="tx1"/>
+                </a:solidFill>
+                <a:sym typeface="+mn-ea"/>
+              </a:rPr>
+              <a:t>Security</a:t>
+            </a:r>
+          </a:p>
+          <a:p>
+            <a:pPr lvl="0" algn="ctr"/>
+            <a:r>
+              <a:rPr lang="en-US" altLang="zh-CN" sz="1400" dirty="0" smtClean="0">
+                <a:solidFill>
+                  <a:schemeClr val="tx1"/>
+                </a:solidFill>
+                <a:sym typeface="+mn-ea"/>
+              </a:rPr>
+              <a:t>11188</a:t>
+            </a:r>
+            <a:endParaRPr lang="en-US" altLang="zh-CN" sz="1400" dirty="0">
+              <a:solidFill>
+                <a:schemeClr val="tx1"/>
+              </a:solidFill>
+              <a:sym typeface="+mn-ea"/>
+            </a:endParaRPr>
+          </a:p>
+        </p:txBody>
+      </p:sp>
+      <p:sp>
+        <p:nvSpPr>
+          <p:cNvPr id="23" name="流程图: 准备 22"/>
+          <p:cNvSpPr/>
+          <p:nvPr/>
+        </p:nvSpPr>
+        <p:spPr>
+          <a:xfrm>
+            <a:off x="4894629" y="1224308"/>
+            <a:ext cx="699575" cy="688126"/>
+          </a:xfrm>
+          <a:prstGeom prst="flowChartPreparation">
+            <a:avLst/>
+          </a:prstGeom>
+          <a:noFill/>
+          <a:ln w="28575">
+            <a:solidFill>
+              <a:schemeClr val="tx1"/>
+            </a:solidFill>
+          </a:ln>
+          <a:effectLst>
+            <a:glow>
+              <a:schemeClr val="accent1">
+                <a:alpha val="40000"/>
+              </a:schemeClr>
+            </a:glow>
+          </a:effectLst>
+        </p:spPr>
+        <p:style>
+          <a:lnRef idx="1">
+            <a:schemeClr val="accent6"/>
+          </a:lnRef>
+          <a:fillRef idx="3">
+            <a:schemeClr val="accent6"/>
+          </a:fillRef>
+          <a:effectRef idx="2">
+            <a:schemeClr val="accent6"/>
+          </a:effectRef>
+          <a:fontRef idx="minor">
+            <a:schemeClr val="lt1"/>
+          </a:fontRef>
+        </p:style>
+        <p:txBody>
+          <a:bodyPr vertOverflow="overflow" horzOverflow="overflow" vert="horz" wrap="none" lIns="0" tIns="0" rIns="0" bIns="0" numCol="1" spcCol="0" rtlCol="0" fromWordArt="0" anchor="ctr" anchorCtr="0" forceAA="0" compatLnSpc="1">
+            <a:normAutofit/>
+          </a:bodyPr>
+          <a:lstStyle/>
+          <a:p>
+            <a:pPr lvl="0" algn="ctr"/>
+            <a:r>
+              <a:rPr lang="en-US" altLang="zh-CN" sz="1200" dirty="0">
+                <a:solidFill>
+                  <a:schemeClr val="tx1"/>
+                </a:solidFill>
+                <a:sym typeface="+mn-ea"/>
+              </a:rPr>
+              <a:t>ticket </a:t>
+            </a:r>
+          </a:p>
+          <a:p>
+            <a:pPr lvl="0" algn="ctr"/>
+            <a:r>
+              <a:rPr lang="en-US" altLang="zh-CN" sz="1200" dirty="0" smtClean="0">
+                <a:solidFill>
+                  <a:schemeClr val="tx1"/>
+                </a:solidFill>
+                <a:sym typeface="+mn-ea"/>
+              </a:rPr>
+              <a:t>Rebook</a:t>
+            </a:r>
+          </a:p>
+          <a:p>
+            <a:pPr lvl="0" algn="ctr"/>
+            <a:r>
+              <a:rPr lang="en-US" altLang="zh-CN" sz="1200" dirty="0" smtClean="0">
+                <a:solidFill>
+                  <a:schemeClr val="tx1"/>
+                </a:solidFill>
+                <a:sym typeface="+mn-ea"/>
+              </a:rPr>
+              <a:t>18886</a:t>
+            </a:r>
+            <a:endParaRPr lang="en-US" altLang="zh-CN" sz="1200" dirty="0">
+              <a:solidFill>
+                <a:schemeClr val="tx1"/>
+              </a:solidFill>
+              <a:sym typeface="+mn-ea"/>
+            </a:endParaRPr>
+          </a:p>
+        </p:txBody>
+      </p:sp>
+      <p:sp>
+        <p:nvSpPr>
+          <p:cNvPr id="24" name="流程图: 准备 23"/>
+          <p:cNvSpPr/>
+          <p:nvPr/>
+        </p:nvSpPr>
+        <p:spPr>
+          <a:xfrm>
+            <a:off x="6029367" y="1169023"/>
+            <a:ext cx="1102359" cy="688126"/>
+          </a:xfrm>
+          <a:prstGeom prst="flowChartPreparation">
+            <a:avLst/>
+          </a:prstGeom>
+          <a:noFill/>
+          <a:ln w="28575">
+            <a:solidFill>
+              <a:schemeClr val="tx1"/>
+            </a:solidFill>
+          </a:ln>
+          <a:effectLst>
+            <a:glow>
+              <a:schemeClr val="accent1">
+                <a:alpha val="40000"/>
+              </a:schemeClr>
+            </a:glow>
+          </a:effectLst>
+        </p:spPr>
+        <p:style>
+          <a:lnRef idx="1">
+            <a:schemeClr val="accent6"/>
+          </a:lnRef>
+          <a:fillRef idx="3">
+            <a:schemeClr val="accent6"/>
+          </a:fillRef>
+          <a:effectRef idx="2">
+            <a:schemeClr val="accent6"/>
+          </a:effectRef>
+          <a:fontRef idx="minor">
+            <a:schemeClr val="lt1"/>
+          </a:fontRef>
+        </p:style>
+        <p:txBody>
+          <a:bodyPr wrap="none" lIns="0" tIns="0" rIns="0" bIns="0" rtlCol="0" anchor="ctr">
+            <a:normAutofit/>
+          </a:bodyPr>
+          <a:lstStyle/>
+          <a:p>
+            <a:pPr algn="ctr"/>
+            <a:r>
+              <a:rPr lang="en-US" altLang="zh-CN" sz="1100" dirty="0">
+                <a:solidFill>
+                  <a:schemeClr val="tx1"/>
+                </a:solidFill>
+              </a:rPr>
+              <a:t>high-speed</a:t>
+            </a:r>
+          </a:p>
+          <a:p>
+            <a:pPr lvl="0" algn="ctr"/>
+            <a:r>
+              <a:rPr lang="en-US" altLang="zh-CN" sz="1100" dirty="0">
+                <a:solidFill>
+                  <a:schemeClr val="tx1"/>
+                </a:solidFill>
+                <a:sym typeface="+mn-ea"/>
+              </a:rPr>
+              <a:t>P-other</a:t>
+            </a:r>
+          </a:p>
+          <a:p>
+            <a:pPr lvl="0" algn="ctr"/>
+            <a:r>
+              <a:rPr lang="en-US" altLang="zh-CN" sz="1100" dirty="0">
+                <a:solidFill>
+                  <a:schemeClr val="tx1"/>
+                </a:solidFill>
+                <a:sym typeface="+mn-ea"/>
+              </a:rPr>
+              <a:t>14569</a:t>
+            </a:r>
+          </a:p>
+          <a:p>
+            <a:pPr algn="ctr"/>
+            <a:r>
+              <a:rPr lang="en-US" altLang="zh-CN" sz="1100" dirty="0" smtClean="0">
+                <a:solidFill>
+                  <a:schemeClr val="tx1"/>
+                </a:solidFill>
+              </a:rPr>
+              <a:t>reserve</a:t>
+            </a:r>
+            <a:endParaRPr lang="en-US" altLang="zh-CN" sz="1100" dirty="0">
+              <a:solidFill>
+                <a:schemeClr val="tx1"/>
+              </a:solidFill>
+            </a:endParaRPr>
+          </a:p>
+        </p:txBody>
+      </p:sp>
+      <p:sp>
+        <p:nvSpPr>
+          <p:cNvPr id="26" name="流程图: 准备 25"/>
+          <p:cNvSpPr/>
+          <p:nvPr/>
+        </p:nvSpPr>
+        <p:spPr>
+          <a:xfrm>
+            <a:off x="8999434" y="3462229"/>
+            <a:ext cx="699575" cy="541177"/>
+          </a:xfrm>
+          <a:prstGeom prst="flowChartPreparation">
+            <a:avLst/>
+          </a:prstGeom>
+          <a:noFill/>
+          <a:ln w="28575">
+            <a:solidFill>
+              <a:schemeClr val="tx1"/>
+            </a:solidFill>
+          </a:ln>
+          <a:effectLst>
+            <a:glow>
+              <a:schemeClr val="accent1">
+                <a:alpha val="40000"/>
+              </a:schemeClr>
+            </a:glow>
+          </a:effectLst>
+        </p:spPr>
+        <p:style>
+          <a:lnRef idx="1">
+            <a:schemeClr val="accent6"/>
+          </a:lnRef>
+          <a:fillRef idx="3">
+            <a:schemeClr val="accent6"/>
+          </a:fillRef>
+          <a:effectRef idx="2">
+            <a:schemeClr val="accent6"/>
+          </a:effectRef>
+          <a:fontRef idx="minor">
+            <a:schemeClr val="lt1"/>
+          </a:fontRef>
+        </p:style>
+        <p:txBody>
+          <a:bodyPr vertOverflow="overflow" horzOverflow="overflow" vert="horz" wrap="none" lIns="0" tIns="0" rIns="0" bIns="0" numCol="1" spcCol="0" rtlCol="0" fromWordArt="0" anchor="ctr" anchorCtr="0" forceAA="0" compatLnSpc="1">
+            <a:normAutofit/>
+          </a:bodyPr>
+          <a:lstStyle/>
+          <a:p>
+            <a:pPr lvl="0" algn="ctr"/>
+            <a:r>
+              <a:rPr lang="en-US" altLang="zh-CN" sz="1400" dirty="0" smtClean="0">
+                <a:solidFill>
+                  <a:schemeClr val="tx1"/>
+                </a:solidFill>
+                <a:sym typeface="+mn-ea"/>
+              </a:rPr>
+              <a:t>Order</a:t>
+            </a:r>
+          </a:p>
+          <a:p>
+            <a:pPr lvl="0" algn="ctr"/>
+            <a:r>
+              <a:rPr lang="en-US" altLang="zh-CN" sz="1400" dirty="0" smtClean="0">
+                <a:solidFill>
+                  <a:schemeClr val="tx1"/>
+                </a:solidFill>
+                <a:sym typeface="+mn-ea"/>
+              </a:rPr>
+              <a:t>12031</a:t>
+            </a:r>
+            <a:endParaRPr lang="en-US" altLang="zh-CN" sz="1400" dirty="0">
+              <a:solidFill>
+                <a:schemeClr val="tx1"/>
+              </a:solidFill>
+              <a:sym typeface="+mn-ea"/>
+            </a:endParaRPr>
+          </a:p>
+        </p:txBody>
+      </p:sp>
+      <p:sp>
+        <p:nvSpPr>
+          <p:cNvPr id="27" name="流程图: 准备 26"/>
+          <p:cNvSpPr/>
+          <p:nvPr/>
+        </p:nvSpPr>
+        <p:spPr>
+          <a:xfrm>
+            <a:off x="7462599" y="1284675"/>
+            <a:ext cx="981491" cy="583152"/>
+          </a:xfrm>
+          <a:prstGeom prst="flowChartPreparation">
+            <a:avLst/>
+          </a:prstGeom>
+          <a:noFill/>
+          <a:ln w="28575">
+            <a:solidFill>
+              <a:schemeClr val="tx1"/>
+            </a:solidFill>
+          </a:ln>
+          <a:effectLst>
+            <a:glow>
+              <a:schemeClr val="accent1">
+                <a:alpha val="40000"/>
+              </a:schemeClr>
+            </a:glow>
+          </a:effectLst>
+        </p:spPr>
+        <p:style>
+          <a:lnRef idx="1">
+            <a:schemeClr val="accent6"/>
+          </a:lnRef>
+          <a:fillRef idx="3">
+            <a:schemeClr val="accent6"/>
+          </a:fillRef>
+          <a:effectRef idx="2">
+            <a:schemeClr val="accent6"/>
+          </a:effectRef>
+          <a:fontRef idx="minor">
+            <a:schemeClr val="lt1"/>
+          </a:fontRef>
+        </p:style>
+        <p:txBody>
+          <a:bodyPr wrap="none" lIns="0" tIns="0" rIns="0" bIns="0" rtlCol="0" anchor="ctr">
+            <a:noAutofit/>
+          </a:bodyPr>
+          <a:lstStyle/>
+          <a:p>
+            <a:pPr lvl="0" algn="ctr"/>
+            <a:r>
+              <a:rPr lang="en-US" altLang="zh-CN" sz="1400" dirty="0">
+                <a:solidFill>
+                  <a:schemeClr val="tx1"/>
+                </a:solidFill>
+                <a:sym typeface="+mn-ea"/>
+              </a:rPr>
+              <a:t>Preserve</a:t>
+            </a:r>
+          </a:p>
+          <a:p>
+            <a:pPr lvl="0" algn="ctr"/>
+            <a:r>
+              <a:rPr lang="en-US" altLang="zh-CN" sz="1400" dirty="0" smtClean="0">
+                <a:solidFill>
+                  <a:schemeClr val="tx1"/>
+                </a:solidFill>
+                <a:sym typeface="+mn-ea"/>
+              </a:rPr>
+              <a:t>14568</a:t>
+            </a:r>
+            <a:endParaRPr lang="en-US" altLang="zh-CN" sz="1400" dirty="0">
+              <a:solidFill>
+                <a:schemeClr val="tx1"/>
+              </a:solidFill>
+              <a:sym typeface="+mn-ea"/>
+            </a:endParaRPr>
+          </a:p>
+        </p:txBody>
+      </p:sp>
+      <p:sp>
+        <p:nvSpPr>
+          <p:cNvPr id="28" name="流程图: 准备 27"/>
+          <p:cNvSpPr/>
+          <p:nvPr/>
+        </p:nvSpPr>
+        <p:spPr>
+          <a:xfrm>
+            <a:off x="7346415" y="2313836"/>
+            <a:ext cx="741973" cy="1159965"/>
+          </a:xfrm>
+          <a:prstGeom prst="flowChartPreparation">
+            <a:avLst/>
+          </a:prstGeom>
+          <a:noFill/>
+          <a:ln w="28575">
+            <a:solidFill>
+              <a:schemeClr val="tx1"/>
+            </a:solidFill>
+          </a:ln>
+          <a:effectLst>
+            <a:glow>
+              <a:schemeClr val="accent1">
+                <a:alpha val="40000"/>
+              </a:schemeClr>
+            </a:glow>
+          </a:effectLst>
+        </p:spPr>
+        <p:style>
+          <a:lnRef idx="1">
+            <a:schemeClr val="accent6"/>
+          </a:lnRef>
+          <a:fillRef idx="3">
+            <a:schemeClr val="accent6"/>
+          </a:fillRef>
+          <a:effectRef idx="2">
+            <a:schemeClr val="accent6"/>
+          </a:effectRef>
+          <a:fontRef idx="minor">
+            <a:schemeClr val="lt1"/>
+          </a:fontRef>
+        </p:style>
+        <p:txBody>
+          <a:bodyPr vertOverflow="overflow" horzOverflow="overflow" vert="horz" wrap="none" lIns="0" tIns="0" rIns="0" bIns="0" numCol="1" spcCol="0" rtlCol="0" fromWordArt="0" anchor="ctr" anchorCtr="0" forceAA="0" compatLnSpc="1">
+            <a:noAutofit/>
+          </a:bodyPr>
+          <a:lstStyle/>
+          <a:p>
+            <a:pPr lvl="0" algn="ctr"/>
+            <a:r>
+              <a:rPr lang="en-US" altLang="zh-CN" sz="1400" dirty="0" smtClean="0">
+                <a:solidFill>
+                  <a:schemeClr val="tx1"/>
+                </a:solidFill>
+                <a:sym typeface="+mn-ea"/>
+              </a:rPr>
+              <a:t>Travel</a:t>
+            </a:r>
+          </a:p>
+          <a:p>
+            <a:pPr lvl="0" algn="ctr"/>
+            <a:r>
+              <a:rPr lang="en-US" altLang="zh-CN" sz="1400" dirty="0" smtClean="0">
+                <a:solidFill>
+                  <a:schemeClr val="tx1"/>
+                </a:solidFill>
+                <a:sym typeface="+mn-ea"/>
+              </a:rPr>
+              <a:t>12346</a:t>
+            </a:r>
+            <a:endParaRPr lang="en-US" altLang="zh-CN" sz="1400" dirty="0">
+              <a:solidFill>
+                <a:schemeClr val="tx1"/>
+              </a:solidFill>
+              <a:sym typeface="+mn-ea"/>
+            </a:endParaRPr>
+          </a:p>
+          <a:p>
+            <a:pPr lvl="0" algn="ctr"/>
+            <a:r>
+              <a:rPr lang="en-US" altLang="zh-CN" sz="1400" dirty="0" smtClean="0">
+                <a:solidFill>
+                  <a:schemeClr val="tx1"/>
+                </a:solidFill>
+                <a:sym typeface="+mn-ea"/>
+              </a:rPr>
+              <a:t>Explore</a:t>
+            </a:r>
+          </a:p>
+        </p:txBody>
+      </p:sp>
+      <p:sp>
+        <p:nvSpPr>
+          <p:cNvPr id="29" name="流程图: 准备 28"/>
+          <p:cNvSpPr/>
+          <p:nvPr/>
+        </p:nvSpPr>
+        <p:spPr>
+          <a:xfrm>
+            <a:off x="8988000" y="2311234"/>
+            <a:ext cx="699575" cy="688126"/>
+          </a:xfrm>
+          <a:prstGeom prst="flowChartPreparation">
+            <a:avLst/>
+          </a:prstGeom>
+          <a:noFill/>
+          <a:ln w="28575">
+            <a:solidFill>
+              <a:schemeClr val="tx1"/>
+            </a:solidFill>
+          </a:ln>
+          <a:effectLst>
+            <a:glow>
+              <a:schemeClr val="accent1">
+                <a:alpha val="40000"/>
+              </a:schemeClr>
+            </a:glow>
+          </a:effectLst>
+        </p:spPr>
+        <p:style>
+          <a:lnRef idx="1">
+            <a:schemeClr val="accent6"/>
+          </a:lnRef>
+          <a:fillRef idx="3">
+            <a:schemeClr val="accent6"/>
+          </a:fillRef>
+          <a:effectRef idx="2">
+            <a:schemeClr val="accent6"/>
+          </a:effectRef>
+          <a:fontRef idx="minor">
+            <a:schemeClr val="lt1"/>
+          </a:fontRef>
+        </p:style>
+        <p:txBody>
+          <a:bodyPr vertOverflow="overflow" horzOverflow="overflow" vert="horz" wrap="none" lIns="0" tIns="0" rIns="0" bIns="0" numCol="1" spcCol="0" rtlCol="0" fromWordArt="0" anchor="ctr" anchorCtr="0" forceAA="0" compatLnSpc="1">
+            <a:noAutofit/>
+          </a:bodyPr>
+          <a:lstStyle/>
+          <a:p>
+            <a:pPr lvl="0" algn="ctr"/>
+            <a:r>
+              <a:rPr lang="en-US" altLang="zh-CN" sz="1200" dirty="0">
+                <a:solidFill>
+                  <a:schemeClr val="tx1"/>
+                </a:solidFill>
+                <a:sym typeface="+mn-ea"/>
+              </a:rPr>
+              <a:t>cancel</a:t>
+            </a:r>
+          </a:p>
+          <a:p>
+            <a:pPr lvl="0" algn="ctr"/>
+            <a:r>
+              <a:rPr lang="en-US" altLang="zh-CN" sz="1200" dirty="0" smtClean="0">
+                <a:solidFill>
+                  <a:schemeClr val="tx1"/>
+                </a:solidFill>
+                <a:sym typeface="+mn-ea"/>
+              </a:rPr>
+              <a:t>order</a:t>
+            </a:r>
+          </a:p>
+          <a:p>
+            <a:pPr lvl="0" algn="ctr"/>
+            <a:r>
+              <a:rPr lang="en-US" altLang="zh-CN" sz="1200" dirty="0" smtClean="0">
+                <a:solidFill>
+                  <a:schemeClr val="tx1"/>
+                </a:solidFill>
+                <a:sym typeface="+mn-ea"/>
+              </a:rPr>
+              <a:t>18885</a:t>
+            </a:r>
+            <a:endParaRPr lang="en-US" altLang="zh-CN" sz="1200" dirty="0">
+              <a:solidFill>
+                <a:schemeClr val="tx1"/>
+              </a:solidFill>
+              <a:sym typeface="+mn-ea"/>
+            </a:endParaRPr>
+          </a:p>
+        </p:txBody>
+      </p:sp>
+      <p:cxnSp>
+        <p:nvCxnSpPr>
+          <p:cNvPr id="2" name="肘形连接符 1"/>
+          <p:cNvCxnSpPr/>
+          <p:nvPr/>
+        </p:nvCxnSpPr>
+        <p:spPr>
+          <a:xfrm rot="16200000" flipH="1">
+            <a:off x="6446582" y="1092823"/>
+            <a:ext cx="232905" cy="566"/>
+          </a:xfrm>
+          <a:prstGeom prst="bentConnector3">
+            <a:avLst>
+              <a:gd name="adj1" fmla="val 50000"/>
+            </a:avLst>
+          </a:prstGeom>
+          <a:ln w="19050">
+            <a:solidFill>
+              <a:schemeClr val="tx1"/>
+            </a:solidFill>
+            <a:tailEnd type="arrow"/>
+          </a:ln>
+        </p:spPr>
+        <p:style>
+          <a:lnRef idx="1">
+            <a:schemeClr val="accent1"/>
+          </a:lnRef>
+          <a:fillRef idx="0">
+            <a:schemeClr val="accent1"/>
+          </a:fillRef>
+          <a:effectRef idx="0">
+            <a:schemeClr val="accent1"/>
+          </a:effectRef>
+          <a:fontRef idx="minor">
+            <a:schemeClr val="tx1"/>
+          </a:fontRef>
+        </p:style>
+      </p:cxnSp>
+      <p:cxnSp>
+        <p:nvCxnSpPr>
+          <p:cNvPr id="3" name="肘形连接符 2"/>
+          <p:cNvCxnSpPr>
+            <a:endCxn id="23" idx="0"/>
+          </p:cNvCxnSpPr>
+          <p:nvPr/>
+        </p:nvCxnSpPr>
+        <p:spPr>
+          <a:xfrm rot="10800000" flipV="1">
+            <a:off x="5244418" y="970064"/>
+            <a:ext cx="1318331" cy="254244"/>
+          </a:xfrm>
+          <a:prstGeom prst="bentConnector2">
+            <a:avLst/>
+          </a:prstGeom>
+          <a:ln w="19050">
+            <a:solidFill>
+              <a:schemeClr val="tx1"/>
+            </a:solidFill>
+            <a:tailEnd type="arrow"/>
+          </a:ln>
+        </p:spPr>
+        <p:style>
+          <a:lnRef idx="1">
+            <a:schemeClr val="accent1"/>
+          </a:lnRef>
+          <a:fillRef idx="0">
+            <a:schemeClr val="accent1"/>
+          </a:fillRef>
+          <a:effectRef idx="0">
+            <a:schemeClr val="accent1"/>
+          </a:effectRef>
+          <a:fontRef idx="minor">
+            <a:schemeClr val="tx1"/>
+          </a:fontRef>
+        </p:style>
+      </p:cxnSp>
+      <p:cxnSp>
+        <p:nvCxnSpPr>
+          <p:cNvPr id="34" name="肘形连接符 33"/>
+          <p:cNvCxnSpPr>
+            <a:endCxn id="27" idx="0"/>
+          </p:cNvCxnSpPr>
+          <p:nvPr/>
+        </p:nvCxnSpPr>
+        <p:spPr>
+          <a:xfrm>
+            <a:off x="6539158" y="976652"/>
+            <a:ext cx="1401298" cy="203049"/>
+          </a:xfrm>
+          <a:prstGeom prst="bentConnector2">
+            <a:avLst/>
+          </a:prstGeom>
+          <a:ln w="19050">
+            <a:solidFill>
+              <a:schemeClr val="tx1"/>
+            </a:solidFill>
+            <a:tailEnd type="arrow"/>
+          </a:ln>
+        </p:spPr>
+        <p:style>
+          <a:lnRef idx="1">
+            <a:schemeClr val="accent1"/>
+          </a:lnRef>
+          <a:fillRef idx="0">
+            <a:schemeClr val="accent1"/>
+          </a:fillRef>
+          <a:effectRef idx="0">
+            <a:schemeClr val="accent1"/>
+          </a:effectRef>
+          <a:fontRef idx="minor">
+            <a:schemeClr val="tx1"/>
+          </a:fontRef>
+        </p:style>
+      </p:cxnSp>
+      <p:cxnSp>
+        <p:nvCxnSpPr>
+          <p:cNvPr id="35" name="肘形连接符 34"/>
+          <p:cNvCxnSpPr>
+            <a:stCxn id="24" idx="2"/>
+            <a:endCxn id="18" idx="0"/>
+          </p:cNvCxnSpPr>
+          <p:nvPr/>
+        </p:nvCxnSpPr>
+        <p:spPr>
+          <a:xfrm rot="16200000" flipH="1">
+            <a:off x="6459365" y="1978331"/>
+            <a:ext cx="443303" cy="200938"/>
+          </a:xfrm>
+          <a:prstGeom prst="bentConnector3">
+            <a:avLst>
+              <a:gd name="adj1" fmla="val 56876"/>
+            </a:avLst>
+          </a:prstGeom>
+          <a:ln w="19050">
+            <a:solidFill>
+              <a:schemeClr val="tx1"/>
+            </a:solidFill>
+            <a:tailEnd type="arrow"/>
+          </a:ln>
+        </p:spPr>
+        <p:style>
+          <a:lnRef idx="1">
+            <a:schemeClr val="accent1"/>
+          </a:lnRef>
+          <a:fillRef idx="0">
+            <a:schemeClr val="accent1"/>
+          </a:fillRef>
+          <a:effectRef idx="0">
+            <a:schemeClr val="accent1"/>
+          </a:effectRef>
+          <a:fontRef idx="minor">
+            <a:schemeClr val="tx1"/>
+          </a:fontRef>
+        </p:style>
+      </p:cxnSp>
+      <p:cxnSp>
+        <p:nvCxnSpPr>
+          <p:cNvPr id="46" name="肘形连接符 45"/>
+          <p:cNvCxnSpPr>
+            <a:stCxn id="27" idx="2"/>
+            <a:endCxn id="28" idx="0"/>
+          </p:cNvCxnSpPr>
+          <p:nvPr/>
+        </p:nvCxnSpPr>
+        <p:spPr>
+          <a:xfrm rot="5400000">
+            <a:off x="7615288" y="1988667"/>
+            <a:ext cx="446009" cy="204329"/>
+          </a:xfrm>
+          <a:prstGeom prst="bentConnector3">
+            <a:avLst>
+              <a:gd name="adj1" fmla="val 55126"/>
+            </a:avLst>
+          </a:prstGeom>
+          <a:ln w="19050">
+            <a:solidFill>
+              <a:schemeClr val="tx1"/>
+            </a:solidFill>
+            <a:tailEnd type="arrow"/>
+          </a:ln>
+        </p:spPr>
+        <p:style>
+          <a:lnRef idx="1">
+            <a:schemeClr val="accent1"/>
+          </a:lnRef>
+          <a:fillRef idx="0">
+            <a:schemeClr val="accent1"/>
+          </a:fillRef>
+          <a:effectRef idx="0">
+            <a:schemeClr val="accent1"/>
+          </a:effectRef>
+          <a:fontRef idx="minor">
+            <a:schemeClr val="tx1"/>
+          </a:fontRef>
+        </p:style>
+      </p:cxnSp>
+      <p:cxnSp>
+        <p:nvCxnSpPr>
+          <p:cNvPr id="47" name="肘形连接符 46"/>
+          <p:cNvCxnSpPr>
+            <a:stCxn id="18" idx="2"/>
+            <a:endCxn id="17" idx="0"/>
+          </p:cNvCxnSpPr>
+          <p:nvPr/>
+        </p:nvCxnSpPr>
+        <p:spPr>
+          <a:xfrm rot="5400000">
+            <a:off x="6059088" y="2742847"/>
+            <a:ext cx="476667" cy="968128"/>
+          </a:xfrm>
+          <a:prstGeom prst="bentConnector3">
+            <a:avLst>
+              <a:gd name="adj1" fmla="val 50000"/>
+            </a:avLst>
+          </a:prstGeom>
+          <a:ln w="19050">
+            <a:solidFill>
+              <a:schemeClr val="tx1"/>
+            </a:solidFill>
+            <a:tailEnd type="arrow"/>
+          </a:ln>
+        </p:spPr>
+        <p:style>
+          <a:lnRef idx="1">
+            <a:schemeClr val="accent1"/>
+          </a:lnRef>
+          <a:fillRef idx="0">
+            <a:schemeClr val="accent1"/>
+          </a:fillRef>
+          <a:effectRef idx="0">
+            <a:schemeClr val="accent1"/>
+          </a:effectRef>
+          <a:fontRef idx="minor">
+            <a:schemeClr val="tx1"/>
+          </a:fontRef>
+        </p:style>
+      </p:cxnSp>
+      <p:cxnSp>
+        <p:nvCxnSpPr>
+          <p:cNvPr id="53" name="肘形连接符 52"/>
+          <p:cNvCxnSpPr>
+            <a:stCxn id="13" idx="2"/>
+            <a:endCxn id="7" idx="0"/>
+          </p:cNvCxnSpPr>
+          <p:nvPr/>
+        </p:nvCxnSpPr>
+        <p:spPr>
+          <a:xfrm rot="16200000" flipH="1">
+            <a:off x="8341350" y="5128514"/>
+            <a:ext cx="208359" cy="2873"/>
+          </a:xfrm>
+          <a:prstGeom prst="bentConnector3">
+            <a:avLst>
+              <a:gd name="adj1" fmla="val 50000"/>
+            </a:avLst>
+          </a:prstGeom>
+          <a:ln w="19050">
+            <a:solidFill>
+              <a:schemeClr val="tx1"/>
+            </a:solidFill>
+            <a:tailEnd type="arrow"/>
+          </a:ln>
+        </p:spPr>
+        <p:style>
+          <a:lnRef idx="1">
+            <a:schemeClr val="accent1"/>
+          </a:lnRef>
+          <a:fillRef idx="0">
+            <a:schemeClr val="accent1"/>
+          </a:fillRef>
+          <a:effectRef idx="0">
+            <a:schemeClr val="accent1"/>
+          </a:effectRef>
+          <a:fontRef idx="minor">
+            <a:schemeClr val="tx1"/>
+          </a:fontRef>
+        </p:style>
+      </p:cxnSp>
+      <p:cxnSp>
+        <p:nvCxnSpPr>
+          <p:cNvPr id="78" name="肘形连接符 77"/>
+          <p:cNvCxnSpPr>
+            <a:stCxn id="19" idx="1"/>
+            <a:endCxn id="20" idx="3"/>
+          </p:cNvCxnSpPr>
+          <p:nvPr/>
+        </p:nvCxnSpPr>
+        <p:spPr>
+          <a:xfrm rot="10800000">
+            <a:off x="5225138" y="2655296"/>
+            <a:ext cx="279698" cy="434"/>
+          </a:xfrm>
+          <a:prstGeom prst="bentConnector3">
+            <a:avLst>
+              <a:gd name="adj1" fmla="val 50000"/>
+            </a:avLst>
+          </a:prstGeom>
+          <a:ln w="19050">
+            <a:solidFill>
+              <a:schemeClr val="tx1"/>
+            </a:solidFill>
+            <a:tailEnd type="arrow"/>
+          </a:ln>
+        </p:spPr>
+        <p:style>
+          <a:lnRef idx="1">
+            <a:schemeClr val="accent1"/>
+          </a:lnRef>
+          <a:fillRef idx="0">
+            <a:schemeClr val="accent1"/>
+          </a:fillRef>
+          <a:effectRef idx="0">
+            <a:schemeClr val="accent1"/>
+          </a:effectRef>
+          <a:fontRef idx="minor">
+            <a:schemeClr val="tx1"/>
+          </a:fontRef>
+        </p:style>
+      </p:cxnSp>
+      <p:cxnSp>
+        <p:nvCxnSpPr>
+          <p:cNvPr id="87" name="肘形连接符 86"/>
+          <p:cNvCxnSpPr>
+            <a:stCxn id="23" idx="2"/>
+            <a:endCxn id="19" idx="0"/>
+          </p:cNvCxnSpPr>
+          <p:nvPr/>
+        </p:nvCxnSpPr>
+        <p:spPr>
+          <a:xfrm rot="16200000" flipH="1">
+            <a:off x="5350104" y="1806747"/>
+            <a:ext cx="399233" cy="610606"/>
+          </a:xfrm>
+          <a:prstGeom prst="bentConnector3">
+            <a:avLst>
+              <a:gd name="adj1" fmla="val 50000"/>
+            </a:avLst>
+          </a:prstGeom>
+          <a:ln w="19050">
+            <a:solidFill>
+              <a:schemeClr val="tx1"/>
+            </a:solidFill>
+            <a:tailEnd type="arrow"/>
+          </a:ln>
+        </p:spPr>
+        <p:style>
+          <a:lnRef idx="1">
+            <a:schemeClr val="accent1"/>
+          </a:lnRef>
+          <a:fillRef idx="0">
+            <a:schemeClr val="accent1"/>
+          </a:fillRef>
+          <a:effectRef idx="0">
+            <a:schemeClr val="accent1"/>
+          </a:effectRef>
+          <a:fontRef idx="minor">
+            <a:schemeClr val="tx1"/>
+          </a:fontRef>
+        </p:style>
+      </p:cxnSp>
+      <p:cxnSp>
+        <p:nvCxnSpPr>
+          <p:cNvPr id="6" name="肘形连接符 5"/>
+          <p:cNvCxnSpPr>
+            <a:stCxn id="28" idx="2"/>
+            <a:endCxn id="26" idx="1"/>
+          </p:cNvCxnSpPr>
+          <p:nvPr/>
+        </p:nvCxnSpPr>
+        <p:spPr>
+          <a:xfrm rot="16200000" flipH="1">
+            <a:off x="8228910" y="2962293"/>
+            <a:ext cx="259017" cy="1282032"/>
+          </a:xfrm>
+          <a:prstGeom prst="bentConnector2">
+            <a:avLst/>
+          </a:prstGeom>
+          <a:ln w="19050">
+            <a:solidFill>
+              <a:schemeClr val="tx1"/>
+            </a:solidFill>
+            <a:tailEnd type="arrow"/>
+          </a:ln>
+        </p:spPr>
+        <p:style>
+          <a:lnRef idx="1">
+            <a:schemeClr val="accent1"/>
+          </a:lnRef>
+          <a:fillRef idx="0">
+            <a:schemeClr val="accent1"/>
+          </a:fillRef>
+          <a:effectRef idx="0">
+            <a:schemeClr val="accent1"/>
+          </a:effectRef>
+          <a:fontRef idx="minor">
+            <a:schemeClr val="tx1"/>
+          </a:fontRef>
+        </p:style>
+      </p:cxnSp>
+      <p:cxnSp>
+        <p:nvCxnSpPr>
+          <p:cNvPr id="36" name="肘形连接符 35"/>
+          <p:cNvCxnSpPr>
+            <a:stCxn id="28" idx="2"/>
+            <a:endCxn id="16" idx="3"/>
+          </p:cNvCxnSpPr>
+          <p:nvPr/>
+        </p:nvCxnSpPr>
+        <p:spPr>
+          <a:xfrm rot="5400000">
+            <a:off x="7304329" y="3312178"/>
+            <a:ext cx="251450" cy="574696"/>
+          </a:xfrm>
+          <a:prstGeom prst="bentConnector2">
+            <a:avLst/>
+          </a:prstGeom>
+          <a:ln w="19050">
+            <a:solidFill>
+              <a:schemeClr val="tx1"/>
+            </a:solidFill>
+            <a:tailEnd type="arrow"/>
+          </a:ln>
+        </p:spPr>
+        <p:style>
+          <a:lnRef idx="1">
+            <a:schemeClr val="accent1"/>
+          </a:lnRef>
+          <a:fillRef idx="0">
+            <a:schemeClr val="accent1"/>
+          </a:fillRef>
+          <a:effectRef idx="0">
+            <a:schemeClr val="accent1"/>
+          </a:effectRef>
+          <a:fontRef idx="minor">
+            <a:schemeClr val="tx1"/>
+          </a:fontRef>
+        </p:style>
+      </p:cxnSp>
+      <p:cxnSp>
+        <p:nvCxnSpPr>
+          <p:cNvPr id="40" name="肘形连接符 39"/>
+          <p:cNvCxnSpPr>
+            <a:stCxn id="17" idx="1"/>
+            <a:endCxn id="15" idx="0"/>
+          </p:cNvCxnSpPr>
+          <p:nvPr/>
+        </p:nvCxnSpPr>
+        <p:spPr>
+          <a:xfrm rot="10800000" flipV="1">
+            <a:off x="5064558" y="3726062"/>
+            <a:ext cx="304757" cy="438391"/>
+          </a:xfrm>
+          <a:prstGeom prst="bentConnector2">
+            <a:avLst/>
+          </a:prstGeom>
+          <a:ln w="19050">
+            <a:solidFill>
+              <a:schemeClr val="tx1"/>
+            </a:solidFill>
+            <a:tailEnd type="arrow"/>
+          </a:ln>
+        </p:spPr>
+        <p:style>
+          <a:lnRef idx="1">
+            <a:schemeClr val="accent1"/>
+          </a:lnRef>
+          <a:fillRef idx="0">
+            <a:schemeClr val="accent1"/>
+          </a:fillRef>
+          <a:effectRef idx="0">
+            <a:schemeClr val="accent1"/>
+          </a:effectRef>
+          <a:fontRef idx="minor">
+            <a:schemeClr val="tx1"/>
+          </a:fontRef>
+        </p:style>
+      </p:cxnSp>
+      <p:cxnSp>
+        <p:nvCxnSpPr>
+          <p:cNvPr id="94" name="肘形连接符 93"/>
+          <p:cNvCxnSpPr>
+            <a:stCxn id="13" idx="2"/>
+            <a:endCxn id="11" idx="0"/>
+          </p:cNvCxnSpPr>
+          <p:nvPr/>
+        </p:nvCxnSpPr>
+        <p:spPr>
+          <a:xfrm rot="16200000" flipH="1">
+            <a:off x="8793146" y="4676717"/>
+            <a:ext cx="209421" cy="907530"/>
+          </a:xfrm>
+          <a:prstGeom prst="bentConnector3">
+            <a:avLst>
+              <a:gd name="adj1" fmla="val 41720"/>
+            </a:avLst>
+          </a:prstGeom>
+          <a:ln w="19050">
+            <a:solidFill>
+              <a:schemeClr val="tx1"/>
+            </a:solidFill>
+            <a:tailEnd type="arrow"/>
+          </a:ln>
+        </p:spPr>
+        <p:style>
+          <a:lnRef idx="1">
+            <a:schemeClr val="accent1"/>
+          </a:lnRef>
+          <a:fillRef idx="0">
+            <a:schemeClr val="accent1"/>
+          </a:fillRef>
+          <a:effectRef idx="0">
+            <a:schemeClr val="accent1"/>
+          </a:effectRef>
+          <a:fontRef idx="minor">
+            <a:schemeClr val="tx1"/>
+          </a:fontRef>
+        </p:style>
+      </p:cxnSp>
+      <p:cxnSp>
+        <p:nvCxnSpPr>
+          <p:cNvPr id="100" name="肘形连接符 99"/>
+          <p:cNvCxnSpPr>
+            <a:stCxn id="12" idx="2"/>
+            <a:endCxn id="4" idx="0"/>
+          </p:cNvCxnSpPr>
+          <p:nvPr/>
+        </p:nvCxnSpPr>
+        <p:spPr>
+          <a:xfrm rot="5400000">
+            <a:off x="4801824" y="3249517"/>
+            <a:ext cx="436210" cy="3535141"/>
+          </a:xfrm>
+          <a:prstGeom prst="bentConnector3">
+            <a:avLst>
+              <a:gd name="adj1" fmla="val 50000"/>
+            </a:avLst>
+          </a:prstGeom>
+          <a:ln w="19050">
+            <a:solidFill>
+              <a:schemeClr val="tx1"/>
+            </a:solidFill>
+            <a:tailEnd type="arrow"/>
+          </a:ln>
+        </p:spPr>
+        <p:style>
+          <a:lnRef idx="1">
+            <a:schemeClr val="accent1"/>
+          </a:lnRef>
+          <a:fillRef idx="0">
+            <a:schemeClr val="accent1"/>
+          </a:fillRef>
+          <a:effectRef idx="0">
+            <a:schemeClr val="accent1"/>
+          </a:effectRef>
+          <a:fontRef idx="minor">
+            <a:schemeClr val="tx1"/>
+          </a:fontRef>
+        </p:style>
+      </p:cxnSp>
+      <p:cxnSp>
+        <p:nvCxnSpPr>
+          <p:cNvPr id="197" name="直接箭头连接符 196"/>
+          <p:cNvCxnSpPr>
+            <a:stCxn id="29" idx="2"/>
+            <a:endCxn id="26" idx="0"/>
+          </p:cNvCxnSpPr>
+          <p:nvPr/>
+        </p:nvCxnSpPr>
+        <p:spPr>
+          <a:xfrm>
+            <a:off x="9337788" y="2999360"/>
+            <a:ext cx="11434" cy="462869"/>
+          </a:xfrm>
+          <a:prstGeom prst="straightConnector1">
+            <a:avLst/>
+          </a:prstGeom>
+          <a:ln>
+            <a:headEnd type="none" w="med" len="med"/>
+            <a:tailEnd type="arrow" w="med" len="med"/>
+          </a:ln>
+        </p:spPr>
+        <p:style>
+          <a:lnRef idx="3">
+            <a:schemeClr val="dk1"/>
+          </a:lnRef>
+          <a:fillRef idx="0">
+            <a:schemeClr val="dk1"/>
+          </a:fillRef>
+          <a:effectRef idx="2">
+            <a:schemeClr val="dk1"/>
+          </a:effectRef>
+          <a:fontRef idx="minor">
+            <a:schemeClr val="tx1"/>
+          </a:fontRef>
+        </p:style>
+      </p:cxnSp>
+      <p:cxnSp>
+        <p:nvCxnSpPr>
+          <p:cNvPr id="199" name="肘形连接符 198"/>
+          <p:cNvCxnSpPr>
+            <a:stCxn id="12" idx="2"/>
+            <a:endCxn id="5" idx="0"/>
+          </p:cNvCxnSpPr>
+          <p:nvPr/>
+        </p:nvCxnSpPr>
+        <p:spPr>
+          <a:xfrm rot="16200000" flipH="1">
+            <a:off x="6971296" y="4615184"/>
+            <a:ext cx="429707" cy="797301"/>
+          </a:xfrm>
+          <a:prstGeom prst="bentConnector3">
+            <a:avLst>
+              <a:gd name="adj1" fmla="val 50000"/>
+            </a:avLst>
+          </a:prstGeom>
+          <a:ln w="19050">
+            <a:solidFill>
+              <a:schemeClr val="tx1"/>
+            </a:solidFill>
+            <a:tailEnd type="arrow"/>
+          </a:ln>
+        </p:spPr>
+        <p:style>
+          <a:lnRef idx="1">
+            <a:schemeClr val="accent1"/>
+          </a:lnRef>
+          <a:fillRef idx="0">
+            <a:schemeClr val="accent1"/>
+          </a:fillRef>
+          <a:effectRef idx="0">
+            <a:schemeClr val="accent1"/>
+          </a:effectRef>
+          <a:fontRef idx="minor">
+            <a:schemeClr val="tx1"/>
+          </a:fontRef>
+        </p:style>
+      </p:cxnSp>
+      <p:cxnSp>
+        <p:nvCxnSpPr>
+          <p:cNvPr id="205" name="直接箭头连接符 204"/>
+          <p:cNvCxnSpPr>
+            <a:endCxn id="9" idx="0"/>
+          </p:cNvCxnSpPr>
+          <p:nvPr/>
+        </p:nvCxnSpPr>
+        <p:spPr>
+          <a:xfrm>
+            <a:off x="5388246" y="5021531"/>
+            <a:ext cx="840" cy="218757"/>
+          </a:xfrm>
+          <a:prstGeom prst="straightConnector1">
+            <a:avLst/>
+          </a:prstGeom>
+          <a:ln>
+            <a:headEnd type="none" w="med" len="med"/>
+            <a:tailEnd type="arrow" w="med" len="med"/>
+          </a:ln>
+        </p:spPr>
+        <p:style>
+          <a:lnRef idx="3">
+            <a:schemeClr val="dk1"/>
+          </a:lnRef>
+          <a:fillRef idx="0">
+            <a:schemeClr val="dk1"/>
+          </a:fillRef>
+          <a:effectRef idx="2">
+            <a:schemeClr val="dk1"/>
+          </a:effectRef>
+          <a:fontRef idx="minor">
+            <a:schemeClr val="tx1"/>
+          </a:fontRef>
+        </p:style>
+      </p:cxnSp>
+      <p:cxnSp>
+        <p:nvCxnSpPr>
+          <p:cNvPr id="214" name="直接箭头连接符 213"/>
+          <p:cNvCxnSpPr>
+            <a:stCxn id="18" idx="2"/>
+            <a:endCxn id="16" idx="0"/>
+          </p:cNvCxnSpPr>
+          <p:nvPr/>
+        </p:nvCxnSpPr>
+        <p:spPr>
+          <a:xfrm>
+            <a:off x="6781485" y="2988578"/>
+            <a:ext cx="11035" cy="475043"/>
+          </a:xfrm>
+          <a:prstGeom prst="straightConnector1">
+            <a:avLst/>
+          </a:prstGeom>
+          <a:ln>
+            <a:headEnd type="none" w="med" len="med"/>
+            <a:tailEnd type="arrow" w="med" len="med"/>
+          </a:ln>
+        </p:spPr>
+        <p:style>
+          <a:lnRef idx="3">
+            <a:schemeClr val="dk1"/>
+          </a:lnRef>
+          <a:fillRef idx="0">
+            <a:schemeClr val="dk1"/>
+          </a:fillRef>
+          <a:effectRef idx="2">
+            <a:schemeClr val="dk1"/>
+          </a:effectRef>
+          <a:fontRef idx="minor">
+            <a:schemeClr val="tx1"/>
+          </a:fontRef>
+        </p:style>
+      </p:cxnSp>
+      <p:cxnSp>
+        <p:nvCxnSpPr>
+          <p:cNvPr id="55" name="肘形连接符 54"/>
+          <p:cNvCxnSpPr>
+            <a:stCxn id="27" idx="2"/>
+            <a:endCxn id="22" idx="0"/>
+          </p:cNvCxnSpPr>
+          <p:nvPr/>
+        </p:nvCxnSpPr>
+        <p:spPr>
+          <a:xfrm rot="16200000" flipH="1">
+            <a:off x="8036757" y="1771525"/>
+            <a:ext cx="443406" cy="636009"/>
+          </a:xfrm>
+          <a:prstGeom prst="bentConnector3">
+            <a:avLst>
+              <a:gd name="adj1" fmla="val 55156"/>
+            </a:avLst>
+          </a:prstGeom>
+          <a:ln w="19050">
+            <a:solidFill>
+              <a:schemeClr val="tx1"/>
+            </a:solidFill>
+            <a:tailEnd type="arrow"/>
+          </a:ln>
+        </p:spPr>
+        <p:style>
+          <a:lnRef idx="1">
+            <a:schemeClr val="accent1"/>
+          </a:lnRef>
+          <a:fillRef idx="0">
+            <a:schemeClr val="accent1"/>
+          </a:fillRef>
+          <a:effectRef idx="0">
+            <a:schemeClr val="accent1"/>
+          </a:effectRef>
+          <a:fontRef idx="minor">
+            <a:schemeClr val="tx1"/>
+          </a:fontRef>
+        </p:style>
+      </p:cxnSp>
+      <p:cxnSp>
+        <p:nvCxnSpPr>
+          <p:cNvPr id="61" name="直接箭头连接符 60"/>
+          <p:cNvCxnSpPr>
+            <a:stCxn id="14" idx="2"/>
+            <a:endCxn id="11" idx="0"/>
+          </p:cNvCxnSpPr>
+          <p:nvPr/>
+        </p:nvCxnSpPr>
+        <p:spPr>
+          <a:xfrm>
+            <a:off x="9351621" y="5023604"/>
+            <a:ext cx="0" cy="211588"/>
+          </a:xfrm>
+          <a:prstGeom prst="straightConnector1">
+            <a:avLst/>
+          </a:prstGeom>
+          <a:ln>
+            <a:headEnd type="none" w="med" len="med"/>
+            <a:tailEnd type="arrow" w="med" len="med"/>
+          </a:ln>
+        </p:spPr>
+        <p:style>
+          <a:lnRef idx="3">
+            <a:schemeClr val="dk1"/>
+          </a:lnRef>
+          <a:fillRef idx="0">
+            <a:schemeClr val="dk1"/>
+          </a:fillRef>
+          <a:effectRef idx="2">
+            <a:schemeClr val="dk1"/>
+          </a:effectRef>
+          <a:fontRef idx="minor">
+            <a:schemeClr val="tx1"/>
+          </a:fontRef>
+        </p:style>
+      </p:cxnSp>
+      <p:cxnSp>
+        <p:nvCxnSpPr>
+          <p:cNvPr id="64" name="肘形连接符 63"/>
+          <p:cNvCxnSpPr>
+            <a:stCxn id="21" idx="2"/>
+          </p:cNvCxnSpPr>
+          <p:nvPr/>
+        </p:nvCxnSpPr>
+        <p:spPr>
+          <a:xfrm rot="16200000" flipH="1">
+            <a:off x="4779968" y="2187282"/>
+            <a:ext cx="215988" cy="1867635"/>
+          </a:xfrm>
+          <a:prstGeom prst="bentConnector2">
+            <a:avLst/>
+          </a:prstGeom>
+          <a:ln w="19050">
+            <a:solidFill>
+              <a:schemeClr val="tx1"/>
+            </a:solidFill>
+            <a:tailEnd type="none"/>
+          </a:ln>
+        </p:spPr>
+        <p:style>
+          <a:lnRef idx="1">
+            <a:schemeClr val="accent1"/>
+          </a:lnRef>
+          <a:fillRef idx="0">
+            <a:schemeClr val="accent1"/>
+          </a:fillRef>
+          <a:effectRef idx="0">
+            <a:schemeClr val="accent1"/>
+          </a:effectRef>
+          <a:fontRef idx="minor">
+            <a:schemeClr val="tx1"/>
+          </a:fontRef>
+        </p:style>
+      </p:cxnSp>
+      <p:sp>
+        <p:nvSpPr>
+          <p:cNvPr id="88" name="流程图: 准备 19"/>
+          <p:cNvSpPr/>
+          <p:nvPr/>
+        </p:nvSpPr>
+        <p:spPr>
+          <a:xfrm>
+            <a:off x="2511905" y="1124774"/>
+            <a:ext cx="2382273" cy="779715"/>
+          </a:xfrm>
+          <a:prstGeom prst="flowChartPreparation">
+            <a:avLst/>
+          </a:prstGeom>
+          <a:solidFill>
+            <a:schemeClr val="bg1"/>
+          </a:solidFill>
+          <a:ln w="28575">
+            <a:solidFill>
+              <a:schemeClr val="tx1"/>
+            </a:solidFill>
+          </a:ln>
+          <a:effectLst>
+            <a:glow>
+              <a:schemeClr val="accent1">
+                <a:alpha val="40000"/>
+              </a:schemeClr>
+            </a:glow>
+          </a:effectLst>
+        </p:spPr>
+        <p:style>
+          <a:lnRef idx="1">
+            <a:schemeClr val="accent6"/>
+          </a:lnRef>
+          <a:fillRef idx="3">
+            <a:schemeClr val="accent6"/>
+          </a:fillRef>
+          <a:effectRef idx="2">
+            <a:schemeClr val="accent6"/>
+          </a:effectRef>
+          <a:fontRef idx="minor">
+            <a:schemeClr val="lt1"/>
+          </a:fontRef>
+        </p:style>
+        <p:txBody>
+          <a:bodyPr vertOverflow="overflow" horzOverflow="overflow" vert="horz" wrap="none" lIns="0" tIns="0" rIns="0" bIns="0" numCol="1" spcCol="0" rtlCol="0" fromWordArt="0" anchor="ctr" anchorCtr="0" forceAA="0" compatLnSpc="1">
+            <a:normAutofit/>
+          </a:bodyPr>
+          <a:lstStyle/>
+          <a:p>
+            <a:pPr lvl="0" algn="ctr"/>
+            <a:r>
+              <a:rPr lang="en-US" altLang="zh-CN" sz="1400" dirty="0">
+                <a:solidFill>
+                  <a:schemeClr val="tx1"/>
+                </a:solidFill>
+                <a:sym typeface="+mn-ea"/>
+              </a:rPr>
+              <a:t>Travel </a:t>
+            </a:r>
+            <a:r>
+              <a:rPr lang="en-US" altLang="zh-CN" sz="1400" dirty="0" smtClean="0">
+                <a:solidFill>
+                  <a:schemeClr val="tx1"/>
+                </a:solidFill>
+                <a:sym typeface="+mn-ea"/>
+              </a:rPr>
+              <a:t>admin user16115</a:t>
+            </a:r>
+            <a:endParaRPr lang="en-US" altLang="zh-CN" sz="1400" dirty="0">
+              <a:solidFill>
+                <a:schemeClr val="tx1"/>
+              </a:solidFill>
+              <a:sym typeface="+mn-ea"/>
+            </a:endParaRPr>
+          </a:p>
+          <a:p>
+            <a:pPr lvl="0" algn="ctr"/>
+            <a:r>
+              <a:rPr lang="en-US" altLang="zh-CN" sz="1400" dirty="0">
+                <a:solidFill>
+                  <a:schemeClr val="tx1"/>
+                </a:solidFill>
+                <a:sym typeface="+mn-ea"/>
+              </a:rPr>
+              <a:t>(</a:t>
+            </a:r>
+            <a:r>
+              <a:rPr lang="en-US" altLang="zh-CN" sz="1400" dirty="0" smtClean="0">
+                <a:solidFill>
+                  <a:schemeClr val="tx1"/>
+                </a:solidFill>
+                <a:sym typeface="+mn-ea"/>
+              </a:rPr>
+              <a:t>order16112, route16113, </a:t>
+            </a:r>
+            <a:endParaRPr lang="en-US" altLang="zh-CN" sz="1400" dirty="0">
+              <a:solidFill>
+                <a:schemeClr val="tx1"/>
+              </a:solidFill>
+              <a:sym typeface="+mn-ea"/>
+            </a:endParaRPr>
+          </a:p>
+          <a:p>
+            <a:pPr lvl="0" algn="ctr"/>
+            <a:r>
+              <a:rPr lang="en-US" altLang="zh-CN" sz="1400" dirty="0" smtClean="0">
+                <a:solidFill>
+                  <a:schemeClr val="tx1"/>
+                </a:solidFill>
+                <a:sym typeface="+mn-ea"/>
+              </a:rPr>
+              <a:t>Travel 16114,basic 18767)</a:t>
+            </a:r>
+            <a:endParaRPr lang="en-US" altLang="zh-CN" sz="1400" dirty="0">
+              <a:solidFill>
+                <a:schemeClr val="tx1"/>
+              </a:solidFill>
+              <a:sym typeface="+mn-ea"/>
+            </a:endParaRPr>
+          </a:p>
+        </p:txBody>
+      </p:sp>
+      <p:sp>
+        <p:nvSpPr>
+          <p:cNvPr id="89" name="流程图: 准备 19"/>
+          <p:cNvSpPr/>
+          <p:nvPr/>
+        </p:nvSpPr>
+        <p:spPr>
+          <a:xfrm>
+            <a:off x="1284018" y="4409313"/>
+            <a:ext cx="1227887" cy="383627"/>
+          </a:xfrm>
+          <a:prstGeom prst="flowChartPreparation">
+            <a:avLst/>
+          </a:prstGeom>
+          <a:solidFill>
+            <a:schemeClr val="bg1"/>
+          </a:solidFill>
+          <a:ln w="28575">
+            <a:solidFill>
+              <a:schemeClr val="tx1"/>
+            </a:solidFill>
+          </a:ln>
+          <a:effectLst>
+            <a:glow>
+              <a:schemeClr val="accent1">
+                <a:alpha val="40000"/>
+              </a:schemeClr>
+            </a:glow>
+          </a:effectLst>
+        </p:spPr>
+        <p:style>
+          <a:lnRef idx="1">
+            <a:schemeClr val="accent6"/>
+          </a:lnRef>
+          <a:fillRef idx="3">
+            <a:schemeClr val="accent6"/>
+          </a:fillRef>
+          <a:effectRef idx="2">
+            <a:schemeClr val="accent6"/>
+          </a:effectRef>
+          <a:fontRef idx="minor">
+            <a:schemeClr val="lt1"/>
+          </a:fontRef>
+        </p:style>
+        <p:txBody>
+          <a:bodyPr vertOverflow="overflow" horzOverflow="overflow" vert="horz" wrap="none" lIns="0" tIns="0" rIns="0" bIns="0" numCol="1" spcCol="0" rtlCol="0" fromWordArt="0" anchor="ctr" anchorCtr="0" forceAA="0" compatLnSpc="1">
+            <a:normAutofit fontScale="92500" lnSpcReduction="10000"/>
+          </a:bodyPr>
+          <a:lstStyle/>
+          <a:p>
+            <a:pPr lvl="0" algn="ctr"/>
+            <a:r>
+              <a:rPr lang="en-US" altLang="zh-CN" sz="1400" dirty="0">
                 <a:ln w="0"/>
                 <a:solidFill>
                   <a:schemeClr val="tx1"/>
@@ -15981,7 +19181,44 @@
                 </a:effectLst>
                 <a:sym typeface="+mn-ea"/>
               </a:rPr>
-              <a:t>Food map</a:t>
+              <a:t>Food </a:t>
+            </a:r>
+            <a:r>
+              <a:rPr lang="en-US" altLang="zh-CN" sz="1400" dirty="0" smtClean="0">
+                <a:ln w="0"/>
+                <a:solidFill>
+                  <a:schemeClr val="tx1"/>
+                </a:solidFill>
+                <a:effectLst>
+                  <a:outerShdw blurRad="38100" dist="19050" dir="2700000" algn="tl" rotWithShape="0">
+                    <a:schemeClr val="dk1">
+                      <a:alpha val="40000"/>
+                    </a:schemeClr>
+                  </a:outerShdw>
+                </a:effectLst>
+                <a:sym typeface="+mn-ea"/>
+              </a:rPr>
+              <a:t>service</a:t>
+            </a:r>
+          </a:p>
+          <a:p>
+            <a:pPr lvl="0" algn="ctr"/>
+            <a:r>
+              <a:rPr lang="en-US" altLang="zh-CN" sz="1400" dirty="0" smtClean="0">
+                <a:ln w="0"/>
+                <a:solidFill>
+                  <a:schemeClr val="tx1"/>
+                </a:solidFill>
+                <a:effectLst>
+                  <a:outerShdw blurRad="38100" dist="19050" dir="2700000" algn="tl" rotWithShape="0">
+                    <a:schemeClr val="dk1">
+                      <a:alpha val="40000"/>
+                    </a:schemeClr>
+                  </a:outerShdw>
+                </a:effectLst>
+                <a:sym typeface="+mn-ea"/>
+              </a:rPr>
+              <a:t>18856</a:t>
             </a:r>
             <a:endParaRPr lang="en-US" altLang="zh-CN" sz="1400" dirty="0">
               <a:ln w="0"/>
@@ -16002,13 +19239,1135 @@
       </p:sp>
       <p:sp>
         <p:nvSpPr>
+          <p:cNvPr id="111" name="流程图: 准备 19"/>
+          <p:cNvSpPr/>
+          <p:nvPr/>
+        </p:nvSpPr>
+        <p:spPr>
+          <a:xfrm>
+            <a:off x="1406345" y="3745714"/>
+            <a:ext cx="854654" cy="418740"/>
+          </a:xfrm>
+          <a:prstGeom prst="flowChartPreparation">
+            <a:avLst/>
+          </a:prstGeom>
+          <a:solidFill>
+            <a:schemeClr val="bg1"/>
+          </a:solidFill>
+          <a:ln w="28575">
+            <a:solidFill>
+              <a:schemeClr val="tx1"/>
+            </a:solidFill>
+          </a:ln>
+          <a:effectLst>
+            <a:glow>
+              <a:schemeClr val="accent1">
+                <a:alpha val="40000"/>
+              </a:schemeClr>
+            </a:glow>
+          </a:effectLst>
+        </p:spPr>
+        <p:style>
+          <a:lnRef idx="1">
+            <a:schemeClr val="accent6"/>
+          </a:lnRef>
+          <a:fillRef idx="3">
+            <a:schemeClr val="accent6"/>
+          </a:fillRef>
+          <a:effectRef idx="2">
+            <a:schemeClr val="accent6"/>
+          </a:effectRef>
+          <a:fontRef idx="minor">
+            <a:schemeClr val="lt1"/>
+          </a:fontRef>
+        </p:style>
+        <p:txBody>
+          <a:bodyPr vertOverflow="overflow" horzOverflow="overflow" vert="horz" wrap="none" lIns="0" tIns="0" rIns="0" bIns="0" numCol="1" spcCol="0" rtlCol="0" fromWordArt="0" anchor="ctr" anchorCtr="0" forceAA="0" compatLnSpc="1">
+            <a:normAutofit lnSpcReduction="10000"/>
+          </a:bodyPr>
+          <a:lstStyle/>
+          <a:p>
+            <a:pPr lvl="0" algn="ctr"/>
+            <a:r>
+              <a:rPr lang="en-US" altLang="zh-CN" sz="1400" dirty="0" smtClean="0">
+                <a:solidFill>
+                  <a:schemeClr val="tx1"/>
+                </a:solidFill>
+                <a:sym typeface="+mn-ea"/>
+              </a:rPr>
+              <a:t>Route</a:t>
+            </a:r>
+          </a:p>
+          <a:p>
+            <a:pPr lvl="0" algn="ctr"/>
+            <a:r>
+              <a:rPr lang="en-US" altLang="zh-CN" sz="1400" dirty="0" smtClean="0">
+                <a:solidFill>
+                  <a:schemeClr val="tx1"/>
+                </a:solidFill>
+                <a:sym typeface="+mn-ea"/>
+              </a:rPr>
+              <a:t>11178</a:t>
+            </a:r>
+            <a:endParaRPr lang="en-US" altLang="zh-CN" sz="1400" dirty="0">
+              <a:solidFill>
+                <a:schemeClr val="tx1"/>
+              </a:solidFill>
+              <a:sym typeface="+mn-ea"/>
+            </a:endParaRPr>
+          </a:p>
+        </p:txBody>
+      </p:sp>
+      <p:sp>
+        <p:nvSpPr>
+          <p:cNvPr id="116" name="流程图: 准备 19"/>
+          <p:cNvSpPr/>
+          <p:nvPr/>
+        </p:nvSpPr>
+        <p:spPr>
+          <a:xfrm>
+            <a:off x="2476138" y="3706808"/>
+            <a:ext cx="734844" cy="409388"/>
+          </a:xfrm>
+          <a:prstGeom prst="flowChartPreparation">
+            <a:avLst/>
+          </a:prstGeom>
+          <a:solidFill>
+            <a:schemeClr val="bg1"/>
+          </a:solidFill>
+          <a:ln w="28575">
+            <a:solidFill>
+              <a:schemeClr val="tx1"/>
+            </a:solidFill>
+          </a:ln>
+          <a:effectLst>
+            <a:glow>
+              <a:schemeClr val="accent1">
+                <a:alpha val="40000"/>
+              </a:schemeClr>
+            </a:glow>
+          </a:effectLst>
+        </p:spPr>
+        <p:style>
+          <a:lnRef idx="1">
+            <a:schemeClr val="accent6"/>
+          </a:lnRef>
+          <a:fillRef idx="3">
+            <a:schemeClr val="accent6"/>
+          </a:fillRef>
+          <a:effectRef idx="2">
+            <a:schemeClr val="accent6"/>
+          </a:effectRef>
+          <a:fontRef idx="minor">
+            <a:schemeClr val="lt1"/>
+          </a:fontRef>
+        </p:style>
+        <p:txBody>
+          <a:bodyPr vertOverflow="overflow" horzOverflow="overflow" vert="horz" wrap="none" lIns="0" tIns="0" rIns="0" bIns="0" numCol="1" spcCol="0" rtlCol="0" fromWordArt="0" anchor="ctr" anchorCtr="0" forceAA="0" compatLnSpc="1">
+            <a:normAutofit lnSpcReduction="10000"/>
+          </a:bodyPr>
+          <a:lstStyle/>
+          <a:p>
+            <a:pPr lvl="0" algn="ctr"/>
+            <a:r>
+              <a:rPr lang="en-US" altLang="zh-CN" sz="1400" dirty="0" smtClean="0">
+                <a:ln w="0"/>
+                <a:solidFill>
+                  <a:schemeClr val="tx1"/>
+                </a:solidFill>
+                <a:effectLst>
+                  <a:outerShdw blurRad="38100" dist="19050" dir="2700000" algn="tl" rotWithShape="0">
+                    <a:schemeClr val="dk1">
+                      <a:alpha val="40000"/>
+                    </a:schemeClr>
+                  </a:outerShdw>
+                </a:effectLst>
+                <a:sym typeface="+mn-ea"/>
+              </a:rPr>
+              <a:t>Seat</a:t>
+            </a:r>
+          </a:p>
+          <a:p>
+            <a:pPr lvl="0" algn="ctr"/>
+            <a:r>
+              <a:rPr lang="en-US" altLang="zh-CN" sz="1400" dirty="0" smtClean="0">
+                <a:ln w="0"/>
+                <a:solidFill>
+                  <a:schemeClr val="tx1"/>
+                </a:solidFill>
+                <a:effectLst>
+                  <a:outerShdw blurRad="38100" dist="19050" dir="2700000" algn="tl" rotWithShape="0">
+                    <a:schemeClr val="dk1">
+                      <a:alpha val="40000"/>
+                    </a:schemeClr>
+                  </a:outerShdw>
+                </a:effectLst>
+                <a:sym typeface="+mn-ea"/>
+              </a:rPr>
+              <a:t>18898</a:t>
+            </a:r>
+            <a:endParaRPr lang="en-US" altLang="zh-CN" sz="1400" dirty="0">
+              <a:ln w="0"/>
+              <a:solidFill>
+                <a:schemeClr val="tx1"/>
+              </a:solidFill>
+              <a:effectLst>
+                <a:outerShdw blurRad="38100" dist="19050" dir="2700000" algn="tl" rotWithShape="0">
+                  <a:schemeClr val="dk1">
+                    <a:alpha val="40000"/>
+                  </a:schemeClr>
+                </a:outerShdw>
+              </a:effectLst>
+              <a:sym typeface="+mn-ea"/>
+            </a:endParaRPr>
+          </a:p>
+        </p:txBody>
+      </p:sp>
+      <p:sp>
+        <p:nvSpPr>
+          <p:cNvPr id="123" name="流程图: 准备 19"/>
+          <p:cNvSpPr/>
+          <p:nvPr/>
+        </p:nvSpPr>
+        <p:spPr>
+          <a:xfrm>
+            <a:off x="9982418" y="4468755"/>
+            <a:ext cx="887285" cy="660453"/>
+          </a:xfrm>
+          <a:prstGeom prst="flowChartPreparation">
+            <a:avLst/>
+          </a:prstGeom>
+          <a:solidFill>
+            <a:schemeClr val="bg1"/>
+          </a:solidFill>
+          <a:ln w="28575">
+            <a:solidFill>
+              <a:schemeClr val="tx1"/>
+            </a:solidFill>
+          </a:ln>
+          <a:effectLst>
+            <a:glow>
+              <a:schemeClr val="accent1">
+                <a:alpha val="40000"/>
+              </a:schemeClr>
+            </a:glow>
+          </a:effectLst>
+        </p:spPr>
+        <p:style>
+          <a:lnRef idx="1">
+            <a:schemeClr val="accent6"/>
+          </a:lnRef>
+          <a:fillRef idx="3">
+            <a:schemeClr val="accent6"/>
+          </a:fillRef>
+          <a:effectRef idx="2">
+            <a:schemeClr val="accent6"/>
+          </a:effectRef>
+          <a:fontRef idx="minor">
+            <a:schemeClr val="lt1"/>
+          </a:fontRef>
+        </p:style>
+        <p:txBody>
+          <a:bodyPr vertOverflow="overflow" horzOverflow="overflow" vert="horz" wrap="none" lIns="0" tIns="0" rIns="0" bIns="0" numCol="1" spcCol="0" rtlCol="0" fromWordArt="0" anchor="ctr" anchorCtr="0" forceAA="0" compatLnSpc="1">
+            <a:normAutofit/>
+          </a:bodyPr>
+          <a:lstStyle/>
+          <a:p>
+            <a:pPr lvl="0" algn="ctr"/>
+            <a:r>
+              <a:rPr lang="en-US" altLang="zh-CN" sz="1400" dirty="0" smtClean="0">
+                <a:solidFill>
+                  <a:schemeClr val="tx1"/>
+                </a:solidFill>
+                <a:sym typeface="+mn-ea"/>
+              </a:rPr>
+              <a:t>Assurance</a:t>
+            </a:r>
+          </a:p>
+          <a:p>
+            <a:pPr lvl="0" algn="ctr"/>
+            <a:r>
+              <a:rPr lang="en-US" altLang="zh-CN" sz="1400" dirty="0" smtClean="0">
+                <a:solidFill>
+                  <a:schemeClr val="tx1"/>
+                </a:solidFill>
+                <a:sym typeface="+mn-ea"/>
+              </a:rPr>
+              <a:t>18888</a:t>
+            </a:r>
+            <a:endParaRPr lang="en-US" altLang="zh-CN" sz="1400" dirty="0">
+              <a:solidFill>
+                <a:schemeClr val="tx1"/>
+              </a:solidFill>
+              <a:sym typeface="+mn-ea"/>
+            </a:endParaRPr>
+          </a:p>
+        </p:txBody>
+      </p:sp>
+      <p:sp>
+        <p:nvSpPr>
+          <p:cNvPr id="63" name="流程图: 准备 19"/>
+          <p:cNvSpPr/>
+          <p:nvPr/>
+        </p:nvSpPr>
+        <p:spPr>
+          <a:xfrm>
+            <a:off x="8754669" y="1339657"/>
+            <a:ext cx="908050" cy="368300"/>
+          </a:xfrm>
+          <a:prstGeom prst="flowChartPreparation">
+            <a:avLst/>
+          </a:prstGeom>
+          <a:solidFill>
+            <a:schemeClr val="bg1"/>
+          </a:solidFill>
+          <a:ln w="28575">
+            <a:solidFill>
+              <a:schemeClr val="tx1"/>
+            </a:solidFill>
+          </a:ln>
+          <a:effectLst>
+            <a:glow>
+              <a:schemeClr val="accent1">
+                <a:alpha val="40000"/>
+              </a:schemeClr>
+            </a:glow>
+          </a:effectLst>
+        </p:spPr>
+        <p:style>
+          <a:lnRef idx="1">
+            <a:schemeClr val="accent6"/>
+          </a:lnRef>
+          <a:fillRef idx="3">
+            <a:schemeClr val="accent6"/>
+          </a:fillRef>
+          <a:effectRef idx="2">
+            <a:schemeClr val="accent6"/>
+          </a:effectRef>
+          <a:fontRef idx="minor">
+            <a:schemeClr val="lt1"/>
+          </a:fontRef>
+        </p:style>
+        <p:txBody>
+          <a:bodyPr vertOverflow="overflow" horzOverflow="overflow" vert="horz" wrap="none" lIns="0" tIns="0" rIns="0" bIns="0" numCol="1" spcCol="0" rtlCol="0" fromWordArt="0" anchor="ctr" anchorCtr="0" forceAA="0" compatLnSpc="1">
+            <a:normAutofit fontScale="92500" lnSpcReduction="10000"/>
+          </a:bodyPr>
+          <a:lstStyle/>
+          <a:p>
+            <a:pPr lvl="0" algn="ctr"/>
+            <a:r>
+              <a:rPr lang="en-US" altLang="zh-CN" sz="1400" dirty="0" smtClean="0">
+                <a:solidFill>
+                  <a:schemeClr val="tx1"/>
+                </a:solidFill>
+                <a:sym typeface="+mn-ea"/>
+              </a:rPr>
+              <a:t>News</a:t>
+            </a:r>
+          </a:p>
+          <a:p>
+            <a:pPr lvl="0" algn="ctr"/>
+            <a:r>
+              <a:rPr lang="en-US" altLang="zh-CN" sz="1400" dirty="0" smtClean="0">
+                <a:solidFill>
+                  <a:schemeClr val="tx1"/>
+                </a:solidFill>
+                <a:sym typeface="+mn-ea"/>
+              </a:rPr>
+              <a:t>12862</a:t>
+            </a:r>
+            <a:endParaRPr lang="en-US" altLang="zh-CN" sz="1400" dirty="0">
+              <a:solidFill>
+                <a:schemeClr val="tx1"/>
+              </a:solidFill>
+              <a:sym typeface="+mn-ea"/>
+            </a:endParaRPr>
+          </a:p>
+        </p:txBody>
+      </p:sp>
+      <p:cxnSp>
+        <p:nvCxnSpPr>
+          <p:cNvPr id="65" name="肘形连接符 33"/>
+          <p:cNvCxnSpPr>
+            <a:stCxn id="107" idx="2"/>
+            <a:endCxn id="63" idx="0"/>
+          </p:cNvCxnSpPr>
+          <p:nvPr/>
+        </p:nvCxnSpPr>
+        <p:spPr>
+          <a:xfrm rot="16200000" flipH="1">
+            <a:off x="7259811" y="-609227"/>
+            <a:ext cx="592581" cy="3305185"/>
+          </a:xfrm>
+          <a:prstGeom prst="bentConnector3">
+            <a:avLst>
+              <a:gd name="adj1" fmla="val 37141"/>
+            </a:avLst>
+          </a:prstGeom>
+          <a:ln w="19050">
+            <a:solidFill>
+              <a:schemeClr val="tx1"/>
+            </a:solidFill>
+            <a:tailEnd type="arrow"/>
+          </a:ln>
+        </p:spPr>
+        <p:style>
+          <a:lnRef idx="1">
+            <a:schemeClr val="accent1"/>
+          </a:lnRef>
+          <a:fillRef idx="0">
+            <a:schemeClr val="accent1"/>
+          </a:fillRef>
+          <a:effectRef idx="0">
+            <a:schemeClr val="accent1"/>
+          </a:effectRef>
+          <a:fontRef idx="minor">
+            <a:schemeClr val="tx1"/>
+          </a:fontRef>
+        </p:style>
+      </p:cxnSp>
+      <p:sp>
+        <p:nvSpPr>
+          <p:cNvPr id="77" name="流程图: 准备 19"/>
+          <p:cNvSpPr/>
+          <p:nvPr/>
+        </p:nvSpPr>
+        <p:spPr>
+          <a:xfrm>
+            <a:off x="448353" y="1130389"/>
+            <a:ext cx="2012209" cy="726757"/>
+          </a:xfrm>
+          <a:prstGeom prst="flowChartPreparation">
+            <a:avLst/>
+          </a:prstGeom>
+          <a:solidFill>
+            <a:schemeClr val="bg1"/>
+          </a:solidFill>
+          <a:ln w="28575">
+            <a:solidFill>
+              <a:schemeClr val="tx1"/>
+            </a:solidFill>
+          </a:ln>
+          <a:effectLst>
+            <a:glow>
+              <a:schemeClr val="accent1">
+                <a:alpha val="40000"/>
+              </a:schemeClr>
+            </a:glow>
+          </a:effectLst>
+        </p:spPr>
+        <p:style>
+          <a:lnRef idx="1">
+            <a:schemeClr val="accent6"/>
+          </a:lnRef>
+          <a:fillRef idx="3">
+            <a:schemeClr val="accent6"/>
+          </a:fillRef>
+          <a:effectRef idx="2">
+            <a:schemeClr val="accent6"/>
+          </a:effectRef>
+          <a:fontRef idx="minor">
+            <a:schemeClr val="lt1"/>
+          </a:fontRef>
+        </p:style>
+        <p:txBody>
+          <a:bodyPr vertOverflow="overflow" horzOverflow="overflow" vert="horz" wrap="none" lIns="0" tIns="0" rIns="0" bIns="0" numCol="1" spcCol="0" rtlCol="0" fromWordArt="0" anchor="ctr" anchorCtr="0" forceAA="0" compatLnSpc="1">
+            <a:normAutofit lnSpcReduction="10000"/>
+          </a:bodyPr>
+          <a:lstStyle/>
+          <a:p>
+            <a:pPr lvl="0" algn="ctr"/>
+            <a:r>
+              <a:rPr lang="en-US" altLang="zh-CN" sz="1600" dirty="0">
+                <a:solidFill>
+                  <a:schemeClr val="tx1"/>
+                </a:solidFill>
+                <a:sym typeface="+mn-ea"/>
+              </a:rPr>
+              <a:t>Advanced </a:t>
+            </a:r>
+            <a:r>
+              <a:rPr lang="en-US" altLang="zh-CN" sz="1600" dirty="0" smtClean="0">
+                <a:solidFill>
+                  <a:schemeClr val="tx1"/>
+                </a:solidFill>
+                <a:sym typeface="+mn-ea"/>
+              </a:rPr>
+              <a:t>travel plan</a:t>
+            </a:r>
+          </a:p>
+          <a:p>
+            <a:pPr lvl="0" algn="ctr"/>
+            <a:r>
+              <a:rPr lang="en-US" altLang="zh-CN" sz="1600" dirty="0" smtClean="0">
+                <a:solidFill>
+                  <a:schemeClr val="tx1"/>
+                </a:solidFill>
+                <a:sym typeface="+mn-ea"/>
+              </a:rPr>
+              <a:t>14322</a:t>
+            </a:r>
+            <a:endParaRPr lang="en-US" altLang="zh-CN" sz="1600" dirty="0">
+              <a:solidFill>
+                <a:schemeClr val="tx1"/>
+              </a:solidFill>
+              <a:sym typeface="+mn-ea"/>
+            </a:endParaRPr>
+          </a:p>
+          <a:p>
+            <a:pPr lvl="0" algn="ctr"/>
+            <a:r>
+              <a:rPr lang="en-US" altLang="zh-CN" sz="1600" dirty="0">
+                <a:solidFill>
+                  <a:schemeClr val="tx1"/>
+                </a:solidFill>
+                <a:sym typeface="+mn-ea"/>
+              </a:rPr>
+              <a:t>(route info + ticket)</a:t>
+            </a:r>
+          </a:p>
+        </p:txBody>
+      </p:sp>
+      <p:sp>
+        <p:nvSpPr>
+          <p:cNvPr id="30" name="流程图: 准备 19"/>
+          <p:cNvSpPr/>
+          <p:nvPr/>
+        </p:nvSpPr>
+        <p:spPr>
+          <a:xfrm>
+            <a:off x="247290" y="2331969"/>
+            <a:ext cx="2414334" cy="572256"/>
+          </a:xfrm>
+          <a:prstGeom prst="flowChartPreparation">
+            <a:avLst/>
+          </a:prstGeom>
+          <a:solidFill>
+            <a:schemeClr val="bg1"/>
+          </a:solidFill>
+          <a:ln w="28575">
+            <a:solidFill>
+              <a:schemeClr val="tx1"/>
+            </a:solidFill>
+          </a:ln>
+          <a:effectLst>
+            <a:glow>
+              <a:schemeClr val="accent1">
+                <a:alpha val="40000"/>
+              </a:schemeClr>
+            </a:glow>
+          </a:effectLst>
+        </p:spPr>
+        <p:style>
+          <a:lnRef idx="1">
+            <a:schemeClr val="accent6"/>
+          </a:lnRef>
+          <a:fillRef idx="3">
+            <a:schemeClr val="accent6"/>
+          </a:fillRef>
+          <a:effectRef idx="2">
+            <a:schemeClr val="accent6"/>
+          </a:effectRef>
+          <a:fontRef idx="minor">
+            <a:schemeClr val="lt1"/>
+          </a:fontRef>
+        </p:style>
+        <p:txBody>
+          <a:bodyPr vertOverflow="overflow" horzOverflow="overflow" vert="horz" wrap="none" lIns="0" tIns="0" rIns="0" bIns="0" numCol="1" spcCol="0" rtlCol="0" fromWordArt="0" anchor="ctr" anchorCtr="0" forceAA="0" compatLnSpc="1">
+            <a:normAutofit/>
+          </a:bodyPr>
+          <a:lstStyle/>
+          <a:p>
+            <a:pPr lvl="0" algn="ctr"/>
+            <a:r>
+              <a:rPr lang="en-US" altLang="zh-CN" sz="1600" dirty="0">
+                <a:solidFill>
+                  <a:schemeClr val="tx1"/>
+                </a:solidFill>
+                <a:sym typeface="+mn-ea"/>
+              </a:rPr>
+              <a:t>route </a:t>
+            </a:r>
+            <a:r>
+              <a:rPr lang="en-US" altLang="zh-CN" sz="1600" dirty="0" smtClean="0">
+                <a:solidFill>
+                  <a:schemeClr val="tx1"/>
+                </a:solidFill>
+                <a:sym typeface="+mn-ea"/>
+              </a:rPr>
+              <a:t>plan 14578</a:t>
+            </a:r>
+            <a:endParaRPr lang="en-US" altLang="zh-CN" sz="1600" dirty="0">
+              <a:solidFill>
+                <a:schemeClr val="tx1"/>
+              </a:solidFill>
+              <a:sym typeface="+mn-ea"/>
+            </a:endParaRPr>
+          </a:p>
+          <a:p>
+            <a:pPr lvl="0" algn="ctr"/>
+            <a:r>
+              <a:rPr lang="en-US" altLang="zh-CN" sz="1600" dirty="0">
+                <a:solidFill>
+                  <a:schemeClr val="tx1"/>
+                </a:solidFill>
+                <a:sym typeface="+mn-ea"/>
+              </a:rPr>
+              <a:t>(price, change, time)</a:t>
+            </a:r>
+          </a:p>
+        </p:txBody>
+      </p:sp>
+      <p:sp>
+        <p:nvSpPr>
+          <p:cNvPr id="31" name="流程图: 准备 19"/>
+          <p:cNvSpPr/>
+          <p:nvPr/>
+        </p:nvSpPr>
+        <p:spPr>
+          <a:xfrm>
+            <a:off x="9889809" y="1278087"/>
+            <a:ext cx="1072505" cy="442999"/>
+          </a:xfrm>
+          <a:prstGeom prst="flowChartPreparation">
+            <a:avLst/>
+          </a:prstGeom>
+          <a:solidFill>
+            <a:schemeClr val="bg1"/>
+          </a:solidFill>
+          <a:ln w="28575">
+            <a:solidFill>
+              <a:schemeClr val="tx1"/>
+            </a:solidFill>
+          </a:ln>
+          <a:effectLst>
+            <a:glow>
+              <a:schemeClr val="accent1">
+                <a:alpha val="40000"/>
+              </a:schemeClr>
+            </a:glow>
+          </a:effectLst>
+        </p:spPr>
+        <p:style>
+          <a:lnRef idx="1">
+            <a:schemeClr val="accent6"/>
+          </a:lnRef>
+          <a:fillRef idx="3">
+            <a:schemeClr val="accent6"/>
+          </a:fillRef>
+          <a:effectRef idx="2">
+            <a:schemeClr val="accent6"/>
+          </a:effectRef>
+          <a:fontRef idx="minor">
+            <a:schemeClr val="lt1"/>
+          </a:fontRef>
+        </p:style>
+        <p:txBody>
+          <a:bodyPr vertOverflow="overflow" horzOverflow="overflow" vert="horz" wrap="none" lIns="0" tIns="0" rIns="0" bIns="0" numCol="1" spcCol="0" rtlCol="0" fromWordArt="0" anchor="ctr" anchorCtr="0" forceAA="0" compatLnSpc="1">
+            <a:normAutofit/>
+          </a:bodyPr>
+          <a:lstStyle/>
+          <a:p>
+            <a:pPr lvl="0" algn="ctr"/>
+            <a:r>
+              <a:rPr lang="en-US" altLang="zh-CN" sz="1400" dirty="0">
+                <a:solidFill>
+                  <a:schemeClr val="tx1"/>
+                </a:solidFill>
+                <a:sym typeface="+mn-ea"/>
+              </a:rPr>
+              <a:t>ticket </a:t>
+            </a:r>
+            <a:r>
+              <a:rPr lang="en-US" altLang="zh-CN" sz="1400" dirty="0" smtClean="0">
+                <a:solidFill>
+                  <a:schemeClr val="tx1"/>
+                </a:solidFill>
+                <a:sym typeface="+mn-ea"/>
+              </a:rPr>
+              <a:t>office</a:t>
+            </a:r>
+          </a:p>
+          <a:p>
+            <a:pPr lvl="0" algn="ctr"/>
+            <a:r>
+              <a:rPr lang="en-US" altLang="zh-CN" sz="1400" dirty="0" smtClean="0">
+                <a:solidFill>
+                  <a:schemeClr val="tx1"/>
+                </a:solidFill>
+                <a:sym typeface="+mn-ea"/>
+              </a:rPr>
+              <a:t>16108</a:t>
+            </a:r>
+            <a:endParaRPr lang="en-US" altLang="zh-CN" sz="1400" dirty="0">
+              <a:solidFill>
+                <a:schemeClr val="tx1"/>
+              </a:solidFill>
+              <a:sym typeface="+mn-ea"/>
+            </a:endParaRPr>
+          </a:p>
+        </p:txBody>
+      </p:sp>
+      <p:cxnSp>
+        <p:nvCxnSpPr>
+          <p:cNvPr id="32" name="肘形连接符 33"/>
+          <p:cNvCxnSpPr>
+            <a:stCxn id="107" idx="2"/>
+            <a:endCxn id="31" idx="0"/>
+          </p:cNvCxnSpPr>
+          <p:nvPr/>
+        </p:nvCxnSpPr>
+        <p:spPr>
+          <a:xfrm rot="16200000" flipH="1">
+            <a:off x="7899280" y="-1248696"/>
+            <a:ext cx="531011" cy="4522553"/>
+          </a:xfrm>
+          <a:prstGeom prst="bentConnector3">
+            <a:avLst>
+              <a:gd name="adj1" fmla="val 41390"/>
+            </a:avLst>
+          </a:prstGeom>
+          <a:ln w="19050">
+            <a:solidFill>
+              <a:schemeClr val="tx1"/>
+            </a:solidFill>
+            <a:tailEnd type="arrow"/>
+          </a:ln>
+        </p:spPr>
+        <p:style>
+          <a:lnRef idx="1">
+            <a:schemeClr val="accent1"/>
+          </a:lnRef>
+          <a:fillRef idx="0">
+            <a:schemeClr val="accent1"/>
+          </a:fillRef>
+          <a:effectRef idx="0">
+            <a:schemeClr val="accent1"/>
+          </a:effectRef>
+          <a:fontRef idx="minor">
+            <a:schemeClr val="tx1"/>
+          </a:fontRef>
+        </p:style>
+      </p:cxnSp>
+      <p:sp>
+        <p:nvSpPr>
+          <p:cNvPr id="33" name="流程图: 准备 19"/>
+          <p:cNvSpPr/>
+          <p:nvPr/>
+        </p:nvSpPr>
+        <p:spPr>
+          <a:xfrm>
+            <a:off x="9876704" y="2395305"/>
+            <a:ext cx="1053465" cy="513080"/>
+          </a:xfrm>
+          <a:prstGeom prst="flowChartPreparation">
+            <a:avLst/>
+          </a:prstGeom>
+          <a:solidFill>
+            <a:schemeClr val="bg1"/>
+          </a:solidFill>
+          <a:ln w="28575">
+            <a:solidFill>
+              <a:schemeClr val="tx1"/>
+            </a:solidFill>
+          </a:ln>
+          <a:effectLst>
+            <a:glow>
+              <a:schemeClr val="accent1">
+                <a:alpha val="40000"/>
+              </a:schemeClr>
+            </a:glow>
+          </a:effectLst>
+        </p:spPr>
+        <p:style>
+          <a:lnRef idx="1">
+            <a:schemeClr val="accent6"/>
+          </a:lnRef>
+          <a:fillRef idx="3">
+            <a:schemeClr val="accent6"/>
+          </a:fillRef>
+          <a:effectRef idx="2">
+            <a:schemeClr val="accent6"/>
+          </a:effectRef>
+          <a:fontRef idx="minor">
+            <a:schemeClr val="lt1"/>
+          </a:fontRef>
+        </p:style>
+        <p:txBody>
+          <a:bodyPr vertOverflow="overflow" horzOverflow="overflow" vert="horz" wrap="none" lIns="0" tIns="0" rIns="0" bIns="0" numCol="1" spcCol="0" rtlCol="0" fromWordArt="0" anchor="ctr" anchorCtr="0" forceAA="0" compatLnSpc="1">
+            <a:normAutofit/>
+          </a:bodyPr>
+          <a:lstStyle/>
+          <a:p>
+            <a:pPr lvl="0" algn="ctr"/>
+            <a:r>
+              <a:rPr lang="en-US" altLang="zh-CN" sz="1400" dirty="0" smtClean="0">
+                <a:solidFill>
+                  <a:schemeClr val="tx1"/>
+                </a:solidFill>
+                <a:sym typeface="+mn-ea"/>
+              </a:rPr>
+              <a:t>Consign</a:t>
+            </a:r>
+          </a:p>
+          <a:p>
+            <a:pPr lvl="0" algn="ctr"/>
+            <a:r>
+              <a:rPr lang="en-US" altLang="zh-CN" sz="1400" dirty="0" smtClean="0">
+                <a:solidFill>
+                  <a:schemeClr val="tx1"/>
+                </a:solidFill>
+                <a:sym typeface="+mn-ea"/>
+              </a:rPr>
+              <a:t>16111</a:t>
+            </a:r>
+            <a:endParaRPr lang="en-US" altLang="zh-CN" sz="1400" dirty="0">
+              <a:solidFill>
+                <a:schemeClr val="tx1"/>
+              </a:solidFill>
+              <a:sym typeface="+mn-ea"/>
+            </a:endParaRPr>
+          </a:p>
+        </p:txBody>
+      </p:sp>
+      <p:sp>
+        <p:nvSpPr>
+          <p:cNvPr id="37" name="流程图: 准备 19"/>
+          <p:cNvSpPr/>
+          <p:nvPr/>
+        </p:nvSpPr>
+        <p:spPr>
+          <a:xfrm>
+            <a:off x="9809393" y="3473801"/>
+            <a:ext cx="1188085" cy="513080"/>
+          </a:xfrm>
+          <a:prstGeom prst="flowChartPreparation">
+            <a:avLst/>
+          </a:prstGeom>
+          <a:solidFill>
+            <a:schemeClr val="bg1"/>
+          </a:solidFill>
+          <a:ln w="28575">
+            <a:solidFill>
+              <a:schemeClr val="tx1"/>
+            </a:solidFill>
+          </a:ln>
+          <a:effectLst>
+            <a:glow>
+              <a:schemeClr val="accent1">
+                <a:alpha val="40000"/>
+              </a:schemeClr>
+            </a:glow>
+          </a:effectLst>
+        </p:spPr>
+        <p:style>
+          <a:lnRef idx="1">
+            <a:schemeClr val="accent6"/>
+          </a:lnRef>
+          <a:fillRef idx="3">
+            <a:schemeClr val="accent6"/>
+          </a:fillRef>
+          <a:effectRef idx="2">
+            <a:schemeClr val="accent6"/>
+          </a:effectRef>
+          <a:fontRef idx="minor">
+            <a:schemeClr val="lt1"/>
+          </a:fontRef>
+        </p:style>
+        <p:txBody>
+          <a:bodyPr vertOverflow="overflow" horzOverflow="overflow" vert="horz" wrap="none" lIns="0" tIns="0" rIns="0" bIns="0" numCol="1" spcCol="0" rtlCol="0" fromWordArt="0" anchor="ctr" anchorCtr="0" forceAA="0" compatLnSpc="1">
+            <a:normAutofit/>
+          </a:bodyPr>
+          <a:lstStyle/>
+          <a:p>
+            <a:pPr lvl="0" algn="ctr"/>
+            <a:r>
+              <a:rPr lang="en-US" altLang="zh-CN" sz="1400" dirty="0">
+                <a:solidFill>
+                  <a:schemeClr val="tx1"/>
+                </a:solidFill>
+                <a:sym typeface="+mn-ea"/>
+              </a:rPr>
+              <a:t>consign </a:t>
+            </a:r>
+            <a:r>
+              <a:rPr lang="en-US" altLang="zh-CN" sz="1400" dirty="0" smtClean="0">
+                <a:solidFill>
+                  <a:schemeClr val="tx1"/>
+                </a:solidFill>
+                <a:sym typeface="+mn-ea"/>
+              </a:rPr>
+              <a:t>price</a:t>
+            </a:r>
+          </a:p>
+          <a:p>
+            <a:pPr lvl="0" algn="ctr"/>
+            <a:r>
+              <a:rPr lang="en-US" altLang="zh-CN" sz="1400" dirty="0" smtClean="0">
+                <a:solidFill>
+                  <a:schemeClr val="tx1"/>
+                </a:solidFill>
+                <a:sym typeface="+mn-ea"/>
+              </a:rPr>
+              <a:t>16110</a:t>
+            </a:r>
+            <a:endParaRPr lang="en-US" altLang="zh-CN" sz="1400" dirty="0">
+              <a:solidFill>
+                <a:schemeClr val="tx1"/>
+              </a:solidFill>
+              <a:sym typeface="+mn-ea"/>
+            </a:endParaRPr>
+          </a:p>
+        </p:txBody>
+      </p:sp>
+      <p:cxnSp>
+        <p:nvCxnSpPr>
+          <p:cNvPr id="39" name="Straight Arrow Connector 78"/>
+          <p:cNvCxnSpPr>
+            <a:stCxn id="33" idx="2"/>
+            <a:endCxn id="37" idx="0"/>
+          </p:cNvCxnSpPr>
+          <p:nvPr/>
+        </p:nvCxnSpPr>
+        <p:spPr>
+          <a:xfrm flipH="1">
+            <a:off x="10403436" y="2908385"/>
+            <a:ext cx="1" cy="565416"/>
+          </a:xfrm>
+          <a:prstGeom prst="straightConnector1">
+            <a:avLst/>
+          </a:prstGeom>
+          <a:ln>
+            <a:tailEnd type="arrow" w="lg" len="lg"/>
+          </a:ln>
+        </p:spPr>
+        <p:style>
+          <a:lnRef idx="1">
+            <a:schemeClr val="accent1"/>
+          </a:lnRef>
+          <a:fillRef idx="0">
+            <a:schemeClr val="accent1"/>
+          </a:fillRef>
+          <a:effectRef idx="0">
+            <a:schemeClr val="accent1"/>
+          </a:effectRef>
+          <a:fontRef idx="minor">
+            <a:schemeClr val="tx1"/>
+          </a:fontRef>
+        </p:style>
+      </p:cxnSp>
+      <p:sp>
+        <p:nvSpPr>
+          <p:cNvPr id="42" name="流程图: 准备 19"/>
+          <p:cNvSpPr/>
+          <p:nvPr/>
+        </p:nvSpPr>
+        <p:spPr>
+          <a:xfrm>
+            <a:off x="3427326" y="3642933"/>
+            <a:ext cx="1053465" cy="513080"/>
+          </a:xfrm>
+          <a:prstGeom prst="flowChartPreparation">
+            <a:avLst/>
+          </a:prstGeom>
+          <a:solidFill>
+            <a:schemeClr val="bg1"/>
+          </a:solidFill>
+          <a:ln w="28575">
+            <a:solidFill>
+              <a:schemeClr val="tx1"/>
+            </a:solidFill>
+          </a:ln>
+          <a:effectLst>
+            <a:glow>
+              <a:schemeClr val="accent1">
+                <a:alpha val="40000"/>
+              </a:schemeClr>
+            </a:glow>
+          </a:effectLst>
+        </p:spPr>
+        <p:style>
+          <a:lnRef idx="1">
+            <a:schemeClr val="accent6"/>
+          </a:lnRef>
+          <a:fillRef idx="3">
+            <a:schemeClr val="accent6"/>
+          </a:fillRef>
+          <a:effectRef idx="2">
+            <a:schemeClr val="accent6"/>
+          </a:effectRef>
+          <a:fontRef idx="minor">
+            <a:schemeClr val="lt1"/>
+          </a:fontRef>
+        </p:style>
+        <p:txBody>
+          <a:bodyPr vertOverflow="overflow" horzOverflow="overflow" vert="horz" wrap="none" lIns="0" tIns="0" rIns="0" bIns="0" numCol="1" spcCol="0" rtlCol="0" fromWordArt="0" anchor="ctr" anchorCtr="0" forceAA="0" compatLnSpc="1">
+            <a:normAutofit/>
+          </a:bodyPr>
+          <a:lstStyle/>
+          <a:p>
+            <a:pPr lvl="0" algn="ctr"/>
+            <a:r>
+              <a:rPr lang="en-US" altLang="zh-CN" sz="1400" dirty="0" smtClean="0">
+                <a:solidFill>
+                  <a:schemeClr val="tx1"/>
+                </a:solidFill>
+                <a:sym typeface="+mn-ea"/>
+              </a:rPr>
+              <a:t>Voucher</a:t>
+            </a:r>
+          </a:p>
+          <a:p>
+            <a:pPr lvl="0" algn="ctr"/>
+            <a:r>
+              <a:rPr lang="en-US" altLang="zh-CN" sz="1400" dirty="0" smtClean="0">
+                <a:solidFill>
+                  <a:schemeClr val="tx1"/>
+                </a:solidFill>
+                <a:sym typeface="+mn-ea"/>
+              </a:rPr>
+              <a:t>16101</a:t>
+            </a:r>
+            <a:endParaRPr lang="en-US" altLang="zh-CN" sz="1400" dirty="0">
+              <a:solidFill>
+                <a:schemeClr val="tx1"/>
+              </a:solidFill>
+              <a:sym typeface="+mn-ea"/>
+            </a:endParaRPr>
+          </a:p>
+        </p:txBody>
+      </p:sp>
+      <p:sp>
+        <p:nvSpPr>
+          <p:cNvPr id="73" name="流程图: 准备 19"/>
+          <p:cNvSpPr/>
+          <p:nvPr/>
+        </p:nvSpPr>
+        <p:spPr>
+          <a:xfrm>
+            <a:off x="1373338" y="5386499"/>
+            <a:ext cx="1061083" cy="484319"/>
+          </a:xfrm>
+          <a:prstGeom prst="flowChartPreparation">
+            <a:avLst/>
+          </a:prstGeom>
+          <a:solidFill>
+            <a:schemeClr val="bg1"/>
+          </a:solidFill>
+          <a:ln w="28575">
+            <a:solidFill>
+              <a:schemeClr val="tx1"/>
+            </a:solidFill>
+          </a:ln>
+          <a:effectLst>
+            <a:glow>
+              <a:schemeClr val="accent1">
+                <a:alpha val="40000"/>
+              </a:schemeClr>
+            </a:glow>
+          </a:effectLst>
+        </p:spPr>
+        <p:style>
+          <a:lnRef idx="1">
+            <a:schemeClr val="accent6"/>
+          </a:lnRef>
+          <a:fillRef idx="3">
+            <a:schemeClr val="accent6"/>
+          </a:fillRef>
+          <a:effectRef idx="2">
+            <a:schemeClr val="accent6"/>
+          </a:effectRef>
+          <a:fontRef idx="minor">
+            <a:schemeClr val="lt1"/>
+          </a:fontRef>
+        </p:style>
+        <p:txBody>
+          <a:bodyPr vertOverflow="overflow" horzOverflow="overflow" vert="horz" wrap="none" lIns="0" tIns="0" rIns="0" bIns="0" numCol="1" spcCol="0" rtlCol="0" fromWordArt="0" anchor="ctr" anchorCtr="0" forceAA="0" compatLnSpc="1">
+            <a:normAutofit/>
+          </a:bodyPr>
+          <a:lstStyle/>
+          <a:p>
+            <a:pPr lvl="0" algn="ctr"/>
+            <a:r>
+              <a:rPr lang="en-US" altLang="zh-CN" sz="1400" dirty="0">
+                <a:ln w="0"/>
+                <a:solidFill>
+                  <a:schemeClr val="tx1"/>
+                </a:solidFill>
+                <a:effectLst>
+                  <a:outerShdw blurRad="38100" dist="19050" dir="2700000" algn="tl" rotWithShape="0">
+                    <a:schemeClr val="dk1">
+                      <a:alpha val="40000"/>
+                    </a:schemeClr>
+                  </a:outerShdw>
+                </a:effectLst>
+                <a:sym typeface="+mn-ea"/>
+              </a:rPr>
+              <a:t>Food </a:t>
+            </a:r>
+            <a:r>
+              <a:rPr lang="en-US" altLang="zh-CN" sz="1400" dirty="0" smtClean="0">
+                <a:ln w="0"/>
+                <a:solidFill>
+                  <a:schemeClr val="tx1"/>
+                </a:solidFill>
+                <a:effectLst>
+                  <a:outerShdw blurRad="38100" dist="19050" dir="2700000" algn="tl" rotWithShape="0">
+                    <a:schemeClr val="dk1">
+                      <a:alpha val="40000"/>
+                    </a:schemeClr>
+                  </a:outerShdw>
+                </a:effectLst>
+                <a:sym typeface="+mn-ea"/>
+              </a:rPr>
+              <a:t>map</a:t>
+            </a:r>
+          </a:p>
+          <a:p>
+            <a:pPr lvl="0" algn="ctr"/>
+            <a:r>
+              <a:rPr lang="en-US" altLang="zh-CN" sz="1400" dirty="0" smtClean="0">
+                <a:ln w="0"/>
+                <a:solidFill>
+                  <a:schemeClr val="tx1"/>
+                </a:solidFill>
+                <a:effectLst>
+                  <a:outerShdw blurRad="38100" dist="19050" dir="2700000" algn="tl" rotWithShape="0">
+                    <a:schemeClr val="dk1">
+                      <a:alpha val="40000"/>
+                    </a:schemeClr>
+                  </a:outerShdw>
+                </a:effectLst>
+                <a:sym typeface="+mn-ea"/>
+              </a:rPr>
+              <a:t>18855</a:t>
+            </a:r>
+            <a:endParaRPr lang="en-US" altLang="zh-CN" sz="1400" dirty="0">
+              <a:ln w="0"/>
+              <a:solidFill>
+                <a:schemeClr val="tx1"/>
+              </a:solidFill>
+              <a:effectLst>
+                <a:outerShdw blurRad="38100" dist="19050" dir="2700000" algn="tl" rotWithShape="0">
+                  <a:schemeClr val="dk1">
+                    <a:alpha val="40000"/>
+                  </a:schemeClr>
+                </a:outerShdw>
+              </a:effectLst>
+              <a:sym typeface="+mn-ea"/>
+            </a:endParaRPr>
+          </a:p>
+        </p:txBody>
+      </p:sp>
+      <p:sp>
+        <p:nvSpPr>
           <p:cNvPr id="107" name="圆角矩形 30"/>
           <p:cNvSpPr/>
           <p:nvPr/>
         </p:nvSpPr>
         <p:spPr>
           <a:xfrm>
-            <a:off x="1644015" y="139491"/>
+            <a:off x="876849" y="278976"/>
             <a:ext cx="10053320" cy="468100"/>
           </a:xfrm>
           <a:prstGeom prst="roundRect">
@@ -16054,11 +20413,6 @@
               </a:rPr>
               <a:t>Gateway</a:t>
             </a:r>
-            <a:endParaRPr lang="en-US" altLang="zh-CN" sz="2800" dirty="0">
-              <a:solidFill>
-                <a:schemeClr val="tx1"/>
-              </a:solidFill>
-            </a:endParaRPr>
           </a:p>
         </p:txBody>
       </p:sp>
@@ -16073,7 +20427,7 @@
         </p:nvCxnSpPr>
         <p:spPr>
           <a:xfrm rot="5400000">
-            <a:off x="4406355" y="3188491"/>
+            <a:off x="3639189" y="3327976"/>
             <a:ext cx="629827" cy="86"/>
           </a:xfrm>
           <a:prstGeom prst="bentConnector3">
@@ -16114,7 +20468,7 @@
         </p:nvCxnSpPr>
         <p:spPr>
           <a:xfrm rot="16200000" flipH="1">
-            <a:off x="5858780" y="471095"/>
+            <a:off x="5091614" y="610580"/>
             <a:ext cx="395963" cy="2983779"/>
           </a:xfrm>
           <a:prstGeom prst="bentConnector3">
@@ -16155,7 +20509,7 @@
         </p:nvCxnSpPr>
         <p:spPr>
           <a:xfrm rot="16200000" flipH="1">
-            <a:off x="6329409" y="466"/>
+            <a:off x="5562243" y="139951"/>
             <a:ext cx="409347" cy="3938421"/>
           </a:xfrm>
           <a:prstGeom prst="bentConnector3">
@@ -16196,7 +20550,7 @@
         </p:nvCxnSpPr>
         <p:spPr>
           <a:xfrm rot="16200000" flipH="1">
-            <a:off x="4869253" y="-518431"/>
+            <a:off x="4102087" y="-378946"/>
             <a:ext cx="443304" cy="4915492"/>
           </a:xfrm>
           <a:prstGeom prst="bentConnector3">
@@ -16236,9 +20590,9 @@
           <p:nvPr/>
         </p:nvCxnSpPr>
         <p:spPr>
-          <a:xfrm rot="16200000" flipH="1">
-            <a:off x="2475949" y="1874872"/>
-            <a:ext cx="532443" cy="218023"/>
+          <a:xfrm rot="5400000">
+            <a:off x="1217047" y="2094557"/>
+            <a:ext cx="474823" cy="1"/>
           </a:xfrm>
           <a:prstGeom prst="bentConnector3">
             <a:avLst>
@@ -16278,7 +20632,7 @@
         </p:nvCxnSpPr>
         <p:spPr>
           <a:xfrm rot="5400000">
-            <a:off x="8466009" y="651115"/>
+            <a:off x="7698843" y="790600"/>
             <a:ext cx="592495" cy="2427209"/>
           </a:xfrm>
           <a:prstGeom prst="bentConnector3">
@@ -16319,7 +20673,7 @@
         </p:nvCxnSpPr>
         <p:spPr>
           <a:xfrm rot="5400000">
-            <a:off x="4696177" y="753755"/>
+            <a:off x="3929011" y="893240"/>
             <a:ext cx="757136" cy="4947813"/>
           </a:xfrm>
           <a:prstGeom prst="bentConnector3">
@@ -16360,7 +20714,7 @@
         </p:nvCxnSpPr>
         <p:spPr>
           <a:xfrm rot="5400000">
-            <a:off x="5220574" y="1239246"/>
+            <a:off x="4453408" y="1378731"/>
             <a:ext cx="718230" cy="3937925"/>
           </a:xfrm>
           <a:prstGeom prst="bentConnector3">
@@ -16390,204 +20744,6 @@
           </a:fontRef>
         </p:style>
       </p:cxnSp>
-      <p:sp>
-        <p:nvSpPr>
-          <p:cNvPr id="172" name="圆角矩形 31"/>
-          <p:cNvSpPr/>
-          <p:nvPr/>
-        </p:nvSpPr>
-        <p:spPr>
-          <a:xfrm>
-            <a:off x="77471" y="605155"/>
-            <a:ext cx="1382178" cy="5052343"/>
-          </a:xfrm>
-          <a:prstGeom prst="roundRect">
-            <a:avLst/>
-          </a:prstGeom>
-          <a:solidFill>
-            <a:schemeClr val="bg2">
-              <a:lumMod val="75000"/>
-            </a:schemeClr>
-          </a:solidFill>
-          <a:ln w="57150">
-            <a:solidFill>
-              <a:schemeClr val="tx1"/>
-            </a:solidFill>
-          </a:ln>
-        </p:spPr>
-        <p:style>
-          <a:lnRef idx="2">
-            <a:schemeClr val="accent1">
-              <a:shade val="50000"/>
-            </a:schemeClr>
-          </a:lnRef>
-          <a:fillRef idx="1">
-            <a:schemeClr val="accent1"/>
-          </a:fillRef>
-          <a:effectRef idx="0">
-            <a:schemeClr val="accent1"/>
-          </a:effectRef>
-          <a:fontRef idx="minor">
-            <a:schemeClr val="lt1"/>
-          </a:fontRef>
-        </p:style>
-        <p:txBody>
-          <a:bodyPr wrap="none" rtlCol="0" anchor="ctr"/>
-          <a:lstStyle/>
-          <a:p>
-            <a:pPr algn="ctr"/>
-            <a:r>
-              <a:rPr lang="en-US" altLang="zh-CN" sz="2400" dirty="0">
-                <a:solidFill>
-                  <a:schemeClr val="tx1"/>
-                </a:solidFill>
-              </a:rPr>
-              <a:t>Service</a:t>
-            </a:r>
-            <a:endParaRPr lang="en-US" altLang="zh-CN" sz="2400" dirty="0">
-              <a:solidFill>
-                <a:schemeClr val="tx1"/>
-              </a:solidFill>
-            </a:endParaRPr>
-          </a:p>
-          <a:p>
-            <a:pPr algn="ctr"/>
-            <a:r>
-              <a:rPr lang="en-US" altLang="zh-CN" sz="2400" dirty="0">
-                <a:solidFill>
-                  <a:schemeClr val="tx1"/>
-                </a:solidFill>
-              </a:rPr>
-              <a:t>Discovery</a:t>
-            </a:r>
-            <a:endParaRPr lang="en-US" altLang="zh-CN" sz="2400" dirty="0">
-              <a:solidFill>
-                <a:schemeClr val="tx1"/>
-              </a:solidFill>
-            </a:endParaRPr>
-          </a:p>
-          <a:p>
-            <a:pPr algn="ctr"/>
-            <a:r>
-              <a:rPr lang="en-US" altLang="zh-CN" sz="2400" dirty="0">
-                <a:solidFill>
-                  <a:schemeClr val="tx1"/>
-                </a:solidFill>
-              </a:rPr>
-              <a:t>(k8s)</a:t>
-            </a:r>
-            <a:endParaRPr lang="en-US" altLang="zh-CN" sz="2400" dirty="0">
-              <a:solidFill>
-                <a:schemeClr val="tx1"/>
-              </a:solidFill>
-            </a:endParaRPr>
-          </a:p>
-          <a:p>
-            <a:pPr algn="ctr"/>
-            <a:endParaRPr lang="en-US" altLang="zh-CN" sz="2400" dirty="0">
-              <a:solidFill>
-                <a:schemeClr val="tx1"/>
-              </a:solidFill>
-            </a:endParaRPr>
-          </a:p>
-          <a:p>
-            <a:pPr algn="ctr"/>
-            <a:endParaRPr lang="en-US" altLang="zh-CN" sz="2400" dirty="0">
-              <a:solidFill>
-                <a:schemeClr val="tx1"/>
-              </a:solidFill>
-            </a:endParaRPr>
-          </a:p>
-          <a:p>
-            <a:pPr algn="ctr"/>
-            <a:r>
-              <a:rPr lang="en-US" altLang="zh-CN" sz="2400" dirty="0">
-                <a:solidFill>
-                  <a:schemeClr val="tx1"/>
-                </a:solidFill>
-              </a:rPr>
-              <a:t>Service</a:t>
-            </a:r>
-            <a:endParaRPr lang="en-US" altLang="zh-CN" sz="2400" dirty="0">
-              <a:solidFill>
-                <a:schemeClr val="tx1"/>
-              </a:solidFill>
-            </a:endParaRPr>
-          </a:p>
-          <a:p>
-            <a:pPr algn="ctr"/>
-            <a:r>
-              <a:rPr lang="en-US" altLang="zh-CN" sz="2400" dirty="0">
-                <a:solidFill>
-                  <a:schemeClr val="tx1"/>
-                </a:solidFill>
-              </a:rPr>
-              <a:t>Registry</a:t>
-            </a:r>
-            <a:endParaRPr lang="en-US" altLang="zh-CN" sz="2400" dirty="0">
-              <a:solidFill>
-                <a:schemeClr val="tx1"/>
-              </a:solidFill>
-            </a:endParaRPr>
-          </a:p>
-          <a:p>
-            <a:pPr algn="ctr"/>
-            <a:endParaRPr lang="en-US" altLang="zh-CN" sz="2400" dirty="0">
-              <a:solidFill>
-                <a:schemeClr val="tx1"/>
-              </a:solidFill>
-            </a:endParaRPr>
-          </a:p>
-          <a:p>
-            <a:pPr algn="ctr"/>
-            <a:endParaRPr lang="en-US" altLang="zh-CN" sz="2400" dirty="0">
-              <a:solidFill>
-                <a:schemeClr val="tx1"/>
-              </a:solidFill>
-            </a:endParaRPr>
-          </a:p>
-          <a:p>
-            <a:pPr algn="ctr"/>
-            <a:endParaRPr lang="en-US" altLang="zh-CN" sz="2400" dirty="0">
-              <a:solidFill>
-                <a:schemeClr val="tx1"/>
-              </a:solidFill>
-            </a:endParaRPr>
-          </a:p>
-          <a:p>
-            <a:pPr algn="ctr"/>
-            <a:r>
-              <a:rPr lang="en-US" altLang="zh-CN" sz="2400" dirty="0">
-                <a:solidFill>
-                  <a:schemeClr val="tx1"/>
-                </a:solidFill>
-              </a:rPr>
-              <a:t>Load</a:t>
-            </a:r>
-            <a:endParaRPr lang="en-US" altLang="zh-CN" sz="2400" dirty="0">
-              <a:solidFill>
-                <a:schemeClr val="tx1"/>
-              </a:solidFill>
-            </a:endParaRPr>
-          </a:p>
-          <a:p>
-            <a:pPr algn="ctr"/>
-            <a:r>
-              <a:rPr lang="en-US" altLang="zh-CN" sz="2400" dirty="0">
-                <a:solidFill>
-                  <a:schemeClr val="tx1"/>
-                </a:solidFill>
-              </a:rPr>
-              <a:t>Balance</a:t>
-            </a:r>
-            <a:endParaRPr lang="en-US" altLang="zh-CN" sz="2400" dirty="0">
-              <a:solidFill>
-                <a:schemeClr val="tx1"/>
-              </a:solidFill>
-            </a:endParaRPr>
-          </a:p>
-        </p:txBody>
-      </p:sp>
       <p:cxnSp>
         <p:nvCxnSpPr>
           <p:cNvPr id="174" name="肘形连接符 86"/>
@@ -16599,12 +20755,12 @@
         </p:nvCxnSpPr>
         <p:spPr>
           <a:xfrm rot="5400000">
-            <a:off x="4460260" y="-1219510"/>
-            <a:ext cx="383315" cy="4037516"/>
+            <a:off x="3487328" y="-1285793"/>
+            <a:ext cx="383313" cy="4449051"/>
           </a:xfrm>
           <a:prstGeom prst="bentConnector3">
             <a:avLst>
-              <a:gd name="adj1" fmla="val 57952"/>
+              <a:gd name="adj1" fmla="val 50000"/>
             </a:avLst>
           </a:prstGeom>
           <a:ln w="19050">
@@ -16640,7 +20796,7 @@
         </p:nvCxnSpPr>
         <p:spPr>
           <a:xfrm rot="5400000">
-            <a:off x="5428925" y="-256461"/>
+            <a:off x="4661759" y="-116976"/>
             <a:ext cx="377698" cy="2105803"/>
           </a:xfrm>
           <a:prstGeom prst="bentConnector3">
@@ -16681,7 +20837,7 @@
         </p:nvCxnSpPr>
         <p:spPr>
           <a:xfrm rot="5400000">
-            <a:off x="10366574" y="2518715"/>
+            <a:off x="9599408" y="2658200"/>
             <a:ext cx="553844" cy="1054215"/>
           </a:xfrm>
           <a:prstGeom prst="bentConnector3">
@@ -16722,7 +20878,7 @@
         </p:nvCxnSpPr>
         <p:spPr>
           <a:xfrm rot="5400000">
-            <a:off x="10887895" y="3051608"/>
+            <a:off x="10120729" y="3191093"/>
             <a:ext cx="565416" cy="1"/>
           </a:xfrm>
           <a:prstGeom prst="bentConnector3">
@@ -16763,7 +20919,7 @@
         </p:nvCxnSpPr>
         <p:spPr>
           <a:xfrm rot="16200000" flipH="1">
-            <a:off x="10422133" y="3558175"/>
+            <a:off x="9654967" y="3697660"/>
             <a:ext cx="465349" cy="1076839"/>
           </a:xfrm>
           <a:prstGeom prst="bentConnector3">
@@ -16804,7 +20960,7 @@
         </p:nvCxnSpPr>
         <p:spPr>
           <a:xfrm rot="16200000" flipH="1">
-            <a:off x="3644444" y="3674139"/>
+            <a:off x="2877278" y="3813624"/>
             <a:ext cx="442252" cy="2400884"/>
           </a:xfrm>
           <a:prstGeom prst="bentConnector3">
@@ -16845,7 +21001,7 @@
         </p:nvCxnSpPr>
         <p:spPr>
           <a:xfrm rot="16200000" flipH="1">
-            <a:off x="6890233" y="3537686"/>
+            <a:off x="6123067" y="3677171"/>
             <a:ext cx="354723" cy="974142"/>
           </a:xfrm>
           <a:prstGeom prst="bentConnector3">
@@ -16886,7 +21042,7 @@
         </p:nvCxnSpPr>
         <p:spPr>
           <a:xfrm rot="5400000">
-            <a:off x="7379815" y="4022247"/>
+            <a:off x="6612649" y="4161732"/>
             <a:ext cx="354723" cy="5021"/>
           </a:xfrm>
           <a:prstGeom prst="bentConnector3">
@@ -16927,7 +21083,7 @@
         </p:nvCxnSpPr>
         <p:spPr>
           <a:xfrm rot="16200000" flipH="1">
-            <a:off x="2371308" y="4947275"/>
+            <a:off x="1604142" y="5086760"/>
             <a:ext cx="593559" cy="5918"/>
           </a:xfrm>
           <a:prstGeom prst="bentConnector3">
@@ -16968,7 +21124,7 @@
         </p:nvCxnSpPr>
         <p:spPr>
           <a:xfrm rot="5400000">
-            <a:off x="7165077" y="4727285"/>
+            <a:off x="6397911" y="4866770"/>
             <a:ext cx="457376" cy="321800"/>
           </a:xfrm>
           <a:prstGeom prst="bentConnector3">
@@ -17000,66 +21156,89 @@
       </p:cxnSp>
       <p:sp>
         <p:nvSpPr>
-          <p:cNvPr id="25" name="圆角矩形 31"/>
+          <p:cNvPr id="84" name="流程图: 准备 83"/>
           <p:cNvSpPr/>
           <p:nvPr/>
         </p:nvSpPr>
         <p:spPr>
           <a:xfrm>
-            <a:off x="1875155" y="5948680"/>
-            <a:ext cx="9761220" cy="635635"/>
-          </a:xfrm>
-          <a:prstGeom prst="roundRect">
-            <a:avLst/>
-          </a:prstGeom>
-          <a:solidFill>
-            <a:schemeClr val="bg2">
-              <a:lumMod val="75000"/>
-            </a:schemeClr>
-          </a:solidFill>
-          <a:ln w="57150">
-            <a:solidFill>
-              <a:schemeClr val="tx1"/>
-            </a:solidFill>
-          </a:ln>
-        </p:spPr>
-        <p:style>
-          <a:lnRef idx="2">
-            <a:schemeClr val="accent1">
-              <a:shade val="50000"/>
-            </a:schemeClr>
-          </a:lnRef>
-          <a:fillRef idx="1">
-            <a:schemeClr val="accent1"/>
-          </a:fillRef>
-          <a:effectRef idx="0">
-            <a:schemeClr val="accent1"/>
+            <a:off x="8793880" y="6249981"/>
+            <a:ext cx="1188538" cy="556327"/>
+          </a:xfrm>
+          <a:prstGeom prst="flowChartPreparation">
+            <a:avLst/>
+          </a:prstGeom>
+          <a:noFill/>
+          <a:ln w="28575">
+            <a:solidFill>
+              <a:schemeClr val="tx1"/>
+            </a:solidFill>
+          </a:ln>
+          <a:effectLst>
+            <a:glow>
+              <a:schemeClr val="accent1">
+                <a:alpha val="40000"/>
+              </a:schemeClr>
+            </a:glow>
+          </a:effectLst>
+        </p:spPr>
+        <p:style>
+          <a:lnRef idx="1">
+            <a:schemeClr val="accent6"/>
+          </a:lnRef>
+          <a:fillRef idx="3">
+            <a:schemeClr val="accent6"/>
+          </a:fillRef>
+          <a:effectRef idx="2">
+            <a:schemeClr val="accent6"/>
           </a:effectRef>
           <a:fontRef idx="minor">
             <a:schemeClr val="lt1"/>
           </a:fontRef>
         </p:style>
         <p:txBody>
-          <a:bodyPr wrap="none" rtlCol="0" anchor="ctr"/>
-          <a:p>
-            <a:pPr algn="ctr"/>
-            <a:r>
-              <a:rPr lang="en-US" altLang="zh-CN" sz="2400" dirty="0">
-                <a:solidFill>
-                  <a:schemeClr val="tx1"/>
-                </a:solidFill>
-              </a:rPr>
-              <a:t>Traffic Management(istio)			Monitoring &amp; Metrics</a:t>
-            </a:r>
-            <a:endParaRPr lang="en-US" altLang="zh-CN" sz="2400" dirty="0">
+          <a:bodyPr vertOverflow="overflow" horzOverflow="overflow" vert="horz" wrap="none" lIns="0" tIns="0" rIns="0" bIns="0" numCol="1" spcCol="0" rtlCol="0" fromWordArt="0" anchor="ctr" anchorCtr="0" forceAA="0" compatLnSpc="1">
+            <a:normAutofit/>
+          </a:bodyPr>
+          <a:lstStyle/>
+          <a:p>
+            <a:pPr lvl="0" algn="ctr"/>
+            <a:r>
+              <a:rPr lang="en-US" altLang="zh-CN" sz="1400" dirty="0" smtClean="0">
+                <a:solidFill>
+                  <a:schemeClr val="tx1"/>
+                </a:solidFill>
+                <a:sym typeface="+mn-ea"/>
+              </a:rPr>
+              <a:t>Travel-plan</a:t>
+            </a:r>
+          </a:p>
+          <a:p>
+            <a:pPr lvl="0" algn="ctr"/>
+            <a:r>
+              <a:rPr lang="en-US" altLang="zh-CN" sz="1400" dirty="0" smtClean="0">
+                <a:solidFill>
+                  <a:schemeClr val="tx1"/>
+                </a:solidFill>
+                <a:sym typeface="+mn-ea"/>
+              </a:rPr>
+              <a:t>14322</a:t>
+            </a:r>
+            <a:endParaRPr lang="en-US" altLang="zh-CN" sz="1400" dirty="0">
               <a:solidFill>
                 <a:schemeClr val="tx1"/>
               </a:solidFill>
+              <a:sym typeface="+mn-ea"/>
             </a:endParaRPr>
           </a:p>
         </p:txBody>
       </p:sp>
     </p:spTree>
+    <p:extLst>
+      <p:ext uri="{BB962C8B-B14F-4D97-AF65-F5344CB8AC3E}">
+        <p14:creationId xmlns:p14="http://schemas.microsoft.com/office/powerpoint/2010/main" val="655977377"/>
+      </p:ext>
+    </p:extLst>
   </p:cSld>
   <p:clrMapOvr>
     <a:masterClrMapping/>
@@ -17318,6 +21497,8 @@
       </a:bgFillStyleLst>
     </a:fmtScheme>
   </a:themeElements>
+  <a:objectDefaults/>
+  <a:extraClrSchemeLst/>
   <a:extLst>
     <a:ext uri="{05A4C25C-085E-4340-85A3-A5531E510DB2}">
       <thm15:themeFamily xmlns:thm15="http://schemas.microsoft.com/office/thememl/2012/main" name="Office Theme" id="{62F939B6-93AF-4DB8-9C6B-D6C7DFDC589F}" vid="{4A3C46E8-61CC-4603-A589-7422A47A8E4A}"/>
@@ -17577,6 +21758,8 @@
       </a:bgFillStyleLst>
     </a:fmtScheme>
   </a:themeElements>
+  <a:objectDefaults/>
+  <a:extraClrSchemeLst/>
   <a:extLst>
     <a:ext uri="{05A4C25C-085E-4340-85A3-A5531E510DB2}">
       <thm15:themeFamily xmlns:thm15="http://schemas.microsoft.com/office/thememl/2012/main" name="Office Theme" id="{62F939B6-93AF-4DB8-9C6B-D6C7DFDC589F}" vid="{4A3C46E8-61CC-4603-A589-7422A47A8E4A}"/>
@@ -17836,6 +22019,8 @@
       </a:bgFillStyleLst>
     </a:fmtScheme>
   </a:themeElements>
+  <a:objectDefaults/>
+  <a:extraClrSchemeLst/>
   <a:extLst>
     <a:ext uri="{05A4C25C-085E-4340-85A3-A5531E510DB2}">
       <thm15:themeFamily xmlns:thm15="http://schemas.microsoft.com/office/thememl/2012/main" name="Office Theme" id="{62F939B6-93AF-4DB8-9C6B-D6C7DFDC589F}" vid="{4A3C46E8-61CC-4603-A589-7422A47A8E4A}"/>

--- a/system_architecture.pptx
+++ b/system_architecture.pptx
@@ -5,16 +5,17 @@
     <p:sldMasterId id="2147483648" r:id="rId1"/>
   </p:sldMasterIdLst>
   <p:notesMasterIdLst>
-    <p:notesMasterId r:id="rId6"/>
+    <p:notesMasterId r:id="rId7"/>
   </p:notesMasterIdLst>
   <p:handoutMasterIdLst>
-    <p:handoutMasterId r:id="rId7"/>
+    <p:handoutMasterId r:id="rId8"/>
   </p:handoutMasterIdLst>
   <p:sldIdLst>
     <p:sldId id="256" r:id="rId2"/>
     <p:sldId id="257" r:id="rId3"/>
     <p:sldId id="258" r:id="rId4"/>
-    <p:sldId id="259" r:id="rId5"/>
+    <p:sldId id="260" r:id="rId5"/>
+    <p:sldId id="259" r:id="rId6"/>
   </p:sldIdLst>
   <p:sldSz cx="12192000" cy="6858000"/>
   <p:notesSz cx="6858000" cy="9144000"/>
@@ -203,7 +204,7 @@
           <a:p>
             <a:fld id="{0F9B84EA-7D68-4D60-9CB1-D50884785D1C}" type="datetimeFigureOut">
               <a:rPr lang="zh-CN" altLang="en-US" smtClean="0"/>
-              <a:t>2019/4/9</a:t>
+              <a:t>2019/5/27</a:t>
             </a:fld>
             <a:endParaRPr lang="zh-CN" altLang="en-US"/>
           </a:p>
@@ -363,7 +364,7 @@
           <a:p>
             <a:fld id="{D2A48B96-639E-45A3-A0BA-2464DFDB1FAA}" type="datetimeFigureOut">
               <a:rPr lang="zh-CN" altLang="en-US" smtClean="0"/>
-              <a:t>2019/4/9</a:t>
+              <a:t>2019/5/27</a:t>
             </a:fld>
             <a:endParaRPr lang="zh-CN" altLang="en-US"/>
           </a:p>
@@ -788,6 +789,67 @@
     </p:spTree>
     <p:extLst>
       <p:ext uri="{BB962C8B-B14F-4D97-AF65-F5344CB8AC3E}">
+        <p14:creationId xmlns:p14="http://schemas.microsoft.com/office/powerpoint/2010/main" val="574859158"/>
+      </p:ext>
+    </p:extLst>
+  </p:cSld>
+  <p:clrMapOvr>
+    <a:masterClrMapping/>
+  </p:clrMapOvr>
+</p:notes>
+</file>
+
+<file path=ppt/notesSlides/notesSlide4.xml><?xml version="1.0" encoding="utf-8"?>
+<p:notes xmlns:a="http://schemas.openxmlformats.org/drawingml/2006/main" xmlns:r="http://schemas.openxmlformats.org/officeDocument/2006/relationships" xmlns:p="http://schemas.openxmlformats.org/presentationml/2006/main">
+  <p:cSld>
+    <p:spTree>
+      <p:nvGrpSpPr>
+        <p:cNvPr id="1" name=""/>
+        <p:cNvGrpSpPr/>
+        <p:nvPr/>
+      </p:nvGrpSpPr>
+      <p:grpSpPr>
+        <a:xfrm>
+          <a:off x="0" y="0"/>
+          <a:ext cx="0" cy="0"/>
+          <a:chOff x="0" y="0"/>
+          <a:chExt cx="0" cy="0"/>
+        </a:xfrm>
+      </p:grpSpPr>
+      <p:sp>
+        <p:nvSpPr>
+          <p:cNvPr id="2" name="幻灯片图像占位符 1"/>
+          <p:cNvSpPr>
+            <a:spLocks noGrp="1" noRot="1" noChangeAspect="1"/>
+          </p:cNvSpPr>
+          <p:nvPr>
+            <p:ph type="sldImg" idx="2"/>
+          </p:nvPr>
+        </p:nvSpPr>
+        <p:spPr/>
+      </p:sp>
+      <p:sp>
+        <p:nvSpPr>
+          <p:cNvPr id="3" name="文本占位符 2"/>
+          <p:cNvSpPr>
+            <a:spLocks noGrp="1"/>
+          </p:cNvSpPr>
+          <p:nvPr>
+            <p:ph type="body" idx="3"/>
+          </p:nvPr>
+        </p:nvSpPr>
+        <p:spPr/>
+        <p:txBody>
+          <a:bodyPr/>
+          <a:lstStyle/>
+          <a:p>
+            <a:endParaRPr lang="zh-CN" altLang="en-US"/>
+          </a:p>
+        </p:txBody>
+      </p:sp>
+    </p:spTree>
+    <p:extLst>
+      <p:ext uri="{BB962C8B-B14F-4D97-AF65-F5344CB8AC3E}">
         <p14:creationId xmlns:p14="http://schemas.microsoft.com/office/powerpoint/2010/main" val="2659663086"/>
       </p:ext>
     </p:extLst>
@@ -927,7 +989,7 @@
           <a:p>
             <a:fld id="{D997B5FA-0921-464F-AAE1-844C04324D75}" type="datetimeFigureOut">
               <a:rPr lang="zh-CN" altLang="en-US" smtClean="0"/>
-              <a:t>2019/4/9</a:t>
+              <a:t>2019/5/27</a:t>
             </a:fld>
             <a:endParaRPr lang="zh-CN" altLang="en-US"/>
           </a:p>
@@ -1090,7 +1152,7 @@
           <a:p>
             <a:fld id="{D997B5FA-0921-464F-AAE1-844C04324D75}" type="datetimeFigureOut">
               <a:rPr lang="zh-CN" altLang="en-US" smtClean="0"/>
-              <a:t>2019/4/9</a:t>
+              <a:t>2019/5/27</a:t>
             </a:fld>
             <a:endParaRPr lang="zh-CN" altLang="en-US"/>
           </a:p>
@@ -1263,7 +1325,7 @@
           <a:p>
             <a:fld id="{D997B5FA-0921-464F-AAE1-844C04324D75}" type="datetimeFigureOut">
               <a:rPr lang="zh-CN" altLang="en-US" smtClean="0"/>
-              <a:t>2019/4/9</a:t>
+              <a:t>2019/5/27</a:t>
             </a:fld>
             <a:endParaRPr lang="zh-CN" altLang="en-US"/>
           </a:p>
@@ -1426,7 +1488,7 @@
           <a:p>
             <a:fld id="{D997B5FA-0921-464F-AAE1-844C04324D75}" type="datetimeFigureOut">
               <a:rPr lang="zh-CN" altLang="en-US" smtClean="0"/>
-              <a:t>2019/4/9</a:t>
+              <a:t>2019/5/27</a:t>
             </a:fld>
             <a:endParaRPr lang="zh-CN" altLang="en-US"/>
           </a:p>
@@ -1666,7 +1728,7 @@
           <a:p>
             <a:fld id="{D997B5FA-0921-464F-AAE1-844C04324D75}" type="datetimeFigureOut">
               <a:rPr lang="zh-CN" altLang="en-US" smtClean="0"/>
-              <a:t>2019/4/9</a:t>
+              <a:t>2019/5/27</a:t>
             </a:fld>
             <a:endParaRPr lang="zh-CN" altLang="en-US"/>
           </a:p>
@@ -1890,7 +1952,7 @@
           <a:p>
             <a:fld id="{D997B5FA-0921-464F-AAE1-844C04324D75}" type="datetimeFigureOut">
               <a:rPr lang="zh-CN" altLang="en-US" smtClean="0"/>
-              <a:t>2019/4/9</a:t>
+              <a:t>2019/5/27</a:t>
             </a:fld>
             <a:endParaRPr lang="zh-CN" altLang="en-US"/>
           </a:p>
@@ -2249,7 +2311,7 @@
           <a:p>
             <a:fld id="{D997B5FA-0921-464F-AAE1-844C04324D75}" type="datetimeFigureOut">
               <a:rPr lang="zh-CN" altLang="en-US" smtClean="0"/>
-              <a:t>2019/4/9</a:t>
+              <a:t>2019/5/27</a:t>
             </a:fld>
             <a:endParaRPr lang="zh-CN" altLang="en-US"/>
           </a:p>
@@ -2361,7 +2423,7 @@
           <a:p>
             <a:fld id="{D997B5FA-0921-464F-AAE1-844C04324D75}" type="datetimeFigureOut">
               <a:rPr lang="zh-CN" altLang="en-US" smtClean="0"/>
-              <a:t>2019/4/9</a:t>
+              <a:t>2019/5/27</a:t>
             </a:fld>
             <a:endParaRPr lang="zh-CN" altLang="en-US"/>
           </a:p>
@@ -2451,7 +2513,7 @@
           <a:p>
             <a:fld id="{D997B5FA-0921-464F-AAE1-844C04324D75}" type="datetimeFigureOut">
               <a:rPr lang="zh-CN" altLang="en-US" smtClean="0"/>
-              <a:t>2019/4/9</a:t>
+              <a:t>2019/5/27</a:t>
             </a:fld>
             <a:endParaRPr lang="zh-CN" altLang="en-US"/>
           </a:p>
@@ -2721,7 +2783,7 @@
           <a:p>
             <a:fld id="{D997B5FA-0921-464F-AAE1-844C04324D75}" type="datetimeFigureOut">
               <a:rPr lang="zh-CN" altLang="en-US" smtClean="0"/>
-              <a:t>2019/4/9</a:t>
+              <a:t>2019/5/27</a:t>
             </a:fld>
             <a:endParaRPr lang="zh-CN" altLang="en-US"/>
           </a:p>
@@ -2968,7 +3030,7 @@
           <a:p>
             <a:fld id="{D997B5FA-0921-464F-AAE1-844C04324D75}" type="datetimeFigureOut">
               <a:rPr lang="zh-CN" altLang="en-US" smtClean="0"/>
-              <a:t>2019/4/9</a:t>
+              <a:t>2019/5/27</a:t>
             </a:fld>
             <a:endParaRPr lang="zh-CN" altLang="en-US"/>
           </a:p>
@@ -3174,7 +3236,7 @@
           <a:p>
             <a:fld id="{D997B5FA-0921-464F-AAE1-844C04324D75}" type="datetimeFigureOut">
               <a:rPr lang="zh-CN" altLang="en-US" smtClean="0"/>
-              <a:t>2019/4/9</a:t>
+              <a:t>2019/5/27</a:t>
             </a:fld>
             <a:endParaRPr lang="zh-CN" altLang="en-US"/>
           </a:p>
@@ -16083,6 +16145,4461 @@
 </file>
 
 <file path=ppt/slides/slide4.xml><?xml version="1.0" encoding="utf-8"?>
+<p:sld xmlns:a="http://schemas.openxmlformats.org/drawingml/2006/main" xmlns:r="http://schemas.openxmlformats.org/officeDocument/2006/relationships" xmlns:p="http://schemas.openxmlformats.org/presentationml/2006/main">
+  <p:cSld>
+    <p:spTree>
+      <p:nvGrpSpPr>
+        <p:cNvPr id="1" name=""/>
+        <p:cNvGrpSpPr/>
+        <p:nvPr/>
+      </p:nvGrpSpPr>
+      <p:grpSpPr>
+        <a:xfrm>
+          <a:off x="0" y="0"/>
+          <a:ext cx="0" cy="0"/>
+          <a:chOff x="0" y="0"/>
+          <a:chExt cx="0" cy="0"/>
+        </a:xfrm>
+      </p:grpSpPr>
+      <p:sp>
+        <p:nvSpPr>
+          <p:cNvPr id="4" name="流程图: 准备 3"/>
+          <p:cNvSpPr/>
+          <p:nvPr/>
+        </p:nvSpPr>
+        <p:spPr>
+          <a:xfrm>
+            <a:off x="3669736" y="5095707"/>
+            <a:ext cx="699575" cy="688126"/>
+          </a:xfrm>
+          <a:prstGeom prst="flowChartPreparation">
+            <a:avLst/>
+          </a:prstGeom>
+          <a:noFill/>
+          <a:ln w="28575">
+            <a:solidFill>
+              <a:schemeClr val="tx1"/>
+            </a:solidFill>
+          </a:ln>
+          <a:effectLst>
+            <a:glow>
+              <a:schemeClr val="accent1">
+                <a:alpha val="40000"/>
+              </a:schemeClr>
+            </a:glow>
+          </a:effectLst>
+        </p:spPr>
+        <p:style>
+          <a:lnRef idx="1">
+            <a:schemeClr val="accent6"/>
+          </a:lnRef>
+          <a:fillRef idx="3">
+            <a:schemeClr val="accent6"/>
+          </a:fillRef>
+          <a:effectRef idx="2">
+            <a:schemeClr val="accent6"/>
+          </a:effectRef>
+          <a:fontRef idx="minor">
+            <a:schemeClr val="lt1"/>
+          </a:fontRef>
+        </p:style>
+        <p:txBody>
+          <a:bodyPr vertOverflow="overflow" horzOverflow="overflow" vert="horz" wrap="none" lIns="0" tIns="0" rIns="0" bIns="0" numCol="1" spcCol="0" rtlCol="0" fromWordArt="0" anchor="ctr" anchorCtr="0" forceAA="0" compatLnSpc="1">
+            <a:normAutofit/>
+          </a:bodyPr>
+          <a:lstStyle/>
+          <a:p>
+            <a:pPr lvl="0" algn="ctr"/>
+            <a:r>
+              <a:rPr lang="en-US" altLang="zh-CN" sz="1400">
+                <a:solidFill>
+                  <a:schemeClr val="tx1"/>
+                </a:solidFill>
+                <a:sym typeface="+mn-ea"/>
+              </a:rPr>
+              <a:t>config</a:t>
+            </a:r>
+          </a:p>
+        </p:txBody>
+      </p:sp>
+      <p:sp>
+        <p:nvSpPr>
+          <p:cNvPr id="5" name="流程图: 准备 4"/>
+          <p:cNvSpPr/>
+          <p:nvPr/>
+        </p:nvSpPr>
+        <p:spPr>
+          <a:xfrm>
+            <a:off x="8002178" y="5089204"/>
+            <a:ext cx="699575" cy="688126"/>
+          </a:xfrm>
+          <a:prstGeom prst="flowChartPreparation">
+            <a:avLst/>
+          </a:prstGeom>
+          <a:noFill/>
+          <a:ln w="28575">
+            <a:solidFill>
+              <a:schemeClr val="tx1"/>
+            </a:solidFill>
+          </a:ln>
+          <a:effectLst>
+            <a:glow>
+              <a:schemeClr val="accent1">
+                <a:alpha val="40000"/>
+              </a:schemeClr>
+            </a:glow>
+          </a:effectLst>
+        </p:spPr>
+        <p:style>
+          <a:lnRef idx="1">
+            <a:schemeClr val="accent6"/>
+          </a:lnRef>
+          <a:fillRef idx="3">
+            <a:schemeClr val="accent6"/>
+          </a:fillRef>
+          <a:effectRef idx="2">
+            <a:schemeClr val="accent6"/>
+          </a:effectRef>
+          <a:fontRef idx="minor">
+            <a:schemeClr val="lt1"/>
+          </a:fontRef>
+        </p:style>
+        <p:txBody>
+          <a:bodyPr vertOverflow="overflow" horzOverflow="overflow" vert="horz" wrap="none" lIns="0" tIns="0" rIns="0" bIns="0" numCol="1" spcCol="0" rtlCol="0" fromWordArt="0" anchor="ctr" anchorCtr="0" forceAA="0" compatLnSpc="1">
+            <a:normAutofit/>
+          </a:bodyPr>
+          <a:lstStyle/>
+          <a:p>
+            <a:pPr lvl="0" algn="ctr"/>
+            <a:r>
+              <a:rPr lang="en-US" altLang="zh-CN" sz="1400">
+                <a:solidFill>
+                  <a:schemeClr val="tx1"/>
+                </a:solidFill>
+                <a:sym typeface="+mn-ea"/>
+              </a:rPr>
+              <a:t>price</a:t>
+            </a:r>
+          </a:p>
+        </p:txBody>
+      </p:sp>
+      <p:sp>
+        <p:nvSpPr>
+          <p:cNvPr id="7" name="流程图: 准备 6"/>
+          <p:cNvSpPr/>
+          <p:nvPr/>
+        </p:nvSpPr>
+        <p:spPr>
+          <a:xfrm>
+            <a:off x="8864344" y="5094646"/>
+            <a:ext cx="699575" cy="688126"/>
+          </a:xfrm>
+          <a:prstGeom prst="flowChartPreparation">
+            <a:avLst/>
+          </a:prstGeom>
+          <a:noFill/>
+          <a:ln w="28575">
+            <a:solidFill>
+              <a:schemeClr val="tx1"/>
+            </a:solidFill>
+          </a:ln>
+          <a:effectLst>
+            <a:glow>
+              <a:schemeClr val="accent1">
+                <a:alpha val="40000"/>
+              </a:schemeClr>
+            </a:glow>
+          </a:effectLst>
+        </p:spPr>
+        <p:style>
+          <a:lnRef idx="1">
+            <a:schemeClr val="accent6"/>
+          </a:lnRef>
+          <a:fillRef idx="3">
+            <a:schemeClr val="accent6"/>
+          </a:fillRef>
+          <a:effectRef idx="2">
+            <a:schemeClr val="accent6"/>
+          </a:effectRef>
+          <a:fontRef idx="minor">
+            <a:schemeClr val="lt1"/>
+          </a:fontRef>
+        </p:style>
+        <p:txBody>
+          <a:bodyPr vertOverflow="overflow" horzOverflow="overflow" vert="horz" wrap="none" lIns="0" tIns="0" rIns="0" bIns="0" numCol="1" spcCol="0" rtlCol="0" fromWordArt="0" anchor="ctr" anchorCtr="0" forceAA="0" compatLnSpc="1">
+            <a:normAutofit/>
+          </a:bodyPr>
+          <a:lstStyle/>
+          <a:p>
+            <a:pPr lvl="0" algn="ctr"/>
+            <a:r>
+              <a:rPr lang="en-US" altLang="zh-CN" sz="1200" dirty="0">
+                <a:solidFill>
+                  <a:schemeClr val="tx1"/>
+                </a:solidFill>
+                <a:sym typeface="+mn-ea"/>
+              </a:rPr>
+              <a:t>verify</a:t>
+            </a:r>
+          </a:p>
+          <a:p>
+            <a:pPr lvl="0" algn="ctr"/>
+            <a:r>
+              <a:rPr lang="en-US" altLang="zh-CN" sz="1200" dirty="0">
+                <a:solidFill>
+                  <a:schemeClr val="tx1"/>
+                </a:solidFill>
+                <a:sym typeface="+mn-ea"/>
+              </a:rPr>
+              <a:t>code</a:t>
+            </a:r>
+          </a:p>
+        </p:txBody>
+      </p:sp>
+      <p:sp>
+        <p:nvSpPr>
+          <p:cNvPr id="8" name="流程图: 准备 7"/>
+          <p:cNvSpPr/>
+          <p:nvPr/>
+        </p:nvSpPr>
+        <p:spPr>
+          <a:xfrm>
+            <a:off x="6883077" y="5116873"/>
+            <a:ext cx="699575" cy="688126"/>
+          </a:xfrm>
+          <a:prstGeom prst="flowChartPreparation">
+            <a:avLst/>
+          </a:prstGeom>
+          <a:noFill/>
+          <a:ln w="28575">
+            <a:solidFill>
+              <a:schemeClr val="tx1"/>
+            </a:solidFill>
+          </a:ln>
+          <a:effectLst>
+            <a:glow>
+              <a:schemeClr val="accent1">
+                <a:alpha val="40000"/>
+              </a:schemeClr>
+            </a:glow>
+          </a:effectLst>
+        </p:spPr>
+        <p:style>
+          <a:lnRef idx="1">
+            <a:schemeClr val="accent6"/>
+          </a:lnRef>
+          <a:fillRef idx="3">
+            <a:schemeClr val="accent6"/>
+          </a:fillRef>
+          <a:effectRef idx="2">
+            <a:schemeClr val="accent6"/>
+          </a:effectRef>
+          <a:fontRef idx="minor">
+            <a:schemeClr val="lt1"/>
+          </a:fontRef>
+        </p:style>
+        <p:txBody>
+          <a:bodyPr vertOverflow="overflow" horzOverflow="overflow" vert="horz" wrap="none" lIns="0" tIns="0" rIns="0" bIns="0" numCol="1" spcCol="0" rtlCol="0" fromWordArt="0" anchor="ctr" anchorCtr="0" forceAA="0" compatLnSpc="1">
+            <a:normAutofit/>
+          </a:bodyPr>
+          <a:lstStyle/>
+          <a:p>
+            <a:pPr lvl="0" algn="ctr"/>
+            <a:r>
+              <a:rPr lang="en-US" altLang="zh-CN" sz="1400" dirty="0">
+                <a:solidFill>
+                  <a:schemeClr val="tx1"/>
+                </a:solidFill>
+                <a:sym typeface="+mn-ea"/>
+              </a:rPr>
+              <a:t>contact</a:t>
+            </a:r>
+          </a:p>
+        </p:txBody>
+      </p:sp>
+      <p:sp>
+        <p:nvSpPr>
+          <p:cNvPr id="9" name="流程图: 准备 8"/>
+          <p:cNvSpPr/>
+          <p:nvPr/>
+        </p:nvSpPr>
+        <p:spPr>
+          <a:xfrm>
+            <a:off x="5806464" y="5100803"/>
+            <a:ext cx="699575" cy="688126"/>
+          </a:xfrm>
+          <a:prstGeom prst="flowChartPreparation">
+            <a:avLst/>
+          </a:prstGeom>
+          <a:noFill/>
+          <a:ln w="28575">
+            <a:solidFill>
+              <a:schemeClr val="tx1"/>
+            </a:solidFill>
+          </a:ln>
+          <a:effectLst>
+            <a:glow>
+              <a:schemeClr val="accent1">
+                <a:alpha val="40000"/>
+              </a:schemeClr>
+            </a:glow>
+          </a:effectLst>
+        </p:spPr>
+        <p:style>
+          <a:lnRef idx="1">
+            <a:schemeClr val="accent6"/>
+          </a:lnRef>
+          <a:fillRef idx="3">
+            <a:schemeClr val="accent6"/>
+          </a:fillRef>
+          <a:effectRef idx="2">
+            <a:schemeClr val="accent6"/>
+          </a:effectRef>
+          <a:fontRef idx="minor">
+            <a:schemeClr val="lt1"/>
+          </a:fontRef>
+        </p:style>
+        <p:txBody>
+          <a:bodyPr vertOverflow="overflow" horzOverflow="overflow" vert="horz" wrap="none" lIns="0" tIns="0" rIns="0" bIns="0" numCol="1" spcCol="0" rtlCol="0" fromWordArt="0" anchor="ctr" anchorCtr="0" forceAA="0" compatLnSpc="1">
+            <a:normAutofit/>
+          </a:bodyPr>
+          <a:lstStyle/>
+          <a:p>
+            <a:pPr lvl="0" algn="ctr"/>
+            <a:r>
+              <a:rPr lang="en-US" altLang="zh-CN" sz="1400" dirty="0">
+                <a:solidFill>
+                  <a:schemeClr val="tx1"/>
+                </a:solidFill>
+                <a:sym typeface="+mn-ea"/>
+              </a:rPr>
+              <a:t>train</a:t>
+            </a:r>
+          </a:p>
+        </p:txBody>
+      </p:sp>
+      <p:sp>
+        <p:nvSpPr>
+          <p:cNvPr id="10" name="流程图: 准备 9"/>
+          <p:cNvSpPr/>
+          <p:nvPr/>
+        </p:nvSpPr>
+        <p:spPr>
+          <a:xfrm>
+            <a:off x="4716224" y="5095707"/>
+            <a:ext cx="699575" cy="688126"/>
+          </a:xfrm>
+          <a:prstGeom prst="flowChartPreparation">
+            <a:avLst/>
+          </a:prstGeom>
+          <a:noFill/>
+          <a:ln w="28575">
+            <a:solidFill>
+              <a:schemeClr val="tx1"/>
+            </a:solidFill>
+          </a:ln>
+          <a:effectLst>
+            <a:glow>
+              <a:schemeClr val="accent1">
+                <a:alpha val="40000"/>
+              </a:schemeClr>
+            </a:glow>
+          </a:effectLst>
+        </p:spPr>
+        <p:style>
+          <a:lnRef idx="1">
+            <a:schemeClr val="accent6"/>
+          </a:lnRef>
+          <a:fillRef idx="3">
+            <a:schemeClr val="accent6"/>
+          </a:fillRef>
+          <a:effectRef idx="2">
+            <a:schemeClr val="accent6"/>
+          </a:effectRef>
+          <a:fontRef idx="minor">
+            <a:schemeClr val="lt1"/>
+          </a:fontRef>
+        </p:style>
+        <p:txBody>
+          <a:bodyPr vertOverflow="overflow" horzOverflow="overflow" vert="horz" wrap="none" lIns="0" tIns="0" rIns="0" bIns="0" numCol="1" spcCol="0" rtlCol="0" fromWordArt="0" anchor="ctr" anchorCtr="0" forceAA="0" compatLnSpc="1">
+            <a:normAutofit/>
+          </a:bodyPr>
+          <a:lstStyle/>
+          <a:p>
+            <a:pPr lvl="0" algn="ctr"/>
+            <a:r>
+              <a:rPr lang="en-US" altLang="zh-CN" sz="1400" dirty="0">
+                <a:solidFill>
+                  <a:schemeClr val="tx1"/>
+                </a:solidFill>
+                <a:sym typeface="+mn-ea"/>
+              </a:rPr>
+              <a:t>station</a:t>
+            </a:r>
+          </a:p>
+        </p:txBody>
+      </p:sp>
+      <p:sp>
+        <p:nvSpPr>
+          <p:cNvPr id="11" name="流程图: 准备 10"/>
+          <p:cNvSpPr/>
+          <p:nvPr/>
+        </p:nvSpPr>
+        <p:spPr>
+          <a:xfrm>
+            <a:off x="9768999" y="5095707"/>
+            <a:ext cx="984345" cy="688126"/>
+          </a:xfrm>
+          <a:prstGeom prst="flowChartPreparation">
+            <a:avLst/>
+          </a:prstGeom>
+          <a:noFill/>
+          <a:ln w="28575">
+            <a:solidFill>
+              <a:schemeClr val="tx1"/>
+            </a:solidFill>
+          </a:ln>
+          <a:effectLst>
+            <a:glow>
+              <a:schemeClr val="accent1">
+                <a:alpha val="40000"/>
+              </a:schemeClr>
+            </a:glow>
+          </a:effectLst>
+        </p:spPr>
+        <p:style>
+          <a:lnRef idx="1">
+            <a:schemeClr val="accent6"/>
+          </a:lnRef>
+          <a:fillRef idx="3">
+            <a:schemeClr val="accent6"/>
+          </a:fillRef>
+          <a:effectRef idx="2">
+            <a:schemeClr val="accent6"/>
+          </a:effectRef>
+          <a:fontRef idx="minor">
+            <a:schemeClr val="lt1"/>
+          </a:fontRef>
+        </p:style>
+        <p:txBody>
+          <a:bodyPr vertOverflow="overflow" horzOverflow="overflow" vert="horz" wrap="none" lIns="0" tIns="0" rIns="0" bIns="0" numCol="1" spcCol="0" rtlCol="0" fromWordArt="0" anchor="ctr" anchorCtr="0" forceAA="0" compatLnSpc="1">
+            <a:normAutofit/>
+          </a:bodyPr>
+          <a:lstStyle/>
+          <a:p>
+            <a:pPr lvl="0" algn="ctr"/>
+            <a:r>
+              <a:rPr lang="en-US" altLang="zh-CN" sz="1200" dirty="0">
+                <a:solidFill>
+                  <a:schemeClr val="tx1"/>
+                </a:solidFill>
+                <a:sym typeface="+mn-ea"/>
+              </a:rPr>
+              <a:t>authorization</a:t>
+            </a:r>
+            <a:endParaRPr lang="en-US" altLang="zh-CN" sz="1200" dirty="0">
+              <a:solidFill>
+                <a:schemeClr val="tx1"/>
+              </a:solidFill>
+              <a:sym typeface="+mn-ea"/>
+            </a:endParaRPr>
+          </a:p>
+        </p:txBody>
+      </p:sp>
+      <p:sp>
+        <p:nvSpPr>
+          <p:cNvPr id="12" name="流程图: 准备 11"/>
+          <p:cNvSpPr/>
+          <p:nvPr/>
+        </p:nvSpPr>
+        <p:spPr>
+          <a:xfrm>
+            <a:off x="7204877" y="4202119"/>
+            <a:ext cx="699575" cy="457378"/>
+          </a:xfrm>
+          <a:prstGeom prst="flowChartPreparation">
+            <a:avLst/>
+          </a:prstGeom>
+          <a:noFill/>
+          <a:ln w="28575">
+            <a:solidFill>
+              <a:schemeClr val="tx1"/>
+            </a:solidFill>
+          </a:ln>
+          <a:effectLst>
+            <a:glow>
+              <a:schemeClr val="accent1">
+                <a:alpha val="40000"/>
+              </a:schemeClr>
+            </a:glow>
+          </a:effectLst>
+        </p:spPr>
+        <p:style>
+          <a:lnRef idx="1">
+            <a:schemeClr val="accent6"/>
+          </a:lnRef>
+          <a:fillRef idx="3">
+            <a:schemeClr val="accent6"/>
+          </a:fillRef>
+          <a:effectRef idx="2">
+            <a:schemeClr val="accent6"/>
+          </a:effectRef>
+          <a:fontRef idx="minor">
+            <a:schemeClr val="lt1"/>
+          </a:fontRef>
+        </p:style>
+        <p:txBody>
+          <a:bodyPr vertOverflow="overflow" horzOverflow="overflow" vert="horz" wrap="none" lIns="0" tIns="0" rIns="0" bIns="0" numCol="1" spcCol="0" rtlCol="0" fromWordArt="0" anchor="ctr" anchorCtr="0" forceAA="0" compatLnSpc="1">
+            <a:normAutofit/>
+          </a:bodyPr>
+          <a:lstStyle/>
+          <a:p>
+            <a:pPr lvl="0" algn="ctr"/>
+            <a:r>
+              <a:rPr lang="en-US" altLang="zh-CN" sz="1200" dirty="0">
+                <a:solidFill>
+                  <a:schemeClr val="tx1"/>
+                </a:solidFill>
+                <a:sym typeface="+mn-ea"/>
+              </a:rPr>
+              <a:t>basic</a:t>
+            </a:r>
+          </a:p>
+          <a:p>
+            <a:pPr lvl="0" algn="ctr"/>
+            <a:r>
+              <a:rPr lang="en-US" altLang="zh-CN" sz="1200" dirty="0">
+                <a:solidFill>
+                  <a:schemeClr val="tx1"/>
+                </a:solidFill>
+                <a:sym typeface="+mn-ea"/>
+              </a:rPr>
+              <a:t>info</a:t>
+            </a:r>
+          </a:p>
+        </p:txBody>
+      </p:sp>
+      <p:sp>
+        <p:nvSpPr>
+          <p:cNvPr id="13" name="流程图: 准备 12"/>
+          <p:cNvSpPr/>
+          <p:nvPr/>
+        </p:nvSpPr>
+        <p:spPr>
+          <a:xfrm>
+            <a:off x="8861471" y="4198160"/>
+            <a:ext cx="699575" cy="688126"/>
+          </a:xfrm>
+          <a:prstGeom prst="flowChartPreparation">
+            <a:avLst/>
+          </a:prstGeom>
+          <a:noFill/>
+          <a:ln w="28575">
+            <a:solidFill>
+              <a:schemeClr val="tx1"/>
+            </a:solidFill>
+          </a:ln>
+          <a:effectLst>
+            <a:glow>
+              <a:schemeClr val="accent1">
+                <a:alpha val="40000"/>
+              </a:schemeClr>
+            </a:glow>
+          </a:effectLst>
+        </p:spPr>
+        <p:style>
+          <a:lnRef idx="1">
+            <a:schemeClr val="accent6"/>
+          </a:lnRef>
+          <a:fillRef idx="3">
+            <a:schemeClr val="accent6"/>
+          </a:fillRef>
+          <a:effectRef idx="2">
+            <a:schemeClr val="accent6"/>
+          </a:effectRef>
+          <a:fontRef idx="minor">
+            <a:schemeClr val="lt1"/>
+          </a:fontRef>
+        </p:style>
+        <p:txBody>
+          <a:bodyPr vertOverflow="overflow" horzOverflow="overflow" vert="horz" wrap="none" lIns="0" tIns="0" rIns="0" bIns="0" numCol="1" spcCol="0" rtlCol="0" fromWordArt="0" anchor="ctr" anchorCtr="0" forceAA="0" compatLnSpc="1">
+            <a:normAutofit/>
+          </a:bodyPr>
+          <a:lstStyle/>
+          <a:p>
+            <a:pPr lvl="0" algn="ctr"/>
+            <a:r>
+              <a:rPr lang="en-US" altLang="zh-CN" sz="1400" dirty="0" smtClean="0">
+                <a:solidFill>
+                  <a:schemeClr val="tx1"/>
+                </a:solidFill>
+                <a:sym typeface="+mn-ea"/>
+              </a:rPr>
+              <a:t>user</a:t>
+            </a:r>
+            <a:endParaRPr lang="en-US" altLang="zh-CN" sz="1400" dirty="0">
+              <a:solidFill>
+                <a:schemeClr val="tx1"/>
+              </a:solidFill>
+              <a:sym typeface="+mn-ea"/>
+            </a:endParaRPr>
+          </a:p>
+        </p:txBody>
+      </p:sp>
+      <p:sp>
+        <p:nvSpPr>
+          <p:cNvPr id="15" name="流程图: 准备 14"/>
+          <p:cNvSpPr/>
+          <p:nvPr/>
+        </p:nvSpPr>
+        <p:spPr>
+          <a:xfrm>
+            <a:off x="5481935" y="4024969"/>
+            <a:ext cx="699575" cy="688126"/>
+          </a:xfrm>
+          <a:prstGeom prst="flowChartPreparation">
+            <a:avLst/>
+          </a:prstGeom>
+          <a:noFill/>
+          <a:ln w="28575">
+            <a:solidFill>
+              <a:schemeClr val="tx1"/>
+            </a:solidFill>
+          </a:ln>
+          <a:effectLst>
+            <a:glow>
+              <a:schemeClr val="accent1">
+                <a:alpha val="40000"/>
+              </a:schemeClr>
+            </a:glow>
+          </a:effectLst>
+        </p:spPr>
+        <p:style>
+          <a:lnRef idx="1">
+            <a:schemeClr val="accent6"/>
+          </a:lnRef>
+          <a:fillRef idx="3">
+            <a:schemeClr val="accent6"/>
+          </a:fillRef>
+          <a:effectRef idx="2">
+            <a:schemeClr val="accent6"/>
+          </a:effectRef>
+          <a:fontRef idx="minor">
+            <a:schemeClr val="lt1"/>
+          </a:fontRef>
+        </p:style>
+        <p:txBody>
+          <a:bodyPr vertOverflow="overflow" horzOverflow="overflow" vert="horz" wrap="none" lIns="0" tIns="0" rIns="0" bIns="0" numCol="1" spcCol="0" rtlCol="0" fromWordArt="0" anchor="ctr" anchorCtr="0" forceAA="0" compatLnSpc="1">
+            <a:normAutofit/>
+          </a:bodyPr>
+          <a:lstStyle/>
+          <a:p>
+            <a:pPr lvl="0" algn="ctr"/>
+            <a:r>
+              <a:rPr lang="en-US" altLang="zh-CN" sz="1400">
+                <a:solidFill>
+                  <a:schemeClr val="tx1"/>
+                </a:solidFill>
+                <a:sym typeface="+mn-ea"/>
+              </a:rPr>
+              <a:t>notify</a:t>
+            </a:r>
+          </a:p>
+        </p:txBody>
+      </p:sp>
+      <p:sp>
+        <p:nvSpPr>
+          <p:cNvPr id="16" name="流程图: 准备 15"/>
+          <p:cNvSpPr/>
+          <p:nvPr/>
+        </p:nvSpPr>
+        <p:spPr>
+          <a:xfrm>
+            <a:off x="7209499" y="3324136"/>
+            <a:ext cx="700373" cy="523260"/>
+          </a:xfrm>
+          <a:prstGeom prst="flowChartPreparation">
+            <a:avLst/>
+          </a:prstGeom>
+          <a:noFill/>
+          <a:ln w="28575">
+            <a:solidFill>
+              <a:schemeClr val="tx1"/>
+            </a:solidFill>
+          </a:ln>
+          <a:effectLst>
+            <a:glow>
+              <a:schemeClr val="accent1">
+                <a:alpha val="40000"/>
+              </a:schemeClr>
+            </a:glow>
+          </a:effectLst>
+        </p:spPr>
+        <p:style>
+          <a:lnRef idx="1">
+            <a:schemeClr val="accent6"/>
+          </a:lnRef>
+          <a:fillRef idx="3">
+            <a:schemeClr val="accent6"/>
+          </a:fillRef>
+          <a:effectRef idx="2">
+            <a:schemeClr val="accent6"/>
+          </a:effectRef>
+          <a:fontRef idx="minor">
+            <a:schemeClr val="lt1"/>
+          </a:fontRef>
+        </p:style>
+        <p:txBody>
+          <a:bodyPr vertOverflow="overflow" horzOverflow="overflow" vert="horz" wrap="none" lIns="0" tIns="0" rIns="0" bIns="0" numCol="1" spcCol="0" rtlCol="0" fromWordArt="0" anchor="ctr" anchorCtr="0" forceAA="0" compatLnSpc="1">
+            <a:normAutofit/>
+          </a:bodyPr>
+          <a:lstStyle/>
+          <a:p>
+            <a:pPr lvl="0" algn="ctr"/>
+            <a:r>
+              <a:rPr lang="en-US" altLang="zh-CN" sz="1200" dirty="0">
+                <a:solidFill>
+                  <a:schemeClr val="tx1"/>
+                </a:solidFill>
+                <a:sym typeface="+mn-ea"/>
+              </a:rPr>
+              <a:t>ticket</a:t>
+            </a:r>
+          </a:p>
+          <a:p>
+            <a:pPr lvl="0" algn="ctr"/>
+            <a:r>
+              <a:rPr lang="en-US" altLang="zh-CN" sz="1200" dirty="0">
+                <a:solidFill>
+                  <a:schemeClr val="tx1"/>
+                </a:solidFill>
+                <a:sym typeface="+mn-ea"/>
+              </a:rPr>
+              <a:t>info</a:t>
+            </a:r>
+          </a:p>
+        </p:txBody>
+      </p:sp>
+      <p:sp>
+        <p:nvSpPr>
+          <p:cNvPr id="17" name="流程图: 准备 16"/>
+          <p:cNvSpPr/>
+          <p:nvPr/>
+        </p:nvSpPr>
+        <p:spPr>
+          <a:xfrm>
+            <a:off x="6136480" y="3325760"/>
+            <a:ext cx="888085" cy="521636"/>
+          </a:xfrm>
+          <a:prstGeom prst="flowChartPreparation">
+            <a:avLst/>
+          </a:prstGeom>
+          <a:noFill/>
+          <a:ln w="28575">
+            <a:solidFill>
+              <a:schemeClr val="tx1"/>
+            </a:solidFill>
+          </a:ln>
+          <a:effectLst>
+            <a:glow>
+              <a:schemeClr val="accent1">
+                <a:alpha val="40000"/>
+              </a:schemeClr>
+            </a:glow>
+          </a:effectLst>
+        </p:spPr>
+        <p:style>
+          <a:lnRef idx="1">
+            <a:schemeClr val="accent6"/>
+          </a:lnRef>
+          <a:fillRef idx="3">
+            <a:schemeClr val="accent6"/>
+          </a:fillRef>
+          <a:effectRef idx="2">
+            <a:schemeClr val="accent6"/>
+          </a:effectRef>
+          <a:fontRef idx="minor">
+            <a:schemeClr val="lt1"/>
+          </a:fontRef>
+        </p:style>
+        <p:txBody>
+          <a:bodyPr vertOverflow="overflow" horzOverflow="overflow" vert="horz" wrap="none" lIns="0" tIns="0" rIns="0" bIns="0" numCol="1" spcCol="0" rtlCol="0" fromWordArt="0" anchor="ctr" anchorCtr="0" forceAA="0" compatLnSpc="1">
+            <a:normAutofit/>
+          </a:bodyPr>
+          <a:lstStyle/>
+          <a:p>
+            <a:pPr lvl="0" algn="ctr"/>
+            <a:r>
+              <a:rPr lang="en-US" altLang="zh-CN" sz="1200" dirty="0">
+                <a:solidFill>
+                  <a:schemeClr val="tx1"/>
+                </a:solidFill>
+                <a:sym typeface="+mn-ea"/>
+              </a:rPr>
+              <a:t>high-speed</a:t>
+            </a:r>
+          </a:p>
+          <a:p>
+            <a:pPr lvl="0" algn="ctr"/>
+            <a:r>
+              <a:rPr lang="en-US" altLang="zh-CN" sz="1200" dirty="0">
+                <a:solidFill>
+                  <a:schemeClr val="tx1"/>
+                </a:solidFill>
+                <a:sym typeface="+mn-ea"/>
+              </a:rPr>
+              <a:t>order</a:t>
+            </a:r>
+          </a:p>
+        </p:txBody>
+      </p:sp>
+      <p:sp>
+        <p:nvSpPr>
+          <p:cNvPr id="18" name="流程图: 准备 17"/>
+          <p:cNvSpPr/>
+          <p:nvPr/>
+        </p:nvSpPr>
+        <p:spPr>
+          <a:xfrm>
+            <a:off x="7034122" y="2160967"/>
+            <a:ext cx="1029058" cy="688126"/>
+          </a:xfrm>
+          <a:prstGeom prst="flowChartPreparation">
+            <a:avLst/>
+          </a:prstGeom>
+          <a:noFill/>
+          <a:ln w="28575">
+            <a:solidFill>
+              <a:schemeClr val="tx1"/>
+            </a:solidFill>
+          </a:ln>
+          <a:effectLst>
+            <a:glow>
+              <a:schemeClr val="accent1">
+                <a:alpha val="40000"/>
+              </a:schemeClr>
+            </a:glow>
+          </a:effectLst>
+        </p:spPr>
+        <p:style>
+          <a:lnRef idx="1">
+            <a:schemeClr val="accent6"/>
+          </a:lnRef>
+          <a:fillRef idx="3">
+            <a:schemeClr val="accent6"/>
+          </a:fillRef>
+          <a:effectRef idx="2">
+            <a:schemeClr val="accent6"/>
+          </a:effectRef>
+          <a:fontRef idx="minor">
+            <a:schemeClr val="lt1"/>
+          </a:fontRef>
+        </p:style>
+        <p:txBody>
+          <a:bodyPr vertOverflow="overflow" horzOverflow="overflow" vert="horz" wrap="none" lIns="0" tIns="0" rIns="0" bIns="0" numCol="1" spcCol="0" rtlCol="0" fromWordArt="0" anchor="ctr" anchorCtr="0" forceAA="0" compatLnSpc="1">
+            <a:normAutofit/>
+          </a:bodyPr>
+          <a:lstStyle/>
+          <a:p>
+            <a:pPr lvl="0" algn="ctr"/>
+            <a:r>
+              <a:rPr lang="en-US" altLang="zh-CN" sz="1000" dirty="0">
+                <a:solidFill>
+                  <a:schemeClr val="tx1"/>
+                </a:solidFill>
+                <a:sym typeface="+mn-ea"/>
+              </a:rPr>
+              <a:t>high-speed</a:t>
+            </a:r>
+          </a:p>
+          <a:p>
+            <a:pPr lvl="0" algn="ctr"/>
+            <a:r>
+              <a:rPr lang="en-US" altLang="zh-CN" sz="1000" dirty="0">
+                <a:solidFill>
+                  <a:schemeClr val="tx1"/>
+                </a:solidFill>
+                <a:sym typeface="+mn-ea"/>
+              </a:rPr>
+              <a:t>travel</a:t>
+            </a:r>
+          </a:p>
+          <a:p>
+            <a:pPr lvl="0" algn="ctr"/>
+            <a:r>
+              <a:rPr lang="en-US" altLang="zh-CN" sz="1000" dirty="0">
+                <a:solidFill>
+                  <a:schemeClr val="tx1"/>
+                </a:solidFill>
+                <a:sym typeface="+mn-ea"/>
+              </a:rPr>
+              <a:t>explore</a:t>
+            </a:r>
+          </a:p>
+        </p:txBody>
+      </p:sp>
+      <p:sp>
+        <p:nvSpPr>
+          <p:cNvPr id="19" name="流程图: 准备 18"/>
+          <p:cNvSpPr/>
+          <p:nvPr/>
+        </p:nvSpPr>
+        <p:spPr>
+          <a:xfrm>
+            <a:off x="6272002" y="2172182"/>
+            <a:ext cx="700373" cy="688126"/>
+          </a:xfrm>
+          <a:prstGeom prst="flowChartPreparation">
+            <a:avLst/>
+          </a:prstGeom>
+          <a:noFill/>
+          <a:ln w="28575">
+            <a:solidFill>
+              <a:schemeClr val="tx1"/>
+            </a:solidFill>
+          </a:ln>
+          <a:effectLst>
+            <a:glow>
+              <a:schemeClr val="accent1">
+                <a:alpha val="40000"/>
+              </a:schemeClr>
+            </a:glow>
+          </a:effectLst>
+        </p:spPr>
+        <p:style>
+          <a:lnRef idx="1">
+            <a:schemeClr val="accent6"/>
+          </a:lnRef>
+          <a:fillRef idx="3">
+            <a:schemeClr val="accent6"/>
+          </a:fillRef>
+          <a:effectRef idx="2">
+            <a:schemeClr val="accent6"/>
+          </a:effectRef>
+          <a:fontRef idx="minor">
+            <a:schemeClr val="lt1"/>
+          </a:fontRef>
+        </p:style>
+        <p:txBody>
+          <a:bodyPr vertOverflow="overflow" horzOverflow="overflow" vert="horz" wrap="none" lIns="0" tIns="0" rIns="0" bIns="0" numCol="1" spcCol="0" rtlCol="0" fromWordArt="0" anchor="ctr" anchorCtr="0" forceAA="0" compatLnSpc="1">
+            <a:normAutofit/>
+          </a:bodyPr>
+          <a:lstStyle/>
+          <a:p>
+            <a:pPr lvl="0" algn="ctr"/>
+            <a:r>
+              <a:rPr lang="en-US" altLang="zh-CN" sz="1200" dirty="0">
+                <a:solidFill>
+                  <a:schemeClr val="tx1"/>
+                </a:solidFill>
+                <a:sym typeface="+mn-ea"/>
+              </a:rPr>
+              <a:t>inside</a:t>
+            </a:r>
+          </a:p>
+          <a:p>
+            <a:pPr lvl="0" algn="ctr"/>
+            <a:r>
+              <a:rPr lang="en-US" altLang="zh-CN" sz="1200" dirty="0">
+                <a:solidFill>
+                  <a:schemeClr val="tx1"/>
+                </a:solidFill>
+                <a:sym typeface="+mn-ea"/>
+              </a:rPr>
+              <a:t>pay</a:t>
+            </a:r>
+          </a:p>
+        </p:txBody>
+      </p:sp>
+      <p:sp>
+        <p:nvSpPr>
+          <p:cNvPr id="20" name="流程图: 准备 19"/>
+          <p:cNvSpPr/>
+          <p:nvPr/>
+        </p:nvSpPr>
+        <p:spPr>
+          <a:xfrm>
+            <a:off x="5292729" y="2171748"/>
+            <a:ext cx="699575" cy="688126"/>
+          </a:xfrm>
+          <a:prstGeom prst="flowChartPreparation">
+            <a:avLst/>
+          </a:prstGeom>
+          <a:noFill/>
+          <a:ln w="28575">
+            <a:solidFill>
+              <a:schemeClr val="tx1"/>
+            </a:solidFill>
+          </a:ln>
+          <a:effectLst>
+            <a:glow>
+              <a:schemeClr val="accent1">
+                <a:alpha val="40000"/>
+              </a:schemeClr>
+            </a:glow>
+          </a:effectLst>
+        </p:spPr>
+        <p:style>
+          <a:lnRef idx="1">
+            <a:schemeClr val="accent6"/>
+          </a:lnRef>
+          <a:fillRef idx="3">
+            <a:schemeClr val="accent6"/>
+          </a:fillRef>
+          <a:effectRef idx="2">
+            <a:schemeClr val="accent6"/>
+          </a:effectRef>
+          <a:fontRef idx="minor">
+            <a:schemeClr val="lt1"/>
+          </a:fontRef>
+        </p:style>
+        <p:txBody>
+          <a:bodyPr vertOverflow="overflow" horzOverflow="overflow" vert="horz" wrap="none" lIns="0" tIns="0" rIns="0" bIns="0" numCol="1" spcCol="0" rtlCol="0" fromWordArt="0" anchor="ctr" anchorCtr="0" forceAA="0" compatLnSpc="1">
+            <a:normAutofit/>
+          </a:bodyPr>
+          <a:lstStyle/>
+          <a:p>
+            <a:pPr lvl="0" algn="ctr"/>
+            <a:r>
+              <a:rPr lang="en-US" altLang="zh-CN" sz="1400" dirty="0">
+                <a:solidFill>
+                  <a:schemeClr val="tx1"/>
+                </a:solidFill>
+                <a:sym typeface="+mn-ea"/>
+              </a:rPr>
+              <a:t>pay</a:t>
+            </a:r>
+          </a:p>
+        </p:txBody>
+      </p:sp>
+      <p:sp>
+        <p:nvSpPr>
+          <p:cNvPr id="21" name="流程图: 准备 20"/>
+          <p:cNvSpPr/>
+          <p:nvPr/>
+        </p:nvSpPr>
+        <p:spPr>
+          <a:xfrm>
+            <a:off x="4371523" y="2185495"/>
+            <a:ext cx="699575" cy="688126"/>
+          </a:xfrm>
+          <a:prstGeom prst="flowChartPreparation">
+            <a:avLst/>
+          </a:prstGeom>
+          <a:noFill/>
+          <a:ln w="28575">
+            <a:solidFill>
+              <a:schemeClr val="tx1"/>
+            </a:solidFill>
+          </a:ln>
+          <a:effectLst>
+            <a:glow>
+              <a:schemeClr val="accent1">
+                <a:alpha val="40000"/>
+              </a:schemeClr>
+            </a:glow>
+          </a:effectLst>
+        </p:spPr>
+        <p:style>
+          <a:lnRef idx="1">
+            <a:schemeClr val="accent6"/>
+          </a:lnRef>
+          <a:fillRef idx="3">
+            <a:schemeClr val="accent6"/>
+          </a:fillRef>
+          <a:effectRef idx="2">
+            <a:schemeClr val="accent6"/>
+          </a:effectRef>
+          <a:fontRef idx="minor">
+            <a:schemeClr val="lt1"/>
+          </a:fontRef>
+        </p:style>
+        <p:txBody>
+          <a:bodyPr vertOverflow="overflow" horzOverflow="overflow" vert="horz" wrap="none" lIns="0" tIns="0" rIns="0" bIns="0" numCol="1" spcCol="0" rtlCol="0" fromWordArt="0" anchor="ctr" anchorCtr="0" forceAA="0" compatLnSpc="1">
+            <a:normAutofit/>
+          </a:bodyPr>
+          <a:lstStyle/>
+          <a:p>
+            <a:pPr lvl="0" algn="ctr"/>
+            <a:r>
+              <a:rPr lang="en-US" altLang="zh-CN" sz="1200" dirty="0">
+                <a:solidFill>
+                  <a:schemeClr val="tx1"/>
+                </a:solidFill>
+                <a:sym typeface="+mn-ea"/>
+              </a:rPr>
+              <a:t>ticket</a:t>
+            </a:r>
+          </a:p>
+          <a:p>
+            <a:pPr lvl="0" algn="ctr"/>
+            <a:r>
+              <a:rPr lang="en-US" altLang="zh-CN" sz="1200" dirty="0">
+                <a:solidFill>
+                  <a:schemeClr val="tx1"/>
+                </a:solidFill>
+                <a:sym typeface="+mn-ea"/>
+              </a:rPr>
+              <a:t>execute</a:t>
+            </a:r>
+          </a:p>
+        </p:txBody>
+      </p:sp>
+      <p:sp>
+        <p:nvSpPr>
+          <p:cNvPr id="22" name="流程图: 准备 21"/>
+          <p:cNvSpPr/>
+          <p:nvPr/>
+        </p:nvSpPr>
+        <p:spPr>
+          <a:xfrm>
+            <a:off x="8993843" y="2171748"/>
+            <a:ext cx="699575" cy="688126"/>
+          </a:xfrm>
+          <a:prstGeom prst="flowChartPreparation">
+            <a:avLst/>
+          </a:prstGeom>
+          <a:noFill/>
+          <a:ln w="28575">
+            <a:solidFill>
+              <a:schemeClr val="tx1"/>
+            </a:solidFill>
+          </a:ln>
+          <a:effectLst>
+            <a:glow>
+              <a:schemeClr val="accent1">
+                <a:alpha val="40000"/>
+              </a:schemeClr>
+            </a:glow>
+          </a:effectLst>
+        </p:spPr>
+        <p:style>
+          <a:lnRef idx="1">
+            <a:schemeClr val="accent6"/>
+          </a:lnRef>
+          <a:fillRef idx="3">
+            <a:schemeClr val="accent6"/>
+          </a:fillRef>
+          <a:effectRef idx="2">
+            <a:schemeClr val="accent6"/>
+          </a:effectRef>
+          <a:fontRef idx="minor">
+            <a:schemeClr val="lt1"/>
+          </a:fontRef>
+        </p:style>
+        <p:txBody>
+          <a:bodyPr vertOverflow="overflow" horzOverflow="overflow" vert="horz" wrap="none" lIns="0" tIns="0" rIns="0" bIns="0" numCol="1" spcCol="0" rtlCol="0" fromWordArt="0" anchor="ctr" anchorCtr="0" forceAA="0" compatLnSpc="1">
+            <a:normAutofit/>
+          </a:bodyPr>
+          <a:lstStyle/>
+          <a:p>
+            <a:pPr lvl="0" algn="ctr"/>
+            <a:r>
+              <a:rPr lang="en-US" altLang="zh-CN" sz="1400">
+                <a:solidFill>
+                  <a:schemeClr val="tx1"/>
+                </a:solidFill>
+                <a:sym typeface="+mn-ea"/>
+              </a:rPr>
+              <a:t>security</a:t>
+            </a:r>
+          </a:p>
+        </p:txBody>
+      </p:sp>
+      <p:sp>
+        <p:nvSpPr>
+          <p:cNvPr id="23" name="流程图: 准备 22"/>
+          <p:cNvSpPr/>
+          <p:nvPr/>
+        </p:nvSpPr>
+        <p:spPr>
+          <a:xfrm>
+            <a:off x="5661795" y="1084823"/>
+            <a:ext cx="699575" cy="688126"/>
+          </a:xfrm>
+          <a:prstGeom prst="flowChartPreparation">
+            <a:avLst/>
+          </a:prstGeom>
+          <a:noFill/>
+          <a:ln w="28575">
+            <a:solidFill>
+              <a:schemeClr val="tx1"/>
+            </a:solidFill>
+          </a:ln>
+          <a:effectLst>
+            <a:glow>
+              <a:schemeClr val="accent1">
+                <a:alpha val="40000"/>
+              </a:schemeClr>
+            </a:glow>
+          </a:effectLst>
+        </p:spPr>
+        <p:style>
+          <a:lnRef idx="1">
+            <a:schemeClr val="accent6"/>
+          </a:lnRef>
+          <a:fillRef idx="3">
+            <a:schemeClr val="accent6"/>
+          </a:fillRef>
+          <a:effectRef idx="2">
+            <a:schemeClr val="accent6"/>
+          </a:effectRef>
+          <a:fontRef idx="minor">
+            <a:schemeClr val="lt1"/>
+          </a:fontRef>
+        </p:style>
+        <p:txBody>
+          <a:bodyPr vertOverflow="overflow" horzOverflow="overflow" vert="horz" wrap="none" lIns="0" tIns="0" rIns="0" bIns="0" numCol="1" spcCol="0" rtlCol="0" fromWordArt="0" anchor="ctr" anchorCtr="0" forceAA="0" compatLnSpc="1">
+            <a:normAutofit/>
+          </a:bodyPr>
+          <a:lstStyle/>
+          <a:p>
+            <a:pPr lvl="0" algn="ctr"/>
+            <a:r>
+              <a:rPr lang="en-US" altLang="zh-CN" sz="1200" dirty="0">
+                <a:solidFill>
+                  <a:schemeClr val="tx1"/>
+                </a:solidFill>
+                <a:sym typeface="+mn-ea"/>
+              </a:rPr>
+              <a:t>ticket </a:t>
+            </a:r>
+          </a:p>
+          <a:p>
+            <a:pPr lvl="0" algn="ctr"/>
+            <a:r>
+              <a:rPr lang="en-US" altLang="zh-CN" sz="1200" dirty="0">
+                <a:solidFill>
+                  <a:schemeClr val="tx1"/>
+                </a:solidFill>
+                <a:sym typeface="+mn-ea"/>
+              </a:rPr>
+              <a:t>rebook</a:t>
+            </a:r>
+          </a:p>
+        </p:txBody>
+      </p:sp>
+      <p:sp>
+        <p:nvSpPr>
+          <p:cNvPr id="24" name="流程图: 准备 23"/>
+          <p:cNvSpPr/>
+          <p:nvPr/>
+        </p:nvSpPr>
+        <p:spPr>
+          <a:xfrm>
+            <a:off x="6796533" y="1029538"/>
+            <a:ext cx="1102359" cy="688126"/>
+          </a:xfrm>
+          <a:prstGeom prst="flowChartPreparation">
+            <a:avLst/>
+          </a:prstGeom>
+          <a:noFill/>
+          <a:ln w="28575">
+            <a:solidFill>
+              <a:schemeClr val="tx1"/>
+            </a:solidFill>
+          </a:ln>
+          <a:effectLst>
+            <a:glow>
+              <a:schemeClr val="accent1">
+                <a:alpha val="40000"/>
+              </a:schemeClr>
+            </a:glow>
+          </a:effectLst>
+        </p:spPr>
+        <p:style>
+          <a:lnRef idx="1">
+            <a:schemeClr val="accent6"/>
+          </a:lnRef>
+          <a:fillRef idx="3">
+            <a:schemeClr val="accent6"/>
+          </a:fillRef>
+          <a:effectRef idx="2">
+            <a:schemeClr val="accent6"/>
+          </a:effectRef>
+          <a:fontRef idx="minor">
+            <a:schemeClr val="lt1"/>
+          </a:fontRef>
+        </p:style>
+        <p:txBody>
+          <a:bodyPr wrap="none" lIns="0" tIns="0" rIns="0" bIns="0" rtlCol="0" anchor="ctr">
+            <a:normAutofit/>
+          </a:bodyPr>
+          <a:lstStyle/>
+          <a:p>
+            <a:pPr algn="ctr"/>
+            <a:r>
+              <a:rPr lang="en-US" altLang="zh-CN" sz="1100" dirty="0">
+                <a:solidFill>
+                  <a:schemeClr val="tx1"/>
+                </a:solidFill>
+              </a:rPr>
+              <a:t>high-speed</a:t>
+            </a:r>
+          </a:p>
+          <a:p>
+            <a:pPr algn="ctr"/>
+            <a:r>
+              <a:rPr lang="en-US" altLang="zh-CN" sz="1100" dirty="0">
+                <a:solidFill>
+                  <a:schemeClr val="tx1"/>
+                </a:solidFill>
+              </a:rPr>
+              <a:t>ticket</a:t>
+            </a:r>
+          </a:p>
+          <a:p>
+            <a:pPr algn="ctr"/>
+            <a:r>
+              <a:rPr lang="en-US" altLang="zh-CN" sz="1100" dirty="0">
+                <a:solidFill>
+                  <a:schemeClr val="tx1"/>
+                </a:solidFill>
+              </a:rPr>
+              <a:t>reserve</a:t>
+            </a:r>
+          </a:p>
+        </p:txBody>
+      </p:sp>
+      <p:sp>
+        <p:nvSpPr>
+          <p:cNvPr id="26" name="流程图: 准备 25"/>
+          <p:cNvSpPr/>
+          <p:nvPr/>
+        </p:nvSpPr>
+        <p:spPr>
+          <a:xfrm>
+            <a:off x="9766600" y="3322744"/>
+            <a:ext cx="699575" cy="541177"/>
+          </a:xfrm>
+          <a:prstGeom prst="flowChartPreparation">
+            <a:avLst/>
+          </a:prstGeom>
+          <a:noFill/>
+          <a:ln w="28575">
+            <a:solidFill>
+              <a:schemeClr val="tx1"/>
+            </a:solidFill>
+          </a:ln>
+          <a:effectLst>
+            <a:glow>
+              <a:schemeClr val="accent1">
+                <a:alpha val="40000"/>
+              </a:schemeClr>
+            </a:glow>
+          </a:effectLst>
+        </p:spPr>
+        <p:style>
+          <a:lnRef idx="1">
+            <a:schemeClr val="accent6"/>
+          </a:lnRef>
+          <a:fillRef idx="3">
+            <a:schemeClr val="accent6"/>
+          </a:fillRef>
+          <a:effectRef idx="2">
+            <a:schemeClr val="accent6"/>
+          </a:effectRef>
+          <a:fontRef idx="minor">
+            <a:schemeClr val="lt1"/>
+          </a:fontRef>
+        </p:style>
+        <p:txBody>
+          <a:bodyPr vertOverflow="overflow" horzOverflow="overflow" vert="horz" wrap="none" lIns="0" tIns="0" rIns="0" bIns="0" numCol="1" spcCol="0" rtlCol="0" fromWordArt="0" anchor="ctr" anchorCtr="0" forceAA="0" compatLnSpc="1">
+            <a:normAutofit/>
+          </a:bodyPr>
+          <a:lstStyle/>
+          <a:p>
+            <a:pPr lvl="0" algn="ctr"/>
+            <a:r>
+              <a:rPr lang="en-US" altLang="zh-CN" sz="1400" dirty="0">
+                <a:solidFill>
+                  <a:schemeClr val="tx1"/>
+                </a:solidFill>
+                <a:sym typeface="+mn-ea"/>
+              </a:rPr>
+              <a:t>order</a:t>
+            </a:r>
+          </a:p>
+        </p:txBody>
+      </p:sp>
+      <p:sp>
+        <p:nvSpPr>
+          <p:cNvPr id="27" name="流程图: 准备 26"/>
+          <p:cNvSpPr/>
+          <p:nvPr/>
+        </p:nvSpPr>
+        <p:spPr>
+          <a:xfrm>
+            <a:off x="8357834" y="1040216"/>
+            <a:ext cx="699575" cy="688126"/>
+          </a:xfrm>
+          <a:prstGeom prst="flowChartPreparation">
+            <a:avLst/>
+          </a:prstGeom>
+          <a:noFill/>
+          <a:ln w="28575">
+            <a:solidFill>
+              <a:schemeClr val="tx1"/>
+            </a:solidFill>
+          </a:ln>
+          <a:effectLst>
+            <a:glow>
+              <a:schemeClr val="accent1">
+                <a:alpha val="40000"/>
+              </a:schemeClr>
+            </a:glow>
+          </a:effectLst>
+        </p:spPr>
+        <p:style>
+          <a:lnRef idx="1">
+            <a:schemeClr val="accent6"/>
+          </a:lnRef>
+          <a:fillRef idx="3">
+            <a:schemeClr val="accent6"/>
+          </a:fillRef>
+          <a:effectRef idx="2">
+            <a:schemeClr val="accent6"/>
+          </a:effectRef>
+          <a:fontRef idx="minor">
+            <a:schemeClr val="lt1"/>
+          </a:fontRef>
+        </p:style>
+        <p:txBody>
+          <a:bodyPr wrap="none" lIns="0" tIns="0" rIns="0" bIns="0" rtlCol="0" anchor="ctr">
+            <a:noAutofit/>
+          </a:bodyPr>
+          <a:lstStyle/>
+          <a:p>
+            <a:pPr algn="ctr"/>
+            <a:r>
+              <a:rPr lang="en-US" altLang="zh-CN" sz="1400" dirty="0">
+                <a:solidFill>
+                  <a:schemeClr val="tx1"/>
+                </a:solidFill>
+              </a:rPr>
+              <a:t>ticket</a:t>
+            </a:r>
+          </a:p>
+          <a:p>
+            <a:pPr algn="ctr"/>
+            <a:r>
+              <a:rPr lang="en-US" altLang="zh-CN" sz="1400" dirty="0">
+                <a:solidFill>
+                  <a:schemeClr val="tx1"/>
+                </a:solidFill>
+                <a:sym typeface="+mn-ea"/>
+              </a:rPr>
+              <a:t>reserve</a:t>
+            </a:r>
+            <a:endParaRPr lang="en-US" altLang="zh-CN" sz="1400" dirty="0">
+              <a:solidFill>
+                <a:schemeClr val="tx1"/>
+              </a:solidFill>
+            </a:endParaRPr>
+          </a:p>
+        </p:txBody>
+      </p:sp>
+      <p:sp>
+        <p:nvSpPr>
+          <p:cNvPr id="28" name="流程图: 准备 27"/>
+          <p:cNvSpPr/>
+          <p:nvPr/>
+        </p:nvSpPr>
+        <p:spPr>
+          <a:xfrm>
+            <a:off x="8132306" y="2174351"/>
+            <a:ext cx="741973" cy="688126"/>
+          </a:xfrm>
+          <a:prstGeom prst="flowChartPreparation">
+            <a:avLst/>
+          </a:prstGeom>
+          <a:noFill/>
+          <a:ln w="28575">
+            <a:solidFill>
+              <a:schemeClr val="tx1"/>
+            </a:solidFill>
+          </a:ln>
+          <a:effectLst>
+            <a:glow>
+              <a:schemeClr val="accent1">
+                <a:alpha val="40000"/>
+              </a:schemeClr>
+            </a:glow>
+          </a:effectLst>
+        </p:spPr>
+        <p:style>
+          <a:lnRef idx="1">
+            <a:schemeClr val="accent6"/>
+          </a:lnRef>
+          <a:fillRef idx="3">
+            <a:schemeClr val="accent6"/>
+          </a:fillRef>
+          <a:effectRef idx="2">
+            <a:schemeClr val="accent6"/>
+          </a:effectRef>
+          <a:fontRef idx="minor">
+            <a:schemeClr val="lt1"/>
+          </a:fontRef>
+        </p:style>
+        <p:txBody>
+          <a:bodyPr vertOverflow="overflow" horzOverflow="overflow" vert="horz" wrap="none" lIns="0" tIns="0" rIns="0" bIns="0" numCol="1" spcCol="0" rtlCol="0" fromWordArt="0" anchor="ctr" anchorCtr="0" forceAA="0" compatLnSpc="1">
+            <a:noAutofit/>
+          </a:bodyPr>
+          <a:lstStyle/>
+          <a:p>
+            <a:pPr lvl="0" algn="ctr"/>
+            <a:r>
+              <a:rPr lang="en-US" altLang="zh-CN" sz="1400" dirty="0">
+                <a:solidFill>
+                  <a:schemeClr val="tx1"/>
+                </a:solidFill>
+                <a:sym typeface="+mn-ea"/>
+              </a:rPr>
+              <a:t>travel</a:t>
+            </a:r>
+          </a:p>
+          <a:p>
+            <a:pPr lvl="0" algn="ctr"/>
+            <a:r>
+              <a:rPr lang="en-US" altLang="zh-CN" sz="1400" dirty="0">
+                <a:solidFill>
+                  <a:schemeClr val="tx1"/>
+                </a:solidFill>
+                <a:sym typeface="+mn-ea"/>
+              </a:rPr>
+              <a:t>explore</a:t>
+            </a:r>
+          </a:p>
+        </p:txBody>
+      </p:sp>
+      <p:sp>
+        <p:nvSpPr>
+          <p:cNvPr id="29" name="流程图: 准备 28"/>
+          <p:cNvSpPr/>
+          <p:nvPr/>
+        </p:nvSpPr>
+        <p:spPr>
+          <a:xfrm>
+            <a:off x="9755166" y="2171749"/>
+            <a:ext cx="699575" cy="688126"/>
+          </a:xfrm>
+          <a:prstGeom prst="flowChartPreparation">
+            <a:avLst/>
+          </a:prstGeom>
+          <a:noFill/>
+          <a:ln w="28575">
+            <a:solidFill>
+              <a:schemeClr val="tx1"/>
+            </a:solidFill>
+          </a:ln>
+          <a:effectLst>
+            <a:glow>
+              <a:schemeClr val="accent1">
+                <a:alpha val="40000"/>
+              </a:schemeClr>
+            </a:glow>
+          </a:effectLst>
+        </p:spPr>
+        <p:style>
+          <a:lnRef idx="1">
+            <a:schemeClr val="accent6"/>
+          </a:lnRef>
+          <a:fillRef idx="3">
+            <a:schemeClr val="accent6"/>
+          </a:fillRef>
+          <a:effectRef idx="2">
+            <a:schemeClr val="accent6"/>
+          </a:effectRef>
+          <a:fontRef idx="minor">
+            <a:schemeClr val="lt1"/>
+          </a:fontRef>
+        </p:style>
+        <p:txBody>
+          <a:bodyPr vertOverflow="overflow" horzOverflow="overflow" vert="horz" wrap="none" lIns="0" tIns="0" rIns="0" bIns="0" numCol="1" spcCol="0" rtlCol="0" fromWordArt="0" anchor="ctr" anchorCtr="0" forceAA="0" compatLnSpc="1">
+            <a:noAutofit/>
+          </a:bodyPr>
+          <a:lstStyle/>
+          <a:p>
+            <a:pPr lvl="0" algn="ctr"/>
+            <a:r>
+              <a:rPr lang="en-US" altLang="zh-CN" sz="1200" dirty="0">
+                <a:solidFill>
+                  <a:schemeClr val="tx1"/>
+                </a:solidFill>
+                <a:sym typeface="+mn-ea"/>
+              </a:rPr>
+              <a:t>cancel</a:t>
+            </a:r>
+          </a:p>
+          <a:p>
+            <a:pPr lvl="0" algn="ctr"/>
+            <a:r>
+              <a:rPr lang="en-US" altLang="zh-CN" sz="1200" dirty="0">
+                <a:solidFill>
+                  <a:schemeClr val="tx1"/>
+                </a:solidFill>
+                <a:sym typeface="+mn-ea"/>
+              </a:rPr>
+              <a:t>order</a:t>
+            </a:r>
+          </a:p>
+        </p:txBody>
+      </p:sp>
+      <p:cxnSp>
+        <p:nvCxnSpPr>
+          <p:cNvPr id="2" name="肘形连接符 1"/>
+          <p:cNvCxnSpPr/>
+          <p:nvPr/>
+        </p:nvCxnSpPr>
+        <p:spPr>
+          <a:xfrm rot="16200000" flipH="1">
+            <a:off x="7213748" y="953338"/>
+            <a:ext cx="232905" cy="566"/>
+          </a:xfrm>
+          <a:prstGeom prst="bentConnector3">
+            <a:avLst>
+              <a:gd name="adj1" fmla="val 50000"/>
+            </a:avLst>
+          </a:prstGeom>
+          <a:ln w="19050">
+            <a:solidFill>
+              <a:schemeClr val="tx1"/>
+            </a:solidFill>
+            <a:tailEnd type="arrow"/>
+          </a:ln>
+        </p:spPr>
+        <p:style>
+          <a:lnRef idx="1">
+            <a:schemeClr val="accent1"/>
+          </a:lnRef>
+          <a:fillRef idx="0">
+            <a:schemeClr val="accent1"/>
+          </a:fillRef>
+          <a:effectRef idx="0">
+            <a:schemeClr val="accent1"/>
+          </a:effectRef>
+          <a:fontRef idx="minor">
+            <a:schemeClr val="tx1"/>
+          </a:fontRef>
+        </p:style>
+      </p:cxnSp>
+      <p:cxnSp>
+        <p:nvCxnSpPr>
+          <p:cNvPr id="3" name="肘形连接符 2"/>
+          <p:cNvCxnSpPr>
+            <a:endCxn id="23" idx="0"/>
+          </p:cNvCxnSpPr>
+          <p:nvPr/>
+        </p:nvCxnSpPr>
+        <p:spPr>
+          <a:xfrm rot="10800000" flipV="1">
+            <a:off x="6011584" y="830579"/>
+            <a:ext cx="1318331" cy="254244"/>
+          </a:xfrm>
+          <a:prstGeom prst="bentConnector2">
+            <a:avLst/>
+          </a:prstGeom>
+          <a:ln w="19050">
+            <a:solidFill>
+              <a:schemeClr val="tx1"/>
+            </a:solidFill>
+            <a:tailEnd type="arrow"/>
+          </a:ln>
+        </p:spPr>
+        <p:style>
+          <a:lnRef idx="1">
+            <a:schemeClr val="accent1"/>
+          </a:lnRef>
+          <a:fillRef idx="0">
+            <a:schemeClr val="accent1"/>
+          </a:fillRef>
+          <a:effectRef idx="0">
+            <a:schemeClr val="accent1"/>
+          </a:effectRef>
+          <a:fontRef idx="minor">
+            <a:schemeClr val="tx1"/>
+          </a:fontRef>
+        </p:style>
+      </p:cxnSp>
+      <p:cxnSp>
+        <p:nvCxnSpPr>
+          <p:cNvPr id="34" name="肘形连接符 33"/>
+          <p:cNvCxnSpPr>
+            <a:endCxn id="27" idx="0"/>
+          </p:cNvCxnSpPr>
+          <p:nvPr/>
+        </p:nvCxnSpPr>
+        <p:spPr>
+          <a:xfrm>
+            <a:off x="7306324" y="837167"/>
+            <a:ext cx="1401298" cy="203049"/>
+          </a:xfrm>
+          <a:prstGeom prst="bentConnector2">
+            <a:avLst/>
+          </a:prstGeom>
+          <a:ln w="19050">
+            <a:solidFill>
+              <a:schemeClr val="tx1"/>
+            </a:solidFill>
+            <a:tailEnd type="arrow"/>
+          </a:ln>
+        </p:spPr>
+        <p:style>
+          <a:lnRef idx="1">
+            <a:schemeClr val="accent1"/>
+          </a:lnRef>
+          <a:fillRef idx="0">
+            <a:schemeClr val="accent1"/>
+          </a:fillRef>
+          <a:effectRef idx="0">
+            <a:schemeClr val="accent1"/>
+          </a:effectRef>
+          <a:fontRef idx="minor">
+            <a:schemeClr val="tx1"/>
+          </a:fontRef>
+        </p:style>
+      </p:cxnSp>
+      <p:cxnSp>
+        <p:nvCxnSpPr>
+          <p:cNvPr id="35" name="肘形连接符 34"/>
+          <p:cNvCxnSpPr>
+            <a:stCxn id="24" idx="2"/>
+            <a:endCxn id="18" idx="0"/>
+          </p:cNvCxnSpPr>
+          <p:nvPr/>
+        </p:nvCxnSpPr>
+        <p:spPr>
+          <a:xfrm rot="16200000" flipH="1">
+            <a:off x="7226531" y="1838846"/>
+            <a:ext cx="443303" cy="200938"/>
+          </a:xfrm>
+          <a:prstGeom prst="bentConnector3">
+            <a:avLst>
+              <a:gd name="adj1" fmla="val 56876"/>
+            </a:avLst>
+          </a:prstGeom>
+          <a:ln w="19050">
+            <a:solidFill>
+              <a:schemeClr val="tx1"/>
+            </a:solidFill>
+            <a:tailEnd type="arrow"/>
+          </a:ln>
+        </p:spPr>
+        <p:style>
+          <a:lnRef idx="1">
+            <a:schemeClr val="accent1"/>
+          </a:lnRef>
+          <a:fillRef idx="0">
+            <a:schemeClr val="accent1"/>
+          </a:fillRef>
+          <a:effectRef idx="0">
+            <a:schemeClr val="accent1"/>
+          </a:effectRef>
+          <a:fontRef idx="minor">
+            <a:schemeClr val="tx1"/>
+          </a:fontRef>
+        </p:style>
+      </p:cxnSp>
+      <p:cxnSp>
+        <p:nvCxnSpPr>
+          <p:cNvPr id="46" name="肘形连接符 45"/>
+          <p:cNvCxnSpPr>
+            <a:stCxn id="27" idx="2"/>
+            <a:endCxn id="28" idx="0"/>
+          </p:cNvCxnSpPr>
+          <p:nvPr/>
+        </p:nvCxnSpPr>
+        <p:spPr>
+          <a:xfrm rot="5400000">
+            <a:off x="8382454" y="1849182"/>
+            <a:ext cx="446009" cy="204329"/>
+          </a:xfrm>
+          <a:prstGeom prst="bentConnector3">
+            <a:avLst>
+              <a:gd name="adj1" fmla="val 55126"/>
+            </a:avLst>
+          </a:prstGeom>
+          <a:ln w="19050">
+            <a:solidFill>
+              <a:schemeClr val="tx1"/>
+            </a:solidFill>
+            <a:tailEnd type="arrow"/>
+          </a:ln>
+        </p:spPr>
+        <p:style>
+          <a:lnRef idx="1">
+            <a:schemeClr val="accent1"/>
+          </a:lnRef>
+          <a:fillRef idx="0">
+            <a:schemeClr val="accent1"/>
+          </a:fillRef>
+          <a:effectRef idx="0">
+            <a:schemeClr val="accent1"/>
+          </a:effectRef>
+          <a:fontRef idx="minor">
+            <a:schemeClr val="tx1"/>
+          </a:fontRef>
+        </p:style>
+      </p:cxnSp>
+      <p:cxnSp>
+        <p:nvCxnSpPr>
+          <p:cNvPr id="47" name="肘形连接符 46"/>
+          <p:cNvCxnSpPr>
+            <a:stCxn id="18" idx="2"/>
+            <a:endCxn id="17" idx="0"/>
+          </p:cNvCxnSpPr>
+          <p:nvPr/>
+        </p:nvCxnSpPr>
+        <p:spPr>
+          <a:xfrm rot="5400000">
+            <a:off x="6826254" y="2603362"/>
+            <a:ext cx="476667" cy="968128"/>
+          </a:xfrm>
+          <a:prstGeom prst="bentConnector3">
+            <a:avLst>
+              <a:gd name="adj1" fmla="val 50000"/>
+            </a:avLst>
+          </a:prstGeom>
+          <a:ln w="19050">
+            <a:solidFill>
+              <a:schemeClr val="tx1"/>
+            </a:solidFill>
+            <a:tailEnd type="arrow"/>
+          </a:ln>
+        </p:spPr>
+        <p:style>
+          <a:lnRef idx="1">
+            <a:schemeClr val="accent1"/>
+          </a:lnRef>
+          <a:fillRef idx="0">
+            <a:schemeClr val="accent1"/>
+          </a:fillRef>
+          <a:effectRef idx="0">
+            <a:schemeClr val="accent1"/>
+          </a:effectRef>
+          <a:fontRef idx="minor">
+            <a:schemeClr val="tx1"/>
+          </a:fontRef>
+        </p:style>
+      </p:cxnSp>
+      <p:cxnSp>
+        <p:nvCxnSpPr>
+          <p:cNvPr id="53" name="肘形连接符 52"/>
+          <p:cNvCxnSpPr>
+            <a:stCxn id="13" idx="2"/>
+            <a:endCxn id="7" idx="0"/>
+          </p:cNvCxnSpPr>
+          <p:nvPr/>
+        </p:nvCxnSpPr>
+        <p:spPr>
+          <a:xfrm rot="16200000" flipH="1">
+            <a:off x="9108516" y="4989029"/>
+            <a:ext cx="208359" cy="2873"/>
+          </a:xfrm>
+          <a:prstGeom prst="bentConnector3">
+            <a:avLst>
+              <a:gd name="adj1" fmla="val 50000"/>
+            </a:avLst>
+          </a:prstGeom>
+          <a:ln w="19050">
+            <a:solidFill>
+              <a:schemeClr val="tx1"/>
+            </a:solidFill>
+            <a:tailEnd type="arrow"/>
+          </a:ln>
+        </p:spPr>
+        <p:style>
+          <a:lnRef idx="1">
+            <a:schemeClr val="accent1"/>
+          </a:lnRef>
+          <a:fillRef idx="0">
+            <a:schemeClr val="accent1"/>
+          </a:fillRef>
+          <a:effectRef idx="0">
+            <a:schemeClr val="accent1"/>
+          </a:effectRef>
+          <a:fontRef idx="minor">
+            <a:schemeClr val="tx1"/>
+          </a:fontRef>
+        </p:style>
+      </p:cxnSp>
+      <p:cxnSp>
+        <p:nvCxnSpPr>
+          <p:cNvPr id="78" name="肘形连接符 77"/>
+          <p:cNvCxnSpPr>
+            <a:stCxn id="19" idx="1"/>
+            <a:endCxn id="20" idx="3"/>
+          </p:cNvCxnSpPr>
+          <p:nvPr/>
+        </p:nvCxnSpPr>
+        <p:spPr>
+          <a:xfrm rot="10800000">
+            <a:off x="5992304" y="2515811"/>
+            <a:ext cx="279698" cy="434"/>
+          </a:xfrm>
+          <a:prstGeom prst="bentConnector3">
+            <a:avLst>
+              <a:gd name="adj1" fmla="val 50000"/>
+            </a:avLst>
+          </a:prstGeom>
+          <a:ln w="19050">
+            <a:solidFill>
+              <a:schemeClr val="tx1"/>
+            </a:solidFill>
+            <a:tailEnd type="arrow"/>
+          </a:ln>
+        </p:spPr>
+        <p:style>
+          <a:lnRef idx="1">
+            <a:schemeClr val="accent1"/>
+          </a:lnRef>
+          <a:fillRef idx="0">
+            <a:schemeClr val="accent1"/>
+          </a:fillRef>
+          <a:effectRef idx="0">
+            <a:schemeClr val="accent1"/>
+          </a:effectRef>
+          <a:fontRef idx="minor">
+            <a:schemeClr val="tx1"/>
+          </a:fontRef>
+        </p:style>
+      </p:cxnSp>
+      <p:cxnSp>
+        <p:nvCxnSpPr>
+          <p:cNvPr id="87" name="肘形连接符 86"/>
+          <p:cNvCxnSpPr>
+            <a:stCxn id="23" idx="2"/>
+            <a:endCxn id="19" idx="0"/>
+          </p:cNvCxnSpPr>
+          <p:nvPr/>
+        </p:nvCxnSpPr>
+        <p:spPr>
+          <a:xfrm rot="16200000" flipH="1">
+            <a:off x="6117270" y="1667262"/>
+            <a:ext cx="399233" cy="610606"/>
+          </a:xfrm>
+          <a:prstGeom prst="bentConnector3">
+            <a:avLst>
+              <a:gd name="adj1" fmla="val 50000"/>
+            </a:avLst>
+          </a:prstGeom>
+          <a:ln w="19050">
+            <a:solidFill>
+              <a:schemeClr val="tx1"/>
+            </a:solidFill>
+            <a:tailEnd type="arrow"/>
+          </a:ln>
+        </p:spPr>
+        <p:style>
+          <a:lnRef idx="1">
+            <a:schemeClr val="accent1"/>
+          </a:lnRef>
+          <a:fillRef idx="0">
+            <a:schemeClr val="accent1"/>
+          </a:fillRef>
+          <a:effectRef idx="0">
+            <a:schemeClr val="accent1"/>
+          </a:effectRef>
+          <a:fontRef idx="minor">
+            <a:schemeClr val="tx1"/>
+          </a:fontRef>
+        </p:style>
+      </p:cxnSp>
+      <p:cxnSp>
+        <p:nvCxnSpPr>
+          <p:cNvPr id="6" name="肘形连接符 5"/>
+          <p:cNvCxnSpPr>
+            <a:stCxn id="28" idx="2"/>
+            <a:endCxn id="26" idx="1"/>
+          </p:cNvCxnSpPr>
+          <p:nvPr/>
+        </p:nvCxnSpPr>
+        <p:spPr>
+          <a:xfrm rot="16200000" flipH="1">
+            <a:off x="8769518" y="2596251"/>
+            <a:ext cx="730856" cy="1263307"/>
+          </a:xfrm>
+          <a:prstGeom prst="bentConnector2">
+            <a:avLst/>
+          </a:prstGeom>
+          <a:ln w="19050">
+            <a:solidFill>
+              <a:schemeClr val="tx1"/>
+            </a:solidFill>
+            <a:tailEnd type="arrow"/>
+          </a:ln>
+        </p:spPr>
+        <p:style>
+          <a:lnRef idx="1">
+            <a:schemeClr val="accent1"/>
+          </a:lnRef>
+          <a:fillRef idx="0">
+            <a:schemeClr val="accent1"/>
+          </a:fillRef>
+          <a:effectRef idx="0">
+            <a:schemeClr val="accent1"/>
+          </a:effectRef>
+          <a:fontRef idx="minor">
+            <a:schemeClr val="tx1"/>
+          </a:fontRef>
+        </p:style>
+      </p:cxnSp>
+      <p:cxnSp>
+        <p:nvCxnSpPr>
+          <p:cNvPr id="36" name="肘形连接符 35"/>
+          <p:cNvCxnSpPr>
+            <a:stCxn id="28" idx="2"/>
+            <a:endCxn id="16" idx="3"/>
+          </p:cNvCxnSpPr>
+          <p:nvPr/>
+        </p:nvCxnSpPr>
+        <p:spPr>
+          <a:xfrm rot="5400000">
+            <a:off x="7844939" y="2927411"/>
+            <a:ext cx="723289" cy="593421"/>
+          </a:xfrm>
+          <a:prstGeom prst="bentConnector2">
+            <a:avLst/>
+          </a:prstGeom>
+          <a:ln w="19050">
+            <a:solidFill>
+              <a:schemeClr val="tx1"/>
+            </a:solidFill>
+            <a:tailEnd type="arrow"/>
+          </a:ln>
+        </p:spPr>
+        <p:style>
+          <a:lnRef idx="1">
+            <a:schemeClr val="accent1"/>
+          </a:lnRef>
+          <a:fillRef idx="0">
+            <a:schemeClr val="accent1"/>
+          </a:fillRef>
+          <a:effectRef idx="0">
+            <a:schemeClr val="accent1"/>
+          </a:effectRef>
+          <a:fontRef idx="minor">
+            <a:schemeClr val="tx1"/>
+          </a:fontRef>
+        </p:style>
+      </p:cxnSp>
+      <p:cxnSp>
+        <p:nvCxnSpPr>
+          <p:cNvPr id="40" name="肘形连接符 39"/>
+          <p:cNvCxnSpPr>
+            <a:stCxn id="17" idx="1"/>
+            <a:endCxn id="15" idx="0"/>
+          </p:cNvCxnSpPr>
+          <p:nvPr/>
+        </p:nvCxnSpPr>
+        <p:spPr>
+          <a:xfrm rot="10800000" flipV="1">
+            <a:off x="5831724" y="3586577"/>
+            <a:ext cx="304757" cy="438391"/>
+          </a:xfrm>
+          <a:prstGeom prst="bentConnector2">
+            <a:avLst/>
+          </a:prstGeom>
+          <a:ln w="19050">
+            <a:solidFill>
+              <a:schemeClr val="tx1"/>
+            </a:solidFill>
+            <a:tailEnd type="arrow"/>
+          </a:ln>
+        </p:spPr>
+        <p:style>
+          <a:lnRef idx="1">
+            <a:schemeClr val="accent1"/>
+          </a:lnRef>
+          <a:fillRef idx="0">
+            <a:schemeClr val="accent1"/>
+          </a:fillRef>
+          <a:effectRef idx="0">
+            <a:schemeClr val="accent1"/>
+          </a:effectRef>
+          <a:fontRef idx="minor">
+            <a:schemeClr val="tx1"/>
+          </a:fontRef>
+        </p:style>
+      </p:cxnSp>
+      <p:cxnSp>
+        <p:nvCxnSpPr>
+          <p:cNvPr id="94" name="肘形连接符 93"/>
+          <p:cNvCxnSpPr>
+            <a:stCxn id="13" idx="2"/>
+            <a:endCxn id="11" idx="0"/>
+          </p:cNvCxnSpPr>
+          <p:nvPr/>
+        </p:nvCxnSpPr>
+        <p:spPr>
+          <a:xfrm rot="16200000" flipH="1">
+            <a:off x="9631505" y="4466039"/>
+            <a:ext cx="209421" cy="1049913"/>
+          </a:xfrm>
+          <a:prstGeom prst="bentConnector3">
+            <a:avLst>
+              <a:gd name="adj1" fmla="val 50000"/>
+            </a:avLst>
+          </a:prstGeom>
+          <a:ln w="19050">
+            <a:solidFill>
+              <a:schemeClr val="tx1"/>
+            </a:solidFill>
+            <a:tailEnd type="arrow"/>
+          </a:ln>
+        </p:spPr>
+        <p:style>
+          <a:lnRef idx="1">
+            <a:schemeClr val="accent1"/>
+          </a:lnRef>
+          <a:fillRef idx="0">
+            <a:schemeClr val="accent1"/>
+          </a:fillRef>
+          <a:effectRef idx="0">
+            <a:schemeClr val="accent1"/>
+          </a:effectRef>
+          <a:fontRef idx="minor">
+            <a:schemeClr val="tx1"/>
+          </a:fontRef>
+        </p:style>
+      </p:cxnSp>
+      <p:cxnSp>
+        <p:nvCxnSpPr>
+          <p:cNvPr id="100" name="肘形连接符 99"/>
+          <p:cNvCxnSpPr>
+            <a:stCxn id="12" idx="2"/>
+            <a:endCxn id="4" idx="0"/>
+          </p:cNvCxnSpPr>
+          <p:nvPr/>
+        </p:nvCxnSpPr>
+        <p:spPr>
+          <a:xfrm rot="5400000">
+            <a:off x="5568990" y="3110032"/>
+            <a:ext cx="436210" cy="3535141"/>
+          </a:xfrm>
+          <a:prstGeom prst="bentConnector3">
+            <a:avLst>
+              <a:gd name="adj1" fmla="val 50000"/>
+            </a:avLst>
+          </a:prstGeom>
+          <a:ln w="19050">
+            <a:solidFill>
+              <a:schemeClr val="tx1"/>
+            </a:solidFill>
+            <a:tailEnd type="arrow"/>
+          </a:ln>
+        </p:spPr>
+        <p:style>
+          <a:lnRef idx="1">
+            <a:schemeClr val="accent1"/>
+          </a:lnRef>
+          <a:fillRef idx="0">
+            <a:schemeClr val="accent1"/>
+          </a:fillRef>
+          <a:effectRef idx="0">
+            <a:schemeClr val="accent1"/>
+          </a:effectRef>
+          <a:fontRef idx="minor">
+            <a:schemeClr val="tx1"/>
+          </a:fontRef>
+        </p:style>
+      </p:cxnSp>
+      <p:cxnSp>
+        <p:nvCxnSpPr>
+          <p:cNvPr id="197" name="直接箭头连接符 196"/>
+          <p:cNvCxnSpPr>
+            <a:stCxn id="29" idx="2"/>
+            <a:endCxn id="26" idx="0"/>
+          </p:cNvCxnSpPr>
+          <p:nvPr/>
+        </p:nvCxnSpPr>
+        <p:spPr>
+          <a:xfrm>
+            <a:off x="10104954" y="2859875"/>
+            <a:ext cx="11434" cy="462869"/>
+          </a:xfrm>
+          <a:prstGeom prst="straightConnector1">
+            <a:avLst/>
+          </a:prstGeom>
+          <a:ln>
+            <a:headEnd type="none" w="med" len="med"/>
+            <a:tailEnd type="arrow" w="med" len="med"/>
+          </a:ln>
+        </p:spPr>
+        <p:style>
+          <a:lnRef idx="3">
+            <a:schemeClr val="dk1"/>
+          </a:lnRef>
+          <a:fillRef idx="0">
+            <a:schemeClr val="dk1"/>
+          </a:fillRef>
+          <a:effectRef idx="2">
+            <a:schemeClr val="dk1"/>
+          </a:effectRef>
+          <a:fontRef idx="minor">
+            <a:schemeClr val="tx1"/>
+          </a:fontRef>
+        </p:style>
+      </p:cxnSp>
+      <p:cxnSp>
+        <p:nvCxnSpPr>
+          <p:cNvPr id="199" name="肘形连接符 198"/>
+          <p:cNvCxnSpPr>
+            <a:stCxn id="12" idx="2"/>
+            <a:endCxn id="5" idx="0"/>
+          </p:cNvCxnSpPr>
+          <p:nvPr/>
+        </p:nvCxnSpPr>
+        <p:spPr>
+          <a:xfrm rot="16200000" flipH="1">
+            <a:off x="7738462" y="4475699"/>
+            <a:ext cx="429707" cy="797301"/>
+          </a:xfrm>
+          <a:prstGeom prst="bentConnector3">
+            <a:avLst>
+              <a:gd name="adj1" fmla="val 50000"/>
+            </a:avLst>
+          </a:prstGeom>
+          <a:ln w="19050">
+            <a:solidFill>
+              <a:schemeClr val="tx1"/>
+            </a:solidFill>
+            <a:tailEnd type="arrow"/>
+          </a:ln>
+        </p:spPr>
+        <p:style>
+          <a:lnRef idx="1">
+            <a:schemeClr val="accent1"/>
+          </a:lnRef>
+          <a:fillRef idx="0">
+            <a:schemeClr val="accent1"/>
+          </a:fillRef>
+          <a:effectRef idx="0">
+            <a:schemeClr val="accent1"/>
+          </a:effectRef>
+          <a:fontRef idx="minor">
+            <a:schemeClr val="tx1"/>
+          </a:fontRef>
+        </p:style>
+      </p:cxnSp>
+      <p:cxnSp>
+        <p:nvCxnSpPr>
+          <p:cNvPr id="205" name="直接箭头连接符 204"/>
+          <p:cNvCxnSpPr>
+            <a:endCxn id="9" idx="0"/>
+          </p:cNvCxnSpPr>
+          <p:nvPr/>
+        </p:nvCxnSpPr>
+        <p:spPr>
+          <a:xfrm>
+            <a:off x="6155412" y="4882046"/>
+            <a:ext cx="840" cy="218757"/>
+          </a:xfrm>
+          <a:prstGeom prst="straightConnector1">
+            <a:avLst/>
+          </a:prstGeom>
+          <a:ln>
+            <a:headEnd type="none" w="med" len="med"/>
+            <a:tailEnd type="arrow" w="med" len="med"/>
+          </a:ln>
+        </p:spPr>
+        <p:style>
+          <a:lnRef idx="3">
+            <a:schemeClr val="dk1"/>
+          </a:lnRef>
+          <a:fillRef idx="0">
+            <a:schemeClr val="dk1"/>
+          </a:fillRef>
+          <a:effectRef idx="2">
+            <a:schemeClr val="dk1"/>
+          </a:effectRef>
+          <a:fontRef idx="minor">
+            <a:schemeClr val="tx1"/>
+          </a:fontRef>
+        </p:style>
+      </p:cxnSp>
+      <p:cxnSp>
+        <p:nvCxnSpPr>
+          <p:cNvPr id="214" name="直接箭头连接符 213"/>
+          <p:cNvCxnSpPr>
+            <a:stCxn id="18" idx="2"/>
+            <a:endCxn id="16" idx="0"/>
+          </p:cNvCxnSpPr>
+          <p:nvPr/>
+        </p:nvCxnSpPr>
+        <p:spPr>
+          <a:xfrm>
+            <a:off x="7548651" y="2849093"/>
+            <a:ext cx="11035" cy="475043"/>
+          </a:xfrm>
+          <a:prstGeom prst="straightConnector1">
+            <a:avLst/>
+          </a:prstGeom>
+          <a:ln>
+            <a:headEnd type="none" w="med" len="med"/>
+            <a:tailEnd type="arrow" w="med" len="med"/>
+          </a:ln>
+        </p:spPr>
+        <p:style>
+          <a:lnRef idx="3">
+            <a:schemeClr val="dk1"/>
+          </a:lnRef>
+          <a:fillRef idx="0">
+            <a:schemeClr val="dk1"/>
+          </a:fillRef>
+          <a:effectRef idx="2">
+            <a:schemeClr val="dk1"/>
+          </a:effectRef>
+          <a:fontRef idx="minor">
+            <a:schemeClr val="tx1"/>
+          </a:fontRef>
+        </p:style>
+      </p:cxnSp>
+      <p:cxnSp>
+        <p:nvCxnSpPr>
+          <p:cNvPr id="55" name="肘形连接符 54"/>
+          <p:cNvCxnSpPr>
+            <a:stCxn id="27" idx="2"/>
+            <a:endCxn id="22" idx="0"/>
+          </p:cNvCxnSpPr>
+          <p:nvPr/>
+        </p:nvCxnSpPr>
+        <p:spPr>
+          <a:xfrm rot="16200000" flipH="1">
+            <a:off x="8803923" y="1632040"/>
+            <a:ext cx="443406" cy="636009"/>
+          </a:xfrm>
+          <a:prstGeom prst="bentConnector3">
+            <a:avLst>
+              <a:gd name="adj1" fmla="val 55156"/>
+            </a:avLst>
+          </a:prstGeom>
+          <a:ln w="19050">
+            <a:solidFill>
+              <a:schemeClr val="tx1"/>
+            </a:solidFill>
+            <a:tailEnd type="arrow"/>
+          </a:ln>
+        </p:spPr>
+        <p:style>
+          <a:lnRef idx="1">
+            <a:schemeClr val="accent1"/>
+          </a:lnRef>
+          <a:fillRef idx="0">
+            <a:schemeClr val="accent1"/>
+          </a:fillRef>
+          <a:effectRef idx="0">
+            <a:schemeClr val="accent1"/>
+          </a:effectRef>
+          <a:fontRef idx="minor">
+            <a:schemeClr val="tx1"/>
+          </a:fontRef>
+        </p:style>
+      </p:cxnSp>
+      <p:cxnSp>
+        <p:nvCxnSpPr>
+          <p:cNvPr id="64" name="肘形连接符 63"/>
+          <p:cNvCxnSpPr>
+            <a:stCxn id="21" idx="2"/>
+          </p:cNvCxnSpPr>
+          <p:nvPr/>
+        </p:nvCxnSpPr>
+        <p:spPr>
+          <a:xfrm rot="16200000" flipH="1">
+            <a:off x="5547134" y="2047797"/>
+            <a:ext cx="215988" cy="1867635"/>
+          </a:xfrm>
+          <a:prstGeom prst="bentConnector2">
+            <a:avLst/>
+          </a:prstGeom>
+          <a:ln w="19050">
+            <a:solidFill>
+              <a:schemeClr val="tx1"/>
+            </a:solidFill>
+            <a:tailEnd type="none"/>
+          </a:ln>
+        </p:spPr>
+        <p:style>
+          <a:lnRef idx="1">
+            <a:schemeClr val="accent1"/>
+          </a:lnRef>
+          <a:fillRef idx="0">
+            <a:schemeClr val="accent1"/>
+          </a:fillRef>
+          <a:effectRef idx="0">
+            <a:schemeClr val="accent1"/>
+          </a:effectRef>
+          <a:fontRef idx="minor">
+            <a:schemeClr val="tx1"/>
+          </a:fontRef>
+        </p:style>
+      </p:cxnSp>
+      <p:sp>
+        <p:nvSpPr>
+          <p:cNvPr id="88" name="流程图: 准备 19"/>
+          <p:cNvSpPr/>
+          <p:nvPr/>
+        </p:nvSpPr>
+        <p:spPr>
+          <a:xfrm>
+            <a:off x="3849842" y="985289"/>
+            <a:ext cx="1430060" cy="779715"/>
+          </a:xfrm>
+          <a:prstGeom prst="flowChartPreparation">
+            <a:avLst/>
+          </a:prstGeom>
+          <a:solidFill>
+            <a:schemeClr val="bg1"/>
+          </a:solidFill>
+          <a:ln w="28575">
+            <a:solidFill>
+              <a:schemeClr val="tx1"/>
+            </a:solidFill>
+          </a:ln>
+          <a:effectLst>
+            <a:glow>
+              <a:schemeClr val="accent1">
+                <a:alpha val="40000"/>
+              </a:schemeClr>
+            </a:glow>
+          </a:effectLst>
+        </p:spPr>
+        <p:style>
+          <a:lnRef idx="1">
+            <a:schemeClr val="accent6"/>
+          </a:lnRef>
+          <a:fillRef idx="3">
+            <a:schemeClr val="accent6"/>
+          </a:fillRef>
+          <a:effectRef idx="2">
+            <a:schemeClr val="accent6"/>
+          </a:effectRef>
+          <a:fontRef idx="minor">
+            <a:schemeClr val="lt1"/>
+          </a:fontRef>
+        </p:style>
+        <p:txBody>
+          <a:bodyPr vertOverflow="overflow" horzOverflow="overflow" vert="horz" wrap="none" lIns="0" tIns="0" rIns="0" bIns="0" numCol="1" spcCol="0" rtlCol="0" fromWordArt="0" anchor="ctr" anchorCtr="0" forceAA="0" compatLnSpc="1">
+            <a:normAutofit/>
+          </a:bodyPr>
+          <a:lstStyle/>
+          <a:p>
+            <a:pPr lvl="0" algn="ctr"/>
+            <a:r>
+              <a:rPr lang="en-US" altLang="zh-CN" sz="1400">
+                <a:solidFill>
+                  <a:schemeClr val="tx1"/>
+                </a:solidFill>
+                <a:sym typeface="+mn-ea"/>
+              </a:rPr>
+              <a:t>Travel admin</a:t>
+            </a:r>
+          </a:p>
+          <a:p>
+            <a:pPr lvl="0" algn="ctr"/>
+            <a:r>
+              <a:rPr lang="en-US" altLang="zh-CN" sz="1400" dirty="0">
+                <a:solidFill>
+                  <a:schemeClr val="tx1"/>
+                </a:solidFill>
+                <a:sym typeface="+mn-ea"/>
+              </a:rPr>
+              <a:t>(order, route, </a:t>
+            </a:r>
+          </a:p>
+          <a:p>
+            <a:pPr lvl="0" algn="ctr"/>
+            <a:r>
+              <a:rPr lang="en-US" altLang="zh-CN" sz="1400" dirty="0">
+                <a:solidFill>
+                  <a:schemeClr val="tx1"/>
+                </a:solidFill>
+                <a:sym typeface="+mn-ea"/>
+              </a:rPr>
+              <a:t>station)</a:t>
+            </a:r>
+          </a:p>
+        </p:txBody>
+      </p:sp>
+      <p:sp>
+        <p:nvSpPr>
+          <p:cNvPr id="89" name="流程图: 准备 19"/>
+          <p:cNvSpPr/>
+          <p:nvPr/>
+        </p:nvSpPr>
+        <p:spPr>
+          <a:xfrm>
+            <a:off x="2051184" y="4269828"/>
+            <a:ext cx="1227887" cy="383627"/>
+          </a:xfrm>
+          <a:prstGeom prst="flowChartPreparation">
+            <a:avLst/>
+          </a:prstGeom>
+          <a:solidFill>
+            <a:schemeClr val="bg1"/>
+          </a:solidFill>
+          <a:ln w="28575">
+            <a:solidFill>
+              <a:schemeClr val="tx1"/>
+            </a:solidFill>
+          </a:ln>
+          <a:effectLst>
+            <a:glow>
+              <a:schemeClr val="accent1">
+                <a:alpha val="40000"/>
+              </a:schemeClr>
+            </a:glow>
+          </a:effectLst>
+        </p:spPr>
+        <p:style>
+          <a:lnRef idx="1">
+            <a:schemeClr val="accent6"/>
+          </a:lnRef>
+          <a:fillRef idx="3">
+            <a:schemeClr val="accent6"/>
+          </a:fillRef>
+          <a:effectRef idx="2">
+            <a:schemeClr val="accent6"/>
+          </a:effectRef>
+          <a:fontRef idx="minor">
+            <a:schemeClr val="lt1"/>
+          </a:fontRef>
+        </p:style>
+        <p:txBody>
+          <a:bodyPr vertOverflow="overflow" horzOverflow="overflow" vert="horz" wrap="none" lIns="0" tIns="0" rIns="0" bIns="0" numCol="1" spcCol="0" rtlCol="0" fromWordArt="0" anchor="ctr" anchorCtr="0" forceAA="0" compatLnSpc="1">
+            <a:normAutofit/>
+          </a:bodyPr>
+          <a:lstStyle/>
+          <a:p>
+            <a:pPr lvl="0" algn="ctr"/>
+            <a:r>
+              <a:rPr lang="en-US" altLang="zh-CN" sz="1400">
+                <a:ln w="0"/>
+                <a:solidFill>
+                  <a:schemeClr val="tx1"/>
+                </a:solidFill>
+                <a:effectLst>
+                  <a:outerShdw blurRad="38100" dist="19050" dir="2700000" algn="tl" rotWithShape="0">
+                    <a:schemeClr val="dk1">
+                      <a:alpha val="40000"/>
+                    </a:schemeClr>
+                  </a:outerShdw>
+                </a:effectLst>
+                <a:sym typeface="+mn-ea"/>
+              </a:rPr>
+              <a:t>Food service</a:t>
+            </a:r>
+            <a:endParaRPr lang="en-US" altLang="zh-CN" sz="1400" dirty="0">
+              <a:ln w="0"/>
+              <a:solidFill>
+                <a:schemeClr val="tx1"/>
+              </a:solidFill>
+              <a:effectLst>
+                <a:outerShdw blurRad="38100" dist="19050" dir="2700000" algn="tl" rotWithShape="0">
+                  <a:schemeClr val="dk1">
+                    <a:alpha val="40000"/>
+                  </a:schemeClr>
+                </a:outerShdw>
+              </a:effectLst>
+              <a:sym typeface="+mn-ea"/>
+            </a:endParaRPr>
+          </a:p>
+        </p:txBody>
+      </p:sp>
+      <p:sp>
+        <p:nvSpPr>
+          <p:cNvPr id="111" name="流程图: 准备 19"/>
+          <p:cNvSpPr/>
+          <p:nvPr/>
+        </p:nvSpPr>
+        <p:spPr>
+          <a:xfrm>
+            <a:off x="2173511" y="3606229"/>
+            <a:ext cx="854654" cy="319184"/>
+          </a:xfrm>
+          <a:prstGeom prst="flowChartPreparation">
+            <a:avLst/>
+          </a:prstGeom>
+          <a:solidFill>
+            <a:schemeClr val="bg1"/>
+          </a:solidFill>
+          <a:ln w="28575">
+            <a:solidFill>
+              <a:schemeClr val="tx1"/>
+            </a:solidFill>
+          </a:ln>
+          <a:effectLst>
+            <a:glow>
+              <a:schemeClr val="accent1">
+                <a:alpha val="40000"/>
+              </a:schemeClr>
+            </a:glow>
+          </a:effectLst>
+        </p:spPr>
+        <p:style>
+          <a:lnRef idx="1">
+            <a:schemeClr val="accent6"/>
+          </a:lnRef>
+          <a:fillRef idx="3">
+            <a:schemeClr val="accent6"/>
+          </a:fillRef>
+          <a:effectRef idx="2">
+            <a:schemeClr val="accent6"/>
+          </a:effectRef>
+          <a:fontRef idx="minor">
+            <a:schemeClr val="lt1"/>
+          </a:fontRef>
+        </p:style>
+        <p:txBody>
+          <a:bodyPr vertOverflow="overflow" horzOverflow="overflow" vert="horz" wrap="none" lIns="0" tIns="0" rIns="0" bIns="0" numCol="1" spcCol="0" rtlCol="0" fromWordArt="0" anchor="ctr" anchorCtr="0" forceAA="0" compatLnSpc="1">
+            <a:normAutofit/>
+          </a:bodyPr>
+          <a:lstStyle/>
+          <a:p>
+            <a:pPr lvl="0" algn="ctr"/>
+            <a:r>
+              <a:rPr lang="en-US" altLang="zh-CN" sz="1400" dirty="0">
+                <a:solidFill>
+                  <a:schemeClr val="tx1"/>
+                </a:solidFill>
+                <a:sym typeface="+mn-ea"/>
+              </a:rPr>
+              <a:t>Route</a:t>
+            </a:r>
+          </a:p>
+        </p:txBody>
+      </p:sp>
+      <p:sp>
+        <p:nvSpPr>
+          <p:cNvPr id="116" name="流程图: 准备 19"/>
+          <p:cNvSpPr/>
+          <p:nvPr/>
+        </p:nvSpPr>
+        <p:spPr>
+          <a:xfrm>
+            <a:off x="3243304" y="3567323"/>
+            <a:ext cx="734844" cy="409388"/>
+          </a:xfrm>
+          <a:prstGeom prst="flowChartPreparation">
+            <a:avLst/>
+          </a:prstGeom>
+          <a:solidFill>
+            <a:schemeClr val="bg1"/>
+          </a:solidFill>
+          <a:ln w="28575">
+            <a:solidFill>
+              <a:schemeClr val="tx1"/>
+            </a:solidFill>
+          </a:ln>
+          <a:effectLst>
+            <a:glow>
+              <a:schemeClr val="accent1">
+                <a:alpha val="40000"/>
+              </a:schemeClr>
+            </a:glow>
+          </a:effectLst>
+        </p:spPr>
+        <p:style>
+          <a:lnRef idx="1">
+            <a:schemeClr val="accent6"/>
+          </a:lnRef>
+          <a:fillRef idx="3">
+            <a:schemeClr val="accent6"/>
+          </a:fillRef>
+          <a:effectRef idx="2">
+            <a:schemeClr val="accent6"/>
+          </a:effectRef>
+          <a:fontRef idx="minor">
+            <a:schemeClr val="lt1"/>
+          </a:fontRef>
+        </p:style>
+        <p:txBody>
+          <a:bodyPr vertOverflow="overflow" horzOverflow="overflow" vert="horz" wrap="none" lIns="0" tIns="0" rIns="0" bIns="0" numCol="1" spcCol="0" rtlCol="0" fromWordArt="0" anchor="ctr" anchorCtr="0" forceAA="0" compatLnSpc="1">
+            <a:normAutofit/>
+          </a:bodyPr>
+          <a:lstStyle/>
+          <a:p>
+            <a:pPr lvl="0" algn="ctr"/>
+            <a:r>
+              <a:rPr lang="en-US" altLang="zh-CN" sz="1400" dirty="0">
+                <a:ln w="0"/>
+                <a:solidFill>
+                  <a:schemeClr val="tx1"/>
+                </a:solidFill>
+                <a:effectLst>
+                  <a:outerShdw blurRad="38100" dist="19050" dir="2700000" algn="tl" rotWithShape="0">
+                    <a:schemeClr val="dk1">
+                      <a:alpha val="40000"/>
+                    </a:schemeClr>
+                  </a:outerShdw>
+                </a:effectLst>
+                <a:sym typeface="+mn-ea"/>
+              </a:rPr>
+              <a:t>seat</a:t>
+            </a:r>
+          </a:p>
+        </p:txBody>
+      </p:sp>
+      <p:sp>
+        <p:nvSpPr>
+          <p:cNvPr id="123" name="流程图: 准备 19"/>
+          <p:cNvSpPr/>
+          <p:nvPr/>
+        </p:nvSpPr>
+        <p:spPr>
+          <a:xfrm>
+            <a:off x="9672744" y="4149587"/>
+            <a:ext cx="887285" cy="660453"/>
+          </a:xfrm>
+          <a:prstGeom prst="flowChartPreparation">
+            <a:avLst/>
+          </a:prstGeom>
+          <a:solidFill>
+            <a:schemeClr val="bg1"/>
+          </a:solidFill>
+          <a:ln w="28575">
+            <a:solidFill>
+              <a:schemeClr val="tx1"/>
+            </a:solidFill>
+          </a:ln>
+          <a:effectLst>
+            <a:glow>
+              <a:schemeClr val="accent1">
+                <a:alpha val="40000"/>
+              </a:schemeClr>
+            </a:glow>
+          </a:effectLst>
+        </p:spPr>
+        <p:style>
+          <a:lnRef idx="1">
+            <a:schemeClr val="accent6"/>
+          </a:lnRef>
+          <a:fillRef idx="3">
+            <a:schemeClr val="accent6"/>
+          </a:fillRef>
+          <a:effectRef idx="2">
+            <a:schemeClr val="accent6"/>
+          </a:effectRef>
+          <a:fontRef idx="minor">
+            <a:schemeClr val="lt1"/>
+          </a:fontRef>
+        </p:style>
+        <p:txBody>
+          <a:bodyPr vertOverflow="overflow" horzOverflow="overflow" vert="horz" wrap="none" lIns="0" tIns="0" rIns="0" bIns="0" numCol="1" spcCol="0" rtlCol="0" fromWordArt="0" anchor="ctr" anchorCtr="0" forceAA="0" compatLnSpc="1">
+            <a:normAutofit/>
+          </a:bodyPr>
+          <a:lstStyle/>
+          <a:p>
+            <a:pPr lvl="0" algn="ctr"/>
+            <a:r>
+              <a:rPr lang="en-US" altLang="zh-CN" sz="1400" dirty="0">
+                <a:solidFill>
+                  <a:schemeClr val="tx1"/>
+                </a:solidFill>
+                <a:sym typeface="+mn-ea"/>
+              </a:rPr>
+              <a:t>assurance</a:t>
+            </a:r>
+          </a:p>
+        </p:txBody>
+      </p:sp>
+      <p:sp>
+        <p:nvSpPr>
+          <p:cNvPr id="63" name="流程图: 准备 19"/>
+          <p:cNvSpPr/>
+          <p:nvPr/>
+        </p:nvSpPr>
+        <p:spPr>
+          <a:xfrm>
+            <a:off x="9521835" y="1200172"/>
+            <a:ext cx="908050" cy="368300"/>
+          </a:xfrm>
+          <a:prstGeom prst="flowChartPreparation">
+            <a:avLst/>
+          </a:prstGeom>
+          <a:solidFill>
+            <a:schemeClr val="bg1"/>
+          </a:solidFill>
+          <a:ln w="28575">
+            <a:solidFill>
+              <a:schemeClr val="tx1"/>
+            </a:solidFill>
+          </a:ln>
+          <a:effectLst>
+            <a:glow>
+              <a:schemeClr val="accent1">
+                <a:alpha val="40000"/>
+              </a:schemeClr>
+            </a:glow>
+          </a:effectLst>
+        </p:spPr>
+        <p:style>
+          <a:lnRef idx="1">
+            <a:schemeClr val="accent6"/>
+          </a:lnRef>
+          <a:fillRef idx="3">
+            <a:schemeClr val="accent6"/>
+          </a:fillRef>
+          <a:effectRef idx="2">
+            <a:schemeClr val="accent6"/>
+          </a:effectRef>
+          <a:fontRef idx="minor">
+            <a:schemeClr val="lt1"/>
+          </a:fontRef>
+        </p:style>
+        <p:txBody>
+          <a:bodyPr vertOverflow="overflow" horzOverflow="overflow" vert="horz" wrap="none" lIns="0" tIns="0" rIns="0" bIns="0" numCol="1" spcCol="0" rtlCol="0" fromWordArt="0" anchor="ctr" anchorCtr="0" forceAA="0" compatLnSpc="1">
+            <a:normAutofit/>
+          </a:bodyPr>
+          <a:lstStyle/>
+          <a:p>
+            <a:pPr lvl="0" algn="ctr"/>
+            <a:r>
+              <a:rPr lang="en-US" altLang="zh-CN" sz="1400" dirty="0">
+                <a:solidFill>
+                  <a:schemeClr val="tx1"/>
+                </a:solidFill>
+                <a:sym typeface="+mn-ea"/>
+              </a:rPr>
+              <a:t>news</a:t>
+            </a:r>
+          </a:p>
+        </p:txBody>
+      </p:sp>
+      <p:cxnSp>
+        <p:nvCxnSpPr>
+          <p:cNvPr id="65" name="肘形连接符 33"/>
+          <p:cNvCxnSpPr>
+            <a:stCxn id="107" idx="2"/>
+            <a:endCxn id="63" idx="0"/>
+          </p:cNvCxnSpPr>
+          <p:nvPr/>
+        </p:nvCxnSpPr>
+        <p:spPr>
+          <a:xfrm rot="16200000" flipH="1">
+            <a:off x="8026977" y="-748712"/>
+            <a:ext cx="592581" cy="3305185"/>
+          </a:xfrm>
+          <a:prstGeom prst="bentConnector3">
+            <a:avLst>
+              <a:gd name="adj1" fmla="val 37141"/>
+            </a:avLst>
+          </a:prstGeom>
+          <a:ln w="19050">
+            <a:solidFill>
+              <a:schemeClr val="tx1"/>
+            </a:solidFill>
+            <a:tailEnd type="arrow"/>
+          </a:ln>
+        </p:spPr>
+        <p:style>
+          <a:lnRef idx="1">
+            <a:schemeClr val="accent1"/>
+          </a:lnRef>
+          <a:fillRef idx="0">
+            <a:schemeClr val="accent1"/>
+          </a:fillRef>
+          <a:effectRef idx="0">
+            <a:schemeClr val="accent1"/>
+          </a:effectRef>
+          <a:fontRef idx="minor">
+            <a:schemeClr val="tx1"/>
+          </a:fontRef>
+        </p:style>
+      </p:cxnSp>
+      <p:sp>
+        <p:nvSpPr>
+          <p:cNvPr id="77" name="流程图: 准备 19"/>
+          <p:cNvSpPr/>
+          <p:nvPr/>
+        </p:nvSpPr>
+        <p:spPr>
+          <a:xfrm>
+            <a:off x="1622239" y="990906"/>
+            <a:ext cx="2021840" cy="726757"/>
+          </a:xfrm>
+          <a:prstGeom prst="flowChartPreparation">
+            <a:avLst/>
+          </a:prstGeom>
+          <a:solidFill>
+            <a:schemeClr val="bg1"/>
+          </a:solidFill>
+          <a:ln w="28575">
+            <a:solidFill>
+              <a:schemeClr val="tx1"/>
+            </a:solidFill>
+          </a:ln>
+          <a:effectLst>
+            <a:glow>
+              <a:schemeClr val="accent1">
+                <a:alpha val="40000"/>
+              </a:schemeClr>
+            </a:glow>
+          </a:effectLst>
+        </p:spPr>
+        <p:style>
+          <a:lnRef idx="1">
+            <a:schemeClr val="accent6"/>
+          </a:lnRef>
+          <a:fillRef idx="3">
+            <a:schemeClr val="accent6"/>
+          </a:fillRef>
+          <a:effectRef idx="2">
+            <a:schemeClr val="accent6"/>
+          </a:effectRef>
+          <a:fontRef idx="minor">
+            <a:schemeClr val="lt1"/>
+          </a:fontRef>
+        </p:style>
+        <p:txBody>
+          <a:bodyPr vertOverflow="overflow" horzOverflow="overflow" vert="horz" wrap="none" lIns="0" tIns="0" rIns="0" bIns="0" numCol="1" spcCol="0" rtlCol="0" fromWordArt="0" anchor="ctr" anchorCtr="0" forceAA="0" compatLnSpc="1">
+            <a:normAutofit/>
+          </a:bodyPr>
+          <a:lstStyle/>
+          <a:p>
+            <a:pPr lvl="0" algn="ctr"/>
+            <a:r>
+              <a:rPr lang="en-US" altLang="zh-CN" sz="1600" dirty="0">
+                <a:solidFill>
+                  <a:schemeClr val="tx1"/>
+                </a:solidFill>
+                <a:sym typeface="+mn-ea"/>
+              </a:rPr>
+              <a:t>Advanced travel</a:t>
+            </a:r>
+          </a:p>
+          <a:p>
+            <a:pPr lvl="0" algn="ctr"/>
+            <a:r>
+              <a:rPr lang="en-US" altLang="zh-CN" sz="1600" dirty="0">
+                <a:solidFill>
+                  <a:schemeClr val="tx1"/>
+                </a:solidFill>
+                <a:sym typeface="+mn-ea"/>
+              </a:rPr>
+              <a:t>(route info + ticket)</a:t>
+            </a:r>
+          </a:p>
+        </p:txBody>
+      </p:sp>
+      <p:sp>
+        <p:nvSpPr>
+          <p:cNvPr id="30" name="流程图: 准备 19"/>
+          <p:cNvSpPr/>
+          <p:nvPr/>
+        </p:nvSpPr>
+        <p:spPr>
+          <a:xfrm>
+            <a:off x="1644015" y="2250106"/>
+            <a:ext cx="2414334" cy="572256"/>
+          </a:xfrm>
+          <a:prstGeom prst="flowChartPreparation">
+            <a:avLst/>
+          </a:prstGeom>
+          <a:solidFill>
+            <a:schemeClr val="bg1"/>
+          </a:solidFill>
+          <a:ln w="28575">
+            <a:solidFill>
+              <a:schemeClr val="tx1"/>
+            </a:solidFill>
+          </a:ln>
+          <a:effectLst>
+            <a:glow>
+              <a:schemeClr val="accent1">
+                <a:alpha val="40000"/>
+              </a:schemeClr>
+            </a:glow>
+          </a:effectLst>
+        </p:spPr>
+        <p:style>
+          <a:lnRef idx="1">
+            <a:schemeClr val="accent6"/>
+          </a:lnRef>
+          <a:fillRef idx="3">
+            <a:schemeClr val="accent6"/>
+          </a:fillRef>
+          <a:effectRef idx="2">
+            <a:schemeClr val="accent6"/>
+          </a:effectRef>
+          <a:fontRef idx="minor">
+            <a:schemeClr val="lt1"/>
+          </a:fontRef>
+        </p:style>
+        <p:txBody>
+          <a:bodyPr vertOverflow="overflow" horzOverflow="overflow" vert="horz" wrap="none" lIns="0" tIns="0" rIns="0" bIns="0" numCol="1" spcCol="0" rtlCol="0" fromWordArt="0" anchor="ctr" anchorCtr="0" forceAA="0" compatLnSpc="1">
+            <a:normAutofit/>
+          </a:bodyPr>
+          <a:lstStyle/>
+          <a:p>
+            <a:pPr lvl="0" algn="ctr"/>
+            <a:r>
+              <a:rPr lang="en-US" altLang="zh-CN" sz="1600" dirty="0">
+                <a:solidFill>
+                  <a:schemeClr val="tx1"/>
+                </a:solidFill>
+                <a:sym typeface="+mn-ea"/>
+              </a:rPr>
+              <a:t>route plan</a:t>
+            </a:r>
+          </a:p>
+          <a:p>
+            <a:pPr lvl="0" algn="ctr"/>
+            <a:r>
+              <a:rPr lang="en-US" altLang="zh-CN" sz="1600" dirty="0">
+                <a:solidFill>
+                  <a:schemeClr val="tx1"/>
+                </a:solidFill>
+                <a:sym typeface="+mn-ea"/>
+              </a:rPr>
+              <a:t>(price, change, time)</a:t>
+            </a:r>
+          </a:p>
+        </p:txBody>
+      </p:sp>
+      <p:sp>
+        <p:nvSpPr>
+          <p:cNvPr id="31" name="流程图: 准备 19"/>
+          <p:cNvSpPr/>
+          <p:nvPr/>
+        </p:nvSpPr>
+        <p:spPr>
+          <a:xfrm>
+            <a:off x="10656975" y="1138602"/>
+            <a:ext cx="1072505" cy="442999"/>
+          </a:xfrm>
+          <a:prstGeom prst="flowChartPreparation">
+            <a:avLst/>
+          </a:prstGeom>
+          <a:solidFill>
+            <a:schemeClr val="bg1"/>
+          </a:solidFill>
+          <a:ln w="28575">
+            <a:solidFill>
+              <a:schemeClr val="tx1"/>
+            </a:solidFill>
+          </a:ln>
+          <a:effectLst>
+            <a:glow>
+              <a:schemeClr val="accent1">
+                <a:alpha val="40000"/>
+              </a:schemeClr>
+            </a:glow>
+          </a:effectLst>
+        </p:spPr>
+        <p:style>
+          <a:lnRef idx="1">
+            <a:schemeClr val="accent6"/>
+          </a:lnRef>
+          <a:fillRef idx="3">
+            <a:schemeClr val="accent6"/>
+          </a:fillRef>
+          <a:effectRef idx="2">
+            <a:schemeClr val="accent6"/>
+          </a:effectRef>
+          <a:fontRef idx="minor">
+            <a:schemeClr val="lt1"/>
+          </a:fontRef>
+        </p:style>
+        <p:txBody>
+          <a:bodyPr vertOverflow="overflow" horzOverflow="overflow" vert="horz" wrap="none" lIns="0" tIns="0" rIns="0" bIns="0" numCol="1" spcCol="0" rtlCol="0" fromWordArt="0" anchor="ctr" anchorCtr="0" forceAA="0" compatLnSpc="1">
+            <a:normAutofit/>
+          </a:bodyPr>
+          <a:lstStyle/>
+          <a:p>
+            <a:pPr lvl="0" algn="ctr"/>
+            <a:r>
+              <a:rPr lang="en-US" altLang="zh-CN" sz="1400" dirty="0">
+                <a:solidFill>
+                  <a:schemeClr val="tx1"/>
+                </a:solidFill>
+                <a:sym typeface="+mn-ea"/>
+              </a:rPr>
+              <a:t>ticket office</a:t>
+            </a:r>
+          </a:p>
+        </p:txBody>
+      </p:sp>
+      <p:cxnSp>
+        <p:nvCxnSpPr>
+          <p:cNvPr id="32" name="肘形连接符 33"/>
+          <p:cNvCxnSpPr>
+            <a:stCxn id="107" idx="2"/>
+            <a:endCxn id="31" idx="0"/>
+          </p:cNvCxnSpPr>
+          <p:nvPr/>
+        </p:nvCxnSpPr>
+        <p:spPr>
+          <a:xfrm rot="16200000" flipH="1">
+            <a:off x="8666446" y="-1388181"/>
+            <a:ext cx="531011" cy="4522553"/>
+          </a:xfrm>
+          <a:prstGeom prst="bentConnector3">
+            <a:avLst>
+              <a:gd name="adj1" fmla="val 41390"/>
+            </a:avLst>
+          </a:prstGeom>
+          <a:ln w="19050">
+            <a:solidFill>
+              <a:schemeClr val="tx1"/>
+            </a:solidFill>
+            <a:tailEnd type="arrow"/>
+          </a:ln>
+        </p:spPr>
+        <p:style>
+          <a:lnRef idx="1">
+            <a:schemeClr val="accent1"/>
+          </a:lnRef>
+          <a:fillRef idx="0">
+            <a:schemeClr val="accent1"/>
+          </a:fillRef>
+          <a:effectRef idx="0">
+            <a:schemeClr val="accent1"/>
+          </a:effectRef>
+          <a:fontRef idx="minor">
+            <a:schemeClr val="tx1"/>
+          </a:fontRef>
+        </p:style>
+      </p:cxnSp>
+      <p:sp>
+        <p:nvSpPr>
+          <p:cNvPr id="33" name="流程图: 准备 19"/>
+          <p:cNvSpPr/>
+          <p:nvPr/>
+        </p:nvSpPr>
+        <p:spPr>
+          <a:xfrm>
+            <a:off x="10643870" y="2255820"/>
+            <a:ext cx="1053465" cy="513080"/>
+          </a:xfrm>
+          <a:prstGeom prst="flowChartPreparation">
+            <a:avLst/>
+          </a:prstGeom>
+          <a:solidFill>
+            <a:schemeClr val="bg1"/>
+          </a:solidFill>
+          <a:ln w="28575">
+            <a:solidFill>
+              <a:schemeClr val="tx1"/>
+            </a:solidFill>
+          </a:ln>
+          <a:effectLst>
+            <a:glow>
+              <a:schemeClr val="accent1">
+                <a:alpha val="40000"/>
+              </a:schemeClr>
+            </a:glow>
+          </a:effectLst>
+        </p:spPr>
+        <p:style>
+          <a:lnRef idx="1">
+            <a:schemeClr val="accent6"/>
+          </a:lnRef>
+          <a:fillRef idx="3">
+            <a:schemeClr val="accent6"/>
+          </a:fillRef>
+          <a:effectRef idx="2">
+            <a:schemeClr val="accent6"/>
+          </a:effectRef>
+          <a:fontRef idx="minor">
+            <a:schemeClr val="lt1"/>
+          </a:fontRef>
+        </p:style>
+        <p:txBody>
+          <a:bodyPr vertOverflow="overflow" horzOverflow="overflow" vert="horz" wrap="none" lIns="0" tIns="0" rIns="0" bIns="0" numCol="1" spcCol="0" rtlCol="0" fromWordArt="0" anchor="ctr" anchorCtr="0" forceAA="0" compatLnSpc="1">
+            <a:normAutofit/>
+          </a:bodyPr>
+          <a:lstStyle/>
+          <a:p>
+            <a:pPr lvl="0" algn="ctr"/>
+            <a:r>
+              <a:rPr lang="en-US" altLang="zh-CN" sz="1400" dirty="0">
+                <a:solidFill>
+                  <a:schemeClr val="tx1"/>
+                </a:solidFill>
+                <a:sym typeface="+mn-ea"/>
+              </a:rPr>
+              <a:t>consign</a:t>
+            </a:r>
+          </a:p>
+        </p:txBody>
+      </p:sp>
+      <p:sp>
+        <p:nvSpPr>
+          <p:cNvPr id="37" name="流程图: 准备 19"/>
+          <p:cNvSpPr/>
+          <p:nvPr/>
+        </p:nvSpPr>
+        <p:spPr>
+          <a:xfrm>
+            <a:off x="10576559" y="3334316"/>
+            <a:ext cx="1188085" cy="513080"/>
+          </a:xfrm>
+          <a:prstGeom prst="flowChartPreparation">
+            <a:avLst/>
+          </a:prstGeom>
+          <a:solidFill>
+            <a:schemeClr val="bg1"/>
+          </a:solidFill>
+          <a:ln w="28575">
+            <a:solidFill>
+              <a:schemeClr val="tx1"/>
+            </a:solidFill>
+          </a:ln>
+          <a:effectLst>
+            <a:glow>
+              <a:schemeClr val="accent1">
+                <a:alpha val="40000"/>
+              </a:schemeClr>
+            </a:glow>
+          </a:effectLst>
+        </p:spPr>
+        <p:style>
+          <a:lnRef idx="1">
+            <a:schemeClr val="accent6"/>
+          </a:lnRef>
+          <a:fillRef idx="3">
+            <a:schemeClr val="accent6"/>
+          </a:fillRef>
+          <a:effectRef idx="2">
+            <a:schemeClr val="accent6"/>
+          </a:effectRef>
+          <a:fontRef idx="minor">
+            <a:schemeClr val="lt1"/>
+          </a:fontRef>
+        </p:style>
+        <p:txBody>
+          <a:bodyPr vertOverflow="overflow" horzOverflow="overflow" vert="horz" wrap="none" lIns="0" tIns="0" rIns="0" bIns="0" numCol="1" spcCol="0" rtlCol="0" fromWordArt="0" anchor="ctr" anchorCtr="0" forceAA="0" compatLnSpc="1">
+            <a:normAutofit/>
+          </a:bodyPr>
+          <a:lstStyle/>
+          <a:p>
+            <a:pPr lvl="0" algn="ctr"/>
+            <a:r>
+              <a:rPr lang="en-US" altLang="zh-CN" sz="1400" dirty="0">
+                <a:solidFill>
+                  <a:schemeClr val="tx1"/>
+                </a:solidFill>
+                <a:sym typeface="+mn-ea"/>
+              </a:rPr>
+              <a:t>consign price</a:t>
+            </a:r>
+          </a:p>
+        </p:txBody>
+      </p:sp>
+      <p:cxnSp>
+        <p:nvCxnSpPr>
+          <p:cNvPr id="39" name="Straight Arrow Connector 78"/>
+          <p:cNvCxnSpPr>
+            <a:stCxn id="33" idx="2"/>
+            <a:endCxn id="37" idx="0"/>
+          </p:cNvCxnSpPr>
+          <p:nvPr/>
+        </p:nvCxnSpPr>
+        <p:spPr>
+          <a:xfrm flipH="1">
+            <a:off x="11170602" y="2768900"/>
+            <a:ext cx="1" cy="565416"/>
+          </a:xfrm>
+          <a:prstGeom prst="straightConnector1">
+            <a:avLst/>
+          </a:prstGeom>
+          <a:ln>
+            <a:tailEnd type="arrow" w="lg" len="lg"/>
+          </a:ln>
+        </p:spPr>
+        <p:style>
+          <a:lnRef idx="1">
+            <a:schemeClr val="accent1"/>
+          </a:lnRef>
+          <a:fillRef idx="0">
+            <a:schemeClr val="accent1"/>
+          </a:fillRef>
+          <a:effectRef idx="0">
+            <a:schemeClr val="accent1"/>
+          </a:effectRef>
+          <a:fontRef idx="minor">
+            <a:schemeClr val="tx1"/>
+          </a:fontRef>
+        </p:style>
+      </p:cxnSp>
+      <p:sp>
+        <p:nvSpPr>
+          <p:cNvPr id="42" name="流程图: 准备 19"/>
+          <p:cNvSpPr/>
+          <p:nvPr/>
+        </p:nvSpPr>
+        <p:spPr>
+          <a:xfrm>
+            <a:off x="4194492" y="3503448"/>
+            <a:ext cx="1053465" cy="513080"/>
+          </a:xfrm>
+          <a:prstGeom prst="flowChartPreparation">
+            <a:avLst/>
+          </a:prstGeom>
+          <a:solidFill>
+            <a:schemeClr val="bg1"/>
+          </a:solidFill>
+          <a:ln w="28575">
+            <a:solidFill>
+              <a:schemeClr val="tx1"/>
+            </a:solidFill>
+          </a:ln>
+          <a:effectLst>
+            <a:glow>
+              <a:schemeClr val="accent1">
+                <a:alpha val="40000"/>
+              </a:schemeClr>
+            </a:glow>
+          </a:effectLst>
+        </p:spPr>
+        <p:style>
+          <a:lnRef idx="1">
+            <a:schemeClr val="accent6"/>
+          </a:lnRef>
+          <a:fillRef idx="3">
+            <a:schemeClr val="accent6"/>
+          </a:fillRef>
+          <a:effectRef idx="2">
+            <a:schemeClr val="accent6"/>
+          </a:effectRef>
+          <a:fontRef idx="minor">
+            <a:schemeClr val="lt1"/>
+          </a:fontRef>
+        </p:style>
+        <p:txBody>
+          <a:bodyPr vertOverflow="overflow" horzOverflow="overflow" vert="horz" wrap="none" lIns="0" tIns="0" rIns="0" bIns="0" numCol="1" spcCol="0" rtlCol="0" fromWordArt="0" anchor="ctr" anchorCtr="0" forceAA="0" compatLnSpc="1">
+            <a:normAutofit/>
+          </a:bodyPr>
+          <a:lstStyle/>
+          <a:p>
+            <a:pPr lvl="0" algn="ctr"/>
+            <a:r>
+              <a:rPr lang="en-US" altLang="zh-CN" sz="1400" dirty="0">
+                <a:solidFill>
+                  <a:schemeClr val="tx1"/>
+                </a:solidFill>
+                <a:sym typeface="+mn-ea"/>
+              </a:rPr>
+              <a:t>voucher</a:t>
+            </a:r>
+          </a:p>
+        </p:txBody>
+      </p:sp>
+      <p:sp>
+        <p:nvSpPr>
+          <p:cNvPr id="73" name="流程图: 准备 19"/>
+          <p:cNvSpPr/>
+          <p:nvPr/>
+        </p:nvSpPr>
+        <p:spPr>
+          <a:xfrm>
+            <a:off x="2140504" y="5247014"/>
+            <a:ext cx="1061083" cy="484319"/>
+          </a:xfrm>
+          <a:prstGeom prst="flowChartPreparation">
+            <a:avLst/>
+          </a:prstGeom>
+          <a:solidFill>
+            <a:schemeClr val="bg1"/>
+          </a:solidFill>
+          <a:ln w="28575">
+            <a:solidFill>
+              <a:schemeClr val="tx1"/>
+            </a:solidFill>
+          </a:ln>
+          <a:effectLst>
+            <a:glow>
+              <a:schemeClr val="accent1">
+                <a:alpha val="40000"/>
+              </a:schemeClr>
+            </a:glow>
+          </a:effectLst>
+        </p:spPr>
+        <p:style>
+          <a:lnRef idx="1">
+            <a:schemeClr val="accent6"/>
+          </a:lnRef>
+          <a:fillRef idx="3">
+            <a:schemeClr val="accent6"/>
+          </a:fillRef>
+          <a:effectRef idx="2">
+            <a:schemeClr val="accent6"/>
+          </a:effectRef>
+          <a:fontRef idx="minor">
+            <a:schemeClr val="lt1"/>
+          </a:fontRef>
+        </p:style>
+        <p:txBody>
+          <a:bodyPr vertOverflow="overflow" horzOverflow="overflow" vert="horz" wrap="none" lIns="0" tIns="0" rIns="0" bIns="0" numCol="1" spcCol="0" rtlCol="0" fromWordArt="0" anchor="ctr" anchorCtr="0" forceAA="0" compatLnSpc="1">
+            <a:normAutofit/>
+          </a:bodyPr>
+          <a:lstStyle/>
+          <a:p>
+            <a:pPr lvl="0" algn="ctr"/>
+            <a:r>
+              <a:rPr lang="en-US" altLang="zh-CN" sz="1400">
+                <a:ln w="0"/>
+                <a:solidFill>
+                  <a:schemeClr val="tx1"/>
+                </a:solidFill>
+                <a:effectLst>
+                  <a:outerShdw blurRad="38100" dist="19050" dir="2700000" algn="tl" rotWithShape="0">
+                    <a:schemeClr val="dk1">
+                      <a:alpha val="40000"/>
+                    </a:schemeClr>
+                  </a:outerShdw>
+                </a:effectLst>
+                <a:sym typeface="+mn-ea"/>
+              </a:rPr>
+              <a:t>Food map</a:t>
+            </a:r>
+            <a:endParaRPr lang="en-US" altLang="zh-CN" sz="1400" dirty="0">
+              <a:ln w="0"/>
+              <a:solidFill>
+                <a:schemeClr val="tx1"/>
+              </a:solidFill>
+              <a:effectLst>
+                <a:outerShdw blurRad="38100" dist="19050" dir="2700000" algn="tl" rotWithShape="0">
+                  <a:schemeClr val="dk1">
+                    <a:alpha val="40000"/>
+                  </a:schemeClr>
+                </a:outerShdw>
+              </a:effectLst>
+              <a:sym typeface="+mn-ea"/>
+            </a:endParaRPr>
+          </a:p>
+        </p:txBody>
+      </p:sp>
+      <p:sp>
+        <p:nvSpPr>
+          <p:cNvPr id="107" name="圆角矩形 30"/>
+          <p:cNvSpPr/>
+          <p:nvPr/>
+        </p:nvSpPr>
+        <p:spPr>
+          <a:xfrm>
+            <a:off x="1644015" y="139491"/>
+            <a:ext cx="10053320" cy="468100"/>
+          </a:xfrm>
+          <a:prstGeom prst="roundRect">
+            <a:avLst/>
+          </a:prstGeom>
+          <a:solidFill>
+            <a:schemeClr val="bg2">
+              <a:lumMod val="75000"/>
+            </a:schemeClr>
+          </a:solidFill>
+          <a:ln w="57150">
+            <a:solidFill>
+              <a:schemeClr val="tx1"/>
+            </a:solidFill>
+          </a:ln>
+        </p:spPr>
+        <p:style>
+          <a:lnRef idx="2">
+            <a:schemeClr val="accent1">
+              <a:shade val="50000"/>
+            </a:schemeClr>
+          </a:lnRef>
+          <a:fillRef idx="1">
+            <a:schemeClr val="accent1"/>
+          </a:fillRef>
+          <a:effectRef idx="0">
+            <a:schemeClr val="accent1"/>
+          </a:effectRef>
+          <a:fontRef idx="minor">
+            <a:schemeClr val="lt1"/>
+          </a:fontRef>
+        </p:style>
+        <p:txBody>
+          <a:bodyPr rtlCol="0" anchor="ctr"/>
+          <a:lstStyle/>
+          <a:p>
+            <a:pPr algn="ctr"/>
+            <a:r>
+              <a:rPr lang="en-US" altLang="zh-CN" sz="2800" dirty="0">
+                <a:solidFill>
+                  <a:schemeClr val="tx1"/>
+                </a:solidFill>
+              </a:rPr>
+              <a:t>Gateway</a:t>
+            </a:r>
+          </a:p>
+        </p:txBody>
+      </p:sp>
+      <p:cxnSp>
+        <p:nvCxnSpPr>
+          <p:cNvPr id="112" name="肘形连接符 86"/>
+          <p:cNvCxnSpPr>
+            <a:stCxn id="21" idx="2"/>
+            <a:endCxn id="42" idx="0"/>
+          </p:cNvCxnSpPr>
+          <p:nvPr/>
+        </p:nvCxnSpPr>
+        <p:spPr>
+          <a:xfrm rot="5400000">
+            <a:off x="4406355" y="3188491"/>
+            <a:ext cx="629827" cy="86"/>
+          </a:xfrm>
+          <a:prstGeom prst="bentConnector3">
+            <a:avLst>
+              <a:gd name="adj1" fmla="val 50000"/>
+            </a:avLst>
+          </a:prstGeom>
+          <a:ln w="19050">
+            <a:solidFill>
+              <a:schemeClr val="tx1"/>
+            </a:solidFill>
+            <a:tailEnd type="arrow"/>
+          </a:ln>
+        </p:spPr>
+        <p:style>
+          <a:lnRef idx="1">
+            <a:schemeClr val="accent1"/>
+          </a:lnRef>
+          <a:fillRef idx="0">
+            <a:schemeClr val="accent1"/>
+          </a:fillRef>
+          <a:effectRef idx="0">
+            <a:schemeClr val="accent1"/>
+          </a:effectRef>
+          <a:fontRef idx="minor">
+            <a:schemeClr val="tx1"/>
+          </a:fontRef>
+        </p:style>
+      </p:cxnSp>
+      <p:cxnSp>
+        <p:nvCxnSpPr>
+          <p:cNvPr id="120" name="肘形连接符 86"/>
+          <p:cNvCxnSpPr>
+            <a:stCxn id="88" idx="2"/>
+            <a:endCxn id="18" idx="0"/>
+          </p:cNvCxnSpPr>
+          <p:nvPr/>
+        </p:nvCxnSpPr>
+        <p:spPr>
+          <a:xfrm rot="16200000" flipH="1">
+            <a:off x="5858780" y="471095"/>
+            <a:ext cx="395963" cy="2983779"/>
+          </a:xfrm>
+          <a:prstGeom prst="bentConnector3">
+            <a:avLst>
+              <a:gd name="adj1" fmla="val 50000"/>
+            </a:avLst>
+          </a:prstGeom>
+          <a:ln w="19050">
+            <a:solidFill>
+              <a:schemeClr val="tx1"/>
+            </a:solidFill>
+            <a:tailEnd type="arrow"/>
+          </a:ln>
+        </p:spPr>
+        <p:style>
+          <a:lnRef idx="1">
+            <a:schemeClr val="accent1"/>
+          </a:lnRef>
+          <a:fillRef idx="0">
+            <a:schemeClr val="accent1"/>
+          </a:fillRef>
+          <a:effectRef idx="0">
+            <a:schemeClr val="accent1"/>
+          </a:effectRef>
+          <a:fontRef idx="minor">
+            <a:schemeClr val="tx1"/>
+          </a:fontRef>
+        </p:style>
+      </p:cxnSp>
+      <p:cxnSp>
+        <p:nvCxnSpPr>
+          <p:cNvPr id="125" name="肘形连接符 86"/>
+          <p:cNvCxnSpPr>
+            <a:stCxn id="88" idx="2"/>
+            <a:endCxn id="28" idx="0"/>
+          </p:cNvCxnSpPr>
+          <p:nvPr/>
+        </p:nvCxnSpPr>
+        <p:spPr>
+          <a:xfrm rot="16200000" flipH="1">
+            <a:off x="6329409" y="466"/>
+            <a:ext cx="409347" cy="3938421"/>
+          </a:xfrm>
+          <a:prstGeom prst="bentConnector3">
+            <a:avLst>
+              <a:gd name="adj1" fmla="val 50000"/>
+            </a:avLst>
+          </a:prstGeom>
+          <a:ln w="19050">
+            <a:solidFill>
+              <a:schemeClr val="tx1"/>
+            </a:solidFill>
+            <a:tailEnd type="arrow"/>
+          </a:ln>
+        </p:spPr>
+        <p:style>
+          <a:lnRef idx="1">
+            <a:schemeClr val="accent1"/>
+          </a:lnRef>
+          <a:fillRef idx="0">
+            <a:schemeClr val="accent1"/>
+          </a:fillRef>
+          <a:effectRef idx="0">
+            <a:schemeClr val="accent1"/>
+          </a:effectRef>
+          <a:fontRef idx="minor">
+            <a:schemeClr val="tx1"/>
+          </a:fontRef>
+        </p:style>
+      </p:cxnSp>
+      <p:cxnSp>
+        <p:nvCxnSpPr>
+          <p:cNvPr id="133" name="肘形连接符 86"/>
+          <p:cNvCxnSpPr>
+            <a:stCxn id="77" idx="2"/>
+            <a:endCxn id="18" idx="0"/>
+          </p:cNvCxnSpPr>
+          <p:nvPr/>
+        </p:nvCxnSpPr>
+        <p:spPr>
+          <a:xfrm rot="16200000" flipH="1">
+            <a:off x="4869253" y="-518431"/>
+            <a:ext cx="443304" cy="4915492"/>
+          </a:xfrm>
+          <a:prstGeom prst="bentConnector3">
+            <a:avLst>
+              <a:gd name="adj1" fmla="val 58595"/>
+            </a:avLst>
+          </a:prstGeom>
+          <a:ln w="19050">
+            <a:solidFill>
+              <a:schemeClr val="tx1"/>
+            </a:solidFill>
+            <a:tailEnd type="arrow"/>
+          </a:ln>
+        </p:spPr>
+        <p:style>
+          <a:lnRef idx="1">
+            <a:schemeClr val="accent1"/>
+          </a:lnRef>
+          <a:fillRef idx="0">
+            <a:schemeClr val="accent1"/>
+          </a:fillRef>
+          <a:effectRef idx="0">
+            <a:schemeClr val="accent1"/>
+          </a:effectRef>
+          <a:fontRef idx="minor">
+            <a:schemeClr val="tx1"/>
+          </a:fontRef>
+        </p:style>
+      </p:cxnSp>
+      <p:cxnSp>
+        <p:nvCxnSpPr>
+          <p:cNvPr id="144" name="肘形连接符 86"/>
+          <p:cNvCxnSpPr>
+            <a:stCxn id="77" idx="2"/>
+            <a:endCxn id="30" idx="0"/>
+          </p:cNvCxnSpPr>
+          <p:nvPr/>
+        </p:nvCxnSpPr>
+        <p:spPr>
+          <a:xfrm rot="16200000" flipH="1">
+            <a:off x="2475949" y="1874872"/>
+            <a:ext cx="532443" cy="218023"/>
+          </a:xfrm>
+          <a:prstGeom prst="bentConnector3">
+            <a:avLst>
+              <a:gd name="adj1" fmla="val 50000"/>
+            </a:avLst>
+          </a:prstGeom>
+          <a:ln w="19050">
+            <a:solidFill>
+              <a:schemeClr val="tx1"/>
+            </a:solidFill>
+            <a:tailEnd type="arrow"/>
+          </a:ln>
+        </p:spPr>
+        <p:style>
+          <a:lnRef idx="1">
+            <a:schemeClr val="accent1"/>
+          </a:lnRef>
+          <a:fillRef idx="0">
+            <a:schemeClr val="accent1"/>
+          </a:fillRef>
+          <a:effectRef idx="0">
+            <a:schemeClr val="accent1"/>
+          </a:effectRef>
+          <a:fontRef idx="minor">
+            <a:schemeClr val="tx1"/>
+          </a:fontRef>
+        </p:style>
+      </p:cxnSp>
+      <p:cxnSp>
+        <p:nvCxnSpPr>
+          <p:cNvPr id="159" name="肘形连接符 86"/>
+          <p:cNvCxnSpPr>
+            <a:stCxn id="63" idx="2"/>
+            <a:endCxn id="18" idx="0"/>
+          </p:cNvCxnSpPr>
+          <p:nvPr/>
+        </p:nvCxnSpPr>
+        <p:spPr>
+          <a:xfrm rot="5400000">
+            <a:off x="8466009" y="651115"/>
+            <a:ext cx="592495" cy="2427209"/>
+          </a:xfrm>
+          <a:prstGeom prst="bentConnector3">
+            <a:avLst>
+              <a:gd name="adj1" fmla="val 66719"/>
+            </a:avLst>
+          </a:prstGeom>
+          <a:ln w="19050">
+            <a:solidFill>
+              <a:schemeClr val="tx1"/>
+            </a:solidFill>
+            <a:tailEnd type="arrow"/>
+          </a:ln>
+        </p:spPr>
+        <p:style>
+          <a:lnRef idx="1">
+            <a:schemeClr val="accent1"/>
+          </a:lnRef>
+          <a:fillRef idx="0">
+            <a:schemeClr val="accent1"/>
+          </a:fillRef>
+          <a:effectRef idx="0">
+            <a:schemeClr val="accent1"/>
+          </a:effectRef>
+          <a:fontRef idx="minor">
+            <a:schemeClr val="tx1"/>
+          </a:fontRef>
+        </p:style>
+      </p:cxnSp>
+      <p:cxnSp>
+        <p:nvCxnSpPr>
+          <p:cNvPr id="164" name="肘形连接符 86"/>
+          <p:cNvCxnSpPr>
+            <a:stCxn id="18" idx="2"/>
+            <a:endCxn id="111" idx="0"/>
+          </p:cNvCxnSpPr>
+          <p:nvPr/>
+        </p:nvCxnSpPr>
+        <p:spPr>
+          <a:xfrm rot="5400000">
+            <a:off x="4696177" y="753755"/>
+            <a:ext cx="757136" cy="4947813"/>
+          </a:xfrm>
+          <a:prstGeom prst="bentConnector3">
+            <a:avLst>
+              <a:gd name="adj1" fmla="val 30878"/>
+            </a:avLst>
+          </a:prstGeom>
+          <a:ln w="19050">
+            <a:solidFill>
+              <a:schemeClr val="tx1"/>
+            </a:solidFill>
+            <a:tailEnd type="arrow"/>
+          </a:ln>
+        </p:spPr>
+        <p:style>
+          <a:lnRef idx="1">
+            <a:schemeClr val="accent1"/>
+          </a:lnRef>
+          <a:fillRef idx="0">
+            <a:schemeClr val="accent1"/>
+          </a:fillRef>
+          <a:effectRef idx="0">
+            <a:schemeClr val="accent1"/>
+          </a:effectRef>
+          <a:fontRef idx="minor">
+            <a:schemeClr val="tx1"/>
+          </a:fontRef>
+        </p:style>
+      </p:cxnSp>
+      <p:cxnSp>
+        <p:nvCxnSpPr>
+          <p:cNvPr id="168" name="肘形连接符 86"/>
+          <p:cNvCxnSpPr>
+            <a:stCxn id="18" idx="2"/>
+            <a:endCxn id="116" idx="0"/>
+          </p:cNvCxnSpPr>
+          <p:nvPr/>
+        </p:nvCxnSpPr>
+        <p:spPr>
+          <a:xfrm rot="5400000">
+            <a:off x="5220574" y="1239246"/>
+            <a:ext cx="718230" cy="3937925"/>
+          </a:xfrm>
+          <a:prstGeom prst="bentConnector3">
+            <a:avLst>
+              <a:gd name="adj1" fmla="val 33025"/>
+            </a:avLst>
+          </a:prstGeom>
+          <a:ln w="19050">
+            <a:solidFill>
+              <a:schemeClr val="tx1"/>
+            </a:solidFill>
+            <a:tailEnd type="arrow"/>
+          </a:ln>
+        </p:spPr>
+        <p:style>
+          <a:lnRef idx="1">
+            <a:schemeClr val="accent1"/>
+          </a:lnRef>
+          <a:fillRef idx="0">
+            <a:schemeClr val="accent1"/>
+          </a:fillRef>
+          <a:effectRef idx="0">
+            <a:schemeClr val="accent1"/>
+          </a:effectRef>
+          <a:fontRef idx="minor">
+            <a:schemeClr val="tx1"/>
+          </a:fontRef>
+        </p:style>
+      </p:cxnSp>
+      <p:sp>
+        <p:nvSpPr>
+          <p:cNvPr id="172" name="圆角矩形 31"/>
+          <p:cNvSpPr/>
+          <p:nvPr/>
+        </p:nvSpPr>
+        <p:spPr>
+          <a:xfrm>
+            <a:off x="77471" y="605155"/>
+            <a:ext cx="1382178" cy="5052343"/>
+          </a:xfrm>
+          <a:prstGeom prst="roundRect">
+            <a:avLst/>
+          </a:prstGeom>
+          <a:solidFill>
+            <a:schemeClr val="bg2">
+              <a:lumMod val="75000"/>
+            </a:schemeClr>
+          </a:solidFill>
+          <a:ln w="57150">
+            <a:solidFill>
+              <a:schemeClr val="tx1"/>
+            </a:solidFill>
+          </a:ln>
+        </p:spPr>
+        <p:style>
+          <a:lnRef idx="2">
+            <a:schemeClr val="accent1">
+              <a:shade val="50000"/>
+            </a:schemeClr>
+          </a:lnRef>
+          <a:fillRef idx="1">
+            <a:schemeClr val="accent1"/>
+          </a:fillRef>
+          <a:effectRef idx="0">
+            <a:schemeClr val="accent1"/>
+          </a:effectRef>
+          <a:fontRef idx="minor">
+            <a:schemeClr val="lt1"/>
+          </a:fontRef>
+        </p:style>
+        <p:txBody>
+          <a:bodyPr wrap="none" rtlCol="0" anchor="ctr"/>
+          <a:lstStyle/>
+          <a:p>
+            <a:pPr algn="ctr"/>
+            <a:r>
+              <a:rPr lang="en-US" altLang="zh-CN" sz="2400" dirty="0">
+                <a:solidFill>
+                  <a:schemeClr val="tx1"/>
+                </a:solidFill>
+              </a:rPr>
+              <a:t>Service</a:t>
+            </a:r>
+          </a:p>
+          <a:p>
+            <a:pPr algn="ctr"/>
+            <a:r>
+              <a:rPr lang="en-US" altLang="zh-CN" sz="2400" dirty="0">
+                <a:solidFill>
+                  <a:schemeClr val="tx1"/>
+                </a:solidFill>
+              </a:rPr>
+              <a:t>Discovery</a:t>
+            </a:r>
+          </a:p>
+          <a:p>
+            <a:pPr algn="ctr"/>
+            <a:r>
+              <a:rPr lang="en-US" altLang="zh-CN" sz="2400" dirty="0">
+                <a:solidFill>
+                  <a:schemeClr val="tx1"/>
+                </a:solidFill>
+              </a:rPr>
+              <a:t>(k8s)</a:t>
+            </a:r>
+          </a:p>
+          <a:p>
+            <a:pPr algn="ctr"/>
+            <a:endParaRPr lang="en-US" altLang="zh-CN" sz="2400" dirty="0">
+              <a:solidFill>
+                <a:schemeClr val="tx1"/>
+              </a:solidFill>
+            </a:endParaRPr>
+          </a:p>
+          <a:p>
+            <a:pPr algn="ctr"/>
+            <a:endParaRPr lang="en-US" altLang="zh-CN" sz="2400" dirty="0">
+              <a:solidFill>
+                <a:schemeClr val="tx1"/>
+              </a:solidFill>
+            </a:endParaRPr>
+          </a:p>
+          <a:p>
+            <a:pPr algn="ctr"/>
+            <a:r>
+              <a:rPr lang="en-US" altLang="zh-CN" sz="2400" dirty="0">
+                <a:solidFill>
+                  <a:schemeClr val="tx1"/>
+                </a:solidFill>
+              </a:rPr>
+              <a:t>Service</a:t>
+            </a:r>
+          </a:p>
+          <a:p>
+            <a:pPr algn="ctr"/>
+            <a:r>
+              <a:rPr lang="en-US" altLang="zh-CN" sz="2400" dirty="0">
+                <a:solidFill>
+                  <a:schemeClr val="tx1"/>
+                </a:solidFill>
+              </a:rPr>
+              <a:t>Registry</a:t>
+            </a:r>
+          </a:p>
+          <a:p>
+            <a:pPr algn="ctr"/>
+            <a:endParaRPr lang="en-US" altLang="zh-CN" sz="2400" dirty="0">
+              <a:solidFill>
+                <a:schemeClr val="tx1"/>
+              </a:solidFill>
+            </a:endParaRPr>
+          </a:p>
+          <a:p>
+            <a:pPr algn="ctr"/>
+            <a:endParaRPr lang="en-US" altLang="zh-CN" sz="2400" dirty="0">
+              <a:solidFill>
+                <a:schemeClr val="tx1"/>
+              </a:solidFill>
+            </a:endParaRPr>
+          </a:p>
+          <a:p>
+            <a:pPr algn="ctr"/>
+            <a:endParaRPr lang="en-US" altLang="zh-CN" sz="2400" dirty="0">
+              <a:solidFill>
+                <a:schemeClr val="tx1"/>
+              </a:solidFill>
+            </a:endParaRPr>
+          </a:p>
+          <a:p>
+            <a:pPr algn="ctr"/>
+            <a:r>
+              <a:rPr lang="en-US" altLang="zh-CN" sz="2400" dirty="0">
+                <a:solidFill>
+                  <a:schemeClr val="tx1"/>
+                </a:solidFill>
+              </a:rPr>
+              <a:t>Load</a:t>
+            </a:r>
+          </a:p>
+          <a:p>
+            <a:pPr algn="ctr"/>
+            <a:r>
+              <a:rPr lang="en-US" altLang="zh-CN" sz="2400" dirty="0">
+                <a:solidFill>
+                  <a:schemeClr val="tx1"/>
+                </a:solidFill>
+              </a:rPr>
+              <a:t>Balance</a:t>
+            </a:r>
+          </a:p>
+        </p:txBody>
+      </p:sp>
+      <p:cxnSp>
+        <p:nvCxnSpPr>
+          <p:cNvPr id="174" name="肘形连接符 86"/>
+          <p:cNvCxnSpPr>
+            <a:stCxn id="107" idx="2"/>
+            <a:endCxn id="77" idx="0"/>
+          </p:cNvCxnSpPr>
+          <p:nvPr/>
+        </p:nvCxnSpPr>
+        <p:spPr>
+          <a:xfrm rot="5400000">
+            <a:off x="4460260" y="-1219510"/>
+            <a:ext cx="383315" cy="4037516"/>
+          </a:xfrm>
+          <a:prstGeom prst="bentConnector3">
+            <a:avLst>
+              <a:gd name="adj1" fmla="val 57952"/>
+            </a:avLst>
+          </a:prstGeom>
+          <a:ln w="19050">
+            <a:solidFill>
+              <a:schemeClr val="tx1"/>
+            </a:solidFill>
+            <a:tailEnd type="arrow"/>
+          </a:ln>
+        </p:spPr>
+        <p:style>
+          <a:lnRef idx="1">
+            <a:schemeClr val="accent1"/>
+          </a:lnRef>
+          <a:fillRef idx="0">
+            <a:schemeClr val="accent1"/>
+          </a:fillRef>
+          <a:effectRef idx="0">
+            <a:schemeClr val="accent1"/>
+          </a:effectRef>
+          <a:fontRef idx="minor">
+            <a:schemeClr val="tx1"/>
+          </a:fontRef>
+        </p:style>
+      </p:cxnSp>
+      <p:cxnSp>
+        <p:nvCxnSpPr>
+          <p:cNvPr id="178" name="肘形连接符 86"/>
+          <p:cNvCxnSpPr>
+            <a:stCxn id="107" idx="2"/>
+            <a:endCxn id="88" idx="0"/>
+          </p:cNvCxnSpPr>
+          <p:nvPr/>
+        </p:nvCxnSpPr>
+        <p:spPr>
+          <a:xfrm rot="5400000">
+            <a:off x="5428925" y="-256461"/>
+            <a:ext cx="377698" cy="2105803"/>
+          </a:xfrm>
+          <a:prstGeom prst="bentConnector3">
+            <a:avLst>
+              <a:gd name="adj1" fmla="val 58070"/>
+            </a:avLst>
+          </a:prstGeom>
+          <a:ln w="19050">
+            <a:solidFill>
+              <a:schemeClr val="tx1"/>
+            </a:solidFill>
+            <a:tailEnd type="arrow"/>
+          </a:ln>
+        </p:spPr>
+        <p:style>
+          <a:lnRef idx="1">
+            <a:schemeClr val="accent1"/>
+          </a:lnRef>
+          <a:fillRef idx="0">
+            <a:schemeClr val="accent1"/>
+          </a:fillRef>
+          <a:effectRef idx="0">
+            <a:schemeClr val="accent1"/>
+          </a:effectRef>
+          <a:fontRef idx="minor">
+            <a:schemeClr val="tx1"/>
+          </a:fontRef>
+        </p:style>
+      </p:cxnSp>
+      <p:cxnSp>
+        <p:nvCxnSpPr>
+          <p:cNvPr id="187" name="肘形连接符 86"/>
+          <p:cNvCxnSpPr>
+            <a:stCxn id="33" idx="2"/>
+            <a:endCxn id="26" idx="0"/>
+          </p:cNvCxnSpPr>
+          <p:nvPr/>
+        </p:nvCxnSpPr>
+        <p:spPr>
+          <a:xfrm rot="5400000">
+            <a:off x="10366574" y="2518715"/>
+            <a:ext cx="553844" cy="1054215"/>
+          </a:xfrm>
+          <a:prstGeom prst="bentConnector3">
+            <a:avLst>
+              <a:gd name="adj1" fmla="val 50000"/>
+            </a:avLst>
+          </a:prstGeom>
+          <a:ln w="19050">
+            <a:solidFill>
+              <a:schemeClr val="tx1"/>
+            </a:solidFill>
+            <a:tailEnd type="arrow"/>
+          </a:ln>
+        </p:spPr>
+        <p:style>
+          <a:lnRef idx="1">
+            <a:schemeClr val="accent1"/>
+          </a:lnRef>
+          <a:fillRef idx="0">
+            <a:schemeClr val="accent1"/>
+          </a:fillRef>
+          <a:effectRef idx="0">
+            <a:schemeClr val="accent1"/>
+          </a:effectRef>
+          <a:fontRef idx="minor">
+            <a:schemeClr val="tx1"/>
+          </a:fontRef>
+        </p:style>
+      </p:cxnSp>
+      <p:cxnSp>
+        <p:nvCxnSpPr>
+          <p:cNvPr id="190" name="肘形连接符 86"/>
+          <p:cNvCxnSpPr>
+            <a:stCxn id="33" idx="2"/>
+            <a:endCxn id="37" idx="0"/>
+          </p:cNvCxnSpPr>
+          <p:nvPr/>
+        </p:nvCxnSpPr>
+        <p:spPr>
+          <a:xfrm rot="5400000">
+            <a:off x="10887895" y="3051608"/>
+            <a:ext cx="565416" cy="1"/>
+          </a:xfrm>
+          <a:prstGeom prst="bentConnector3">
+            <a:avLst>
+              <a:gd name="adj1" fmla="val 50000"/>
+            </a:avLst>
+          </a:prstGeom>
+          <a:ln w="19050">
+            <a:solidFill>
+              <a:schemeClr val="tx1"/>
+            </a:solidFill>
+            <a:tailEnd type="arrow"/>
+          </a:ln>
+        </p:spPr>
+        <p:style>
+          <a:lnRef idx="1">
+            <a:schemeClr val="accent1"/>
+          </a:lnRef>
+          <a:fillRef idx="0">
+            <a:schemeClr val="accent1"/>
+          </a:fillRef>
+          <a:effectRef idx="0">
+            <a:schemeClr val="accent1"/>
+          </a:effectRef>
+          <a:fontRef idx="minor">
+            <a:schemeClr val="tx1"/>
+          </a:fontRef>
+        </p:style>
+      </p:cxnSp>
+      <p:cxnSp>
+        <p:nvCxnSpPr>
+          <p:cNvPr id="200" name="肘形连接符 86"/>
+          <p:cNvCxnSpPr>
+            <a:stCxn id="26" idx="2"/>
+            <a:endCxn id="123" idx="0"/>
+          </p:cNvCxnSpPr>
+          <p:nvPr/>
+        </p:nvCxnSpPr>
+        <p:spPr>
+          <a:xfrm rot="5400000">
+            <a:off x="9973555" y="4006754"/>
+            <a:ext cx="285666" cy="1"/>
+          </a:xfrm>
+          <a:prstGeom prst="bentConnector3">
+            <a:avLst>
+              <a:gd name="adj1" fmla="val 50000"/>
+            </a:avLst>
+          </a:prstGeom>
+          <a:ln w="19050">
+            <a:solidFill>
+              <a:schemeClr val="tx1"/>
+            </a:solidFill>
+            <a:tailEnd type="arrow"/>
+          </a:ln>
+        </p:spPr>
+        <p:style>
+          <a:lnRef idx="1">
+            <a:schemeClr val="accent1"/>
+          </a:lnRef>
+          <a:fillRef idx="0">
+            <a:schemeClr val="accent1"/>
+          </a:fillRef>
+          <a:effectRef idx="0">
+            <a:schemeClr val="accent1"/>
+          </a:effectRef>
+          <a:fontRef idx="minor">
+            <a:schemeClr val="tx1"/>
+          </a:fontRef>
+        </p:style>
+      </p:cxnSp>
+      <p:cxnSp>
+        <p:nvCxnSpPr>
+          <p:cNvPr id="212" name="肘形连接符 86"/>
+          <p:cNvCxnSpPr>
+            <a:stCxn id="89" idx="2"/>
+            <a:endCxn id="10" idx="0"/>
+          </p:cNvCxnSpPr>
+          <p:nvPr/>
+        </p:nvCxnSpPr>
+        <p:spPr>
+          <a:xfrm rot="16200000" flipH="1">
+            <a:off x="3644444" y="3674139"/>
+            <a:ext cx="442252" cy="2400884"/>
+          </a:xfrm>
+          <a:prstGeom prst="bentConnector3">
+            <a:avLst>
+              <a:gd name="adj1" fmla="val 50000"/>
+            </a:avLst>
+          </a:prstGeom>
+          <a:ln w="19050">
+            <a:solidFill>
+              <a:schemeClr val="tx1"/>
+            </a:solidFill>
+            <a:tailEnd type="arrow"/>
+          </a:ln>
+        </p:spPr>
+        <p:style>
+          <a:lnRef idx="1">
+            <a:schemeClr val="accent1"/>
+          </a:lnRef>
+          <a:fillRef idx="0">
+            <a:schemeClr val="accent1"/>
+          </a:fillRef>
+          <a:effectRef idx="0">
+            <a:schemeClr val="accent1"/>
+          </a:effectRef>
+          <a:fontRef idx="minor">
+            <a:schemeClr val="tx1"/>
+          </a:fontRef>
+        </p:style>
+      </p:cxnSp>
+      <p:cxnSp>
+        <p:nvCxnSpPr>
+          <p:cNvPr id="226" name="肘形连接符 84"/>
+          <p:cNvCxnSpPr>
+            <a:stCxn id="17" idx="2"/>
+            <a:endCxn id="12" idx="0"/>
+          </p:cNvCxnSpPr>
+          <p:nvPr/>
+        </p:nvCxnSpPr>
+        <p:spPr>
+          <a:xfrm rot="16200000" flipH="1">
+            <a:off x="6890233" y="3537686"/>
+            <a:ext cx="354723" cy="974142"/>
+          </a:xfrm>
+          <a:prstGeom prst="bentConnector3">
+            <a:avLst>
+              <a:gd name="adj1" fmla="val 50000"/>
+            </a:avLst>
+          </a:prstGeom>
+          <a:ln w="19050">
+            <a:solidFill>
+              <a:schemeClr val="tx1"/>
+            </a:solidFill>
+            <a:tailEnd type="arrow"/>
+          </a:ln>
+        </p:spPr>
+        <p:style>
+          <a:lnRef idx="1">
+            <a:schemeClr val="accent1"/>
+          </a:lnRef>
+          <a:fillRef idx="0">
+            <a:schemeClr val="accent1"/>
+          </a:fillRef>
+          <a:effectRef idx="0">
+            <a:schemeClr val="accent1"/>
+          </a:effectRef>
+          <a:fontRef idx="minor">
+            <a:schemeClr val="tx1"/>
+          </a:fontRef>
+        </p:style>
+      </p:cxnSp>
+      <p:cxnSp>
+        <p:nvCxnSpPr>
+          <p:cNvPr id="231" name="肘形连接符 84"/>
+          <p:cNvCxnSpPr>
+            <a:stCxn id="16" idx="2"/>
+            <a:endCxn id="12" idx="0"/>
+          </p:cNvCxnSpPr>
+          <p:nvPr/>
+        </p:nvCxnSpPr>
+        <p:spPr>
+          <a:xfrm rot="5400000">
+            <a:off x="7379815" y="4022247"/>
+            <a:ext cx="354723" cy="5021"/>
+          </a:xfrm>
+          <a:prstGeom prst="bentConnector3">
+            <a:avLst>
+              <a:gd name="adj1" fmla="val 50000"/>
+            </a:avLst>
+          </a:prstGeom>
+          <a:ln w="19050">
+            <a:solidFill>
+              <a:schemeClr val="tx1"/>
+            </a:solidFill>
+            <a:tailEnd type="arrow"/>
+          </a:ln>
+        </p:spPr>
+        <p:style>
+          <a:lnRef idx="1">
+            <a:schemeClr val="accent1"/>
+          </a:lnRef>
+          <a:fillRef idx="0">
+            <a:schemeClr val="accent1"/>
+          </a:fillRef>
+          <a:effectRef idx="0">
+            <a:schemeClr val="accent1"/>
+          </a:effectRef>
+          <a:fontRef idx="minor">
+            <a:schemeClr val="tx1"/>
+          </a:fontRef>
+        </p:style>
+      </p:cxnSp>
+      <p:cxnSp>
+        <p:nvCxnSpPr>
+          <p:cNvPr id="243" name="肘形连接符 84"/>
+          <p:cNvCxnSpPr>
+            <a:stCxn id="89" idx="2"/>
+            <a:endCxn id="73" idx="0"/>
+          </p:cNvCxnSpPr>
+          <p:nvPr/>
+        </p:nvCxnSpPr>
+        <p:spPr>
+          <a:xfrm rot="16200000" flipH="1">
+            <a:off x="2371308" y="4947275"/>
+            <a:ext cx="593559" cy="5918"/>
+          </a:xfrm>
+          <a:prstGeom prst="bentConnector3">
+            <a:avLst>
+              <a:gd name="adj1" fmla="val 50000"/>
+            </a:avLst>
+          </a:prstGeom>
+          <a:ln w="19050">
+            <a:solidFill>
+              <a:schemeClr val="tx1"/>
+            </a:solidFill>
+            <a:tailEnd type="arrow"/>
+          </a:ln>
+        </p:spPr>
+        <p:style>
+          <a:lnRef idx="1">
+            <a:schemeClr val="accent1"/>
+          </a:lnRef>
+          <a:fillRef idx="0">
+            <a:schemeClr val="accent1"/>
+          </a:fillRef>
+          <a:effectRef idx="0">
+            <a:schemeClr val="accent1"/>
+          </a:effectRef>
+          <a:fontRef idx="minor">
+            <a:schemeClr val="tx1"/>
+          </a:fontRef>
+        </p:style>
+      </p:cxnSp>
+      <p:cxnSp>
+        <p:nvCxnSpPr>
+          <p:cNvPr id="264" name="肘形连接符 84"/>
+          <p:cNvCxnSpPr>
+            <a:stCxn id="12" idx="2"/>
+            <a:endCxn id="8" idx="0"/>
+          </p:cNvCxnSpPr>
+          <p:nvPr/>
+        </p:nvCxnSpPr>
+        <p:spPr>
+          <a:xfrm rot="5400000">
+            <a:off x="7165077" y="4727285"/>
+            <a:ext cx="457376" cy="321800"/>
+          </a:xfrm>
+          <a:prstGeom prst="bentConnector3">
+            <a:avLst>
+              <a:gd name="adj1" fmla="val 46668"/>
+            </a:avLst>
+          </a:prstGeom>
+          <a:ln w="19050">
+            <a:solidFill>
+              <a:schemeClr val="tx1"/>
+            </a:solidFill>
+            <a:tailEnd type="arrow"/>
+          </a:ln>
+        </p:spPr>
+        <p:style>
+          <a:lnRef idx="1">
+            <a:schemeClr val="accent1"/>
+          </a:lnRef>
+          <a:fillRef idx="0">
+            <a:schemeClr val="accent1"/>
+          </a:fillRef>
+          <a:effectRef idx="0">
+            <a:schemeClr val="accent1"/>
+          </a:effectRef>
+          <a:fontRef idx="minor">
+            <a:schemeClr val="tx1"/>
+          </a:fontRef>
+        </p:style>
+      </p:cxnSp>
+      <p:sp>
+        <p:nvSpPr>
+          <p:cNvPr id="25" name="圆角矩形 31"/>
+          <p:cNvSpPr/>
+          <p:nvPr/>
+        </p:nvSpPr>
+        <p:spPr>
+          <a:xfrm>
+            <a:off x="1875155" y="5948680"/>
+            <a:ext cx="9761220" cy="635635"/>
+          </a:xfrm>
+          <a:prstGeom prst="roundRect">
+            <a:avLst/>
+          </a:prstGeom>
+          <a:solidFill>
+            <a:schemeClr val="bg2">
+              <a:lumMod val="75000"/>
+            </a:schemeClr>
+          </a:solidFill>
+          <a:ln w="57150">
+            <a:solidFill>
+              <a:schemeClr val="tx1"/>
+            </a:solidFill>
+          </a:ln>
+        </p:spPr>
+        <p:style>
+          <a:lnRef idx="2">
+            <a:schemeClr val="accent1">
+              <a:shade val="50000"/>
+            </a:schemeClr>
+          </a:lnRef>
+          <a:fillRef idx="1">
+            <a:schemeClr val="accent1"/>
+          </a:fillRef>
+          <a:effectRef idx="0">
+            <a:schemeClr val="accent1"/>
+          </a:effectRef>
+          <a:fontRef idx="minor">
+            <a:schemeClr val="lt1"/>
+          </a:fontRef>
+        </p:style>
+        <p:txBody>
+          <a:bodyPr wrap="none" rtlCol="0" anchor="ctr"/>
+          <a:lstStyle/>
+          <a:p>
+            <a:pPr algn="ctr"/>
+            <a:r>
+              <a:rPr lang="en-US" altLang="zh-CN" sz="2400" dirty="0">
+                <a:solidFill>
+                  <a:schemeClr val="tx1"/>
+                </a:solidFill>
+              </a:rPr>
+              <a:t>Traffic Management(istio)			Monitoring &amp; Metrics</a:t>
+            </a:r>
+          </a:p>
+        </p:txBody>
+      </p:sp>
+    </p:spTree>
+    <p:extLst>
+      <p:ext uri="{BB962C8B-B14F-4D97-AF65-F5344CB8AC3E}">
+        <p14:creationId xmlns:p14="http://schemas.microsoft.com/office/powerpoint/2010/main" val="3046550354"/>
+      </p:ext>
+    </p:extLst>
+  </p:cSld>
+  <p:clrMapOvr>
+    <a:masterClrMapping/>
+  </p:clrMapOvr>
+</p:sld>
+</file>
+
+<file path=ppt/slides/slide5.xml><?xml version="1.0" encoding="utf-8"?>
 <p:sld xmlns:a="http://schemas.openxmlformats.org/drawingml/2006/main" xmlns:r="http://schemas.openxmlformats.org/officeDocument/2006/relationships" xmlns:p="http://schemas.openxmlformats.org/presentationml/2006/main">
   <p:cSld>
     <p:spTree>
